--- a/basic/fig/slide.pptx
+++ b/basic/fig/slide.pptx
@@ -5,7 +5,7 @@
     <p:sldMasterId id="2147483663" r:id="rId1"/>
   </p:sldMasterIdLst>
   <p:notesMasterIdLst>
-    <p:notesMasterId r:id="rId12"/>
+    <p:notesMasterId r:id="rId20"/>
   </p:notesMasterIdLst>
   <p:sldIdLst>
     <p:sldId id="256" r:id="rId2"/>
@@ -16,8 +16,16 @@
     <p:sldId id="265" r:id="rId7"/>
     <p:sldId id="266" r:id="rId8"/>
     <p:sldId id="267" r:id="rId9"/>
-    <p:sldId id="268" r:id="rId10"/>
+    <p:sldId id="272" r:id="rId10"/>
     <p:sldId id="269" r:id="rId11"/>
+    <p:sldId id="270" r:id="rId12"/>
+    <p:sldId id="271" r:id="rId13"/>
+    <p:sldId id="273" r:id="rId14"/>
+    <p:sldId id="274" r:id="rId15"/>
+    <p:sldId id="275" r:id="rId16"/>
+    <p:sldId id="276" r:id="rId17"/>
+    <p:sldId id="277" r:id="rId18"/>
+    <p:sldId id="278" r:id="rId19"/>
   </p:sldIdLst>
   <p:sldSz cx="9144000" cy="6858000" type="screen4x3"/>
   <p:notesSz cx="6858000" cy="9144000"/>
@@ -3338,6 +3346,5741 @@
 </p:sld>
 </file>
 
+<file path=ppt/slides/slide11.xml><?xml version="1.0" encoding="utf-8"?>
+<p:sld xmlns:a="http://schemas.openxmlformats.org/drawingml/2006/main" xmlns:r="http://schemas.openxmlformats.org/officeDocument/2006/relationships" xmlns:p="http://schemas.openxmlformats.org/presentationml/2006/main">
+  <p:cSld>
+    <p:spTree>
+      <p:nvGrpSpPr>
+        <p:cNvPr id="1" name=""/>
+        <p:cNvGrpSpPr/>
+        <p:nvPr/>
+      </p:nvGrpSpPr>
+      <p:grpSpPr>
+        <a:xfrm>
+          <a:off x="0" y="0"/>
+          <a:ext cx="0" cy="0"/>
+          <a:chOff x="0" y="0"/>
+          <a:chExt cx="0" cy="0"/>
+        </a:xfrm>
+      </p:grpSpPr>
+      <p:sp>
+        <p:nvSpPr>
+          <p:cNvPr id="2" name="テキスト プレースホルダー 1">
+            <a:extLst>
+              <a:ext uri="{FF2B5EF4-FFF2-40B4-BE49-F238E27FC236}">
+                <a16:creationId xmlns:a16="http://schemas.microsoft.com/office/drawing/2014/main" id="{2673B0C0-BB4C-2149-A545-B23C68631A7C}"/>
+              </a:ext>
+            </a:extLst>
+          </p:cNvPr>
+          <p:cNvSpPr>
+            <a:spLocks noGrp="1"/>
+          </p:cNvSpPr>
+          <p:nvPr>
+            <p:ph type="body" sz="quarter" idx="10"/>
+          </p:nvPr>
+        </p:nvSpPr>
+        <p:spPr/>
+        <p:txBody>
+          <a:bodyPr/>
+          <a:lstStyle/>
+          <a:p>
+            <a:r>
+              <a:rPr kumimoji="1" lang="ja-JP" altLang="en-US"/>
+              <a:t>変数の型</a:t>
+            </a:r>
+          </a:p>
+        </p:txBody>
+      </p:sp>
+      <p:sp>
+        <p:nvSpPr>
+          <p:cNvPr id="18" name="正方形/長方形 17">
+            <a:extLst>
+              <a:ext uri="{FF2B5EF4-FFF2-40B4-BE49-F238E27FC236}">
+                <a16:creationId xmlns:a16="http://schemas.microsoft.com/office/drawing/2014/main" id="{73A755ED-FE4E-534E-BEF4-D1F08EC80EE9}"/>
+              </a:ext>
+            </a:extLst>
+          </p:cNvPr>
+          <p:cNvSpPr/>
+          <p:nvPr/>
+        </p:nvSpPr>
+        <p:spPr>
+          <a:xfrm>
+            <a:off x="611560" y="5013176"/>
+            <a:ext cx="1440160" cy="360040"/>
+          </a:xfrm>
+          <a:prstGeom prst="rect">
+            <a:avLst/>
+          </a:prstGeom>
+          <a:noFill/>
+          <a:ln>
+            <a:solidFill>
+              <a:schemeClr val="tx1"/>
+            </a:solidFill>
+          </a:ln>
+        </p:spPr>
+        <p:style>
+          <a:lnRef idx="2">
+            <a:schemeClr val="accent1">
+              <a:shade val="50000"/>
+            </a:schemeClr>
+          </a:lnRef>
+          <a:fillRef idx="1">
+            <a:schemeClr val="accent1"/>
+          </a:fillRef>
+          <a:effectRef idx="0">
+            <a:schemeClr val="accent1"/>
+          </a:effectRef>
+          <a:fontRef idx="minor">
+            <a:schemeClr val="lt1"/>
+          </a:fontRef>
+        </p:style>
+        <p:txBody>
+          <a:bodyPr rtlCol="0" anchor="ctr"/>
+          <a:lstStyle/>
+          <a:p>
+            <a:pPr algn="ctr"/>
+            <a:r>
+              <a:rPr kumimoji="1" lang="en-US" altLang="ja-JP">
+                <a:solidFill>
+                  <a:schemeClr val="tx1"/>
+                </a:solidFill>
+              </a:rPr>
+              <a:t>74</a:t>
+            </a:r>
+            <a:endParaRPr kumimoji="1" lang="ja-JP" altLang="en-US">
+              <a:solidFill>
+                <a:schemeClr val="tx1"/>
+              </a:solidFill>
+            </a:endParaRPr>
+          </a:p>
+        </p:txBody>
+      </p:sp>
+      <p:sp>
+        <p:nvSpPr>
+          <p:cNvPr id="19" name="正方形/長方形 18">
+            <a:extLst>
+              <a:ext uri="{FF2B5EF4-FFF2-40B4-BE49-F238E27FC236}">
+                <a16:creationId xmlns:a16="http://schemas.microsoft.com/office/drawing/2014/main" id="{EE4C3566-98B5-DE46-8B4A-8BEC40837D87}"/>
+              </a:ext>
+            </a:extLst>
+          </p:cNvPr>
+          <p:cNvSpPr/>
+          <p:nvPr/>
+        </p:nvSpPr>
+        <p:spPr>
+          <a:xfrm>
+            <a:off x="611560" y="5373216"/>
+            <a:ext cx="1440160" cy="360040"/>
+          </a:xfrm>
+          <a:prstGeom prst="rect">
+            <a:avLst/>
+          </a:prstGeom>
+          <a:noFill/>
+          <a:ln>
+            <a:solidFill>
+              <a:schemeClr val="tx1"/>
+            </a:solidFill>
+          </a:ln>
+        </p:spPr>
+        <p:style>
+          <a:lnRef idx="2">
+            <a:schemeClr val="accent1">
+              <a:shade val="50000"/>
+            </a:schemeClr>
+          </a:lnRef>
+          <a:fillRef idx="1">
+            <a:schemeClr val="accent1"/>
+          </a:fillRef>
+          <a:effectRef idx="0">
+            <a:schemeClr val="accent1"/>
+          </a:effectRef>
+          <a:fontRef idx="minor">
+            <a:schemeClr val="lt1"/>
+          </a:fontRef>
+        </p:style>
+        <p:txBody>
+          <a:bodyPr rtlCol="0" anchor="ctr"/>
+          <a:lstStyle/>
+          <a:p>
+            <a:pPr algn="ctr"/>
+            <a:r>
+              <a:rPr kumimoji="1" lang="en-US" altLang="ja-JP">
+                <a:solidFill>
+                  <a:schemeClr val="tx1"/>
+                </a:solidFill>
+              </a:rPr>
+              <a:t>65</a:t>
+            </a:r>
+            <a:endParaRPr kumimoji="1" lang="ja-JP" altLang="en-US">
+              <a:solidFill>
+                <a:schemeClr val="tx1"/>
+              </a:solidFill>
+            </a:endParaRPr>
+          </a:p>
+        </p:txBody>
+      </p:sp>
+      <p:sp>
+        <p:nvSpPr>
+          <p:cNvPr id="20" name="正方形/長方形 19">
+            <a:extLst>
+              <a:ext uri="{FF2B5EF4-FFF2-40B4-BE49-F238E27FC236}">
+                <a16:creationId xmlns:a16="http://schemas.microsoft.com/office/drawing/2014/main" id="{D2095A1E-59ED-ED4D-B03B-3DFBDDCD9D58}"/>
+              </a:ext>
+            </a:extLst>
+          </p:cNvPr>
+          <p:cNvSpPr/>
+          <p:nvPr/>
+        </p:nvSpPr>
+        <p:spPr>
+          <a:xfrm>
+            <a:off x="611560" y="5733256"/>
+            <a:ext cx="1440160" cy="360040"/>
+          </a:xfrm>
+          <a:prstGeom prst="rect">
+            <a:avLst/>
+          </a:prstGeom>
+          <a:noFill/>
+          <a:ln>
+            <a:solidFill>
+              <a:schemeClr val="tx1"/>
+            </a:solidFill>
+          </a:ln>
+        </p:spPr>
+        <p:style>
+          <a:lnRef idx="2">
+            <a:schemeClr val="accent1">
+              <a:shade val="50000"/>
+            </a:schemeClr>
+          </a:lnRef>
+          <a:fillRef idx="1">
+            <a:schemeClr val="accent1"/>
+          </a:fillRef>
+          <a:effectRef idx="0">
+            <a:schemeClr val="accent1"/>
+          </a:effectRef>
+          <a:fontRef idx="minor">
+            <a:schemeClr val="lt1"/>
+          </a:fontRef>
+        </p:style>
+        <p:txBody>
+          <a:bodyPr rtlCol="0" anchor="ctr"/>
+          <a:lstStyle/>
+          <a:p>
+            <a:pPr algn="ctr"/>
+            <a:r>
+              <a:rPr kumimoji="1" lang="en-US" altLang="ja-JP">
+                <a:solidFill>
+                  <a:schemeClr val="tx1"/>
+                </a:solidFill>
+              </a:rPr>
+              <a:t>73</a:t>
+            </a:r>
+            <a:endParaRPr kumimoji="1" lang="ja-JP" altLang="en-US">
+              <a:solidFill>
+                <a:schemeClr val="tx1"/>
+              </a:solidFill>
+            </a:endParaRPr>
+          </a:p>
+        </p:txBody>
+      </p:sp>
+      <p:sp>
+        <p:nvSpPr>
+          <p:cNvPr id="21" name="正方形/長方形 20">
+            <a:extLst>
+              <a:ext uri="{FF2B5EF4-FFF2-40B4-BE49-F238E27FC236}">
+                <a16:creationId xmlns:a16="http://schemas.microsoft.com/office/drawing/2014/main" id="{46B7A3F4-B1B6-2641-9147-6A4673DE118C}"/>
+              </a:ext>
+            </a:extLst>
+          </p:cNvPr>
+          <p:cNvSpPr/>
+          <p:nvPr/>
+        </p:nvSpPr>
+        <p:spPr>
+          <a:xfrm>
+            <a:off x="611560" y="6093296"/>
+            <a:ext cx="1440160" cy="360040"/>
+          </a:xfrm>
+          <a:prstGeom prst="rect">
+            <a:avLst/>
+          </a:prstGeom>
+          <a:noFill/>
+          <a:ln>
+            <a:solidFill>
+              <a:schemeClr val="tx1"/>
+            </a:solidFill>
+          </a:ln>
+        </p:spPr>
+        <p:style>
+          <a:lnRef idx="2">
+            <a:schemeClr val="accent1">
+              <a:shade val="50000"/>
+            </a:schemeClr>
+          </a:lnRef>
+          <a:fillRef idx="1">
+            <a:schemeClr val="accent1"/>
+          </a:fillRef>
+          <a:effectRef idx="0">
+            <a:schemeClr val="accent1"/>
+          </a:effectRef>
+          <a:fontRef idx="minor">
+            <a:schemeClr val="lt1"/>
+          </a:fontRef>
+        </p:style>
+        <p:txBody>
+          <a:bodyPr rtlCol="0" anchor="ctr"/>
+          <a:lstStyle/>
+          <a:p>
+            <a:pPr algn="ctr"/>
+            <a:r>
+              <a:rPr kumimoji="1" lang="en-US" altLang="ja-JP">
+                <a:solidFill>
+                  <a:schemeClr val="tx1"/>
+                </a:solidFill>
+              </a:rPr>
+              <a:t>74</a:t>
+            </a:r>
+            <a:endParaRPr kumimoji="1" lang="ja-JP" altLang="en-US">
+              <a:solidFill>
+                <a:schemeClr val="tx1"/>
+              </a:solidFill>
+            </a:endParaRPr>
+          </a:p>
+        </p:txBody>
+      </p:sp>
+      <p:sp>
+        <p:nvSpPr>
+          <p:cNvPr id="22" name="正方形/長方形 21">
+            <a:extLst>
+              <a:ext uri="{FF2B5EF4-FFF2-40B4-BE49-F238E27FC236}">
+                <a16:creationId xmlns:a16="http://schemas.microsoft.com/office/drawing/2014/main" id="{3261A5D5-423B-1747-A585-9861FE6D31C7}"/>
+              </a:ext>
+            </a:extLst>
+          </p:cNvPr>
+          <p:cNvSpPr/>
+          <p:nvPr/>
+        </p:nvSpPr>
+        <p:spPr>
+          <a:xfrm>
+            <a:off x="611560" y="3573016"/>
+            <a:ext cx="1440160" cy="360040"/>
+          </a:xfrm>
+          <a:prstGeom prst="rect">
+            <a:avLst/>
+          </a:prstGeom>
+          <a:noFill/>
+          <a:ln>
+            <a:solidFill>
+              <a:schemeClr val="tx1"/>
+            </a:solidFill>
+          </a:ln>
+        </p:spPr>
+        <p:style>
+          <a:lnRef idx="2">
+            <a:schemeClr val="accent1">
+              <a:shade val="50000"/>
+            </a:schemeClr>
+          </a:lnRef>
+          <a:fillRef idx="1">
+            <a:schemeClr val="accent1"/>
+          </a:fillRef>
+          <a:effectRef idx="0">
+            <a:schemeClr val="accent1"/>
+          </a:effectRef>
+          <a:fontRef idx="minor">
+            <a:schemeClr val="lt1"/>
+          </a:fontRef>
+        </p:style>
+        <p:txBody>
+          <a:bodyPr rtlCol="0" anchor="ctr"/>
+          <a:lstStyle/>
+          <a:p>
+            <a:pPr algn="ctr"/>
+            <a:r>
+              <a:rPr kumimoji="1" lang="en-US" altLang="ja-JP">
+                <a:solidFill>
+                  <a:schemeClr val="tx1"/>
+                </a:solidFill>
+              </a:rPr>
+              <a:t>00</a:t>
+            </a:r>
+            <a:endParaRPr kumimoji="1" lang="ja-JP" altLang="en-US">
+              <a:solidFill>
+                <a:schemeClr val="tx1"/>
+              </a:solidFill>
+            </a:endParaRPr>
+          </a:p>
+        </p:txBody>
+      </p:sp>
+      <p:sp>
+        <p:nvSpPr>
+          <p:cNvPr id="23" name="正方形/長方形 22">
+            <a:extLst>
+              <a:ext uri="{FF2B5EF4-FFF2-40B4-BE49-F238E27FC236}">
+                <a16:creationId xmlns:a16="http://schemas.microsoft.com/office/drawing/2014/main" id="{1EDBFB5A-16EF-A247-911D-9EDC59836B25}"/>
+              </a:ext>
+            </a:extLst>
+          </p:cNvPr>
+          <p:cNvSpPr/>
+          <p:nvPr/>
+        </p:nvSpPr>
+        <p:spPr>
+          <a:xfrm>
+            <a:off x="611560" y="3933056"/>
+            <a:ext cx="1440160" cy="360040"/>
+          </a:xfrm>
+          <a:prstGeom prst="rect">
+            <a:avLst/>
+          </a:prstGeom>
+          <a:noFill/>
+          <a:ln>
+            <a:solidFill>
+              <a:schemeClr val="tx1"/>
+            </a:solidFill>
+          </a:ln>
+        </p:spPr>
+        <p:style>
+          <a:lnRef idx="2">
+            <a:schemeClr val="accent1">
+              <a:shade val="50000"/>
+            </a:schemeClr>
+          </a:lnRef>
+          <a:fillRef idx="1">
+            <a:schemeClr val="accent1"/>
+          </a:fillRef>
+          <a:effectRef idx="0">
+            <a:schemeClr val="accent1"/>
+          </a:effectRef>
+          <a:fontRef idx="minor">
+            <a:schemeClr val="lt1"/>
+          </a:fontRef>
+        </p:style>
+        <p:txBody>
+          <a:bodyPr rtlCol="0" anchor="ctr"/>
+          <a:lstStyle/>
+          <a:p>
+            <a:pPr algn="ctr"/>
+            <a:r>
+              <a:rPr kumimoji="1" lang="en-US" altLang="ja-JP">
+                <a:solidFill>
+                  <a:schemeClr val="tx1"/>
+                </a:solidFill>
+              </a:rPr>
+              <a:t>00</a:t>
+            </a:r>
+            <a:endParaRPr kumimoji="1" lang="ja-JP" altLang="en-US">
+              <a:solidFill>
+                <a:schemeClr val="tx1"/>
+              </a:solidFill>
+            </a:endParaRPr>
+          </a:p>
+        </p:txBody>
+      </p:sp>
+      <p:sp>
+        <p:nvSpPr>
+          <p:cNvPr id="24" name="正方形/長方形 23">
+            <a:extLst>
+              <a:ext uri="{FF2B5EF4-FFF2-40B4-BE49-F238E27FC236}">
+                <a16:creationId xmlns:a16="http://schemas.microsoft.com/office/drawing/2014/main" id="{047E82D7-21AD-9843-945D-B74989B04E72}"/>
+              </a:ext>
+            </a:extLst>
+          </p:cNvPr>
+          <p:cNvSpPr/>
+          <p:nvPr/>
+        </p:nvSpPr>
+        <p:spPr>
+          <a:xfrm>
+            <a:off x="611560" y="4293096"/>
+            <a:ext cx="1440160" cy="360040"/>
+          </a:xfrm>
+          <a:prstGeom prst="rect">
+            <a:avLst/>
+          </a:prstGeom>
+          <a:noFill/>
+          <a:ln>
+            <a:solidFill>
+              <a:schemeClr val="tx1"/>
+            </a:solidFill>
+          </a:ln>
+        </p:spPr>
+        <p:style>
+          <a:lnRef idx="2">
+            <a:schemeClr val="accent1">
+              <a:shade val="50000"/>
+            </a:schemeClr>
+          </a:lnRef>
+          <a:fillRef idx="1">
+            <a:schemeClr val="accent1"/>
+          </a:fillRef>
+          <a:effectRef idx="0">
+            <a:schemeClr val="accent1"/>
+          </a:effectRef>
+          <a:fontRef idx="minor">
+            <a:schemeClr val="lt1"/>
+          </a:fontRef>
+        </p:style>
+        <p:txBody>
+          <a:bodyPr rtlCol="0" anchor="ctr"/>
+          <a:lstStyle/>
+          <a:p>
+            <a:pPr algn="ctr"/>
+            <a:r>
+              <a:rPr kumimoji="1" lang="en-US" altLang="ja-JP">
+                <a:solidFill>
+                  <a:schemeClr val="tx1"/>
+                </a:solidFill>
+              </a:rPr>
+              <a:t>00</a:t>
+            </a:r>
+            <a:endParaRPr kumimoji="1" lang="ja-JP" altLang="en-US">
+              <a:solidFill>
+                <a:schemeClr val="tx1"/>
+              </a:solidFill>
+            </a:endParaRPr>
+          </a:p>
+        </p:txBody>
+      </p:sp>
+      <p:sp>
+        <p:nvSpPr>
+          <p:cNvPr id="25" name="正方形/長方形 24">
+            <a:extLst>
+              <a:ext uri="{FF2B5EF4-FFF2-40B4-BE49-F238E27FC236}">
+                <a16:creationId xmlns:a16="http://schemas.microsoft.com/office/drawing/2014/main" id="{ED74F6D4-C0C1-244B-A9B0-AB28488428F0}"/>
+              </a:ext>
+            </a:extLst>
+          </p:cNvPr>
+          <p:cNvSpPr/>
+          <p:nvPr/>
+        </p:nvSpPr>
+        <p:spPr>
+          <a:xfrm>
+            <a:off x="611560" y="4653136"/>
+            <a:ext cx="1440160" cy="360040"/>
+          </a:xfrm>
+          <a:prstGeom prst="rect">
+            <a:avLst/>
+          </a:prstGeom>
+          <a:noFill/>
+          <a:ln>
+            <a:solidFill>
+              <a:schemeClr val="tx1"/>
+            </a:solidFill>
+          </a:ln>
+        </p:spPr>
+        <p:style>
+          <a:lnRef idx="2">
+            <a:schemeClr val="accent1">
+              <a:shade val="50000"/>
+            </a:schemeClr>
+          </a:lnRef>
+          <a:fillRef idx="1">
+            <a:schemeClr val="accent1"/>
+          </a:fillRef>
+          <a:effectRef idx="0">
+            <a:schemeClr val="accent1"/>
+          </a:effectRef>
+          <a:fontRef idx="minor">
+            <a:schemeClr val="lt1"/>
+          </a:fontRef>
+        </p:style>
+        <p:txBody>
+          <a:bodyPr rtlCol="0" anchor="ctr"/>
+          <a:lstStyle/>
+          <a:p>
+            <a:pPr algn="ctr"/>
+            <a:r>
+              <a:rPr kumimoji="1" lang="en-US" altLang="ja-JP">
+                <a:solidFill>
+                  <a:schemeClr val="tx1"/>
+                </a:solidFill>
+              </a:rPr>
+              <a:t>00</a:t>
+            </a:r>
+            <a:endParaRPr kumimoji="1" lang="ja-JP" altLang="en-US">
+              <a:solidFill>
+                <a:schemeClr val="tx1"/>
+              </a:solidFill>
+            </a:endParaRPr>
+          </a:p>
+        </p:txBody>
+      </p:sp>
+      <p:sp>
+        <p:nvSpPr>
+          <p:cNvPr id="26" name="正方形/長方形 25">
+            <a:extLst>
+              <a:ext uri="{FF2B5EF4-FFF2-40B4-BE49-F238E27FC236}">
+                <a16:creationId xmlns:a16="http://schemas.microsoft.com/office/drawing/2014/main" id="{10D33F69-6F53-C849-93B1-679A2BC71DAC}"/>
+              </a:ext>
+            </a:extLst>
+          </p:cNvPr>
+          <p:cNvSpPr/>
+          <p:nvPr/>
+        </p:nvSpPr>
+        <p:spPr>
+          <a:xfrm>
+            <a:off x="611560" y="2132856"/>
+            <a:ext cx="1440160" cy="360040"/>
+          </a:xfrm>
+          <a:prstGeom prst="rect">
+            <a:avLst/>
+          </a:prstGeom>
+          <a:noFill/>
+          <a:ln>
+            <a:solidFill>
+              <a:schemeClr val="tx1"/>
+            </a:solidFill>
+          </a:ln>
+        </p:spPr>
+        <p:style>
+          <a:lnRef idx="2">
+            <a:schemeClr val="accent1">
+              <a:shade val="50000"/>
+            </a:schemeClr>
+          </a:lnRef>
+          <a:fillRef idx="1">
+            <a:schemeClr val="accent1"/>
+          </a:fillRef>
+          <a:effectRef idx="0">
+            <a:schemeClr val="accent1"/>
+          </a:effectRef>
+          <a:fontRef idx="minor">
+            <a:schemeClr val="lt1"/>
+          </a:fontRef>
+        </p:style>
+        <p:txBody>
+          <a:bodyPr rtlCol="0" anchor="ctr"/>
+          <a:lstStyle/>
+          <a:p>
+            <a:pPr algn="ctr"/>
+            <a:r>
+              <a:rPr kumimoji="1" lang="en-US" altLang="ja-JP">
+                <a:solidFill>
+                  <a:schemeClr val="tx1"/>
+                </a:solidFill>
+              </a:rPr>
+              <a:t>3F</a:t>
+            </a:r>
+            <a:endParaRPr kumimoji="1" lang="ja-JP" altLang="en-US">
+              <a:solidFill>
+                <a:schemeClr val="tx1"/>
+              </a:solidFill>
+            </a:endParaRPr>
+          </a:p>
+        </p:txBody>
+      </p:sp>
+      <p:sp>
+        <p:nvSpPr>
+          <p:cNvPr id="27" name="正方形/長方形 26">
+            <a:extLst>
+              <a:ext uri="{FF2B5EF4-FFF2-40B4-BE49-F238E27FC236}">
+                <a16:creationId xmlns:a16="http://schemas.microsoft.com/office/drawing/2014/main" id="{66688D38-A8C5-5443-9C62-6DFE3270818D}"/>
+              </a:ext>
+            </a:extLst>
+          </p:cNvPr>
+          <p:cNvSpPr/>
+          <p:nvPr/>
+        </p:nvSpPr>
+        <p:spPr>
+          <a:xfrm>
+            <a:off x="611560" y="2492896"/>
+            <a:ext cx="1440160" cy="360040"/>
+          </a:xfrm>
+          <a:prstGeom prst="rect">
+            <a:avLst/>
+          </a:prstGeom>
+          <a:noFill/>
+          <a:ln>
+            <a:solidFill>
+              <a:schemeClr val="tx1"/>
+            </a:solidFill>
+          </a:ln>
+        </p:spPr>
+        <p:style>
+          <a:lnRef idx="2">
+            <a:schemeClr val="accent1">
+              <a:shade val="50000"/>
+            </a:schemeClr>
+          </a:lnRef>
+          <a:fillRef idx="1">
+            <a:schemeClr val="accent1"/>
+          </a:fillRef>
+          <a:effectRef idx="0">
+            <a:schemeClr val="accent1"/>
+          </a:effectRef>
+          <a:fontRef idx="minor">
+            <a:schemeClr val="lt1"/>
+          </a:fontRef>
+        </p:style>
+        <p:txBody>
+          <a:bodyPr rtlCol="0" anchor="ctr"/>
+          <a:lstStyle/>
+          <a:p>
+            <a:pPr algn="ctr"/>
+            <a:r>
+              <a:rPr kumimoji="1" lang="en-US" altLang="ja-JP">
+                <a:solidFill>
+                  <a:schemeClr val="tx1"/>
+                </a:solidFill>
+              </a:rPr>
+              <a:t>F0</a:t>
+            </a:r>
+            <a:endParaRPr kumimoji="1" lang="ja-JP" altLang="en-US">
+              <a:solidFill>
+                <a:schemeClr val="tx1"/>
+              </a:solidFill>
+            </a:endParaRPr>
+          </a:p>
+        </p:txBody>
+      </p:sp>
+      <p:sp>
+        <p:nvSpPr>
+          <p:cNvPr id="28" name="正方形/長方形 27">
+            <a:extLst>
+              <a:ext uri="{FF2B5EF4-FFF2-40B4-BE49-F238E27FC236}">
+                <a16:creationId xmlns:a16="http://schemas.microsoft.com/office/drawing/2014/main" id="{EEF3AFE3-7011-5D42-A3A4-19835150F1FB}"/>
+              </a:ext>
+            </a:extLst>
+          </p:cNvPr>
+          <p:cNvSpPr/>
+          <p:nvPr/>
+        </p:nvSpPr>
+        <p:spPr>
+          <a:xfrm>
+            <a:off x="611560" y="2852936"/>
+            <a:ext cx="1440160" cy="360040"/>
+          </a:xfrm>
+          <a:prstGeom prst="rect">
+            <a:avLst/>
+          </a:prstGeom>
+          <a:noFill/>
+          <a:ln>
+            <a:solidFill>
+              <a:schemeClr val="tx1"/>
+            </a:solidFill>
+          </a:ln>
+        </p:spPr>
+        <p:style>
+          <a:lnRef idx="2">
+            <a:schemeClr val="accent1">
+              <a:shade val="50000"/>
+            </a:schemeClr>
+          </a:lnRef>
+          <a:fillRef idx="1">
+            <a:schemeClr val="accent1"/>
+          </a:fillRef>
+          <a:effectRef idx="0">
+            <a:schemeClr val="accent1"/>
+          </a:effectRef>
+          <a:fontRef idx="minor">
+            <a:schemeClr val="lt1"/>
+          </a:fontRef>
+        </p:style>
+        <p:txBody>
+          <a:bodyPr rtlCol="0" anchor="ctr"/>
+          <a:lstStyle/>
+          <a:p>
+            <a:pPr algn="ctr"/>
+            <a:r>
+              <a:rPr kumimoji="1" lang="en-US" altLang="ja-JP">
+                <a:solidFill>
+                  <a:schemeClr val="tx1"/>
+                </a:solidFill>
+              </a:rPr>
+              <a:t>00</a:t>
+            </a:r>
+            <a:endParaRPr kumimoji="1" lang="ja-JP" altLang="en-US">
+              <a:solidFill>
+                <a:schemeClr val="tx1"/>
+              </a:solidFill>
+            </a:endParaRPr>
+          </a:p>
+        </p:txBody>
+      </p:sp>
+      <p:sp>
+        <p:nvSpPr>
+          <p:cNvPr id="29" name="正方形/長方形 28">
+            <a:extLst>
+              <a:ext uri="{FF2B5EF4-FFF2-40B4-BE49-F238E27FC236}">
+                <a16:creationId xmlns:a16="http://schemas.microsoft.com/office/drawing/2014/main" id="{B6FD2A59-B549-B748-AD91-8A8491A1FFA4}"/>
+              </a:ext>
+            </a:extLst>
+          </p:cNvPr>
+          <p:cNvSpPr/>
+          <p:nvPr/>
+        </p:nvSpPr>
+        <p:spPr>
+          <a:xfrm>
+            <a:off x="611560" y="3212976"/>
+            <a:ext cx="1440160" cy="360040"/>
+          </a:xfrm>
+          <a:prstGeom prst="rect">
+            <a:avLst/>
+          </a:prstGeom>
+          <a:noFill/>
+          <a:ln>
+            <a:solidFill>
+              <a:schemeClr val="tx1"/>
+            </a:solidFill>
+          </a:ln>
+        </p:spPr>
+        <p:style>
+          <a:lnRef idx="2">
+            <a:schemeClr val="accent1">
+              <a:shade val="50000"/>
+            </a:schemeClr>
+          </a:lnRef>
+          <a:fillRef idx="1">
+            <a:schemeClr val="accent1"/>
+          </a:fillRef>
+          <a:effectRef idx="0">
+            <a:schemeClr val="accent1"/>
+          </a:effectRef>
+          <a:fontRef idx="minor">
+            <a:schemeClr val="lt1"/>
+          </a:fontRef>
+        </p:style>
+        <p:txBody>
+          <a:bodyPr rtlCol="0" anchor="ctr"/>
+          <a:lstStyle/>
+          <a:p>
+            <a:pPr algn="ctr"/>
+            <a:r>
+              <a:rPr kumimoji="1" lang="en-US" altLang="ja-JP">
+                <a:solidFill>
+                  <a:schemeClr val="tx1"/>
+                </a:solidFill>
+              </a:rPr>
+              <a:t>00</a:t>
+            </a:r>
+            <a:endParaRPr kumimoji="1" lang="ja-JP" altLang="en-US">
+              <a:solidFill>
+                <a:schemeClr val="tx1"/>
+              </a:solidFill>
+            </a:endParaRPr>
+          </a:p>
+        </p:txBody>
+      </p:sp>
+      <p:sp>
+        <p:nvSpPr>
+          <p:cNvPr id="31" name="テキスト ボックス 30">
+            <a:extLst>
+              <a:ext uri="{FF2B5EF4-FFF2-40B4-BE49-F238E27FC236}">
+                <a16:creationId xmlns:a16="http://schemas.microsoft.com/office/drawing/2014/main" id="{0576E169-29E9-4643-B00D-EC313DE6BFBA}"/>
+              </a:ext>
+            </a:extLst>
+          </p:cNvPr>
+          <p:cNvSpPr txBox="1"/>
+          <p:nvPr/>
+        </p:nvSpPr>
+        <p:spPr>
+          <a:xfrm>
+            <a:off x="683568" y="1556792"/>
+            <a:ext cx="1261884" cy="523220"/>
+          </a:xfrm>
+          <a:prstGeom prst="rect">
+            <a:avLst/>
+          </a:prstGeom>
+          <a:noFill/>
+        </p:spPr>
+        <p:txBody>
+          <a:bodyPr wrap="none" rtlCol="0">
+            <a:spAutoFit/>
+          </a:bodyPr>
+          <a:lstStyle/>
+          <a:p>
+            <a:r>
+              <a:rPr kumimoji="1" lang="ja-JP" altLang="en-US" sz="2800"/>
+              <a:t>メモリ</a:t>
+            </a:r>
+          </a:p>
+        </p:txBody>
+      </p:sp>
+      <p:sp>
+        <p:nvSpPr>
+          <p:cNvPr id="32" name="テキスト ボックス 31">
+            <a:extLst>
+              <a:ext uri="{FF2B5EF4-FFF2-40B4-BE49-F238E27FC236}">
+                <a16:creationId xmlns:a16="http://schemas.microsoft.com/office/drawing/2014/main" id="{843FDE72-0258-4B41-8D2B-F59F54A4AB72}"/>
+              </a:ext>
+            </a:extLst>
+          </p:cNvPr>
+          <p:cNvSpPr txBox="1"/>
+          <p:nvPr/>
+        </p:nvSpPr>
+        <p:spPr>
+          <a:xfrm>
+            <a:off x="2771800" y="1124744"/>
+            <a:ext cx="5570756" cy="523220"/>
+          </a:xfrm>
+          <a:prstGeom prst="rect">
+            <a:avLst/>
+          </a:prstGeom>
+          <a:noFill/>
+        </p:spPr>
+        <p:txBody>
+          <a:bodyPr wrap="none" rtlCol="0">
+            <a:spAutoFit/>
+          </a:bodyPr>
+          <a:lstStyle/>
+          <a:p>
+            <a:r>
+              <a:rPr lang="ja-JP" altLang="en-US" sz="2800"/>
+              <a:t>メモリに保存できるのは整数のみ</a:t>
+            </a:r>
+            <a:endParaRPr kumimoji="1" lang="ja-JP" altLang="en-US" sz="2800"/>
+          </a:p>
+        </p:txBody>
+      </p:sp>
+      <p:pic>
+        <p:nvPicPr>
+          <p:cNvPr id="33" name="図 32">
+            <a:extLst>
+              <a:ext uri="{FF2B5EF4-FFF2-40B4-BE49-F238E27FC236}">
+                <a16:creationId xmlns:a16="http://schemas.microsoft.com/office/drawing/2014/main" id="{3A60F7C2-908F-4A4C-A588-0CB9134B5647}"/>
+              </a:ext>
+            </a:extLst>
+          </p:cNvPr>
+          <p:cNvPicPr>
+            <a:picLocks noChangeAspect="1"/>
+          </p:cNvPicPr>
+          <p:nvPr/>
+        </p:nvPicPr>
+        <p:blipFill>
+          <a:blip r:embed="rId2"/>
+          <a:stretch>
+            <a:fillRect/>
+          </a:stretch>
+        </p:blipFill>
+        <p:spPr>
+          <a:xfrm>
+            <a:off x="4427984" y="1772816"/>
+            <a:ext cx="1986428" cy="1728192"/>
+          </a:xfrm>
+          <a:prstGeom prst="rect">
+            <a:avLst/>
+          </a:prstGeom>
+        </p:spPr>
+      </p:pic>
+      <p:sp>
+        <p:nvSpPr>
+          <p:cNvPr id="34" name="テキスト ボックス 33">
+            <a:extLst>
+              <a:ext uri="{FF2B5EF4-FFF2-40B4-BE49-F238E27FC236}">
+                <a16:creationId xmlns:a16="http://schemas.microsoft.com/office/drawing/2014/main" id="{E3538EBB-C864-634E-8FF2-E086FD8C0FA6}"/>
+              </a:ext>
+            </a:extLst>
+          </p:cNvPr>
+          <p:cNvSpPr txBox="1"/>
+          <p:nvPr/>
+        </p:nvSpPr>
+        <p:spPr>
+          <a:xfrm>
+            <a:off x="2699792" y="3573016"/>
+            <a:ext cx="5570756" cy="523220"/>
+          </a:xfrm>
+          <a:prstGeom prst="rect">
+            <a:avLst/>
+          </a:prstGeom>
+          <a:noFill/>
+        </p:spPr>
+        <p:txBody>
+          <a:bodyPr wrap="none" rtlCol="0">
+            <a:spAutoFit/>
+          </a:bodyPr>
+          <a:lstStyle/>
+          <a:p>
+            <a:r>
+              <a:rPr lang="ja-JP" altLang="en-US" sz="2800"/>
+              <a:t>浮動小数点数や文字列も</a:t>
+            </a:r>
+            <a:r>
+              <a:rPr kumimoji="1" lang="ja-JP" altLang="en-US" sz="2800"/>
+              <a:t>使いたい</a:t>
+            </a:r>
+          </a:p>
+        </p:txBody>
+      </p:sp>
+      <p:sp>
+        <p:nvSpPr>
+          <p:cNvPr id="35" name="右矢印 34">
+            <a:extLst>
+              <a:ext uri="{FF2B5EF4-FFF2-40B4-BE49-F238E27FC236}">
+                <a16:creationId xmlns:a16="http://schemas.microsoft.com/office/drawing/2014/main" id="{1A001417-D427-764A-81B4-835914F90634}"/>
+              </a:ext>
+            </a:extLst>
+          </p:cNvPr>
+          <p:cNvSpPr/>
+          <p:nvPr/>
+        </p:nvSpPr>
+        <p:spPr>
+          <a:xfrm rot="5400000">
+            <a:off x="5088761" y="4280391"/>
+            <a:ext cx="466759" cy="492169"/>
+          </a:xfrm>
+          <a:prstGeom prst="rightArrow">
+            <a:avLst/>
+          </a:prstGeom>
+          <a:solidFill>
+            <a:srgbClr val="FF0000"/>
+          </a:solidFill>
+          <a:ln>
+            <a:solidFill>
+              <a:schemeClr val="tx1"/>
+            </a:solidFill>
+          </a:ln>
+        </p:spPr>
+        <p:style>
+          <a:lnRef idx="2">
+            <a:schemeClr val="accent1">
+              <a:shade val="50000"/>
+            </a:schemeClr>
+          </a:lnRef>
+          <a:fillRef idx="1">
+            <a:schemeClr val="accent1"/>
+          </a:fillRef>
+          <a:effectRef idx="0">
+            <a:schemeClr val="accent1"/>
+          </a:effectRef>
+          <a:fontRef idx="minor">
+            <a:schemeClr val="lt1"/>
+          </a:fontRef>
+        </p:style>
+        <p:txBody>
+          <a:bodyPr rtlCol="0" anchor="ctr"/>
+          <a:lstStyle/>
+          <a:p>
+            <a:pPr algn="ctr"/>
+            <a:endParaRPr kumimoji="1" lang="ja-JP" altLang="en-US"/>
+          </a:p>
+        </p:txBody>
+      </p:sp>
+      <p:sp>
+        <p:nvSpPr>
+          <p:cNvPr id="36" name="テキスト ボックス 35">
+            <a:extLst>
+              <a:ext uri="{FF2B5EF4-FFF2-40B4-BE49-F238E27FC236}">
+                <a16:creationId xmlns:a16="http://schemas.microsoft.com/office/drawing/2014/main" id="{D38944D0-6BC9-0145-ABD3-4CCE269493FF}"/>
+              </a:ext>
+            </a:extLst>
+          </p:cNvPr>
+          <p:cNvSpPr txBox="1"/>
+          <p:nvPr/>
+        </p:nvSpPr>
+        <p:spPr>
+          <a:xfrm>
+            <a:off x="4211960" y="4941168"/>
+            <a:ext cx="2236510" cy="707886"/>
+          </a:xfrm>
+          <a:prstGeom prst="rect">
+            <a:avLst/>
+          </a:prstGeom>
+          <a:noFill/>
+        </p:spPr>
+        <p:txBody>
+          <a:bodyPr wrap="none" rtlCol="0">
+            <a:spAutoFit/>
+          </a:bodyPr>
+          <a:lstStyle/>
+          <a:p>
+            <a:r>
+              <a:rPr lang="ja-JP" altLang="en-US" sz="4000"/>
+              <a:t>変数の型</a:t>
+            </a:r>
+            <a:endParaRPr kumimoji="1" lang="ja-JP" altLang="en-US" sz="4000"/>
+          </a:p>
+        </p:txBody>
+      </p:sp>
+    </p:spTree>
+    <p:extLst>
+      <p:ext uri="{BB962C8B-B14F-4D97-AF65-F5344CB8AC3E}">
+        <p14:creationId xmlns:p14="http://schemas.microsoft.com/office/powerpoint/2010/main" val="2428318236"/>
+      </p:ext>
+    </p:extLst>
+  </p:cSld>
+  <p:clrMapOvr>
+    <a:masterClrMapping/>
+  </p:clrMapOvr>
+</p:sld>
+</file>
+
+<file path=ppt/slides/slide12.xml><?xml version="1.0" encoding="utf-8"?>
+<p:sld xmlns:a="http://schemas.openxmlformats.org/drawingml/2006/main" xmlns:r="http://schemas.openxmlformats.org/officeDocument/2006/relationships" xmlns:p="http://schemas.openxmlformats.org/presentationml/2006/main">
+  <p:cSld>
+    <p:spTree>
+      <p:nvGrpSpPr>
+        <p:cNvPr id="1" name=""/>
+        <p:cNvGrpSpPr/>
+        <p:nvPr/>
+      </p:nvGrpSpPr>
+      <p:grpSpPr>
+        <a:xfrm>
+          <a:off x="0" y="0"/>
+          <a:ext cx="0" cy="0"/>
+          <a:chOff x="0" y="0"/>
+          <a:chExt cx="0" cy="0"/>
+        </a:xfrm>
+      </p:grpSpPr>
+      <p:sp>
+        <p:nvSpPr>
+          <p:cNvPr id="2" name="テキスト プレースホルダー 1">
+            <a:extLst>
+              <a:ext uri="{FF2B5EF4-FFF2-40B4-BE49-F238E27FC236}">
+                <a16:creationId xmlns:a16="http://schemas.microsoft.com/office/drawing/2014/main" id="{B6E7A19E-818A-384E-A1E6-34B6E77EA1EF}"/>
+              </a:ext>
+            </a:extLst>
+          </p:cNvPr>
+          <p:cNvSpPr>
+            <a:spLocks noGrp="1"/>
+          </p:cNvSpPr>
+          <p:nvPr>
+            <p:ph type="body" sz="quarter" idx="10"/>
+          </p:nvPr>
+        </p:nvSpPr>
+        <p:spPr/>
+        <p:txBody>
+          <a:bodyPr/>
+          <a:lstStyle/>
+          <a:p>
+            <a:r>
+              <a:rPr kumimoji="1" lang="ja-JP" altLang="en-US"/>
+              <a:t>型とは</a:t>
+            </a:r>
+          </a:p>
+        </p:txBody>
+      </p:sp>
+      <p:sp>
+        <p:nvSpPr>
+          <p:cNvPr id="3" name="テキスト ボックス 2">
+            <a:extLst>
+              <a:ext uri="{FF2B5EF4-FFF2-40B4-BE49-F238E27FC236}">
+                <a16:creationId xmlns:a16="http://schemas.microsoft.com/office/drawing/2014/main" id="{9F6BEEE2-9DDB-0749-85D6-12E469442AAD}"/>
+              </a:ext>
+            </a:extLst>
+          </p:cNvPr>
+          <p:cNvSpPr txBox="1"/>
+          <p:nvPr/>
+        </p:nvSpPr>
+        <p:spPr>
+          <a:xfrm>
+            <a:off x="2051720" y="908720"/>
+            <a:ext cx="5109091" cy="584775"/>
+          </a:xfrm>
+          <a:prstGeom prst="rect">
+            <a:avLst/>
+          </a:prstGeom>
+          <a:noFill/>
+        </p:spPr>
+        <p:txBody>
+          <a:bodyPr wrap="none" rtlCol="0">
+            <a:spAutoFit/>
+          </a:bodyPr>
+          <a:lstStyle/>
+          <a:p>
+            <a:r>
+              <a:rPr kumimoji="1" lang="ja-JP" altLang="en-US" sz="3200"/>
+              <a:t>データを解釈する「約束」</a:t>
+            </a:r>
+          </a:p>
+        </p:txBody>
+      </p:sp>
+      <p:sp>
+        <p:nvSpPr>
+          <p:cNvPr id="17" name="正方形/長方形 16">
+            <a:extLst>
+              <a:ext uri="{FF2B5EF4-FFF2-40B4-BE49-F238E27FC236}">
+                <a16:creationId xmlns:a16="http://schemas.microsoft.com/office/drawing/2014/main" id="{B0B26985-167C-DC4C-AD9B-D7D19C1AE1F4}"/>
+              </a:ext>
+            </a:extLst>
+          </p:cNvPr>
+          <p:cNvSpPr/>
+          <p:nvPr/>
+        </p:nvSpPr>
+        <p:spPr>
+          <a:xfrm>
+            <a:off x="1259632" y="5157192"/>
+            <a:ext cx="1440160" cy="360040"/>
+          </a:xfrm>
+          <a:prstGeom prst="rect">
+            <a:avLst/>
+          </a:prstGeom>
+          <a:noFill/>
+          <a:ln>
+            <a:solidFill>
+              <a:schemeClr val="tx1"/>
+            </a:solidFill>
+          </a:ln>
+        </p:spPr>
+        <p:style>
+          <a:lnRef idx="2">
+            <a:schemeClr val="accent1">
+              <a:shade val="50000"/>
+            </a:schemeClr>
+          </a:lnRef>
+          <a:fillRef idx="1">
+            <a:schemeClr val="accent1"/>
+          </a:fillRef>
+          <a:effectRef idx="0">
+            <a:schemeClr val="accent1"/>
+          </a:effectRef>
+          <a:fontRef idx="minor">
+            <a:schemeClr val="lt1"/>
+          </a:fontRef>
+        </p:style>
+        <p:txBody>
+          <a:bodyPr rtlCol="0" anchor="ctr"/>
+          <a:lstStyle/>
+          <a:p>
+            <a:pPr algn="ctr"/>
+            <a:r>
+              <a:rPr kumimoji="1" lang="en-US" altLang="ja-JP">
+                <a:solidFill>
+                  <a:schemeClr val="tx1"/>
+                </a:solidFill>
+              </a:rPr>
+              <a:t>74</a:t>
+            </a:r>
+            <a:endParaRPr kumimoji="1" lang="ja-JP" altLang="en-US">
+              <a:solidFill>
+                <a:schemeClr val="tx1"/>
+              </a:solidFill>
+            </a:endParaRPr>
+          </a:p>
+        </p:txBody>
+      </p:sp>
+      <p:sp>
+        <p:nvSpPr>
+          <p:cNvPr id="18" name="正方形/長方形 17">
+            <a:extLst>
+              <a:ext uri="{FF2B5EF4-FFF2-40B4-BE49-F238E27FC236}">
+                <a16:creationId xmlns:a16="http://schemas.microsoft.com/office/drawing/2014/main" id="{52DE4AED-D0E1-E54E-88D9-ED12E5CEB786}"/>
+              </a:ext>
+            </a:extLst>
+          </p:cNvPr>
+          <p:cNvSpPr/>
+          <p:nvPr/>
+        </p:nvSpPr>
+        <p:spPr>
+          <a:xfrm>
+            <a:off x="1259632" y="5517232"/>
+            <a:ext cx="1440160" cy="360040"/>
+          </a:xfrm>
+          <a:prstGeom prst="rect">
+            <a:avLst/>
+          </a:prstGeom>
+          <a:noFill/>
+          <a:ln>
+            <a:solidFill>
+              <a:schemeClr val="tx1"/>
+            </a:solidFill>
+          </a:ln>
+        </p:spPr>
+        <p:style>
+          <a:lnRef idx="2">
+            <a:schemeClr val="accent1">
+              <a:shade val="50000"/>
+            </a:schemeClr>
+          </a:lnRef>
+          <a:fillRef idx="1">
+            <a:schemeClr val="accent1"/>
+          </a:fillRef>
+          <a:effectRef idx="0">
+            <a:schemeClr val="accent1"/>
+          </a:effectRef>
+          <a:fontRef idx="minor">
+            <a:schemeClr val="lt1"/>
+          </a:fontRef>
+        </p:style>
+        <p:txBody>
+          <a:bodyPr rtlCol="0" anchor="ctr"/>
+          <a:lstStyle/>
+          <a:p>
+            <a:pPr algn="ctr"/>
+            <a:r>
+              <a:rPr kumimoji="1" lang="en-US" altLang="ja-JP">
+                <a:solidFill>
+                  <a:schemeClr val="tx1"/>
+                </a:solidFill>
+              </a:rPr>
+              <a:t>65</a:t>
+            </a:r>
+            <a:endParaRPr kumimoji="1" lang="ja-JP" altLang="en-US">
+              <a:solidFill>
+                <a:schemeClr val="tx1"/>
+              </a:solidFill>
+            </a:endParaRPr>
+          </a:p>
+        </p:txBody>
+      </p:sp>
+      <p:sp>
+        <p:nvSpPr>
+          <p:cNvPr id="19" name="正方形/長方形 18">
+            <a:extLst>
+              <a:ext uri="{FF2B5EF4-FFF2-40B4-BE49-F238E27FC236}">
+                <a16:creationId xmlns:a16="http://schemas.microsoft.com/office/drawing/2014/main" id="{3FEC4092-34E5-B847-A37F-CB0F4D2F9975}"/>
+              </a:ext>
+            </a:extLst>
+          </p:cNvPr>
+          <p:cNvSpPr/>
+          <p:nvPr/>
+        </p:nvSpPr>
+        <p:spPr>
+          <a:xfrm>
+            <a:off x="1259632" y="5877272"/>
+            <a:ext cx="1440160" cy="360040"/>
+          </a:xfrm>
+          <a:prstGeom prst="rect">
+            <a:avLst/>
+          </a:prstGeom>
+          <a:noFill/>
+          <a:ln>
+            <a:solidFill>
+              <a:schemeClr val="tx1"/>
+            </a:solidFill>
+          </a:ln>
+        </p:spPr>
+        <p:style>
+          <a:lnRef idx="2">
+            <a:schemeClr val="accent1">
+              <a:shade val="50000"/>
+            </a:schemeClr>
+          </a:lnRef>
+          <a:fillRef idx="1">
+            <a:schemeClr val="accent1"/>
+          </a:fillRef>
+          <a:effectRef idx="0">
+            <a:schemeClr val="accent1"/>
+          </a:effectRef>
+          <a:fontRef idx="minor">
+            <a:schemeClr val="lt1"/>
+          </a:fontRef>
+        </p:style>
+        <p:txBody>
+          <a:bodyPr rtlCol="0" anchor="ctr"/>
+          <a:lstStyle/>
+          <a:p>
+            <a:pPr algn="ctr"/>
+            <a:r>
+              <a:rPr kumimoji="1" lang="en-US" altLang="ja-JP">
+                <a:solidFill>
+                  <a:schemeClr val="tx1"/>
+                </a:solidFill>
+              </a:rPr>
+              <a:t>73</a:t>
+            </a:r>
+            <a:endParaRPr kumimoji="1" lang="ja-JP" altLang="en-US">
+              <a:solidFill>
+                <a:schemeClr val="tx1"/>
+              </a:solidFill>
+            </a:endParaRPr>
+          </a:p>
+        </p:txBody>
+      </p:sp>
+      <p:sp>
+        <p:nvSpPr>
+          <p:cNvPr id="20" name="正方形/長方形 19">
+            <a:extLst>
+              <a:ext uri="{FF2B5EF4-FFF2-40B4-BE49-F238E27FC236}">
+                <a16:creationId xmlns:a16="http://schemas.microsoft.com/office/drawing/2014/main" id="{F17C9F64-A1A7-A148-B8D0-C16271725088}"/>
+              </a:ext>
+            </a:extLst>
+          </p:cNvPr>
+          <p:cNvSpPr/>
+          <p:nvPr/>
+        </p:nvSpPr>
+        <p:spPr>
+          <a:xfrm>
+            <a:off x="1259632" y="6237312"/>
+            <a:ext cx="1440160" cy="360040"/>
+          </a:xfrm>
+          <a:prstGeom prst="rect">
+            <a:avLst/>
+          </a:prstGeom>
+          <a:noFill/>
+          <a:ln>
+            <a:solidFill>
+              <a:schemeClr val="tx1"/>
+            </a:solidFill>
+          </a:ln>
+        </p:spPr>
+        <p:style>
+          <a:lnRef idx="2">
+            <a:schemeClr val="accent1">
+              <a:shade val="50000"/>
+            </a:schemeClr>
+          </a:lnRef>
+          <a:fillRef idx="1">
+            <a:schemeClr val="accent1"/>
+          </a:fillRef>
+          <a:effectRef idx="0">
+            <a:schemeClr val="accent1"/>
+          </a:effectRef>
+          <a:fontRef idx="minor">
+            <a:schemeClr val="lt1"/>
+          </a:fontRef>
+        </p:style>
+        <p:txBody>
+          <a:bodyPr rtlCol="0" anchor="ctr"/>
+          <a:lstStyle/>
+          <a:p>
+            <a:pPr algn="ctr"/>
+            <a:r>
+              <a:rPr kumimoji="1" lang="en-US" altLang="ja-JP">
+                <a:solidFill>
+                  <a:schemeClr val="tx1"/>
+                </a:solidFill>
+              </a:rPr>
+              <a:t>74</a:t>
+            </a:r>
+            <a:endParaRPr kumimoji="1" lang="ja-JP" altLang="en-US">
+              <a:solidFill>
+                <a:schemeClr val="tx1"/>
+              </a:solidFill>
+            </a:endParaRPr>
+          </a:p>
+        </p:txBody>
+      </p:sp>
+      <p:sp>
+        <p:nvSpPr>
+          <p:cNvPr id="21" name="正方形/長方形 20">
+            <a:extLst>
+              <a:ext uri="{FF2B5EF4-FFF2-40B4-BE49-F238E27FC236}">
+                <a16:creationId xmlns:a16="http://schemas.microsoft.com/office/drawing/2014/main" id="{60968D23-CFB3-2643-8DEB-EBEAC61B94F2}"/>
+              </a:ext>
+            </a:extLst>
+          </p:cNvPr>
+          <p:cNvSpPr/>
+          <p:nvPr/>
+        </p:nvSpPr>
+        <p:spPr>
+          <a:xfrm>
+            <a:off x="1259632" y="3717032"/>
+            <a:ext cx="1440160" cy="360040"/>
+          </a:xfrm>
+          <a:prstGeom prst="rect">
+            <a:avLst/>
+          </a:prstGeom>
+          <a:noFill/>
+          <a:ln>
+            <a:solidFill>
+              <a:schemeClr val="tx1"/>
+            </a:solidFill>
+          </a:ln>
+        </p:spPr>
+        <p:style>
+          <a:lnRef idx="2">
+            <a:schemeClr val="accent1">
+              <a:shade val="50000"/>
+            </a:schemeClr>
+          </a:lnRef>
+          <a:fillRef idx="1">
+            <a:schemeClr val="accent1"/>
+          </a:fillRef>
+          <a:effectRef idx="0">
+            <a:schemeClr val="accent1"/>
+          </a:effectRef>
+          <a:fontRef idx="minor">
+            <a:schemeClr val="lt1"/>
+          </a:fontRef>
+        </p:style>
+        <p:txBody>
+          <a:bodyPr rtlCol="0" anchor="ctr"/>
+          <a:lstStyle/>
+          <a:p>
+            <a:pPr algn="ctr"/>
+            <a:r>
+              <a:rPr kumimoji="1" lang="en-US" altLang="ja-JP">
+                <a:solidFill>
+                  <a:schemeClr val="tx1"/>
+                </a:solidFill>
+              </a:rPr>
+              <a:t>00</a:t>
+            </a:r>
+            <a:endParaRPr kumimoji="1" lang="ja-JP" altLang="en-US">
+              <a:solidFill>
+                <a:schemeClr val="tx1"/>
+              </a:solidFill>
+            </a:endParaRPr>
+          </a:p>
+        </p:txBody>
+      </p:sp>
+      <p:sp>
+        <p:nvSpPr>
+          <p:cNvPr id="22" name="正方形/長方形 21">
+            <a:extLst>
+              <a:ext uri="{FF2B5EF4-FFF2-40B4-BE49-F238E27FC236}">
+                <a16:creationId xmlns:a16="http://schemas.microsoft.com/office/drawing/2014/main" id="{A588805E-1721-4340-B040-FF2B352EFCDD}"/>
+              </a:ext>
+            </a:extLst>
+          </p:cNvPr>
+          <p:cNvSpPr/>
+          <p:nvPr/>
+        </p:nvSpPr>
+        <p:spPr>
+          <a:xfrm>
+            <a:off x="1259632" y="4077072"/>
+            <a:ext cx="1440160" cy="360040"/>
+          </a:xfrm>
+          <a:prstGeom prst="rect">
+            <a:avLst/>
+          </a:prstGeom>
+          <a:noFill/>
+          <a:ln>
+            <a:solidFill>
+              <a:schemeClr val="tx1"/>
+            </a:solidFill>
+          </a:ln>
+        </p:spPr>
+        <p:style>
+          <a:lnRef idx="2">
+            <a:schemeClr val="accent1">
+              <a:shade val="50000"/>
+            </a:schemeClr>
+          </a:lnRef>
+          <a:fillRef idx="1">
+            <a:schemeClr val="accent1"/>
+          </a:fillRef>
+          <a:effectRef idx="0">
+            <a:schemeClr val="accent1"/>
+          </a:effectRef>
+          <a:fontRef idx="minor">
+            <a:schemeClr val="lt1"/>
+          </a:fontRef>
+        </p:style>
+        <p:txBody>
+          <a:bodyPr rtlCol="0" anchor="ctr"/>
+          <a:lstStyle/>
+          <a:p>
+            <a:pPr algn="ctr"/>
+            <a:r>
+              <a:rPr kumimoji="1" lang="en-US" altLang="ja-JP">
+                <a:solidFill>
+                  <a:schemeClr val="tx1"/>
+                </a:solidFill>
+              </a:rPr>
+              <a:t>00</a:t>
+            </a:r>
+            <a:endParaRPr kumimoji="1" lang="ja-JP" altLang="en-US">
+              <a:solidFill>
+                <a:schemeClr val="tx1"/>
+              </a:solidFill>
+            </a:endParaRPr>
+          </a:p>
+        </p:txBody>
+      </p:sp>
+      <p:sp>
+        <p:nvSpPr>
+          <p:cNvPr id="23" name="正方形/長方形 22">
+            <a:extLst>
+              <a:ext uri="{FF2B5EF4-FFF2-40B4-BE49-F238E27FC236}">
+                <a16:creationId xmlns:a16="http://schemas.microsoft.com/office/drawing/2014/main" id="{D4F0C9F3-96F4-3946-B8DF-4B0CB9B7AD31}"/>
+              </a:ext>
+            </a:extLst>
+          </p:cNvPr>
+          <p:cNvSpPr/>
+          <p:nvPr/>
+        </p:nvSpPr>
+        <p:spPr>
+          <a:xfrm>
+            <a:off x="1259632" y="4437112"/>
+            <a:ext cx="1440160" cy="360040"/>
+          </a:xfrm>
+          <a:prstGeom prst="rect">
+            <a:avLst/>
+          </a:prstGeom>
+          <a:noFill/>
+          <a:ln>
+            <a:solidFill>
+              <a:schemeClr val="tx1"/>
+            </a:solidFill>
+          </a:ln>
+        </p:spPr>
+        <p:style>
+          <a:lnRef idx="2">
+            <a:schemeClr val="accent1">
+              <a:shade val="50000"/>
+            </a:schemeClr>
+          </a:lnRef>
+          <a:fillRef idx="1">
+            <a:schemeClr val="accent1"/>
+          </a:fillRef>
+          <a:effectRef idx="0">
+            <a:schemeClr val="accent1"/>
+          </a:effectRef>
+          <a:fontRef idx="minor">
+            <a:schemeClr val="lt1"/>
+          </a:fontRef>
+        </p:style>
+        <p:txBody>
+          <a:bodyPr rtlCol="0" anchor="ctr"/>
+          <a:lstStyle/>
+          <a:p>
+            <a:pPr algn="ctr"/>
+            <a:r>
+              <a:rPr kumimoji="1" lang="en-US" altLang="ja-JP">
+                <a:solidFill>
+                  <a:schemeClr val="tx1"/>
+                </a:solidFill>
+              </a:rPr>
+              <a:t>00</a:t>
+            </a:r>
+            <a:endParaRPr kumimoji="1" lang="ja-JP" altLang="en-US">
+              <a:solidFill>
+                <a:schemeClr val="tx1"/>
+              </a:solidFill>
+            </a:endParaRPr>
+          </a:p>
+        </p:txBody>
+      </p:sp>
+      <p:sp>
+        <p:nvSpPr>
+          <p:cNvPr id="24" name="正方形/長方形 23">
+            <a:extLst>
+              <a:ext uri="{FF2B5EF4-FFF2-40B4-BE49-F238E27FC236}">
+                <a16:creationId xmlns:a16="http://schemas.microsoft.com/office/drawing/2014/main" id="{C1B81BE2-AADB-894A-8F05-23D1907A4A3C}"/>
+              </a:ext>
+            </a:extLst>
+          </p:cNvPr>
+          <p:cNvSpPr/>
+          <p:nvPr/>
+        </p:nvSpPr>
+        <p:spPr>
+          <a:xfrm>
+            <a:off x="1259632" y="4797152"/>
+            <a:ext cx="1440160" cy="360040"/>
+          </a:xfrm>
+          <a:prstGeom prst="rect">
+            <a:avLst/>
+          </a:prstGeom>
+          <a:noFill/>
+          <a:ln>
+            <a:solidFill>
+              <a:schemeClr val="tx1"/>
+            </a:solidFill>
+          </a:ln>
+        </p:spPr>
+        <p:style>
+          <a:lnRef idx="2">
+            <a:schemeClr val="accent1">
+              <a:shade val="50000"/>
+            </a:schemeClr>
+          </a:lnRef>
+          <a:fillRef idx="1">
+            <a:schemeClr val="accent1"/>
+          </a:fillRef>
+          <a:effectRef idx="0">
+            <a:schemeClr val="accent1"/>
+          </a:effectRef>
+          <a:fontRef idx="minor">
+            <a:schemeClr val="lt1"/>
+          </a:fontRef>
+        </p:style>
+        <p:txBody>
+          <a:bodyPr rtlCol="0" anchor="ctr"/>
+          <a:lstStyle/>
+          <a:p>
+            <a:pPr algn="ctr"/>
+            <a:r>
+              <a:rPr kumimoji="1" lang="en-US" altLang="ja-JP">
+                <a:solidFill>
+                  <a:schemeClr val="tx1"/>
+                </a:solidFill>
+              </a:rPr>
+              <a:t>00</a:t>
+            </a:r>
+            <a:endParaRPr kumimoji="1" lang="ja-JP" altLang="en-US">
+              <a:solidFill>
+                <a:schemeClr val="tx1"/>
+              </a:solidFill>
+            </a:endParaRPr>
+          </a:p>
+        </p:txBody>
+      </p:sp>
+      <p:sp>
+        <p:nvSpPr>
+          <p:cNvPr id="25" name="正方形/長方形 24">
+            <a:extLst>
+              <a:ext uri="{FF2B5EF4-FFF2-40B4-BE49-F238E27FC236}">
+                <a16:creationId xmlns:a16="http://schemas.microsoft.com/office/drawing/2014/main" id="{EFBAE2D0-D490-6D42-B883-ABAAC60B2F14}"/>
+              </a:ext>
+            </a:extLst>
+          </p:cNvPr>
+          <p:cNvSpPr/>
+          <p:nvPr/>
+        </p:nvSpPr>
+        <p:spPr>
+          <a:xfrm>
+            <a:off x="1259632" y="2276872"/>
+            <a:ext cx="1440160" cy="360040"/>
+          </a:xfrm>
+          <a:prstGeom prst="rect">
+            <a:avLst/>
+          </a:prstGeom>
+          <a:noFill/>
+          <a:ln>
+            <a:solidFill>
+              <a:schemeClr val="tx1"/>
+            </a:solidFill>
+          </a:ln>
+        </p:spPr>
+        <p:style>
+          <a:lnRef idx="2">
+            <a:schemeClr val="accent1">
+              <a:shade val="50000"/>
+            </a:schemeClr>
+          </a:lnRef>
+          <a:fillRef idx="1">
+            <a:schemeClr val="accent1"/>
+          </a:fillRef>
+          <a:effectRef idx="0">
+            <a:schemeClr val="accent1"/>
+          </a:effectRef>
+          <a:fontRef idx="minor">
+            <a:schemeClr val="lt1"/>
+          </a:fontRef>
+        </p:style>
+        <p:txBody>
+          <a:bodyPr rtlCol="0" anchor="ctr"/>
+          <a:lstStyle/>
+          <a:p>
+            <a:pPr algn="ctr"/>
+            <a:r>
+              <a:rPr kumimoji="1" lang="en-US" altLang="ja-JP">
+                <a:solidFill>
+                  <a:schemeClr val="tx1"/>
+                </a:solidFill>
+              </a:rPr>
+              <a:t>3F</a:t>
+            </a:r>
+            <a:endParaRPr kumimoji="1" lang="ja-JP" altLang="en-US">
+              <a:solidFill>
+                <a:schemeClr val="tx1"/>
+              </a:solidFill>
+            </a:endParaRPr>
+          </a:p>
+        </p:txBody>
+      </p:sp>
+      <p:sp>
+        <p:nvSpPr>
+          <p:cNvPr id="26" name="正方形/長方形 25">
+            <a:extLst>
+              <a:ext uri="{FF2B5EF4-FFF2-40B4-BE49-F238E27FC236}">
+                <a16:creationId xmlns:a16="http://schemas.microsoft.com/office/drawing/2014/main" id="{47AF4E14-EC19-1B4E-B339-8811F464D1C9}"/>
+              </a:ext>
+            </a:extLst>
+          </p:cNvPr>
+          <p:cNvSpPr/>
+          <p:nvPr/>
+        </p:nvSpPr>
+        <p:spPr>
+          <a:xfrm>
+            <a:off x="1259632" y="2636912"/>
+            <a:ext cx="1440160" cy="360040"/>
+          </a:xfrm>
+          <a:prstGeom prst="rect">
+            <a:avLst/>
+          </a:prstGeom>
+          <a:noFill/>
+          <a:ln>
+            <a:solidFill>
+              <a:schemeClr val="tx1"/>
+            </a:solidFill>
+          </a:ln>
+        </p:spPr>
+        <p:style>
+          <a:lnRef idx="2">
+            <a:schemeClr val="accent1">
+              <a:shade val="50000"/>
+            </a:schemeClr>
+          </a:lnRef>
+          <a:fillRef idx="1">
+            <a:schemeClr val="accent1"/>
+          </a:fillRef>
+          <a:effectRef idx="0">
+            <a:schemeClr val="accent1"/>
+          </a:effectRef>
+          <a:fontRef idx="minor">
+            <a:schemeClr val="lt1"/>
+          </a:fontRef>
+        </p:style>
+        <p:txBody>
+          <a:bodyPr rtlCol="0" anchor="ctr"/>
+          <a:lstStyle/>
+          <a:p>
+            <a:pPr algn="ctr"/>
+            <a:r>
+              <a:rPr kumimoji="1" lang="en-US" altLang="ja-JP">
+                <a:solidFill>
+                  <a:schemeClr val="tx1"/>
+                </a:solidFill>
+              </a:rPr>
+              <a:t>F0</a:t>
+            </a:r>
+            <a:endParaRPr kumimoji="1" lang="ja-JP" altLang="en-US">
+              <a:solidFill>
+                <a:schemeClr val="tx1"/>
+              </a:solidFill>
+            </a:endParaRPr>
+          </a:p>
+        </p:txBody>
+      </p:sp>
+      <p:sp>
+        <p:nvSpPr>
+          <p:cNvPr id="27" name="正方形/長方形 26">
+            <a:extLst>
+              <a:ext uri="{FF2B5EF4-FFF2-40B4-BE49-F238E27FC236}">
+                <a16:creationId xmlns:a16="http://schemas.microsoft.com/office/drawing/2014/main" id="{39F3328D-F55D-4B41-8CDC-23BB8876DAFC}"/>
+              </a:ext>
+            </a:extLst>
+          </p:cNvPr>
+          <p:cNvSpPr/>
+          <p:nvPr/>
+        </p:nvSpPr>
+        <p:spPr>
+          <a:xfrm>
+            <a:off x="1259632" y="2996952"/>
+            <a:ext cx="1440160" cy="360040"/>
+          </a:xfrm>
+          <a:prstGeom prst="rect">
+            <a:avLst/>
+          </a:prstGeom>
+          <a:noFill/>
+          <a:ln>
+            <a:solidFill>
+              <a:schemeClr val="tx1"/>
+            </a:solidFill>
+          </a:ln>
+        </p:spPr>
+        <p:style>
+          <a:lnRef idx="2">
+            <a:schemeClr val="accent1">
+              <a:shade val="50000"/>
+            </a:schemeClr>
+          </a:lnRef>
+          <a:fillRef idx="1">
+            <a:schemeClr val="accent1"/>
+          </a:fillRef>
+          <a:effectRef idx="0">
+            <a:schemeClr val="accent1"/>
+          </a:effectRef>
+          <a:fontRef idx="minor">
+            <a:schemeClr val="lt1"/>
+          </a:fontRef>
+        </p:style>
+        <p:txBody>
+          <a:bodyPr rtlCol="0" anchor="ctr"/>
+          <a:lstStyle/>
+          <a:p>
+            <a:pPr algn="ctr"/>
+            <a:r>
+              <a:rPr kumimoji="1" lang="en-US" altLang="ja-JP">
+                <a:solidFill>
+                  <a:schemeClr val="tx1"/>
+                </a:solidFill>
+              </a:rPr>
+              <a:t>00</a:t>
+            </a:r>
+            <a:endParaRPr kumimoji="1" lang="ja-JP" altLang="en-US">
+              <a:solidFill>
+                <a:schemeClr val="tx1"/>
+              </a:solidFill>
+            </a:endParaRPr>
+          </a:p>
+        </p:txBody>
+      </p:sp>
+      <p:sp>
+        <p:nvSpPr>
+          <p:cNvPr id="28" name="正方形/長方形 27">
+            <a:extLst>
+              <a:ext uri="{FF2B5EF4-FFF2-40B4-BE49-F238E27FC236}">
+                <a16:creationId xmlns:a16="http://schemas.microsoft.com/office/drawing/2014/main" id="{760E1F32-4B41-C84C-B9D0-5F85F9198FDF}"/>
+              </a:ext>
+            </a:extLst>
+          </p:cNvPr>
+          <p:cNvSpPr/>
+          <p:nvPr/>
+        </p:nvSpPr>
+        <p:spPr>
+          <a:xfrm>
+            <a:off x="1259632" y="3356992"/>
+            <a:ext cx="1440160" cy="360040"/>
+          </a:xfrm>
+          <a:prstGeom prst="rect">
+            <a:avLst/>
+          </a:prstGeom>
+          <a:noFill/>
+          <a:ln>
+            <a:solidFill>
+              <a:schemeClr val="tx1"/>
+            </a:solidFill>
+          </a:ln>
+        </p:spPr>
+        <p:style>
+          <a:lnRef idx="2">
+            <a:schemeClr val="accent1">
+              <a:shade val="50000"/>
+            </a:schemeClr>
+          </a:lnRef>
+          <a:fillRef idx="1">
+            <a:schemeClr val="accent1"/>
+          </a:fillRef>
+          <a:effectRef idx="0">
+            <a:schemeClr val="accent1"/>
+          </a:effectRef>
+          <a:fontRef idx="minor">
+            <a:schemeClr val="lt1"/>
+          </a:fontRef>
+        </p:style>
+        <p:txBody>
+          <a:bodyPr rtlCol="0" anchor="ctr"/>
+          <a:lstStyle/>
+          <a:p>
+            <a:pPr algn="ctr"/>
+            <a:r>
+              <a:rPr kumimoji="1" lang="en-US" altLang="ja-JP">
+                <a:solidFill>
+                  <a:schemeClr val="tx1"/>
+                </a:solidFill>
+              </a:rPr>
+              <a:t>00</a:t>
+            </a:r>
+            <a:endParaRPr kumimoji="1" lang="ja-JP" altLang="en-US">
+              <a:solidFill>
+                <a:schemeClr val="tx1"/>
+              </a:solidFill>
+            </a:endParaRPr>
+          </a:p>
+        </p:txBody>
+      </p:sp>
+      <p:sp>
+        <p:nvSpPr>
+          <p:cNvPr id="29" name="テキスト ボックス 28">
+            <a:extLst>
+              <a:ext uri="{FF2B5EF4-FFF2-40B4-BE49-F238E27FC236}">
+                <a16:creationId xmlns:a16="http://schemas.microsoft.com/office/drawing/2014/main" id="{C828EFE8-B9CC-3D4B-A118-5017551E952F}"/>
+              </a:ext>
+            </a:extLst>
+          </p:cNvPr>
+          <p:cNvSpPr txBox="1"/>
+          <p:nvPr/>
+        </p:nvSpPr>
+        <p:spPr>
+          <a:xfrm>
+            <a:off x="1331640" y="1700808"/>
+            <a:ext cx="1261884" cy="523220"/>
+          </a:xfrm>
+          <a:prstGeom prst="rect">
+            <a:avLst/>
+          </a:prstGeom>
+          <a:noFill/>
+        </p:spPr>
+        <p:txBody>
+          <a:bodyPr wrap="none" rtlCol="0">
+            <a:spAutoFit/>
+          </a:bodyPr>
+          <a:lstStyle/>
+          <a:p>
+            <a:r>
+              <a:rPr kumimoji="1" lang="ja-JP" altLang="en-US" sz="2800"/>
+              <a:t>メモリ</a:t>
+            </a:r>
+          </a:p>
+        </p:txBody>
+      </p:sp>
+      <p:sp>
+        <p:nvSpPr>
+          <p:cNvPr id="30" name="正方形/長方形 29">
+            <a:extLst>
+              <a:ext uri="{FF2B5EF4-FFF2-40B4-BE49-F238E27FC236}">
+                <a16:creationId xmlns:a16="http://schemas.microsoft.com/office/drawing/2014/main" id="{007A26C5-F2CB-EF43-A9B0-0DD37E1C8F01}"/>
+              </a:ext>
+            </a:extLst>
+          </p:cNvPr>
+          <p:cNvSpPr/>
+          <p:nvPr/>
+        </p:nvSpPr>
+        <p:spPr>
+          <a:xfrm>
+            <a:off x="3275856" y="3717032"/>
+            <a:ext cx="1440160" cy="360040"/>
+          </a:xfrm>
+          <a:prstGeom prst="rect">
+            <a:avLst/>
+          </a:prstGeom>
+          <a:noFill/>
+          <a:ln>
+            <a:solidFill>
+              <a:schemeClr val="tx1"/>
+            </a:solidFill>
+          </a:ln>
+        </p:spPr>
+        <p:style>
+          <a:lnRef idx="2">
+            <a:schemeClr val="accent1">
+              <a:shade val="50000"/>
+            </a:schemeClr>
+          </a:lnRef>
+          <a:fillRef idx="1">
+            <a:schemeClr val="accent1"/>
+          </a:fillRef>
+          <a:effectRef idx="0">
+            <a:schemeClr val="accent1"/>
+          </a:effectRef>
+          <a:fontRef idx="minor">
+            <a:schemeClr val="lt1"/>
+          </a:fontRef>
+        </p:style>
+        <p:txBody>
+          <a:bodyPr rtlCol="0" anchor="ctr"/>
+          <a:lstStyle/>
+          <a:p>
+            <a:pPr algn="ctr"/>
+            <a:r>
+              <a:rPr kumimoji="1" lang="en-US" altLang="ja-JP">
+                <a:solidFill>
+                  <a:schemeClr val="tx1"/>
+                </a:solidFill>
+              </a:rPr>
+              <a:t>00</a:t>
+            </a:r>
+            <a:endParaRPr kumimoji="1" lang="ja-JP" altLang="en-US">
+              <a:solidFill>
+                <a:schemeClr val="tx1"/>
+              </a:solidFill>
+            </a:endParaRPr>
+          </a:p>
+        </p:txBody>
+      </p:sp>
+      <p:sp>
+        <p:nvSpPr>
+          <p:cNvPr id="31" name="正方形/長方形 30">
+            <a:extLst>
+              <a:ext uri="{FF2B5EF4-FFF2-40B4-BE49-F238E27FC236}">
+                <a16:creationId xmlns:a16="http://schemas.microsoft.com/office/drawing/2014/main" id="{2D20B3A8-661B-AE49-83B4-07B62B1F8867}"/>
+              </a:ext>
+            </a:extLst>
+          </p:cNvPr>
+          <p:cNvSpPr/>
+          <p:nvPr/>
+        </p:nvSpPr>
+        <p:spPr>
+          <a:xfrm>
+            <a:off x="3275856" y="4077072"/>
+            <a:ext cx="1440160" cy="360040"/>
+          </a:xfrm>
+          <a:prstGeom prst="rect">
+            <a:avLst/>
+          </a:prstGeom>
+          <a:noFill/>
+          <a:ln>
+            <a:solidFill>
+              <a:schemeClr val="tx1"/>
+            </a:solidFill>
+          </a:ln>
+        </p:spPr>
+        <p:style>
+          <a:lnRef idx="2">
+            <a:schemeClr val="accent1">
+              <a:shade val="50000"/>
+            </a:schemeClr>
+          </a:lnRef>
+          <a:fillRef idx="1">
+            <a:schemeClr val="accent1"/>
+          </a:fillRef>
+          <a:effectRef idx="0">
+            <a:schemeClr val="accent1"/>
+          </a:effectRef>
+          <a:fontRef idx="minor">
+            <a:schemeClr val="lt1"/>
+          </a:fontRef>
+        </p:style>
+        <p:txBody>
+          <a:bodyPr rtlCol="0" anchor="ctr"/>
+          <a:lstStyle/>
+          <a:p>
+            <a:pPr algn="ctr"/>
+            <a:r>
+              <a:rPr kumimoji="1" lang="en-US" altLang="ja-JP">
+                <a:solidFill>
+                  <a:schemeClr val="tx1"/>
+                </a:solidFill>
+              </a:rPr>
+              <a:t>00</a:t>
+            </a:r>
+            <a:endParaRPr kumimoji="1" lang="ja-JP" altLang="en-US">
+              <a:solidFill>
+                <a:schemeClr val="tx1"/>
+              </a:solidFill>
+            </a:endParaRPr>
+          </a:p>
+        </p:txBody>
+      </p:sp>
+      <p:sp>
+        <p:nvSpPr>
+          <p:cNvPr id="32" name="正方形/長方形 31">
+            <a:extLst>
+              <a:ext uri="{FF2B5EF4-FFF2-40B4-BE49-F238E27FC236}">
+                <a16:creationId xmlns:a16="http://schemas.microsoft.com/office/drawing/2014/main" id="{F8EC1949-A820-9D42-868A-A4B62EF0B08D}"/>
+              </a:ext>
+            </a:extLst>
+          </p:cNvPr>
+          <p:cNvSpPr/>
+          <p:nvPr/>
+        </p:nvSpPr>
+        <p:spPr>
+          <a:xfrm>
+            <a:off x="3275856" y="4437112"/>
+            <a:ext cx="1440160" cy="360040"/>
+          </a:xfrm>
+          <a:prstGeom prst="rect">
+            <a:avLst/>
+          </a:prstGeom>
+          <a:noFill/>
+          <a:ln>
+            <a:solidFill>
+              <a:schemeClr val="tx1"/>
+            </a:solidFill>
+          </a:ln>
+        </p:spPr>
+        <p:style>
+          <a:lnRef idx="2">
+            <a:schemeClr val="accent1">
+              <a:shade val="50000"/>
+            </a:schemeClr>
+          </a:lnRef>
+          <a:fillRef idx="1">
+            <a:schemeClr val="accent1"/>
+          </a:fillRef>
+          <a:effectRef idx="0">
+            <a:schemeClr val="accent1"/>
+          </a:effectRef>
+          <a:fontRef idx="minor">
+            <a:schemeClr val="lt1"/>
+          </a:fontRef>
+        </p:style>
+        <p:txBody>
+          <a:bodyPr rtlCol="0" anchor="ctr"/>
+          <a:lstStyle/>
+          <a:p>
+            <a:pPr algn="ctr"/>
+            <a:r>
+              <a:rPr kumimoji="1" lang="en-US" altLang="ja-JP">
+                <a:solidFill>
+                  <a:schemeClr val="tx1"/>
+                </a:solidFill>
+              </a:rPr>
+              <a:t>00</a:t>
+            </a:r>
+            <a:endParaRPr kumimoji="1" lang="ja-JP" altLang="en-US">
+              <a:solidFill>
+                <a:schemeClr val="tx1"/>
+              </a:solidFill>
+            </a:endParaRPr>
+          </a:p>
+        </p:txBody>
+      </p:sp>
+      <p:sp>
+        <p:nvSpPr>
+          <p:cNvPr id="33" name="正方形/長方形 32">
+            <a:extLst>
+              <a:ext uri="{FF2B5EF4-FFF2-40B4-BE49-F238E27FC236}">
+                <a16:creationId xmlns:a16="http://schemas.microsoft.com/office/drawing/2014/main" id="{29297C19-E3C5-B643-A7E1-B87A8C7D4F98}"/>
+              </a:ext>
+            </a:extLst>
+          </p:cNvPr>
+          <p:cNvSpPr/>
+          <p:nvPr/>
+        </p:nvSpPr>
+        <p:spPr>
+          <a:xfrm>
+            <a:off x="3275856" y="4797152"/>
+            <a:ext cx="1440160" cy="360040"/>
+          </a:xfrm>
+          <a:prstGeom prst="rect">
+            <a:avLst/>
+          </a:prstGeom>
+          <a:noFill/>
+          <a:ln>
+            <a:solidFill>
+              <a:schemeClr val="tx1"/>
+            </a:solidFill>
+          </a:ln>
+        </p:spPr>
+        <p:style>
+          <a:lnRef idx="2">
+            <a:schemeClr val="accent1">
+              <a:shade val="50000"/>
+            </a:schemeClr>
+          </a:lnRef>
+          <a:fillRef idx="1">
+            <a:schemeClr val="accent1"/>
+          </a:fillRef>
+          <a:effectRef idx="0">
+            <a:schemeClr val="accent1"/>
+          </a:effectRef>
+          <a:fontRef idx="minor">
+            <a:schemeClr val="lt1"/>
+          </a:fontRef>
+        </p:style>
+        <p:txBody>
+          <a:bodyPr rtlCol="0" anchor="ctr"/>
+          <a:lstStyle/>
+          <a:p>
+            <a:pPr algn="ctr"/>
+            <a:r>
+              <a:rPr kumimoji="1" lang="en-US" altLang="ja-JP">
+                <a:solidFill>
+                  <a:schemeClr val="tx1"/>
+                </a:solidFill>
+              </a:rPr>
+              <a:t>00</a:t>
+            </a:r>
+            <a:endParaRPr kumimoji="1" lang="ja-JP" altLang="en-US">
+              <a:solidFill>
+                <a:schemeClr val="tx1"/>
+              </a:solidFill>
+            </a:endParaRPr>
+          </a:p>
+        </p:txBody>
+      </p:sp>
+      <p:sp>
+        <p:nvSpPr>
+          <p:cNvPr id="34" name="正方形/長方形 33">
+            <a:extLst>
+              <a:ext uri="{FF2B5EF4-FFF2-40B4-BE49-F238E27FC236}">
+                <a16:creationId xmlns:a16="http://schemas.microsoft.com/office/drawing/2014/main" id="{16437519-7EA9-1445-AAE3-4E955A2B1159}"/>
+              </a:ext>
+            </a:extLst>
+          </p:cNvPr>
+          <p:cNvSpPr/>
+          <p:nvPr/>
+        </p:nvSpPr>
+        <p:spPr>
+          <a:xfrm>
+            <a:off x="3275856" y="2276872"/>
+            <a:ext cx="1440160" cy="360040"/>
+          </a:xfrm>
+          <a:prstGeom prst="rect">
+            <a:avLst/>
+          </a:prstGeom>
+          <a:noFill/>
+          <a:ln>
+            <a:solidFill>
+              <a:schemeClr val="tx1"/>
+            </a:solidFill>
+          </a:ln>
+        </p:spPr>
+        <p:style>
+          <a:lnRef idx="2">
+            <a:schemeClr val="accent1">
+              <a:shade val="50000"/>
+            </a:schemeClr>
+          </a:lnRef>
+          <a:fillRef idx="1">
+            <a:schemeClr val="accent1"/>
+          </a:fillRef>
+          <a:effectRef idx="0">
+            <a:schemeClr val="accent1"/>
+          </a:effectRef>
+          <a:fontRef idx="minor">
+            <a:schemeClr val="lt1"/>
+          </a:fontRef>
+        </p:style>
+        <p:txBody>
+          <a:bodyPr rtlCol="0" anchor="ctr"/>
+          <a:lstStyle/>
+          <a:p>
+            <a:pPr algn="ctr"/>
+            <a:r>
+              <a:rPr kumimoji="1" lang="en-US" altLang="ja-JP">
+                <a:solidFill>
+                  <a:schemeClr val="tx1"/>
+                </a:solidFill>
+              </a:rPr>
+              <a:t>3F</a:t>
+            </a:r>
+            <a:endParaRPr kumimoji="1" lang="ja-JP" altLang="en-US">
+              <a:solidFill>
+                <a:schemeClr val="tx1"/>
+              </a:solidFill>
+            </a:endParaRPr>
+          </a:p>
+        </p:txBody>
+      </p:sp>
+      <p:sp>
+        <p:nvSpPr>
+          <p:cNvPr id="35" name="正方形/長方形 34">
+            <a:extLst>
+              <a:ext uri="{FF2B5EF4-FFF2-40B4-BE49-F238E27FC236}">
+                <a16:creationId xmlns:a16="http://schemas.microsoft.com/office/drawing/2014/main" id="{1D9C19E1-6A2E-5249-A3C6-E64ED7657144}"/>
+              </a:ext>
+            </a:extLst>
+          </p:cNvPr>
+          <p:cNvSpPr/>
+          <p:nvPr/>
+        </p:nvSpPr>
+        <p:spPr>
+          <a:xfrm>
+            <a:off x="3275856" y="2636912"/>
+            <a:ext cx="1440160" cy="360040"/>
+          </a:xfrm>
+          <a:prstGeom prst="rect">
+            <a:avLst/>
+          </a:prstGeom>
+          <a:noFill/>
+          <a:ln>
+            <a:solidFill>
+              <a:schemeClr val="tx1"/>
+            </a:solidFill>
+          </a:ln>
+        </p:spPr>
+        <p:style>
+          <a:lnRef idx="2">
+            <a:schemeClr val="accent1">
+              <a:shade val="50000"/>
+            </a:schemeClr>
+          </a:lnRef>
+          <a:fillRef idx="1">
+            <a:schemeClr val="accent1"/>
+          </a:fillRef>
+          <a:effectRef idx="0">
+            <a:schemeClr val="accent1"/>
+          </a:effectRef>
+          <a:fontRef idx="minor">
+            <a:schemeClr val="lt1"/>
+          </a:fontRef>
+        </p:style>
+        <p:txBody>
+          <a:bodyPr rtlCol="0" anchor="ctr"/>
+          <a:lstStyle/>
+          <a:p>
+            <a:pPr algn="ctr"/>
+            <a:r>
+              <a:rPr kumimoji="1" lang="en-US" altLang="ja-JP">
+                <a:solidFill>
+                  <a:schemeClr val="tx1"/>
+                </a:solidFill>
+              </a:rPr>
+              <a:t>F0</a:t>
+            </a:r>
+            <a:endParaRPr kumimoji="1" lang="ja-JP" altLang="en-US">
+              <a:solidFill>
+                <a:schemeClr val="tx1"/>
+              </a:solidFill>
+            </a:endParaRPr>
+          </a:p>
+        </p:txBody>
+      </p:sp>
+      <p:sp>
+        <p:nvSpPr>
+          <p:cNvPr id="36" name="正方形/長方形 35">
+            <a:extLst>
+              <a:ext uri="{FF2B5EF4-FFF2-40B4-BE49-F238E27FC236}">
+                <a16:creationId xmlns:a16="http://schemas.microsoft.com/office/drawing/2014/main" id="{EAD9FD1E-E4CF-B446-B011-BD161DA93C15}"/>
+              </a:ext>
+            </a:extLst>
+          </p:cNvPr>
+          <p:cNvSpPr/>
+          <p:nvPr/>
+        </p:nvSpPr>
+        <p:spPr>
+          <a:xfrm>
+            <a:off x="3275856" y="2996952"/>
+            <a:ext cx="1440160" cy="360040"/>
+          </a:xfrm>
+          <a:prstGeom prst="rect">
+            <a:avLst/>
+          </a:prstGeom>
+          <a:noFill/>
+          <a:ln>
+            <a:solidFill>
+              <a:schemeClr val="tx1"/>
+            </a:solidFill>
+          </a:ln>
+        </p:spPr>
+        <p:style>
+          <a:lnRef idx="2">
+            <a:schemeClr val="accent1">
+              <a:shade val="50000"/>
+            </a:schemeClr>
+          </a:lnRef>
+          <a:fillRef idx="1">
+            <a:schemeClr val="accent1"/>
+          </a:fillRef>
+          <a:effectRef idx="0">
+            <a:schemeClr val="accent1"/>
+          </a:effectRef>
+          <a:fontRef idx="minor">
+            <a:schemeClr val="lt1"/>
+          </a:fontRef>
+        </p:style>
+        <p:txBody>
+          <a:bodyPr rtlCol="0" anchor="ctr"/>
+          <a:lstStyle/>
+          <a:p>
+            <a:pPr algn="ctr"/>
+            <a:r>
+              <a:rPr kumimoji="1" lang="en-US" altLang="ja-JP">
+                <a:solidFill>
+                  <a:schemeClr val="tx1"/>
+                </a:solidFill>
+              </a:rPr>
+              <a:t>00</a:t>
+            </a:r>
+            <a:endParaRPr kumimoji="1" lang="ja-JP" altLang="en-US">
+              <a:solidFill>
+                <a:schemeClr val="tx1"/>
+              </a:solidFill>
+            </a:endParaRPr>
+          </a:p>
+        </p:txBody>
+      </p:sp>
+      <p:sp>
+        <p:nvSpPr>
+          <p:cNvPr id="37" name="正方形/長方形 36">
+            <a:extLst>
+              <a:ext uri="{FF2B5EF4-FFF2-40B4-BE49-F238E27FC236}">
+                <a16:creationId xmlns:a16="http://schemas.microsoft.com/office/drawing/2014/main" id="{6B0287E8-DAB9-434D-9014-E7AF337B7041}"/>
+              </a:ext>
+            </a:extLst>
+          </p:cNvPr>
+          <p:cNvSpPr/>
+          <p:nvPr/>
+        </p:nvSpPr>
+        <p:spPr>
+          <a:xfrm>
+            <a:off x="3275856" y="3356992"/>
+            <a:ext cx="1440160" cy="360040"/>
+          </a:xfrm>
+          <a:prstGeom prst="rect">
+            <a:avLst/>
+          </a:prstGeom>
+          <a:noFill/>
+          <a:ln>
+            <a:solidFill>
+              <a:schemeClr val="tx1"/>
+            </a:solidFill>
+          </a:ln>
+        </p:spPr>
+        <p:style>
+          <a:lnRef idx="2">
+            <a:schemeClr val="accent1">
+              <a:shade val="50000"/>
+            </a:schemeClr>
+          </a:lnRef>
+          <a:fillRef idx="1">
+            <a:schemeClr val="accent1"/>
+          </a:fillRef>
+          <a:effectRef idx="0">
+            <a:schemeClr val="accent1"/>
+          </a:effectRef>
+          <a:fontRef idx="minor">
+            <a:schemeClr val="lt1"/>
+          </a:fontRef>
+        </p:style>
+        <p:txBody>
+          <a:bodyPr rtlCol="0" anchor="ctr"/>
+          <a:lstStyle/>
+          <a:p>
+            <a:pPr algn="ctr"/>
+            <a:r>
+              <a:rPr kumimoji="1" lang="en-US" altLang="ja-JP">
+                <a:solidFill>
+                  <a:schemeClr val="tx1"/>
+                </a:solidFill>
+              </a:rPr>
+              <a:t>00</a:t>
+            </a:r>
+            <a:endParaRPr kumimoji="1" lang="ja-JP" altLang="en-US">
+              <a:solidFill>
+                <a:schemeClr val="tx1"/>
+              </a:solidFill>
+            </a:endParaRPr>
+          </a:p>
+        </p:txBody>
+      </p:sp>
+      <p:sp>
+        <p:nvSpPr>
+          <p:cNvPr id="38" name="右中かっこ 37">
+            <a:extLst>
+              <a:ext uri="{FF2B5EF4-FFF2-40B4-BE49-F238E27FC236}">
+                <a16:creationId xmlns:a16="http://schemas.microsoft.com/office/drawing/2014/main" id="{CCFE77BE-BD4C-9244-8F7C-6D93975D0425}"/>
+              </a:ext>
+            </a:extLst>
+          </p:cNvPr>
+          <p:cNvSpPr/>
+          <p:nvPr/>
+        </p:nvSpPr>
+        <p:spPr>
+          <a:xfrm>
+            <a:off x="4860032" y="2348880"/>
+            <a:ext cx="288032" cy="2736304"/>
+          </a:xfrm>
+          <a:prstGeom prst="rightBrace">
+            <a:avLst/>
+          </a:prstGeom>
+          <a:ln>
+            <a:solidFill>
+              <a:schemeClr val="tx1"/>
+            </a:solidFill>
+            <a:headEnd type="none" w="med" len="med"/>
+            <a:tailEnd type="none" w="med" len="med"/>
+          </a:ln>
+        </p:spPr>
+        <p:style>
+          <a:lnRef idx="1">
+            <a:schemeClr val="accent1"/>
+          </a:lnRef>
+          <a:fillRef idx="0">
+            <a:schemeClr val="accent1"/>
+          </a:fillRef>
+          <a:effectRef idx="0">
+            <a:schemeClr val="accent1"/>
+          </a:effectRef>
+          <a:fontRef idx="minor">
+            <a:schemeClr val="tx1"/>
+          </a:fontRef>
+        </p:style>
+        <p:txBody>
+          <a:bodyPr rtlCol="0" anchor="ctr"/>
+          <a:lstStyle/>
+          <a:p>
+            <a:pPr algn="ctr"/>
+            <a:endParaRPr kumimoji="1" lang="ja-JP" altLang="en-US"/>
+          </a:p>
+        </p:txBody>
+      </p:sp>
+      <p:cxnSp>
+        <p:nvCxnSpPr>
+          <p:cNvPr id="40" name="直線コネクタ 39">
+            <a:extLst>
+              <a:ext uri="{FF2B5EF4-FFF2-40B4-BE49-F238E27FC236}">
+                <a16:creationId xmlns:a16="http://schemas.microsoft.com/office/drawing/2014/main" id="{0E79E84A-7B11-924B-BBEA-252F99732539}"/>
+              </a:ext>
+            </a:extLst>
+          </p:cNvPr>
+          <p:cNvCxnSpPr>
+            <a:cxnSpLocks/>
+          </p:cNvCxnSpPr>
+          <p:nvPr/>
+        </p:nvCxnSpPr>
+        <p:spPr>
+          <a:xfrm>
+            <a:off x="2267744" y="2276872"/>
+            <a:ext cx="1656184" cy="0"/>
+          </a:xfrm>
+          <a:prstGeom prst="line">
+            <a:avLst/>
+          </a:prstGeom>
+          <a:ln>
+            <a:solidFill>
+              <a:schemeClr val="tx1"/>
+            </a:solidFill>
+            <a:prstDash val="sysDash"/>
+            <a:headEnd type="none" w="med" len="med"/>
+            <a:tailEnd type="none" w="med" len="med"/>
+          </a:ln>
+        </p:spPr>
+        <p:style>
+          <a:lnRef idx="1">
+            <a:schemeClr val="accent1"/>
+          </a:lnRef>
+          <a:fillRef idx="0">
+            <a:schemeClr val="accent1"/>
+          </a:fillRef>
+          <a:effectRef idx="0">
+            <a:schemeClr val="accent1"/>
+          </a:effectRef>
+          <a:fontRef idx="minor">
+            <a:schemeClr val="tx1"/>
+          </a:fontRef>
+        </p:style>
+      </p:cxnSp>
+      <p:cxnSp>
+        <p:nvCxnSpPr>
+          <p:cNvPr id="41" name="直線コネクタ 40">
+            <a:extLst>
+              <a:ext uri="{FF2B5EF4-FFF2-40B4-BE49-F238E27FC236}">
+                <a16:creationId xmlns:a16="http://schemas.microsoft.com/office/drawing/2014/main" id="{3EA67462-E491-3547-9366-86A4ACF4CEAD}"/>
+              </a:ext>
+            </a:extLst>
+          </p:cNvPr>
+          <p:cNvCxnSpPr>
+            <a:cxnSpLocks/>
+          </p:cNvCxnSpPr>
+          <p:nvPr/>
+        </p:nvCxnSpPr>
+        <p:spPr>
+          <a:xfrm>
+            <a:off x="2267744" y="5157192"/>
+            <a:ext cx="3096344" cy="0"/>
+          </a:xfrm>
+          <a:prstGeom prst="line">
+            <a:avLst/>
+          </a:prstGeom>
+          <a:ln>
+            <a:solidFill>
+              <a:schemeClr val="tx1"/>
+            </a:solidFill>
+            <a:prstDash val="sysDash"/>
+            <a:headEnd type="none" w="med" len="med"/>
+            <a:tailEnd type="none" w="med" len="med"/>
+          </a:ln>
+        </p:spPr>
+        <p:style>
+          <a:lnRef idx="1">
+            <a:schemeClr val="accent1"/>
+          </a:lnRef>
+          <a:fillRef idx="0">
+            <a:schemeClr val="accent1"/>
+          </a:fillRef>
+          <a:effectRef idx="0">
+            <a:schemeClr val="accent1"/>
+          </a:effectRef>
+          <a:fontRef idx="minor">
+            <a:schemeClr val="tx1"/>
+          </a:fontRef>
+        </p:style>
+      </p:cxnSp>
+      <p:sp>
+        <p:nvSpPr>
+          <p:cNvPr id="42" name="テキスト ボックス 41">
+            <a:extLst>
+              <a:ext uri="{FF2B5EF4-FFF2-40B4-BE49-F238E27FC236}">
+                <a16:creationId xmlns:a16="http://schemas.microsoft.com/office/drawing/2014/main" id="{374C37F7-54A1-5A4F-AC0C-BC4E8374FF92}"/>
+              </a:ext>
+            </a:extLst>
+          </p:cNvPr>
+          <p:cNvSpPr txBox="1"/>
+          <p:nvPr/>
+        </p:nvSpPr>
+        <p:spPr>
+          <a:xfrm>
+            <a:off x="5292080" y="3573016"/>
+            <a:ext cx="846194" cy="369332"/>
+          </a:xfrm>
+          <a:prstGeom prst="rect">
+            <a:avLst/>
+          </a:prstGeom>
+          <a:noFill/>
+        </p:spPr>
+        <p:txBody>
+          <a:bodyPr wrap="none" rtlCol="0">
+            <a:spAutoFit/>
+          </a:bodyPr>
+          <a:lstStyle/>
+          <a:p>
+            <a:r>
+              <a:rPr kumimoji="1" lang="en-US" altLang="ja-JP"/>
+              <a:t>float</a:t>
+            </a:r>
+            <a:r>
+              <a:rPr kumimoji="1" lang="ja-JP" altLang="en-US"/>
+              <a:t>型</a:t>
+            </a:r>
+          </a:p>
+        </p:txBody>
+      </p:sp>
+      <p:sp>
+        <p:nvSpPr>
+          <p:cNvPr id="47" name="1 つの角を切り取った四角形 46">
+            <a:extLst>
+              <a:ext uri="{FF2B5EF4-FFF2-40B4-BE49-F238E27FC236}">
+                <a16:creationId xmlns:a16="http://schemas.microsoft.com/office/drawing/2014/main" id="{302B90F0-FBF6-9A44-9CC5-C3C784864B18}"/>
+              </a:ext>
+            </a:extLst>
+          </p:cNvPr>
+          <p:cNvSpPr/>
+          <p:nvPr/>
+        </p:nvSpPr>
+        <p:spPr>
+          <a:xfrm>
+            <a:off x="107504" y="2348880"/>
+            <a:ext cx="864096" cy="288032"/>
+          </a:xfrm>
+          <a:prstGeom prst="snip1Rect">
+            <a:avLst/>
+          </a:prstGeom>
+          <a:noFill/>
+          <a:ln>
+            <a:solidFill>
+              <a:schemeClr val="tx1"/>
+            </a:solidFill>
+          </a:ln>
+        </p:spPr>
+        <p:style>
+          <a:lnRef idx="2">
+            <a:schemeClr val="accent1">
+              <a:shade val="50000"/>
+            </a:schemeClr>
+          </a:lnRef>
+          <a:fillRef idx="1">
+            <a:schemeClr val="accent1"/>
+          </a:fillRef>
+          <a:effectRef idx="0">
+            <a:schemeClr val="accent1"/>
+          </a:effectRef>
+          <a:fontRef idx="minor">
+            <a:schemeClr val="lt1"/>
+          </a:fontRef>
+        </p:style>
+        <p:txBody>
+          <a:bodyPr rtlCol="0" anchor="ctr"/>
+          <a:lstStyle/>
+          <a:p>
+            <a:pPr algn="ctr"/>
+            <a:r>
+              <a:rPr kumimoji="1" lang="en-US" altLang="ja-JP" sz="2000">
+                <a:solidFill>
+                  <a:schemeClr val="tx1"/>
+                </a:solidFill>
+              </a:rPr>
+              <a:t>b</a:t>
+            </a:r>
+            <a:endParaRPr kumimoji="1" lang="ja-JP" altLang="en-US" sz="2000">
+              <a:solidFill>
+                <a:schemeClr val="tx1"/>
+              </a:solidFill>
+            </a:endParaRPr>
+          </a:p>
+        </p:txBody>
+      </p:sp>
+      <p:cxnSp>
+        <p:nvCxnSpPr>
+          <p:cNvPr id="48" name="直線矢印コネクタ 47">
+            <a:extLst>
+              <a:ext uri="{FF2B5EF4-FFF2-40B4-BE49-F238E27FC236}">
+                <a16:creationId xmlns:a16="http://schemas.microsoft.com/office/drawing/2014/main" id="{1868B206-764D-AD45-9A1F-8BF5EC00C547}"/>
+              </a:ext>
+            </a:extLst>
+          </p:cNvPr>
+          <p:cNvCxnSpPr>
+            <a:stCxn id="47" idx="0"/>
+          </p:cNvCxnSpPr>
+          <p:nvPr/>
+        </p:nvCxnSpPr>
+        <p:spPr>
+          <a:xfrm>
+            <a:off x="971600" y="2492896"/>
+            <a:ext cx="288032" cy="0"/>
+          </a:xfrm>
+          <a:prstGeom prst="straightConnector1">
+            <a:avLst/>
+          </a:prstGeom>
+          <a:ln w="12700">
+            <a:solidFill>
+              <a:schemeClr val="tx1"/>
+            </a:solidFill>
+            <a:tailEnd type="triangle"/>
+          </a:ln>
+        </p:spPr>
+        <p:style>
+          <a:lnRef idx="1">
+            <a:schemeClr val="accent1"/>
+          </a:lnRef>
+          <a:fillRef idx="0">
+            <a:schemeClr val="accent1"/>
+          </a:fillRef>
+          <a:effectRef idx="0">
+            <a:schemeClr val="accent1"/>
+          </a:effectRef>
+          <a:fontRef idx="minor">
+            <a:schemeClr val="tx1"/>
+          </a:fontRef>
+        </p:style>
+      </p:cxnSp>
+      <p:sp>
+        <p:nvSpPr>
+          <p:cNvPr id="50" name="正方形/長方形 49">
+            <a:extLst>
+              <a:ext uri="{FF2B5EF4-FFF2-40B4-BE49-F238E27FC236}">
+                <a16:creationId xmlns:a16="http://schemas.microsoft.com/office/drawing/2014/main" id="{EFAA204C-59FD-5040-A73B-D29CCF85E204}"/>
+              </a:ext>
+            </a:extLst>
+          </p:cNvPr>
+          <p:cNvSpPr/>
+          <p:nvPr/>
+        </p:nvSpPr>
+        <p:spPr>
+          <a:xfrm>
+            <a:off x="5364088" y="2996952"/>
+            <a:ext cx="1486304" cy="461665"/>
+          </a:xfrm>
+          <a:prstGeom prst="rect">
+            <a:avLst/>
+          </a:prstGeom>
+          <a:solidFill>
+            <a:schemeClr val="tx1"/>
+          </a:solidFill>
+        </p:spPr>
+        <p:txBody>
+          <a:bodyPr wrap="none">
+            <a:spAutoFit/>
+          </a:bodyPr>
+          <a:lstStyle/>
+          <a:p>
+            <a:r>
+              <a:rPr lang="en" altLang="ja-JP" sz="2400" b="0">
+                <a:solidFill>
+                  <a:srgbClr val="D4D4D4"/>
+                </a:solidFill>
+                <a:effectLst/>
+                <a:latin typeface="Menlo" panose="020B0609030804020204" pitchFamily="49" charset="0"/>
+              </a:rPr>
+              <a:t>b = </a:t>
+            </a:r>
+            <a:r>
+              <a:rPr lang="en" altLang="ja-JP" sz="2400" b="0">
+                <a:solidFill>
+                  <a:srgbClr val="B5CEA8"/>
+                </a:solidFill>
+                <a:effectLst/>
+                <a:latin typeface="Menlo" panose="020B0609030804020204" pitchFamily="49" charset="0"/>
+              </a:rPr>
+              <a:t>1.0</a:t>
+            </a:r>
+            <a:endParaRPr lang="en" altLang="ja-JP" sz="2400" b="0">
+              <a:solidFill>
+                <a:srgbClr val="D4D4D4"/>
+              </a:solidFill>
+              <a:effectLst/>
+              <a:latin typeface="Menlo" panose="020B0609030804020204" pitchFamily="49" charset="0"/>
+            </a:endParaRPr>
+          </a:p>
+        </p:txBody>
+      </p:sp>
+      <p:sp>
+        <p:nvSpPr>
+          <p:cNvPr id="52" name="正方形/長方形 51">
+            <a:extLst>
+              <a:ext uri="{FF2B5EF4-FFF2-40B4-BE49-F238E27FC236}">
+                <a16:creationId xmlns:a16="http://schemas.microsoft.com/office/drawing/2014/main" id="{12BEBC70-340C-F749-A113-3EC3632C4CC8}"/>
+              </a:ext>
+            </a:extLst>
+          </p:cNvPr>
+          <p:cNvSpPr/>
+          <p:nvPr/>
+        </p:nvSpPr>
+        <p:spPr>
+          <a:xfrm>
+            <a:off x="5076056" y="5157192"/>
+            <a:ext cx="1440160" cy="360040"/>
+          </a:xfrm>
+          <a:prstGeom prst="rect">
+            <a:avLst/>
+          </a:prstGeom>
+          <a:noFill/>
+          <a:ln>
+            <a:solidFill>
+              <a:schemeClr val="tx1"/>
+            </a:solidFill>
+          </a:ln>
+        </p:spPr>
+        <p:style>
+          <a:lnRef idx="2">
+            <a:schemeClr val="accent1">
+              <a:shade val="50000"/>
+            </a:schemeClr>
+          </a:lnRef>
+          <a:fillRef idx="1">
+            <a:schemeClr val="accent1"/>
+          </a:fillRef>
+          <a:effectRef idx="0">
+            <a:schemeClr val="accent1"/>
+          </a:effectRef>
+          <a:fontRef idx="minor">
+            <a:schemeClr val="lt1"/>
+          </a:fontRef>
+        </p:style>
+        <p:txBody>
+          <a:bodyPr rtlCol="0" anchor="ctr"/>
+          <a:lstStyle/>
+          <a:p>
+            <a:pPr algn="ctr"/>
+            <a:r>
+              <a:rPr kumimoji="1" lang="en-US" altLang="ja-JP">
+                <a:solidFill>
+                  <a:schemeClr val="tx1"/>
+                </a:solidFill>
+              </a:rPr>
+              <a:t>74</a:t>
+            </a:r>
+            <a:endParaRPr kumimoji="1" lang="ja-JP" altLang="en-US">
+              <a:solidFill>
+                <a:schemeClr val="tx1"/>
+              </a:solidFill>
+            </a:endParaRPr>
+          </a:p>
+        </p:txBody>
+      </p:sp>
+      <p:sp>
+        <p:nvSpPr>
+          <p:cNvPr id="53" name="正方形/長方形 52">
+            <a:extLst>
+              <a:ext uri="{FF2B5EF4-FFF2-40B4-BE49-F238E27FC236}">
+                <a16:creationId xmlns:a16="http://schemas.microsoft.com/office/drawing/2014/main" id="{BEE405C3-0F7C-B748-BF8F-B05908A28699}"/>
+              </a:ext>
+            </a:extLst>
+          </p:cNvPr>
+          <p:cNvSpPr/>
+          <p:nvPr/>
+        </p:nvSpPr>
+        <p:spPr>
+          <a:xfrm>
+            <a:off x="5076056" y="5517232"/>
+            <a:ext cx="1440160" cy="360040"/>
+          </a:xfrm>
+          <a:prstGeom prst="rect">
+            <a:avLst/>
+          </a:prstGeom>
+          <a:noFill/>
+          <a:ln>
+            <a:solidFill>
+              <a:schemeClr val="tx1"/>
+            </a:solidFill>
+          </a:ln>
+        </p:spPr>
+        <p:style>
+          <a:lnRef idx="2">
+            <a:schemeClr val="accent1">
+              <a:shade val="50000"/>
+            </a:schemeClr>
+          </a:lnRef>
+          <a:fillRef idx="1">
+            <a:schemeClr val="accent1"/>
+          </a:fillRef>
+          <a:effectRef idx="0">
+            <a:schemeClr val="accent1"/>
+          </a:effectRef>
+          <a:fontRef idx="minor">
+            <a:schemeClr val="lt1"/>
+          </a:fontRef>
+        </p:style>
+        <p:txBody>
+          <a:bodyPr rtlCol="0" anchor="ctr"/>
+          <a:lstStyle/>
+          <a:p>
+            <a:pPr algn="ctr"/>
+            <a:r>
+              <a:rPr kumimoji="1" lang="en-US" altLang="ja-JP">
+                <a:solidFill>
+                  <a:schemeClr val="tx1"/>
+                </a:solidFill>
+              </a:rPr>
+              <a:t>65</a:t>
+            </a:r>
+            <a:endParaRPr kumimoji="1" lang="ja-JP" altLang="en-US">
+              <a:solidFill>
+                <a:schemeClr val="tx1"/>
+              </a:solidFill>
+            </a:endParaRPr>
+          </a:p>
+        </p:txBody>
+      </p:sp>
+      <p:sp>
+        <p:nvSpPr>
+          <p:cNvPr id="54" name="正方形/長方形 53">
+            <a:extLst>
+              <a:ext uri="{FF2B5EF4-FFF2-40B4-BE49-F238E27FC236}">
+                <a16:creationId xmlns:a16="http://schemas.microsoft.com/office/drawing/2014/main" id="{06AC5681-153C-234E-8B46-163ED1723A58}"/>
+              </a:ext>
+            </a:extLst>
+          </p:cNvPr>
+          <p:cNvSpPr/>
+          <p:nvPr/>
+        </p:nvSpPr>
+        <p:spPr>
+          <a:xfrm>
+            <a:off x="5076056" y="5877272"/>
+            <a:ext cx="1440160" cy="360040"/>
+          </a:xfrm>
+          <a:prstGeom prst="rect">
+            <a:avLst/>
+          </a:prstGeom>
+          <a:noFill/>
+          <a:ln>
+            <a:solidFill>
+              <a:schemeClr val="tx1"/>
+            </a:solidFill>
+          </a:ln>
+        </p:spPr>
+        <p:style>
+          <a:lnRef idx="2">
+            <a:schemeClr val="accent1">
+              <a:shade val="50000"/>
+            </a:schemeClr>
+          </a:lnRef>
+          <a:fillRef idx="1">
+            <a:schemeClr val="accent1"/>
+          </a:fillRef>
+          <a:effectRef idx="0">
+            <a:schemeClr val="accent1"/>
+          </a:effectRef>
+          <a:fontRef idx="minor">
+            <a:schemeClr val="lt1"/>
+          </a:fontRef>
+        </p:style>
+        <p:txBody>
+          <a:bodyPr rtlCol="0" anchor="ctr"/>
+          <a:lstStyle/>
+          <a:p>
+            <a:pPr algn="ctr"/>
+            <a:r>
+              <a:rPr kumimoji="1" lang="en-US" altLang="ja-JP">
+                <a:solidFill>
+                  <a:schemeClr val="tx1"/>
+                </a:solidFill>
+              </a:rPr>
+              <a:t>73</a:t>
+            </a:r>
+            <a:endParaRPr kumimoji="1" lang="ja-JP" altLang="en-US">
+              <a:solidFill>
+                <a:schemeClr val="tx1"/>
+              </a:solidFill>
+            </a:endParaRPr>
+          </a:p>
+        </p:txBody>
+      </p:sp>
+      <p:sp>
+        <p:nvSpPr>
+          <p:cNvPr id="55" name="正方形/長方形 54">
+            <a:extLst>
+              <a:ext uri="{FF2B5EF4-FFF2-40B4-BE49-F238E27FC236}">
+                <a16:creationId xmlns:a16="http://schemas.microsoft.com/office/drawing/2014/main" id="{BF91ACAA-95C3-C543-A1D0-EF2F41CEC980}"/>
+              </a:ext>
+            </a:extLst>
+          </p:cNvPr>
+          <p:cNvSpPr/>
+          <p:nvPr/>
+        </p:nvSpPr>
+        <p:spPr>
+          <a:xfrm>
+            <a:off x="5076056" y="6237312"/>
+            <a:ext cx="1440160" cy="360040"/>
+          </a:xfrm>
+          <a:prstGeom prst="rect">
+            <a:avLst/>
+          </a:prstGeom>
+          <a:noFill/>
+          <a:ln>
+            <a:solidFill>
+              <a:schemeClr val="tx1"/>
+            </a:solidFill>
+          </a:ln>
+        </p:spPr>
+        <p:style>
+          <a:lnRef idx="2">
+            <a:schemeClr val="accent1">
+              <a:shade val="50000"/>
+            </a:schemeClr>
+          </a:lnRef>
+          <a:fillRef idx="1">
+            <a:schemeClr val="accent1"/>
+          </a:fillRef>
+          <a:effectRef idx="0">
+            <a:schemeClr val="accent1"/>
+          </a:effectRef>
+          <a:fontRef idx="minor">
+            <a:schemeClr val="lt1"/>
+          </a:fontRef>
+        </p:style>
+        <p:txBody>
+          <a:bodyPr rtlCol="0" anchor="ctr"/>
+          <a:lstStyle/>
+          <a:p>
+            <a:pPr algn="ctr"/>
+            <a:r>
+              <a:rPr kumimoji="1" lang="en-US" altLang="ja-JP">
+                <a:solidFill>
+                  <a:schemeClr val="tx1"/>
+                </a:solidFill>
+              </a:rPr>
+              <a:t>74</a:t>
+            </a:r>
+            <a:endParaRPr kumimoji="1" lang="ja-JP" altLang="en-US">
+              <a:solidFill>
+                <a:schemeClr val="tx1"/>
+              </a:solidFill>
+            </a:endParaRPr>
+          </a:p>
+        </p:txBody>
+      </p:sp>
+      <p:cxnSp>
+        <p:nvCxnSpPr>
+          <p:cNvPr id="56" name="直線コネクタ 55">
+            <a:extLst>
+              <a:ext uri="{FF2B5EF4-FFF2-40B4-BE49-F238E27FC236}">
+                <a16:creationId xmlns:a16="http://schemas.microsoft.com/office/drawing/2014/main" id="{2B7C9067-7647-EB42-9649-66D28F9D0DE9}"/>
+              </a:ext>
+            </a:extLst>
+          </p:cNvPr>
+          <p:cNvCxnSpPr>
+            <a:cxnSpLocks/>
+          </p:cNvCxnSpPr>
+          <p:nvPr/>
+        </p:nvCxnSpPr>
+        <p:spPr>
+          <a:xfrm>
+            <a:off x="2339752" y="6597352"/>
+            <a:ext cx="3096344" cy="0"/>
+          </a:xfrm>
+          <a:prstGeom prst="line">
+            <a:avLst/>
+          </a:prstGeom>
+          <a:ln>
+            <a:solidFill>
+              <a:schemeClr val="tx1"/>
+            </a:solidFill>
+            <a:prstDash val="sysDash"/>
+            <a:headEnd type="none" w="med" len="med"/>
+            <a:tailEnd type="none" w="med" len="med"/>
+          </a:ln>
+        </p:spPr>
+        <p:style>
+          <a:lnRef idx="1">
+            <a:schemeClr val="accent1"/>
+          </a:lnRef>
+          <a:fillRef idx="0">
+            <a:schemeClr val="accent1"/>
+          </a:fillRef>
+          <a:effectRef idx="0">
+            <a:schemeClr val="accent1"/>
+          </a:effectRef>
+          <a:fontRef idx="minor">
+            <a:schemeClr val="tx1"/>
+          </a:fontRef>
+        </p:style>
+      </p:cxnSp>
+      <p:sp>
+        <p:nvSpPr>
+          <p:cNvPr id="57" name="1 つの角を切り取った四角形 56">
+            <a:extLst>
+              <a:ext uri="{FF2B5EF4-FFF2-40B4-BE49-F238E27FC236}">
+                <a16:creationId xmlns:a16="http://schemas.microsoft.com/office/drawing/2014/main" id="{9FD905F9-E950-DC48-BEFA-7D9DF24CBCCB}"/>
+              </a:ext>
+            </a:extLst>
+          </p:cNvPr>
+          <p:cNvSpPr/>
+          <p:nvPr/>
+        </p:nvSpPr>
+        <p:spPr>
+          <a:xfrm>
+            <a:off x="107504" y="5157192"/>
+            <a:ext cx="864096" cy="288032"/>
+          </a:xfrm>
+          <a:prstGeom prst="snip1Rect">
+            <a:avLst/>
+          </a:prstGeom>
+          <a:noFill/>
+          <a:ln>
+            <a:solidFill>
+              <a:schemeClr val="tx1"/>
+            </a:solidFill>
+          </a:ln>
+        </p:spPr>
+        <p:style>
+          <a:lnRef idx="2">
+            <a:schemeClr val="accent1">
+              <a:shade val="50000"/>
+            </a:schemeClr>
+          </a:lnRef>
+          <a:fillRef idx="1">
+            <a:schemeClr val="accent1"/>
+          </a:fillRef>
+          <a:effectRef idx="0">
+            <a:schemeClr val="accent1"/>
+          </a:effectRef>
+          <a:fontRef idx="minor">
+            <a:schemeClr val="lt1"/>
+          </a:fontRef>
+        </p:style>
+        <p:txBody>
+          <a:bodyPr rtlCol="0" anchor="ctr"/>
+          <a:lstStyle/>
+          <a:p>
+            <a:pPr algn="ctr"/>
+            <a:r>
+              <a:rPr lang="en-US" altLang="ja-JP" sz="2000">
+                <a:solidFill>
+                  <a:schemeClr val="tx1"/>
+                </a:solidFill>
+              </a:rPr>
+              <a:t>c</a:t>
+            </a:r>
+            <a:endParaRPr kumimoji="1" lang="ja-JP" altLang="en-US" sz="2000">
+              <a:solidFill>
+                <a:schemeClr val="tx1"/>
+              </a:solidFill>
+            </a:endParaRPr>
+          </a:p>
+        </p:txBody>
+      </p:sp>
+      <p:cxnSp>
+        <p:nvCxnSpPr>
+          <p:cNvPr id="58" name="直線矢印コネクタ 57">
+            <a:extLst>
+              <a:ext uri="{FF2B5EF4-FFF2-40B4-BE49-F238E27FC236}">
+                <a16:creationId xmlns:a16="http://schemas.microsoft.com/office/drawing/2014/main" id="{E92D3993-3D51-6443-8B2F-411ABDE2881C}"/>
+              </a:ext>
+            </a:extLst>
+          </p:cNvPr>
+          <p:cNvCxnSpPr>
+            <a:stCxn id="57" idx="0"/>
+          </p:cNvCxnSpPr>
+          <p:nvPr/>
+        </p:nvCxnSpPr>
+        <p:spPr>
+          <a:xfrm>
+            <a:off x="971600" y="5301208"/>
+            <a:ext cx="288032" cy="0"/>
+          </a:xfrm>
+          <a:prstGeom prst="straightConnector1">
+            <a:avLst/>
+          </a:prstGeom>
+          <a:ln w="12700">
+            <a:solidFill>
+              <a:schemeClr val="tx1"/>
+            </a:solidFill>
+            <a:tailEnd type="triangle"/>
+          </a:ln>
+        </p:spPr>
+        <p:style>
+          <a:lnRef idx="1">
+            <a:schemeClr val="accent1"/>
+          </a:lnRef>
+          <a:fillRef idx="0">
+            <a:schemeClr val="accent1"/>
+          </a:fillRef>
+          <a:effectRef idx="0">
+            <a:schemeClr val="accent1"/>
+          </a:effectRef>
+          <a:fontRef idx="minor">
+            <a:schemeClr val="tx1"/>
+          </a:fontRef>
+        </p:style>
+      </p:cxnSp>
+      <p:sp>
+        <p:nvSpPr>
+          <p:cNvPr id="59" name="正方形/長方形 58">
+            <a:extLst>
+              <a:ext uri="{FF2B5EF4-FFF2-40B4-BE49-F238E27FC236}">
+                <a16:creationId xmlns:a16="http://schemas.microsoft.com/office/drawing/2014/main" id="{81AE4641-AE23-9246-8CFF-50C96F4F21C1}"/>
+              </a:ext>
+            </a:extLst>
+          </p:cNvPr>
+          <p:cNvSpPr/>
+          <p:nvPr/>
+        </p:nvSpPr>
+        <p:spPr>
+          <a:xfrm>
+            <a:off x="6876256" y="5229200"/>
+            <a:ext cx="1579278" cy="369332"/>
+          </a:xfrm>
+          <a:prstGeom prst="rect">
+            <a:avLst/>
+          </a:prstGeom>
+          <a:solidFill>
+            <a:schemeClr val="tx1"/>
+          </a:solidFill>
+        </p:spPr>
+        <p:txBody>
+          <a:bodyPr wrap="none">
+            <a:spAutoFit/>
+          </a:bodyPr>
+          <a:lstStyle/>
+          <a:p>
+            <a:r>
+              <a:rPr lang="en" altLang="ja-JP" b="0">
+                <a:solidFill>
+                  <a:srgbClr val="D4D4D4"/>
+                </a:solidFill>
+                <a:effectLst/>
+                <a:latin typeface="Menlo" panose="020B0609030804020204" pitchFamily="49" charset="0"/>
+              </a:rPr>
+              <a:t>c = </a:t>
+            </a:r>
+            <a:r>
+              <a:rPr lang="en" altLang="ja-JP" b="0">
+                <a:solidFill>
+                  <a:srgbClr val="CE9178"/>
+                </a:solidFill>
+                <a:effectLst/>
+                <a:latin typeface="Menlo" panose="020B0609030804020204" pitchFamily="49" charset="0"/>
+              </a:rPr>
+              <a:t>"test"</a:t>
+            </a:r>
+            <a:endParaRPr lang="en" altLang="ja-JP" b="0">
+              <a:solidFill>
+                <a:srgbClr val="D4D4D4"/>
+              </a:solidFill>
+              <a:effectLst/>
+              <a:latin typeface="Menlo" panose="020B0609030804020204" pitchFamily="49" charset="0"/>
+            </a:endParaRPr>
+          </a:p>
+        </p:txBody>
+      </p:sp>
+      <p:sp>
+        <p:nvSpPr>
+          <p:cNvPr id="60" name="テキスト ボックス 59">
+            <a:extLst>
+              <a:ext uri="{FF2B5EF4-FFF2-40B4-BE49-F238E27FC236}">
+                <a16:creationId xmlns:a16="http://schemas.microsoft.com/office/drawing/2014/main" id="{AEAE5B38-53A4-834F-84AC-E599102C3EEA}"/>
+              </a:ext>
+            </a:extLst>
+          </p:cNvPr>
+          <p:cNvSpPr txBox="1"/>
+          <p:nvPr/>
+        </p:nvSpPr>
+        <p:spPr>
+          <a:xfrm>
+            <a:off x="6804248" y="5661248"/>
+            <a:ext cx="659796" cy="369332"/>
+          </a:xfrm>
+          <a:prstGeom prst="rect">
+            <a:avLst/>
+          </a:prstGeom>
+          <a:noFill/>
+        </p:spPr>
+        <p:txBody>
+          <a:bodyPr wrap="none" rtlCol="0">
+            <a:spAutoFit/>
+          </a:bodyPr>
+          <a:lstStyle/>
+          <a:p>
+            <a:r>
+              <a:rPr kumimoji="1" lang="en-US" altLang="ja-JP"/>
+              <a:t>str</a:t>
+            </a:r>
+            <a:r>
+              <a:rPr kumimoji="1" lang="ja-JP" altLang="en-US"/>
+              <a:t>型</a:t>
+            </a:r>
+          </a:p>
+        </p:txBody>
+      </p:sp>
+      <p:sp>
+        <p:nvSpPr>
+          <p:cNvPr id="61" name="右中かっこ 60">
+            <a:extLst>
+              <a:ext uri="{FF2B5EF4-FFF2-40B4-BE49-F238E27FC236}">
+                <a16:creationId xmlns:a16="http://schemas.microsoft.com/office/drawing/2014/main" id="{E45E9DF0-10C0-AF43-9057-D0443147880A}"/>
+              </a:ext>
+            </a:extLst>
+          </p:cNvPr>
+          <p:cNvSpPr/>
+          <p:nvPr/>
+        </p:nvSpPr>
+        <p:spPr>
+          <a:xfrm>
+            <a:off x="6588224" y="5229200"/>
+            <a:ext cx="144016" cy="1296144"/>
+          </a:xfrm>
+          <a:prstGeom prst="rightBrace">
+            <a:avLst/>
+          </a:prstGeom>
+          <a:ln>
+            <a:solidFill>
+              <a:schemeClr val="tx1"/>
+            </a:solidFill>
+            <a:headEnd type="none" w="med" len="med"/>
+            <a:tailEnd type="none" w="med" len="med"/>
+          </a:ln>
+        </p:spPr>
+        <p:style>
+          <a:lnRef idx="1">
+            <a:schemeClr val="accent1"/>
+          </a:lnRef>
+          <a:fillRef idx="0">
+            <a:schemeClr val="accent1"/>
+          </a:fillRef>
+          <a:effectRef idx="0">
+            <a:schemeClr val="accent1"/>
+          </a:effectRef>
+          <a:fontRef idx="minor">
+            <a:schemeClr val="tx1"/>
+          </a:fontRef>
+        </p:style>
+        <p:txBody>
+          <a:bodyPr rtlCol="0" anchor="ctr"/>
+          <a:lstStyle/>
+          <a:p>
+            <a:pPr algn="ctr"/>
+            <a:endParaRPr kumimoji="1" lang="ja-JP" altLang="en-US"/>
+          </a:p>
+        </p:txBody>
+      </p:sp>
+    </p:spTree>
+    <p:extLst>
+      <p:ext uri="{BB962C8B-B14F-4D97-AF65-F5344CB8AC3E}">
+        <p14:creationId xmlns:p14="http://schemas.microsoft.com/office/powerpoint/2010/main" val="892505754"/>
+      </p:ext>
+    </p:extLst>
+  </p:cSld>
+  <p:clrMapOvr>
+    <a:masterClrMapping/>
+  </p:clrMapOvr>
+</p:sld>
+</file>
+
+<file path=ppt/slides/slide13.xml><?xml version="1.0" encoding="utf-8"?>
+<p:sld xmlns:a="http://schemas.openxmlformats.org/drawingml/2006/main" xmlns:r="http://schemas.openxmlformats.org/officeDocument/2006/relationships" xmlns:p="http://schemas.openxmlformats.org/presentationml/2006/main">
+  <p:cSld>
+    <p:spTree>
+      <p:nvGrpSpPr>
+        <p:cNvPr id="1" name=""/>
+        <p:cNvGrpSpPr/>
+        <p:nvPr/>
+      </p:nvGrpSpPr>
+      <p:grpSpPr>
+        <a:xfrm>
+          <a:off x="0" y="0"/>
+          <a:ext cx="0" cy="0"/>
+          <a:chOff x="0" y="0"/>
+          <a:chExt cx="0" cy="0"/>
+        </a:xfrm>
+      </p:grpSpPr>
+      <p:sp>
+        <p:nvSpPr>
+          <p:cNvPr id="2" name="テキスト プレースホルダー 1">
+            <a:extLst>
+              <a:ext uri="{FF2B5EF4-FFF2-40B4-BE49-F238E27FC236}">
+                <a16:creationId xmlns:a16="http://schemas.microsoft.com/office/drawing/2014/main" id="{838F87B0-0941-DA47-BE97-239555AFBE7A}"/>
+              </a:ext>
+            </a:extLst>
+          </p:cNvPr>
+          <p:cNvSpPr>
+            <a:spLocks noGrp="1"/>
+          </p:cNvSpPr>
+          <p:nvPr>
+            <p:ph type="body" sz="quarter" idx="10"/>
+          </p:nvPr>
+        </p:nvSpPr>
+        <p:spPr/>
+        <p:txBody>
+          <a:bodyPr/>
+          <a:lstStyle/>
+          <a:p>
+            <a:r>
+              <a:rPr kumimoji="1" lang="ja-JP" altLang="en-US"/>
+              <a:t>様々な型</a:t>
+            </a:r>
+          </a:p>
+        </p:txBody>
+      </p:sp>
+      <p:sp>
+        <p:nvSpPr>
+          <p:cNvPr id="3" name="テキスト ボックス 2">
+            <a:extLst>
+              <a:ext uri="{FF2B5EF4-FFF2-40B4-BE49-F238E27FC236}">
+                <a16:creationId xmlns:a16="http://schemas.microsoft.com/office/drawing/2014/main" id="{77C845A6-2485-B145-8D19-11AF9A895BCB}"/>
+              </a:ext>
+            </a:extLst>
+          </p:cNvPr>
+          <p:cNvSpPr txBox="1"/>
+          <p:nvPr/>
+        </p:nvSpPr>
+        <p:spPr>
+          <a:xfrm>
+            <a:off x="251520" y="1196752"/>
+            <a:ext cx="2709396" cy="646331"/>
+          </a:xfrm>
+          <a:prstGeom prst="rect">
+            <a:avLst/>
+          </a:prstGeom>
+          <a:noFill/>
+        </p:spPr>
+        <p:txBody>
+          <a:bodyPr wrap="none" rtlCol="0">
+            <a:spAutoFit/>
+          </a:bodyPr>
+          <a:lstStyle/>
+          <a:p>
+            <a:r>
+              <a:rPr kumimoji="1" lang="ja-JP" altLang="en-US" sz="3600">
+                <a:solidFill>
+                  <a:srgbClr val="011893"/>
+                </a:solidFill>
+              </a:rPr>
+              <a:t>真偽値</a:t>
+            </a:r>
+            <a:r>
+              <a:rPr kumimoji="1" lang="en-US" altLang="ja-JP" sz="3600">
+                <a:solidFill>
+                  <a:srgbClr val="011893"/>
+                </a:solidFill>
+              </a:rPr>
+              <a:t>(bool)</a:t>
+            </a:r>
+            <a:endParaRPr kumimoji="1" lang="ja-JP" altLang="en-US" sz="3600">
+              <a:solidFill>
+                <a:srgbClr val="011893"/>
+              </a:solidFill>
+            </a:endParaRPr>
+          </a:p>
+        </p:txBody>
+      </p:sp>
+      <p:sp>
+        <p:nvSpPr>
+          <p:cNvPr id="4" name="テキスト ボックス 3">
+            <a:extLst>
+              <a:ext uri="{FF2B5EF4-FFF2-40B4-BE49-F238E27FC236}">
+                <a16:creationId xmlns:a16="http://schemas.microsoft.com/office/drawing/2014/main" id="{930AB685-1CA1-1945-9A69-0172D44223A1}"/>
+              </a:ext>
+            </a:extLst>
+          </p:cNvPr>
+          <p:cNvSpPr txBox="1"/>
+          <p:nvPr/>
+        </p:nvSpPr>
+        <p:spPr>
+          <a:xfrm>
+            <a:off x="3315542" y="1268760"/>
+            <a:ext cx="5612434" cy="523220"/>
+          </a:xfrm>
+          <a:prstGeom prst="rect">
+            <a:avLst/>
+          </a:prstGeom>
+          <a:noFill/>
+        </p:spPr>
+        <p:txBody>
+          <a:bodyPr wrap="none" rtlCol="0">
+            <a:spAutoFit/>
+          </a:bodyPr>
+          <a:lstStyle/>
+          <a:p>
+            <a:r>
+              <a:rPr lang="ja-JP" altLang="en-US" sz="2800"/>
+              <a:t>真</a:t>
+            </a:r>
+            <a:r>
+              <a:rPr lang="en-US" altLang="ja-JP" sz="2800"/>
+              <a:t>(True)</a:t>
+            </a:r>
+            <a:r>
+              <a:rPr lang="ja-JP" altLang="en-US" sz="2800"/>
+              <a:t>か偽</a:t>
+            </a:r>
+            <a:r>
+              <a:rPr lang="en-US" altLang="ja-JP" sz="2800"/>
+              <a:t>(False)</a:t>
+            </a:r>
+            <a:r>
+              <a:rPr lang="ja-JP" altLang="en-US" sz="2800"/>
+              <a:t>しか取れない型</a:t>
+            </a:r>
+            <a:endParaRPr kumimoji="1" lang="ja-JP" altLang="en-US" sz="2800"/>
+          </a:p>
+        </p:txBody>
+      </p:sp>
+      <p:sp>
+        <p:nvSpPr>
+          <p:cNvPr id="5" name="テキスト ボックス 4">
+            <a:extLst>
+              <a:ext uri="{FF2B5EF4-FFF2-40B4-BE49-F238E27FC236}">
+                <a16:creationId xmlns:a16="http://schemas.microsoft.com/office/drawing/2014/main" id="{87501512-B8D4-B343-A7A7-0DA184889249}"/>
+              </a:ext>
+            </a:extLst>
+          </p:cNvPr>
+          <p:cNvSpPr txBox="1"/>
+          <p:nvPr/>
+        </p:nvSpPr>
+        <p:spPr>
+          <a:xfrm>
+            <a:off x="251520" y="1988840"/>
+            <a:ext cx="1891865" cy="646331"/>
+          </a:xfrm>
+          <a:prstGeom prst="rect">
+            <a:avLst/>
+          </a:prstGeom>
+          <a:noFill/>
+        </p:spPr>
+        <p:txBody>
+          <a:bodyPr wrap="none" rtlCol="0">
+            <a:spAutoFit/>
+          </a:bodyPr>
+          <a:lstStyle/>
+          <a:p>
+            <a:r>
+              <a:rPr kumimoji="1" lang="ja-JP" altLang="en-US" sz="3600">
+                <a:solidFill>
+                  <a:srgbClr val="011893"/>
+                </a:solidFill>
+              </a:rPr>
+              <a:t>整数</a:t>
+            </a:r>
+            <a:r>
+              <a:rPr kumimoji="1" lang="en-US" altLang="ja-JP" sz="3600">
+                <a:solidFill>
+                  <a:srgbClr val="011893"/>
+                </a:solidFill>
+              </a:rPr>
+              <a:t>(int)</a:t>
+            </a:r>
+            <a:endParaRPr kumimoji="1" lang="ja-JP" altLang="en-US" sz="3600">
+              <a:solidFill>
+                <a:srgbClr val="011893"/>
+              </a:solidFill>
+            </a:endParaRPr>
+          </a:p>
+        </p:txBody>
+      </p:sp>
+      <p:sp>
+        <p:nvSpPr>
+          <p:cNvPr id="6" name="テキスト ボックス 5">
+            <a:extLst>
+              <a:ext uri="{FF2B5EF4-FFF2-40B4-BE49-F238E27FC236}">
+                <a16:creationId xmlns:a16="http://schemas.microsoft.com/office/drawing/2014/main" id="{C54F6C4B-A857-CD41-A40F-722EEC772BD1}"/>
+              </a:ext>
+            </a:extLst>
+          </p:cNvPr>
+          <p:cNvSpPr txBox="1"/>
+          <p:nvPr/>
+        </p:nvSpPr>
+        <p:spPr>
+          <a:xfrm>
+            <a:off x="3347864" y="2132856"/>
+            <a:ext cx="3057247" cy="523220"/>
+          </a:xfrm>
+          <a:prstGeom prst="rect">
+            <a:avLst/>
+          </a:prstGeom>
+          <a:noFill/>
+        </p:spPr>
+        <p:txBody>
+          <a:bodyPr wrap="none" rtlCol="0">
+            <a:spAutoFit/>
+          </a:bodyPr>
+          <a:lstStyle/>
+          <a:p>
+            <a:r>
+              <a:rPr lang="ja-JP" altLang="en-US" sz="2800"/>
+              <a:t>整数の値を取る型</a:t>
+            </a:r>
+            <a:endParaRPr kumimoji="1" lang="ja-JP" altLang="en-US" sz="2800"/>
+          </a:p>
+        </p:txBody>
+      </p:sp>
+      <p:sp>
+        <p:nvSpPr>
+          <p:cNvPr id="7" name="テキスト ボックス 6">
+            <a:extLst>
+              <a:ext uri="{FF2B5EF4-FFF2-40B4-BE49-F238E27FC236}">
+                <a16:creationId xmlns:a16="http://schemas.microsoft.com/office/drawing/2014/main" id="{D682614E-1F11-6842-8BC6-8C8D03D675F9}"/>
+              </a:ext>
+            </a:extLst>
+          </p:cNvPr>
+          <p:cNvSpPr txBox="1"/>
+          <p:nvPr/>
+        </p:nvSpPr>
+        <p:spPr>
+          <a:xfrm>
+            <a:off x="251520" y="2780928"/>
+            <a:ext cx="4075155" cy="646331"/>
+          </a:xfrm>
+          <a:prstGeom prst="rect">
+            <a:avLst/>
+          </a:prstGeom>
+          <a:noFill/>
+        </p:spPr>
+        <p:txBody>
+          <a:bodyPr wrap="none" rtlCol="0">
+            <a:spAutoFit/>
+          </a:bodyPr>
+          <a:lstStyle/>
+          <a:p>
+            <a:r>
+              <a:rPr lang="ja-JP" altLang="en-US" sz="3600">
+                <a:solidFill>
+                  <a:srgbClr val="011893"/>
+                </a:solidFill>
+              </a:rPr>
+              <a:t>浮動小数点数</a:t>
+            </a:r>
+            <a:r>
+              <a:rPr kumimoji="1" lang="en-US" altLang="ja-JP" sz="3600">
+                <a:solidFill>
+                  <a:srgbClr val="011893"/>
+                </a:solidFill>
+              </a:rPr>
+              <a:t>(float)</a:t>
+            </a:r>
+            <a:endParaRPr kumimoji="1" lang="ja-JP" altLang="en-US" sz="3600">
+              <a:solidFill>
+                <a:srgbClr val="011893"/>
+              </a:solidFill>
+            </a:endParaRPr>
+          </a:p>
+        </p:txBody>
+      </p:sp>
+      <p:sp>
+        <p:nvSpPr>
+          <p:cNvPr id="8" name="テキスト ボックス 7">
+            <a:extLst>
+              <a:ext uri="{FF2B5EF4-FFF2-40B4-BE49-F238E27FC236}">
+                <a16:creationId xmlns:a16="http://schemas.microsoft.com/office/drawing/2014/main" id="{0FA3340F-04D4-CD4E-B78A-71AB9A9FF656}"/>
+              </a:ext>
+            </a:extLst>
+          </p:cNvPr>
+          <p:cNvSpPr txBox="1"/>
+          <p:nvPr/>
+        </p:nvSpPr>
+        <p:spPr>
+          <a:xfrm>
+            <a:off x="4355976" y="2852936"/>
+            <a:ext cx="3057247" cy="523220"/>
+          </a:xfrm>
+          <a:prstGeom prst="rect">
+            <a:avLst/>
+          </a:prstGeom>
+          <a:noFill/>
+        </p:spPr>
+        <p:txBody>
+          <a:bodyPr wrap="none" rtlCol="0">
+            <a:spAutoFit/>
+          </a:bodyPr>
+          <a:lstStyle/>
+          <a:p>
+            <a:r>
+              <a:rPr lang="ja-JP" altLang="en-US" sz="2800"/>
+              <a:t>実数を</a:t>
+            </a:r>
+            <a:r>
+              <a:rPr lang="ja-JP" altLang="en-US" sz="2800">
+                <a:solidFill>
+                  <a:srgbClr val="FF0000"/>
+                </a:solidFill>
+              </a:rPr>
+              <a:t>近似する</a:t>
+            </a:r>
+            <a:r>
+              <a:rPr lang="ja-JP" altLang="en-US" sz="2800"/>
+              <a:t>型</a:t>
+            </a:r>
+            <a:endParaRPr kumimoji="1" lang="ja-JP" altLang="en-US" sz="2800"/>
+          </a:p>
+        </p:txBody>
+      </p:sp>
+      <p:sp>
+        <p:nvSpPr>
+          <p:cNvPr id="9" name="テキスト ボックス 8">
+            <a:extLst>
+              <a:ext uri="{FF2B5EF4-FFF2-40B4-BE49-F238E27FC236}">
+                <a16:creationId xmlns:a16="http://schemas.microsoft.com/office/drawing/2014/main" id="{52369535-ACC7-6F40-A086-504FB01DE3EE}"/>
+              </a:ext>
+            </a:extLst>
+          </p:cNvPr>
+          <p:cNvSpPr txBox="1"/>
+          <p:nvPr/>
+        </p:nvSpPr>
+        <p:spPr>
+          <a:xfrm>
+            <a:off x="251520" y="4365104"/>
+            <a:ext cx="2382383" cy="646331"/>
+          </a:xfrm>
+          <a:prstGeom prst="rect">
+            <a:avLst/>
+          </a:prstGeom>
+          <a:noFill/>
+        </p:spPr>
+        <p:txBody>
+          <a:bodyPr wrap="none" rtlCol="0">
+            <a:spAutoFit/>
+          </a:bodyPr>
+          <a:lstStyle/>
+          <a:p>
+            <a:r>
+              <a:rPr lang="ja-JP" altLang="en-US" sz="3600">
+                <a:solidFill>
+                  <a:srgbClr val="011893"/>
+                </a:solidFill>
+              </a:rPr>
+              <a:t>文字列</a:t>
+            </a:r>
+            <a:r>
+              <a:rPr lang="en-US" altLang="ja-JP" sz="3600">
+                <a:solidFill>
+                  <a:srgbClr val="011893"/>
+                </a:solidFill>
+              </a:rPr>
+              <a:t>(str)</a:t>
+            </a:r>
+            <a:endParaRPr kumimoji="1" lang="ja-JP" altLang="en-US" sz="3600">
+              <a:solidFill>
+                <a:srgbClr val="011893"/>
+              </a:solidFill>
+            </a:endParaRPr>
+          </a:p>
+        </p:txBody>
+      </p:sp>
+      <p:sp>
+        <p:nvSpPr>
+          <p:cNvPr id="10" name="テキスト ボックス 9">
+            <a:extLst>
+              <a:ext uri="{FF2B5EF4-FFF2-40B4-BE49-F238E27FC236}">
+                <a16:creationId xmlns:a16="http://schemas.microsoft.com/office/drawing/2014/main" id="{6590FDBC-D967-1B48-BF8A-5E2B724BCE23}"/>
+              </a:ext>
+            </a:extLst>
+          </p:cNvPr>
+          <p:cNvSpPr txBox="1"/>
+          <p:nvPr/>
+        </p:nvSpPr>
+        <p:spPr>
+          <a:xfrm>
+            <a:off x="2699792" y="4437112"/>
+            <a:ext cx="3416320" cy="523220"/>
+          </a:xfrm>
+          <a:prstGeom prst="rect">
+            <a:avLst/>
+          </a:prstGeom>
+          <a:noFill/>
+        </p:spPr>
+        <p:txBody>
+          <a:bodyPr wrap="none" rtlCol="0">
+            <a:spAutoFit/>
+          </a:bodyPr>
+          <a:lstStyle/>
+          <a:p>
+            <a:r>
+              <a:rPr lang="ja-JP" altLang="en-US" sz="2800"/>
+              <a:t>文字列を表現する型</a:t>
+            </a:r>
+            <a:endParaRPr kumimoji="1" lang="ja-JP" altLang="en-US" sz="2800"/>
+          </a:p>
+        </p:txBody>
+      </p:sp>
+      <p:sp>
+        <p:nvSpPr>
+          <p:cNvPr id="11" name="テキスト ボックス 10">
+            <a:extLst>
+              <a:ext uri="{FF2B5EF4-FFF2-40B4-BE49-F238E27FC236}">
+                <a16:creationId xmlns:a16="http://schemas.microsoft.com/office/drawing/2014/main" id="{7F495E95-8C09-7D47-A6AD-B74FE0B58FC5}"/>
+              </a:ext>
+            </a:extLst>
+          </p:cNvPr>
+          <p:cNvSpPr txBox="1"/>
+          <p:nvPr/>
+        </p:nvSpPr>
+        <p:spPr>
+          <a:xfrm>
+            <a:off x="251520" y="3573016"/>
+            <a:ext cx="3464410" cy="646331"/>
+          </a:xfrm>
+          <a:prstGeom prst="rect">
+            <a:avLst/>
+          </a:prstGeom>
+          <a:noFill/>
+        </p:spPr>
+        <p:txBody>
+          <a:bodyPr wrap="none" rtlCol="0">
+            <a:spAutoFit/>
+          </a:bodyPr>
+          <a:lstStyle/>
+          <a:p>
+            <a:r>
+              <a:rPr lang="ja-JP" altLang="en-US" sz="3600">
+                <a:solidFill>
+                  <a:srgbClr val="011893"/>
+                </a:solidFill>
+              </a:rPr>
+              <a:t>複素数</a:t>
+            </a:r>
+            <a:r>
+              <a:rPr kumimoji="1" lang="en-US" altLang="ja-JP" sz="3600">
+                <a:solidFill>
+                  <a:srgbClr val="011893"/>
+                </a:solidFill>
+              </a:rPr>
+              <a:t>(complex)</a:t>
+            </a:r>
+            <a:endParaRPr kumimoji="1" lang="ja-JP" altLang="en-US" sz="3600">
+              <a:solidFill>
+                <a:srgbClr val="011893"/>
+              </a:solidFill>
+            </a:endParaRPr>
+          </a:p>
+        </p:txBody>
+      </p:sp>
+      <p:sp>
+        <p:nvSpPr>
+          <p:cNvPr id="12" name="テキスト ボックス 11">
+            <a:extLst>
+              <a:ext uri="{FF2B5EF4-FFF2-40B4-BE49-F238E27FC236}">
+                <a16:creationId xmlns:a16="http://schemas.microsoft.com/office/drawing/2014/main" id="{6D964A58-9757-C947-80E2-C34AE9D10DD7}"/>
+              </a:ext>
+            </a:extLst>
+          </p:cNvPr>
+          <p:cNvSpPr txBox="1"/>
+          <p:nvPr/>
+        </p:nvSpPr>
+        <p:spPr>
+          <a:xfrm>
+            <a:off x="4355976" y="3697868"/>
+            <a:ext cx="3416320" cy="523220"/>
+          </a:xfrm>
+          <a:prstGeom prst="rect">
+            <a:avLst/>
+          </a:prstGeom>
+          <a:noFill/>
+        </p:spPr>
+        <p:txBody>
+          <a:bodyPr wrap="none" rtlCol="0">
+            <a:spAutoFit/>
+          </a:bodyPr>
+          <a:lstStyle/>
+          <a:p>
+            <a:r>
+              <a:rPr lang="ja-JP" altLang="en-US" sz="2800"/>
+              <a:t>複素数を</a:t>
+            </a:r>
+            <a:r>
+              <a:rPr lang="ja-JP" altLang="en-US" sz="2800">
+                <a:solidFill>
+                  <a:srgbClr val="FF0000"/>
+                </a:solidFill>
+              </a:rPr>
+              <a:t>近似する</a:t>
+            </a:r>
+            <a:r>
+              <a:rPr lang="ja-JP" altLang="en-US" sz="2800"/>
+              <a:t>型</a:t>
+            </a:r>
+            <a:endParaRPr kumimoji="1" lang="ja-JP" altLang="en-US" sz="2800"/>
+          </a:p>
+        </p:txBody>
+      </p:sp>
+      <p:sp>
+        <p:nvSpPr>
+          <p:cNvPr id="13" name="テキスト ボックス 12">
+            <a:extLst>
+              <a:ext uri="{FF2B5EF4-FFF2-40B4-BE49-F238E27FC236}">
+                <a16:creationId xmlns:a16="http://schemas.microsoft.com/office/drawing/2014/main" id="{6DDD6E25-C8B8-2742-9CF5-520E67B3D1D0}"/>
+              </a:ext>
+            </a:extLst>
+          </p:cNvPr>
+          <p:cNvSpPr txBox="1"/>
+          <p:nvPr/>
+        </p:nvSpPr>
+        <p:spPr>
+          <a:xfrm>
+            <a:off x="2627784" y="5733256"/>
+            <a:ext cx="3775393" cy="584775"/>
+          </a:xfrm>
+          <a:prstGeom prst="rect">
+            <a:avLst/>
+          </a:prstGeom>
+          <a:noFill/>
+        </p:spPr>
+        <p:txBody>
+          <a:bodyPr wrap="none" rtlCol="0">
+            <a:spAutoFit/>
+          </a:bodyPr>
+          <a:lstStyle/>
+          <a:p>
+            <a:r>
+              <a:rPr kumimoji="1" lang="ja-JP" altLang="en-US" sz="3200"/>
+              <a:t>型は</a:t>
+            </a:r>
+            <a:r>
+              <a:rPr kumimoji="1" lang="en-US" altLang="ja-JP" sz="3200"/>
+              <a:t>type</a:t>
+            </a:r>
+            <a:r>
+              <a:rPr kumimoji="1" lang="ja-JP" altLang="en-US" sz="3200"/>
+              <a:t>で判定可能</a:t>
+            </a:r>
+          </a:p>
+        </p:txBody>
+      </p:sp>
+    </p:spTree>
+    <p:extLst>
+      <p:ext uri="{BB962C8B-B14F-4D97-AF65-F5344CB8AC3E}">
+        <p14:creationId xmlns:p14="http://schemas.microsoft.com/office/powerpoint/2010/main" val="1678485803"/>
+      </p:ext>
+    </p:extLst>
+  </p:cSld>
+  <p:clrMapOvr>
+    <a:masterClrMapping/>
+  </p:clrMapOvr>
+</p:sld>
+</file>
+
+<file path=ppt/slides/slide14.xml><?xml version="1.0" encoding="utf-8"?>
+<p:sld xmlns:a="http://schemas.openxmlformats.org/drawingml/2006/main" xmlns:r="http://schemas.openxmlformats.org/officeDocument/2006/relationships" xmlns:p="http://schemas.openxmlformats.org/presentationml/2006/main">
+  <p:cSld>
+    <p:spTree>
+      <p:nvGrpSpPr>
+        <p:cNvPr id="1" name=""/>
+        <p:cNvGrpSpPr/>
+        <p:nvPr/>
+      </p:nvGrpSpPr>
+      <p:grpSpPr>
+        <a:xfrm>
+          <a:off x="0" y="0"/>
+          <a:ext cx="0" cy="0"/>
+          <a:chOff x="0" y="0"/>
+          <a:chExt cx="0" cy="0"/>
+        </a:xfrm>
+      </p:grpSpPr>
+      <p:sp>
+        <p:nvSpPr>
+          <p:cNvPr id="2" name="テキスト プレースホルダー 1">
+            <a:extLst>
+              <a:ext uri="{FF2B5EF4-FFF2-40B4-BE49-F238E27FC236}">
+                <a16:creationId xmlns:a16="http://schemas.microsoft.com/office/drawing/2014/main" id="{63E10C97-1919-2E4C-9C26-2CCBDB2B3469}"/>
+              </a:ext>
+            </a:extLst>
+          </p:cNvPr>
+          <p:cNvSpPr>
+            <a:spLocks noGrp="1"/>
+          </p:cNvSpPr>
+          <p:nvPr>
+            <p:ph type="body" sz="quarter" idx="10"/>
+          </p:nvPr>
+        </p:nvSpPr>
+        <p:spPr/>
+        <p:txBody>
+          <a:bodyPr/>
+          <a:lstStyle/>
+          <a:p>
+            <a:r>
+              <a:rPr kumimoji="1" lang="ja-JP" altLang="en-US"/>
+              <a:t>演算の注意</a:t>
+            </a:r>
+            <a:r>
+              <a:rPr kumimoji="1" lang="en-US" altLang="ja-JP"/>
+              <a:t>(</a:t>
+            </a:r>
+            <a:r>
+              <a:rPr lang="en-US" altLang="ja-JP"/>
+              <a:t>1/2)</a:t>
+            </a:r>
+            <a:endParaRPr kumimoji="1" lang="ja-JP" altLang="en-US"/>
+          </a:p>
+        </p:txBody>
+      </p:sp>
+      <p:sp>
+        <p:nvSpPr>
+          <p:cNvPr id="3" name="テキスト ボックス 2">
+            <a:extLst>
+              <a:ext uri="{FF2B5EF4-FFF2-40B4-BE49-F238E27FC236}">
+                <a16:creationId xmlns:a16="http://schemas.microsoft.com/office/drawing/2014/main" id="{FB871A24-D50F-AC4C-B9AE-40C4BE72396A}"/>
+              </a:ext>
+            </a:extLst>
+          </p:cNvPr>
+          <p:cNvSpPr txBox="1"/>
+          <p:nvPr/>
+        </p:nvSpPr>
+        <p:spPr>
+          <a:xfrm>
+            <a:off x="337934" y="1268760"/>
+            <a:ext cx="8802410" cy="523220"/>
+          </a:xfrm>
+          <a:prstGeom prst="rect">
+            <a:avLst/>
+          </a:prstGeom>
+          <a:noFill/>
+        </p:spPr>
+        <p:txBody>
+          <a:bodyPr wrap="none" rtlCol="0">
+            <a:spAutoFit/>
+          </a:bodyPr>
+          <a:lstStyle/>
+          <a:p>
+            <a:r>
+              <a:rPr lang="ja-JP" altLang="en-US" sz="2800"/>
+              <a:t>整数と浮動小数点数の演算結果は浮動小数点数になる</a:t>
+            </a:r>
+            <a:endParaRPr kumimoji="1" lang="ja-JP" altLang="en-US" sz="2800"/>
+          </a:p>
+        </p:txBody>
+      </p:sp>
+      <p:sp>
+        <p:nvSpPr>
+          <p:cNvPr id="4" name="正方形/長方形 3">
+            <a:extLst>
+              <a:ext uri="{FF2B5EF4-FFF2-40B4-BE49-F238E27FC236}">
+                <a16:creationId xmlns:a16="http://schemas.microsoft.com/office/drawing/2014/main" id="{3FFDB724-2498-E445-B128-7665DEDEF84D}"/>
+              </a:ext>
+            </a:extLst>
+          </p:cNvPr>
+          <p:cNvSpPr/>
+          <p:nvPr/>
+        </p:nvSpPr>
+        <p:spPr>
+          <a:xfrm>
+            <a:off x="1763688" y="2132856"/>
+            <a:ext cx="2350323" cy="707886"/>
+          </a:xfrm>
+          <a:prstGeom prst="rect">
+            <a:avLst/>
+          </a:prstGeom>
+          <a:solidFill>
+            <a:schemeClr val="tx1"/>
+          </a:solidFill>
+        </p:spPr>
+        <p:txBody>
+          <a:bodyPr wrap="none">
+            <a:spAutoFit/>
+          </a:bodyPr>
+          <a:lstStyle/>
+          <a:p>
+            <a:r>
+              <a:rPr lang="en-US" altLang="ja-JP" sz="4000" b="0">
+                <a:solidFill>
+                  <a:srgbClr val="B5CEA8"/>
+                </a:solidFill>
+                <a:effectLst/>
+                <a:latin typeface="Menlo" panose="020B0609030804020204" pitchFamily="49" charset="0"/>
+              </a:rPr>
+              <a:t>1</a:t>
+            </a:r>
+            <a:r>
+              <a:rPr lang="ja-JP" altLang="en-US" sz="4000" b="0">
+                <a:solidFill>
+                  <a:srgbClr val="D4D4D4"/>
+                </a:solidFill>
+                <a:effectLst/>
+                <a:latin typeface="Menlo" panose="020B0609030804020204" pitchFamily="49" charset="0"/>
+              </a:rPr>
+              <a:t> </a:t>
+            </a:r>
+            <a:r>
+              <a:rPr lang="en-US" altLang="ja-JP" sz="4000" b="0">
+                <a:solidFill>
+                  <a:srgbClr val="D4D4D4"/>
+                </a:solidFill>
+                <a:effectLst/>
+                <a:latin typeface="Menlo" panose="020B0609030804020204" pitchFamily="49" charset="0"/>
+              </a:rPr>
+              <a:t>+ </a:t>
+            </a:r>
+            <a:r>
+              <a:rPr lang="en-US" altLang="ja-JP" sz="4000" b="0">
+                <a:solidFill>
+                  <a:srgbClr val="B5CEA8"/>
+                </a:solidFill>
+                <a:effectLst/>
+                <a:latin typeface="Menlo" panose="020B0609030804020204" pitchFamily="49" charset="0"/>
+              </a:rPr>
+              <a:t>1.0</a:t>
+            </a:r>
+            <a:endParaRPr lang="ja-JP" altLang="en-US" sz="4000" b="0">
+              <a:solidFill>
+                <a:srgbClr val="D4D4D4"/>
+              </a:solidFill>
+              <a:effectLst/>
+              <a:latin typeface="Menlo" panose="020B0609030804020204" pitchFamily="49" charset="0"/>
+            </a:endParaRPr>
+          </a:p>
+        </p:txBody>
+      </p:sp>
+      <p:sp>
+        <p:nvSpPr>
+          <p:cNvPr id="5" name="正方形/長方形 4">
+            <a:extLst>
+              <a:ext uri="{FF2B5EF4-FFF2-40B4-BE49-F238E27FC236}">
+                <a16:creationId xmlns:a16="http://schemas.microsoft.com/office/drawing/2014/main" id="{1C98FAC1-2313-A241-9DAF-7D37A05E3E9D}"/>
+              </a:ext>
+            </a:extLst>
+          </p:cNvPr>
+          <p:cNvSpPr/>
+          <p:nvPr/>
+        </p:nvSpPr>
+        <p:spPr>
+          <a:xfrm>
+            <a:off x="5148064" y="2132856"/>
+            <a:ext cx="1112805" cy="707886"/>
+          </a:xfrm>
+          <a:prstGeom prst="rect">
+            <a:avLst/>
+          </a:prstGeom>
+          <a:solidFill>
+            <a:schemeClr val="tx1"/>
+          </a:solidFill>
+        </p:spPr>
+        <p:txBody>
+          <a:bodyPr wrap="none">
+            <a:spAutoFit/>
+          </a:bodyPr>
+          <a:lstStyle/>
+          <a:p>
+            <a:r>
+              <a:rPr lang="en-US" altLang="ja-JP" sz="4000" b="0">
+                <a:solidFill>
+                  <a:srgbClr val="B5CEA8"/>
+                </a:solidFill>
+                <a:effectLst/>
+                <a:latin typeface="Menlo" panose="020B0609030804020204" pitchFamily="49" charset="0"/>
+              </a:rPr>
+              <a:t>2.0</a:t>
+            </a:r>
+            <a:endParaRPr lang="ja-JP" altLang="en-US" sz="4000" b="0">
+              <a:solidFill>
+                <a:srgbClr val="D4D4D4"/>
+              </a:solidFill>
+              <a:effectLst/>
+              <a:latin typeface="Menlo" panose="020B0609030804020204" pitchFamily="49" charset="0"/>
+            </a:endParaRPr>
+          </a:p>
+        </p:txBody>
+      </p:sp>
+      <p:sp>
+        <p:nvSpPr>
+          <p:cNvPr id="6" name="右矢印 5">
+            <a:extLst>
+              <a:ext uri="{FF2B5EF4-FFF2-40B4-BE49-F238E27FC236}">
+                <a16:creationId xmlns:a16="http://schemas.microsoft.com/office/drawing/2014/main" id="{6F98764E-6CFB-164B-806B-DD8955EA6878}"/>
+              </a:ext>
+            </a:extLst>
+          </p:cNvPr>
+          <p:cNvSpPr/>
+          <p:nvPr/>
+        </p:nvSpPr>
+        <p:spPr>
+          <a:xfrm>
+            <a:off x="4355976" y="2276872"/>
+            <a:ext cx="487954" cy="390363"/>
+          </a:xfrm>
+          <a:prstGeom prst="rightArrow">
+            <a:avLst/>
+          </a:prstGeom>
+          <a:solidFill>
+            <a:srgbClr val="FF0000"/>
+          </a:solidFill>
+          <a:ln>
+            <a:solidFill>
+              <a:schemeClr val="tx1"/>
+            </a:solidFill>
+          </a:ln>
+        </p:spPr>
+        <p:style>
+          <a:lnRef idx="2">
+            <a:schemeClr val="accent1">
+              <a:shade val="50000"/>
+            </a:schemeClr>
+          </a:lnRef>
+          <a:fillRef idx="1">
+            <a:schemeClr val="accent1"/>
+          </a:fillRef>
+          <a:effectRef idx="0">
+            <a:schemeClr val="accent1"/>
+          </a:effectRef>
+          <a:fontRef idx="minor">
+            <a:schemeClr val="lt1"/>
+          </a:fontRef>
+        </p:style>
+        <p:txBody>
+          <a:bodyPr rtlCol="0" anchor="ctr"/>
+          <a:lstStyle/>
+          <a:p>
+            <a:pPr algn="ctr"/>
+            <a:endParaRPr kumimoji="1" lang="ja-JP" altLang="en-US"/>
+          </a:p>
+        </p:txBody>
+      </p:sp>
+      <p:sp>
+        <p:nvSpPr>
+          <p:cNvPr id="7" name="テキスト ボックス 6">
+            <a:extLst>
+              <a:ext uri="{FF2B5EF4-FFF2-40B4-BE49-F238E27FC236}">
+                <a16:creationId xmlns:a16="http://schemas.microsoft.com/office/drawing/2014/main" id="{AB95A84C-47B9-D945-9B01-39D33BB85435}"/>
+              </a:ext>
+            </a:extLst>
+          </p:cNvPr>
+          <p:cNvSpPr txBox="1"/>
+          <p:nvPr/>
+        </p:nvSpPr>
+        <p:spPr>
+          <a:xfrm>
+            <a:off x="308654" y="3140968"/>
+            <a:ext cx="6647974" cy="523220"/>
+          </a:xfrm>
+          <a:prstGeom prst="rect">
+            <a:avLst/>
+          </a:prstGeom>
+          <a:noFill/>
+        </p:spPr>
+        <p:txBody>
+          <a:bodyPr wrap="none" rtlCol="0">
+            <a:spAutoFit/>
+          </a:bodyPr>
+          <a:lstStyle/>
+          <a:p>
+            <a:r>
+              <a:rPr lang="ja-JP" altLang="en-US" sz="2800"/>
+              <a:t>整数と整数の除算は浮動小数点数になる</a:t>
+            </a:r>
+            <a:endParaRPr kumimoji="1" lang="ja-JP" altLang="en-US" sz="2800"/>
+          </a:p>
+        </p:txBody>
+      </p:sp>
+      <p:sp>
+        <p:nvSpPr>
+          <p:cNvPr id="8" name="正方形/長方形 7">
+            <a:extLst>
+              <a:ext uri="{FF2B5EF4-FFF2-40B4-BE49-F238E27FC236}">
+                <a16:creationId xmlns:a16="http://schemas.microsoft.com/office/drawing/2014/main" id="{CE6EDF33-F8C6-014A-A3C8-4EF1459352C6}"/>
+              </a:ext>
+            </a:extLst>
+          </p:cNvPr>
+          <p:cNvSpPr/>
+          <p:nvPr/>
+        </p:nvSpPr>
+        <p:spPr>
+          <a:xfrm>
+            <a:off x="1763688" y="3789040"/>
+            <a:ext cx="1731564" cy="707886"/>
+          </a:xfrm>
+          <a:prstGeom prst="rect">
+            <a:avLst/>
+          </a:prstGeom>
+          <a:solidFill>
+            <a:schemeClr val="tx1"/>
+          </a:solidFill>
+        </p:spPr>
+        <p:txBody>
+          <a:bodyPr wrap="none">
+            <a:spAutoFit/>
+          </a:bodyPr>
+          <a:lstStyle/>
+          <a:p>
+            <a:r>
+              <a:rPr lang="en-US" altLang="ja-JP" sz="4000" b="0">
+                <a:solidFill>
+                  <a:srgbClr val="B5CEA8"/>
+                </a:solidFill>
+                <a:effectLst/>
+                <a:latin typeface="Menlo" panose="020B0609030804020204" pitchFamily="49" charset="0"/>
+              </a:rPr>
+              <a:t>4</a:t>
+            </a:r>
+            <a:r>
+              <a:rPr lang="ja-JP" altLang="en-US" sz="4000" b="0">
+                <a:solidFill>
+                  <a:srgbClr val="D4D4D4"/>
+                </a:solidFill>
+                <a:effectLst/>
+                <a:latin typeface="Menlo" panose="020B0609030804020204" pitchFamily="49" charset="0"/>
+              </a:rPr>
+              <a:t> </a:t>
+            </a:r>
+            <a:r>
+              <a:rPr lang="en-US" altLang="ja-JP" sz="4000" b="0">
+                <a:solidFill>
+                  <a:srgbClr val="D4D4D4"/>
+                </a:solidFill>
+                <a:effectLst/>
+                <a:latin typeface="Menlo" panose="020B0609030804020204" pitchFamily="49" charset="0"/>
+              </a:rPr>
+              <a:t>/ </a:t>
+            </a:r>
+            <a:r>
+              <a:rPr lang="en-US" altLang="ja-JP" sz="4000" b="0">
+                <a:solidFill>
+                  <a:srgbClr val="B5CEA8"/>
+                </a:solidFill>
+                <a:effectLst/>
+                <a:latin typeface="Menlo" panose="020B0609030804020204" pitchFamily="49" charset="0"/>
+              </a:rPr>
+              <a:t>2</a:t>
+            </a:r>
+            <a:endParaRPr lang="ja-JP" altLang="en-US" sz="4000" b="0">
+              <a:solidFill>
+                <a:srgbClr val="D4D4D4"/>
+              </a:solidFill>
+              <a:effectLst/>
+              <a:latin typeface="Menlo" panose="020B0609030804020204" pitchFamily="49" charset="0"/>
+            </a:endParaRPr>
+          </a:p>
+        </p:txBody>
+      </p:sp>
+      <p:sp>
+        <p:nvSpPr>
+          <p:cNvPr id="9" name="正方形/長方形 8">
+            <a:extLst>
+              <a:ext uri="{FF2B5EF4-FFF2-40B4-BE49-F238E27FC236}">
+                <a16:creationId xmlns:a16="http://schemas.microsoft.com/office/drawing/2014/main" id="{C7A7A66A-330A-3E47-926B-72CEB733C2F8}"/>
+              </a:ext>
+            </a:extLst>
+          </p:cNvPr>
+          <p:cNvSpPr/>
+          <p:nvPr/>
+        </p:nvSpPr>
+        <p:spPr>
+          <a:xfrm>
+            <a:off x="5076056" y="3789040"/>
+            <a:ext cx="1112805" cy="707886"/>
+          </a:xfrm>
+          <a:prstGeom prst="rect">
+            <a:avLst/>
+          </a:prstGeom>
+          <a:solidFill>
+            <a:schemeClr val="tx1"/>
+          </a:solidFill>
+        </p:spPr>
+        <p:txBody>
+          <a:bodyPr wrap="none">
+            <a:spAutoFit/>
+          </a:bodyPr>
+          <a:lstStyle/>
+          <a:p>
+            <a:r>
+              <a:rPr lang="en-US" altLang="ja-JP" sz="4000" b="0">
+                <a:solidFill>
+                  <a:srgbClr val="B5CEA8"/>
+                </a:solidFill>
+                <a:effectLst/>
+                <a:latin typeface="Menlo" panose="020B0609030804020204" pitchFamily="49" charset="0"/>
+              </a:rPr>
+              <a:t>2.0</a:t>
+            </a:r>
+            <a:endParaRPr lang="ja-JP" altLang="en-US" sz="4000" b="0">
+              <a:solidFill>
+                <a:srgbClr val="D4D4D4"/>
+              </a:solidFill>
+              <a:effectLst/>
+              <a:latin typeface="Menlo" panose="020B0609030804020204" pitchFamily="49" charset="0"/>
+            </a:endParaRPr>
+          </a:p>
+        </p:txBody>
+      </p:sp>
+      <p:sp>
+        <p:nvSpPr>
+          <p:cNvPr id="10" name="右矢印 9">
+            <a:extLst>
+              <a:ext uri="{FF2B5EF4-FFF2-40B4-BE49-F238E27FC236}">
+                <a16:creationId xmlns:a16="http://schemas.microsoft.com/office/drawing/2014/main" id="{D709FA8C-4BD8-E343-A296-E65CF84FAF5D}"/>
+              </a:ext>
+            </a:extLst>
+          </p:cNvPr>
+          <p:cNvSpPr/>
+          <p:nvPr/>
+        </p:nvSpPr>
+        <p:spPr>
+          <a:xfrm>
+            <a:off x="4283968" y="3933056"/>
+            <a:ext cx="487954" cy="390363"/>
+          </a:xfrm>
+          <a:prstGeom prst="rightArrow">
+            <a:avLst/>
+          </a:prstGeom>
+          <a:solidFill>
+            <a:srgbClr val="FF0000"/>
+          </a:solidFill>
+          <a:ln>
+            <a:solidFill>
+              <a:schemeClr val="tx1"/>
+            </a:solidFill>
+          </a:ln>
+        </p:spPr>
+        <p:style>
+          <a:lnRef idx="2">
+            <a:schemeClr val="accent1">
+              <a:shade val="50000"/>
+            </a:schemeClr>
+          </a:lnRef>
+          <a:fillRef idx="1">
+            <a:schemeClr val="accent1"/>
+          </a:fillRef>
+          <a:effectRef idx="0">
+            <a:schemeClr val="accent1"/>
+          </a:effectRef>
+          <a:fontRef idx="minor">
+            <a:schemeClr val="lt1"/>
+          </a:fontRef>
+        </p:style>
+        <p:txBody>
+          <a:bodyPr rtlCol="0" anchor="ctr"/>
+          <a:lstStyle/>
+          <a:p>
+            <a:pPr algn="ctr"/>
+            <a:endParaRPr kumimoji="1" lang="ja-JP" altLang="en-US"/>
+          </a:p>
+        </p:txBody>
+      </p:sp>
+      <p:sp>
+        <p:nvSpPr>
+          <p:cNvPr id="11" name="テキスト ボックス 10">
+            <a:extLst>
+              <a:ext uri="{FF2B5EF4-FFF2-40B4-BE49-F238E27FC236}">
+                <a16:creationId xmlns:a16="http://schemas.microsoft.com/office/drawing/2014/main" id="{A51BF86A-4F5A-6D43-92FD-1BAAB7D539CF}"/>
+              </a:ext>
+            </a:extLst>
+          </p:cNvPr>
+          <p:cNvSpPr txBox="1"/>
+          <p:nvPr/>
+        </p:nvSpPr>
+        <p:spPr>
+          <a:xfrm>
+            <a:off x="323528" y="4941168"/>
+            <a:ext cx="7568097" cy="523220"/>
+          </a:xfrm>
+          <a:prstGeom prst="rect">
+            <a:avLst/>
+          </a:prstGeom>
+          <a:noFill/>
+        </p:spPr>
+        <p:txBody>
+          <a:bodyPr wrap="none" rtlCol="0">
+            <a:spAutoFit/>
+          </a:bodyPr>
+          <a:lstStyle/>
+          <a:p>
+            <a:r>
+              <a:rPr lang="ja-JP" altLang="en-US" sz="2800"/>
+              <a:t>整数と整数の除算を整数にしたければ</a:t>
+            </a:r>
+            <a:r>
+              <a:rPr lang="en-US" altLang="ja-JP" sz="2800"/>
+              <a:t>//</a:t>
+            </a:r>
+            <a:r>
+              <a:rPr lang="ja-JP" altLang="en-US" sz="2800"/>
+              <a:t>を使う</a:t>
+            </a:r>
+            <a:endParaRPr kumimoji="1" lang="ja-JP" altLang="en-US" sz="2800"/>
+          </a:p>
+        </p:txBody>
+      </p:sp>
+      <p:sp>
+        <p:nvSpPr>
+          <p:cNvPr id="12" name="正方形/長方形 11">
+            <a:extLst>
+              <a:ext uri="{FF2B5EF4-FFF2-40B4-BE49-F238E27FC236}">
+                <a16:creationId xmlns:a16="http://schemas.microsoft.com/office/drawing/2014/main" id="{3E811F95-1D53-6943-9828-3034CA632F67}"/>
+              </a:ext>
+            </a:extLst>
+          </p:cNvPr>
+          <p:cNvSpPr/>
+          <p:nvPr/>
+        </p:nvSpPr>
+        <p:spPr>
+          <a:xfrm>
+            <a:off x="1763688" y="5661248"/>
+            <a:ext cx="2040943" cy="707886"/>
+          </a:xfrm>
+          <a:prstGeom prst="rect">
+            <a:avLst/>
+          </a:prstGeom>
+          <a:solidFill>
+            <a:schemeClr val="tx1"/>
+          </a:solidFill>
+        </p:spPr>
+        <p:txBody>
+          <a:bodyPr wrap="none">
+            <a:spAutoFit/>
+          </a:bodyPr>
+          <a:lstStyle/>
+          <a:p>
+            <a:r>
+              <a:rPr lang="en-US" altLang="ja-JP" sz="4000" b="0">
+                <a:solidFill>
+                  <a:srgbClr val="B5CEA8"/>
+                </a:solidFill>
+                <a:effectLst/>
+                <a:latin typeface="Menlo" panose="020B0609030804020204" pitchFamily="49" charset="0"/>
+              </a:rPr>
+              <a:t>4</a:t>
+            </a:r>
+            <a:r>
+              <a:rPr lang="ja-JP" altLang="en-US" sz="4000" b="0">
+                <a:solidFill>
+                  <a:srgbClr val="D4D4D4"/>
+                </a:solidFill>
+                <a:effectLst/>
+                <a:latin typeface="Menlo" panose="020B0609030804020204" pitchFamily="49" charset="0"/>
+              </a:rPr>
+              <a:t> </a:t>
+            </a:r>
+            <a:r>
+              <a:rPr lang="en-US" altLang="ja-JP" sz="4000" b="0">
+                <a:solidFill>
+                  <a:srgbClr val="D4D4D4"/>
+                </a:solidFill>
+                <a:effectLst/>
+                <a:latin typeface="Menlo" panose="020B0609030804020204" pitchFamily="49" charset="0"/>
+              </a:rPr>
+              <a:t>// </a:t>
+            </a:r>
+            <a:r>
+              <a:rPr lang="en-US" altLang="ja-JP" sz="4000" b="0">
+                <a:solidFill>
+                  <a:srgbClr val="B5CEA8"/>
+                </a:solidFill>
+                <a:effectLst/>
+                <a:latin typeface="Menlo" panose="020B0609030804020204" pitchFamily="49" charset="0"/>
+              </a:rPr>
+              <a:t>2</a:t>
+            </a:r>
+            <a:endParaRPr lang="ja-JP" altLang="en-US" sz="4000" b="0">
+              <a:solidFill>
+                <a:srgbClr val="D4D4D4"/>
+              </a:solidFill>
+              <a:effectLst/>
+              <a:latin typeface="Menlo" panose="020B0609030804020204" pitchFamily="49" charset="0"/>
+            </a:endParaRPr>
+          </a:p>
+        </p:txBody>
+      </p:sp>
+      <p:sp>
+        <p:nvSpPr>
+          <p:cNvPr id="13" name="正方形/長方形 12">
+            <a:extLst>
+              <a:ext uri="{FF2B5EF4-FFF2-40B4-BE49-F238E27FC236}">
+                <a16:creationId xmlns:a16="http://schemas.microsoft.com/office/drawing/2014/main" id="{F921C87A-5682-8E41-B3B5-9BA7C9902793}"/>
+              </a:ext>
+            </a:extLst>
+          </p:cNvPr>
+          <p:cNvSpPr/>
+          <p:nvPr/>
+        </p:nvSpPr>
+        <p:spPr>
+          <a:xfrm>
+            <a:off x="5076056" y="5661248"/>
+            <a:ext cx="1080120" cy="720080"/>
+          </a:xfrm>
+          <a:prstGeom prst="rect">
+            <a:avLst/>
+          </a:prstGeom>
+          <a:solidFill>
+            <a:schemeClr val="tx1"/>
+          </a:solidFill>
+        </p:spPr>
+        <p:txBody>
+          <a:bodyPr wrap="square">
+            <a:spAutoFit/>
+          </a:bodyPr>
+          <a:lstStyle/>
+          <a:p>
+            <a:r>
+              <a:rPr lang="en-US" altLang="ja-JP" sz="4000" b="0">
+                <a:solidFill>
+                  <a:srgbClr val="B5CEA8"/>
+                </a:solidFill>
+                <a:effectLst/>
+                <a:latin typeface="Menlo" panose="020B0609030804020204" pitchFamily="49" charset="0"/>
+              </a:rPr>
+              <a:t>2</a:t>
+            </a:r>
+            <a:endParaRPr lang="ja-JP" altLang="en-US" sz="4000" b="0">
+              <a:solidFill>
+                <a:srgbClr val="D4D4D4"/>
+              </a:solidFill>
+              <a:effectLst/>
+              <a:latin typeface="Menlo" panose="020B0609030804020204" pitchFamily="49" charset="0"/>
+            </a:endParaRPr>
+          </a:p>
+        </p:txBody>
+      </p:sp>
+      <p:sp>
+        <p:nvSpPr>
+          <p:cNvPr id="14" name="右矢印 13">
+            <a:extLst>
+              <a:ext uri="{FF2B5EF4-FFF2-40B4-BE49-F238E27FC236}">
+                <a16:creationId xmlns:a16="http://schemas.microsoft.com/office/drawing/2014/main" id="{A3269DF1-8278-704E-A704-2A9B16462702}"/>
+              </a:ext>
+            </a:extLst>
+          </p:cNvPr>
+          <p:cNvSpPr/>
+          <p:nvPr/>
+        </p:nvSpPr>
+        <p:spPr>
+          <a:xfrm>
+            <a:off x="4283968" y="5805264"/>
+            <a:ext cx="487954" cy="390363"/>
+          </a:xfrm>
+          <a:prstGeom prst="rightArrow">
+            <a:avLst/>
+          </a:prstGeom>
+          <a:solidFill>
+            <a:srgbClr val="FF0000"/>
+          </a:solidFill>
+          <a:ln>
+            <a:solidFill>
+              <a:schemeClr val="tx1"/>
+            </a:solidFill>
+          </a:ln>
+        </p:spPr>
+        <p:style>
+          <a:lnRef idx="2">
+            <a:schemeClr val="accent1">
+              <a:shade val="50000"/>
+            </a:schemeClr>
+          </a:lnRef>
+          <a:fillRef idx="1">
+            <a:schemeClr val="accent1"/>
+          </a:fillRef>
+          <a:effectRef idx="0">
+            <a:schemeClr val="accent1"/>
+          </a:effectRef>
+          <a:fontRef idx="minor">
+            <a:schemeClr val="lt1"/>
+          </a:fontRef>
+        </p:style>
+        <p:txBody>
+          <a:bodyPr rtlCol="0" anchor="ctr"/>
+          <a:lstStyle/>
+          <a:p>
+            <a:pPr algn="ctr"/>
+            <a:endParaRPr kumimoji="1" lang="ja-JP" altLang="en-US"/>
+          </a:p>
+        </p:txBody>
+      </p:sp>
+    </p:spTree>
+    <p:extLst>
+      <p:ext uri="{BB962C8B-B14F-4D97-AF65-F5344CB8AC3E}">
+        <p14:creationId xmlns:p14="http://schemas.microsoft.com/office/powerpoint/2010/main" val="805038024"/>
+      </p:ext>
+    </p:extLst>
+  </p:cSld>
+  <p:clrMapOvr>
+    <a:masterClrMapping/>
+  </p:clrMapOvr>
+</p:sld>
+</file>
+
+<file path=ppt/slides/slide15.xml><?xml version="1.0" encoding="utf-8"?>
+<p:sld xmlns:a="http://schemas.openxmlformats.org/drawingml/2006/main" xmlns:r="http://schemas.openxmlformats.org/officeDocument/2006/relationships" xmlns:p="http://schemas.openxmlformats.org/presentationml/2006/main">
+  <p:cSld>
+    <p:spTree>
+      <p:nvGrpSpPr>
+        <p:cNvPr id="1" name=""/>
+        <p:cNvGrpSpPr/>
+        <p:nvPr/>
+      </p:nvGrpSpPr>
+      <p:grpSpPr>
+        <a:xfrm>
+          <a:off x="0" y="0"/>
+          <a:ext cx="0" cy="0"/>
+          <a:chOff x="0" y="0"/>
+          <a:chExt cx="0" cy="0"/>
+        </a:xfrm>
+      </p:grpSpPr>
+      <p:sp>
+        <p:nvSpPr>
+          <p:cNvPr id="2" name="テキスト プレースホルダー 1">
+            <a:extLst>
+              <a:ext uri="{FF2B5EF4-FFF2-40B4-BE49-F238E27FC236}">
+                <a16:creationId xmlns:a16="http://schemas.microsoft.com/office/drawing/2014/main" id="{A0E5212A-8F18-CC49-92DD-0D2AD5D319B0}"/>
+              </a:ext>
+            </a:extLst>
+          </p:cNvPr>
+          <p:cNvSpPr>
+            <a:spLocks noGrp="1"/>
+          </p:cNvSpPr>
+          <p:nvPr>
+            <p:ph type="body" sz="quarter" idx="10"/>
+          </p:nvPr>
+        </p:nvSpPr>
+        <p:spPr/>
+        <p:txBody>
+          <a:bodyPr/>
+          <a:lstStyle/>
+          <a:p>
+            <a:r>
+              <a:rPr lang="ja-JP" altLang="en-US"/>
+              <a:t>演算の注意</a:t>
+            </a:r>
+            <a:r>
+              <a:rPr lang="en-US" altLang="ja-JP"/>
+              <a:t>(2/2)</a:t>
+            </a:r>
+            <a:endParaRPr kumimoji="1" lang="ja-JP" altLang="en-US"/>
+          </a:p>
+        </p:txBody>
+      </p:sp>
+      <p:sp>
+        <p:nvSpPr>
+          <p:cNvPr id="3" name="正方形/長方形 2">
+            <a:extLst>
+              <a:ext uri="{FF2B5EF4-FFF2-40B4-BE49-F238E27FC236}">
+                <a16:creationId xmlns:a16="http://schemas.microsoft.com/office/drawing/2014/main" id="{9C6C6ABD-3E78-934E-86C1-BF1C7C364ACF}"/>
+              </a:ext>
+            </a:extLst>
+          </p:cNvPr>
+          <p:cNvSpPr/>
+          <p:nvPr/>
+        </p:nvSpPr>
+        <p:spPr>
+          <a:xfrm>
+            <a:off x="395536" y="2060848"/>
+            <a:ext cx="4344459" cy="646331"/>
+          </a:xfrm>
+          <a:prstGeom prst="rect">
+            <a:avLst/>
+          </a:prstGeom>
+          <a:solidFill>
+            <a:schemeClr val="tx1"/>
+          </a:solidFill>
+        </p:spPr>
+        <p:txBody>
+          <a:bodyPr wrap="none">
+            <a:spAutoFit/>
+          </a:bodyPr>
+          <a:lstStyle/>
+          <a:p>
+            <a:r>
+              <a:rPr lang="en-US" altLang="ja-JP" sz="3600" b="0">
+                <a:solidFill>
+                  <a:srgbClr val="B5CEA8"/>
+                </a:solidFill>
+                <a:effectLst/>
+                <a:latin typeface="Menlo" panose="020B0609030804020204" pitchFamily="49" charset="0"/>
+              </a:rPr>
+              <a:t>0.1</a:t>
+            </a:r>
+            <a:r>
+              <a:rPr lang="ja-JP" altLang="en-US" sz="3600" b="0">
+                <a:solidFill>
+                  <a:srgbClr val="D4D4D4"/>
+                </a:solidFill>
+                <a:effectLst/>
+                <a:latin typeface="Menlo" panose="020B0609030804020204" pitchFamily="49" charset="0"/>
+              </a:rPr>
+              <a:t> </a:t>
+            </a:r>
+            <a:r>
+              <a:rPr lang="en-US" altLang="ja-JP" sz="3600" b="0">
+                <a:solidFill>
+                  <a:srgbClr val="D4D4D4"/>
+                </a:solidFill>
+                <a:effectLst/>
+                <a:latin typeface="Menlo" panose="020B0609030804020204" pitchFamily="49" charset="0"/>
+              </a:rPr>
+              <a:t>+ </a:t>
+            </a:r>
+            <a:r>
+              <a:rPr lang="en-US" altLang="ja-JP" sz="3600" b="0">
+                <a:solidFill>
+                  <a:srgbClr val="B5CEA8"/>
+                </a:solidFill>
+                <a:effectLst/>
+                <a:latin typeface="Menlo" panose="020B0609030804020204" pitchFamily="49" charset="0"/>
+              </a:rPr>
+              <a:t>0.1</a:t>
+            </a:r>
+            <a:r>
+              <a:rPr lang="ja-JP" altLang="en-US" sz="3600" b="0">
+                <a:solidFill>
+                  <a:srgbClr val="D4D4D4"/>
+                </a:solidFill>
+                <a:effectLst/>
+                <a:latin typeface="Menlo" panose="020B0609030804020204" pitchFamily="49" charset="0"/>
+              </a:rPr>
+              <a:t> </a:t>
+            </a:r>
+            <a:r>
+              <a:rPr lang="en-US" altLang="ja-JP" sz="3600" b="0">
+                <a:solidFill>
+                  <a:srgbClr val="D4D4D4"/>
+                </a:solidFill>
+                <a:effectLst/>
+                <a:latin typeface="Menlo" panose="020B0609030804020204" pitchFamily="49" charset="0"/>
+              </a:rPr>
+              <a:t>+ </a:t>
+            </a:r>
+            <a:r>
+              <a:rPr lang="en-US" altLang="ja-JP" sz="3600" b="0">
+                <a:solidFill>
+                  <a:srgbClr val="B5CEA8"/>
+                </a:solidFill>
+                <a:effectLst/>
+                <a:latin typeface="Menlo" panose="020B0609030804020204" pitchFamily="49" charset="0"/>
+              </a:rPr>
+              <a:t>0.1</a:t>
+            </a:r>
+            <a:endParaRPr lang="ja-JP" altLang="en-US" sz="3600" b="0">
+              <a:solidFill>
+                <a:srgbClr val="D4D4D4"/>
+              </a:solidFill>
+              <a:effectLst/>
+              <a:latin typeface="Menlo" panose="020B0609030804020204" pitchFamily="49" charset="0"/>
+            </a:endParaRPr>
+          </a:p>
+        </p:txBody>
+      </p:sp>
+      <p:sp>
+        <p:nvSpPr>
+          <p:cNvPr id="5" name="正方形/長方形 4">
+            <a:extLst>
+              <a:ext uri="{FF2B5EF4-FFF2-40B4-BE49-F238E27FC236}">
+                <a16:creationId xmlns:a16="http://schemas.microsoft.com/office/drawing/2014/main" id="{2D0DD487-A2A0-C64E-B216-266E3F0D2E05}"/>
+              </a:ext>
+            </a:extLst>
+          </p:cNvPr>
+          <p:cNvSpPr/>
+          <p:nvPr/>
+        </p:nvSpPr>
+        <p:spPr>
+          <a:xfrm>
+            <a:off x="3419872" y="2924944"/>
+            <a:ext cx="5453737" cy="646331"/>
+          </a:xfrm>
+          <a:prstGeom prst="rect">
+            <a:avLst/>
+          </a:prstGeom>
+          <a:solidFill>
+            <a:schemeClr val="tx1"/>
+          </a:solidFill>
+        </p:spPr>
+        <p:txBody>
+          <a:bodyPr wrap="none">
+            <a:spAutoFit/>
+          </a:bodyPr>
+          <a:lstStyle/>
+          <a:p>
+            <a:r>
+              <a:rPr lang="en-US" altLang="ja-JP" sz="3600" b="0">
+                <a:solidFill>
+                  <a:srgbClr val="B5CEA8"/>
+                </a:solidFill>
+                <a:effectLst/>
+                <a:latin typeface="Menlo" panose="020B0609030804020204" pitchFamily="49" charset="0"/>
+              </a:rPr>
+              <a:t>0.30000000000000004</a:t>
+            </a:r>
+            <a:endParaRPr lang="ja-JP" altLang="en-US" sz="3600" b="0">
+              <a:solidFill>
+                <a:srgbClr val="D4D4D4"/>
+              </a:solidFill>
+              <a:effectLst/>
+              <a:latin typeface="Menlo" panose="020B0609030804020204" pitchFamily="49" charset="0"/>
+            </a:endParaRPr>
+          </a:p>
+        </p:txBody>
+      </p:sp>
+      <p:sp>
+        <p:nvSpPr>
+          <p:cNvPr id="6" name="右矢印 5">
+            <a:extLst>
+              <a:ext uri="{FF2B5EF4-FFF2-40B4-BE49-F238E27FC236}">
+                <a16:creationId xmlns:a16="http://schemas.microsoft.com/office/drawing/2014/main" id="{83518F6E-748B-1542-9157-527660EEE834}"/>
+              </a:ext>
+            </a:extLst>
+          </p:cNvPr>
+          <p:cNvSpPr/>
+          <p:nvPr/>
+        </p:nvSpPr>
+        <p:spPr>
+          <a:xfrm>
+            <a:off x="2699792" y="3068960"/>
+            <a:ext cx="487954" cy="390363"/>
+          </a:xfrm>
+          <a:prstGeom prst="rightArrow">
+            <a:avLst/>
+          </a:prstGeom>
+          <a:solidFill>
+            <a:srgbClr val="FF0000"/>
+          </a:solidFill>
+          <a:ln>
+            <a:solidFill>
+              <a:schemeClr val="tx1"/>
+            </a:solidFill>
+          </a:ln>
+        </p:spPr>
+        <p:style>
+          <a:lnRef idx="2">
+            <a:schemeClr val="accent1">
+              <a:shade val="50000"/>
+            </a:schemeClr>
+          </a:lnRef>
+          <a:fillRef idx="1">
+            <a:schemeClr val="accent1"/>
+          </a:fillRef>
+          <a:effectRef idx="0">
+            <a:schemeClr val="accent1"/>
+          </a:effectRef>
+          <a:fontRef idx="minor">
+            <a:schemeClr val="lt1"/>
+          </a:fontRef>
+        </p:style>
+        <p:txBody>
+          <a:bodyPr rtlCol="0" anchor="ctr"/>
+          <a:lstStyle/>
+          <a:p>
+            <a:pPr algn="ctr"/>
+            <a:endParaRPr kumimoji="1" lang="ja-JP" altLang="en-US"/>
+          </a:p>
+        </p:txBody>
+      </p:sp>
+      <p:sp>
+        <p:nvSpPr>
+          <p:cNvPr id="7" name="円/楕円 6">
+            <a:extLst>
+              <a:ext uri="{FF2B5EF4-FFF2-40B4-BE49-F238E27FC236}">
+                <a16:creationId xmlns:a16="http://schemas.microsoft.com/office/drawing/2014/main" id="{4867B341-4A87-3044-AF1C-638E501243CF}"/>
+              </a:ext>
+            </a:extLst>
+          </p:cNvPr>
+          <p:cNvSpPr/>
+          <p:nvPr/>
+        </p:nvSpPr>
+        <p:spPr>
+          <a:xfrm>
+            <a:off x="8316416" y="2780928"/>
+            <a:ext cx="648072" cy="864096"/>
+          </a:xfrm>
+          <a:prstGeom prst="ellipse">
+            <a:avLst/>
+          </a:prstGeom>
+          <a:noFill/>
+          <a:ln w="38100">
+            <a:solidFill>
+              <a:srgbClr val="FF0000"/>
+            </a:solidFill>
+          </a:ln>
+        </p:spPr>
+        <p:style>
+          <a:lnRef idx="2">
+            <a:schemeClr val="accent1">
+              <a:shade val="50000"/>
+            </a:schemeClr>
+          </a:lnRef>
+          <a:fillRef idx="1">
+            <a:schemeClr val="accent1"/>
+          </a:fillRef>
+          <a:effectRef idx="0">
+            <a:schemeClr val="accent1"/>
+          </a:effectRef>
+          <a:fontRef idx="minor">
+            <a:schemeClr val="lt1"/>
+          </a:fontRef>
+        </p:style>
+        <p:txBody>
+          <a:bodyPr rtlCol="0" anchor="ctr"/>
+          <a:lstStyle/>
+          <a:p>
+            <a:pPr algn="ctr"/>
+            <a:endParaRPr kumimoji="1" lang="ja-JP" altLang="en-US"/>
+          </a:p>
+        </p:txBody>
+      </p:sp>
+      <p:sp>
+        <p:nvSpPr>
+          <p:cNvPr id="8" name="正方形/長方形 7">
+            <a:extLst>
+              <a:ext uri="{FF2B5EF4-FFF2-40B4-BE49-F238E27FC236}">
+                <a16:creationId xmlns:a16="http://schemas.microsoft.com/office/drawing/2014/main" id="{5EC19D51-55CF-7A4F-ACEA-405CE58A48AE}"/>
+              </a:ext>
+            </a:extLst>
+          </p:cNvPr>
+          <p:cNvSpPr/>
+          <p:nvPr/>
+        </p:nvSpPr>
+        <p:spPr>
+          <a:xfrm>
+            <a:off x="467544" y="4221088"/>
+            <a:ext cx="3647152" cy="523220"/>
+          </a:xfrm>
+          <a:prstGeom prst="rect">
+            <a:avLst/>
+          </a:prstGeom>
+          <a:solidFill>
+            <a:schemeClr val="tx1"/>
+          </a:solidFill>
+        </p:spPr>
+        <p:txBody>
+          <a:bodyPr wrap="none">
+            <a:spAutoFit/>
+          </a:bodyPr>
+          <a:lstStyle/>
+          <a:p>
+            <a:r>
+              <a:rPr lang="en-US" altLang="ja-JP" sz="2800" b="0">
+                <a:solidFill>
+                  <a:srgbClr val="B5CEA8"/>
+                </a:solidFill>
+                <a:effectLst/>
+                <a:latin typeface="Menlo" panose="020B0609030804020204" pitchFamily="49" charset="0"/>
+              </a:rPr>
+              <a:t>0.1</a:t>
+            </a:r>
+            <a:r>
+              <a:rPr lang="ja-JP" altLang="en-US" sz="2800" b="0">
+                <a:solidFill>
+                  <a:srgbClr val="D4D4D4"/>
+                </a:solidFill>
+                <a:effectLst/>
+                <a:latin typeface="Menlo" panose="020B0609030804020204" pitchFamily="49" charset="0"/>
+              </a:rPr>
+              <a:t> </a:t>
+            </a:r>
+            <a:r>
+              <a:rPr lang="en-US" altLang="ja-JP" sz="2800" b="0">
+                <a:solidFill>
+                  <a:srgbClr val="D4D4D4"/>
+                </a:solidFill>
+                <a:effectLst/>
+                <a:latin typeface="Menlo" panose="020B0609030804020204" pitchFamily="49" charset="0"/>
+              </a:rPr>
+              <a:t>+ </a:t>
+            </a:r>
+            <a:r>
+              <a:rPr lang="en-US" altLang="ja-JP" sz="2800" b="0">
+                <a:solidFill>
+                  <a:srgbClr val="B5CEA8"/>
+                </a:solidFill>
+                <a:effectLst/>
+                <a:latin typeface="Menlo" panose="020B0609030804020204" pitchFamily="49" charset="0"/>
+              </a:rPr>
+              <a:t>0.1</a:t>
+            </a:r>
+            <a:r>
+              <a:rPr lang="ja-JP" altLang="en-US" sz="2800" b="0">
+                <a:solidFill>
+                  <a:srgbClr val="D4D4D4"/>
+                </a:solidFill>
+                <a:effectLst/>
+                <a:latin typeface="Menlo" panose="020B0609030804020204" pitchFamily="49" charset="0"/>
+              </a:rPr>
+              <a:t> </a:t>
+            </a:r>
+            <a:r>
+              <a:rPr lang="en-US" altLang="ja-JP" sz="2800" b="0">
+                <a:solidFill>
+                  <a:srgbClr val="D4D4D4"/>
+                </a:solidFill>
+                <a:effectLst/>
+                <a:latin typeface="Menlo" panose="020B0609030804020204" pitchFamily="49" charset="0"/>
+              </a:rPr>
+              <a:t>== </a:t>
+            </a:r>
+            <a:r>
+              <a:rPr lang="en-US" altLang="ja-JP" sz="2800" b="0">
+                <a:solidFill>
+                  <a:srgbClr val="B5CEA8"/>
+                </a:solidFill>
+                <a:effectLst/>
+                <a:latin typeface="Menlo" panose="020B0609030804020204" pitchFamily="49" charset="0"/>
+              </a:rPr>
+              <a:t>0.2</a:t>
+            </a:r>
+            <a:endParaRPr lang="ja-JP" altLang="en-US" sz="2800" b="0">
+              <a:solidFill>
+                <a:srgbClr val="D4D4D4"/>
+              </a:solidFill>
+              <a:effectLst/>
+              <a:latin typeface="Menlo" panose="020B0609030804020204" pitchFamily="49" charset="0"/>
+            </a:endParaRPr>
+          </a:p>
+        </p:txBody>
+      </p:sp>
+      <p:sp>
+        <p:nvSpPr>
+          <p:cNvPr id="9" name="右矢印 8">
+            <a:extLst>
+              <a:ext uri="{FF2B5EF4-FFF2-40B4-BE49-F238E27FC236}">
+                <a16:creationId xmlns:a16="http://schemas.microsoft.com/office/drawing/2014/main" id="{FA019E7A-678C-E247-AA0A-CC8D737055E3}"/>
+              </a:ext>
+            </a:extLst>
+          </p:cNvPr>
+          <p:cNvSpPr/>
+          <p:nvPr/>
+        </p:nvSpPr>
+        <p:spPr>
+          <a:xfrm>
+            <a:off x="4355976" y="4293096"/>
+            <a:ext cx="487954" cy="390363"/>
+          </a:xfrm>
+          <a:prstGeom prst="rightArrow">
+            <a:avLst/>
+          </a:prstGeom>
+          <a:solidFill>
+            <a:srgbClr val="FF0000"/>
+          </a:solidFill>
+          <a:ln>
+            <a:solidFill>
+              <a:schemeClr val="tx1"/>
+            </a:solidFill>
+          </a:ln>
+        </p:spPr>
+        <p:style>
+          <a:lnRef idx="2">
+            <a:schemeClr val="accent1">
+              <a:shade val="50000"/>
+            </a:schemeClr>
+          </a:lnRef>
+          <a:fillRef idx="1">
+            <a:schemeClr val="accent1"/>
+          </a:fillRef>
+          <a:effectRef idx="0">
+            <a:schemeClr val="accent1"/>
+          </a:effectRef>
+          <a:fontRef idx="minor">
+            <a:schemeClr val="lt1"/>
+          </a:fontRef>
+        </p:style>
+        <p:txBody>
+          <a:bodyPr rtlCol="0" anchor="ctr"/>
+          <a:lstStyle/>
+          <a:p>
+            <a:pPr algn="ctr"/>
+            <a:endParaRPr kumimoji="1" lang="ja-JP" altLang="en-US"/>
+          </a:p>
+        </p:txBody>
+      </p:sp>
+      <p:sp>
+        <p:nvSpPr>
+          <p:cNvPr id="10" name="正方形/長方形 9">
+            <a:extLst>
+              <a:ext uri="{FF2B5EF4-FFF2-40B4-BE49-F238E27FC236}">
+                <a16:creationId xmlns:a16="http://schemas.microsoft.com/office/drawing/2014/main" id="{9D39CBB4-FD68-D94D-AE36-7A442B941630}"/>
+              </a:ext>
+            </a:extLst>
+          </p:cNvPr>
+          <p:cNvSpPr/>
+          <p:nvPr/>
+        </p:nvSpPr>
+        <p:spPr>
+          <a:xfrm>
+            <a:off x="5148064" y="4221088"/>
+            <a:ext cx="1050288" cy="523220"/>
+          </a:xfrm>
+          <a:prstGeom prst="rect">
+            <a:avLst/>
+          </a:prstGeom>
+          <a:solidFill>
+            <a:schemeClr val="tx1"/>
+          </a:solidFill>
+        </p:spPr>
+        <p:txBody>
+          <a:bodyPr wrap="none">
+            <a:spAutoFit/>
+          </a:bodyPr>
+          <a:lstStyle/>
+          <a:p>
+            <a:r>
+              <a:rPr lang="en" altLang="ja-JP" sz="2800" b="0">
+                <a:solidFill>
+                  <a:srgbClr val="569CD6"/>
+                </a:solidFill>
+                <a:effectLst/>
+                <a:latin typeface="Menlo" panose="020B0609030804020204" pitchFamily="49" charset="0"/>
+              </a:rPr>
+              <a:t>True</a:t>
+            </a:r>
+            <a:endParaRPr lang="en" altLang="ja-JP" sz="2800" b="0">
+              <a:solidFill>
+                <a:srgbClr val="D4D4D4"/>
+              </a:solidFill>
+              <a:effectLst/>
+              <a:latin typeface="Menlo" panose="020B0609030804020204" pitchFamily="49" charset="0"/>
+            </a:endParaRPr>
+          </a:p>
+        </p:txBody>
+      </p:sp>
+      <p:sp>
+        <p:nvSpPr>
+          <p:cNvPr id="11" name="正方形/長方形 10">
+            <a:extLst>
+              <a:ext uri="{FF2B5EF4-FFF2-40B4-BE49-F238E27FC236}">
+                <a16:creationId xmlns:a16="http://schemas.microsoft.com/office/drawing/2014/main" id="{44089AC0-18FD-BD46-BDE3-75993928D353}"/>
+              </a:ext>
+            </a:extLst>
+          </p:cNvPr>
+          <p:cNvSpPr/>
+          <p:nvPr/>
+        </p:nvSpPr>
+        <p:spPr>
+          <a:xfrm>
+            <a:off x="539552" y="5229200"/>
+            <a:ext cx="4945585" cy="523220"/>
+          </a:xfrm>
+          <a:prstGeom prst="rect">
+            <a:avLst/>
+          </a:prstGeom>
+          <a:solidFill>
+            <a:schemeClr val="tx1"/>
+          </a:solidFill>
+        </p:spPr>
+        <p:txBody>
+          <a:bodyPr wrap="none">
+            <a:spAutoFit/>
+          </a:bodyPr>
+          <a:lstStyle/>
+          <a:p>
+            <a:r>
+              <a:rPr lang="en-US" altLang="ja-JP" sz="2800" b="0">
+                <a:solidFill>
+                  <a:srgbClr val="B5CEA8"/>
+                </a:solidFill>
+                <a:effectLst/>
+                <a:latin typeface="Menlo" panose="020B0609030804020204" pitchFamily="49" charset="0"/>
+              </a:rPr>
+              <a:t>0.1</a:t>
+            </a:r>
+            <a:r>
+              <a:rPr lang="ja-JP" altLang="en-US" sz="2800" b="0">
+                <a:solidFill>
+                  <a:srgbClr val="D4D4D4"/>
+                </a:solidFill>
+                <a:effectLst/>
+                <a:latin typeface="Menlo" panose="020B0609030804020204" pitchFamily="49" charset="0"/>
+              </a:rPr>
+              <a:t> </a:t>
+            </a:r>
+            <a:r>
+              <a:rPr lang="en-US" altLang="ja-JP" sz="2800" b="0">
+                <a:solidFill>
+                  <a:srgbClr val="D4D4D4"/>
+                </a:solidFill>
+                <a:effectLst/>
+                <a:latin typeface="Menlo" panose="020B0609030804020204" pitchFamily="49" charset="0"/>
+              </a:rPr>
+              <a:t>+ </a:t>
+            </a:r>
+            <a:r>
+              <a:rPr lang="en-US" altLang="ja-JP" sz="2800" b="0">
+                <a:solidFill>
+                  <a:srgbClr val="B5CEA8"/>
+                </a:solidFill>
+                <a:effectLst/>
+                <a:latin typeface="Menlo" panose="020B0609030804020204" pitchFamily="49" charset="0"/>
+              </a:rPr>
+              <a:t>0.1</a:t>
+            </a:r>
+            <a:r>
+              <a:rPr lang="ja-JP" altLang="en-US" sz="2800" b="0">
+                <a:solidFill>
+                  <a:srgbClr val="D4D4D4"/>
+                </a:solidFill>
+                <a:effectLst/>
+                <a:latin typeface="Menlo" panose="020B0609030804020204" pitchFamily="49" charset="0"/>
+              </a:rPr>
+              <a:t> </a:t>
+            </a:r>
+            <a:r>
+              <a:rPr lang="en-US" altLang="ja-JP" sz="2800" b="0">
+                <a:solidFill>
+                  <a:srgbClr val="D4D4D4"/>
+                </a:solidFill>
+                <a:effectLst/>
+                <a:latin typeface="Menlo" panose="020B0609030804020204" pitchFamily="49" charset="0"/>
+              </a:rPr>
+              <a:t>+ </a:t>
+            </a:r>
+            <a:r>
+              <a:rPr lang="en-US" altLang="ja-JP" sz="2800" b="0">
+                <a:solidFill>
+                  <a:srgbClr val="B5CEA8"/>
+                </a:solidFill>
+                <a:effectLst/>
+                <a:latin typeface="Menlo" panose="020B0609030804020204" pitchFamily="49" charset="0"/>
+              </a:rPr>
+              <a:t>0.1</a:t>
+            </a:r>
+            <a:r>
+              <a:rPr lang="ja-JP" altLang="en-US" sz="2800" b="0">
+                <a:solidFill>
+                  <a:srgbClr val="D4D4D4"/>
+                </a:solidFill>
+                <a:effectLst/>
+                <a:latin typeface="Menlo" panose="020B0609030804020204" pitchFamily="49" charset="0"/>
+              </a:rPr>
+              <a:t> </a:t>
+            </a:r>
+            <a:r>
+              <a:rPr lang="en-US" altLang="ja-JP" sz="2800" b="0">
+                <a:solidFill>
+                  <a:srgbClr val="D4D4D4"/>
+                </a:solidFill>
+                <a:effectLst/>
+                <a:latin typeface="Menlo" panose="020B0609030804020204" pitchFamily="49" charset="0"/>
+              </a:rPr>
+              <a:t>== </a:t>
+            </a:r>
+            <a:r>
+              <a:rPr lang="en-US" altLang="ja-JP" sz="2800" b="0">
+                <a:solidFill>
+                  <a:srgbClr val="B5CEA8"/>
+                </a:solidFill>
+                <a:effectLst/>
+                <a:latin typeface="Menlo" panose="020B0609030804020204" pitchFamily="49" charset="0"/>
+              </a:rPr>
+              <a:t>0.3</a:t>
+            </a:r>
+            <a:endParaRPr lang="ja-JP" altLang="en-US" sz="2800" b="0">
+              <a:solidFill>
+                <a:srgbClr val="D4D4D4"/>
+              </a:solidFill>
+              <a:effectLst/>
+              <a:latin typeface="Menlo" panose="020B0609030804020204" pitchFamily="49" charset="0"/>
+            </a:endParaRPr>
+          </a:p>
+        </p:txBody>
+      </p:sp>
+      <p:sp>
+        <p:nvSpPr>
+          <p:cNvPr id="12" name="右矢印 11">
+            <a:extLst>
+              <a:ext uri="{FF2B5EF4-FFF2-40B4-BE49-F238E27FC236}">
+                <a16:creationId xmlns:a16="http://schemas.microsoft.com/office/drawing/2014/main" id="{4F4E9804-63B3-E244-B72C-172760427DA1}"/>
+              </a:ext>
+            </a:extLst>
+          </p:cNvPr>
+          <p:cNvSpPr/>
+          <p:nvPr/>
+        </p:nvSpPr>
+        <p:spPr>
+          <a:xfrm>
+            <a:off x="5652120" y="5301208"/>
+            <a:ext cx="487954" cy="390363"/>
+          </a:xfrm>
+          <a:prstGeom prst="rightArrow">
+            <a:avLst/>
+          </a:prstGeom>
+          <a:solidFill>
+            <a:srgbClr val="FF0000"/>
+          </a:solidFill>
+          <a:ln>
+            <a:solidFill>
+              <a:schemeClr val="tx1"/>
+            </a:solidFill>
+          </a:ln>
+        </p:spPr>
+        <p:style>
+          <a:lnRef idx="2">
+            <a:schemeClr val="accent1">
+              <a:shade val="50000"/>
+            </a:schemeClr>
+          </a:lnRef>
+          <a:fillRef idx="1">
+            <a:schemeClr val="accent1"/>
+          </a:fillRef>
+          <a:effectRef idx="0">
+            <a:schemeClr val="accent1"/>
+          </a:effectRef>
+          <a:fontRef idx="minor">
+            <a:schemeClr val="lt1"/>
+          </a:fontRef>
+        </p:style>
+        <p:txBody>
+          <a:bodyPr rtlCol="0" anchor="ctr"/>
+          <a:lstStyle/>
+          <a:p>
+            <a:pPr algn="ctr"/>
+            <a:endParaRPr kumimoji="1" lang="ja-JP" altLang="en-US"/>
+          </a:p>
+        </p:txBody>
+      </p:sp>
+      <p:sp>
+        <p:nvSpPr>
+          <p:cNvPr id="13" name="正方形/長方形 12">
+            <a:extLst>
+              <a:ext uri="{FF2B5EF4-FFF2-40B4-BE49-F238E27FC236}">
+                <a16:creationId xmlns:a16="http://schemas.microsoft.com/office/drawing/2014/main" id="{DE2AE335-4F1A-0943-AC61-EDE69AF8F396}"/>
+              </a:ext>
+            </a:extLst>
+          </p:cNvPr>
+          <p:cNvSpPr/>
+          <p:nvPr/>
+        </p:nvSpPr>
+        <p:spPr>
+          <a:xfrm>
+            <a:off x="6372200" y="5229200"/>
+            <a:ext cx="1266693" cy="523220"/>
+          </a:xfrm>
+          <a:prstGeom prst="rect">
+            <a:avLst/>
+          </a:prstGeom>
+          <a:solidFill>
+            <a:schemeClr val="tx1"/>
+          </a:solidFill>
+        </p:spPr>
+        <p:txBody>
+          <a:bodyPr wrap="none">
+            <a:spAutoFit/>
+          </a:bodyPr>
+          <a:lstStyle/>
+          <a:p>
+            <a:r>
+              <a:rPr lang="en" altLang="ja-JP" sz="2800" b="0">
+                <a:solidFill>
+                  <a:srgbClr val="569CD6"/>
+                </a:solidFill>
+                <a:effectLst/>
+                <a:latin typeface="Menlo" panose="020B0609030804020204" pitchFamily="49" charset="0"/>
+              </a:rPr>
+              <a:t>False</a:t>
+            </a:r>
+            <a:endParaRPr lang="en" altLang="ja-JP" sz="2800" b="0">
+              <a:solidFill>
+                <a:srgbClr val="D4D4D4"/>
+              </a:solidFill>
+              <a:effectLst/>
+              <a:latin typeface="Menlo" panose="020B0609030804020204" pitchFamily="49" charset="0"/>
+            </a:endParaRPr>
+          </a:p>
+        </p:txBody>
+      </p:sp>
+      <p:sp>
+        <p:nvSpPr>
+          <p:cNvPr id="14" name="テキスト ボックス 13">
+            <a:extLst>
+              <a:ext uri="{FF2B5EF4-FFF2-40B4-BE49-F238E27FC236}">
+                <a16:creationId xmlns:a16="http://schemas.microsoft.com/office/drawing/2014/main" id="{A180B9A1-49BC-FC47-BC12-CBB580B5311B}"/>
+              </a:ext>
+            </a:extLst>
+          </p:cNvPr>
+          <p:cNvSpPr txBox="1"/>
+          <p:nvPr/>
+        </p:nvSpPr>
+        <p:spPr>
+          <a:xfrm>
+            <a:off x="1187624" y="6093296"/>
+            <a:ext cx="7007046" cy="523220"/>
+          </a:xfrm>
+          <a:prstGeom prst="rect">
+            <a:avLst/>
+          </a:prstGeom>
+          <a:noFill/>
+        </p:spPr>
+        <p:txBody>
+          <a:bodyPr wrap="none" rtlCol="0">
+            <a:spAutoFit/>
+          </a:bodyPr>
+          <a:lstStyle/>
+          <a:p>
+            <a:r>
+              <a:rPr lang="ja-JP" altLang="en-US" sz="2800"/>
+              <a:t>浮動小数点同士の等号比較は信頼できない</a:t>
+            </a:r>
+            <a:endParaRPr kumimoji="1" lang="ja-JP" altLang="en-US" sz="2800"/>
+          </a:p>
+        </p:txBody>
+      </p:sp>
+      <p:sp>
+        <p:nvSpPr>
+          <p:cNvPr id="15" name="テキスト ボックス 14">
+            <a:extLst>
+              <a:ext uri="{FF2B5EF4-FFF2-40B4-BE49-F238E27FC236}">
+                <a16:creationId xmlns:a16="http://schemas.microsoft.com/office/drawing/2014/main" id="{79483D89-983C-8A4D-B374-0BF35ED156D7}"/>
+              </a:ext>
+            </a:extLst>
+          </p:cNvPr>
+          <p:cNvSpPr txBox="1"/>
+          <p:nvPr/>
+        </p:nvSpPr>
+        <p:spPr>
+          <a:xfrm>
+            <a:off x="323528" y="1196752"/>
+            <a:ext cx="5211683" cy="523220"/>
+          </a:xfrm>
+          <a:prstGeom prst="rect">
+            <a:avLst/>
+          </a:prstGeom>
+          <a:noFill/>
+        </p:spPr>
+        <p:txBody>
+          <a:bodyPr wrap="none" rtlCol="0">
+            <a:spAutoFit/>
+          </a:bodyPr>
+          <a:lstStyle/>
+          <a:p>
+            <a:r>
+              <a:rPr lang="ja-JP" altLang="en-US" sz="2800"/>
+              <a:t>浮動小数点は実数を</a:t>
+            </a:r>
+            <a:r>
+              <a:rPr lang="ja-JP" altLang="en-US" sz="2800">
+                <a:solidFill>
+                  <a:srgbClr val="FF0000"/>
+                </a:solidFill>
+              </a:rPr>
+              <a:t>近似する</a:t>
+            </a:r>
+            <a:r>
+              <a:rPr lang="ja-JP" altLang="en-US" sz="2800"/>
+              <a:t>型</a:t>
+            </a:r>
+            <a:endParaRPr kumimoji="1" lang="ja-JP" altLang="en-US" sz="2800"/>
+          </a:p>
+        </p:txBody>
+      </p:sp>
+    </p:spTree>
+    <p:extLst>
+      <p:ext uri="{BB962C8B-B14F-4D97-AF65-F5344CB8AC3E}">
+        <p14:creationId xmlns:p14="http://schemas.microsoft.com/office/powerpoint/2010/main" val="3952890953"/>
+      </p:ext>
+    </p:extLst>
+  </p:cSld>
+  <p:clrMapOvr>
+    <a:masterClrMapping/>
+  </p:clrMapOvr>
+</p:sld>
+</file>
+
+<file path=ppt/slides/slide16.xml><?xml version="1.0" encoding="utf-8"?>
+<p:sld xmlns:a="http://schemas.openxmlformats.org/drawingml/2006/main" xmlns:r="http://schemas.openxmlformats.org/officeDocument/2006/relationships" xmlns:p="http://schemas.openxmlformats.org/presentationml/2006/main">
+  <p:cSld>
+    <p:spTree>
+      <p:nvGrpSpPr>
+        <p:cNvPr id="1" name=""/>
+        <p:cNvGrpSpPr/>
+        <p:nvPr/>
+      </p:nvGrpSpPr>
+      <p:grpSpPr>
+        <a:xfrm>
+          <a:off x="0" y="0"/>
+          <a:ext cx="0" cy="0"/>
+          <a:chOff x="0" y="0"/>
+          <a:chExt cx="0" cy="0"/>
+        </a:xfrm>
+      </p:grpSpPr>
+      <p:sp>
+        <p:nvSpPr>
+          <p:cNvPr id="2" name="テキスト プレースホルダー 1">
+            <a:extLst>
+              <a:ext uri="{FF2B5EF4-FFF2-40B4-BE49-F238E27FC236}">
+                <a16:creationId xmlns:a16="http://schemas.microsoft.com/office/drawing/2014/main" id="{3A51331F-BF4B-E24F-93EF-209CAE6BA42C}"/>
+              </a:ext>
+            </a:extLst>
+          </p:cNvPr>
+          <p:cNvSpPr>
+            <a:spLocks noGrp="1"/>
+          </p:cNvSpPr>
+          <p:nvPr>
+            <p:ph type="body" sz="quarter" idx="10"/>
+          </p:nvPr>
+        </p:nvSpPr>
+        <p:spPr/>
+        <p:txBody>
+          <a:bodyPr/>
+          <a:lstStyle/>
+          <a:p>
+            <a:r>
+              <a:rPr kumimoji="1" lang="ja-JP" altLang="en-US"/>
+              <a:t>繰り返し文</a:t>
+            </a:r>
+          </a:p>
+        </p:txBody>
+      </p:sp>
+    </p:spTree>
+    <p:extLst>
+      <p:ext uri="{BB962C8B-B14F-4D97-AF65-F5344CB8AC3E}">
+        <p14:creationId xmlns:p14="http://schemas.microsoft.com/office/powerpoint/2010/main" val="3632045796"/>
+      </p:ext>
+    </p:extLst>
+  </p:cSld>
+  <p:clrMapOvr>
+    <a:masterClrMapping/>
+  </p:clrMapOvr>
+</p:sld>
+</file>
+
+<file path=ppt/slides/slide17.xml><?xml version="1.0" encoding="utf-8"?>
+<p:sld xmlns:a="http://schemas.openxmlformats.org/drawingml/2006/main" xmlns:r="http://schemas.openxmlformats.org/officeDocument/2006/relationships" xmlns:p="http://schemas.openxmlformats.org/presentationml/2006/main">
+  <p:cSld>
+    <p:spTree>
+      <p:nvGrpSpPr>
+        <p:cNvPr id="1" name=""/>
+        <p:cNvGrpSpPr/>
+        <p:nvPr/>
+      </p:nvGrpSpPr>
+      <p:grpSpPr>
+        <a:xfrm>
+          <a:off x="0" y="0"/>
+          <a:ext cx="0" cy="0"/>
+          <a:chOff x="0" y="0"/>
+          <a:chExt cx="0" cy="0"/>
+        </a:xfrm>
+      </p:grpSpPr>
+      <p:sp>
+        <p:nvSpPr>
+          <p:cNvPr id="2" name="テキスト プレースホルダー 1">
+            <a:extLst>
+              <a:ext uri="{FF2B5EF4-FFF2-40B4-BE49-F238E27FC236}">
+                <a16:creationId xmlns:a16="http://schemas.microsoft.com/office/drawing/2014/main" id="{36E32189-CB37-B44B-9B1B-D61E6921E705}"/>
+              </a:ext>
+            </a:extLst>
+          </p:cNvPr>
+          <p:cNvSpPr>
+            <a:spLocks noGrp="1"/>
+          </p:cNvSpPr>
+          <p:nvPr>
+            <p:ph type="body" sz="quarter" idx="10"/>
+          </p:nvPr>
+        </p:nvSpPr>
+        <p:spPr/>
+        <p:txBody>
+          <a:bodyPr/>
+          <a:lstStyle/>
+          <a:p>
+            <a:r>
+              <a:rPr kumimoji="1" lang="ja-JP" altLang="en-US"/>
+              <a:t>条件分岐</a:t>
+            </a:r>
+          </a:p>
+        </p:txBody>
+      </p:sp>
+    </p:spTree>
+    <p:extLst>
+      <p:ext uri="{BB962C8B-B14F-4D97-AF65-F5344CB8AC3E}">
+        <p14:creationId xmlns:p14="http://schemas.microsoft.com/office/powerpoint/2010/main" val="3228288268"/>
+      </p:ext>
+    </p:extLst>
+  </p:cSld>
+  <p:clrMapOvr>
+    <a:masterClrMapping/>
+  </p:clrMapOvr>
+</p:sld>
+</file>
+
+<file path=ppt/slides/slide18.xml><?xml version="1.0" encoding="utf-8"?>
+<p:sld xmlns:a="http://schemas.openxmlformats.org/drawingml/2006/main" xmlns:r="http://schemas.openxmlformats.org/officeDocument/2006/relationships" xmlns:p="http://schemas.openxmlformats.org/presentationml/2006/main">
+  <p:cSld>
+    <p:spTree>
+      <p:nvGrpSpPr>
+        <p:cNvPr id="1" name=""/>
+        <p:cNvGrpSpPr/>
+        <p:nvPr/>
+      </p:nvGrpSpPr>
+      <p:grpSpPr>
+        <a:xfrm>
+          <a:off x="0" y="0"/>
+          <a:ext cx="0" cy="0"/>
+          <a:chOff x="0" y="0"/>
+          <a:chExt cx="0" cy="0"/>
+        </a:xfrm>
+      </p:grpSpPr>
+      <p:sp>
+        <p:nvSpPr>
+          <p:cNvPr id="2" name="テキスト プレースホルダー 1">
+            <a:extLst>
+              <a:ext uri="{FF2B5EF4-FFF2-40B4-BE49-F238E27FC236}">
+                <a16:creationId xmlns:a16="http://schemas.microsoft.com/office/drawing/2014/main" id="{7D53C28E-8BB6-AC4F-8FA6-2571E9AE7E98}"/>
+              </a:ext>
+            </a:extLst>
+          </p:cNvPr>
+          <p:cNvSpPr>
+            <a:spLocks noGrp="1"/>
+          </p:cNvSpPr>
+          <p:nvPr>
+            <p:ph type="body" sz="quarter" idx="10"/>
+          </p:nvPr>
+        </p:nvSpPr>
+        <p:spPr/>
+        <p:txBody>
+          <a:bodyPr/>
+          <a:lstStyle/>
+          <a:p>
+            <a:r>
+              <a:rPr kumimoji="1" lang="ja-JP" altLang="en-US"/>
+              <a:t>ニュートン法</a:t>
+            </a:r>
+          </a:p>
+        </p:txBody>
+      </p:sp>
+    </p:spTree>
+    <p:extLst>
+      <p:ext uri="{BB962C8B-B14F-4D97-AF65-F5344CB8AC3E}">
+        <p14:creationId xmlns:p14="http://schemas.microsoft.com/office/powerpoint/2010/main" val="3585941373"/>
+      </p:ext>
+    </p:extLst>
+  </p:cSld>
+  <p:clrMapOvr>
+    <a:masterClrMapping/>
+  </p:clrMapOvr>
+</p:sld>
+</file>
+
 <file path=ppt/slides/slide2.xml><?xml version="1.0" encoding="utf-8"?>
 <p:sld xmlns:a="http://schemas.openxmlformats.org/drawingml/2006/main" xmlns:r="http://schemas.openxmlformats.org/officeDocument/2006/relationships" xmlns:p="http://schemas.openxmlformats.org/presentationml/2006/main">
   <p:cSld>
@@ -3841,7 +9584,7 @@
         </p:nvSpPr>
         <p:spPr>
           <a:xfrm>
-            <a:off x="251520" y="1628800"/>
+            <a:off x="323528" y="2060848"/>
             <a:ext cx="2403222" cy="646331"/>
           </a:xfrm>
           <a:prstGeom prst="rect">
@@ -3894,7 +9637,7 @@
         </p:nvSpPr>
         <p:spPr>
           <a:xfrm>
-            <a:off x="251520" y="3212976"/>
+            <a:off x="251520" y="4725144"/>
             <a:ext cx="461986" cy="646331"/>
           </a:xfrm>
           <a:prstGeom prst="rect">
@@ -3976,7 +9719,7 @@
         </p:nvSpPr>
         <p:spPr>
           <a:xfrm>
-            <a:off x="179512" y="2636912"/>
+            <a:off x="251520" y="3356992"/>
             <a:ext cx="7776864" cy="461665"/>
           </a:xfrm>
           <a:prstGeom prst="rect">
@@ -4011,7 +9754,7 @@
         </p:nvSpPr>
         <p:spPr>
           <a:xfrm>
-            <a:off x="2339752" y="3068960"/>
+            <a:off x="2411760" y="3789040"/>
             <a:ext cx="1342034" cy="338554"/>
           </a:xfrm>
           <a:prstGeom prst="rect">
@@ -4038,6 +9781,214 @@
               <a:t>)</a:t>
             </a:r>
             <a:endParaRPr kumimoji="1" lang="ja-JP" altLang="en-US" sz="1600"/>
+          </a:p>
+        </p:txBody>
+      </p:sp>
+      <p:sp>
+        <p:nvSpPr>
+          <p:cNvPr id="8" name="正方形/長方形 7">
+            <a:extLst>
+              <a:ext uri="{FF2B5EF4-FFF2-40B4-BE49-F238E27FC236}">
+                <a16:creationId xmlns:a16="http://schemas.microsoft.com/office/drawing/2014/main" id="{5D198F74-B1C9-F44C-AE07-D1C9189C1A73}"/>
+              </a:ext>
+            </a:extLst>
+          </p:cNvPr>
+          <p:cNvSpPr/>
+          <p:nvPr/>
+        </p:nvSpPr>
+        <p:spPr>
+          <a:xfrm>
+            <a:off x="3707904" y="2060848"/>
+            <a:ext cx="792088" cy="646331"/>
+          </a:xfrm>
+          <a:prstGeom prst="rect">
+            <a:avLst/>
+          </a:prstGeom>
+          <a:solidFill>
+            <a:schemeClr val="tx1"/>
+          </a:solidFill>
+        </p:spPr>
+        <p:txBody>
+          <a:bodyPr wrap="square">
+            <a:spAutoFit/>
+          </a:bodyPr>
+          <a:lstStyle/>
+          <a:p>
+            <a:r>
+              <a:rPr lang="en" altLang="ja-JP" sz="3600" b="0">
+                <a:solidFill>
+                  <a:srgbClr val="B5CEA8"/>
+                </a:solidFill>
+                <a:effectLst/>
+                <a:latin typeface="Menlo" panose="020B0609030804020204" pitchFamily="49" charset="0"/>
+              </a:rPr>
+              <a:t>10</a:t>
+            </a:r>
+            <a:endParaRPr lang="en" altLang="ja-JP" sz="3600" b="0">
+              <a:solidFill>
+                <a:srgbClr val="D4D4D4"/>
+              </a:solidFill>
+              <a:effectLst/>
+              <a:latin typeface="Menlo" panose="020B0609030804020204" pitchFamily="49" charset="0"/>
+            </a:endParaRPr>
+          </a:p>
+        </p:txBody>
+      </p:sp>
+      <p:sp>
+        <p:nvSpPr>
+          <p:cNvPr id="9" name="右矢印 8">
+            <a:extLst>
+              <a:ext uri="{FF2B5EF4-FFF2-40B4-BE49-F238E27FC236}">
+                <a16:creationId xmlns:a16="http://schemas.microsoft.com/office/drawing/2014/main" id="{7C03E606-2F47-4B49-BD04-796F7C721D7C}"/>
+              </a:ext>
+            </a:extLst>
+          </p:cNvPr>
+          <p:cNvSpPr/>
+          <p:nvPr/>
+        </p:nvSpPr>
+        <p:spPr>
+          <a:xfrm>
+            <a:off x="2987824" y="2132856"/>
+            <a:ext cx="504056" cy="504056"/>
+          </a:xfrm>
+          <a:prstGeom prst="rightArrow">
+            <a:avLst/>
+          </a:prstGeom>
+          <a:solidFill>
+            <a:srgbClr val="FF0000"/>
+          </a:solidFill>
+          <a:ln>
+            <a:solidFill>
+              <a:schemeClr val="tx1"/>
+            </a:solidFill>
+          </a:ln>
+        </p:spPr>
+        <p:style>
+          <a:lnRef idx="2">
+            <a:schemeClr val="accent1">
+              <a:shade val="50000"/>
+            </a:schemeClr>
+          </a:lnRef>
+          <a:fillRef idx="1">
+            <a:schemeClr val="accent1"/>
+          </a:fillRef>
+          <a:effectRef idx="0">
+            <a:schemeClr val="accent1"/>
+          </a:effectRef>
+          <a:fontRef idx="minor">
+            <a:schemeClr val="lt1"/>
+          </a:fontRef>
+        </p:style>
+        <p:txBody>
+          <a:bodyPr rtlCol="0" anchor="ctr"/>
+          <a:lstStyle/>
+          <a:p>
+            <a:pPr algn="ctr"/>
+            <a:endParaRPr kumimoji="1" lang="ja-JP" altLang="en-US"/>
+          </a:p>
+        </p:txBody>
+      </p:sp>
+      <p:sp>
+        <p:nvSpPr>
+          <p:cNvPr id="10" name="右矢印 9">
+            <a:extLst>
+              <a:ext uri="{FF2B5EF4-FFF2-40B4-BE49-F238E27FC236}">
+                <a16:creationId xmlns:a16="http://schemas.microsoft.com/office/drawing/2014/main" id="{5D2F470A-3140-0046-B977-25814FD041B2}"/>
+              </a:ext>
+            </a:extLst>
+          </p:cNvPr>
+          <p:cNvSpPr/>
+          <p:nvPr/>
+        </p:nvSpPr>
+        <p:spPr>
+          <a:xfrm>
+            <a:off x="899592" y="4797152"/>
+            <a:ext cx="504056" cy="504056"/>
+          </a:xfrm>
+          <a:prstGeom prst="rightArrow">
+            <a:avLst/>
+          </a:prstGeom>
+          <a:solidFill>
+            <a:srgbClr val="FF0000"/>
+          </a:solidFill>
+          <a:ln>
+            <a:solidFill>
+              <a:schemeClr val="tx1"/>
+            </a:solidFill>
+          </a:ln>
+        </p:spPr>
+        <p:style>
+          <a:lnRef idx="2">
+            <a:schemeClr val="accent1">
+              <a:shade val="50000"/>
+            </a:schemeClr>
+          </a:lnRef>
+          <a:fillRef idx="1">
+            <a:schemeClr val="accent1"/>
+          </a:fillRef>
+          <a:effectRef idx="0">
+            <a:schemeClr val="accent1"/>
+          </a:effectRef>
+          <a:fontRef idx="minor">
+            <a:schemeClr val="lt1"/>
+          </a:fontRef>
+        </p:style>
+        <p:txBody>
+          <a:bodyPr rtlCol="0" anchor="ctr"/>
+          <a:lstStyle/>
+          <a:p>
+            <a:pPr algn="ctr"/>
+            <a:endParaRPr kumimoji="1" lang="ja-JP" altLang="en-US"/>
+          </a:p>
+        </p:txBody>
+      </p:sp>
+      <p:sp>
+        <p:nvSpPr>
+          <p:cNvPr id="11" name="正方形/長方形 10">
+            <a:extLst>
+              <a:ext uri="{FF2B5EF4-FFF2-40B4-BE49-F238E27FC236}">
+                <a16:creationId xmlns:a16="http://schemas.microsoft.com/office/drawing/2014/main" id="{91F473EA-2FCE-AC4B-B9DD-F97D732907D4}"/>
+              </a:ext>
+            </a:extLst>
+          </p:cNvPr>
+          <p:cNvSpPr/>
+          <p:nvPr/>
+        </p:nvSpPr>
+        <p:spPr>
+          <a:xfrm>
+            <a:off x="1547664" y="4725144"/>
+            <a:ext cx="792088" cy="646331"/>
+          </a:xfrm>
+          <a:prstGeom prst="rect">
+            <a:avLst/>
+          </a:prstGeom>
+          <a:solidFill>
+            <a:schemeClr val="tx1"/>
+          </a:solidFill>
+        </p:spPr>
+        <p:txBody>
+          <a:bodyPr wrap="square">
+            <a:spAutoFit/>
+          </a:bodyPr>
+          <a:lstStyle/>
+          <a:p>
+            <a:r>
+              <a:rPr lang="en" altLang="ja-JP" sz="3600" b="0">
+                <a:solidFill>
+                  <a:srgbClr val="B5CEA8"/>
+                </a:solidFill>
+                <a:effectLst/>
+                <a:latin typeface="Menlo" panose="020B0609030804020204" pitchFamily="49" charset="0"/>
+              </a:rPr>
+              <a:t>10</a:t>
+            </a:r>
+            <a:endParaRPr lang="en" altLang="ja-JP" sz="3600" b="0">
+              <a:solidFill>
+                <a:srgbClr val="D4D4D4"/>
+              </a:solidFill>
+              <a:effectLst/>
+              <a:latin typeface="Menlo" panose="020B0609030804020204" pitchFamily="49" charset="0"/>
+            </a:endParaRPr>
           </a:p>
         </p:txBody>
       </p:sp>
@@ -7783,112 +13734,6 @@
       </p:cxnSp>
       <p:sp>
         <p:nvSpPr>
-          <p:cNvPr id="31" name="角丸四角形吹き出し 30">
-            <a:extLst>
-              <a:ext uri="{FF2B5EF4-FFF2-40B4-BE49-F238E27FC236}">
-                <a16:creationId xmlns:a16="http://schemas.microsoft.com/office/drawing/2014/main" id="{B4C8D783-2ACA-0E4B-B64C-22AFAEAD3E96}"/>
-              </a:ext>
-            </a:extLst>
-          </p:cNvPr>
-          <p:cNvSpPr/>
-          <p:nvPr/>
-        </p:nvSpPr>
-        <p:spPr>
-          <a:xfrm>
-            <a:off x="683567" y="5373216"/>
-            <a:ext cx="2952328" cy="720080"/>
-          </a:xfrm>
-          <a:prstGeom prst="wedgeRoundRectCallout">
-            <a:avLst>
-              <a:gd name="adj1" fmla="val -32842"/>
-              <a:gd name="adj2" fmla="val 100125"/>
-              <a:gd name="adj3" fmla="val 16667"/>
-            </a:avLst>
-          </a:prstGeom>
-          <a:noFill/>
-          <a:ln>
-            <a:solidFill>
-              <a:schemeClr val="tx1"/>
-            </a:solidFill>
-          </a:ln>
-        </p:spPr>
-        <p:style>
-          <a:lnRef idx="2">
-            <a:schemeClr val="accent1">
-              <a:shade val="50000"/>
-            </a:schemeClr>
-          </a:lnRef>
-          <a:fillRef idx="1">
-            <a:schemeClr val="accent1"/>
-          </a:fillRef>
-          <a:effectRef idx="0">
-            <a:schemeClr val="accent1"/>
-          </a:effectRef>
-          <a:fontRef idx="minor">
-            <a:schemeClr val="lt1"/>
-          </a:fontRef>
-        </p:style>
-        <p:txBody>
-          <a:bodyPr rtlCol="0" anchor="ctr"/>
-          <a:lstStyle/>
-          <a:p>
-            <a:pPr algn="ctr"/>
-            <a:endParaRPr kumimoji="1" lang="ja-JP" altLang="en-US"/>
-          </a:p>
-        </p:txBody>
-      </p:sp>
-      <p:sp>
-        <p:nvSpPr>
-          <p:cNvPr id="32" name="テキスト ボックス 31">
-            <a:extLst>
-              <a:ext uri="{FF2B5EF4-FFF2-40B4-BE49-F238E27FC236}">
-                <a16:creationId xmlns:a16="http://schemas.microsoft.com/office/drawing/2014/main" id="{87388390-594E-3E41-BCE9-9141FA91629A}"/>
-              </a:ext>
-            </a:extLst>
-          </p:cNvPr>
-          <p:cNvSpPr txBox="1"/>
-          <p:nvPr/>
-        </p:nvSpPr>
-        <p:spPr>
-          <a:xfrm>
-            <a:off x="755576" y="5445224"/>
-            <a:ext cx="2736304" cy="646331"/>
-          </a:xfrm>
-          <a:prstGeom prst="rect">
-            <a:avLst/>
-          </a:prstGeom>
-          <a:noFill/>
-        </p:spPr>
-        <p:txBody>
-          <a:bodyPr wrap="square" rtlCol="0">
-            <a:spAutoFit/>
-          </a:bodyPr>
-          <a:lstStyle/>
-          <a:p>
-            <a:r>
-              <a:rPr lang="ja-JP" altLang="en-US"/>
-              <a:t>「</a:t>
-            </a:r>
-            <a:r>
-              <a:rPr lang="en-US" altLang="ja-JP"/>
-              <a:t>a</a:t>
-            </a:r>
-            <a:r>
-              <a:rPr lang="ja-JP" altLang="en-US"/>
-              <a:t>」の荷札がついた</a:t>
-            </a:r>
-            <a:endParaRPr lang="en-US" altLang="ja-JP"/>
-          </a:p>
-          <a:p>
-            <a:r>
-              <a:rPr kumimoji="1" lang="ja-JP" altLang="en-US"/>
-              <a:t>荷物をください</a:t>
-            </a:r>
-          </a:p>
-        </p:txBody>
-      </p:sp>
-      <p:sp>
-        <p:nvSpPr>
           <p:cNvPr id="34" name="右矢印 33">
             <a:extLst>
               <a:ext uri="{FF2B5EF4-FFF2-40B4-BE49-F238E27FC236}">
@@ -7976,7 +13821,7 @@
           <p:cNvPr id="2" name="テキスト プレースホルダー 1">
             <a:extLst>
               <a:ext uri="{FF2B5EF4-FFF2-40B4-BE49-F238E27FC236}">
-                <a16:creationId xmlns:a16="http://schemas.microsoft.com/office/drawing/2014/main" id="{13637AF4-B69F-834D-9182-BAE51745766D}"/>
+                <a16:creationId xmlns:a16="http://schemas.microsoft.com/office/drawing/2014/main" id="{53CB6971-E7B0-F743-92B2-4A12DBB59879}"/>
               </a:ext>
             </a:extLst>
           </p:cNvPr>
@@ -7999,12 +13844,118 @@
           </a:p>
         </p:txBody>
       </p:sp>
+      <p:sp>
+        <p:nvSpPr>
+          <p:cNvPr id="3" name="角丸四角形吹き出し 2">
+            <a:extLst>
+              <a:ext uri="{FF2B5EF4-FFF2-40B4-BE49-F238E27FC236}">
+                <a16:creationId xmlns:a16="http://schemas.microsoft.com/office/drawing/2014/main" id="{574AC675-15DF-5B49-8500-FFFB799F0AA0}"/>
+              </a:ext>
+            </a:extLst>
+          </p:cNvPr>
+          <p:cNvSpPr/>
+          <p:nvPr/>
+        </p:nvSpPr>
+        <p:spPr>
+          <a:xfrm>
+            <a:off x="539551" y="1844824"/>
+            <a:ext cx="2448273" cy="720080"/>
+          </a:xfrm>
+          <a:prstGeom prst="wedgeRoundRectCallout">
+            <a:avLst>
+              <a:gd name="adj1" fmla="val -33186"/>
+              <a:gd name="adj2" fmla="val 81783"/>
+              <a:gd name="adj3" fmla="val 16667"/>
+            </a:avLst>
+          </a:prstGeom>
+          <a:noFill/>
+          <a:ln>
+            <a:solidFill>
+              <a:schemeClr val="tx1"/>
+            </a:solidFill>
+          </a:ln>
+        </p:spPr>
+        <p:style>
+          <a:lnRef idx="2">
+            <a:schemeClr val="accent1">
+              <a:shade val="50000"/>
+            </a:schemeClr>
+          </a:lnRef>
+          <a:fillRef idx="1">
+            <a:schemeClr val="accent1"/>
+          </a:fillRef>
+          <a:effectRef idx="0">
+            <a:schemeClr val="accent1"/>
+          </a:effectRef>
+          <a:fontRef idx="minor">
+            <a:schemeClr val="lt1"/>
+          </a:fontRef>
+        </p:style>
+        <p:txBody>
+          <a:bodyPr rtlCol="0" anchor="ctr"/>
+          <a:lstStyle/>
+          <a:p>
+            <a:pPr algn="ctr"/>
+            <a:endParaRPr kumimoji="1" lang="ja-JP" altLang="en-US"/>
+          </a:p>
+        </p:txBody>
+      </p:sp>
+      <p:sp>
+        <p:nvSpPr>
+          <p:cNvPr id="4" name="テキスト ボックス 3">
+            <a:extLst>
+              <a:ext uri="{FF2B5EF4-FFF2-40B4-BE49-F238E27FC236}">
+                <a16:creationId xmlns:a16="http://schemas.microsoft.com/office/drawing/2014/main" id="{2D494B3D-32B6-D14F-8416-2CE6CA8EC508}"/>
+              </a:ext>
+            </a:extLst>
+          </p:cNvPr>
+          <p:cNvSpPr txBox="1"/>
+          <p:nvPr/>
+        </p:nvSpPr>
+        <p:spPr>
+          <a:xfrm>
+            <a:off x="539552" y="1916832"/>
+            <a:ext cx="2736304" cy="646331"/>
+          </a:xfrm>
+          <a:prstGeom prst="rect">
+            <a:avLst/>
+          </a:prstGeom>
+          <a:noFill/>
+        </p:spPr>
+        <p:txBody>
+          <a:bodyPr wrap="square" rtlCol="0">
+            <a:spAutoFit/>
+          </a:bodyPr>
+          <a:lstStyle/>
+          <a:p>
+            <a:r>
+              <a:rPr lang="ja-JP" altLang="en-US"/>
+              <a:t>「</a:t>
+            </a:r>
+            <a:r>
+              <a:rPr lang="en-US" altLang="ja-JP"/>
+              <a:t>a</a:t>
+            </a:r>
+            <a:r>
+              <a:rPr lang="ja-JP" altLang="en-US"/>
+              <a:t>」の荷札がついた</a:t>
+            </a:r>
+            <a:endParaRPr lang="en-US" altLang="ja-JP"/>
+          </a:p>
+          <a:p>
+            <a:r>
+              <a:rPr lang="ja-JP" altLang="en-US"/>
+              <a:t>荷物をください</a:t>
+            </a:r>
+          </a:p>
+        </p:txBody>
+      </p:sp>
       <p:pic>
         <p:nvPicPr>
-          <p:cNvPr id="3" name="図 2">
-            <a:extLst>
-              <a:ext uri="{FF2B5EF4-FFF2-40B4-BE49-F238E27FC236}">
-                <a16:creationId xmlns:a16="http://schemas.microsoft.com/office/drawing/2014/main" id="{45004C86-39ED-8B42-BBE3-AA72A1F74428}"/>
+          <p:cNvPr id="5" name="図 4">
+            <a:extLst>
+              <a:ext uri="{FF2B5EF4-FFF2-40B4-BE49-F238E27FC236}">
+                <a16:creationId xmlns:a16="http://schemas.microsoft.com/office/drawing/2014/main" id="{1388B9E1-50B8-C349-81BC-14AA8869E8BB}"/>
               </a:ext>
             </a:extLst>
           </p:cNvPr>
@@ -8021,7 +13972,7 @@
         </p:blipFill>
         <p:spPr>
           <a:xfrm>
-            <a:off x="394502" y="3886371"/>
+            <a:off x="467544" y="2924944"/>
             <a:ext cx="1028700" cy="1428750"/>
           </a:xfrm>
           <a:prstGeom prst="rect">
@@ -8029,118 +13980,12 @@
           </a:prstGeom>
         </p:spPr>
       </p:pic>
-      <p:sp>
-        <p:nvSpPr>
-          <p:cNvPr id="4" name="角丸四角形吹き出し 3">
-            <a:extLst>
-              <a:ext uri="{FF2B5EF4-FFF2-40B4-BE49-F238E27FC236}">
-                <a16:creationId xmlns:a16="http://schemas.microsoft.com/office/drawing/2014/main" id="{3703D459-D516-614B-AF2E-9AE67E45351E}"/>
-              </a:ext>
-            </a:extLst>
-          </p:cNvPr>
-          <p:cNvSpPr/>
-          <p:nvPr/>
-        </p:nvSpPr>
-        <p:spPr>
-          <a:xfrm>
-            <a:off x="754542" y="2662235"/>
-            <a:ext cx="2593322" cy="694757"/>
-          </a:xfrm>
-          <a:prstGeom prst="wedgeRoundRectCallout">
-            <a:avLst>
-              <a:gd name="adj1" fmla="val -32842"/>
-              <a:gd name="adj2" fmla="val 100125"/>
-              <a:gd name="adj3" fmla="val 16667"/>
-            </a:avLst>
-          </a:prstGeom>
-          <a:noFill/>
-          <a:ln>
-            <a:solidFill>
-              <a:schemeClr val="tx1"/>
-            </a:solidFill>
-          </a:ln>
-        </p:spPr>
-        <p:style>
-          <a:lnRef idx="2">
-            <a:schemeClr val="accent1">
-              <a:shade val="50000"/>
-            </a:schemeClr>
-          </a:lnRef>
-          <a:fillRef idx="1">
-            <a:schemeClr val="accent1"/>
-          </a:fillRef>
-          <a:effectRef idx="0">
-            <a:schemeClr val="accent1"/>
-          </a:effectRef>
-          <a:fontRef idx="minor">
-            <a:schemeClr val="lt1"/>
-          </a:fontRef>
-        </p:style>
-        <p:txBody>
-          <a:bodyPr rtlCol="0" anchor="ctr"/>
-          <a:lstStyle/>
-          <a:p>
-            <a:pPr algn="ctr"/>
-            <a:endParaRPr kumimoji="1" lang="ja-JP" altLang="en-US"/>
-          </a:p>
-        </p:txBody>
-      </p:sp>
-      <p:sp>
-        <p:nvSpPr>
-          <p:cNvPr id="5" name="テキスト ボックス 4">
-            <a:extLst>
-              <a:ext uri="{FF2B5EF4-FFF2-40B4-BE49-F238E27FC236}">
-                <a16:creationId xmlns:a16="http://schemas.microsoft.com/office/drawing/2014/main" id="{87918090-B0C4-324A-8F65-83732028AF03}"/>
-              </a:ext>
-            </a:extLst>
-          </p:cNvPr>
-          <p:cNvSpPr txBox="1"/>
-          <p:nvPr/>
-        </p:nvSpPr>
-        <p:spPr>
-          <a:xfrm>
-            <a:off x="898558" y="2662235"/>
-            <a:ext cx="2736304" cy="646331"/>
-          </a:xfrm>
-          <a:prstGeom prst="rect">
-            <a:avLst/>
-          </a:prstGeom>
-          <a:noFill/>
-        </p:spPr>
-        <p:txBody>
-          <a:bodyPr wrap="square" rtlCol="0">
-            <a:spAutoFit/>
-          </a:bodyPr>
-          <a:lstStyle/>
-          <a:p>
-            <a:r>
-              <a:rPr lang="ja-JP" altLang="en-US"/>
-              <a:t>「</a:t>
-            </a:r>
-            <a:r>
-              <a:rPr lang="en-US" altLang="ja-JP"/>
-              <a:t>a</a:t>
-            </a:r>
-            <a:r>
-              <a:rPr lang="ja-JP" altLang="en-US"/>
-              <a:t>」の荷札がついた</a:t>
-            </a:r>
-            <a:endParaRPr lang="en-US" altLang="ja-JP"/>
-          </a:p>
-          <a:p>
-            <a:r>
-              <a:rPr kumimoji="1" lang="ja-JP" altLang="en-US"/>
-              <a:t>荷物をください</a:t>
-            </a:r>
-          </a:p>
-        </p:txBody>
-      </p:sp>
       <p:pic>
         <p:nvPicPr>
           <p:cNvPr id="6" name="図 5">
             <a:extLst>
               <a:ext uri="{FF2B5EF4-FFF2-40B4-BE49-F238E27FC236}">
-                <a16:creationId xmlns:a16="http://schemas.microsoft.com/office/drawing/2014/main" id="{6AE5A659-5D6D-E146-8F5D-F831F68C35DC}"/>
+                <a16:creationId xmlns:a16="http://schemas.microsoft.com/office/drawing/2014/main" id="{7380C114-39F0-0048-82D3-2124956CD388}"/>
               </a:ext>
             </a:extLst>
           </p:cNvPr>
@@ -8157,50 +14002,20 @@
         </p:blipFill>
         <p:spPr>
           <a:xfrm>
-            <a:off x="3922894" y="4102395"/>
-            <a:ext cx="1152128" cy="1411922"/>
+            <a:off x="2699792" y="3068960"/>
+            <a:ext cx="648072" cy="648072"/>
           </a:xfrm>
           <a:prstGeom prst="rect">
             <a:avLst/>
           </a:prstGeom>
         </p:spPr>
       </p:pic>
-      <p:pic>
-        <p:nvPicPr>
-          <p:cNvPr id="7" name="図 6">
-            <a:extLst>
-              <a:ext uri="{FF2B5EF4-FFF2-40B4-BE49-F238E27FC236}">
-                <a16:creationId xmlns:a16="http://schemas.microsoft.com/office/drawing/2014/main" id="{D57EB07C-62EC-0B48-9298-C32E2D1C74B6}"/>
-              </a:ext>
-            </a:extLst>
-          </p:cNvPr>
-          <p:cNvPicPr>
-            <a:picLocks noChangeAspect="1"/>
-          </p:cNvPicPr>
-          <p:nvPr/>
-        </p:nvPicPr>
-        <p:blipFill>
-          <a:blip r:embed="rId4"/>
-          <a:stretch>
-            <a:fillRect/>
-          </a:stretch>
-        </p:blipFill>
-        <p:spPr>
-          <a:xfrm>
-            <a:off x="2914782" y="4390427"/>
-            <a:ext cx="648072" cy="648072"/>
-          </a:xfrm>
-          <a:prstGeom prst="rect">
-            <a:avLst/>
-          </a:prstGeom>
-        </p:spPr>
-      </p:pic>
-      <p:sp>
-        <p:nvSpPr>
-          <p:cNvPr id="8" name="1 つの角を切り取った四角形 7">
-            <a:extLst>
-              <a:ext uri="{FF2B5EF4-FFF2-40B4-BE49-F238E27FC236}">
-                <a16:creationId xmlns:a16="http://schemas.microsoft.com/office/drawing/2014/main" id="{461B0636-240E-1D4B-8FD3-B4F68BB6A26B}"/>
+      <p:sp>
+        <p:nvSpPr>
+          <p:cNvPr id="7" name="1 つの角を切り取った四角形 6">
+            <a:extLst>
+              <a:ext uri="{FF2B5EF4-FFF2-40B4-BE49-F238E27FC236}">
+                <a16:creationId xmlns:a16="http://schemas.microsoft.com/office/drawing/2014/main" id="{91CC0E42-2748-AF4D-86B6-83C1101B9218}"/>
               </a:ext>
             </a:extLst>
           </p:cNvPr>
@@ -8209,7 +14024,7 @@
         </p:nvSpPr>
         <p:spPr>
           <a:xfrm>
-            <a:off x="1762654" y="4606451"/>
+            <a:off x="1547664" y="3284984"/>
             <a:ext cx="864096" cy="288032"/>
           </a:xfrm>
           <a:prstGeom prst="snip1Rect">
@@ -8263,21 +14078,21 @@
       </p:sp>
       <p:cxnSp>
         <p:nvCxnSpPr>
-          <p:cNvPr id="9" name="直線矢印コネクタ 8">
-            <a:extLst>
-              <a:ext uri="{FF2B5EF4-FFF2-40B4-BE49-F238E27FC236}">
-                <a16:creationId xmlns:a16="http://schemas.microsoft.com/office/drawing/2014/main" id="{4D8E00CF-D3C5-0745-B3C5-F3168520C7AD}"/>
+          <p:cNvPr id="8" name="直線矢印コネクタ 7">
+            <a:extLst>
+              <a:ext uri="{FF2B5EF4-FFF2-40B4-BE49-F238E27FC236}">
+                <a16:creationId xmlns:a16="http://schemas.microsoft.com/office/drawing/2014/main" id="{3FC8F48C-4EFA-8848-BCB5-CBC28B8E33CE}"/>
               </a:ext>
             </a:extLst>
           </p:cNvPr>
           <p:cNvCxnSpPr>
-            <a:stCxn id="8" idx="0"/>
+            <a:stCxn id="7" idx="0"/>
           </p:cNvCxnSpPr>
           <p:nvPr/>
         </p:nvCxnSpPr>
         <p:spPr>
           <a:xfrm>
-            <a:off x="2626750" y="4750467"/>
+            <a:off x="2411760" y="3429000"/>
             <a:ext cx="288032" cy="0"/>
           </a:xfrm>
           <a:prstGeom prst="straightConnector1">
@@ -8307,10 +14122,10 @@
       </p:cxnSp>
       <p:sp>
         <p:nvSpPr>
-          <p:cNvPr id="10" name="テキスト ボックス 9">
-            <a:extLst>
-              <a:ext uri="{FF2B5EF4-FFF2-40B4-BE49-F238E27FC236}">
-                <a16:creationId xmlns:a16="http://schemas.microsoft.com/office/drawing/2014/main" id="{3EC7797D-D05A-184E-85FD-C5793CC3DDEE}"/>
+          <p:cNvPr id="9" name="テキスト ボックス 8">
+            <a:extLst>
+              <a:ext uri="{FF2B5EF4-FFF2-40B4-BE49-F238E27FC236}">
+                <a16:creationId xmlns:a16="http://schemas.microsoft.com/office/drawing/2014/main" id="{C4CB9F58-7422-B948-AE6F-50C8BB570BCE}"/>
               </a:ext>
             </a:extLst>
           </p:cNvPr>
@@ -8319,7 +14134,7 @@
         </p:nvSpPr>
         <p:spPr>
           <a:xfrm>
-            <a:off x="1834662" y="4966491"/>
+            <a:off x="1619672" y="3645024"/>
             <a:ext cx="646331" cy="369332"/>
           </a:xfrm>
           <a:prstGeom prst="rect">
@@ -8340,12 +14155,42 @@
           </a:p>
         </p:txBody>
       </p:sp>
-      <p:sp>
-        <p:nvSpPr>
-          <p:cNvPr id="11" name="正方形/長方形 10">
-            <a:extLst>
-              <a:ext uri="{FF2B5EF4-FFF2-40B4-BE49-F238E27FC236}">
-                <a16:creationId xmlns:a16="http://schemas.microsoft.com/office/drawing/2014/main" id="{C34FB0E7-F81B-664D-B141-65663B762CBF}"/>
+      <p:pic>
+        <p:nvPicPr>
+          <p:cNvPr id="10" name="図 9">
+            <a:extLst>
+              <a:ext uri="{FF2B5EF4-FFF2-40B4-BE49-F238E27FC236}">
+                <a16:creationId xmlns:a16="http://schemas.microsoft.com/office/drawing/2014/main" id="{5CC620B1-63B5-5D40-80BB-E4CF518C70EA}"/>
+              </a:ext>
+            </a:extLst>
+          </p:cNvPr>
+          <p:cNvPicPr>
+            <a:picLocks noChangeAspect="1"/>
+          </p:cNvPicPr>
+          <p:nvPr/>
+        </p:nvPicPr>
+        <p:blipFill>
+          <a:blip r:embed="rId4"/>
+          <a:stretch>
+            <a:fillRect/>
+          </a:stretch>
+        </p:blipFill>
+        <p:spPr>
+          <a:xfrm>
+            <a:off x="4355976" y="3212976"/>
+            <a:ext cx="1152128" cy="1411922"/>
+          </a:xfrm>
+          <a:prstGeom prst="rect">
+            <a:avLst/>
+          </a:prstGeom>
+        </p:spPr>
+      </p:pic>
+      <p:sp>
+        <p:nvSpPr>
+          <p:cNvPr id="11" name="右矢印 10">
+            <a:extLst>
+              <a:ext uri="{FF2B5EF4-FFF2-40B4-BE49-F238E27FC236}">
+                <a16:creationId xmlns:a16="http://schemas.microsoft.com/office/drawing/2014/main" id="{6AE10D04-01D7-7443-8811-C29654AE79CA}"/>
               </a:ext>
             </a:extLst>
           </p:cNvPr>
@@ -8353,14 +14198,16 @@
           <p:nvPr/>
         </p:nvSpPr>
         <p:spPr>
-          <a:xfrm>
-            <a:off x="6804248" y="2636912"/>
-            <a:ext cx="936104" cy="504056"/>
-          </a:xfrm>
-          <a:prstGeom prst="rect">
-            <a:avLst/>
-          </a:prstGeom>
-          <a:noFill/>
+          <a:xfrm rot="10800000">
+            <a:off x="3707904" y="3212976"/>
+            <a:ext cx="576064" cy="432048"/>
+          </a:xfrm>
+          <a:prstGeom prst="rightArrow">
+            <a:avLst/>
+          </a:prstGeom>
+          <a:solidFill>
+            <a:srgbClr val="FF0000"/>
+          </a:solidFill>
           <a:ln>
             <a:solidFill>
               <a:schemeClr val="tx1"/>
@@ -8397,7 +14244,7 @@
           <p:cNvPr id="12" name="正方形/長方形 11">
             <a:extLst>
               <a:ext uri="{FF2B5EF4-FFF2-40B4-BE49-F238E27FC236}">
-                <a16:creationId xmlns:a16="http://schemas.microsoft.com/office/drawing/2014/main" id="{3B450873-A951-AA4D-B129-BEF4071439A4}"/>
+                <a16:creationId xmlns:a16="http://schemas.microsoft.com/office/drawing/2014/main" id="{4C1D8431-1067-5C4E-858F-88862718FBA5}"/>
               </a:ext>
             </a:extLst>
           </p:cNvPr>
@@ -8406,7 +14253,7 @@
         </p:nvSpPr>
         <p:spPr>
           <a:xfrm>
-            <a:off x="6804248" y="3140968"/>
+            <a:off x="7164288" y="2348880"/>
             <a:ext cx="936104" cy="504056"/>
           </a:xfrm>
           <a:prstGeom prst="rect">
@@ -8449,7 +14296,7 @@
           <p:cNvPr id="13" name="正方形/長方形 12">
             <a:extLst>
               <a:ext uri="{FF2B5EF4-FFF2-40B4-BE49-F238E27FC236}">
-                <a16:creationId xmlns:a16="http://schemas.microsoft.com/office/drawing/2014/main" id="{F7AFE70F-D098-1845-B273-29D72F3878EF}"/>
+                <a16:creationId xmlns:a16="http://schemas.microsoft.com/office/drawing/2014/main" id="{AEDAFD34-66D6-174A-9206-6823AB055B60}"/>
               </a:ext>
             </a:extLst>
           </p:cNvPr>
@@ -8458,7 +14305,7 @@
         </p:nvSpPr>
         <p:spPr>
           <a:xfrm>
-            <a:off x="6804248" y="3645024"/>
+            <a:off x="7164288" y="2852936"/>
             <a:ext cx="936104" cy="504056"/>
           </a:xfrm>
           <a:prstGeom prst="rect">
@@ -8501,7 +14348,7 @@
           <p:cNvPr id="14" name="正方形/長方形 13">
             <a:extLst>
               <a:ext uri="{FF2B5EF4-FFF2-40B4-BE49-F238E27FC236}">
-                <a16:creationId xmlns:a16="http://schemas.microsoft.com/office/drawing/2014/main" id="{034195F5-E7D1-AA47-8AFF-7577B920A875}"/>
+                <a16:creationId xmlns:a16="http://schemas.microsoft.com/office/drawing/2014/main" id="{B4ED8752-031B-334E-865F-CAD24C65B404}"/>
               </a:ext>
             </a:extLst>
           </p:cNvPr>
@@ -8510,7 +14357,7 @@
         </p:nvSpPr>
         <p:spPr>
           <a:xfrm>
-            <a:off x="6804248" y="4149080"/>
+            <a:off x="7164288" y="3356992"/>
             <a:ext cx="936104" cy="504056"/>
           </a:xfrm>
           <a:prstGeom prst="rect">
@@ -8553,7 +14400,7 @@
           <p:cNvPr id="15" name="正方形/長方形 14">
             <a:extLst>
               <a:ext uri="{FF2B5EF4-FFF2-40B4-BE49-F238E27FC236}">
-                <a16:creationId xmlns:a16="http://schemas.microsoft.com/office/drawing/2014/main" id="{2B47677D-45B7-8646-8032-3CE7908F9249}"/>
+                <a16:creationId xmlns:a16="http://schemas.microsoft.com/office/drawing/2014/main" id="{F1B55E45-32E0-7A46-8B53-275DCBA7BDE2}"/>
               </a:ext>
             </a:extLst>
           </p:cNvPr>
@@ -8562,7 +14409,7 @@
         </p:nvSpPr>
         <p:spPr>
           <a:xfrm>
-            <a:off x="6804248" y="4653136"/>
+            <a:off x="7164288" y="3861048"/>
             <a:ext cx="936104" cy="504056"/>
           </a:xfrm>
           <a:prstGeom prst="rect">
@@ -8605,7 +14452,7 @@
           <p:cNvPr id="16" name="正方形/長方形 15">
             <a:extLst>
               <a:ext uri="{FF2B5EF4-FFF2-40B4-BE49-F238E27FC236}">
-                <a16:creationId xmlns:a16="http://schemas.microsoft.com/office/drawing/2014/main" id="{65A2944B-8504-E449-A997-45A6BAD75FAB}"/>
+                <a16:creationId xmlns:a16="http://schemas.microsoft.com/office/drawing/2014/main" id="{2F49CCBC-C8F0-FE4C-84E0-7D1FC733E50C}"/>
               </a:ext>
             </a:extLst>
           </p:cNvPr>
@@ -8614,7 +14461,7 @@
         </p:nvSpPr>
         <p:spPr>
           <a:xfrm>
-            <a:off x="6804248" y="5157192"/>
+            <a:off x="7164288" y="4365104"/>
             <a:ext cx="936104" cy="504056"/>
           </a:xfrm>
           <a:prstGeom prst="rect">
@@ -8654,10 +14501,62 @@
       </p:sp>
       <p:sp>
         <p:nvSpPr>
-          <p:cNvPr id="17" name="テキスト ボックス 16">
-            <a:extLst>
-              <a:ext uri="{FF2B5EF4-FFF2-40B4-BE49-F238E27FC236}">
-                <a16:creationId xmlns:a16="http://schemas.microsoft.com/office/drawing/2014/main" id="{0B905F0E-1280-F242-BAEB-0840BC170248}"/>
+          <p:cNvPr id="17" name="正方形/長方形 16">
+            <a:extLst>
+              <a:ext uri="{FF2B5EF4-FFF2-40B4-BE49-F238E27FC236}">
+                <a16:creationId xmlns:a16="http://schemas.microsoft.com/office/drawing/2014/main" id="{ED6FC9B8-95A8-8F4F-AF83-62015D5E87EC}"/>
+              </a:ext>
+            </a:extLst>
+          </p:cNvPr>
+          <p:cNvSpPr/>
+          <p:nvPr/>
+        </p:nvSpPr>
+        <p:spPr>
+          <a:xfrm>
+            <a:off x="7164288" y="4869160"/>
+            <a:ext cx="936104" cy="504056"/>
+          </a:xfrm>
+          <a:prstGeom prst="rect">
+            <a:avLst/>
+          </a:prstGeom>
+          <a:noFill/>
+          <a:ln>
+            <a:solidFill>
+              <a:schemeClr val="tx1"/>
+            </a:solidFill>
+          </a:ln>
+        </p:spPr>
+        <p:style>
+          <a:lnRef idx="2">
+            <a:schemeClr val="accent1">
+              <a:shade val="50000"/>
+            </a:schemeClr>
+          </a:lnRef>
+          <a:fillRef idx="1">
+            <a:schemeClr val="accent1"/>
+          </a:fillRef>
+          <a:effectRef idx="0">
+            <a:schemeClr val="accent1"/>
+          </a:effectRef>
+          <a:fontRef idx="minor">
+            <a:schemeClr val="lt1"/>
+          </a:fontRef>
+        </p:style>
+        <p:txBody>
+          <a:bodyPr rtlCol="0" anchor="ctr"/>
+          <a:lstStyle/>
+          <a:p>
+            <a:pPr algn="ctr"/>
+            <a:endParaRPr kumimoji="1" lang="ja-JP" altLang="en-US"/>
+          </a:p>
+        </p:txBody>
+      </p:sp>
+      <p:sp>
+        <p:nvSpPr>
+          <p:cNvPr id="18" name="テキスト ボックス 17">
+            <a:extLst>
+              <a:ext uri="{FF2B5EF4-FFF2-40B4-BE49-F238E27FC236}">
+                <a16:creationId xmlns:a16="http://schemas.microsoft.com/office/drawing/2014/main" id="{3DBE5481-2756-2743-AA2D-B0D83C8E318B}"/>
               </a:ext>
             </a:extLst>
           </p:cNvPr>
@@ -8666,7 +14565,7 @@
         </p:nvSpPr>
         <p:spPr>
           <a:xfrm>
-            <a:off x="6660232" y="2060848"/>
+            <a:off x="7020272" y="1772816"/>
             <a:ext cx="1261884" cy="523220"/>
           </a:xfrm>
           <a:prstGeom prst="rect">
@@ -8689,10 +14588,10 @@
       </p:sp>
       <p:pic>
         <p:nvPicPr>
-          <p:cNvPr id="18" name="図 17">
-            <a:extLst>
-              <a:ext uri="{FF2B5EF4-FFF2-40B4-BE49-F238E27FC236}">
-                <a16:creationId xmlns:a16="http://schemas.microsoft.com/office/drawing/2014/main" id="{F6DD0805-963D-9940-91AC-37BEFECD5B10}"/>
+          <p:cNvPr id="19" name="図 18">
+            <a:extLst>
+              <a:ext uri="{FF2B5EF4-FFF2-40B4-BE49-F238E27FC236}">
+                <a16:creationId xmlns:a16="http://schemas.microsoft.com/office/drawing/2014/main" id="{F63F19CF-04C1-CC4A-A89C-12FB0B2B559C}"/>
               </a:ext>
             </a:extLst>
           </p:cNvPr>
@@ -8702,14 +14601,14 @@
           <p:nvPr/>
         </p:nvPicPr>
         <p:blipFill>
-          <a:blip r:embed="rId4"/>
+          <a:blip r:embed="rId3"/>
           <a:stretch>
             <a:fillRect/>
           </a:stretch>
         </p:blipFill>
         <p:spPr>
           <a:xfrm>
-            <a:off x="7092280" y="4221088"/>
+            <a:off x="7452320" y="3933056"/>
             <a:ext cx="368424" cy="368424"/>
           </a:xfrm>
           <a:prstGeom prst="rect">
@@ -8719,10 +14618,10 @@
       </p:pic>
       <p:sp>
         <p:nvSpPr>
-          <p:cNvPr id="19" name="テキスト ボックス 18">
-            <a:extLst>
-              <a:ext uri="{FF2B5EF4-FFF2-40B4-BE49-F238E27FC236}">
-                <a16:creationId xmlns:a16="http://schemas.microsoft.com/office/drawing/2014/main" id="{FE7D39EC-1EEC-9445-AEED-05F17558F96B}"/>
+          <p:cNvPr id="20" name="テキスト ボックス 19">
+            <a:extLst>
+              <a:ext uri="{FF2B5EF4-FFF2-40B4-BE49-F238E27FC236}">
+                <a16:creationId xmlns:a16="http://schemas.microsoft.com/office/drawing/2014/main" id="{AA718D86-343B-C544-B9BC-7C6B831F96BB}"/>
               </a:ext>
             </a:extLst>
           </p:cNvPr>
@@ -8731,7 +14630,7 @@
         </p:nvSpPr>
         <p:spPr>
           <a:xfrm>
-            <a:off x="7956376" y="2708920"/>
+            <a:off x="8316416" y="2420888"/>
             <a:ext cx="761747" cy="369332"/>
           </a:xfrm>
           <a:prstGeom prst="rect">
@@ -8758,10 +14657,10 @@
       </p:sp>
       <p:sp>
         <p:nvSpPr>
-          <p:cNvPr id="20" name="テキスト ボックス 19">
-            <a:extLst>
-              <a:ext uri="{FF2B5EF4-FFF2-40B4-BE49-F238E27FC236}">
-                <a16:creationId xmlns:a16="http://schemas.microsoft.com/office/drawing/2014/main" id="{61647716-FF40-BB4E-B46B-90ED2A28954A}"/>
+          <p:cNvPr id="21" name="テキスト ボックス 20">
+            <a:extLst>
+              <a:ext uri="{FF2B5EF4-FFF2-40B4-BE49-F238E27FC236}">
+                <a16:creationId xmlns:a16="http://schemas.microsoft.com/office/drawing/2014/main" id="{0F22C709-1325-7943-B8C0-E45C562B0E8C}"/>
               </a:ext>
             </a:extLst>
           </p:cNvPr>
@@ -8770,7 +14669,7 @@
         </p:nvSpPr>
         <p:spPr>
           <a:xfrm>
-            <a:off x="7956376" y="3212976"/>
+            <a:off x="8316416" y="2924944"/>
             <a:ext cx="761747" cy="369332"/>
           </a:xfrm>
           <a:prstGeom prst="rect">
@@ -8797,10 +14696,10 @@
       </p:sp>
       <p:sp>
         <p:nvSpPr>
-          <p:cNvPr id="21" name="テキスト ボックス 20">
-            <a:extLst>
-              <a:ext uri="{FF2B5EF4-FFF2-40B4-BE49-F238E27FC236}">
-                <a16:creationId xmlns:a16="http://schemas.microsoft.com/office/drawing/2014/main" id="{06BB4ECB-35BA-074A-9EC2-4DEA0B6D06E1}"/>
+          <p:cNvPr id="22" name="テキスト ボックス 21">
+            <a:extLst>
+              <a:ext uri="{FF2B5EF4-FFF2-40B4-BE49-F238E27FC236}">
+                <a16:creationId xmlns:a16="http://schemas.microsoft.com/office/drawing/2014/main" id="{C082A0D8-9044-0D4F-9853-F7E162C2E433}"/>
               </a:ext>
             </a:extLst>
           </p:cNvPr>
@@ -8809,7 +14708,7 @@
         </p:nvSpPr>
         <p:spPr>
           <a:xfrm>
-            <a:off x="7956376" y="3717032"/>
+            <a:off x="8316416" y="3429000"/>
             <a:ext cx="761747" cy="369332"/>
           </a:xfrm>
           <a:prstGeom prst="rect">
@@ -8836,10 +14735,10 @@
       </p:sp>
       <p:sp>
         <p:nvSpPr>
-          <p:cNvPr id="22" name="テキスト ボックス 21">
-            <a:extLst>
-              <a:ext uri="{FF2B5EF4-FFF2-40B4-BE49-F238E27FC236}">
-                <a16:creationId xmlns:a16="http://schemas.microsoft.com/office/drawing/2014/main" id="{1A39CAAF-D10F-BE4A-8871-E7025595311C}"/>
+          <p:cNvPr id="23" name="テキスト ボックス 22">
+            <a:extLst>
+              <a:ext uri="{FF2B5EF4-FFF2-40B4-BE49-F238E27FC236}">
+                <a16:creationId xmlns:a16="http://schemas.microsoft.com/office/drawing/2014/main" id="{4F8B2457-69EF-C54B-A93C-26938C581562}"/>
               </a:ext>
             </a:extLst>
           </p:cNvPr>
@@ -8848,7 +14747,7 @@
         </p:nvSpPr>
         <p:spPr>
           <a:xfrm>
-            <a:off x="7956376" y="4221088"/>
+            <a:off x="8316416" y="3933056"/>
             <a:ext cx="761747" cy="369332"/>
           </a:xfrm>
           <a:prstGeom prst="rect">
@@ -8875,10 +14774,10 @@
       </p:sp>
       <p:sp>
         <p:nvSpPr>
-          <p:cNvPr id="23" name="テキスト ボックス 22">
-            <a:extLst>
-              <a:ext uri="{FF2B5EF4-FFF2-40B4-BE49-F238E27FC236}">
-                <a16:creationId xmlns:a16="http://schemas.microsoft.com/office/drawing/2014/main" id="{078FF249-F034-4A41-80B7-0ECE10D699C8}"/>
+          <p:cNvPr id="24" name="テキスト ボックス 23">
+            <a:extLst>
+              <a:ext uri="{FF2B5EF4-FFF2-40B4-BE49-F238E27FC236}">
+                <a16:creationId xmlns:a16="http://schemas.microsoft.com/office/drawing/2014/main" id="{468C5435-79FF-7B4C-A5E3-88AC0E324AA5}"/>
               </a:ext>
             </a:extLst>
           </p:cNvPr>
@@ -8887,7 +14786,7 @@
         </p:nvSpPr>
         <p:spPr>
           <a:xfrm>
-            <a:off x="7956376" y="4725144"/>
+            <a:off x="8316416" y="4437112"/>
             <a:ext cx="761747" cy="369332"/>
           </a:xfrm>
           <a:prstGeom prst="rect">
@@ -8914,10 +14813,10 @@
       </p:sp>
       <p:sp>
         <p:nvSpPr>
-          <p:cNvPr id="24" name="テキスト ボックス 23">
-            <a:extLst>
-              <a:ext uri="{FF2B5EF4-FFF2-40B4-BE49-F238E27FC236}">
-                <a16:creationId xmlns:a16="http://schemas.microsoft.com/office/drawing/2014/main" id="{3EC74EF2-7BDC-954C-9AA9-469F7AF09C3F}"/>
+          <p:cNvPr id="25" name="テキスト ボックス 24">
+            <a:extLst>
+              <a:ext uri="{FF2B5EF4-FFF2-40B4-BE49-F238E27FC236}">
+                <a16:creationId xmlns:a16="http://schemas.microsoft.com/office/drawing/2014/main" id="{F4E83C43-4089-2A41-B596-7CFAB5B481A3}"/>
               </a:ext>
             </a:extLst>
           </p:cNvPr>
@@ -8926,7 +14825,7 @@
         </p:nvSpPr>
         <p:spPr>
           <a:xfrm>
-            <a:off x="7956376" y="5229200"/>
+            <a:off x="8316416" y="4941168"/>
             <a:ext cx="761747" cy="369332"/>
           </a:xfrm>
           <a:prstGeom prst="rect">
@@ -8953,10 +14852,10 @@
       </p:sp>
       <p:sp>
         <p:nvSpPr>
-          <p:cNvPr id="25" name="1 つの角を切り取った四角形 24">
-            <a:extLst>
-              <a:ext uri="{FF2B5EF4-FFF2-40B4-BE49-F238E27FC236}">
-                <a16:creationId xmlns:a16="http://schemas.microsoft.com/office/drawing/2014/main" id="{F7722BA4-57F0-994A-BBC2-F5811CDDCD0C}"/>
+          <p:cNvPr id="26" name="1 つの角を切り取った四角形 25">
+            <a:extLst>
+              <a:ext uri="{FF2B5EF4-FFF2-40B4-BE49-F238E27FC236}">
+                <a16:creationId xmlns:a16="http://schemas.microsoft.com/office/drawing/2014/main" id="{C941044F-3237-DA49-9900-328C41F6D472}"/>
               </a:ext>
             </a:extLst>
           </p:cNvPr>
@@ -8965,7 +14864,7 @@
         </p:nvSpPr>
         <p:spPr>
           <a:xfrm>
-            <a:off x="5652120" y="4293096"/>
+            <a:off x="6012160" y="4005064"/>
             <a:ext cx="864096" cy="288032"/>
           </a:xfrm>
           <a:prstGeom prst="snip1Rect">
@@ -9019,21 +14918,21 @@
       </p:sp>
       <p:cxnSp>
         <p:nvCxnSpPr>
-          <p:cNvPr id="26" name="直線矢印コネクタ 25">
-            <a:extLst>
-              <a:ext uri="{FF2B5EF4-FFF2-40B4-BE49-F238E27FC236}">
-                <a16:creationId xmlns:a16="http://schemas.microsoft.com/office/drawing/2014/main" id="{077DEB2D-BDE0-BD46-A9EF-8B883E084A03}"/>
+          <p:cNvPr id="27" name="直線矢印コネクタ 26">
+            <a:extLst>
+              <a:ext uri="{FF2B5EF4-FFF2-40B4-BE49-F238E27FC236}">
+                <a16:creationId xmlns:a16="http://schemas.microsoft.com/office/drawing/2014/main" id="{6E87B4F4-165E-D447-A386-3DB10929F93C}"/>
               </a:ext>
             </a:extLst>
           </p:cNvPr>
           <p:cNvCxnSpPr>
-            <a:stCxn id="25" idx="0"/>
+            <a:stCxn id="26" idx="0"/>
           </p:cNvCxnSpPr>
           <p:nvPr/>
         </p:nvCxnSpPr>
         <p:spPr>
           <a:xfrm>
-            <a:off x="6516216" y="4437112"/>
+            <a:off x="6876256" y="4149080"/>
             <a:ext cx="288032" cy="0"/>
           </a:xfrm>
           <a:prstGeom prst="straightConnector1">
@@ -9063,10 +14962,10 @@
       </p:cxnSp>
       <p:sp>
         <p:nvSpPr>
-          <p:cNvPr id="27" name="右矢印 26">
-            <a:extLst>
-              <a:ext uri="{FF2B5EF4-FFF2-40B4-BE49-F238E27FC236}">
-                <a16:creationId xmlns:a16="http://schemas.microsoft.com/office/drawing/2014/main" id="{D1AAC0E9-619F-F34A-9F31-285CD9567951}"/>
+          <p:cNvPr id="28" name="右矢印 27">
+            <a:extLst>
+              <a:ext uri="{FF2B5EF4-FFF2-40B4-BE49-F238E27FC236}">
+                <a16:creationId xmlns:a16="http://schemas.microsoft.com/office/drawing/2014/main" id="{405A5A9A-0B72-8D4C-A983-E7EF811C9FFE}"/>
               </a:ext>
             </a:extLst>
           </p:cNvPr>
@@ -9074,8 +14973,8 @@
           <p:nvPr/>
         </p:nvSpPr>
         <p:spPr>
-          <a:xfrm rot="9000000">
-            <a:off x="5576493" y="4721525"/>
+          <a:xfrm rot="12600000">
+            <a:off x="5649535" y="3400058"/>
             <a:ext cx="576064" cy="432048"/>
           </a:xfrm>
           <a:prstGeom prst="rightArrow">
@@ -9117,64 +15016,10 @@
       </p:sp>
       <p:sp>
         <p:nvSpPr>
-          <p:cNvPr id="28" name="右矢印 27">
-            <a:extLst>
-              <a:ext uri="{FF2B5EF4-FFF2-40B4-BE49-F238E27FC236}">
-                <a16:creationId xmlns:a16="http://schemas.microsoft.com/office/drawing/2014/main" id="{021B9833-C73C-CE42-BBAF-3BD8DD010E4B}"/>
-              </a:ext>
-            </a:extLst>
-          </p:cNvPr>
-          <p:cNvSpPr/>
-          <p:nvPr/>
-        </p:nvSpPr>
-        <p:spPr>
-          <a:xfrm rot="10800000">
-            <a:off x="2050686" y="5326531"/>
-            <a:ext cx="1080120" cy="288032"/>
-          </a:xfrm>
-          <a:prstGeom prst="rightArrow">
-            <a:avLst/>
-          </a:prstGeom>
-          <a:solidFill>
-            <a:srgbClr val="FF0000"/>
-          </a:solidFill>
-          <a:ln>
-            <a:solidFill>
-              <a:schemeClr val="tx1"/>
-            </a:solidFill>
-          </a:ln>
-        </p:spPr>
-        <p:style>
-          <a:lnRef idx="2">
-            <a:schemeClr val="accent1">
-              <a:shade val="50000"/>
-            </a:schemeClr>
-          </a:lnRef>
-          <a:fillRef idx="1">
-            <a:schemeClr val="accent1"/>
-          </a:fillRef>
-          <a:effectRef idx="0">
-            <a:schemeClr val="accent1"/>
-          </a:effectRef>
-          <a:fontRef idx="minor">
-            <a:schemeClr val="lt1"/>
-          </a:fontRef>
-        </p:style>
-        <p:txBody>
-          <a:bodyPr rtlCol="0" anchor="ctr"/>
-          <a:lstStyle/>
-          <a:p>
-            <a:pPr algn="ctr"/>
-            <a:endParaRPr kumimoji="1" lang="ja-JP" altLang="en-US"/>
-          </a:p>
-        </p:txBody>
-      </p:sp>
-      <p:sp>
-        <p:nvSpPr>
           <p:cNvPr id="29" name="テキスト ボックス 28">
             <a:extLst>
               <a:ext uri="{FF2B5EF4-FFF2-40B4-BE49-F238E27FC236}">
-                <a16:creationId xmlns:a16="http://schemas.microsoft.com/office/drawing/2014/main" id="{9CF36165-E23C-BD46-A27F-4F061691D994}"/>
+                <a16:creationId xmlns:a16="http://schemas.microsoft.com/office/drawing/2014/main" id="{98E2DD16-2F73-D945-B092-DFE9BF05F734}"/>
               </a:ext>
             </a:extLst>
           </p:cNvPr>
@@ -9215,7 +15060,42 @@
             </a:r>
             <a:r>
               <a:rPr kumimoji="1" lang="ja-JP" altLang="en-US" sz="2400"/>
-              <a:t>を指定して荷物を引き出せる</a:t>
+              <a:t>を指定して荷物を受け取れる</a:t>
+            </a:r>
+          </a:p>
+        </p:txBody>
+      </p:sp>
+      <p:sp>
+        <p:nvSpPr>
+          <p:cNvPr id="30" name="テキスト ボックス 29">
+            <a:extLst>
+              <a:ext uri="{FF2B5EF4-FFF2-40B4-BE49-F238E27FC236}">
+                <a16:creationId xmlns:a16="http://schemas.microsoft.com/office/drawing/2014/main" id="{4A945CE5-67F9-8647-A1B9-218C0437A1F2}"/>
+              </a:ext>
+            </a:extLst>
+          </p:cNvPr>
+          <p:cNvSpPr txBox="1"/>
+          <p:nvPr/>
+        </p:nvSpPr>
+        <p:spPr>
+          <a:xfrm>
+            <a:off x="323528" y="5949280"/>
+            <a:ext cx="6955750" cy="461665"/>
+          </a:xfrm>
+          <a:prstGeom prst="rect">
+            <a:avLst/>
+          </a:prstGeom>
+          <a:noFill/>
+        </p:spPr>
+        <p:txBody>
+          <a:bodyPr wrap="none" rtlCol="0">
+            <a:spAutoFit/>
+          </a:bodyPr>
+          <a:lstStyle/>
+          <a:p>
+            <a:r>
+              <a:rPr kumimoji="1" lang="ja-JP" altLang="en-US" sz="2400"/>
+              <a:t>メモリのどこに何を置いたかを管理しなくて良い</a:t>
             </a:r>
           </a:p>
         </p:txBody>
@@ -9223,7 +15103,7 @@
     </p:spTree>
     <p:extLst>
       <p:ext uri="{BB962C8B-B14F-4D97-AF65-F5344CB8AC3E}">
-        <p14:creationId xmlns:p14="http://schemas.microsoft.com/office/powerpoint/2010/main" val="3382285911"/>
+        <p14:creationId xmlns:p14="http://schemas.microsoft.com/office/powerpoint/2010/main" val="1052274672"/>
       </p:ext>
     </p:extLst>
   </p:cSld>

--- a/basic/fig/slide.pptx
+++ b/basic/fig/slide.pptx
@@ -224,7 +224,7 @@
           </a:lstStyle>
           <a:p>
             <a:fld id="{6B8D1B20-A248-FB47-8240-73C0C5F47C9D}" type="datetimeFigureOut">
-              <a:t>2019/9/24</a:t>
+              <a:t>2019/9/25</a:t>
             </a:fld>
             <a:endParaRPr kumimoji="1" lang="ja-JP" altLang="en-US"/>
           </a:p>
@@ -3277,7 +3277,7 @@
         </p:nvSpPr>
         <p:spPr>
           <a:xfrm>
-            <a:off x="1763688" y="1268760"/>
+            <a:off x="3563888" y="1268760"/>
             <a:ext cx="4801314" cy="461665"/>
           </a:xfrm>
           <a:prstGeom prst="rect">
@@ -3312,7 +3312,7 @@
         </p:nvSpPr>
         <p:spPr>
           <a:xfrm>
-            <a:off x="1824648" y="6043960"/>
+            <a:off x="3851920" y="6093296"/>
             <a:ext cx="4493538" cy="461665"/>
           </a:xfrm>
           <a:prstGeom prst="rect">
@@ -10395,12 +10395,131 @@
           </a:p>
         </p:txBody>
       </p:sp>
+      <p:sp>
+        <p:nvSpPr>
+          <p:cNvPr id="4" name="テキスト ボックス 3">
+            <a:extLst>
+              <a:ext uri="{FF2B5EF4-FFF2-40B4-BE49-F238E27FC236}">
+                <a16:creationId xmlns:a16="http://schemas.microsoft.com/office/drawing/2014/main" id="{023BC3C2-66C2-7649-B332-1A86C6BD488C}"/>
+              </a:ext>
+            </a:extLst>
+          </p:cNvPr>
+          <p:cNvSpPr txBox="1"/>
+          <p:nvPr/>
+        </p:nvSpPr>
+        <p:spPr>
+          <a:xfrm>
+            <a:off x="2987824" y="1196752"/>
+            <a:ext cx="3262432" cy="1015663"/>
+          </a:xfrm>
+          <a:prstGeom prst="rect">
+            <a:avLst/>
+          </a:prstGeom>
+          <a:noFill/>
+        </p:spPr>
+        <p:txBody>
+          <a:bodyPr wrap="none" rtlCol="0">
+            <a:spAutoFit/>
+          </a:bodyPr>
+          <a:lstStyle/>
+          <a:p>
+            <a:r>
+              <a:rPr kumimoji="1" lang="ja-JP" altLang="en-US" sz="2000"/>
+              <a:t>メモリからデータを取得し</a:t>
+            </a:r>
+            <a:endParaRPr kumimoji="1" lang="en-US" altLang="ja-JP" sz="2000"/>
+          </a:p>
+          <a:p>
+            <a:r>
+              <a:rPr lang="ja-JP" altLang="en-US" sz="2000"/>
+              <a:t>何か計算し</a:t>
+            </a:r>
+            <a:endParaRPr lang="en-US" altLang="ja-JP" sz="2000"/>
+          </a:p>
+          <a:p>
+            <a:r>
+              <a:rPr kumimoji="1" lang="ja-JP" altLang="en-US" sz="2000"/>
+              <a:t>結果をメモリに書き戻す</a:t>
+            </a:r>
+          </a:p>
+        </p:txBody>
+      </p:sp>
+      <p:sp>
+        <p:nvSpPr>
+          <p:cNvPr id="5" name="テキスト ボックス 4">
+            <a:extLst>
+              <a:ext uri="{FF2B5EF4-FFF2-40B4-BE49-F238E27FC236}">
+                <a16:creationId xmlns:a16="http://schemas.microsoft.com/office/drawing/2014/main" id="{26CF3AAA-EF19-9B49-8C58-AE9D61CBAD78}"/>
+              </a:ext>
+            </a:extLst>
+          </p:cNvPr>
+          <p:cNvSpPr txBox="1"/>
+          <p:nvPr/>
+        </p:nvSpPr>
+        <p:spPr>
+          <a:xfrm>
+            <a:off x="683568" y="1412776"/>
+            <a:ext cx="1980029" cy="523220"/>
+          </a:xfrm>
+          <a:prstGeom prst="rect">
+            <a:avLst/>
+          </a:prstGeom>
+          <a:noFill/>
+        </p:spPr>
+        <p:txBody>
+          <a:bodyPr wrap="none" rtlCol="0">
+            <a:spAutoFit/>
+          </a:bodyPr>
+          <a:lstStyle/>
+          <a:p>
+            <a:r>
+              <a:rPr kumimoji="1" lang="ja-JP" altLang="en-US" sz="2800"/>
+              <a:t>計算機とは</a:t>
+            </a:r>
+          </a:p>
+        </p:txBody>
+      </p:sp>
+      <p:sp>
+        <p:nvSpPr>
+          <p:cNvPr id="6" name="テキスト ボックス 5">
+            <a:extLst>
+              <a:ext uri="{FF2B5EF4-FFF2-40B4-BE49-F238E27FC236}">
+                <a16:creationId xmlns:a16="http://schemas.microsoft.com/office/drawing/2014/main" id="{6737D1B0-6CDF-8A42-96EA-8AA3C532A908}"/>
+              </a:ext>
+            </a:extLst>
+          </p:cNvPr>
+          <p:cNvSpPr txBox="1"/>
+          <p:nvPr/>
+        </p:nvSpPr>
+        <p:spPr>
+          <a:xfrm>
+            <a:off x="6444208" y="1412776"/>
+            <a:ext cx="1980029" cy="523220"/>
+          </a:xfrm>
+          <a:prstGeom prst="rect">
+            <a:avLst/>
+          </a:prstGeom>
+          <a:noFill/>
+        </p:spPr>
+        <p:txBody>
+          <a:bodyPr wrap="none" rtlCol="0">
+            <a:spAutoFit/>
+          </a:bodyPr>
+          <a:lstStyle/>
+          <a:p>
+            <a:r>
+              <a:rPr kumimoji="1" lang="ja-JP" altLang="en-US" sz="2800"/>
+              <a:t>機械のこと</a:t>
+            </a:r>
+          </a:p>
+        </p:txBody>
+      </p:sp>
       <p:pic>
         <p:nvPicPr>
-          <p:cNvPr id="3" name="図 2">
-            <a:extLst>
-              <a:ext uri="{FF2B5EF4-FFF2-40B4-BE49-F238E27FC236}">
-                <a16:creationId xmlns:a16="http://schemas.microsoft.com/office/drawing/2014/main" id="{DE5A0CCA-F2CA-7C41-8596-10F3821DA221}"/>
+          <p:cNvPr id="7" name="図 6">
+            <a:extLst>
+              <a:ext uri="{FF2B5EF4-FFF2-40B4-BE49-F238E27FC236}">
+                <a16:creationId xmlns:a16="http://schemas.microsoft.com/office/drawing/2014/main" id="{839A4E71-A780-C44B-891B-9532DD497E35}"/>
               </a:ext>
             </a:extLst>
           </p:cNvPr>
@@ -10417,139 +10536,20 @@
         </p:blipFill>
         <p:spPr>
           <a:xfrm>
-            <a:off x="3851920" y="3861048"/>
-            <a:ext cx="1000251" cy="1225798"/>
+            <a:off x="7452320" y="4725144"/>
+            <a:ext cx="1224136" cy="1138446"/>
           </a:xfrm>
           <a:prstGeom prst="rect">
             <a:avLst/>
           </a:prstGeom>
         </p:spPr>
       </p:pic>
-      <p:sp>
-        <p:nvSpPr>
-          <p:cNvPr id="4" name="テキスト ボックス 3">
-            <a:extLst>
-              <a:ext uri="{FF2B5EF4-FFF2-40B4-BE49-F238E27FC236}">
-                <a16:creationId xmlns:a16="http://schemas.microsoft.com/office/drawing/2014/main" id="{023BC3C2-66C2-7649-B332-1A86C6BD488C}"/>
-              </a:ext>
-            </a:extLst>
-          </p:cNvPr>
-          <p:cNvSpPr txBox="1"/>
-          <p:nvPr/>
-        </p:nvSpPr>
-        <p:spPr>
-          <a:xfrm>
-            <a:off x="2771800" y="1268760"/>
-            <a:ext cx="3262432" cy="1015663"/>
-          </a:xfrm>
-          <a:prstGeom prst="rect">
-            <a:avLst/>
-          </a:prstGeom>
-          <a:noFill/>
-        </p:spPr>
-        <p:txBody>
-          <a:bodyPr wrap="none" rtlCol="0">
-            <a:spAutoFit/>
-          </a:bodyPr>
-          <a:lstStyle/>
-          <a:p>
-            <a:r>
-              <a:rPr kumimoji="1" lang="ja-JP" altLang="en-US" sz="2000"/>
-              <a:t>メモリからデータを取得し</a:t>
-            </a:r>
-            <a:endParaRPr kumimoji="1" lang="en-US" altLang="ja-JP" sz="2000"/>
-          </a:p>
-          <a:p>
-            <a:r>
-              <a:rPr lang="ja-JP" altLang="en-US" sz="2000"/>
-              <a:t>何か計算し</a:t>
-            </a:r>
-            <a:endParaRPr lang="en-US" altLang="ja-JP" sz="2000"/>
-          </a:p>
-          <a:p>
-            <a:r>
-              <a:rPr kumimoji="1" lang="ja-JP" altLang="en-US" sz="2000"/>
-              <a:t>結果をメモリに書き戻す</a:t>
-            </a:r>
-          </a:p>
-        </p:txBody>
-      </p:sp>
-      <p:sp>
-        <p:nvSpPr>
-          <p:cNvPr id="5" name="テキスト ボックス 4">
-            <a:extLst>
-              <a:ext uri="{FF2B5EF4-FFF2-40B4-BE49-F238E27FC236}">
-                <a16:creationId xmlns:a16="http://schemas.microsoft.com/office/drawing/2014/main" id="{26CF3AAA-EF19-9B49-8C58-AE9D61CBAD78}"/>
-              </a:ext>
-            </a:extLst>
-          </p:cNvPr>
-          <p:cNvSpPr txBox="1"/>
-          <p:nvPr/>
-        </p:nvSpPr>
-        <p:spPr>
-          <a:xfrm>
-            <a:off x="467544" y="1484784"/>
-            <a:ext cx="1980029" cy="523220"/>
-          </a:xfrm>
-          <a:prstGeom prst="rect">
-            <a:avLst/>
-          </a:prstGeom>
-          <a:noFill/>
-        </p:spPr>
-        <p:txBody>
-          <a:bodyPr wrap="none" rtlCol="0">
-            <a:spAutoFit/>
-          </a:bodyPr>
-          <a:lstStyle/>
-          <a:p>
-            <a:r>
-              <a:rPr kumimoji="1" lang="ja-JP" altLang="en-US" sz="2800"/>
-              <a:t>計算機とは</a:t>
-            </a:r>
-          </a:p>
-        </p:txBody>
-      </p:sp>
-      <p:sp>
-        <p:nvSpPr>
-          <p:cNvPr id="6" name="テキスト ボックス 5">
-            <a:extLst>
-              <a:ext uri="{FF2B5EF4-FFF2-40B4-BE49-F238E27FC236}">
-                <a16:creationId xmlns:a16="http://schemas.microsoft.com/office/drawing/2014/main" id="{6737D1B0-6CDF-8A42-96EA-8AA3C532A908}"/>
-              </a:ext>
-            </a:extLst>
-          </p:cNvPr>
-          <p:cNvSpPr txBox="1"/>
-          <p:nvPr/>
-        </p:nvSpPr>
-        <p:spPr>
-          <a:xfrm>
-            <a:off x="6228184" y="1484784"/>
-            <a:ext cx="1980029" cy="523220"/>
-          </a:xfrm>
-          <a:prstGeom prst="rect">
-            <a:avLst/>
-          </a:prstGeom>
-          <a:noFill/>
-        </p:spPr>
-        <p:txBody>
-          <a:bodyPr wrap="none" rtlCol="0">
-            <a:spAutoFit/>
-          </a:bodyPr>
-          <a:lstStyle/>
-          <a:p>
-            <a:r>
-              <a:rPr kumimoji="1" lang="ja-JP" altLang="en-US" sz="2800"/>
-              <a:t>機械のこと</a:t>
-            </a:r>
-          </a:p>
-        </p:txBody>
-      </p:sp>
       <p:pic>
         <p:nvPicPr>
-          <p:cNvPr id="7" name="図 6">
-            <a:extLst>
-              <a:ext uri="{FF2B5EF4-FFF2-40B4-BE49-F238E27FC236}">
-                <a16:creationId xmlns:a16="http://schemas.microsoft.com/office/drawing/2014/main" id="{839A4E71-A780-C44B-891B-9532DD497E35}"/>
+          <p:cNvPr id="14" name="図 13">
+            <a:extLst>
+              <a:ext uri="{FF2B5EF4-FFF2-40B4-BE49-F238E27FC236}">
+                <a16:creationId xmlns:a16="http://schemas.microsoft.com/office/drawing/2014/main" id="{DDEA2A89-ECD5-2C41-83ED-4772DC9E1640}"/>
               </a:ext>
             </a:extLst>
           </p:cNvPr>
@@ -10566,8 +10566,8 @@
         </p:blipFill>
         <p:spPr>
           <a:xfrm>
-            <a:off x="6444208" y="3861048"/>
-            <a:ext cx="1224136" cy="1138446"/>
+            <a:off x="2771800" y="3645024"/>
+            <a:ext cx="648072" cy="648072"/>
           </a:xfrm>
           <a:prstGeom prst="rect">
             <a:avLst/>
@@ -10576,10 +10576,10 @@
       </p:pic>
       <p:sp>
         <p:nvSpPr>
-          <p:cNvPr id="8" name="正方形/長方形 7">
-            <a:extLst>
-              <a:ext uri="{FF2B5EF4-FFF2-40B4-BE49-F238E27FC236}">
-                <a16:creationId xmlns:a16="http://schemas.microsoft.com/office/drawing/2014/main" id="{7ED9B1DC-D0C4-AB4D-ADD4-106D307D951C}"/>
+          <p:cNvPr id="15" name="右矢印 14">
+            <a:extLst>
+              <a:ext uri="{FF2B5EF4-FFF2-40B4-BE49-F238E27FC236}">
+                <a16:creationId xmlns:a16="http://schemas.microsoft.com/office/drawing/2014/main" id="{445FEF5B-1FCC-1948-B829-AA3F00E48B5C}"/>
               </a:ext>
             </a:extLst>
           </p:cNvPr>
@@ -10588,349 +10588,7 @@
         </p:nvSpPr>
         <p:spPr>
           <a:xfrm>
-            <a:off x="899592" y="3284984"/>
-            <a:ext cx="1512168" cy="504056"/>
-          </a:xfrm>
-          <a:prstGeom prst="rect">
-            <a:avLst/>
-          </a:prstGeom>
-          <a:noFill/>
-          <a:ln>
-            <a:solidFill>
-              <a:schemeClr val="tx1"/>
-            </a:solidFill>
-          </a:ln>
-        </p:spPr>
-        <p:style>
-          <a:lnRef idx="2">
-            <a:schemeClr val="accent1">
-              <a:shade val="50000"/>
-            </a:schemeClr>
-          </a:lnRef>
-          <a:fillRef idx="1">
-            <a:schemeClr val="accent1"/>
-          </a:fillRef>
-          <a:effectRef idx="0">
-            <a:schemeClr val="accent1"/>
-          </a:effectRef>
-          <a:fontRef idx="minor">
-            <a:schemeClr val="lt1"/>
-          </a:fontRef>
-        </p:style>
-        <p:txBody>
-          <a:bodyPr rtlCol="0" anchor="ctr"/>
-          <a:lstStyle/>
-          <a:p>
-            <a:pPr algn="ctr"/>
-            <a:endParaRPr kumimoji="1" lang="ja-JP" altLang="en-US"/>
-          </a:p>
-        </p:txBody>
-      </p:sp>
-      <p:sp>
-        <p:nvSpPr>
-          <p:cNvPr id="9" name="正方形/長方形 8">
-            <a:extLst>
-              <a:ext uri="{FF2B5EF4-FFF2-40B4-BE49-F238E27FC236}">
-                <a16:creationId xmlns:a16="http://schemas.microsoft.com/office/drawing/2014/main" id="{1C2C0219-7D57-3E4D-8094-E25ED2AF8715}"/>
-              </a:ext>
-            </a:extLst>
-          </p:cNvPr>
-          <p:cNvSpPr/>
-          <p:nvPr/>
-        </p:nvSpPr>
-        <p:spPr>
-          <a:xfrm>
-            <a:off x="899592" y="3789040"/>
-            <a:ext cx="1512168" cy="504056"/>
-          </a:xfrm>
-          <a:prstGeom prst="rect">
-            <a:avLst/>
-          </a:prstGeom>
-          <a:noFill/>
-          <a:ln>
-            <a:solidFill>
-              <a:schemeClr val="tx1"/>
-            </a:solidFill>
-          </a:ln>
-        </p:spPr>
-        <p:style>
-          <a:lnRef idx="2">
-            <a:schemeClr val="accent1">
-              <a:shade val="50000"/>
-            </a:schemeClr>
-          </a:lnRef>
-          <a:fillRef idx="1">
-            <a:schemeClr val="accent1"/>
-          </a:fillRef>
-          <a:effectRef idx="0">
-            <a:schemeClr val="accent1"/>
-          </a:effectRef>
-          <a:fontRef idx="minor">
-            <a:schemeClr val="lt1"/>
-          </a:fontRef>
-        </p:style>
-        <p:txBody>
-          <a:bodyPr rtlCol="0" anchor="ctr"/>
-          <a:lstStyle/>
-          <a:p>
-            <a:pPr algn="ctr"/>
-            <a:endParaRPr kumimoji="1" lang="ja-JP" altLang="en-US"/>
-          </a:p>
-        </p:txBody>
-      </p:sp>
-      <p:sp>
-        <p:nvSpPr>
-          <p:cNvPr id="10" name="正方形/長方形 9">
-            <a:extLst>
-              <a:ext uri="{FF2B5EF4-FFF2-40B4-BE49-F238E27FC236}">
-                <a16:creationId xmlns:a16="http://schemas.microsoft.com/office/drawing/2014/main" id="{D7D3E4FA-D44A-5043-B03E-23C2D724F762}"/>
-              </a:ext>
-            </a:extLst>
-          </p:cNvPr>
-          <p:cNvSpPr/>
-          <p:nvPr/>
-        </p:nvSpPr>
-        <p:spPr>
-          <a:xfrm>
-            <a:off x="899592" y="4293096"/>
-            <a:ext cx="1512168" cy="504056"/>
-          </a:xfrm>
-          <a:prstGeom prst="rect">
-            <a:avLst/>
-          </a:prstGeom>
-          <a:noFill/>
-          <a:ln>
-            <a:solidFill>
-              <a:schemeClr val="tx1"/>
-            </a:solidFill>
-          </a:ln>
-        </p:spPr>
-        <p:style>
-          <a:lnRef idx="2">
-            <a:schemeClr val="accent1">
-              <a:shade val="50000"/>
-            </a:schemeClr>
-          </a:lnRef>
-          <a:fillRef idx="1">
-            <a:schemeClr val="accent1"/>
-          </a:fillRef>
-          <a:effectRef idx="0">
-            <a:schemeClr val="accent1"/>
-          </a:effectRef>
-          <a:fontRef idx="minor">
-            <a:schemeClr val="lt1"/>
-          </a:fontRef>
-        </p:style>
-        <p:txBody>
-          <a:bodyPr rtlCol="0" anchor="ctr"/>
-          <a:lstStyle/>
-          <a:p>
-            <a:pPr algn="ctr"/>
-            <a:endParaRPr kumimoji="1" lang="ja-JP" altLang="en-US"/>
-          </a:p>
-        </p:txBody>
-      </p:sp>
-      <p:sp>
-        <p:nvSpPr>
-          <p:cNvPr id="11" name="正方形/長方形 10">
-            <a:extLst>
-              <a:ext uri="{FF2B5EF4-FFF2-40B4-BE49-F238E27FC236}">
-                <a16:creationId xmlns:a16="http://schemas.microsoft.com/office/drawing/2014/main" id="{325DF36F-9AE7-3D42-BE47-2BE745F0968F}"/>
-              </a:ext>
-            </a:extLst>
-          </p:cNvPr>
-          <p:cNvSpPr/>
-          <p:nvPr/>
-        </p:nvSpPr>
-        <p:spPr>
-          <a:xfrm>
-            <a:off x="899592" y="4797152"/>
-            <a:ext cx="1512168" cy="504056"/>
-          </a:xfrm>
-          <a:prstGeom prst="rect">
-            <a:avLst/>
-          </a:prstGeom>
-          <a:noFill/>
-          <a:ln>
-            <a:solidFill>
-              <a:schemeClr val="tx1"/>
-            </a:solidFill>
-          </a:ln>
-        </p:spPr>
-        <p:style>
-          <a:lnRef idx="2">
-            <a:schemeClr val="accent1">
-              <a:shade val="50000"/>
-            </a:schemeClr>
-          </a:lnRef>
-          <a:fillRef idx="1">
-            <a:schemeClr val="accent1"/>
-          </a:fillRef>
-          <a:effectRef idx="0">
-            <a:schemeClr val="accent1"/>
-          </a:effectRef>
-          <a:fontRef idx="minor">
-            <a:schemeClr val="lt1"/>
-          </a:fontRef>
-        </p:style>
-        <p:txBody>
-          <a:bodyPr rtlCol="0" anchor="ctr"/>
-          <a:lstStyle/>
-          <a:p>
-            <a:pPr algn="ctr"/>
-            <a:endParaRPr kumimoji="1" lang="ja-JP" altLang="en-US"/>
-          </a:p>
-        </p:txBody>
-      </p:sp>
-      <p:sp>
-        <p:nvSpPr>
-          <p:cNvPr id="12" name="正方形/長方形 11">
-            <a:extLst>
-              <a:ext uri="{FF2B5EF4-FFF2-40B4-BE49-F238E27FC236}">
-                <a16:creationId xmlns:a16="http://schemas.microsoft.com/office/drawing/2014/main" id="{6C1AAB58-AD85-A44F-872D-14D47AC23391}"/>
-              </a:ext>
-            </a:extLst>
-          </p:cNvPr>
-          <p:cNvSpPr/>
-          <p:nvPr/>
-        </p:nvSpPr>
-        <p:spPr>
-          <a:xfrm>
-            <a:off x="899592" y="5301208"/>
-            <a:ext cx="1512168" cy="504056"/>
-          </a:xfrm>
-          <a:prstGeom prst="rect">
-            <a:avLst/>
-          </a:prstGeom>
-          <a:noFill/>
-          <a:ln>
-            <a:solidFill>
-              <a:schemeClr val="tx1"/>
-            </a:solidFill>
-          </a:ln>
-        </p:spPr>
-        <p:style>
-          <a:lnRef idx="2">
-            <a:schemeClr val="accent1">
-              <a:shade val="50000"/>
-            </a:schemeClr>
-          </a:lnRef>
-          <a:fillRef idx="1">
-            <a:schemeClr val="accent1"/>
-          </a:fillRef>
-          <a:effectRef idx="0">
-            <a:schemeClr val="accent1"/>
-          </a:effectRef>
-          <a:fontRef idx="minor">
-            <a:schemeClr val="lt1"/>
-          </a:fontRef>
-        </p:style>
-        <p:txBody>
-          <a:bodyPr rtlCol="0" anchor="ctr"/>
-          <a:lstStyle/>
-          <a:p>
-            <a:pPr algn="ctr"/>
-            <a:endParaRPr kumimoji="1" lang="ja-JP" altLang="en-US"/>
-          </a:p>
-        </p:txBody>
-      </p:sp>
-      <p:sp>
-        <p:nvSpPr>
-          <p:cNvPr id="13" name="正方形/長方形 12">
-            <a:extLst>
-              <a:ext uri="{FF2B5EF4-FFF2-40B4-BE49-F238E27FC236}">
-                <a16:creationId xmlns:a16="http://schemas.microsoft.com/office/drawing/2014/main" id="{7DF5354F-2263-4D4A-A20D-EA2FF1B945AB}"/>
-              </a:ext>
-            </a:extLst>
-          </p:cNvPr>
-          <p:cNvSpPr/>
-          <p:nvPr/>
-        </p:nvSpPr>
-        <p:spPr>
-          <a:xfrm>
-            <a:off x="899592" y="5805264"/>
-            <a:ext cx="1512168" cy="504056"/>
-          </a:xfrm>
-          <a:prstGeom prst="rect">
-            <a:avLst/>
-          </a:prstGeom>
-          <a:noFill/>
-          <a:ln>
-            <a:solidFill>
-              <a:schemeClr val="tx1"/>
-            </a:solidFill>
-          </a:ln>
-        </p:spPr>
-        <p:style>
-          <a:lnRef idx="2">
-            <a:schemeClr val="accent1">
-              <a:shade val="50000"/>
-            </a:schemeClr>
-          </a:lnRef>
-          <a:fillRef idx="1">
-            <a:schemeClr val="accent1"/>
-          </a:fillRef>
-          <a:effectRef idx="0">
-            <a:schemeClr val="accent1"/>
-          </a:effectRef>
-          <a:fontRef idx="minor">
-            <a:schemeClr val="lt1"/>
-          </a:fontRef>
-        </p:style>
-        <p:txBody>
-          <a:bodyPr rtlCol="0" anchor="ctr"/>
-          <a:lstStyle/>
-          <a:p>
-            <a:pPr algn="ctr"/>
-            <a:endParaRPr kumimoji="1" lang="ja-JP" altLang="en-US"/>
-          </a:p>
-        </p:txBody>
-      </p:sp>
-      <p:pic>
-        <p:nvPicPr>
-          <p:cNvPr id="14" name="図 13">
-            <a:extLst>
-              <a:ext uri="{FF2B5EF4-FFF2-40B4-BE49-F238E27FC236}">
-                <a16:creationId xmlns:a16="http://schemas.microsoft.com/office/drawing/2014/main" id="{DDEA2A89-ECD5-2C41-83ED-4772DC9E1640}"/>
-              </a:ext>
-            </a:extLst>
-          </p:cNvPr>
-          <p:cNvPicPr>
-            <a:picLocks noChangeAspect="1"/>
-          </p:cNvPicPr>
-          <p:nvPr/>
-        </p:nvPicPr>
-        <p:blipFill>
-          <a:blip r:embed="rId4"/>
-          <a:stretch>
-            <a:fillRect/>
-          </a:stretch>
-        </p:blipFill>
-        <p:spPr>
-          <a:xfrm>
-            <a:off x="2915816" y="3284984"/>
-            <a:ext cx="648072" cy="648072"/>
-          </a:xfrm>
-          <a:prstGeom prst="rect">
-            <a:avLst/>
-          </a:prstGeom>
-        </p:spPr>
-      </p:pic>
-      <p:sp>
-        <p:nvSpPr>
-          <p:cNvPr id="15" name="右矢印 14">
-            <a:extLst>
-              <a:ext uri="{FF2B5EF4-FFF2-40B4-BE49-F238E27FC236}">
-                <a16:creationId xmlns:a16="http://schemas.microsoft.com/office/drawing/2014/main" id="{445FEF5B-1FCC-1948-B829-AA3F00E48B5C}"/>
-              </a:ext>
-            </a:extLst>
-          </p:cNvPr>
-          <p:cNvSpPr/>
-          <p:nvPr/>
-        </p:nvSpPr>
-        <p:spPr>
-          <a:xfrm>
-            <a:off x="2699792" y="3933056"/>
+            <a:off x="2555776" y="4293096"/>
             <a:ext cx="1080120" cy="288032"/>
           </a:xfrm>
           <a:prstGeom prst="rightArrow">
@@ -10985,14 +10643,14 @@
           <p:nvPr/>
         </p:nvPicPr>
         <p:blipFill>
-          <a:blip r:embed="rId4"/>
+          <a:blip r:embed="rId3"/>
           <a:stretch>
             <a:fillRect/>
           </a:stretch>
         </p:blipFill>
         <p:spPr>
           <a:xfrm>
-            <a:off x="5220072" y="3284984"/>
+            <a:off x="5940152" y="3645024"/>
             <a:ext cx="648072" cy="648072"/>
           </a:xfrm>
           <a:prstGeom prst="rect">
@@ -11014,7 +10672,7 @@
         </p:nvSpPr>
         <p:spPr>
           <a:xfrm>
-            <a:off x="5004048" y="3933056"/>
+            <a:off x="5724128" y="4293096"/>
             <a:ext cx="1080120" cy="288032"/>
           </a:xfrm>
           <a:prstGeom prst="rightArrow">
@@ -11068,8 +10726,8 @@
         </p:nvSpPr>
         <p:spPr>
           <a:xfrm>
-            <a:off x="971600" y="2780928"/>
-            <a:ext cx="1261884" cy="523220"/>
+            <a:off x="611560" y="2636912"/>
+            <a:ext cx="1492716" cy="954107"/>
           </a:xfrm>
           <a:prstGeom prst="rect">
             <a:avLst/>
@@ -11082,10 +10740,28 @@
           </a:bodyPr>
           <a:lstStyle/>
           <a:p>
+            <a:pPr algn="ctr"/>
             <a:r>
               <a:rPr kumimoji="1" lang="ja-JP" altLang="en-US" sz="2800"/>
+              <a:t>倉庫</a:t>
+            </a:r>
+            <a:endParaRPr kumimoji="1" lang="en-US" altLang="ja-JP" sz="2800"/>
+          </a:p>
+          <a:p>
+            <a:pPr algn="ctr"/>
+            <a:r>
+              <a:rPr lang="en-US" altLang="ja-JP" sz="2800"/>
+              <a:t>(</a:t>
+            </a:r>
+            <a:r>
+              <a:rPr lang="ja-JP" altLang="en-US" sz="2800"/>
               <a:t>メモリ</a:t>
             </a:r>
+            <a:r>
+              <a:rPr lang="en-US" altLang="ja-JP" sz="2800"/>
+              <a:t>)</a:t>
+            </a:r>
+            <a:endParaRPr kumimoji="1" lang="ja-JP" altLang="en-US" sz="2800"/>
           </a:p>
         </p:txBody>
       </p:sp>
@@ -11103,8 +10779,8 @@
         </p:nvSpPr>
         <p:spPr>
           <a:xfrm>
-            <a:off x="6372200" y="3212976"/>
-            <a:ext cx="1261884" cy="523220"/>
+            <a:off x="7236296" y="2636912"/>
+            <a:ext cx="1492716" cy="954107"/>
           </a:xfrm>
           <a:prstGeom prst="rect">
             <a:avLst/>
@@ -11117,10 +10793,28 @@
           </a:bodyPr>
           <a:lstStyle/>
           <a:p>
+            <a:pPr algn="ctr"/>
             <a:r>
               <a:rPr kumimoji="1" lang="ja-JP" altLang="en-US" sz="2800"/>
+              <a:t>工場</a:t>
+            </a:r>
+            <a:endParaRPr kumimoji="1" lang="en-US" altLang="ja-JP" sz="2800"/>
+          </a:p>
+          <a:p>
+            <a:pPr algn="ctr"/>
+            <a:r>
+              <a:rPr lang="en-US" altLang="ja-JP" sz="2800"/>
+              <a:t>(</a:t>
+            </a:r>
+            <a:r>
+              <a:rPr lang="ja-JP" altLang="en-US" sz="2800"/>
               <a:t>演算器</a:t>
             </a:r>
+            <a:r>
+              <a:rPr lang="en-US" altLang="ja-JP" sz="2800"/>
+              <a:t>)</a:t>
+            </a:r>
+            <a:endParaRPr kumimoji="1" lang="ja-JP" altLang="en-US" sz="2800"/>
           </a:p>
         </p:txBody>
       </p:sp>
@@ -11138,7 +10832,7 @@
         </p:nvSpPr>
         <p:spPr>
           <a:xfrm rot="10800000">
-            <a:off x="5004048" y="5445224"/>
+            <a:off x="5724128" y="5805264"/>
             <a:ext cx="1080120" cy="288032"/>
           </a:xfrm>
           <a:prstGeom prst="rightArrow">
@@ -11193,14 +10887,14 @@
           <p:nvPr/>
         </p:nvPicPr>
         <p:blipFill>
-          <a:blip r:embed="rId5"/>
+          <a:blip r:embed="rId4"/>
           <a:stretch>
             <a:fillRect/>
           </a:stretch>
         </p:blipFill>
         <p:spPr>
           <a:xfrm>
-            <a:off x="5220072" y="4725144"/>
+            <a:off x="5940152" y="5085184"/>
             <a:ext cx="720080" cy="720080"/>
           </a:xfrm>
           <a:prstGeom prst="rect">
@@ -11222,7 +10916,7 @@
         </p:nvSpPr>
         <p:spPr>
           <a:xfrm rot="10800000">
-            <a:off x="2699792" y="5445224"/>
+            <a:off x="2555776" y="5805264"/>
             <a:ext cx="1080120" cy="288032"/>
           </a:xfrm>
           <a:prstGeom prst="rightArrow">
@@ -11277,36 +10971,6 @@
           <p:nvPr/>
         </p:nvPicPr>
         <p:blipFill>
-          <a:blip r:embed="rId5"/>
-          <a:stretch>
-            <a:fillRect/>
-          </a:stretch>
-        </p:blipFill>
-        <p:spPr>
-          <a:xfrm>
-            <a:off x="2915816" y="4725144"/>
-            <a:ext cx="720080" cy="720080"/>
-          </a:xfrm>
-          <a:prstGeom prst="rect">
-            <a:avLst/>
-          </a:prstGeom>
-        </p:spPr>
-      </p:pic>
-      <p:pic>
-        <p:nvPicPr>
-          <p:cNvPr id="25" name="図 24">
-            <a:extLst>
-              <a:ext uri="{FF2B5EF4-FFF2-40B4-BE49-F238E27FC236}">
-                <a16:creationId xmlns:a16="http://schemas.microsoft.com/office/drawing/2014/main" id="{D71E58E5-8E63-EC4F-A6AB-173C00E8D340}"/>
-              </a:ext>
-            </a:extLst>
-          </p:cNvPr>
-          <p:cNvPicPr>
-            <a:picLocks noChangeAspect="1"/>
-          </p:cNvPicPr>
-          <p:nvPr/>
-        </p:nvPicPr>
-        <p:blipFill>
           <a:blip r:embed="rId4"/>
           <a:stretch>
             <a:fillRect/>
@@ -11314,8 +10978,8 @@
         </p:blipFill>
         <p:spPr>
           <a:xfrm>
-            <a:off x="1403648" y="3356992"/>
-            <a:ext cx="368424" cy="368424"/>
+            <a:off x="2771800" y="5085184"/>
+            <a:ext cx="720080" cy="720080"/>
           </a:xfrm>
           <a:prstGeom prst="rect">
             <a:avLst/>
@@ -11324,40 +10988,10 @@
       </p:pic>
       <p:pic>
         <p:nvPicPr>
-          <p:cNvPr id="26" name="図 25">
-            <a:extLst>
-              <a:ext uri="{FF2B5EF4-FFF2-40B4-BE49-F238E27FC236}">
-                <a16:creationId xmlns:a16="http://schemas.microsoft.com/office/drawing/2014/main" id="{4438B929-A996-064A-91D8-3644EB1138D6}"/>
-              </a:ext>
-            </a:extLst>
-          </p:cNvPr>
-          <p:cNvPicPr>
-            <a:picLocks noChangeAspect="1"/>
-          </p:cNvPicPr>
-          <p:nvPr/>
-        </p:nvPicPr>
-        <p:blipFill>
-          <a:blip r:embed="rId4"/>
-          <a:stretch>
-            <a:fillRect/>
-          </a:stretch>
-        </p:blipFill>
-        <p:spPr>
-          <a:xfrm>
-            <a:off x="1403648" y="3861048"/>
-            <a:ext cx="368424" cy="368424"/>
-          </a:xfrm>
-          <a:prstGeom prst="rect">
-            <a:avLst/>
-          </a:prstGeom>
-        </p:spPr>
-      </p:pic>
-      <p:pic>
-        <p:nvPicPr>
-          <p:cNvPr id="27" name="図 26">
-            <a:extLst>
-              <a:ext uri="{FF2B5EF4-FFF2-40B4-BE49-F238E27FC236}">
-                <a16:creationId xmlns:a16="http://schemas.microsoft.com/office/drawing/2014/main" id="{CDB259FB-F71D-E046-9921-76F65E901162}"/>
+          <p:cNvPr id="21" name="図 20">
+            <a:extLst>
+              <a:ext uri="{FF2B5EF4-FFF2-40B4-BE49-F238E27FC236}">
+                <a16:creationId xmlns:a16="http://schemas.microsoft.com/office/drawing/2014/main" id="{0C7468AA-2548-3D4B-AE6E-31EB971E26F2}"/>
               </a:ext>
             </a:extLst>
           </p:cNvPr>
@@ -11374,14 +11008,97 @@
         </p:blipFill>
         <p:spPr>
           <a:xfrm>
-            <a:off x="1403648" y="5373216"/>
-            <a:ext cx="368424" cy="368424"/>
+            <a:off x="4139952" y="4365104"/>
+            <a:ext cx="1174370" cy="1240532"/>
           </a:xfrm>
           <a:prstGeom prst="rect">
             <a:avLst/>
           </a:prstGeom>
         </p:spPr>
       </p:pic>
+      <p:pic>
+        <p:nvPicPr>
+          <p:cNvPr id="29" name="図 28">
+            <a:extLst>
+              <a:ext uri="{FF2B5EF4-FFF2-40B4-BE49-F238E27FC236}">
+                <a16:creationId xmlns:a16="http://schemas.microsoft.com/office/drawing/2014/main" id="{B865B63A-9BB5-F046-81AC-4FA47F4CECAF}"/>
+              </a:ext>
+            </a:extLst>
+          </p:cNvPr>
+          <p:cNvPicPr>
+            <a:picLocks noChangeAspect="1"/>
+          </p:cNvPicPr>
+          <p:nvPr/>
+        </p:nvPicPr>
+        <p:blipFill>
+          <a:blip r:embed="rId6"/>
+          <a:stretch>
+            <a:fillRect/>
+          </a:stretch>
+        </p:blipFill>
+        <p:spPr>
+          <a:xfrm>
+            <a:off x="107504" y="4293096"/>
+            <a:ext cx="1982519" cy="1536452"/>
+          </a:xfrm>
+          <a:prstGeom prst="rect">
+            <a:avLst/>
+          </a:prstGeom>
+        </p:spPr>
+      </p:pic>
+      <p:sp>
+        <p:nvSpPr>
+          <p:cNvPr id="30" name="テキスト ボックス 29">
+            <a:extLst>
+              <a:ext uri="{FF2B5EF4-FFF2-40B4-BE49-F238E27FC236}">
+                <a16:creationId xmlns:a16="http://schemas.microsoft.com/office/drawing/2014/main" id="{331B51C7-B1C4-BF4C-9159-55EB0389791B}"/>
+              </a:ext>
+            </a:extLst>
+          </p:cNvPr>
+          <p:cNvSpPr txBox="1"/>
+          <p:nvPr/>
+        </p:nvSpPr>
+        <p:spPr>
+          <a:xfrm>
+            <a:off x="3635896" y="2636912"/>
+            <a:ext cx="2569934" cy="954107"/>
+          </a:xfrm>
+          <a:prstGeom prst="rect">
+            <a:avLst/>
+          </a:prstGeom>
+          <a:noFill/>
+        </p:spPr>
+        <p:txBody>
+          <a:bodyPr wrap="none" rtlCol="0">
+            <a:spAutoFit/>
+          </a:bodyPr>
+          <a:lstStyle/>
+          <a:p>
+            <a:pPr algn="ctr"/>
+            <a:r>
+              <a:rPr lang="ja-JP" altLang="en-US" sz="2800"/>
+              <a:t>物流センター</a:t>
+            </a:r>
+            <a:endParaRPr lang="en-US" altLang="ja-JP" sz="2800"/>
+          </a:p>
+          <a:p>
+            <a:pPr algn="ctr"/>
+            <a:r>
+              <a:rPr lang="en-US" altLang="ja-JP" sz="2800"/>
+              <a:t>(</a:t>
+            </a:r>
+            <a:r>
+              <a:rPr lang="ja-JP" altLang="en-US" sz="2800"/>
+              <a:t>制御ユニット</a:t>
+            </a:r>
+            <a:r>
+              <a:rPr lang="en-US" altLang="ja-JP" sz="2800"/>
+              <a:t>)</a:t>
+            </a:r>
+            <a:endParaRPr lang="ja-JP" altLang="en-US" sz="2800"/>
+          </a:p>
+        </p:txBody>
+      </p:sp>
     </p:spTree>
     <p:extLst>
       <p:ext uri="{BB962C8B-B14F-4D97-AF65-F5344CB8AC3E}">
@@ -12134,10 +11851,10 @@
       </p:sp>
       <p:pic>
         <p:nvPicPr>
-          <p:cNvPr id="20" name="図 19">
-            <a:extLst>
-              <a:ext uri="{FF2B5EF4-FFF2-40B4-BE49-F238E27FC236}">
-                <a16:creationId xmlns:a16="http://schemas.microsoft.com/office/drawing/2014/main" id="{B70CFAE3-8DA3-4D48-8AEC-534CCC5954C4}"/>
+          <p:cNvPr id="21" name="図 20">
+            <a:extLst>
+              <a:ext uri="{FF2B5EF4-FFF2-40B4-BE49-F238E27FC236}">
+                <a16:creationId xmlns:a16="http://schemas.microsoft.com/office/drawing/2014/main" id="{E4458D88-5D13-0C4C-9DBA-19BED6B89858}"/>
               </a:ext>
             </a:extLst>
           </p:cNvPr>
@@ -12148,36 +11865,6 @@
         </p:nvPicPr>
         <p:blipFill>
           <a:blip r:embed="rId3"/>
-          <a:stretch>
-            <a:fillRect/>
-          </a:stretch>
-        </p:blipFill>
-        <p:spPr>
-          <a:xfrm>
-            <a:off x="3635896" y="4149080"/>
-            <a:ext cx="1152128" cy="1411922"/>
-          </a:xfrm>
-          <a:prstGeom prst="rect">
-            <a:avLst/>
-          </a:prstGeom>
-        </p:spPr>
-      </p:pic>
-      <p:pic>
-        <p:nvPicPr>
-          <p:cNvPr id="21" name="図 20">
-            <a:extLst>
-              <a:ext uri="{FF2B5EF4-FFF2-40B4-BE49-F238E27FC236}">
-                <a16:creationId xmlns:a16="http://schemas.microsoft.com/office/drawing/2014/main" id="{E4458D88-5D13-0C4C-9DBA-19BED6B89858}"/>
-              </a:ext>
-            </a:extLst>
-          </p:cNvPr>
-          <p:cNvPicPr>
-            <a:picLocks noChangeAspect="1"/>
-          </p:cNvPicPr>
-          <p:nvPr/>
-        </p:nvPicPr>
-        <p:blipFill>
-          <a:blip r:embed="rId4"/>
           <a:stretch>
             <a:fillRect/>
           </a:stretch>
@@ -12506,6 +12193,71 @@
             <a:r>
               <a:rPr kumimoji="1" lang="ja-JP" altLang="en-US" sz="2400"/>
               <a:t>メモリアクセスは番地を指定して行う</a:t>
+            </a:r>
+          </a:p>
+        </p:txBody>
+      </p:sp>
+      <p:pic>
+        <p:nvPicPr>
+          <p:cNvPr id="29" name="図 28">
+            <a:extLst>
+              <a:ext uri="{FF2B5EF4-FFF2-40B4-BE49-F238E27FC236}">
+                <a16:creationId xmlns:a16="http://schemas.microsoft.com/office/drawing/2014/main" id="{FF5E8FA4-F43C-B645-AE27-1040AC0A599D}"/>
+              </a:ext>
+            </a:extLst>
+          </p:cNvPr>
+          <p:cNvPicPr>
+            <a:picLocks noChangeAspect="1"/>
+          </p:cNvPicPr>
+          <p:nvPr/>
+        </p:nvPicPr>
+        <p:blipFill>
+          <a:blip r:embed="rId4"/>
+          <a:stretch>
+            <a:fillRect/>
+          </a:stretch>
+        </p:blipFill>
+        <p:spPr>
+          <a:xfrm>
+            <a:off x="3707904" y="4365104"/>
+            <a:ext cx="1174370" cy="1240532"/>
+          </a:xfrm>
+          <a:prstGeom prst="rect">
+            <a:avLst/>
+          </a:prstGeom>
+        </p:spPr>
+      </p:pic>
+      <p:sp>
+        <p:nvSpPr>
+          <p:cNvPr id="30" name="テキスト ボックス 29">
+            <a:extLst>
+              <a:ext uri="{FF2B5EF4-FFF2-40B4-BE49-F238E27FC236}">
+                <a16:creationId xmlns:a16="http://schemas.microsoft.com/office/drawing/2014/main" id="{CF0BE2EC-9057-FB40-9A42-FFA2519EA69B}"/>
+              </a:ext>
+            </a:extLst>
+          </p:cNvPr>
+          <p:cNvSpPr txBox="1"/>
+          <p:nvPr/>
+        </p:nvSpPr>
+        <p:spPr>
+          <a:xfrm>
+            <a:off x="179512" y="6165304"/>
+            <a:ext cx="6032421" cy="461665"/>
+          </a:xfrm>
+          <a:prstGeom prst="rect">
+            <a:avLst/>
+          </a:prstGeom>
+          <a:noFill/>
+        </p:spPr>
+        <p:txBody>
+          <a:bodyPr wrap="none" rtlCol="0">
+            <a:spAutoFit/>
+          </a:bodyPr>
+          <a:lstStyle/>
+          <a:p>
+            <a:r>
+              <a:rPr kumimoji="1" lang="ja-JP" altLang="en-US" sz="2400"/>
+              <a:t>どこに何を置いたか覚えるのが面倒くさい</a:t>
             </a:r>
           </a:p>
         </p:txBody>
@@ -12927,36 +12679,6 @@
           </a:p>
         </p:txBody>
       </p:sp>
-      <p:pic>
-        <p:nvPicPr>
-          <p:cNvPr id="12" name="図 11">
-            <a:extLst>
-              <a:ext uri="{FF2B5EF4-FFF2-40B4-BE49-F238E27FC236}">
-                <a16:creationId xmlns:a16="http://schemas.microsoft.com/office/drawing/2014/main" id="{9A1D8419-AB72-6B49-9E79-FD265344AF41}"/>
-              </a:ext>
-            </a:extLst>
-          </p:cNvPr>
-          <p:cNvPicPr>
-            <a:picLocks noChangeAspect="1"/>
-          </p:cNvPicPr>
-          <p:nvPr/>
-        </p:nvPicPr>
-        <p:blipFill>
-          <a:blip r:embed="rId4"/>
-          <a:stretch>
-            <a:fillRect/>
-          </a:stretch>
-        </p:blipFill>
-        <p:spPr>
-          <a:xfrm>
-            <a:off x="4355976" y="3212976"/>
-            <a:ext cx="1152128" cy="1411922"/>
-          </a:xfrm>
-          <a:prstGeom prst="rect">
-            <a:avLst/>
-          </a:prstGeom>
-        </p:spPr>
-      </p:pic>
       <p:sp>
         <p:nvSpPr>
           <p:cNvPr id="13" name="右矢印 12">
@@ -13786,6 +13508,36 @@
           </a:p>
         </p:txBody>
       </p:sp>
+      <p:pic>
+        <p:nvPicPr>
+          <p:cNvPr id="31" name="図 30">
+            <a:extLst>
+              <a:ext uri="{FF2B5EF4-FFF2-40B4-BE49-F238E27FC236}">
+                <a16:creationId xmlns:a16="http://schemas.microsoft.com/office/drawing/2014/main" id="{4B8EADC3-1B33-E040-B95A-4EA60B961BAC}"/>
+              </a:ext>
+            </a:extLst>
+          </p:cNvPr>
+          <p:cNvPicPr>
+            <a:picLocks noChangeAspect="1"/>
+          </p:cNvPicPr>
+          <p:nvPr/>
+        </p:nvPicPr>
+        <p:blipFill>
+          <a:blip r:embed="rId4"/>
+          <a:stretch>
+            <a:fillRect/>
+          </a:stretch>
+        </p:blipFill>
+        <p:spPr>
+          <a:xfrm>
+            <a:off x="4427984" y="3356992"/>
+            <a:ext cx="1174370" cy="1240532"/>
+          </a:xfrm>
+          <a:prstGeom prst="rect">
+            <a:avLst/>
+          </a:prstGeom>
+        </p:spPr>
+      </p:pic>
     </p:spTree>
     <p:extLst>
       <p:ext uri="{BB962C8B-B14F-4D97-AF65-F5344CB8AC3E}">
@@ -14155,36 +13907,6 @@
           </a:p>
         </p:txBody>
       </p:sp>
-      <p:pic>
-        <p:nvPicPr>
-          <p:cNvPr id="10" name="図 9">
-            <a:extLst>
-              <a:ext uri="{FF2B5EF4-FFF2-40B4-BE49-F238E27FC236}">
-                <a16:creationId xmlns:a16="http://schemas.microsoft.com/office/drawing/2014/main" id="{5CC620B1-63B5-5D40-80BB-E4CF518C70EA}"/>
-              </a:ext>
-            </a:extLst>
-          </p:cNvPr>
-          <p:cNvPicPr>
-            <a:picLocks noChangeAspect="1"/>
-          </p:cNvPicPr>
-          <p:nvPr/>
-        </p:nvPicPr>
-        <p:blipFill>
-          <a:blip r:embed="rId4"/>
-          <a:stretch>
-            <a:fillRect/>
-          </a:stretch>
-        </p:blipFill>
-        <p:spPr>
-          <a:xfrm>
-            <a:off x="4355976" y="3212976"/>
-            <a:ext cx="1152128" cy="1411922"/>
-          </a:xfrm>
-          <a:prstGeom prst="rect">
-            <a:avLst/>
-          </a:prstGeom>
-        </p:spPr>
-      </p:pic>
       <p:sp>
         <p:nvSpPr>
           <p:cNvPr id="11" name="右矢印 10">
@@ -15079,8 +14801,8 @@
         </p:nvSpPr>
         <p:spPr>
           <a:xfrm>
-            <a:off x="323528" y="5949280"/>
-            <a:ext cx="6955750" cy="461665"/>
+            <a:off x="323528" y="5877272"/>
+            <a:ext cx="7879080" cy="830997"/>
           </a:xfrm>
           <a:prstGeom prst="rect">
             <a:avLst/>
@@ -15095,11 +14817,57 @@
           <a:p>
             <a:r>
               <a:rPr kumimoji="1" lang="ja-JP" altLang="en-US" sz="2400"/>
-              <a:t>メモリのどこに何を置いたかを管理しなくて良い</a:t>
-            </a:r>
-          </a:p>
-        </p:txBody>
-      </p:sp>
+              <a:t>メモリのどこに何を置いたかを人間が管理しなくて良い</a:t>
+            </a:r>
+            <a:endParaRPr kumimoji="1" lang="en-US" altLang="ja-JP" sz="2400"/>
+          </a:p>
+          <a:p>
+            <a:r>
+              <a:rPr lang="en-US" altLang="ja-JP" sz="2400"/>
+              <a:t>(</a:t>
+            </a:r>
+            <a:r>
+              <a:rPr lang="ja-JP" altLang="en-US" sz="2400"/>
+              <a:t>計算機が代わりに管理してくれる</a:t>
+            </a:r>
+            <a:r>
+              <a:rPr lang="en-US" altLang="ja-JP" sz="2400"/>
+              <a:t>)</a:t>
+            </a:r>
+            <a:endParaRPr kumimoji="1" lang="ja-JP" altLang="en-US" sz="2400"/>
+          </a:p>
+        </p:txBody>
+      </p:sp>
+      <p:pic>
+        <p:nvPicPr>
+          <p:cNvPr id="31" name="図 30">
+            <a:extLst>
+              <a:ext uri="{FF2B5EF4-FFF2-40B4-BE49-F238E27FC236}">
+                <a16:creationId xmlns:a16="http://schemas.microsoft.com/office/drawing/2014/main" id="{757298CE-DD2A-9C45-A6DB-21DA4488C2AE}"/>
+              </a:ext>
+            </a:extLst>
+          </p:cNvPr>
+          <p:cNvPicPr>
+            <a:picLocks noChangeAspect="1"/>
+          </p:cNvPicPr>
+          <p:nvPr/>
+        </p:nvPicPr>
+        <p:blipFill>
+          <a:blip r:embed="rId4"/>
+          <a:stretch>
+            <a:fillRect/>
+          </a:stretch>
+        </p:blipFill>
+        <p:spPr>
+          <a:xfrm>
+            <a:off x="4427984" y="3356992"/>
+            <a:ext cx="1174370" cy="1240532"/>
+          </a:xfrm>
+          <a:prstGeom prst="rect">
+            <a:avLst/>
+          </a:prstGeom>
+        </p:spPr>
+      </p:pic>
     </p:spTree>
     <p:extLst>
       <p:ext uri="{BB962C8B-B14F-4D97-AF65-F5344CB8AC3E}">

--- a/basic/fig/slide.pptx
+++ b/basic/fig/slide.pptx
@@ -5,7 +5,7 @@
     <p:sldMasterId id="2147483663" r:id="rId1"/>
   </p:sldMasterIdLst>
   <p:notesMasterIdLst>
-    <p:notesMasterId r:id="rId20"/>
+    <p:notesMasterId r:id="rId27"/>
   </p:notesMasterIdLst>
   <p:sldIdLst>
     <p:sldId id="256" r:id="rId2"/>
@@ -21,11 +21,18 @@
     <p:sldId id="270" r:id="rId12"/>
     <p:sldId id="271" r:id="rId13"/>
     <p:sldId id="273" r:id="rId14"/>
-    <p:sldId id="274" r:id="rId15"/>
-    <p:sldId id="275" r:id="rId16"/>
-    <p:sldId id="276" r:id="rId17"/>
-    <p:sldId id="277" r:id="rId18"/>
-    <p:sldId id="278" r:id="rId19"/>
+    <p:sldId id="279" r:id="rId15"/>
+    <p:sldId id="274" r:id="rId16"/>
+    <p:sldId id="275" r:id="rId17"/>
+    <p:sldId id="276" r:id="rId18"/>
+    <p:sldId id="280" r:id="rId19"/>
+    <p:sldId id="277" r:id="rId20"/>
+    <p:sldId id="281" r:id="rId21"/>
+    <p:sldId id="283" r:id="rId22"/>
+    <p:sldId id="282" r:id="rId23"/>
+    <p:sldId id="278" r:id="rId24"/>
+    <p:sldId id="285" r:id="rId25"/>
+    <p:sldId id="286" r:id="rId26"/>
   </p:sldIdLst>
   <p:sldSz cx="9144000" cy="6858000" type="screen4x3"/>
   <p:notesSz cx="6858000" cy="9144000"/>
@@ -7323,7 +7330,7 @@
           <p:cNvPr id="2" name="テキスト プレースホルダー 1">
             <a:extLst>
               <a:ext uri="{FF2B5EF4-FFF2-40B4-BE49-F238E27FC236}">
-                <a16:creationId xmlns:a16="http://schemas.microsoft.com/office/drawing/2014/main" id="{63E10C97-1919-2E4C-9C26-2CCBDB2B3469}"/>
+                <a16:creationId xmlns:a16="http://schemas.microsoft.com/office/drawing/2014/main" id="{5BCDDCA1-D419-204E-9328-9D1105E6CF12}"/>
               </a:ext>
             </a:extLst>
           </p:cNvPr>
@@ -7341,17 +7348,8 @@
           <a:p>
             <a:r>
               <a:rPr kumimoji="1" lang="ja-JP" altLang="en-US"/>
-              <a:t>演算の注意</a:t>
-            </a:r>
-            <a:r>
-              <a:rPr kumimoji="1" lang="en-US" altLang="ja-JP"/>
-              <a:t>(</a:t>
-            </a:r>
-            <a:r>
-              <a:rPr lang="en-US" altLang="ja-JP"/>
-              <a:t>1/2)</a:t>
-            </a:r>
-            <a:endParaRPr kumimoji="1" lang="ja-JP" altLang="en-US"/>
+              <a:t>演算や比較</a:t>
+            </a:r>
           </a:p>
         </p:txBody>
       </p:sp>
@@ -7360,7 +7358,7 @@
           <p:cNvPr id="3" name="テキスト ボックス 2">
             <a:extLst>
               <a:ext uri="{FF2B5EF4-FFF2-40B4-BE49-F238E27FC236}">
-                <a16:creationId xmlns:a16="http://schemas.microsoft.com/office/drawing/2014/main" id="{FB871A24-D50F-AC4C-B9AE-40C4BE72396A}"/>
+                <a16:creationId xmlns:a16="http://schemas.microsoft.com/office/drawing/2014/main" id="{9824EBFF-7AFC-B34B-BC5F-491CF7CEF16B}"/>
               </a:ext>
             </a:extLst>
           </p:cNvPr>
@@ -7369,8 +7367,8 @@
         </p:nvSpPr>
         <p:spPr>
           <a:xfrm>
-            <a:off x="337934" y="1268760"/>
-            <a:ext cx="8802410" cy="523220"/>
+            <a:off x="395536" y="1916832"/>
+            <a:ext cx="2031325" cy="646331"/>
           </a:xfrm>
           <a:prstGeom prst="rect">
             <a:avLst/>
@@ -7384,19 +7382,22 @@
           <a:lstStyle/>
           <a:p>
             <a:r>
-              <a:rPr lang="ja-JP" altLang="en-US" sz="2800"/>
-              <a:t>整数と浮動小数点数の演算結果は浮動小数点数になる</a:t>
-            </a:r>
-            <a:endParaRPr kumimoji="1" lang="ja-JP" altLang="en-US" sz="2800"/>
-          </a:p>
-        </p:txBody>
-      </p:sp>
-      <p:sp>
-        <p:nvSpPr>
-          <p:cNvPr id="4" name="正方形/長方形 3">
-            <a:extLst>
-              <a:ext uri="{FF2B5EF4-FFF2-40B4-BE49-F238E27FC236}">
-                <a16:creationId xmlns:a16="http://schemas.microsoft.com/office/drawing/2014/main" id="{3FFDB724-2498-E445-B128-7665DEDEF84D}"/>
+              <a:rPr kumimoji="1" lang="ja-JP" altLang="en-US" sz="3600">
+                <a:solidFill>
+                  <a:srgbClr val="011893"/>
+                </a:solidFill>
+              </a:rPr>
+              <a:t>四則演算</a:t>
+            </a:r>
+          </a:p>
+        </p:txBody>
+      </p:sp>
+      <p:sp>
+        <p:nvSpPr>
+          <p:cNvPr id="5" name="正方形/長方形 4">
+            <a:extLst>
+              <a:ext uri="{FF2B5EF4-FFF2-40B4-BE49-F238E27FC236}">
+                <a16:creationId xmlns:a16="http://schemas.microsoft.com/office/drawing/2014/main" id="{BCDA6B99-EEF3-CC4E-A86A-CA430F7817B1}"/>
               </a:ext>
             </a:extLst>
           </p:cNvPr>
@@ -7405,8 +7406,8 @@
         </p:nvSpPr>
         <p:spPr>
           <a:xfrm>
-            <a:off x="1763688" y="2132856"/>
-            <a:ext cx="2350323" cy="707886"/>
+            <a:off x="2555776" y="1916832"/>
+            <a:ext cx="1418978" cy="584775"/>
           </a:xfrm>
           <a:prstGeom prst="rect">
             <a:avLst/>
@@ -7422,61 +7423,59 @@
           <a:lstStyle/>
           <a:p>
             <a:r>
-              <a:rPr lang="en-US" altLang="ja-JP" sz="4000" b="0">
-                <a:solidFill>
-                  <a:srgbClr val="B5CEA8"/>
+              <a:rPr lang="en" altLang="ja-JP" sz="3200" b="0">
+                <a:solidFill>
+                  <a:srgbClr val="D4D4D4"/>
                 </a:solidFill>
                 <a:effectLst/>
                 <a:latin typeface="Menlo" panose="020B0609030804020204" pitchFamily="49" charset="0"/>
               </a:rPr>
-              <a:t>1</a:t>
-            </a:r>
-            <a:r>
-              <a:rPr lang="ja-JP" altLang="en-US" sz="4000" b="0">
-                <a:solidFill>
-                  <a:srgbClr val="D4D4D4"/>
-                </a:solidFill>
-                <a:effectLst/>
-                <a:latin typeface="Menlo" panose="020B0609030804020204" pitchFamily="49" charset="0"/>
-              </a:rPr>
-              <a:t> </a:t>
-            </a:r>
-            <a:r>
-              <a:rPr lang="en-US" altLang="ja-JP" sz="4000" b="0">
-                <a:solidFill>
-                  <a:srgbClr val="D4D4D4"/>
-                </a:solidFill>
-                <a:effectLst/>
-                <a:latin typeface="Menlo" panose="020B0609030804020204" pitchFamily="49" charset="0"/>
-              </a:rPr>
-              <a:t>+ </a:t>
-            </a:r>
-            <a:r>
-              <a:rPr lang="en-US" altLang="ja-JP" sz="4000" b="0">
-                <a:solidFill>
-                  <a:srgbClr val="B5CEA8"/>
-                </a:solidFill>
-                <a:effectLst/>
-                <a:latin typeface="Menlo" panose="020B0609030804020204" pitchFamily="49" charset="0"/>
-              </a:rPr>
-              <a:t>1.0</a:t>
-            </a:r>
-            <a:endParaRPr lang="ja-JP" altLang="en-US" sz="4000" b="0">
-              <a:solidFill>
-                <a:srgbClr val="D4D4D4"/>
-              </a:solidFill>
-              <a:effectLst/>
-              <a:latin typeface="Menlo" panose="020B0609030804020204" pitchFamily="49" charset="0"/>
-            </a:endParaRPr>
-          </a:p>
-        </p:txBody>
-      </p:sp>
-      <p:sp>
-        <p:nvSpPr>
-          <p:cNvPr id="5" name="正方形/長方形 4">
-            <a:extLst>
-              <a:ext uri="{FF2B5EF4-FFF2-40B4-BE49-F238E27FC236}">
-                <a16:creationId xmlns:a16="http://schemas.microsoft.com/office/drawing/2014/main" id="{1C98FAC1-2313-A241-9DAF-7D37A05E3E9D}"/>
+              <a:t>a + b</a:t>
+            </a:r>
+          </a:p>
+        </p:txBody>
+      </p:sp>
+      <p:sp>
+        <p:nvSpPr>
+          <p:cNvPr id="6" name="テキスト ボックス 5">
+            <a:extLst>
+              <a:ext uri="{FF2B5EF4-FFF2-40B4-BE49-F238E27FC236}">
+                <a16:creationId xmlns:a16="http://schemas.microsoft.com/office/drawing/2014/main" id="{96DFF49E-8DCA-3D46-B100-1077394F3977}"/>
+              </a:ext>
+            </a:extLst>
+          </p:cNvPr>
+          <p:cNvSpPr txBox="1"/>
+          <p:nvPr/>
+        </p:nvSpPr>
+        <p:spPr>
+          <a:xfrm>
+            <a:off x="649367" y="1052736"/>
+            <a:ext cx="8494633" cy="461665"/>
+          </a:xfrm>
+          <a:prstGeom prst="rect">
+            <a:avLst/>
+          </a:prstGeom>
+          <a:noFill/>
+        </p:spPr>
+        <p:txBody>
+          <a:bodyPr wrap="none" rtlCol="0">
+            <a:spAutoFit/>
+          </a:bodyPr>
+          <a:lstStyle/>
+          <a:p>
+            <a:r>
+              <a:rPr kumimoji="1" lang="ja-JP" altLang="en-US" sz="2400"/>
+              <a:t>変数同士や数値同士、またはその組み合わせで演算ができる</a:t>
+            </a:r>
+          </a:p>
+        </p:txBody>
+      </p:sp>
+      <p:sp>
+        <p:nvSpPr>
+          <p:cNvPr id="8" name="正方形/長方形 7">
+            <a:extLst>
+              <a:ext uri="{FF2B5EF4-FFF2-40B4-BE49-F238E27FC236}">
+                <a16:creationId xmlns:a16="http://schemas.microsoft.com/office/drawing/2014/main" id="{0C184A35-B800-AB4C-B7C2-A49DC8E11F89}"/>
               </a:ext>
             </a:extLst>
           </p:cNvPr>
@@ -7485,8 +7484,8 @@
         </p:nvSpPr>
         <p:spPr>
           <a:xfrm>
-            <a:off x="5148064" y="2132856"/>
-            <a:ext cx="1112805" cy="707886"/>
+            <a:off x="4139952" y="1916832"/>
+            <a:ext cx="1418978" cy="584775"/>
           </a:xfrm>
           <a:prstGeom prst="rect">
             <a:avLst/>
@@ -7502,31 +7501,24 @@
           <a:lstStyle/>
           <a:p>
             <a:r>
-              <a:rPr lang="en-US" altLang="ja-JP" sz="4000" b="0">
-                <a:solidFill>
-                  <a:srgbClr val="B5CEA8"/>
+              <a:rPr lang="en" altLang="ja-JP" sz="3200" b="0">
+                <a:solidFill>
+                  <a:srgbClr val="D4D4D4"/>
                 </a:solidFill>
                 <a:effectLst/>
                 <a:latin typeface="Menlo" panose="020B0609030804020204" pitchFamily="49" charset="0"/>
               </a:rPr>
-              <a:t>2.0</a:t>
-            </a:r>
-            <a:endParaRPr lang="ja-JP" altLang="en-US" sz="4000" b="0">
-              <a:solidFill>
-                <a:srgbClr val="D4D4D4"/>
-              </a:solidFill>
-              <a:effectLst/>
-              <a:latin typeface="Menlo" panose="020B0609030804020204" pitchFamily="49" charset="0"/>
-            </a:endParaRPr>
-          </a:p>
-        </p:txBody>
-      </p:sp>
-      <p:sp>
-        <p:nvSpPr>
-          <p:cNvPr id="6" name="右矢印 5">
-            <a:extLst>
-              <a:ext uri="{FF2B5EF4-FFF2-40B4-BE49-F238E27FC236}">
-                <a16:creationId xmlns:a16="http://schemas.microsoft.com/office/drawing/2014/main" id="{6F98764E-6CFB-164B-806B-DD8955EA6878}"/>
+              <a:t>a - b</a:t>
+            </a:r>
+          </a:p>
+        </p:txBody>
+      </p:sp>
+      <p:sp>
+        <p:nvSpPr>
+          <p:cNvPr id="9" name="正方形/長方形 8">
+            <a:extLst>
+              <a:ext uri="{FF2B5EF4-FFF2-40B4-BE49-F238E27FC236}">
+                <a16:creationId xmlns:a16="http://schemas.microsoft.com/office/drawing/2014/main" id="{FBA5ED34-C17A-EB48-8682-6BD497881AA9}"/>
               </a:ext>
             </a:extLst>
           </p:cNvPr>
@@ -7535,52 +7527,84 @@
         </p:nvSpPr>
         <p:spPr>
           <a:xfrm>
-            <a:off x="4355976" y="2276872"/>
-            <a:ext cx="487954" cy="390363"/>
-          </a:xfrm>
-          <a:prstGeom prst="rightArrow">
+            <a:off x="5724128" y="1916832"/>
+            <a:ext cx="1418978" cy="584775"/>
+          </a:xfrm>
+          <a:prstGeom prst="rect">
             <a:avLst/>
           </a:prstGeom>
           <a:solidFill>
-            <a:srgbClr val="FF0000"/>
+            <a:schemeClr val="tx1"/>
           </a:solidFill>
-          <a:ln>
-            <a:solidFill>
-              <a:schemeClr val="tx1"/>
-            </a:solidFill>
-          </a:ln>
-        </p:spPr>
-        <p:style>
-          <a:lnRef idx="2">
-            <a:schemeClr val="accent1">
-              <a:shade val="50000"/>
-            </a:schemeClr>
-          </a:lnRef>
-          <a:fillRef idx="1">
-            <a:schemeClr val="accent1"/>
-          </a:fillRef>
-          <a:effectRef idx="0">
-            <a:schemeClr val="accent1"/>
-          </a:effectRef>
-          <a:fontRef idx="minor">
-            <a:schemeClr val="lt1"/>
-          </a:fontRef>
-        </p:style>
-        <p:txBody>
-          <a:bodyPr rtlCol="0" anchor="ctr"/>
-          <a:lstStyle/>
-          <a:p>
-            <a:pPr algn="ctr"/>
-            <a:endParaRPr kumimoji="1" lang="ja-JP" altLang="en-US"/>
-          </a:p>
-        </p:txBody>
-      </p:sp>
-      <p:sp>
-        <p:nvSpPr>
-          <p:cNvPr id="7" name="テキスト ボックス 6">
-            <a:extLst>
-              <a:ext uri="{FF2B5EF4-FFF2-40B4-BE49-F238E27FC236}">
-                <a16:creationId xmlns:a16="http://schemas.microsoft.com/office/drawing/2014/main" id="{AB95A84C-47B9-D945-9B01-39D33BB85435}"/>
+        </p:spPr>
+        <p:txBody>
+          <a:bodyPr wrap="none">
+            <a:spAutoFit/>
+          </a:bodyPr>
+          <a:lstStyle/>
+          <a:p>
+            <a:r>
+              <a:rPr lang="en" altLang="ja-JP" sz="3200" b="0">
+                <a:solidFill>
+                  <a:srgbClr val="D4D4D4"/>
+                </a:solidFill>
+                <a:effectLst/>
+                <a:latin typeface="Menlo" panose="020B0609030804020204" pitchFamily="49" charset="0"/>
+              </a:rPr>
+              <a:t>a * b</a:t>
+            </a:r>
+          </a:p>
+        </p:txBody>
+      </p:sp>
+      <p:sp>
+        <p:nvSpPr>
+          <p:cNvPr id="10" name="正方形/長方形 9">
+            <a:extLst>
+              <a:ext uri="{FF2B5EF4-FFF2-40B4-BE49-F238E27FC236}">
+                <a16:creationId xmlns:a16="http://schemas.microsoft.com/office/drawing/2014/main" id="{DD4B02D9-8DA3-BC4A-B1F2-6CF3617E6B98}"/>
+              </a:ext>
+            </a:extLst>
+          </p:cNvPr>
+          <p:cNvSpPr/>
+          <p:nvPr/>
+        </p:nvSpPr>
+        <p:spPr>
+          <a:xfrm>
+            <a:off x="7308304" y="1916832"/>
+            <a:ext cx="1418978" cy="584775"/>
+          </a:xfrm>
+          <a:prstGeom prst="rect">
+            <a:avLst/>
+          </a:prstGeom>
+          <a:solidFill>
+            <a:schemeClr val="tx1"/>
+          </a:solidFill>
+        </p:spPr>
+        <p:txBody>
+          <a:bodyPr wrap="none">
+            <a:spAutoFit/>
+          </a:bodyPr>
+          <a:lstStyle/>
+          <a:p>
+            <a:r>
+              <a:rPr lang="en" altLang="ja-JP" sz="3200" b="0">
+                <a:solidFill>
+                  <a:srgbClr val="D4D4D4"/>
+                </a:solidFill>
+                <a:effectLst/>
+                <a:latin typeface="Menlo" panose="020B0609030804020204" pitchFamily="49" charset="0"/>
+              </a:rPr>
+              <a:t>a / b</a:t>
+            </a:r>
+          </a:p>
+        </p:txBody>
+      </p:sp>
+      <p:sp>
+        <p:nvSpPr>
+          <p:cNvPr id="11" name="テキスト ボックス 10">
+            <a:extLst>
+              <a:ext uri="{FF2B5EF4-FFF2-40B4-BE49-F238E27FC236}">
+                <a16:creationId xmlns:a16="http://schemas.microsoft.com/office/drawing/2014/main" id="{A7F1459B-BCD4-4C46-B8AB-5E4B183757B7}"/>
               </a:ext>
             </a:extLst>
           </p:cNvPr>
@@ -7589,8 +7613,8 @@
         </p:nvSpPr>
         <p:spPr>
           <a:xfrm>
-            <a:off x="308654" y="3140968"/>
-            <a:ext cx="6647974" cy="523220"/>
+            <a:off x="632703" y="2996952"/>
+            <a:ext cx="7571303" cy="461665"/>
           </a:xfrm>
           <a:prstGeom prst="rect">
             <a:avLst/>
@@ -7604,19 +7628,62 @@
           <a:lstStyle/>
           <a:p>
             <a:r>
-              <a:rPr lang="ja-JP" altLang="en-US" sz="2800"/>
-              <a:t>整数と整数の除算は浮動小数点数になる</a:t>
-            </a:r>
-            <a:endParaRPr kumimoji="1" lang="ja-JP" altLang="en-US" sz="2800"/>
-          </a:p>
-        </p:txBody>
-      </p:sp>
-      <p:sp>
-        <p:nvSpPr>
-          <p:cNvPr id="8" name="正方形/長方形 7">
-            <a:extLst>
-              <a:ext uri="{FF2B5EF4-FFF2-40B4-BE49-F238E27FC236}">
-                <a16:creationId xmlns:a16="http://schemas.microsoft.com/office/drawing/2014/main" id="{CE6EDF33-F8C6-014A-A3C8-4EF1459352C6}"/>
+              <a:rPr kumimoji="1" lang="ja-JP" altLang="en-US" sz="2400"/>
+              <a:t>等号、不等号で比較ができる。結果は真偽値になる</a:t>
+            </a:r>
+            <a:r>
+              <a:rPr lang="ja-JP" altLang="en-US" sz="2400"/>
+              <a:t>。</a:t>
+            </a:r>
+            <a:endParaRPr kumimoji="1" lang="en-US" altLang="ja-JP" sz="2400"/>
+          </a:p>
+        </p:txBody>
+      </p:sp>
+      <p:sp>
+        <p:nvSpPr>
+          <p:cNvPr id="12" name="テキスト ボックス 11">
+            <a:extLst>
+              <a:ext uri="{FF2B5EF4-FFF2-40B4-BE49-F238E27FC236}">
+                <a16:creationId xmlns:a16="http://schemas.microsoft.com/office/drawing/2014/main" id="{3F542367-9295-DA49-A983-EB9944BA7C57}"/>
+              </a:ext>
+            </a:extLst>
+          </p:cNvPr>
+          <p:cNvSpPr txBox="1"/>
+          <p:nvPr/>
+        </p:nvSpPr>
+        <p:spPr>
+          <a:xfrm>
+            <a:off x="395536" y="3789040"/>
+            <a:ext cx="2031325" cy="646331"/>
+          </a:xfrm>
+          <a:prstGeom prst="rect">
+            <a:avLst/>
+          </a:prstGeom>
+          <a:noFill/>
+        </p:spPr>
+        <p:txBody>
+          <a:bodyPr wrap="none" rtlCol="0">
+            <a:spAutoFit/>
+          </a:bodyPr>
+          <a:lstStyle/>
+          <a:p>
+            <a:r>
+              <a:rPr kumimoji="1" lang="ja-JP" altLang="en-US" sz="3600">
+                <a:solidFill>
+                  <a:srgbClr val="011893"/>
+                </a:solidFill>
+              </a:rPr>
+              <a:t>等号比較</a:t>
+            </a:r>
+          </a:p>
+        </p:txBody>
+      </p:sp>
+      <p:sp>
+        <p:nvSpPr>
+          <p:cNvPr id="13" name="正方形/長方形 12">
+            <a:extLst>
+              <a:ext uri="{FF2B5EF4-FFF2-40B4-BE49-F238E27FC236}">
+                <a16:creationId xmlns:a16="http://schemas.microsoft.com/office/drawing/2014/main" id="{63BCCB6D-6D3A-D747-8BDD-3DDE0CF1B369}"/>
               </a:ext>
             </a:extLst>
           </p:cNvPr>
@@ -7625,8 +7692,8 @@
         </p:nvSpPr>
         <p:spPr>
           <a:xfrm>
-            <a:off x="1763688" y="3789040"/>
-            <a:ext cx="1731564" cy="707886"/>
+            <a:off x="2627784" y="3861048"/>
+            <a:ext cx="1665841" cy="584775"/>
           </a:xfrm>
           <a:prstGeom prst="rect">
             <a:avLst/>
@@ -7642,61 +7709,86 @@
           <a:lstStyle/>
           <a:p>
             <a:r>
-              <a:rPr lang="en-US" altLang="ja-JP" sz="4000" b="0">
-                <a:solidFill>
-                  <a:srgbClr val="B5CEA8"/>
+              <a:rPr lang="en" altLang="ja-JP" sz="3200" b="0">
+                <a:solidFill>
+                  <a:srgbClr val="D4D4D4"/>
                 </a:solidFill>
                 <a:effectLst/>
                 <a:latin typeface="Menlo" panose="020B0609030804020204" pitchFamily="49" charset="0"/>
               </a:rPr>
-              <a:t>4</a:t>
-            </a:r>
-            <a:r>
-              <a:rPr lang="ja-JP" altLang="en-US" sz="4000" b="0">
-                <a:solidFill>
-                  <a:srgbClr val="D4D4D4"/>
-                </a:solidFill>
-                <a:effectLst/>
-                <a:latin typeface="Menlo" panose="020B0609030804020204" pitchFamily="49" charset="0"/>
-              </a:rPr>
-              <a:t> </a:t>
-            </a:r>
-            <a:r>
-              <a:rPr lang="en-US" altLang="ja-JP" sz="4000" b="0">
-                <a:solidFill>
-                  <a:srgbClr val="D4D4D4"/>
-                </a:solidFill>
-                <a:effectLst/>
-                <a:latin typeface="Menlo" panose="020B0609030804020204" pitchFamily="49" charset="0"/>
-              </a:rPr>
-              <a:t>/ </a:t>
-            </a:r>
-            <a:r>
-              <a:rPr lang="en-US" altLang="ja-JP" sz="4000" b="0">
-                <a:solidFill>
-                  <a:srgbClr val="B5CEA8"/>
-                </a:solidFill>
-                <a:effectLst/>
-                <a:latin typeface="Menlo" panose="020B0609030804020204" pitchFamily="49" charset="0"/>
-              </a:rPr>
-              <a:t>2</a:t>
-            </a:r>
-            <a:endParaRPr lang="ja-JP" altLang="en-US" sz="4000" b="0">
-              <a:solidFill>
-                <a:srgbClr val="D4D4D4"/>
-              </a:solidFill>
-              <a:effectLst/>
-              <a:latin typeface="Menlo" panose="020B0609030804020204" pitchFamily="49" charset="0"/>
-            </a:endParaRPr>
-          </a:p>
-        </p:txBody>
-      </p:sp>
-      <p:sp>
-        <p:nvSpPr>
-          <p:cNvPr id="9" name="正方形/長方形 8">
-            <a:extLst>
-              <a:ext uri="{FF2B5EF4-FFF2-40B4-BE49-F238E27FC236}">
-                <a16:creationId xmlns:a16="http://schemas.microsoft.com/office/drawing/2014/main" id="{C7A7A66A-330A-3E47-926B-72CEB733C2F8}"/>
+              <a:t>a == b</a:t>
+            </a:r>
+          </a:p>
+        </p:txBody>
+      </p:sp>
+      <p:sp>
+        <p:nvSpPr>
+          <p:cNvPr id="14" name="テキスト ボックス 13">
+            <a:extLst>
+              <a:ext uri="{FF2B5EF4-FFF2-40B4-BE49-F238E27FC236}">
+                <a16:creationId xmlns:a16="http://schemas.microsoft.com/office/drawing/2014/main" id="{CBF111B9-4BA0-6146-AFFF-FDAB91A220E8}"/>
+              </a:ext>
+            </a:extLst>
+          </p:cNvPr>
+          <p:cNvSpPr txBox="1"/>
+          <p:nvPr/>
+        </p:nvSpPr>
+        <p:spPr>
+          <a:xfrm>
+            <a:off x="4716016" y="3717032"/>
+            <a:ext cx="3195105" cy="830997"/>
+          </a:xfrm>
+          <a:prstGeom prst="rect">
+            <a:avLst/>
+          </a:prstGeom>
+          <a:noFill/>
+        </p:spPr>
+        <p:txBody>
+          <a:bodyPr wrap="none" rtlCol="0">
+            <a:spAutoFit/>
+          </a:bodyPr>
+          <a:lstStyle/>
+          <a:p>
+            <a:r>
+              <a:rPr kumimoji="1" lang="en-US" altLang="ja-JP" sz="2400"/>
+              <a:t>a</a:t>
+            </a:r>
+            <a:r>
+              <a:rPr kumimoji="1" lang="ja-JP" altLang="en-US" sz="2400"/>
+              <a:t>と</a:t>
+            </a:r>
+            <a:r>
+              <a:rPr kumimoji="1" lang="en-US" altLang="ja-JP" sz="2400"/>
+              <a:t>b</a:t>
+            </a:r>
+            <a:r>
+              <a:rPr kumimoji="1" lang="ja-JP" altLang="en-US" sz="2400"/>
+              <a:t>が等しければ</a:t>
+            </a:r>
+            <a:r>
+              <a:rPr kumimoji="1" lang="en-US" altLang="ja-JP" sz="2400"/>
+              <a:t>True</a:t>
+            </a:r>
+            <a:endParaRPr lang="en-US" altLang="ja-JP" sz="2400"/>
+          </a:p>
+          <a:p>
+            <a:r>
+              <a:rPr kumimoji="1" lang="ja-JP" altLang="en-US" sz="2400"/>
+              <a:t>そうでなければ</a:t>
+            </a:r>
+            <a:r>
+              <a:rPr kumimoji="1" lang="en-US" altLang="ja-JP" sz="2400"/>
+              <a:t>False</a:t>
+            </a:r>
+          </a:p>
+        </p:txBody>
+      </p:sp>
+      <p:sp>
+        <p:nvSpPr>
+          <p:cNvPr id="15" name="正方形/長方形 14">
+            <a:extLst>
+              <a:ext uri="{FF2B5EF4-FFF2-40B4-BE49-F238E27FC236}">
+                <a16:creationId xmlns:a16="http://schemas.microsoft.com/office/drawing/2014/main" id="{B2090CFF-A034-5A4B-9A4C-4B346D8A3529}"/>
               </a:ext>
             </a:extLst>
           </p:cNvPr>
@@ -7705,8 +7797,8 @@
         </p:nvSpPr>
         <p:spPr>
           <a:xfrm>
-            <a:off x="5076056" y="3789040"/>
-            <a:ext cx="1112805" cy="707886"/>
+            <a:off x="2627784" y="4725144"/>
+            <a:ext cx="1665841" cy="584775"/>
           </a:xfrm>
           <a:prstGeom prst="rect">
             <a:avLst/>
@@ -7722,85 +7814,24 @@
           <a:lstStyle/>
           <a:p>
             <a:r>
-              <a:rPr lang="en-US" altLang="ja-JP" sz="4000" b="0">
-                <a:solidFill>
-                  <a:srgbClr val="B5CEA8"/>
+              <a:rPr lang="en" altLang="ja-JP" sz="3200" b="0">
+                <a:solidFill>
+                  <a:srgbClr val="D4D4D4"/>
                 </a:solidFill>
                 <a:effectLst/>
                 <a:latin typeface="Menlo" panose="020B0609030804020204" pitchFamily="49" charset="0"/>
               </a:rPr>
-              <a:t>2.0</a:t>
-            </a:r>
-            <a:endParaRPr lang="ja-JP" altLang="en-US" sz="4000" b="0">
-              <a:solidFill>
-                <a:srgbClr val="D4D4D4"/>
-              </a:solidFill>
-              <a:effectLst/>
-              <a:latin typeface="Menlo" panose="020B0609030804020204" pitchFamily="49" charset="0"/>
-            </a:endParaRPr>
-          </a:p>
-        </p:txBody>
-      </p:sp>
-      <p:sp>
-        <p:nvSpPr>
-          <p:cNvPr id="10" name="右矢印 9">
-            <a:extLst>
-              <a:ext uri="{FF2B5EF4-FFF2-40B4-BE49-F238E27FC236}">
-                <a16:creationId xmlns:a16="http://schemas.microsoft.com/office/drawing/2014/main" id="{D709FA8C-4BD8-E343-A296-E65CF84FAF5D}"/>
-              </a:ext>
-            </a:extLst>
-          </p:cNvPr>
-          <p:cNvSpPr/>
-          <p:nvPr/>
-        </p:nvSpPr>
-        <p:spPr>
-          <a:xfrm>
-            <a:off x="4283968" y="3933056"/>
-            <a:ext cx="487954" cy="390363"/>
-          </a:xfrm>
-          <a:prstGeom prst="rightArrow">
-            <a:avLst/>
-          </a:prstGeom>
-          <a:solidFill>
-            <a:srgbClr val="FF0000"/>
-          </a:solidFill>
-          <a:ln>
-            <a:solidFill>
-              <a:schemeClr val="tx1"/>
-            </a:solidFill>
-          </a:ln>
-        </p:spPr>
-        <p:style>
-          <a:lnRef idx="2">
-            <a:schemeClr val="accent1">
-              <a:shade val="50000"/>
-            </a:schemeClr>
-          </a:lnRef>
-          <a:fillRef idx="1">
-            <a:schemeClr val="accent1"/>
-          </a:fillRef>
-          <a:effectRef idx="0">
-            <a:schemeClr val="accent1"/>
-          </a:effectRef>
-          <a:fontRef idx="minor">
-            <a:schemeClr val="lt1"/>
-          </a:fontRef>
-        </p:style>
-        <p:txBody>
-          <a:bodyPr rtlCol="0" anchor="ctr"/>
-          <a:lstStyle/>
-          <a:p>
-            <a:pPr algn="ctr"/>
-            <a:endParaRPr kumimoji="1" lang="ja-JP" altLang="en-US"/>
-          </a:p>
-        </p:txBody>
-      </p:sp>
-      <p:sp>
-        <p:nvSpPr>
-          <p:cNvPr id="11" name="テキスト ボックス 10">
-            <a:extLst>
-              <a:ext uri="{FF2B5EF4-FFF2-40B4-BE49-F238E27FC236}">
-                <a16:creationId xmlns:a16="http://schemas.microsoft.com/office/drawing/2014/main" id="{A51BF86A-4F5A-6D43-92FD-1BAAB7D539CF}"/>
+              <a:t>a != b</a:t>
+            </a:r>
+          </a:p>
+        </p:txBody>
+      </p:sp>
+      <p:sp>
+        <p:nvSpPr>
+          <p:cNvPr id="16" name="テキスト ボックス 15">
+            <a:extLst>
+              <a:ext uri="{FF2B5EF4-FFF2-40B4-BE49-F238E27FC236}">
+                <a16:creationId xmlns:a16="http://schemas.microsoft.com/office/drawing/2014/main" id="{73A3309F-05C8-1143-B438-7019BACAE644}"/>
               </a:ext>
             </a:extLst>
           </p:cNvPr>
@@ -7809,8 +7840,8 @@
         </p:nvSpPr>
         <p:spPr>
           <a:xfrm>
-            <a:off x="323528" y="4941168"/>
-            <a:ext cx="7568097" cy="523220"/>
+            <a:off x="4716016" y="4581128"/>
+            <a:ext cx="3233578" cy="830997"/>
           </a:xfrm>
           <a:prstGeom prst="rect">
             <a:avLst/>
@@ -7824,27 +7855,84 @@
           <a:lstStyle/>
           <a:p>
             <a:r>
-              <a:rPr lang="ja-JP" altLang="en-US" sz="2800"/>
-              <a:t>整数と整数の除算を整数にしたければ</a:t>
-            </a:r>
-            <a:r>
-              <a:rPr lang="en-US" altLang="ja-JP" sz="2800"/>
-              <a:t>//</a:t>
-            </a:r>
-            <a:r>
-              <a:rPr lang="ja-JP" altLang="en-US" sz="2800"/>
-              <a:t>を使う</a:t>
-            </a:r>
-            <a:endParaRPr kumimoji="1" lang="ja-JP" altLang="en-US" sz="2800"/>
-          </a:p>
-        </p:txBody>
-      </p:sp>
-      <p:sp>
-        <p:nvSpPr>
-          <p:cNvPr id="12" name="正方形/長方形 11">
-            <a:extLst>
-              <a:ext uri="{FF2B5EF4-FFF2-40B4-BE49-F238E27FC236}">
-                <a16:creationId xmlns:a16="http://schemas.microsoft.com/office/drawing/2014/main" id="{3E811F95-1D53-6943-9828-3034CA632F67}"/>
+              <a:rPr kumimoji="1" lang="en-US" altLang="ja-JP" sz="2400"/>
+              <a:t>a</a:t>
+            </a:r>
+            <a:r>
+              <a:rPr kumimoji="1" lang="ja-JP" altLang="en-US" sz="2400"/>
+              <a:t>と</a:t>
+            </a:r>
+            <a:r>
+              <a:rPr kumimoji="1" lang="en-US" altLang="ja-JP" sz="2400"/>
+              <a:t>b</a:t>
+            </a:r>
+            <a:r>
+              <a:rPr kumimoji="1" lang="ja-JP" altLang="en-US" sz="2400"/>
+              <a:t>が等しければ</a:t>
+            </a:r>
+            <a:r>
+              <a:rPr kumimoji="1" lang="en-US" altLang="ja-JP" sz="2400"/>
+              <a:t>False</a:t>
+            </a:r>
+            <a:endParaRPr lang="en-US" altLang="ja-JP" sz="2400"/>
+          </a:p>
+          <a:p>
+            <a:r>
+              <a:rPr kumimoji="1" lang="ja-JP" altLang="en-US" sz="2400"/>
+              <a:t>そうでなければ</a:t>
+            </a:r>
+            <a:r>
+              <a:rPr kumimoji="1" lang="en-US" altLang="ja-JP" sz="2400"/>
+              <a:t>True</a:t>
+            </a:r>
+          </a:p>
+        </p:txBody>
+      </p:sp>
+      <p:sp>
+        <p:nvSpPr>
+          <p:cNvPr id="17" name="テキスト ボックス 16">
+            <a:extLst>
+              <a:ext uri="{FF2B5EF4-FFF2-40B4-BE49-F238E27FC236}">
+                <a16:creationId xmlns:a16="http://schemas.microsoft.com/office/drawing/2014/main" id="{E0055858-D60A-0741-A489-A9435D813817}"/>
+              </a:ext>
+            </a:extLst>
+          </p:cNvPr>
+          <p:cNvSpPr txBox="1"/>
+          <p:nvPr/>
+        </p:nvSpPr>
+        <p:spPr>
+          <a:xfrm>
+            <a:off x="0" y="5877272"/>
+            <a:ext cx="2492990" cy="646331"/>
+          </a:xfrm>
+          <a:prstGeom prst="rect">
+            <a:avLst/>
+          </a:prstGeom>
+          <a:noFill/>
+        </p:spPr>
+        <p:txBody>
+          <a:bodyPr wrap="none" rtlCol="0">
+            <a:spAutoFit/>
+          </a:bodyPr>
+          <a:lstStyle/>
+          <a:p>
+            <a:r>
+              <a:rPr kumimoji="1" lang="ja-JP" altLang="en-US" sz="3600">
+                <a:solidFill>
+                  <a:srgbClr val="011893"/>
+                </a:solidFill>
+              </a:rPr>
+              <a:t>不等号比較</a:t>
+            </a:r>
+          </a:p>
+        </p:txBody>
+      </p:sp>
+      <p:sp>
+        <p:nvSpPr>
+          <p:cNvPr id="19" name="正方形/長方形 18">
+            <a:extLst>
+              <a:ext uri="{FF2B5EF4-FFF2-40B4-BE49-F238E27FC236}">
+                <a16:creationId xmlns:a16="http://schemas.microsoft.com/office/drawing/2014/main" id="{291689F3-7DFB-BC4E-A891-FCE5A3EEE916}"/>
               </a:ext>
             </a:extLst>
           </p:cNvPr>
@@ -7853,8 +7941,8 @@
         </p:nvSpPr>
         <p:spPr>
           <a:xfrm>
-            <a:off x="1763688" y="5661248"/>
-            <a:ext cx="2040943" cy="707886"/>
+            <a:off x="2771800" y="5949280"/>
+            <a:ext cx="1418978" cy="584775"/>
           </a:xfrm>
           <a:prstGeom prst="rect">
             <a:avLst/>
@@ -7870,61 +7958,24 @@
           <a:lstStyle/>
           <a:p>
             <a:r>
-              <a:rPr lang="en-US" altLang="ja-JP" sz="4000" b="0">
-                <a:solidFill>
-                  <a:srgbClr val="B5CEA8"/>
+              <a:rPr lang="en" altLang="ja-JP" sz="3200" b="0">
+                <a:solidFill>
+                  <a:srgbClr val="D4D4D4"/>
                 </a:solidFill>
                 <a:effectLst/>
                 <a:latin typeface="Menlo" panose="020B0609030804020204" pitchFamily="49" charset="0"/>
               </a:rPr>
-              <a:t>4</a:t>
-            </a:r>
-            <a:r>
-              <a:rPr lang="ja-JP" altLang="en-US" sz="4000" b="0">
-                <a:solidFill>
-                  <a:srgbClr val="D4D4D4"/>
-                </a:solidFill>
-                <a:effectLst/>
-                <a:latin typeface="Menlo" panose="020B0609030804020204" pitchFamily="49" charset="0"/>
-              </a:rPr>
-              <a:t> </a:t>
-            </a:r>
-            <a:r>
-              <a:rPr lang="en-US" altLang="ja-JP" sz="4000" b="0">
-                <a:solidFill>
-                  <a:srgbClr val="D4D4D4"/>
-                </a:solidFill>
-                <a:effectLst/>
-                <a:latin typeface="Menlo" panose="020B0609030804020204" pitchFamily="49" charset="0"/>
-              </a:rPr>
-              <a:t>// </a:t>
-            </a:r>
-            <a:r>
-              <a:rPr lang="en-US" altLang="ja-JP" sz="4000" b="0">
-                <a:solidFill>
-                  <a:srgbClr val="B5CEA8"/>
-                </a:solidFill>
-                <a:effectLst/>
-                <a:latin typeface="Menlo" panose="020B0609030804020204" pitchFamily="49" charset="0"/>
-              </a:rPr>
-              <a:t>2</a:t>
-            </a:r>
-            <a:endParaRPr lang="ja-JP" altLang="en-US" sz="4000" b="0">
-              <a:solidFill>
-                <a:srgbClr val="D4D4D4"/>
-              </a:solidFill>
-              <a:effectLst/>
-              <a:latin typeface="Menlo" panose="020B0609030804020204" pitchFamily="49" charset="0"/>
-            </a:endParaRPr>
-          </a:p>
-        </p:txBody>
-      </p:sp>
-      <p:sp>
-        <p:nvSpPr>
-          <p:cNvPr id="13" name="正方形/長方形 12">
-            <a:extLst>
-              <a:ext uri="{FF2B5EF4-FFF2-40B4-BE49-F238E27FC236}">
-                <a16:creationId xmlns:a16="http://schemas.microsoft.com/office/drawing/2014/main" id="{F921C87A-5682-8E41-B3B5-9BA7C9902793}"/>
+              <a:t>a &gt; b</a:t>
+            </a:r>
+          </a:p>
+        </p:txBody>
+      </p:sp>
+      <p:sp>
+        <p:nvSpPr>
+          <p:cNvPr id="20" name="正方形/長方形 19">
+            <a:extLst>
+              <a:ext uri="{FF2B5EF4-FFF2-40B4-BE49-F238E27FC236}">
+                <a16:creationId xmlns:a16="http://schemas.microsoft.com/office/drawing/2014/main" id="{1D601BF8-596C-9243-B93E-9AE4744DA94A}"/>
               </a:ext>
             </a:extLst>
           </p:cNvPr>
@@ -7933,8 +7984,8 @@
         </p:nvSpPr>
         <p:spPr>
           <a:xfrm>
-            <a:off x="5076056" y="5661248"/>
-            <a:ext cx="1080120" cy="720080"/>
+            <a:off x="4716016" y="5949280"/>
+            <a:ext cx="1665841" cy="584775"/>
           </a:xfrm>
           <a:prstGeom prst="rect">
             <a:avLst/>
@@ -7944,89 +7995,28 @@
           </a:solidFill>
         </p:spPr>
         <p:txBody>
-          <a:bodyPr wrap="square">
+          <a:bodyPr wrap="none">
             <a:spAutoFit/>
           </a:bodyPr>
           <a:lstStyle/>
           <a:p>
             <a:r>
-              <a:rPr lang="en-US" altLang="ja-JP" sz="4000" b="0">
-                <a:solidFill>
-                  <a:srgbClr val="B5CEA8"/>
+              <a:rPr lang="en" altLang="ja-JP" sz="3200" b="0">
+                <a:solidFill>
+                  <a:srgbClr val="D4D4D4"/>
                 </a:solidFill>
                 <a:effectLst/>
                 <a:latin typeface="Menlo" panose="020B0609030804020204" pitchFamily="49" charset="0"/>
               </a:rPr>
-              <a:t>2</a:t>
-            </a:r>
-            <a:endParaRPr lang="ja-JP" altLang="en-US" sz="4000" b="0">
-              <a:solidFill>
-                <a:srgbClr val="D4D4D4"/>
-              </a:solidFill>
-              <a:effectLst/>
-              <a:latin typeface="Menlo" panose="020B0609030804020204" pitchFamily="49" charset="0"/>
-            </a:endParaRPr>
-          </a:p>
-        </p:txBody>
-      </p:sp>
-      <p:sp>
-        <p:nvSpPr>
-          <p:cNvPr id="14" name="右矢印 13">
-            <a:extLst>
-              <a:ext uri="{FF2B5EF4-FFF2-40B4-BE49-F238E27FC236}">
-                <a16:creationId xmlns:a16="http://schemas.microsoft.com/office/drawing/2014/main" id="{A3269DF1-8278-704E-A704-2A9B16462702}"/>
-              </a:ext>
-            </a:extLst>
-          </p:cNvPr>
-          <p:cNvSpPr/>
-          <p:nvPr/>
-        </p:nvSpPr>
-        <p:spPr>
-          <a:xfrm>
-            <a:off x="4283968" y="5805264"/>
-            <a:ext cx="487954" cy="390363"/>
-          </a:xfrm>
-          <a:prstGeom prst="rightArrow">
-            <a:avLst/>
-          </a:prstGeom>
-          <a:solidFill>
-            <a:srgbClr val="FF0000"/>
-          </a:solidFill>
-          <a:ln>
-            <a:solidFill>
-              <a:schemeClr val="tx1"/>
-            </a:solidFill>
-          </a:ln>
-        </p:spPr>
-        <p:style>
-          <a:lnRef idx="2">
-            <a:schemeClr val="accent1">
-              <a:shade val="50000"/>
-            </a:schemeClr>
-          </a:lnRef>
-          <a:fillRef idx="1">
-            <a:schemeClr val="accent1"/>
-          </a:fillRef>
-          <a:effectRef idx="0">
-            <a:schemeClr val="accent1"/>
-          </a:effectRef>
-          <a:fontRef idx="minor">
-            <a:schemeClr val="lt1"/>
-          </a:fontRef>
-        </p:style>
-        <p:txBody>
-          <a:bodyPr rtlCol="0" anchor="ctr"/>
-          <a:lstStyle/>
-          <a:p>
-            <a:pPr algn="ctr"/>
-            <a:endParaRPr kumimoji="1" lang="ja-JP" altLang="en-US"/>
+              <a:t>a &gt;= b</a:t>
+            </a:r>
           </a:p>
         </p:txBody>
       </p:sp>
     </p:spTree>
     <p:extLst>
       <p:ext uri="{BB962C8B-B14F-4D97-AF65-F5344CB8AC3E}">
-        <p14:creationId xmlns:p14="http://schemas.microsoft.com/office/powerpoint/2010/main" val="805038024"/>
+        <p14:creationId xmlns:p14="http://schemas.microsoft.com/office/powerpoint/2010/main" val="959262903"/>
       </p:ext>
     </p:extLst>
   </p:cSld>
@@ -8058,7 +8048,7 @@
           <p:cNvPr id="2" name="テキスト プレースホルダー 1">
             <a:extLst>
               <a:ext uri="{FF2B5EF4-FFF2-40B4-BE49-F238E27FC236}">
-                <a16:creationId xmlns:a16="http://schemas.microsoft.com/office/drawing/2014/main" id="{A0E5212A-8F18-CC49-92DD-0D2AD5D319B0}"/>
+                <a16:creationId xmlns:a16="http://schemas.microsoft.com/office/drawing/2014/main" id="{63E10C97-1919-2E4C-9C26-2CCBDB2B3469}"/>
               </a:ext>
             </a:extLst>
           </p:cNvPr>
@@ -8075,12 +8065,16 @@
           <a:lstStyle/>
           <a:p>
             <a:r>
-              <a:rPr lang="ja-JP" altLang="en-US"/>
-              <a:t>演算の注意</a:t>
+              <a:rPr kumimoji="1" lang="ja-JP" altLang="en-US"/>
+              <a:t>演算や比較の注意</a:t>
+            </a:r>
+            <a:r>
+              <a:rPr kumimoji="1" lang="en-US" altLang="ja-JP"/>
+              <a:t>(</a:t>
             </a:r>
             <a:r>
               <a:rPr lang="en-US" altLang="ja-JP"/>
-              <a:t>(2/2)</a:t>
+              <a:t>1/2)</a:t>
             </a:r>
             <a:endParaRPr kumimoji="1" lang="ja-JP" altLang="en-US"/>
           </a:p>
@@ -8088,10 +8082,46 @@
       </p:sp>
       <p:sp>
         <p:nvSpPr>
-          <p:cNvPr id="3" name="正方形/長方形 2">
-            <a:extLst>
-              <a:ext uri="{FF2B5EF4-FFF2-40B4-BE49-F238E27FC236}">
-                <a16:creationId xmlns:a16="http://schemas.microsoft.com/office/drawing/2014/main" id="{9C6C6ABD-3E78-934E-86C1-BF1C7C364ACF}"/>
+          <p:cNvPr id="3" name="テキスト ボックス 2">
+            <a:extLst>
+              <a:ext uri="{FF2B5EF4-FFF2-40B4-BE49-F238E27FC236}">
+                <a16:creationId xmlns:a16="http://schemas.microsoft.com/office/drawing/2014/main" id="{FB871A24-D50F-AC4C-B9AE-40C4BE72396A}"/>
+              </a:ext>
+            </a:extLst>
+          </p:cNvPr>
+          <p:cNvSpPr txBox="1"/>
+          <p:nvPr/>
+        </p:nvSpPr>
+        <p:spPr>
+          <a:xfrm>
+            <a:off x="337934" y="1268760"/>
+            <a:ext cx="8802410" cy="523220"/>
+          </a:xfrm>
+          <a:prstGeom prst="rect">
+            <a:avLst/>
+          </a:prstGeom>
+          <a:noFill/>
+        </p:spPr>
+        <p:txBody>
+          <a:bodyPr wrap="none" rtlCol="0">
+            <a:spAutoFit/>
+          </a:bodyPr>
+          <a:lstStyle/>
+          <a:p>
+            <a:r>
+              <a:rPr lang="ja-JP" altLang="en-US" sz="2800"/>
+              <a:t>整数と浮動小数点数の演算結果は浮動小数点数になる</a:t>
+            </a:r>
+            <a:endParaRPr kumimoji="1" lang="ja-JP" altLang="en-US" sz="2800"/>
+          </a:p>
+        </p:txBody>
+      </p:sp>
+      <p:sp>
+        <p:nvSpPr>
+          <p:cNvPr id="4" name="正方形/長方形 3">
+            <a:extLst>
+              <a:ext uri="{FF2B5EF4-FFF2-40B4-BE49-F238E27FC236}">
+                <a16:creationId xmlns:a16="http://schemas.microsoft.com/office/drawing/2014/main" id="{3FFDB724-2498-E445-B128-7665DEDEF84D}"/>
               </a:ext>
             </a:extLst>
           </p:cNvPr>
@@ -8100,8 +8130,8 @@
         </p:nvSpPr>
         <p:spPr>
           <a:xfrm>
-            <a:off x="395536" y="2060848"/>
-            <a:ext cx="4344459" cy="646331"/>
+            <a:off x="1763688" y="2132856"/>
+            <a:ext cx="2350323" cy="707886"/>
           </a:xfrm>
           <a:prstGeom prst="rect">
             <a:avLst/>
@@ -8117,17 +8147,17 @@
           <a:lstStyle/>
           <a:p>
             <a:r>
-              <a:rPr lang="en-US" altLang="ja-JP" sz="3600" b="0">
+              <a:rPr lang="en-US" altLang="ja-JP" sz="4000" b="0">
                 <a:solidFill>
                   <a:srgbClr val="B5CEA8"/>
                 </a:solidFill>
                 <a:effectLst/>
                 <a:latin typeface="Menlo" panose="020B0609030804020204" pitchFamily="49" charset="0"/>
               </a:rPr>
-              <a:t>0.1</a:t>
-            </a:r>
-            <a:r>
-              <a:rPr lang="ja-JP" altLang="en-US" sz="3600" b="0">
+              <a:t>1</a:t>
+            </a:r>
+            <a:r>
+              <a:rPr lang="ja-JP" altLang="en-US" sz="4000" b="0">
                 <a:solidFill>
                   <a:srgbClr val="D4D4D4"/>
                 </a:solidFill>
@@ -8137,7 +8167,7 @@
               <a:t> </a:t>
             </a:r>
             <a:r>
-              <a:rPr lang="en-US" altLang="ja-JP" sz="3600" b="0">
+              <a:rPr lang="en-US" altLang="ja-JP" sz="4000" b="0">
                 <a:solidFill>
                   <a:srgbClr val="D4D4D4"/>
                 </a:solidFill>
@@ -8147,46 +8177,16 @@
               <a:t>+ </a:t>
             </a:r>
             <a:r>
-              <a:rPr lang="en-US" altLang="ja-JP" sz="3600" b="0">
+              <a:rPr lang="en-US" altLang="ja-JP" sz="4000" b="0">
                 <a:solidFill>
                   <a:srgbClr val="B5CEA8"/>
                 </a:solidFill>
                 <a:effectLst/>
                 <a:latin typeface="Menlo" panose="020B0609030804020204" pitchFamily="49" charset="0"/>
               </a:rPr>
-              <a:t>0.1</a:t>
-            </a:r>
-            <a:r>
-              <a:rPr lang="ja-JP" altLang="en-US" sz="3600" b="0">
-                <a:solidFill>
-                  <a:srgbClr val="D4D4D4"/>
-                </a:solidFill>
-                <a:effectLst/>
-                <a:latin typeface="Menlo" panose="020B0609030804020204" pitchFamily="49" charset="0"/>
-              </a:rPr>
-              <a:t> </a:t>
-            </a:r>
-            <a:r>
-              <a:rPr lang="en-US" altLang="ja-JP" sz="3600" b="0">
-                <a:solidFill>
-                  <a:srgbClr val="D4D4D4"/>
-                </a:solidFill>
-                <a:effectLst/>
-                <a:latin typeface="Menlo" panose="020B0609030804020204" pitchFamily="49" charset="0"/>
-              </a:rPr>
-              <a:t>+ </a:t>
-            </a:r>
-            <a:r>
-              <a:rPr lang="en-US" altLang="ja-JP" sz="3600" b="0">
-                <a:solidFill>
-                  <a:srgbClr val="B5CEA8"/>
-                </a:solidFill>
-                <a:effectLst/>
-                <a:latin typeface="Menlo" panose="020B0609030804020204" pitchFamily="49" charset="0"/>
-              </a:rPr>
-              <a:t>0.1</a:t>
-            </a:r>
-            <a:endParaRPr lang="ja-JP" altLang="en-US" sz="3600" b="0">
+              <a:t>1.0</a:t>
+            </a:r>
+            <a:endParaRPr lang="ja-JP" altLang="en-US" sz="4000" b="0">
               <a:solidFill>
                 <a:srgbClr val="D4D4D4"/>
               </a:solidFill>
@@ -8201,7 +8201,7 @@
           <p:cNvPr id="5" name="正方形/長方形 4">
             <a:extLst>
               <a:ext uri="{FF2B5EF4-FFF2-40B4-BE49-F238E27FC236}">
-                <a16:creationId xmlns:a16="http://schemas.microsoft.com/office/drawing/2014/main" id="{2D0DD487-A2A0-C64E-B216-266E3F0D2E05}"/>
+                <a16:creationId xmlns:a16="http://schemas.microsoft.com/office/drawing/2014/main" id="{1C98FAC1-2313-A241-9DAF-7D37A05E3E9D}"/>
               </a:ext>
             </a:extLst>
           </p:cNvPr>
@@ -8210,8 +8210,8 @@
         </p:nvSpPr>
         <p:spPr>
           <a:xfrm>
-            <a:off x="3419872" y="2924944"/>
-            <a:ext cx="5453737" cy="646331"/>
+            <a:off x="5148064" y="2132856"/>
+            <a:ext cx="1112805" cy="707886"/>
           </a:xfrm>
           <a:prstGeom prst="rect">
             <a:avLst/>
@@ -8227,16 +8227,16 @@
           <a:lstStyle/>
           <a:p>
             <a:r>
-              <a:rPr lang="en-US" altLang="ja-JP" sz="3600" b="0">
+              <a:rPr lang="en-US" altLang="ja-JP" sz="4000" b="0">
                 <a:solidFill>
                   <a:srgbClr val="B5CEA8"/>
                 </a:solidFill>
                 <a:effectLst/>
                 <a:latin typeface="Menlo" panose="020B0609030804020204" pitchFamily="49" charset="0"/>
               </a:rPr>
-              <a:t>0.30000000000000004</a:t>
-            </a:r>
-            <a:endParaRPr lang="ja-JP" altLang="en-US" sz="3600" b="0">
+              <a:t>2.0</a:t>
+            </a:r>
+            <a:endParaRPr lang="ja-JP" altLang="en-US" sz="4000" b="0">
               <a:solidFill>
                 <a:srgbClr val="D4D4D4"/>
               </a:solidFill>
@@ -8251,7 +8251,7 @@
           <p:cNvPr id="6" name="右矢印 5">
             <a:extLst>
               <a:ext uri="{FF2B5EF4-FFF2-40B4-BE49-F238E27FC236}">
-                <a16:creationId xmlns:a16="http://schemas.microsoft.com/office/drawing/2014/main" id="{83518F6E-748B-1542-9157-527660EEE834}"/>
+                <a16:creationId xmlns:a16="http://schemas.microsoft.com/office/drawing/2014/main" id="{6F98764E-6CFB-164B-806B-DD8955EA6878}"/>
               </a:ext>
             </a:extLst>
           </p:cNvPr>
@@ -8260,7 +8260,7 @@
         </p:nvSpPr>
         <p:spPr>
           <a:xfrm>
-            <a:off x="2699792" y="3068960"/>
+            <a:off x="4355976" y="2276872"/>
             <a:ext cx="487954" cy="390363"/>
           </a:xfrm>
           <a:prstGeom prst="rightArrow">
@@ -8302,10 +8302,46 @@
       </p:sp>
       <p:sp>
         <p:nvSpPr>
-          <p:cNvPr id="7" name="円/楕円 6">
-            <a:extLst>
-              <a:ext uri="{FF2B5EF4-FFF2-40B4-BE49-F238E27FC236}">
-                <a16:creationId xmlns:a16="http://schemas.microsoft.com/office/drawing/2014/main" id="{4867B341-4A87-3044-AF1C-638E501243CF}"/>
+          <p:cNvPr id="7" name="テキスト ボックス 6">
+            <a:extLst>
+              <a:ext uri="{FF2B5EF4-FFF2-40B4-BE49-F238E27FC236}">
+                <a16:creationId xmlns:a16="http://schemas.microsoft.com/office/drawing/2014/main" id="{AB95A84C-47B9-D945-9B01-39D33BB85435}"/>
+              </a:ext>
+            </a:extLst>
+          </p:cNvPr>
+          <p:cNvSpPr txBox="1"/>
+          <p:nvPr/>
+        </p:nvSpPr>
+        <p:spPr>
+          <a:xfrm>
+            <a:off x="308654" y="3140968"/>
+            <a:ext cx="6647974" cy="523220"/>
+          </a:xfrm>
+          <a:prstGeom prst="rect">
+            <a:avLst/>
+          </a:prstGeom>
+          <a:noFill/>
+        </p:spPr>
+        <p:txBody>
+          <a:bodyPr wrap="none" rtlCol="0">
+            <a:spAutoFit/>
+          </a:bodyPr>
+          <a:lstStyle/>
+          <a:p>
+            <a:r>
+              <a:rPr lang="ja-JP" altLang="en-US" sz="2800"/>
+              <a:t>整数と整数の除算は浮動小数点数になる</a:t>
+            </a:r>
+            <a:endParaRPr kumimoji="1" lang="ja-JP" altLang="en-US" sz="2800"/>
+          </a:p>
+        </p:txBody>
+      </p:sp>
+      <p:sp>
+        <p:nvSpPr>
+          <p:cNvPr id="8" name="正方形/長方形 7">
+            <a:extLst>
+              <a:ext uri="{FF2B5EF4-FFF2-40B4-BE49-F238E27FC236}">
+                <a16:creationId xmlns:a16="http://schemas.microsoft.com/office/drawing/2014/main" id="{CE6EDF33-F8C6-014A-A3C8-4EF1459352C6}"/>
               </a:ext>
             </a:extLst>
           </p:cNvPr>
@@ -8314,60 +8350,8 @@
         </p:nvSpPr>
         <p:spPr>
           <a:xfrm>
-            <a:off x="8316416" y="2780928"/>
-            <a:ext cx="648072" cy="864096"/>
-          </a:xfrm>
-          <a:prstGeom prst="ellipse">
-            <a:avLst/>
-          </a:prstGeom>
-          <a:noFill/>
-          <a:ln w="38100">
-            <a:solidFill>
-              <a:srgbClr val="FF0000"/>
-            </a:solidFill>
-          </a:ln>
-        </p:spPr>
-        <p:style>
-          <a:lnRef idx="2">
-            <a:schemeClr val="accent1">
-              <a:shade val="50000"/>
-            </a:schemeClr>
-          </a:lnRef>
-          <a:fillRef idx="1">
-            <a:schemeClr val="accent1"/>
-          </a:fillRef>
-          <a:effectRef idx="0">
-            <a:schemeClr val="accent1"/>
-          </a:effectRef>
-          <a:fontRef idx="minor">
-            <a:schemeClr val="lt1"/>
-          </a:fontRef>
-        </p:style>
-        <p:txBody>
-          <a:bodyPr rtlCol="0" anchor="ctr"/>
-          <a:lstStyle/>
-          <a:p>
-            <a:pPr algn="ctr"/>
-            <a:endParaRPr kumimoji="1" lang="ja-JP" altLang="en-US"/>
-          </a:p>
-        </p:txBody>
-      </p:sp>
-      <p:sp>
-        <p:nvSpPr>
-          <p:cNvPr id="8" name="正方形/長方形 7">
-            <a:extLst>
-              <a:ext uri="{FF2B5EF4-FFF2-40B4-BE49-F238E27FC236}">
-                <a16:creationId xmlns:a16="http://schemas.microsoft.com/office/drawing/2014/main" id="{5EC19D51-55CF-7A4F-ACEA-405CE58A48AE}"/>
-              </a:ext>
-            </a:extLst>
-          </p:cNvPr>
-          <p:cNvSpPr/>
-          <p:nvPr/>
-        </p:nvSpPr>
-        <p:spPr>
-          <a:xfrm>
-            <a:off x="467544" y="4221088"/>
-            <a:ext cx="3647152" cy="523220"/>
+            <a:off x="1763688" y="3789040"/>
+            <a:ext cx="1731564" cy="707886"/>
           </a:xfrm>
           <a:prstGeom prst="rect">
             <a:avLst/>
@@ -8383,17 +8367,17 @@
           <a:lstStyle/>
           <a:p>
             <a:r>
-              <a:rPr lang="en-US" altLang="ja-JP" sz="2800" b="0">
+              <a:rPr lang="en-US" altLang="ja-JP" sz="4000" b="0">
                 <a:solidFill>
                   <a:srgbClr val="B5CEA8"/>
                 </a:solidFill>
                 <a:effectLst/>
                 <a:latin typeface="Menlo" panose="020B0609030804020204" pitchFamily="49" charset="0"/>
               </a:rPr>
-              <a:t>0.1</a:t>
-            </a:r>
-            <a:r>
-              <a:rPr lang="ja-JP" altLang="en-US" sz="2800" b="0">
+              <a:t>4</a:t>
+            </a:r>
+            <a:r>
+              <a:rPr lang="ja-JP" altLang="en-US" sz="4000" b="0">
                 <a:solidFill>
                   <a:srgbClr val="D4D4D4"/>
                 </a:solidFill>
@@ -8403,56 +8387,26 @@
               <a:t> </a:t>
             </a:r>
             <a:r>
-              <a:rPr lang="en-US" altLang="ja-JP" sz="2800" b="0">
+              <a:rPr lang="en-US" altLang="ja-JP" sz="4000" b="0">
                 <a:solidFill>
                   <a:srgbClr val="D4D4D4"/>
                 </a:solidFill>
                 <a:effectLst/>
                 <a:latin typeface="Menlo" panose="020B0609030804020204" pitchFamily="49" charset="0"/>
               </a:rPr>
-              <a:t>+ </a:t>
-            </a:r>
-            <a:r>
-              <a:rPr lang="en-US" altLang="ja-JP" sz="2800" b="0">
+              <a:t>/ </a:t>
+            </a:r>
+            <a:r>
+              <a:rPr lang="en-US" altLang="ja-JP" sz="4000" b="0">
                 <a:solidFill>
                   <a:srgbClr val="B5CEA8"/>
                 </a:solidFill>
                 <a:effectLst/>
                 <a:latin typeface="Menlo" panose="020B0609030804020204" pitchFamily="49" charset="0"/>
               </a:rPr>
-              <a:t>0.1</a:t>
-            </a:r>
-            <a:r>
-              <a:rPr lang="ja-JP" altLang="en-US" sz="2800" b="0">
-                <a:solidFill>
-                  <a:srgbClr val="D4D4D4"/>
-                </a:solidFill>
-                <a:effectLst/>
-                <a:latin typeface="Menlo" panose="020B0609030804020204" pitchFamily="49" charset="0"/>
-              </a:rPr>
-              <a:t> </a:t>
-            </a:r>
-            <a:r>
-              <a:rPr lang="en-US" altLang="ja-JP" sz="2800" b="0">
-                <a:solidFill>
-                  <a:srgbClr val="D4D4D4"/>
-                </a:solidFill>
-                <a:effectLst/>
-                <a:latin typeface="Menlo" panose="020B0609030804020204" pitchFamily="49" charset="0"/>
-              </a:rPr>
-              <a:t>== </a:t>
-            </a:r>
-            <a:r>
-              <a:rPr lang="en-US" altLang="ja-JP" sz="2800" b="0">
-                <a:solidFill>
-                  <a:srgbClr val="B5CEA8"/>
-                </a:solidFill>
-                <a:effectLst/>
-                <a:latin typeface="Menlo" panose="020B0609030804020204" pitchFamily="49" charset="0"/>
-              </a:rPr>
-              <a:t>0.2</a:t>
-            </a:r>
-            <a:endParaRPr lang="ja-JP" altLang="en-US" sz="2800" b="0">
+              <a:t>2</a:t>
+            </a:r>
+            <a:endParaRPr lang="ja-JP" altLang="en-US" sz="4000" b="0">
               <a:solidFill>
                 <a:srgbClr val="D4D4D4"/>
               </a:solidFill>
@@ -8464,10 +8418,10 @@
       </p:sp>
       <p:sp>
         <p:nvSpPr>
-          <p:cNvPr id="9" name="右矢印 8">
-            <a:extLst>
-              <a:ext uri="{FF2B5EF4-FFF2-40B4-BE49-F238E27FC236}">
-                <a16:creationId xmlns:a16="http://schemas.microsoft.com/office/drawing/2014/main" id="{FA019E7A-678C-E247-AA0A-CC8D737055E3}"/>
+          <p:cNvPr id="9" name="正方形/長方形 8">
+            <a:extLst>
+              <a:ext uri="{FF2B5EF4-FFF2-40B4-BE49-F238E27FC236}">
+                <a16:creationId xmlns:a16="http://schemas.microsoft.com/office/drawing/2014/main" id="{C7A7A66A-330A-3E47-926B-72CEB733C2F8}"/>
               </a:ext>
             </a:extLst>
           </p:cNvPr>
@@ -8476,7 +8430,57 @@
         </p:nvSpPr>
         <p:spPr>
           <a:xfrm>
-            <a:off x="4355976" y="4293096"/>
+            <a:off x="5076056" y="3789040"/>
+            <a:ext cx="1112805" cy="707886"/>
+          </a:xfrm>
+          <a:prstGeom prst="rect">
+            <a:avLst/>
+          </a:prstGeom>
+          <a:solidFill>
+            <a:schemeClr val="tx1"/>
+          </a:solidFill>
+        </p:spPr>
+        <p:txBody>
+          <a:bodyPr wrap="none">
+            <a:spAutoFit/>
+          </a:bodyPr>
+          <a:lstStyle/>
+          <a:p>
+            <a:r>
+              <a:rPr lang="en-US" altLang="ja-JP" sz="4000" b="0">
+                <a:solidFill>
+                  <a:srgbClr val="B5CEA8"/>
+                </a:solidFill>
+                <a:effectLst/>
+                <a:latin typeface="Menlo" panose="020B0609030804020204" pitchFamily="49" charset="0"/>
+              </a:rPr>
+              <a:t>2.0</a:t>
+            </a:r>
+            <a:endParaRPr lang="ja-JP" altLang="en-US" sz="4000" b="0">
+              <a:solidFill>
+                <a:srgbClr val="D4D4D4"/>
+              </a:solidFill>
+              <a:effectLst/>
+              <a:latin typeface="Menlo" panose="020B0609030804020204" pitchFamily="49" charset="0"/>
+            </a:endParaRPr>
+          </a:p>
+        </p:txBody>
+      </p:sp>
+      <p:sp>
+        <p:nvSpPr>
+          <p:cNvPr id="10" name="右矢印 9">
+            <a:extLst>
+              <a:ext uri="{FF2B5EF4-FFF2-40B4-BE49-F238E27FC236}">
+                <a16:creationId xmlns:a16="http://schemas.microsoft.com/office/drawing/2014/main" id="{D709FA8C-4BD8-E343-A296-E65CF84FAF5D}"/>
+              </a:ext>
+            </a:extLst>
+          </p:cNvPr>
+          <p:cNvSpPr/>
+          <p:nvPr/>
+        </p:nvSpPr>
+        <p:spPr>
+          <a:xfrm>
+            <a:off x="4283968" y="3933056"/>
             <a:ext cx="487954" cy="390363"/>
           </a:xfrm>
           <a:prstGeom prst="rightArrow">
@@ -8518,10 +8522,54 @@
       </p:sp>
       <p:sp>
         <p:nvSpPr>
-          <p:cNvPr id="10" name="正方形/長方形 9">
-            <a:extLst>
-              <a:ext uri="{FF2B5EF4-FFF2-40B4-BE49-F238E27FC236}">
-                <a16:creationId xmlns:a16="http://schemas.microsoft.com/office/drawing/2014/main" id="{9D39CBB4-FD68-D94D-AE36-7A442B941630}"/>
+          <p:cNvPr id="11" name="テキスト ボックス 10">
+            <a:extLst>
+              <a:ext uri="{FF2B5EF4-FFF2-40B4-BE49-F238E27FC236}">
+                <a16:creationId xmlns:a16="http://schemas.microsoft.com/office/drawing/2014/main" id="{A51BF86A-4F5A-6D43-92FD-1BAAB7D539CF}"/>
+              </a:ext>
+            </a:extLst>
+          </p:cNvPr>
+          <p:cNvSpPr txBox="1"/>
+          <p:nvPr/>
+        </p:nvSpPr>
+        <p:spPr>
+          <a:xfrm>
+            <a:off x="323528" y="4941168"/>
+            <a:ext cx="7568097" cy="523220"/>
+          </a:xfrm>
+          <a:prstGeom prst="rect">
+            <a:avLst/>
+          </a:prstGeom>
+          <a:noFill/>
+        </p:spPr>
+        <p:txBody>
+          <a:bodyPr wrap="none" rtlCol="0">
+            <a:spAutoFit/>
+          </a:bodyPr>
+          <a:lstStyle/>
+          <a:p>
+            <a:r>
+              <a:rPr lang="ja-JP" altLang="en-US" sz="2800"/>
+              <a:t>整数と整数の除算を整数にしたければ</a:t>
+            </a:r>
+            <a:r>
+              <a:rPr lang="en-US" altLang="ja-JP" sz="2800"/>
+              <a:t>//</a:t>
+            </a:r>
+            <a:r>
+              <a:rPr lang="ja-JP" altLang="en-US" sz="2800"/>
+              <a:t>を使う</a:t>
+            </a:r>
+            <a:endParaRPr kumimoji="1" lang="ja-JP" altLang="en-US" sz="2800"/>
+          </a:p>
+        </p:txBody>
+      </p:sp>
+      <p:sp>
+        <p:nvSpPr>
+          <p:cNvPr id="12" name="正方形/長方形 11">
+            <a:extLst>
+              <a:ext uri="{FF2B5EF4-FFF2-40B4-BE49-F238E27FC236}">
+                <a16:creationId xmlns:a16="http://schemas.microsoft.com/office/drawing/2014/main" id="{3E811F95-1D53-6943-9828-3034CA632F67}"/>
               </a:ext>
             </a:extLst>
           </p:cNvPr>
@@ -8530,8 +8578,8 @@
         </p:nvSpPr>
         <p:spPr>
           <a:xfrm>
-            <a:off x="5148064" y="4221088"/>
-            <a:ext cx="1050288" cy="523220"/>
+            <a:off x="1763688" y="5661248"/>
+            <a:ext cx="2040943" cy="707886"/>
           </a:xfrm>
           <a:prstGeom prst="rect">
             <a:avLst/>
@@ -8547,16 +8595,46 @@
           <a:lstStyle/>
           <a:p>
             <a:r>
-              <a:rPr lang="en" altLang="ja-JP" sz="2800" b="0">
-                <a:solidFill>
-                  <a:srgbClr val="569CD6"/>
+              <a:rPr lang="en-US" altLang="ja-JP" sz="4000" b="0">
+                <a:solidFill>
+                  <a:srgbClr val="B5CEA8"/>
                 </a:solidFill>
                 <a:effectLst/>
                 <a:latin typeface="Menlo" panose="020B0609030804020204" pitchFamily="49" charset="0"/>
               </a:rPr>
-              <a:t>True</a:t>
-            </a:r>
-            <a:endParaRPr lang="en" altLang="ja-JP" sz="2800" b="0">
+              <a:t>4</a:t>
+            </a:r>
+            <a:r>
+              <a:rPr lang="ja-JP" altLang="en-US" sz="4000" b="0">
+                <a:solidFill>
+                  <a:srgbClr val="D4D4D4"/>
+                </a:solidFill>
+                <a:effectLst/>
+                <a:latin typeface="Menlo" panose="020B0609030804020204" pitchFamily="49" charset="0"/>
+              </a:rPr>
+              <a:t> </a:t>
+            </a:r>
+            <a:r>
+              <a:rPr lang="en-US" altLang="ja-JP" sz="4000" b="0">
+                <a:solidFill>
+                  <a:srgbClr val="D4D4D4"/>
+                </a:solidFill>
+                <a:effectLst/>
+                <a:latin typeface="Menlo" panose="020B0609030804020204" pitchFamily="49" charset="0"/>
+              </a:rPr>
+              <a:t>// </a:t>
+            </a:r>
+            <a:r>
+              <a:rPr lang="en-US" altLang="ja-JP" sz="4000" b="0">
+                <a:solidFill>
+                  <a:srgbClr val="B5CEA8"/>
+                </a:solidFill>
+                <a:effectLst/>
+                <a:latin typeface="Menlo" panose="020B0609030804020204" pitchFamily="49" charset="0"/>
+              </a:rPr>
+              <a:t>2</a:t>
+            </a:r>
+            <a:endParaRPr lang="ja-JP" altLang="en-US" sz="4000" b="0">
               <a:solidFill>
                 <a:srgbClr val="D4D4D4"/>
               </a:solidFill>
@@ -8568,10 +8646,10 @@
       </p:sp>
       <p:sp>
         <p:nvSpPr>
-          <p:cNvPr id="11" name="正方形/長方形 10">
-            <a:extLst>
-              <a:ext uri="{FF2B5EF4-FFF2-40B4-BE49-F238E27FC236}">
-                <a16:creationId xmlns:a16="http://schemas.microsoft.com/office/drawing/2014/main" id="{44089AC0-18FD-BD46-BDE3-75993928D353}"/>
+          <p:cNvPr id="13" name="正方形/長方形 12">
+            <a:extLst>
+              <a:ext uri="{FF2B5EF4-FFF2-40B4-BE49-F238E27FC236}">
+                <a16:creationId xmlns:a16="http://schemas.microsoft.com/office/drawing/2014/main" id="{F921C87A-5682-8E41-B3B5-9BA7C9902793}"/>
               </a:ext>
             </a:extLst>
           </p:cNvPr>
@@ -8580,8 +8658,8 @@
         </p:nvSpPr>
         <p:spPr>
           <a:xfrm>
-            <a:off x="539552" y="5229200"/>
-            <a:ext cx="4945585" cy="523220"/>
+            <a:off x="5076056" y="5661248"/>
+            <a:ext cx="1080120" cy="720080"/>
           </a:xfrm>
           <a:prstGeom prst="rect">
             <a:avLst/>
@@ -8591,112 +8669,22 @@
           </a:solidFill>
         </p:spPr>
         <p:txBody>
-          <a:bodyPr wrap="none">
+          <a:bodyPr wrap="square">
             <a:spAutoFit/>
           </a:bodyPr>
           <a:lstStyle/>
           <a:p>
             <a:r>
-              <a:rPr lang="en-US" altLang="ja-JP" sz="2800" b="0">
+              <a:rPr lang="en-US" altLang="ja-JP" sz="4000" b="0">
                 <a:solidFill>
                   <a:srgbClr val="B5CEA8"/>
                 </a:solidFill>
                 <a:effectLst/>
                 <a:latin typeface="Menlo" panose="020B0609030804020204" pitchFamily="49" charset="0"/>
               </a:rPr>
-              <a:t>0.1</a:t>
-            </a:r>
-            <a:r>
-              <a:rPr lang="ja-JP" altLang="en-US" sz="2800" b="0">
-                <a:solidFill>
-                  <a:srgbClr val="D4D4D4"/>
-                </a:solidFill>
-                <a:effectLst/>
-                <a:latin typeface="Menlo" panose="020B0609030804020204" pitchFamily="49" charset="0"/>
-              </a:rPr>
-              <a:t> </a:t>
-            </a:r>
-            <a:r>
-              <a:rPr lang="en-US" altLang="ja-JP" sz="2800" b="0">
-                <a:solidFill>
-                  <a:srgbClr val="D4D4D4"/>
-                </a:solidFill>
-                <a:effectLst/>
-                <a:latin typeface="Menlo" panose="020B0609030804020204" pitchFamily="49" charset="0"/>
-              </a:rPr>
-              <a:t>+ </a:t>
-            </a:r>
-            <a:r>
-              <a:rPr lang="en-US" altLang="ja-JP" sz="2800" b="0">
-                <a:solidFill>
-                  <a:srgbClr val="B5CEA8"/>
-                </a:solidFill>
-                <a:effectLst/>
-                <a:latin typeface="Menlo" panose="020B0609030804020204" pitchFamily="49" charset="0"/>
-              </a:rPr>
-              <a:t>0.1</a:t>
-            </a:r>
-            <a:r>
-              <a:rPr lang="ja-JP" altLang="en-US" sz="2800" b="0">
-                <a:solidFill>
-                  <a:srgbClr val="D4D4D4"/>
-                </a:solidFill>
-                <a:effectLst/>
-                <a:latin typeface="Menlo" panose="020B0609030804020204" pitchFamily="49" charset="0"/>
-              </a:rPr>
-              <a:t> </a:t>
-            </a:r>
-            <a:r>
-              <a:rPr lang="en-US" altLang="ja-JP" sz="2800" b="0">
-                <a:solidFill>
-                  <a:srgbClr val="D4D4D4"/>
-                </a:solidFill>
-                <a:effectLst/>
-                <a:latin typeface="Menlo" panose="020B0609030804020204" pitchFamily="49" charset="0"/>
-              </a:rPr>
-              <a:t>+ </a:t>
-            </a:r>
-            <a:r>
-              <a:rPr lang="en-US" altLang="ja-JP" sz="2800" b="0">
-                <a:solidFill>
-                  <a:srgbClr val="B5CEA8"/>
-                </a:solidFill>
-                <a:effectLst/>
-                <a:latin typeface="Menlo" panose="020B0609030804020204" pitchFamily="49" charset="0"/>
-              </a:rPr>
-              <a:t>0.1</a:t>
-            </a:r>
-            <a:r>
-              <a:rPr lang="ja-JP" altLang="en-US" sz="2800" b="0">
-                <a:solidFill>
-                  <a:srgbClr val="D4D4D4"/>
-                </a:solidFill>
-                <a:effectLst/>
-                <a:latin typeface="Menlo" panose="020B0609030804020204" pitchFamily="49" charset="0"/>
-              </a:rPr>
-              <a:t> </a:t>
-            </a:r>
-            <a:r>
-              <a:rPr lang="en-US" altLang="ja-JP" sz="2800" b="0">
-                <a:solidFill>
-                  <a:srgbClr val="D4D4D4"/>
-                </a:solidFill>
-                <a:effectLst/>
-                <a:latin typeface="Menlo" panose="020B0609030804020204" pitchFamily="49" charset="0"/>
-              </a:rPr>
-              <a:t>== </a:t>
-            </a:r>
-            <a:r>
-              <a:rPr lang="en-US" altLang="ja-JP" sz="2800" b="0">
-                <a:solidFill>
-                  <a:srgbClr val="B5CEA8"/>
-                </a:solidFill>
-                <a:effectLst/>
-                <a:latin typeface="Menlo" panose="020B0609030804020204" pitchFamily="49" charset="0"/>
-              </a:rPr>
-              <a:t>0.3</a:t>
-            </a:r>
-            <a:endParaRPr lang="ja-JP" altLang="en-US" sz="2800" b="0">
+              <a:t>2</a:t>
+            </a:r>
+            <a:endParaRPr lang="ja-JP" altLang="en-US" sz="4000" b="0">
               <a:solidFill>
                 <a:srgbClr val="D4D4D4"/>
               </a:solidFill>
@@ -8708,10 +8696,10 @@
       </p:sp>
       <p:sp>
         <p:nvSpPr>
-          <p:cNvPr id="12" name="右矢印 11">
-            <a:extLst>
-              <a:ext uri="{FF2B5EF4-FFF2-40B4-BE49-F238E27FC236}">
-                <a16:creationId xmlns:a16="http://schemas.microsoft.com/office/drawing/2014/main" id="{4F4E9804-63B3-E244-B72C-172760427DA1}"/>
+          <p:cNvPr id="14" name="右矢印 13">
+            <a:extLst>
+              <a:ext uri="{FF2B5EF4-FFF2-40B4-BE49-F238E27FC236}">
+                <a16:creationId xmlns:a16="http://schemas.microsoft.com/office/drawing/2014/main" id="{A3269DF1-8278-704E-A704-2A9B16462702}"/>
               </a:ext>
             </a:extLst>
           </p:cNvPr>
@@ -8720,7 +8708,7 @@
         </p:nvSpPr>
         <p:spPr>
           <a:xfrm>
-            <a:off x="5652120" y="5301208"/>
+            <a:off x="4283968" y="5805264"/>
             <a:ext cx="487954" cy="390363"/>
           </a:xfrm>
           <a:prstGeom prst="rightArrow">
@@ -8760,144 +8748,10 @@
           </a:p>
         </p:txBody>
       </p:sp>
-      <p:sp>
-        <p:nvSpPr>
-          <p:cNvPr id="13" name="正方形/長方形 12">
-            <a:extLst>
-              <a:ext uri="{FF2B5EF4-FFF2-40B4-BE49-F238E27FC236}">
-                <a16:creationId xmlns:a16="http://schemas.microsoft.com/office/drawing/2014/main" id="{DE2AE335-4F1A-0943-AC61-EDE69AF8F396}"/>
-              </a:ext>
-            </a:extLst>
-          </p:cNvPr>
-          <p:cNvSpPr/>
-          <p:nvPr/>
-        </p:nvSpPr>
-        <p:spPr>
-          <a:xfrm>
-            <a:off x="6372200" y="5229200"/>
-            <a:ext cx="1266693" cy="523220"/>
-          </a:xfrm>
-          <a:prstGeom prst="rect">
-            <a:avLst/>
-          </a:prstGeom>
-          <a:solidFill>
-            <a:schemeClr val="tx1"/>
-          </a:solidFill>
-        </p:spPr>
-        <p:txBody>
-          <a:bodyPr wrap="none">
-            <a:spAutoFit/>
-          </a:bodyPr>
-          <a:lstStyle/>
-          <a:p>
-            <a:r>
-              <a:rPr lang="en" altLang="ja-JP" sz="2800" b="0">
-                <a:solidFill>
-                  <a:srgbClr val="569CD6"/>
-                </a:solidFill>
-                <a:effectLst/>
-                <a:latin typeface="Menlo" panose="020B0609030804020204" pitchFamily="49" charset="0"/>
-              </a:rPr>
-              <a:t>False</a:t>
-            </a:r>
-            <a:endParaRPr lang="en" altLang="ja-JP" sz="2800" b="0">
-              <a:solidFill>
-                <a:srgbClr val="D4D4D4"/>
-              </a:solidFill>
-              <a:effectLst/>
-              <a:latin typeface="Menlo" panose="020B0609030804020204" pitchFamily="49" charset="0"/>
-            </a:endParaRPr>
-          </a:p>
-        </p:txBody>
-      </p:sp>
-      <p:sp>
-        <p:nvSpPr>
-          <p:cNvPr id="14" name="テキスト ボックス 13">
-            <a:extLst>
-              <a:ext uri="{FF2B5EF4-FFF2-40B4-BE49-F238E27FC236}">
-                <a16:creationId xmlns:a16="http://schemas.microsoft.com/office/drawing/2014/main" id="{A180B9A1-49BC-FC47-BC12-CBB580B5311B}"/>
-              </a:ext>
-            </a:extLst>
-          </p:cNvPr>
-          <p:cNvSpPr txBox="1"/>
-          <p:nvPr/>
-        </p:nvSpPr>
-        <p:spPr>
-          <a:xfrm>
-            <a:off x="1187624" y="6093296"/>
-            <a:ext cx="7007046" cy="523220"/>
-          </a:xfrm>
-          <a:prstGeom prst="rect">
-            <a:avLst/>
-          </a:prstGeom>
-          <a:noFill/>
-        </p:spPr>
-        <p:txBody>
-          <a:bodyPr wrap="none" rtlCol="0">
-            <a:spAutoFit/>
-          </a:bodyPr>
-          <a:lstStyle/>
-          <a:p>
-            <a:r>
-              <a:rPr lang="ja-JP" altLang="en-US" sz="2800"/>
-              <a:t>浮動小数点同士の等号比較は信頼できない</a:t>
-            </a:r>
-            <a:endParaRPr kumimoji="1" lang="ja-JP" altLang="en-US" sz="2800"/>
-          </a:p>
-        </p:txBody>
-      </p:sp>
-      <p:sp>
-        <p:nvSpPr>
-          <p:cNvPr id="15" name="テキスト ボックス 14">
-            <a:extLst>
-              <a:ext uri="{FF2B5EF4-FFF2-40B4-BE49-F238E27FC236}">
-                <a16:creationId xmlns:a16="http://schemas.microsoft.com/office/drawing/2014/main" id="{79483D89-983C-8A4D-B374-0BF35ED156D7}"/>
-              </a:ext>
-            </a:extLst>
-          </p:cNvPr>
-          <p:cNvSpPr txBox="1"/>
-          <p:nvPr/>
-        </p:nvSpPr>
-        <p:spPr>
-          <a:xfrm>
-            <a:off x="323528" y="1196752"/>
-            <a:ext cx="5211683" cy="523220"/>
-          </a:xfrm>
-          <a:prstGeom prst="rect">
-            <a:avLst/>
-          </a:prstGeom>
-          <a:noFill/>
-        </p:spPr>
-        <p:txBody>
-          <a:bodyPr wrap="none" rtlCol="0">
-            <a:spAutoFit/>
-          </a:bodyPr>
-          <a:lstStyle/>
-          <a:p>
-            <a:r>
-              <a:rPr lang="ja-JP" altLang="en-US" sz="2800"/>
-              <a:t>浮動小数点は実数を</a:t>
-            </a:r>
-            <a:r>
-              <a:rPr lang="ja-JP" altLang="en-US" sz="2800">
-                <a:solidFill>
-                  <a:srgbClr val="FF0000"/>
-                </a:solidFill>
-              </a:rPr>
-              <a:t>近似する</a:t>
-            </a:r>
-            <a:r>
-              <a:rPr lang="ja-JP" altLang="en-US" sz="2800"/>
-              <a:t>型</a:t>
-            </a:r>
-            <a:endParaRPr kumimoji="1" lang="ja-JP" altLang="en-US" sz="2800"/>
-          </a:p>
-        </p:txBody>
-      </p:sp>
     </p:spTree>
     <p:extLst>
       <p:ext uri="{BB962C8B-B14F-4D97-AF65-F5344CB8AC3E}">
-        <p14:creationId xmlns:p14="http://schemas.microsoft.com/office/powerpoint/2010/main" val="3952890953"/>
+        <p14:creationId xmlns:p14="http://schemas.microsoft.com/office/powerpoint/2010/main" val="805038024"/>
       </p:ext>
     </p:extLst>
   </p:cSld>
@@ -8929,7 +8783,7 @@
           <p:cNvPr id="2" name="テキスト プレースホルダー 1">
             <a:extLst>
               <a:ext uri="{FF2B5EF4-FFF2-40B4-BE49-F238E27FC236}">
-                <a16:creationId xmlns:a16="http://schemas.microsoft.com/office/drawing/2014/main" id="{3A51331F-BF4B-E24F-93EF-209CAE6BA42C}"/>
+                <a16:creationId xmlns:a16="http://schemas.microsoft.com/office/drawing/2014/main" id="{A0E5212A-8F18-CC49-92DD-0D2AD5D319B0}"/>
               </a:ext>
             </a:extLst>
           </p:cNvPr>
@@ -8946,16 +8800,829 @@
           <a:lstStyle/>
           <a:p>
             <a:r>
-              <a:rPr kumimoji="1" lang="ja-JP" altLang="en-US"/>
-              <a:t>繰り返し文</a:t>
-            </a:r>
+              <a:rPr lang="ja-JP" altLang="en-US"/>
+              <a:t>演算や比較の注意</a:t>
+            </a:r>
+            <a:r>
+              <a:rPr lang="en-US" altLang="ja-JP"/>
+              <a:t>(2/2)</a:t>
+            </a:r>
+            <a:endParaRPr kumimoji="1" lang="ja-JP" altLang="en-US"/>
+          </a:p>
+        </p:txBody>
+      </p:sp>
+      <p:sp>
+        <p:nvSpPr>
+          <p:cNvPr id="3" name="正方形/長方形 2">
+            <a:extLst>
+              <a:ext uri="{FF2B5EF4-FFF2-40B4-BE49-F238E27FC236}">
+                <a16:creationId xmlns:a16="http://schemas.microsoft.com/office/drawing/2014/main" id="{9C6C6ABD-3E78-934E-86C1-BF1C7C364ACF}"/>
+              </a:ext>
+            </a:extLst>
+          </p:cNvPr>
+          <p:cNvSpPr/>
+          <p:nvPr/>
+        </p:nvSpPr>
+        <p:spPr>
+          <a:xfrm>
+            <a:off x="395536" y="2060848"/>
+            <a:ext cx="4344459" cy="646331"/>
+          </a:xfrm>
+          <a:prstGeom prst="rect">
+            <a:avLst/>
+          </a:prstGeom>
+          <a:solidFill>
+            <a:schemeClr val="tx1"/>
+          </a:solidFill>
+        </p:spPr>
+        <p:txBody>
+          <a:bodyPr wrap="none">
+            <a:spAutoFit/>
+          </a:bodyPr>
+          <a:lstStyle/>
+          <a:p>
+            <a:r>
+              <a:rPr lang="en-US" altLang="ja-JP" sz="3600" b="0">
+                <a:solidFill>
+                  <a:srgbClr val="B5CEA8"/>
+                </a:solidFill>
+                <a:effectLst/>
+                <a:latin typeface="Menlo" panose="020B0609030804020204" pitchFamily="49" charset="0"/>
+              </a:rPr>
+              <a:t>0.1</a:t>
+            </a:r>
+            <a:r>
+              <a:rPr lang="ja-JP" altLang="en-US" sz="3600" b="0">
+                <a:solidFill>
+                  <a:srgbClr val="D4D4D4"/>
+                </a:solidFill>
+                <a:effectLst/>
+                <a:latin typeface="Menlo" panose="020B0609030804020204" pitchFamily="49" charset="0"/>
+              </a:rPr>
+              <a:t> </a:t>
+            </a:r>
+            <a:r>
+              <a:rPr lang="en-US" altLang="ja-JP" sz="3600" b="0">
+                <a:solidFill>
+                  <a:srgbClr val="D4D4D4"/>
+                </a:solidFill>
+                <a:effectLst/>
+                <a:latin typeface="Menlo" panose="020B0609030804020204" pitchFamily="49" charset="0"/>
+              </a:rPr>
+              <a:t>+ </a:t>
+            </a:r>
+            <a:r>
+              <a:rPr lang="en-US" altLang="ja-JP" sz="3600" b="0">
+                <a:solidFill>
+                  <a:srgbClr val="B5CEA8"/>
+                </a:solidFill>
+                <a:effectLst/>
+                <a:latin typeface="Menlo" panose="020B0609030804020204" pitchFamily="49" charset="0"/>
+              </a:rPr>
+              <a:t>0.1</a:t>
+            </a:r>
+            <a:r>
+              <a:rPr lang="ja-JP" altLang="en-US" sz="3600" b="0">
+                <a:solidFill>
+                  <a:srgbClr val="D4D4D4"/>
+                </a:solidFill>
+                <a:effectLst/>
+                <a:latin typeface="Menlo" panose="020B0609030804020204" pitchFamily="49" charset="0"/>
+              </a:rPr>
+              <a:t> </a:t>
+            </a:r>
+            <a:r>
+              <a:rPr lang="en-US" altLang="ja-JP" sz="3600" b="0">
+                <a:solidFill>
+                  <a:srgbClr val="D4D4D4"/>
+                </a:solidFill>
+                <a:effectLst/>
+                <a:latin typeface="Menlo" panose="020B0609030804020204" pitchFamily="49" charset="0"/>
+              </a:rPr>
+              <a:t>+ </a:t>
+            </a:r>
+            <a:r>
+              <a:rPr lang="en-US" altLang="ja-JP" sz="3600" b="0">
+                <a:solidFill>
+                  <a:srgbClr val="B5CEA8"/>
+                </a:solidFill>
+                <a:effectLst/>
+                <a:latin typeface="Menlo" panose="020B0609030804020204" pitchFamily="49" charset="0"/>
+              </a:rPr>
+              <a:t>0.1</a:t>
+            </a:r>
+            <a:endParaRPr lang="ja-JP" altLang="en-US" sz="3600" b="0">
+              <a:solidFill>
+                <a:srgbClr val="D4D4D4"/>
+              </a:solidFill>
+              <a:effectLst/>
+              <a:latin typeface="Menlo" panose="020B0609030804020204" pitchFamily="49" charset="0"/>
+            </a:endParaRPr>
+          </a:p>
+        </p:txBody>
+      </p:sp>
+      <p:sp>
+        <p:nvSpPr>
+          <p:cNvPr id="5" name="正方形/長方形 4">
+            <a:extLst>
+              <a:ext uri="{FF2B5EF4-FFF2-40B4-BE49-F238E27FC236}">
+                <a16:creationId xmlns:a16="http://schemas.microsoft.com/office/drawing/2014/main" id="{2D0DD487-A2A0-C64E-B216-266E3F0D2E05}"/>
+              </a:ext>
+            </a:extLst>
+          </p:cNvPr>
+          <p:cNvSpPr/>
+          <p:nvPr/>
+        </p:nvSpPr>
+        <p:spPr>
+          <a:xfrm>
+            <a:off x="3419872" y="2924944"/>
+            <a:ext cx="5453737" cy="646331"/>
+          </a:xfrm>
+          <a:prstGeom prst="rect">
+            <a:avLst/>
+          </a:prstGeom>
+          <a:solidFill>
+            <a:schemeClr val="tx1"/>
+          </a:solidFill>
+        </p:spPr>
+        <p:txBody>
+          <a:bodyPr wrap="none">
+            <a:spAutoFit/>
+          </a:bodyPr>
+          <a:lstStyle/>
+          <a:p>
+            <a:r>
+              <a:rPr lang="en-US" altLang="ja-JP" sz="3600" b="0">
+                <a:solidFill>
+                  <a:srgbClr val="B5CEA8"/>
+                </a:solidFill>
+                <a:effectLst/>
+                <a:latin typeface="Menlo" panose="020B0609030804020204" pitchFamily="49" charset="0"/>
+              </a:rPr>
+              <a:t>0.30000000000000004</a:t>
+            </a:r>
+            <a:endParaRPr lang="ja-JP" altLang="en-US" sz="3600" b="0">
+              <a:solidFill>
+                <a:srgbClr val="D4D4D4"/>
+              </a:solidFill>
+              <a:effectLst/>
+              <a:latin typeface="Menlo" panose="020B0609030804020204" pitchFamily="49" charset="0"/>
+            </a:endParaRPr>
+          </a:p>
+        </p:txBody>
+      </p:sp>
+      <p:sp>
+        <p:nvSpPr>
+          <p:cNvPr id="6" name="右矢印 5">
+            <a:extLst>
+              <a:ext uri="{FF2B5EF4-FFF2-40B4-BE49-F238E27FC236}">
+                <a16:creationId xmlns:a16="http://schemas.microsoft.com/office/drawing/2014/main" id="{83518F6E-748B-1542-9157-527660EEE834}"/>
+              </a:ext>
+            </a:extLst>
+          </p:cNvPr>
+          <p:cNvSpPr/>
+          <p:nvPr/>
+        </p:nvSpPr>
+        <p:spPr>
+          <a:xfrm>
+            <a:off x="2699792" y="3068960"/>
+            <a:ext cx="487954" cy="390363"/>
+          </a:xfrm>
+          <a:prstGeom prst="rightArrow">
+            <a:avLst/>
+          </a:prstGeom>
+          <a:solidFill>
+            <a:srgbClr val="FF0000"/>
+          </a:solidFill>
+          <a:ln>
+            <a:solidFill>
+              <a:schemeClr val="tx1"/>
+            </a:solidFill>
+          </a:ln>
+        </p:spPr>
+        <p:style>
+          <a:lnRef idx="2">
+            <a:schemeClr val="accent1">
+              <a:shade val="50000"/>
+            </a:schemeClr>
+          </a:lnRef>
+          <a:fillRef idx="1">
+            <a:schemeClr val="accent1"/>
+          </a:fillRef>
+          <a:effectRef idx="0">
+            <a:schemeClr val="accent1"/>
+          </a:effectRef>
+          <a:fontRef idx="minor">
+            <a:schemeClr val="lt1"/>
+          </a:fontRef>
+        </p:style>
+        <p:txBody>
+          <a:bodyPr rtlCol="0" anchor="ctr"/>
+          <a:lstStyle/>
+          <a:p>
+            <a:pPr algn="ctr"/>
+            <a:endParaRPr kumimoji="1" lang="ja-JP" altLang="en-US"/>
+          </a:p>
+        </p:txBody>
+      </p:sp>
+      <p:sp>
+        <p:nvSpPr>
+          <p:cNvPr id="7" name="円/楕円 6">
+            <a:extLst>
+              <a:ext uri="{FF2B5EF4-FFF2-40B4-BE49-F238E27FC236}">
+                <a16:creationId xmlns:a16="http://schemas.microsoft.com/office/drawing/2014/main" id="{4867B341-4A87-3044-AF1C-638E501243CF}"/>
+              </a:ext>
+            </a:extLst>
+          </p:cNvPr>
+          <p:cNvSpPr/>
+          <p:nvPr/>
+        </p:nvSpPr>
+        <p:spPr>
+          <a:xfrm>
+            <a:off x="8316416" y="2780928"/>
+            <a:ext cx="648072" cy="864096"/>
+          </a:xfrm>
+          <a:prstGeom prst="ellipse">
+            <a:avLst/>
+          </a:prstGeom>
+          <a:noFill/>
+          <a:ln w="38100">
+            <a:solidFill>
+              <a:srgbClr val="FF0000"/>
+            </a:solidFill>
+          </a:ln>
+        </p:spPr>
+        <p:style>
+          <a:lnRef idx="2">
+            <a:schemeClr val="accent1">
+              <a:shade val="50000"/>
+            </a:schemeClr>
+          </a:lnRef>
+          <a:fillRef idx="1">
+            <a:schemeClr val="accent1"/>
+          </a:fillRef>
+          <a:effectRef idx="0">
+            <a:schemeClr val="accent1"/>
+          </a:effectRef>
+          <a:fontRef idx="minor">
+            <a:schemeClr val="lt1"/>
+          </a:fontRef>
+        </p:style>
+        <p:txBody>
+          <a:bodyPr rtlCol="0" anchor="ctr"/>
+          <a:lstStyle/>
+          <a:p>
+            <a:pPr algn="ctr"/>
+            <a:endParaRPr kumimoji="1" lang="ja-JP" altLang="en-US"/>
+          </a:p>
+        </p:txBody>
+      </p:sp>
+      <p:sp>
+        <p:nvSpPr>
+          <p:cNvPr id="8" name="正方形/長方形 7">
+            <a:extLst>
+              <a:ext uri="{FF2B5EF4-FFF2-40B4-BE49-F238E27FC236}">
+                <a16:creationId xmlns:a16="http://schemas.microsoft.com/office/drawing/2014/main" id="{5EC19D51-55CF-7A4F-ACEA-405CE58A48AE}"/>
+              </a:ext>
+            </a:extLst>
+          </p:cNvPr>
+          <p:cNvSpPr/>
+          <p:nvPr/>
+        </p:nvSpPr>
+        <p:spPr>
+          <a:xfrm>
+            <a:off x="467544" y="4221088"/>
+            <a:ext cx="3647152" cy="523220"/>
+          </a:xfrm>
+          <a:prstGeom prst="rect">
+            <a:avLst/>
+          </a:prstGeom>
+          <a:solidFill>
+            <a:schemeClr val="tx1"/>
+          </a:solidFill>
+        </p:spPr>
+        <p:txBody>
+          <a:bodyPr wrap="none">
+            <a:spAutoFit/>
+          </a:bodyPr>
+          <a:lstStyle/>
+          <a:p>
+            <a:r>
+              <a:rPr lang="en-US" altLang="ja-JP" sz="2800" b="0">
+                <a:solidFill>
+                  <a:srgbClr val="B5CEA8"/>
+                </a:solidFill>
+                <a:effectLst/>
+                <a:latin typeface="Menlo" panose="020B0609030804020204" pitchFamily="49" charset="0"/>
+              </a:rPr>
+              <a:t>0.1</a:t>
+            </a:r>
+            <a:r>
+              <a:rPr lang="ja-JP" altLang="en-US" sz="2800" b="0">
+                <a:solidFill>
+                  <a:srgbClr val="D4D4D4"/>
+                </a:solidFill>
+                <a:effectLst/>
+                <a:latin typeface="Menlo" panose="020B0609030804020204" pitchFamily="49" charset="0"/>
+              </a:rPr>
+              <a:t> </a:t>
+            </a:r>
+            <a:r>
+              <a:rPr lang="en-US" altLang="ja-JP" sz="2800" b="0">
+                <a:solidFill>
+                  <a:srgbClr val="D4D4D4"/>
+                </a:solidFill>
+                <a:effectLst/>
+                <a:latin typeface="Menlo" panose="020B0609030804020204" pitchFamily="49" charset="0"/>
+              </a:rPr>
+              <a:t>+ </a:t>
+            </a:r>
+            <a:r>
+              <a:rPr lang="en-US" altLang="ja-JP" sz="2800" b="0">
+                <a:solidFill>
+                  <a:srgbClr val="B5CEA8"/>
+                </a:solidFill>
+                <a:effectLst/>
+                <a:latin typeface="Menlo" panose="020B0609030804020204" pitchFamily="49" charset="0"/>
+              </a:rPr>
+              <a:t>0.1</a:t>
+            </a:r>
+            <a:r>
+              <a:rPr lang="ja-JP" altLang="en-US" sz="2800" b="0">
+                <a:solidFill>
+                  <a:srgbClr val="D4D4D4"/>
+                </a:solidFill>
+                <a:effectLst/>
+                <a:latin typeface="Menlo" panose="020B0609030804020204" pitchFamily="49" charset="0"/>
+              </a:rPr>
+              <a:t> </a:t>
+            </a:r>
+            <a:r>
+              <a:rPr lang="en-US" altLang="ja-JP" sz="2800" b="0">
+                <a:solidFill>
+                  <a:srgbClr val="D4D4D4"/>
+                </a:solidFill>
+                <a:effectLst/>
+                <a:latin typeface="Menlo" panose="020B0609030804020204" pitchFamily="49" charset="0"/>
+              </a:rPr>
+              <a:t>== </a:t>
+            </a:r>
+            <a:r>
+              <a:rPr lang="en-US" altLang="ja-JP" sz="2800" b="0">
+                <a:solidFill>
+                  <a:srgbClr val="B5CEA8"/>
+                </a:solidFill>
+                <a:effectLst/>
+                <a:latin typeface="Menlo" panose="020B0609030804020204" pitchFamily="49" charset="0"/>
+              </a:rPr>
+              <a:t>0.2</a:t>
+            </a:r>
+            <a:endParaRPr lang="ja-JP" altLang="en-US" sz="2800" b="0">
+              <a:solidFill>
+                <a:srgbClr val="D4D4D4"/>
+              </a:solidFill>
+              <a:effectLst/>
+              <a:latin typeface="Menlo" panose="020B0609030804020204" pitchFamily="49" charset="0"/>
+            </a:endParaRPr>
+          </a:p>
+        </p:txBody>
+      </p:sp>
+      <p:sp>
+        <p:nvSpPr>
+          <p:cNvPr id="9" name="右矢印 8">
+            <a:extLst>
+              <a:ext uri="{FF2B5EF4-FFF2-40B4-BE49-F238E27FC236}">
+                <a16:creationId xmlns:a16="http://schemas.microsoft.com/office/drawing/2014/main" id="{FA019E7A-678C-E247-AA0A-CC8D737055E3}"/>
+              </a:ext>
+            </a:extLst>
+          </p:cNvPr>
+          <p:cNvSpPr/>
+          <p:nvPr/>
+        </p:nvSpPr>
+        <p:spPr>
+          <a:xfrm>
+            <a:off x="4355976" y="4293096"/>
+            <a:ext cx="487954" cy="390363"/>
+          </a:xfrm>
+          <a:prstGeom prst="rightArrow">
+            <a:avLst/>
+          </a:prstGeom>
+          <a:solidFill>
+            <a:srgbClr val="FF0000"/>
+          </a:solidFill>
+          <a:ln>
+            <a:solidFill>
+              <a:schemeClr val="tx1"/>
+            </a:solidFill>
+          </a:ln>
+        </p:spPr>
+        <p:style>
+          <a:lnRef idx="2">
+            <a:schemeClr val="accent1">
+              <a:shade val="50000"/>
+            </a:schemeClr>
+          </a:lnRef>
+          <a:fillRef idx="1">
+            <a:schemeClr val="accent1"/>
+          </a:fillRef>
+          <a:effectRef idx="0">
+            <a:schemeClr val="accent1"/>
+          </a:effectRef>
+          <a:fontRef idx="minor">
+            <a:schemeClr val="lt1"/>
+          </a:fontRef>
+        </p:style>
+        <p:txBody>
+          <a:bodyPr rtlCol="0" anchor="ctr"/>
+          <a:lstStyle/>
+          <a:p>
+            <a:pPr algn="ctr"/>
+            <a:endParaRPr kumimoji="1" lang="ja-JP" altLang="en-US"/>
+          </a:p>
+        </p:txBody>
+      </p:sp>
+      <p:sp>
+        <p:nvSpPr>
+          <p:cNvPr id="10" name="正方形/長方形 9">
+            <a:extLst>
+              <a:ext uri="{FF2B5EF4-FFF2-40B4-BE49-F238E27FC236}">
+                <a16:creationId xmlns:a16="http://schemas.microsoft.com/office/drawing/2014/main" id="{9D39CBB4-FD68-D94D-AE36-7A442B941630}"/>
+              </a:ext>
+            </a:extLst>
+          </p:cNvPr>
+          <p:cNvSpPr/>
+          <p:nvPr/>
+        </p:nvSpPr>
+        <p:spPr>
+          <a:xfrm>
+            <a:off x="5148064" y="4221088"/>
+            <a:ext cx="1050288" cy="523220"/>
+          </a:xfrm>
+          <a:prstGeom prst="rect">
+            <a:avLst/>
+          </a:prstGeom>
+          <a:solidFill>
+            <a:schemeClr val="tx1"/>
+          </a:solidFill>
+        </p:spPr>
+        <p:txBody>
+          <a:bodyPr wrap="none">
+            <a:spAutoFit/>
+          </a:bodyPr>
+          <a:lstStyle/>
+          <a:p>
+            <a:r>
+              <a:rPr lang="en" altLang="ja-JP" sz="2800" b="0">
+                <a:solidFill>
+                  <a:srgbClr val="569CD6"/>
+                </a:solidFill>
+                <a:effectLst/>
+                <a:latin typeface="Menlo" panose="020B0609030804020204" pitchFamily="49" charset="0"/>
+              </a:rPr>
+              <a:t>True</a:t>
+            </a:r>
+            <a:endParaRPr lang="en" altLang="ja-JP" sz="2800" b="0">
+              <a:solidFill>
+                <a:srgbClr val="D4D4D4"/>
+              </a:solidFill>
+              <a:effectLst/>
+              <a:latin typeface="Menlo" panose="020B0609030804020204" pitchFamily="49" charset="0"/>
+            </a:endParaRPr>
+          </a:p>
+        </p:txBody>
+      </p:sp>
+      <p:sp>
+        <p:nvSpPr>
+          <p:cNvPr id="11" name="正方形/長方形 10">
+            <a:extLst>
+              <a:ext uri="{FF2B5EF4-FFF2-40B4-BE49-F238E27FC236}">
+                <a16:creationId xmlns:a16="http://schemas.microsoft.com/office/drawing/2014/main" id="{44089AC0-18FD-BD46-BDE3-75993928D353}"/>
+              </a:ext>
+            </a:extLst>
+          </p:cNvPr>
+          <p:cNvSpPr/>
+          <p:nvPr/>
+        </p:nvSpPr>
+        <p:spPr>
+          <a:xfrm>
+            <a:off x="539552" y="5229200"/>
+            <a:ext cx="4945585" cy="523220"/>
+          </a:xfrm>
+          <a:prstGeom prst="rect">
+            <a:avLst/>
+          </a:prstGeom>
+          <a:solidFill>
+            <a:schemeClr val="tx1"/>
+          </a:solidFill>
+        </p:spPr>
+        <p:txBody>
+          <a:bodyPr wrap="none">
+            <a:spAutoFit/>
+          </a:bodyPr>
+          <a:lstStyle/>
+          <a:p>
+            <a:r>
+              <a:rPr lang="en-US" altLang="ja-JP" sz="2800" b="0">
+                <a:solidFill>
+                  <a:srgbClr val="B5CEA8"/>
+                </a:solidFill>
+                <a:effectLst/>
+                <a:latin typeface="Menlo" panose="020B0609030804020204" pitchFamily="49" charset="0"/>
+              </a:rPr>
+              <a:t>0.1</a:t>
+            </a:r>
+            <a:r>
+              <a:rPr lang="ja-JP" altLang="en-US" sz="2800" b="0">
+                <a:solidFill>
+                  <a:srgbClr val="D4D4D4"/>
+                </a:solidFill>
+                <a:effectLst/>
+                <a:latin typeface="Menlo" panose="020B0609030804020204" pitchFamily="49" charset="0"/>
+              </a:rPr>
+              <a:t> </a:t>
+            </a:r>
+            <a:r>
+              <a:rPr lang="en-US" altLang="ja-JP" sz="2800" b="0">
+                <a:solidFill>
+                  <a:srgbClr val="D4D4D4"/>
+                </a:solidFill>
+                <a:effectLst/>
+                <a:latin typeface="Menlo" panose="020B0609030804020204" pitchFamily="49" charset="0"/>
+              </a:rPr>
+              <a:t>+ </a:t>
+            </a:r>
+            <a:r>
+              <a:rPr lang="en-US" altLang="ja-JP" sz="2800" b="0">
+                <a:solidFill>
+                  <a:srgbClr val="B5CEA8"/>
+                </a:solidFill>
+                <a:effectLst/>
+                <a:latin typeface="Menlo" panose="020B0609030804020204" pitchFamily="49" charset="0"/>
+              </a:rPr>
+              <a:t>0.1</a:t>
+            </a:r>
+            <a:r>
+              <a:rPr lang="ja-JP" altLang="en-US" sz="2800" b="0">
+                <a:solidFill>
+                  <a:srgbClr val="D4D4D4"/>
+                </a:solidFill>
+                <a:effectLst/>
+                <a:latin typeface="Menlo" panose="020B0609030804020204" pitchFamily="49" charset="0"/>
+              </a:rPr>
+              <a:t> </a:t>
+            </a:r>
+            <a:r>
+              <a:rPr lang="en-US" altLang="ja-JP" sz="2800" b="0">
+                <a:solidFill>
+                  <a:srgbClr val="D4D4D4"/>
+                </a:solidFill>
+                <a:effectLst/>
+                <a:latin typeface="Menlo" panose="020B0609030804020204" pitchFamily="49" charset="0"/>
+              </a:rPr>
+              <a:t>+ </a:t>
+            </a:r>
+            <a:r>
+              <a:rPr lang="en-US" altLang="ja-JP" sz="2800" b="0">
+                <a:solidFill>
+                  <a:srgbClr val="B5CEA8"/>
+                </a:solidFill>
+                <a:effectLst/>
+                <a:latin typeface="Menlo" panose="020B0609030804020204" pitchFamily="49" charset="0"/>
+              </a:rPr>
+              <a:t>0.1</a:t>
+            </a:r>
+            <a:r>
+              <a:rPr lang="ja-JP" altLang="en-US" sz="2800" b="0">
+                <a:solidFill>
+                  <a:srgbClr val="D4D4D4"/>
+                </a:solidFill>
+                <a:effectLst/>
+                <a:latin typeface="Menlo" panose="020B0609030804020204" pitchFamily="49" charset="0"/>
+              </a:rPr>
+              <a:t> </a:t>
+            </a:r>
+            <a:r>
+              <a:rPr lang="en-US" altLang="ja-JP" sz="2800" b="0">
+                <a:solidFill>
+                  <a:srgbClr val="D4D4D4"/>
+                </a:solidFill>
+                <a:effectLst/>
+                <a:latin typeface="Menlo" panose="020B0609030804020204" pitchFamily="49" charset="0"/>
+              </a:rPr>
+              <a:t>== </a:t>
+            </a:r>
+            <a:r>
+              <a:rPr lang="en-US" altLang="ja-JP" sz="2800" b="0">
+                <a:solidFill>
+                  <a:srgbClr val="B5CEA8"/>
+                </a:solidFill>
+                <a:effectLst/>
+                <a:latin typeface="Menlo" panose="020B0609030804020204" pitchFamily="49" charset="0"/>
+              </a:rPr>
+              <a:t>0.3</a:t>
+            </a:r>
+            <a:endParaRPr lang="ja-JP" altLang="en-US" sz="2800" b="0">
+              <a:solidFill>
+                <a:srgbClr val="D4D4D4"/>
+              </a:solidFill>
+              <a:effectLst/>
+              <a:latin typeface="Menlo" panose="020B0609030804020204" pitchFamily="49" charset="0"/>
+            </a:endParaRPr>
+          </a:p>
+        </p:txBody>
+      </p:sp>
+      <p:sp>
+        <p:nvSpPr>
+          <p:cNvPr id="12" name="右矢印 11">
+            <a:extLst>
+              <a:ext uri="{FF2B5EF4-FFF2-40B4-BE49-F238E27FC236}">
+                <a16:creationId xmlns:a16="http://schemas.microsoft.com/office/drawing/2014/main" id="{4F4E9804-63B3-E244-B72C-172760427DA1}"/>
+              </a:ext>
+            </a:extLst>
+          </p:cNvPr>
+          <p:cNvSpPr/>
+          <p:nvPr/>
+        </p:nvSpPr>
+        <p:spPr>
+          <a:xfrm>
+            <a:off x="5652120" y="5301208"/>
+            <a:ext cx="487954" cy="390363"/>
+          </a:xfrm>
+          <a:prstGeom prst="rightArrow">
+            <a:avLst/>
+          </a:prstGeom>
+          <a:solidFill>
+            <a:srgbClr val="FF0000"/>
+          </a:solidFill>
+          <a:ln>
+            <a:solidFill>
+              <a:schemeClr val="tx1"/>
+            </a:solidFill>
+          </a:ln>
+        </p:spPr>
+        <p:style>
+          <a:lnRef idx="2">
+            <a:schemeClr val="accent1">
+              <a:shade val="50000"/>
+            </a:schemeClr>
+          </a:lnRef>
+          <a:fillRef idx="1">
+            <a:schemeClr val="accent1"/>
+          </a:fillRef>
+          <a:effectRef idx="0">
+            <a:schemeClr val="accent1"/>
+          </a:effectRef>
+          <a:fontRef idx="minor">
+            <a:schemeClr val="lt1"/>
+          </a:fontRef>
+        </p:style>
+        <p:txBody>
+          <a:bodyPr rtlCol="0" anchor="ctr"/>
+          <a:lstStyle/>
+          <a:p>
+            <a:pPr algn="ctr"/>
+            <a:endParaRPr kumimoji="1" lang="ja-JP" altLang="en-US"/>
+          </a:p>
+        </p:txBody>
+      </p:sp>
+      <p:sp>
+        <p:nvSpPr>
+          <p:cNvPr id="13" name="正方形/長方形 12">
+            <a:extLst>
+              <a:ext uri="{FF2B5EF4-FFF2-40B4-BE49-F238E27FC236}">
+                <a16:creationId xmlns:a16="http://schemas.microsoft.com/office/drawing/2014/main" id="{DE2AE335-4F1A-0943-AC61-EDE69AF8F396}"/>
+              </a:ext>
+            </a:extLst>
+          </p:cNvPr>
+          <p:cNvSpPr/>
+          <p:nvPr/>
+        </p:nvSpPr>
+        <p:spPr>
+          <a:xfrm>
+            <a:off x="6372200" y="5229200"/>
+            <a:ext cx="1266693" cy="523220"/>
+          </a:xfrm>
+          <a:prstGeom prst="rect">
+            <a:avLst/>
+          </a:prstGeom>
+          <a:solidFill>
+            <a:schemeClr val="tx1"/>
+          </a:solidFill>
+        </p:spPr>
+        <p:txBody>
+          <a:bodyPr wrap="none">
+            <a:spAutoFit/>
+          </a:bodyPr>
+          <a:lstStyle/>
+          <a:p>
+            <a:r>
+              <a:rPr lang="en" altLang="ja-JP" sz="2800" b="0">
+                <a:solidFill>
+                  <a:srgbClr val="569CD6"/>
+                </a:solidFill>
+                <a:effectLst/>
+                <a:latin typeface="Menlo" panose="020B0609030804020204" pitchFamily="49" charset="0"/>
+              </a:rPr>
+              <a:t>False</a:t>
+            </a:r>
+            <a:endParaRPr lang="en" altLang="ja-JP" sz="2800" b="0">
+              <a:solidFill>
+                <a:srgbClr val="D4D4D4"/>
+              </a:solidFill>
+              <a:effectLst/>
+              <a:latin typeface="Menlo" panose="020B0609030804020204" pitchFamily="49" charset="0"/>
+            </a:endParaRPr>
+          </a:p>
+        </p:txBody>
+      </p:sp>
+      <p:sp>
+        <p:nvSpPr>
+          <p:cNvPr id="14" name="テキスト ボックス 13">
+            <a:extLst>
+              <a:ext uri="{FF2B5EF4-FFF2-40B4-BE49-F238E27FC236}">
+                <a16:creationId xmlns:a16="http://schemas.microsoft.com/office/drawing/2014/main" id="{A180B9A1-49BC-FC47-BC12-CBB580B5311B}"/>
+              </a:ext>
+            </a:extLst>
+          </p:cNvPr>
+          <p:cNvSpPr txBox="1"/>
+          <p:nvPr/>
+        </p:nvSpPr>
+        <p:spPr>
+          <a:xfrm>
+            <a:off x="1187624" y="6093296"/>
+            <a:ext cx="7007046" cy="523220"/>
+          </a:xfrm>
+          <a:prstGeom prst="rect">
+            <a:avLst/>
+          </a:prstGeom>
+          <a:noFill/>
+        </p:spPr>
+        <p:txBody>
+          <a:bodyPr wrap="none" rtlCol="0">
+            <a:spAutoFit/>
+          </a:bodyPr>
+          <a:lstStyle/>
+          <a:p>
+            <a:r>
+              <a:rPr lang="ja-JP" altLang="en-US" sz="2800"/>
+              <a:t>浮動小数点同士の等号比較は信頼できない</a:t>
+            </a:r>
+            <a:endParaRPr kumimoji="1" lang="ja-JP" altLang="en-US" sz="2800"/>
+          </a:p>
+        </p:txBody>
+      </p:sp>
+      <p:sp>
+        <p:nvSpPr>
+          <p:cNvPr id="15" name="テキスト ボックス 14">
+            <a:extLst>
+              <a:ext uri="{FF2B5EF4-FFF2-40B4-BE49-F238E27FC236}">
+                <a16:creationId xmlns:a16="http://schemas.microsoft.com/office/drawing/2014/main" id="{79483D89-983C-8A4D-B374-0BF35ED156D7}"/>
+              </a:ext>
+            </a:extLst>
+          </p:cNvPr>
+          <p:cNvSpPr txBox="1"/>
+          <p:nvPr/>
+        </p:nvSpPr>
+        <p:spPr>
+          <a:xfrm>
+            <a:off x="323528" y="1196752"/>
+            <a:ext cx="5211683" cy="523220"/>
+          </a:xfrm>
+          <a:prstGeom prst="rect">
+            <a:avLst/>
+          </a:prstGeom>
+          <a:noFill/>
+        </p:spPr>
+        <p:txBody>
+          <a:bodyPr wrap="none" rtlCol="0">
+            <a:spAutoFit/>
+          </a:bodyPr>
+          <a:lstStyle/>
+          <a:p>
+            <a:r>
+              <a:rPr lang="ja-JP" altLang="en-US" sz="2800"/>
+              <a:t>浮動小数点は実数を</a:t>
+            </a:r>
+            <a:r>
+              <a:rPr lang="ja-JP" altLang="en-US" sz="2800">
+                <a:solidFill>
+                  <a:srgbClr val="FF0000"/>
+                </a:solidFill>
+              </a:rPr>
+              <a:t>近似する</a:t>
+            </a:r>
+            <a:r>
+              <a:rPr lang="ja-JP" altLang="en-US" sz="2800"/>
+              <a:t>型</a:t>
+            </a:r>
+            <a:endParaRPr kumimoji="1" lang="ja-JP" altLang="en-US" sz="2800"/>
           </a:p>
         </p:txBody>
       </p:sp>
     </p:spTree>
     <p:extLst>
       <p:ext uri="{BB962C8B-B14F-4D97-AF65-F5344CB8AC3E}">
-        <p14:creationId xmlns:p14="http://schemas.microsoft.com/office/powerpoint/2010/main" val="3632045796"/>
+        <p14:creationId xmlns:p14="http://schemas.microsoft.com/office/powerpoint/2010/main" val="3952890953"/>
       </p:ext>
     </p:extLst>
   </p:cSld>
@@ -8987,7 +9654,7 @@
           <p:cNvPr id="2" name="テキスト プレースホルダー 1">
             <a:extLst>
               <a:ext uri="{FF2B5EF4-FFF2-40B4-BE49-F238E27FC236}">
-                <a16:creationId xmlns:a16="http://schemas.microsoft.com/office/drawing/2014/main" id="{36E32189-CB37-B44B-9B1B-D61E6921E705}"/>
+                <a16:creationId xmlns:a16="http://schemas.microsoft.com/office/drawing/2014/main" id="{3A51331F-BF4B-E24F-93EF-209CAE6BA42C}"/>
               </a:ext>
             </a:extLst>
           </p:cNvPr>
@@ -9005,7 +9672,560 @@
           <a:p>
             <a:r>
               <a:rPr kumimoji="1" lang="ja-JP" altLang="en-US"/>
-              <a:t>条件分岐</a:t>
+              <a:t>繰り返し文</a:t>
+            </a:r>
+          </a:p>
+        </p:txBody>
+      </p:sp>
+      <p:sp>
+        <p:nvSpPr>
+          <p:cNvPr id="3" name="正方形/長方形 2">
+            <a:extLst>
+              <a:ext uri="{FF2B5EF4-FFF2-40B4-BE49-F238E27FC236}">
+                <a16:creationId xmlns:a16="http://schemas.microsoft.com/office/drawing/2014/main" id="{75CD8FEB-DF63-074E-A709-07D771DF3550}"/>
+              </a:ext>
+            </a:extLst>
+          </p:cNvPr>
+          <p:cNvSpPr/>
+          <p:nvPr/>
+        </p:nvSpPr>
+        <p:spPr>
+          <a:xfrm>
+            <a:off x="575556" y="4254186"/>
+            <a:ext cx="5076564" cy="1077218"/>
+          </a:xfrm>
+          <a:prstGeom prst="rect">
+            <a:avLst/>
+          </a:prstGeom>
+          <a:solidFill>
+            <a:schemeClr val="tx1"/>
+          </a:solidFill>
+        </p:spPr>
+        <p:txBody>
+          <a:bodyPr wrap="square">
+            <a:spAutoFit/>
+          </a:bodyPr>
+          <a:lstStyle/>
+          <a:p>
+            <a:r>
+              <a:rPr lang="en" altLang="ja-JP" sz="3200" b="0">
+                <a:solidFill>
+                  <a:srgbClr val="C586C0"/>
+                </a:solidFill>
+                <a:effectLst/>
+                <a:latin typeface="Menlo" panose="020B0609030804020204" pitchFamily="49" charset="0"/>
+              </a:rPr>
+              <a:t>for</a:t>
+            </a:r>
+            <a:r>
+              <a:rPr lang="en" altLang="ja-JP" sz="3200" b="0">
+                <a:solidFill>
+                  <a:srgbClr val="D4D4D4"/>
+                </a:solidFill>
+                <a:effectLst/>
+                <a:latin typeface="Menlo" panose="020B0609030804020204" pitchFamily="49" charset="0"/>
+              </a:rPr>
+              <a:t> i </a:t>
+            </a:r>
+            <a:r>
+              <a:rPr lang="en" altLang="ja-JP" sz="3200" b="0">
+                <a:solidFill>
+                  <a:srgbClr val="569CD6"/>
+                </a:solidFill>
+                <a:effectLst/>
+                <a:latin typeface="Menlo" panose="020B0609030804020204" pitchFamily="49" charset="0"/>
+              </a:rPr>
+              <a:t>in</a:t>
+            </a:r>
+            <a:r>
+              <a:rPr lang="en" altLang="ja-JP" sz="3200" b="0">
+                <a:solidFill>
+                  <a:srgbClr val="D4D4D4"/>
+                </a:solidFill>
+                <a:effectLst/>
+                <a:latin typeface="Menlo" panose="020B0609030804020204" pitchFamily="49" charset="0"/>
+              </a:rPr>
+              <a:t> </a:t>
+            </a:r>
+            <a:r>
+              <a:rPr lang="en" altLang="ja-JP" sz="3200" b="0">
+                <a:solidFill>
+                  <a:srgbClr val="DCDCAA"/>
+                </a:solidFill>
+                <a:effectLst/>
+                <a:latin typeface="Menlo" panose="020B0609030804020204" pitchFamily="49" charset="0"/>
+              </a:rPr>
+              <a:t>range</a:t>
+            </a:r>
+            <a:r>
+              <a:rPr lang="en" altLang="ja-JP" sz="3200" b="0">
+                <a:solidFill>
+                  <a:srgbClr val="D4D4D4"/>
+                </a:solidFill>
+                <a:effectLst/>
+                <a:latin typeface="Menlo" panose="020B0609030804020204" pitchFamily="49" charset="0"/>
+              </a:rPr>
+              <a:t>(</a:t>
+            </a:r>
+            <a:r>
+              <a:rPr lang="en" altLang="ja-JP" sz="3200" b="0">
+                <a:solidFill>
+                  <a:srgbClr val="B5CEA8"/>
+                </a:solidFill>
+                <a:effectLst/>
+                <a:latin typeface="Menlo" panose="020B0609030804020204" pitchFamily="49" charset="0"/>
+              </a:rPr>
+              <a:t>10</a:t>
+            </a:r>
+            <a:r>
+              <a:rPr lang="en" altLang="ja-JP" sz="3200" b="0">
+                <a:solidFill>
+                  <a:srgbClr val="D4D4D4"/>
+                </a:solidFill>
+                <a:effectLst/>
+                <a:latin typeface="Menlo" panose="020B0609030804020204" pitchFamily="49" charset="0"/>
+              </a:rPr>
+              <a:t>):</a:t>
+            </a:r>
+          </a:p>
+          <a:p>
+            <a:r>
+              <a:rPr lang="en" altLang="ja-JP" sz="3200" b="0">
+                <a:solidFill>
+                  <a:srgbClr val="D4D4D4"/>
+                </a:solidFill>
+                <a:effectLst/>
+                <a:latin typeface="Menlo" panose="020B0609030804020204" pitchFamily="49" charset="0"/>
+              </a:rPr>
+              <a:t>    </a:t>
+            </a:r>
+            <a:r>
+              <a:rPr lang="en" altLang="ja-JP" sz="3200" b="0">
+                <a:solidFill>
+                  <a:srgbClr val="DCDCAA"/>
+                </a:solidFill>
+                <a:effectLst/>
+                <a:latin typeface="Menlo" panose="020B0609030804020204" pitchFamily="49" charset="0"/>
+              </a:rPr>
+              <a:t>print</a:t>
+            </a:r>
+            <a:r>
+              <a:rPr lang="en" altLang="ja-JP" sz="3200" b="0">
+                <a:solidFill>
+                  <a:srgbClr val="D4D4D4"/>
+                </a:solidFill>
+                <a:effectLst/>
+                <a:latin typeface="Menlo" panose="020B0609030804020204" pitchFamily="49" charset="0"/>
+              </a:rPr>
+              <a:t>(i)</a:t>
+            </a:r>
+          </a:p>
+        </p:txBody>
+      </p:sp>
+      <p:sp>
+        <p:nvSpPr>
+          <p:cNvPr id="5" name="テキスト ボックス 4">
+            <a:extLst>
+              <a:ext uri="{FF2B5EF4-FFF2-40B4-BE49-F238E27FC236}">
+                <a16:creationId xmlns:a16="http://schemas.microsoft.com/office/drawing/2014/main" id="{E8721C7C-CB2C-A44A-8032-EB4B324D79EB}"/>
+              </a:ext>
+            </a:extLst>
+          </p:cNvPr>
+          <p:cNvSpPr txBox="1"/>
+          <p:nvPr/>
+        </p:nvSpPr>
+        <p:spPr>
+          <a:xfrm>
+            <a:off x="755576" y="1124744"/>
+            <a:ext cx="4156715" cy="707886"/>
+          </a:xfrm>
+          <a:prstGeom prst="rect">
+            <a:avLst/>
+          </a:prstGeom>
+          <a:noFill/>
+        </p:spPr>
+        <p:txBody>
+          <a:bodyPr wrap="none" rtlCol="0">
+            <a:spAutoFit/>
+          </a:bodyPr>
+          <a:lstStyle/>
+          <a:p>
+            <a:r>
+              <a:rPr kumimoji="1" lang="en-US" altLang="ja-JP" sz="4000"/>
+              <a:t>for </a:t>
+            </a:r>
+            <a:r>
+              <a:rPr kumimoji="1" lang="ja-JP" altLang="en-US" sz="4000"/>
+              <a:t>変数</a:t>
+            </a:r>
+            <a:r>
+              <a:rPr kumimoji="1" lang="en-US" altLang="ja-JP" sz="4000"/>
+              <a:t> in </a:t>
+            </a:r>
+            <a:r>
+              <a:rPr kumimoji="1" lang="ja-JP" altLang="en-US" sz="4000"/>
+              <a:t>範囲</a:t>
+            </a:r>
+            <a:r>
+              <a:rPr kumimoji="1" lang="ja-JP" altLang="en-US" sz="4000">
+                <a:solidFill>
+                  <a:srgbClr val="FF0000"/>
+                </a:solidFill>
+              </a:rPr>
+              <a:t>：</a:t>
+            </a:r>
+            <a:endParaRPr kumimoji="1" lang="en-US" altLang="ja-JP" sz="4000">
+              <a:solidFill>
+                <a:srgbClr val="FF0000"/>
+              </a:solidFill>
+            </a:endParaRPr>
+          </a:p>
+        </p:txBody>
+      </p:sp>
+      <p:sp>
+        <p:nvSpPr>
+          <p:cNvPr id="6" name="正方形/長方形 5">
+            <a:extLst>
+              <a:ext uri="{FF2B5EF4-FFF2-40B4-BE49-F238E27FC236}">
+                <a16:creationId xmlns:a16="http://schemas.microsoft.com/office/drawing/2014/main" id="{9CDC9A86-007F-FE40-97FD-0A21AEE0F268}"/>
+              </a:ext>
+            </a:extLst>
+          </p:cNvPr>
+          <p:cNvSpPr/>
+          <p:nvPr/>
+        </p:nvSpPr>
+        <p:spPr>
+          <a:xfrm>
+            <a:off x="1547664" y="1844824"/>
+            <a:ext cx="4896544" cy="1296144"/>
+          </a:xfrm>
+          <a:prstGeom prst="rect">
+            <a:avLst/>
+          </a:prstGeom>
+          <a:noFill/>
+          <a:ln>
+            <a:solidFill>
+              <a:schemeClr val="tx1"/>
+            </a:solidFill>
+          </a:ln>
+        </p:spPr>
+        <p:style>
+          <a:lnRef idx="2">
+            <a:schemeClr val="accent1">
+              <a:shade val="50000"/>
+            </a:schemeClr>
+          </a:lnRef>
+          <a:fillRef idx="1">
+            <a:schemeClr val="accent1"/>
+          </a:fillRef>
+          <a:effectRef idx="0">
+            <a:schemeClr val="accent1"/>
+          </a:effectRef>
+          <a:fontRef idx="minor">
+            <a:schemeClr val="lt1"/>
+          </a:fontRef>
+        </p:style>
+        <p:txBody>
+          <a:bodyPr rtlCol="0" anchor="ctr"/>
+          <a:lstStyle/>
+          <a:p>
+            <a:pPr algn="ctr"/>
+            <a:r>
+              <a:rPr kumimoji="1" lang="ja-JP" altLang="en-US" sz="2800">
+                <a:solidFill>
+                  <a:schemeClr val="tx1"/>
+                </a:solidFill>
+              </a:rPr>
+              <a:t>繰り返し処理したいブロック</a:t>
+            </a:r>
+          </a:p>
+        </p:txBody>
+      </p:sp>
+      <p:sp>
+        <p:nvSpPr>
+          <p:cNvPr id="14" name="テキスト ボックス 13">
+            <a:extLst>
+              <a:ext uri="{FF2B5EF4-FFF2-40B4-BE49-F238E27FC236}">
+                <a16:creationId xmlns:a16="http://schemas.microsoft.com/office/drawing/2014/main" id="{69682584-3AD7-6949-93C8-D631956A4329}"/>
+              </a:ext>
+            </a:extLst>
+          </p:cNvPr>
+          <p:cNvSpPr txBox="1"/>
+          <p:nvPr/>
+        </p:nvSpPr>
+        <p:spPr>
+          <a:xfrm>
+            <a:off x="569144" y="5614000"/>
+            <a:ext cx="4087979" cy="400110"/>
+          </a:xfrm>
+          <a:prstGeom prst="rect">
+            <a:avLst/>
+          </a:prstGeom>
+          <a:noFill/>
+        </p:spPr>
+        <p:txBody>
+          <a:bodyPr wrap="none" rtlCol="0">
+            <a:spAutoFit/>
+          </a:bodyPr>
+          <a:lstStyle/>
+          <a:p>
+            <a:r>
+              <a:rPr kumimoji="1" lang="ja-JP" altLang="en-US" sz="2000"/>
+              <a:t>この変数</a:t>
+            </a:r>
+            <a:r>
+              <a:rPr kumimoji="1" lang="en-US" altLang="ja-JP" sz="2000"/>
+              <a:t>i</a:t>
+            </a:r>
+            <a:r>
+              <a:rPr kumimoji="1" lang="ja-JP" altLang="en-US" sz="2000"/>
+              <a:t>をループカウンタと呼ぶ</a:t>
+            </a:r>
+          </a:p>
+        </p:txBody>
+      </p:sp>
+      <p:sp>
+        <p:nvSpPr>
+          <p:cNvPr id="15" name="右中かっこ 14">
+            <a:extLst>
+              <a:ext uri="{FF2B5EF4-FFF2-40B4-BE49-F238E27FC236}">
+                <a16:creationId xmlns:a16="http://schemas.microsoft.com/office/drawing/2014/main" id="{E9EF6A45-68C4-C94B-89E7-79717FBF586E}"/>
+              </a:ext>
+            </a:extLst>
+          </p:cNvPr>
+          <p:cNvSpPr/>
+          <p:nvPr/>
+        </p:nvSpPr>
+        <p:spPr>
+          <a:xfrm>
+            <a:off x="6516216" y="1844824"/>
+            <a:ext cx="288032" cy="1296144"/>
+          </a:xfrm>
+          <a:prstGeom prst="rightBrace">
+            <a:avLst/>
+          </a:prstGeom>
+          <a:ln>
+            <a:solidFill>
+              <a:schemeClr val="tx1"/>
+            </a:solidFill>
+            <a:headEnd type="none" w="med" len="med"/>
+            <a:tailEnd type="none" w="med" len="med"/>
+          </a:ln>
+        </p:spPr>
+        <p:style>
+          <a:lnRef idx="1">
+            <a:schemeClr val="accent1"/>
+          </a:lnRef>
+          <a:fillRef idx="0">
+            <a:schemeClr val="accent1"/>
+          </a:fillRef>
+          <a:effectRef idx="0">
+            <a:schemeClr val="accent1"/>
+          </a:effectRef>
+          <a:fontRef idx="minor">
+            <a:schemeClr val="tx1"/>
+          </a:fontRef>
+        </p:style>
+        <p:txBody>
+          <a:bodyPr rtlCol="0" anchor="ctr"/>
+          <a:lstStyle/>
+          <a:p>
+            <a:pPr algn="ctr"/>
+            <a:endParaRPr kumimoji="1" lang="ja-JP" altLang="en-US"/>
+          </a:p>
+        </p:txBody>
+      </p:sp>
+      <p:sp>
+        <p:nvSpPr>
+          <p:cNvPr id="16" name="テキスト ボックス 15">
+            <a:extLst>
+              <a:ext uri="{FF2B5EF4-FFF2-40B4-BE49-F238E27FC236}">
+                <a16:creationId xmlns:a16="http://schemas.microsoft.com/office/drawing/2014/main" id="{23A35051-6920-134E-8C20-16CC7EDC8216}"/>
+              </a:ext>
+            </a:extLst>
+          </p:cNvPr>
+          <p:cNvSpPr txBox="1"/>
+          <p:nvPr/>
+        </p:nvSpPr>
+        <p:spPr>
+          <a:xfrm>
+            <a:off x="6948264" y="2276872"/>
+            <a:ext cx="1569660" cy="369332"/>
+          </a:xfrm>
+          <a:prstGeom prst="rect">
+            <a:avLst/>
+          </a:prstGeom>
+          <a:noFill/>
+        </p:spPr>
+        <p:txBody>
+          <a:bodyPr wrap="none" rtlCol="0">
+            <a:spAutoFit/>
+          </a:bodyPr>
+          <a:lstStyle/>
+          <a:p>
+            <a:r>
+              <a:rPr kumimoji="1" lang="ja-JP" altLang="en-US"/>
+              <a:t>何行でも良い</a:t>
+            </a:r>
+          </a:p>
+        </p:txBody>
+      </p:sp>
+      <p:sp>
+        <p:nvSpPr>
+          <p:cNvPr id="17" name="テキスト ボックス 16">
+            <a:extLst>
+              <a:ext uri="{FF2B5EF4-FFF2-40B4-BE49-F238E27FC236}">
+                <a16:creationId xmlns:a16="http://schemas.microsoft.com/office/drawing/2014/main" id="{D3EA2A11-7998-1145-AFA3-CE968348BAF7}"/>
+              </a:ext>
+            </a:extLst>
+          </p:cNvPr>
+          <p:cNvSpPr txBox="1"/>
+          <p:nvPr/>
+        </p:nvSpPr>
+        <p:spPr>
+          <a:xfrm>
+            <a:off x="5724128" y="1268760"/>
+            <a:ext cx="2031325" cy="369332"/>
+          </a:xfrm>
+          <a:prstGeom prst="rect">
+            <a:avLst/>
+          </a:prstGeom>
+          <a:noFill/>
+        </p:spPr>
+        <p:txBody>
+          <a:bodyPr wrap="none" rtlCol="0">
+            <a:spAutoFit/>
+          </a:bodyPr>
+          <a:lstStyle/>
+          <a:p>
+            <a:r>
+              <a:rPr kumimoji="1" lang="ja-JP" altLang="en-US"/>
+              <a:t>コロンを忘れない</a:t>
+            </a:r>
+          </a:p>
+        </p:txBody>
+      </p:sp>
+      <p:cxnSp>
+        <p:nvCxnSpPr>
+          <p:cNvPr id="19" name="直線矢印コネクタ 18">
+            <a:extLst>
+              <a:ext uri="{FF2B5EF4-FFF2-40B4-BE49-F238E27FC236}">
+                <a16:creationId xmlns:a16="http://schemas.microsoft.com/office/drawing/2014/main" id="{DC9D5293-12DB-4047-B4CD-F4807EE89041}"/>
+              </a:ext>
+            </a:extLst>
+          </p:cNvPr>
+          <p:cNvCxnSpPr>
+            <a:cxnSpLocks/>
+          </p:cNvCxnSpPr>
+          <p:nvPr/>
+        </p:nvCxnSpPr>
+        <p:spPr>
+          <a:xfrm flipH="1">
+            <a:off x="4716016" y="1484784"/>
+            <a:ext cx="936104" cy="0"/>
+          </a:xfrm>
+          <a:prstGeom prst="straightConnector1">
+            <a:avLst/>
+          </a:prstGeom>
+          <a:ln>
+            <a:solidFill>
+              <a:schemeClr val="tx1"/>
+            </a:solidFill>
+            <a:headEnd type="none" w="med" len="med"/>
+            <a:tailEnd type="triangle"/>
+          </a:ln>
+        </p:spPr>
+        <p:style>
+          <a:lnRef idx="1">
+            <a:schemeClr val="accent1"/>
+          </a:lnRef>
+          <a:fillRef idx="0">
+            <a:schemeClr val="accent1"/>
+          </a:fillRef>
+          <a:effectRef idx="0">
+            <a:schemeClr val="accent1"/>
+          </a:effectRef>
+          <a:fontRef idx="minor">
+            <a:schemeClr val="tx1"/>
+          </a:fontRef>
+        </p:style>
+      </p:cxnSp>
+      <p:cxnSp>
+        <p:nvCxnSpPr>
+          <p:cNvPr id="22" name="直線矢印コネクタ 21">
+            <a:extLst>
+              <a:ext uri="{FF2B5EF4-FFF2-40B4-BE49-F238E27FC236}">
+                <a16:creationId xmlns:a16="http://schemas.microsoft.com/office/drawing/2014/main" id="{84204960-5321-8C4E-98DC-62EE7C178837}"/>
+              </a:ext>
+            </a:extLst>
+          </p:cNvPr>
+          <p:cNvCxnSpPr>
+            <a:cxnSpLocks/>
+          </p:cNvCxnSpPr>
+          <p:nvPr/>
+        </p:nvCxnSpPr>
+        <p:spPr>
+          <a:xfrm>
+            <a:off x="827584" y="2348880"/>
+            <a:ext cx="648072" cy="0"/>
+          </a:xfrm>
+          <a:prstGeom prst="straightConnector1">
+            <a:avLst/>
+          </a:prstGeom>
+          <a:ln>
+            <a:solidFill>
+              <a:schemeClr val="tx1"/>
+            </a:solidFill>
+            <a:headEnd type="triangle"/>
+            <a:tailEnd type="triangle"/>
+          </a:ln>
+        </p:spPr>
+        <p:style>
+          <a:lnRef idx="1">
+            <a:schemeClr val="accent1"/>
+          </a:lnRef>
+          <a:fillRef idx="0">
+            <a:schemeClr val="accent1"/>
+          </a:fillRef>
+          <a:effectRef idx="0">
+            <a:schemeClr val="accent1"/>
+          </a:effectRef>
+          <a:fontRef idx="minor">
+            <a:schemeClr val="tx1"/>
+          </a:fontRef>
+        </p:style>
+      </p:cxnSp>
+      <p:sp>
+        <p:nvSpPr>
+          <p:cNvPr id="24" name="テキスト ボックス 23">
+            <a:extLst>
+              <a:ext uri="{FF2B5EF4-FFF2-40B4-BE49-F238E27FC236}">
+                <a16:creationId xmlns:a16="http://schemas.microsoft.com/office/drawing/2014/main" id="{AE7AC435-2CE0-D243-BB8A-E9F307BC55FA}"/>
+              </a:ext>
+            </a:extLst>
+          </p:cNvPr>
+          <p:cNvSpPr txBox="1"/>
+          <p:nvPr/>
+        </p:nvSpPr>
+        <p:spPr>
+          <a:xfrm>
+            <a:off x="251520" y="2564904"/>
+            <a:ext cx="1338828" cy="369332"/>
+          </a:xfrm>
+          <a:prstGeom prst="rect">
+            <a:avLst/>
+          </a:prstGeom>
+          <a:noFill/>
+        </p:spPr>
+        <p:txBody>
+          <a:bodyPr wrap="none" rtlCol="0">
+            <a:spAutoFit/>
+          </a:bodyPr>
+          <a:lstStyle/>
+          <a:p>
+            <a:r>
+              <a:rPr kumimoji="1" lang="ja-JP" altLang="en-US"/>
+              <a:t>インデント</a:t>
             </a:r>
           </a:p>
         </p:txBody>
@@ -9013,7 +10233,7 @@
     </p:spTree>
     <p:extLst>
       <p:ext uri="{BB962C8B-B14F-4D97-AF65-F5344CB8AC3E}">
-        <p14:creationId xmlns:p14="http://schemas.microsoft.com/office/powerpoint/2010/main" val="3228288268"/>
+        <p14:creationId xmlns:p14="http://schemas.microsoft.com/office/powerpoint/2010/main" val="3632045796"/>
       </p:ext>
     </p:extLst>
   </p:cSld>
@@ -9045,7 +10265,7 @@
           <p:cNvPr id="2" name="テキスト プレースホルダー 1">
             <a:extLst>
               <a:ext uri="{FF2B5EF4-FFF2-40B4-BE49-F238E27FC236}">
-                <a16:creationId xmlns:a16="http://schemas.microsoft.com/office/drawing/2014/main" id="{7D53C28E-8BB6-AC4F-8FA6-2571E9AE7E98}"/>
+                <a16:creationId xmlns:a16="http://schemas.microsoft.com/office/drawing/2014/main" id="{6FD8DE4E-4397-D44C-B544-2A21D64C41D1}"/>
               </a:ext>
             </a:extLst>
           </p:cNvPr>
@@ -9063,7 +10283,610 @@
           <a:p>
             <a:r>
               <a:rPr kumimoji="1" lang="ja-JP" altLang="en-US"/>
-              <a:t>ニュートン法</a:t>
+              <a:t>繰り返し文</a:t>
+            </a:r>
+          </a:p>
+        </p:txBody>
+      </p:sp>
+      <p:sp>
+        <p:nvSpPr>
+          <p:cNvPr id="5" name="正方形/長方形 4">
+            <a:extLst>
+              <a:ext uri="{FF2B5EF4-FFF2-40B4-BE49-F238E27FC236}">
+                <a16:creationId xmlns:a16="http://schemas.microsoft.com/office/drawing/2014/main" id="{D38B70EF-E492-CE4E-AC6B-A96D49EC8827}"/>
+              </a:ext>
+            </a:extLst>
+          </p:cNvPr>
+          <p:cNvSpPr/>
+          <p:nvPr/>
+        </p:nvSpPr>
+        <p:spPr>
+          <a:xfrm>
+            <a:off x="1259632" y="4581128"/>
+            <a:ext cx="3816424" cy="830997"/>
+          </a:xfrm>
+          <a:prstGeom prst="rect">
+            <a:avLst/>
+          </a:prstGeom>
+          <a:solidFill>
+            <a:schemeClr val="tx1"/>
+          </a:solidFill>
+        </p:spPr>
+        <p:txBody>
+          <a:bodyPr wrap="square">
+            <a:spAutoFit/>
+          </a:bodyPr>
+          <a:lstStyle/>
+          <a:p>
+            <a:r>
+              <a:rPr lang="en" altLang="ja-JP" sz="2400" b="0">
+                <a:solidFill>
+                  <a:srgbClr val="C586C0"/>
+                </a:solidFill>
+                <a:effectLst/>
+                <a:latin typeface="Menlo" panose="020B0609030804020204" pitchFamily="49" charset="0"/>
+              </a:rPr>
+              <a:t>for</a:t>
+            </a:r>
+            <a:r>
+              <a:rPr lang="en" altLang="ja-JP" sz="2400" b="0">
+                <a:solidFill>
+                  <a:srgbClr val="D4D4D4"/>
+                </a:solidFill>
+                <a:effectLst/>
+                <a:latin typeface="Menlo" panose="020B0609030804020204" pitchFamily="49" charset="0"/>
+              </a:rPr>
+              <a:t> _ </a:t>
+            </a:r>
+            <a:r>
+              <a:rPr lang="en" altLang="ja-JP" sz="2400" b="0">
+                <a:solidFill>
+                  <a:srgbClr val="569CD6"/>
+                </a:solidFill>
+                <a:effectLst/>
+                <a:latin typeface="Menlo" panose="020B0609030804020204" pitchFamily="49" charset="0"/>
+              </a:rPr>
+              <a:t>in</a:t>
+            </a:r>
+            <a:r>
+              <a:rPr lang="en" altLang="ja-JP" sz="2400" b="0">
+                <a:solidFill>
+                  <a:srgbClr val="D4D4D4"/>
+                </a:solidFill>
+                <a:effectLst/>
+                <a:latin typeface="Menlo" panose="020B0609030804020204" pitchFamily="49" charset="0"/>
+              </a:rPr>
+              <a:t> </a:t>
+            </a:r>
+            <a:r>
+              <a:rPr lang="en" altLang="ja-JP" sz="2400" b="0">
+                <a:solidFill>
+                  <a:srgbClr val="DCDCAA"/>
+                </a:solidFill>
+                <a:effectLst/>
+                <a:latin typeface="Menlo" panose="020B0609030804020204" pitchFamily="49" charset="0"/>
+              </a:rPr>
+              <a:t>range</a:t>
+            </a:r>
+            <a:r>
+              <a:rPr lang="en" altLang="ja-JP" sz="2400" b="0">
+                <a:solidFill>
+                  <a:srgbClr val="D4D4D4"/>
+                </a:solidFill>
+                <a:effectLst/>
+                <a:latin typeface="Menlo" panose="020B0609030804020204" pitchFamily="49" charset="0"/>
+              </a:rPr>
+              <a:t>(</a:t>
+            </a:r>
+            <a:r>
+              <a:rPr lang="en" altLang="ja-JP" sz="2400" b="0">
+                <a:solidFill>
+                  <a:srgbClr val="B5CEA8"/>
+                </a:solidFill>
+                <a:effectLst/>
+                <a:latin typeface="Menlo" panose="020B0609030804020204" pitchFamily="49" charset="0"/>
+              </a:rPr>
+              <a:t>10</a:t>
+            </a:r>
+            <a:r>
+              <a:rPr lang="en" altLang="ja-JP" sz="2400" b="0">
+                <a:solidFill>
+                  <a:srgbClr val="D4D4D4"/>
+                </a:solidFill>
+                <a:effectLst/>
+                <a:latin typeface="Menlo" panose="020B0609030804020204" pitchFamily="49" charset="0"/>
+              </a:rPr>
+              <a:t>):</a:t>
+            </a:r>
+          </a:p>
+          <a:p>
+            <a:r>
+              <a:rPr lang="en" altLang="ja-JP" sz="2400" b="0">
+                <a:solidFill>
+                  <a:srgbClr val="D4D4D4"/>
+                </a:solidFill>
+                <a:effectLst/>
+                <a:latin typeface="Menlo" panose="020B0609030804020204" pitchFamily="49" charset="0"/>
+              </a:rPr>
+              <a:t>    </a:t>
+            </a:r>
+            <a:r>
+              <a:rPr lang="en" altLang="ja-JP" sz="2400" b="0">
+                <a:solidFill>
+                  <a:srgbClr val="DCDCAA"/>
+                </a:solidFill>
+                <a:effectLst/>
+                <a:latin typeface="Menlo" panose="020B0609030804020204" pitchFamily="49" charset="0"/>
+              </a:rPr>
+              <a:t>print</a:t>
+            </a:r>
+            <a:r>
+              <a:rPr lang="en" altLang="ja-JP" sz="2400" b="0">
+                <a:solidFill>
+                  <a:srgbClr val="D4D4D4"/>
+                </a:solidFill>
+                <a:effectLst/>
+                <a:latin typeface="Menlo" panose="020B0609030804020204" pitchFamily="49" charset="0"/>
+              </a:rPr>
+              <a:t>(</a:t>
+            </a:r>
+            <a:r>
+              <a:rPr lang="en" altLang="ja-JP" sz="2400" b="0">
+                <a:solidFill>
+                  <a:srgbClr val="CE9178"/>
+                </a:solidFill>
+                <a:effectLst/>
+                <a:latin typeface="Menlo" panose="020B0609030804020204" pitchFamily="49" charset="0"/>
+              </a:rPr>
+              <a:t>"Hello"</a:t>
+            </a:r>
+            <a:r>
+              <a:rPr lang="en" altLang="ja-JP" sz="2400" b="0">
+                <a:solidFill>
+                  <a:srgbClr val="D4D4D4"/>
+                </a:solidFill>
+                <a:effectLst/>
+                <a:latin typeface="Menlo" panose="020B0609030804020204" pitchFamily="49" charset="0"/>
+              </a:rPr>
+              <a:t>)</a:t>
+            </a:r>
+          </a:p>
+        </p:txBody>
+      </p:sp>
+      <p:sp>
+        <p:nvSpPr>
+          <p:cNvPr id="7" name="正方形/長方形 6">
+            <a:extLst>
+              <a:ext uri="{FF2B5EF4-FFF2-40B4-BE49-F238E27FC236}">
+                <a16:creationId xmlns:a16="http://schemas.microsoft.com/office/drawing/2014/main" id="{E2204747-2DE2-E949-8AE0-18A26008F625}"/>
+              </a:ext>
+            </a:extLst>
+          </p:cNvPr>
+          <p:cNvSpPr/>
+          <p:nvPr/>
+        </p:nvSpPr>
+        <p:spPr>
+          <a:xfrm>
+            <a:off x="1259632" y="1556792"/>
+            <a:ext cx="3816424" cy="830997"/>
+          </a:xfrm>
+          <a:prstGeom prst="rect">
+            <a:avLst/>
+          </a:prstGeom>
+          <a:solidFill>
+            <a:schemeClr val="tx1"/>
+          </a:solidFill>
+        </p:spPr>
+        <p:txBody>
+          <a:bodyPr wrap="square">
+            <a:spAutoFit/>
+          </a:bodyPr>
+          <a:lstStyle/>
+          <a:p>
+            <a:r>
+              <a:rPr lang="en" altLang="ja-JP" sz="2400" b="0">
+                <a:solidFill>
+                  <a:srgbClr val="C586C0"/>
+                </a:solidFill>
+                <a:effectLst/>
+                <a:latin typeface="Menlo" panose="020B0609030804020204" pitchFamily="49" charset="0"/>
+              </a:rPr>
+              <a:t>for</a:t>
+            </a:r>
+            <a:r>
+              <a:rPr lang="en" altLang="ja-JP" sz="2400" b="0">
+                <a:solidFill>
+                  <a:srgbClr val="D4D4D4"/>
+                </a:solidFill>
+                <a:effectLst/>
+                <a:latin typeface="Menlo" panose="020B0609030804020204" pitchFamily="49" charset="0"/>
+              </a:rPr>
+              <a:t> j </a:t>
+            </a:r>
+            <a:r>
+              <a:rPr lang="en" altLang="ja-JP" sz="2400" b="0">
+                <a:solidFill>
+                  <a:srgbClr val="569CD6"/>
+                </a:solidFill>
+                <a:effectLst/>
+                <a:latin typeface="Menlo" panose="020B0609030804020204" pitchFamily="49" charset="0"/>
+              </a:rPr>
+              <a:t>in</a:t>
+            </a:r>
+            <a:r>
+              <a:rPr lang="en" altLang="ja-JP" sz="2400" b="0">
+                <a:solidFill>
+                  <a:srgbClr val="D4D4D4"/>
+                </a:solidFill>
+                <a:effectLst/>
+                <a:latin typeface="Menlo" panose="020B0609030804020204" pitchFamily="49" charset="0"/>
+              </a:rPr>
+              <a:t> </a:t>
+            </a:r>
+            <a:r>
+              <a:rPr lang="en" altLang="ja-JP" sz="2400" b="0">
+                <a:solidFill>
+                  <a:srgbClr val="DCDCAA"/>
+                </a:solidFill>
+                <a:effectLst/>
+                <a:latin typeface="Menlo" panose="020B0609030804020204" pitchFamily="49" charset="0"/>
+              </a:rPr>
+              <a:t>range</a:t>
+            </a:r>
+            <a:r>
+              <a:rPr lang="en" altLang="ja-JP" sz="2400" b="0">
+                <a:solidFill>
+                  <a:srgbClr val="D4D4D4"/>
+                </a:solidFill>
+                <a:effectLst/>
+                <a:latin typeface="Menlo" panose="020B0609030804020204" pitchFamily="49" charset="0"/>
+              </a:rPr>
+              <a:t>(</a:t>
+            </a:r>
+            <a:r>
+              <a:rPr lang="en" altLang="ja-JP" sz="2400" b="0">
+                <a:solidFill>
+                  <a:srgbClr val="B5CEA8"/>
+                </a:solidFill>
+                <a:effectLst/>
+                <a:latin typeface="Menlo" panose="020B0609030804020204" pitchFamily="49" charset="0"/>
+              </a:rPr>
+              <a:t>10</a:t>
+            </a:r>
+            <a:r>
+              <a:rPr lang="en" altLang="ja-JP" sz="2400" b="0">
+                <a:solidFill>
+                  <a:srgbClr val="D4D4D4"/>
+                </a:solidFill>
+                <a:effectLst/>
+                <a:latin typeface="Menlo" panose="020B0609030804020204" pitchFamily="49" charset="0"/>
+              </a:rPr>
+              <a:t>):</a:t>
+            </a:r>
+          </a:p>
+          <a:p>
+            <a:r>
+              <a:rPr lang="en" altLang="ja-JP" sz="2400" b="0">
+                <a:solidFill>
+                  <a:srgbClr val="D4D4D4"/>
+                </a:solidFill>
+                <a:effectLst/>
+                <a:latin typeface="Menlo" panose="020B0609030804020204" pitchFamily="49" charset="0"/>
+              </a:rPr>
+              <a:t>    </a:t>
+            </a:r>
+            <a:r>
+              <a:rPr lang="en" altLang="ja-JP" sz="2400" b="0">
+                <a:solidFill>
+                  <a:srgbClr val="DCDCAA"/>
+                </a:solidFill>
+                <a:effectLst/>
+                <a:latin typeface="Menlo" panose="020B0609030804020204" pitchFamily="49" charset="0"/>
+              </a:rPr>
+              <a:t>print</a:t>
+            </a:r>
+            <a:r>
+              <a:rPr lang="en" altLang="ja-JP" sz="2400" b="0">
+                <a:solidFill>
+                  <a:srgbClr val="D4D4D4"/>
+                </a:solidFill>
+                <a:effectLst/>
+                <a:latin typeface="Menlo" panose="020B0609030804020204" pitchFamily="49" charset="0"/>
+              </a:rPr>
+              <a:t>(j)</a:t>
+            </a:r>
+          </a:p>
+        </p:txBody>
+      </p:sp>
+      <p:sp>
+        <p:nvSpPr>
+          <p:cNvPr id="8" name="テキスト ボックス 7">
+            <a:extLst>
+              <a:ext uri="{FF2B5EF4-FFF2-40B4-BE49-F238E27FC236}">
+                <a16:creationId xmlns:a16="http://schemas.microsoft.com/office/drawing/2014/main" id="{DBF3C8CD-0A6D-2842-B442-3160621F9986}"/>
+              </a:ext>
+            </a:extLst>
+          </p:cNvPr>
+          <p:cNvSpPr txBox="1"/>
+          <p:nvPr/>
+        </p:nvSpPr>
+        <p:spPr>
+          <a:xfrm>
+            <a:off x="251520" y="980728"/>
+            <a:ext cx="6032421" cy="461665"/>
+          </a:xfrm>
+          <a:prstGeom prst="rect">
+            <a:avLst/>
+          </a:prstGeom>
+          <a:noFill/>
+        </p:spPr>
+        <p:txBody>
+          <a:bodyPr wrap="none" rtlCol="0">
+            <a:spAutoFit/>
+          </a:bodyPr>
+          <a:lstStyle/>
+          <a:p>
+            <a:r>
+              <a:rPr kumimoji="1" lang="ja-JP" altLang="en-US" sz="2400"/>
+              <a:t>ループカウンタに使う変数はなんでも良い</a:t>
+            </a:r>
+          </a:p>
+        </p:txBody>
+      </p:sp>
+      <p:sp>
+        <p:nvSpPr>
+          <p:cNvPr id="9" name="テキスト ボックス 8">
+            <a:extLst>
+              <a:ext uri="{FF2B5EF4-FFF2-40B4-BE49-F238E27FC236}">
+                <a16:creationId xmlns:a16="http://schemas.microsoft.com/office/drawing/2014/main" id="{935A8A56-D1A1-2F4D-9A5D-291B4E19C38F}"/>
+              </a:ext>
+            </a:extLst>
+          </p:cNvPr>
+          <p:cNvSpPr txBox="1"/>
+          <p:nvPr/>
+        </p:nvSpPr>
+        <p:spPr>
+          <a:xfrm>
+            <a:off x="5148064" y="1772816"/>
+            <a:ext cx="1512168" cy="369332"/>
+          </a:xfrm>
+          <a:prstGeom prst="rect">
+            <a:avLst/>
+          </a:prstGeom>
+          <a:noFill/>
+        </p:spPr>
+        <p:txBody>
+          <a:bodyPr wrap="square" rtlCol="0">
+            <a:spAutoFit/>
+          </a:bodyPr>
+          <a:lstStyle/>
+          <a:p>
+            <a:r>
+              <a:rPr kumimoji="1" lang="ja-JP" altLang="en-US"/>
+              <a:t>ｊでも良い</a:t>
+            </a:r>
+          </a:p>
+        </p:txBody>
+      </p:sp>
+      <p:sp>
+        <p:nvSpPr>
+          <p:cNvPr id="11" name="テキスト ボックス 10">
+            <a:extLst>
+              <a:ext uri="{FF2B5EF4-FFF2-40B4-BE49-F238E27FC236}">
+                <a16:creationId xmlns:a16="http://schemas.microsoft.com/office/drawing/2014/main" id="{038BBE45-618F-3A4D-B3F9-B3F9A1DE9F18}"/>
+              </a:ext>
+            </a:extLst>
+          </p:cNvPr>
+          <p:cNvSpPr txBox="1"/>
+          <p:nvPr/>
+        </p:nvSpPr>
+        <p:spPr>
+          <a:xfrm>
+            <a:off x="6983760" y="2780928"/>
+            <a:ext cx="2160240" cy="369332"/>
+          </a:xfrm>
+          <a:prstGeom prst="rect">
+            <a:avLst/>
+          </a:prstGeom>
+          <a:noFill/>
+        </p:spPr>
+        <p:txBody>
+          <a:bodyPr wrap="square" rtlCol="0">
+            <a:spAutoFit/>
+          </a:bodyPr>
+          <a:lstStyle/>
+          <a:p>
+            <a:r>
+              <a:rPr kumimoji="1" lang="ja-JP" altLang="en-US"/>
+              <a:t>長い名前でも良い</a:t>
+            </a:r>
+          </a:p>
+        </p:txBody>
+      </p:sp>
+      <p:sp>
+        <p:nvSpPr>
+          <p:cNvPr id="12" name="正方形/長方形 11">
+            <a:extLst>
+              <a:ext uri="{FF2B5EF4-FFF2-40B4-BE49-F238E27FC236}">
+                <a16:creationId xmlns:a16="http://schemas.microsoft.com/office/drawing/2014/main" id="{B46C07EE-E706-AC49-ADCE-48E86DA2E5A2}"/>
+              </a:ext>
+            </a:extLst>
+          </p:cNvPr>
+          <p:cNvSpPr/>
+          <p:nvPr/>
+        </p:nvSpPr>
+        <p:spPr>
+          <a:xfrm>
+            <a:off x="1259632" y="2564904"/>
+            <a:ext cx="5616624" cy="830997"/>
+          </a:xfrm>
+          <a:prstGeom prst="rect">
+            <a:avLst/>
+          </a:prstGeom>
+          <a:solidFill>
+            <a:schemeClr val="tx1"/>
+          </a:solidFill>
+        </p:spPr>
+        <p:txBody>
+          <a:bodyPr wrap="square">
+            <a:spAutoFit/>
+          </a:bodyPr>
+          <a:lstStyle/>
+          <a:p>
+            <a:r>
+              <a:rPr lang="en" altLang="ja-JP" sz="2400" b="0">
+                <a:solidFill>
+                  <a:srgbClr val="C586C0"/>
+                </a:solidFill>
+                <a:effectLst/>
+                <a:latin typeface="Menlo" panose="020B0609030804020204" pitchFamily="49" charset="0"/>
+              </a:rPr>
+              <a:t>for</a:t>
+            </a:r>
+            <a:r>
+              <a:rPr lang="en" altLang="ja-JP" sz="2400" b="0">
+                <a:solidFill>
+                  <a:srgbClr val="D4D4D4"/>
+                </a:solidFill>
+                <a:effectLst/>
+                <a:latin typeface="Menlo" panose="020B0609030804020204" pitchFamily="49" charset="0"/>
+              </a:rPr>
+              <a:t> abracadabra </a:t>
+            </a:r>
+            <a:r>
+              <a:rPr lang="en" altLang="ja-JP" sz="2400" b="0">
+                <a:solidFill>
+                  <a:srgbClr val="569CD6"/>
+                </a:solidFill>
+                <a:effectLst/>
+                <a:latin typeface="Menlo" panose="020B0609030804020204" pitchFamily="49" charset="0"/>
+              </a:rPr>
+              <a:t>in</a:t>
+            </a:r>
+            <a:r>
+              <a:rPr lang="en" altLang="ja-JP" sz="2400" b="0">
+                <a:solidFill>
+                  <a:srgbClr val="D4D4D4"/>
+                </a:solidFill>
+                <a:effectLst/>
+                <a:latin typeface="Menlo" panose="020B0609030804020204" pitchFamily="49" charset="0"/>
+              </a:rPr>
+              <a:t> </a:t>
+            </a:r>
+            <a:r>
+              <a:rPr lang="en" altLang="ja-JP" sz="2400" b="0">
+                <a:solidFill>
+                  <a:srgbClr val="DCDCAA"/>
+                </a:solidFill>
+                <a:effectLst/>
+                <a:latin typeface="Menlo" panose="020B0609030804020204" pitchFamily="49" charset="0"/>
+              </a:rPr>
+              <a:t>range</a:t>
+            </a:r>
+            <a:r>
+              <a:rPr lang="en" altLang="ja-JP" sz="2400" b="0">
+                <a:solidFill>
+                  <a:srgbClr val="D4D4D4"/>
+                </a:solidFill>
+                <a:effectLst/>
+                <a:latin typeface="Menlo" panose="020B0609030804020204" pitchFamily="49" charset="0"/>
+              </a:rPr>
+              <a:t>(</a:t>
+            </a:r>
+            <a:r>
+              <a:rPr lang="en" altLang="ja-JP" sz="2400" b="0">
+                <a:solidFill>
+                  <a:srgbClr val="B5CEA8"/>
+                </a:solidFill>
+                <a:effectLst/>
+                <a:latin typeface="Menlo" panose="020B0609030804020204" pitchFamily="49" charset="0"/>
+              </a:rPr>
+              <a:t>10</a:t>
+            </a:r>
+            <a:r>
+              <a:rPr lang="en" altLang="ja-JP" sz="2400" b="0">
+                <a:solidFill>
+                  <a:srgbClr val="D4D4D4"/>
+                </a:solidFill>
+                <a:effectLst/>
+                <a:latin typeface="Menlo" panose="020B0609030804020204" pitchFamily="49" charset="0"/>
+              </a:rPr>
+              <a:t>):</a:t>
+            </a:r>
+          </a:p>
+          <a:p>
+            <a:r>
+              <a:rPr lang="en" altLang="ja-JP" sz="2400" b="0">
+                <a:solidFill>
+                  <a:srgbClr val="D4D4D4"/>
+                </a:solidFill>
+                <a:effectLst/>
+                <a:latin typeface="Menlo" panose="020B0609030804020204" pitchFamily="49" charset="0"/>
+              </a:rPr>
+              <a:t>    </a:t>
+            </a:r>
+            <a:r>
+              <a:rPr lang="en" altLang="ja-JP" sz="2400" b="0">
+                <a:solidFill>
+                  <a:srgbClr val="DCDCAA"/>
+                </a:solidFill>
+                <a:effectLst/>
+                <a:latin typeface="Menlo" panose="020B0609030804020204" pitchFamily="49" charset="0"/>
+              </a:rPr>
+              <a:t>print</a:t>
+            </a:r>
+            <a:r>
+              <a:rPr lang="en" altLang="ja-JP" sz="2400" b="0">
+                <a:solidFill>
+                  <a:srgbClr val="D4D4D4"/>
+                </a:solidFill>
+                <a:effectLst/>
+                <a:latin typeface="Menlo" panose="020B0609030804020204" pitchFamily="49" charset="0"/>
+              </a:rPr>
+              <a:t>(abracadabra)</a:t>
+            </a:r>
+          </a:p>
+        </p:txBody>
+      </p:sp>
+      <p:sp>
+        <p:nvSpPr>
+          <p:cNvPr id="13" name="テキスト ボックス 12">
+            <a:extLst>
+              <a:ext uri="{FF2B5EF4-FFF2-40B4-BE49-F238E27FC236}">
+                <a16:creationId xmlns:a16="http://schemas.microsoft.com/office/drawing/2014/main" id="{517862B9-D41C-C242-8C41-AFA95A600B96}"/>
+              </a:ext>
+            </a:extLst>
+          </p:cNvPr>
+          <p:cNvSpPr txBox="1"/>
+          <p:nvPr/>
+        </p:nvSpPr>
+        <p:spPr>
+          <a:xfrm>
+            <a:off x="107504" y="3861048"/>
+            <a:ext cx="8664551" cy="461665"/>
+          </a:xfrm>
+          <a:prstGeom prst="rect">
+            <a:avLst/>
+          </a:prstGeom>
+          <a:noFill/>
+        </p:spPr>
+        <p:txBody>
+          <a:bodyPr wrap="none" rtlCol="0">
+            <a:spAutoFit/>
+          </a:bodyPr>
+          <a:lstStyle/>
+          <a:p>
+            <a:r>
+              <a:rPr kumimoji="1" lang="ja-JP" altLang="en-US" sz="2400"/>
+              <a:t>ループカウンタが不要な場合はアンダースコア「</a:t>
+            </a:r>
+            <a:r>
+              <a:rPr kumimoji="1" lang="en-US" altLang="ja-JP" sz="2400"/>
+              <a:t>_</a:t>
+            </a:r>
+            <a:r>
+              <a:rPr kumimoji="1" lang="ja-JP" altLang="en-US" sz="2400"/>
+              <a:t>」を使う</a:t>
             </a:r>
           </a:p>
         </p:txBody>
@@ -9071,7 +10894,487 @@
     </p:spTree>
     <p:extLst>
       <p:ext uri="{BB962C8B-B14F-4D97-AF65-F5344CB8AC3E}">
-        <p14:creationId xmlns:p14="http://schemas.microsoft.com/office/powerpoint/2010/main" val="3585941373"/>
+        <p14:creationId xmlns:p14="http://schemas.microsoft.com/office/powerpoint/2010/main" val="344435208"/>
+      </p:ext>
+    </p:extLst>
+  </p:cSld>
+  <p:clrMapOvr>
+    <a:masterClrMapping/>
+  </p:clrMapOvr>
+</p:sld>
+</file>
+
+<file path=ppt/slides/slide19.xml><?xml version="1.0" encoding="utf-8"?>
+<p:sld xmlns:a="http://schemas.openxmlformats.org/drawingml/2006/main" xmlns:r="http://schemas.openxmlformats.org/officeDocument/2006/relationships" xmlns:p="http://schemas.openxmlformats.org/presentationml/2006/main">
+  <p:cSld>
+    <p:spTree>
+      <p:nvGrpSpPr>
+        <p:cNvPr id="1" name=""/>
+        <p:cNvGrpSpPr/>
+        <p:nvPr/>
+      </p:nvGrpSpPr>
+      <p:grpSpPr>
+        <a:xfrm>
+          <a:off x="0" y="0"/>
+          <a:ext cx="0" cy="0"/>
+          <a:chOff x="0" y="0"/>
+          <a:chExt cx="0" cy="0"/>
+        </a:xfrm>
+      </p:grpSpPr>
+      <p:sp>
+        <p:nvSpPr>
+          <p:cNvPr id="2" name="テキスト プレースホルダー 1">
+            <a:extLst>
+              <a:ext uri="{FF2B5EF4-FFF2-40B4-BE49-F238E27FC236}">
+                <a16:creationId xmlns:a16="http://schemas.microsoft.com/office/drawing/2014/main" id="{36E32189-CB37-B44B-9B1B-D61E6921E705}"/>
+              </a:ext>
+            </a:extLst>
+          </p:cNvPr>
+          <p:cNvSpPr>
+            <a:spLocks noGrp="1"/>
+          </p:cNvSpPr>
+          <p:nvPr>
+            <p:ph type="body" sz="quarter" idx="10"/>
+          </p:nvPr>
+        </p:nvSpPr>
+        <p:spPr/>
+        <p:txBody>
+          <a:bodyPr/>
+          <a:lstStyle/>
+          <a:p>
+            <a:r>
+              <a:rPr kumimoji="1" lang="ja-JP" altLang="en-US"/>
+              <a:t>条件分岐</a:t>
+            </a:r>
+          </a:p>
+        </p:txBody>
+      </p:sp>
+      <p:sp>
+        <p:nvSpPr>
+          <p:cNvPr id="3" name="テキスト ボックス 2">
+            <a:extLst>
+              <a:ext uri="{FF2B5EF4-FFF2-40B4-BE49-F238E27FC236}">
+                <a16:creationId xmlns:a16="http://schemas.microsoft.com/office/drawing/2014/main" id="{DE95825B-695F-B244-9A02-D9458C264A2B}"/>
+              </a:ext>
+            </a:extLst>
+          </p:cNvPr>
+          <p:cNvSpPr txBox="1"/>
+          <p:nvPr/>
+        </p:nvSpPr>
+        <p:spPr>
+          <a:xfrm>
+            <a:off x="755576" y="1124744"/>
+            <a:ext cx="2106667" cy="707886"/>
+          </a:xfrm>
+          <a:prstGeom prst="rect">
+            <a:avLst/>
+          </a:prstGeom>
+          <a:noFill/>
+        </p:spPr>
+        <p:txBody>
+          <a:bodyPr wrap="none" rtlCol="0">
+            <a:spAutoFit/>
+          </a:bodyPr>
+          <a:lstStyle/>
+          <a:p>
+            <a:r>
+              <a:rPr kumimoji="1" lang="en-US" altLang="ja-JP" sz="4000"/>
+              <a:t>if </a:t>
+            </a:r>
+            <a:r>
+              <a:rPr lang="ja-JP" altLang="en-US" sz="4000"/>
+              <a:t>条件</a:t>
+            </a:r>
+            <a:r>
+              <a:rPr kumimoji="1" lang="ja-JP" altLang="en-US" sz="4000">
+                <a:solidFill>
+                  <a:srgbClr val="FF0000"/>
+                </a:solidFill>
+              </a:rPr>
+              <a:t>：</a:t>
+            </a:r>
+            <a:endParaRPr kumimoji="1" lang="en-US" altLang="ja-JP" sz="4000">
+              <a:solidFill>
+                <a:srgbClr val="FF0000"/>
+              </a:solidFill>
+            </a:endParaRPr>
+          </a:p>
+        </p:txBody>
+      </p:sp>
+      <p:sp>
+        <p:nvSpPr>
+          <p:cNvPr id="4" name="正方形/長方形 3">
+            <a:extLst>
+              <a:ext uri="{FF2B5EF4-FFF2-40B4-BE49-F238E27FC236}">
+                <a16:creationId xmlns:a16="http://schemas.microsoft.com/office/drawing/2014/main" id="{5DF0FCBF-0D5D-104E-A73C-2DCF173DCFAB}"/>
+              </a:ext>
+            </a:extLst>
+          </p:cNvPr>
+          <p:cNvSpPr/>
+          <p:nvPr/>
+        </p:nvSpPr>
+        <p:spPr>
+          <a:xfrm>
+            <a:off x="1547664" y="1844824"/>
+            <a:ext cx="4896544" cy="1296144"/>
+          </a:xfrm>
+          <a:prstGeom prst="rect">
+            <a:avLst/>
+          </a:prstGeom>
+          <a:noFill/>
+          <a:ln>
+            <a:solidFill>
+              <a:schemeClr val="tx1"/>
+            </a:solidFill>
+          </a:ln>
+        </p:spPr>
+        <p:style>
+          <a:lnRef idx="2">
+            <a:schemeClr val="accent1">
+              <a:shade val="50000"/>
+            </a:schemeClr>
+          </a:lnRef>
+          <a:fillRef idx="1">
+            <a:schemeClr val="accent1"/>
+          </a:fillRef>
+          <a:effectRef idx="0">
+            <a:schemeClr val="accent1"/>
+          </a:effectRef>
+          <a:fontRef idx="minor">
+            <a:schemeClr val="lt1"/>
+          </a:fontRef>
+        </p:style>
+        <p:txBody>
+          <a:bodyPr rtlCol="0" anchor="ctr"/>
+          <a:lstStyle/>
+          <a:p>
+            <a:pPr algn="ctr"/>
+            <a:r>
+              <a:rPr kumimoji="1" lang="ja-JP" altLang="en-US" sz="2800">
+                <a:solidFill>
+                  <a:schemeClr val="tx1"/>
+                </a:solidFill>
+              </a:rPr>
+              <a:t>条件が成立した時に実行したいブロック</a:t>
+            </a:r>
+          </a:p>
+        </p:txBody>
+      </p:sp>
+      <p:sp>
+        <p:nvSpPr>
+          <p:cNvPr id="5" name="テキスト ボックス 4">
+            <a:extLst>
+              <a:ext uri="{FF2B5EF4-FFF2-40B4-BE49-F238E27FC236}">
+                <a16:creationId xmlns:a16="http://schemas.microsoft.com/office/drawing/2014/main" id="{73BA6352-1BD7-794E-80D0-8BB3FBF67C30}"/>
+              </a:ext>
+            </a:extLst>
+          </p:cNvPr>
+          <p:cNvSpPr txBox="1"/>
+          <p:nvPr/>
+        </p:nvSpPr>
+        <p:spPr>
+          <a:xfrm>
+            <a:off x="3779912" y="1268760"/>
+            <a:ext cx="2031325" cy="369332"/>
+          </a:xfrm>
+          <a:prstGeom prst="rect">
+            <a:avLst/>
+          </a:prstGeom>
+          <a:noFill/>
+        </p:spPr>
+        <p:txBody>
+          <a:bodyPr wrap="none" rtlCol="0">
+            <a:spAutoFit/>
+          </a:bodyPr>
+          <a:lstStyle/>
+          <a:p>
+            <a:r>
+              <a:rPr kumimoji="1" lang="ja-JP" altLang="en-US"/>
+              <a:t>コロンを忘れない</a:t>
+            </a:r>
+          </a:p>
+        </p:txBody>
+      </p:sp>
+      <p:cxnSp>
+        <p:nvCxnSpPr>
+          <p:cNvPr id="6" name="直線矢印コネクタ 5">
+            <a:extLst>
+              <a:ext uri="{FF2B5EF4-FFF2-40B4-BE49-F238E27FC236}">
+                <a16:creationId xmlns:a16="http://schemas.microsoft.com/office/drawing/2014/main" id="{11FEFDA8-35FB-7D48-B176-7CCF33BD5EC8}"/>
+              </a:ext>
+            </a:extLst>
+          </p:cNvPr>
+          <p:cNvCxnSpPr>
+            <a:cxnSpLocks/>
+          </p:cNvCxnSpPr>
+          <p:nvPr/>
+        </p:nvCxnSpPr>
+        <p:spPr>
+          <a:xfrm flipH="1">
+            <a:off x="2771800" y="1484784"/>
+            <a:ext cx="936104" cy="0"/>
+          </a:xfrm>
+          <a:prstGeom prst="straightConnector1">
+            <a:avLst/>
+          </a:prstGeom>
+          <a:ln>
+            <a:solidFill>
+              <a:schemeClr val="tx1"/>
+            </a:solidFill>
+            <a:headEnd type="none" w="med" len="med"/>
+            <a:tailEnd type="triangle"/>
+          </a:ln>
+        </p:spPr>
+        <p:style>
+          <a:lnRef idx="1">
+            <a:schemeClr val="accent1"/>
+          </a:lnRef>
+          <a:fillRef idx="0">
+            <a:schemeClr val="accent1"/>
+          </a:fillRef>
+          <a:effectRef idx="0">
+            <a:schemeClr val="accent1"/>
+          </a:effectRef>
+          <a:fontRef idx="minor">
+            <a:schemeClr val="tx1"/>
+          </a:fontRef>
+        </p:style>
+      </p:cxnSp>
+      <p:sp>
+        <p:nvSpPr>
+          <p:cNvPr id="7" name="右中かっこ 6">
+            <a:extLst>
+              <a:ext uri="{FF2B5EF4-FFF2-40B4-BE49-F238E27FC236}">
+                <a16:creationId xmlns:a16="http://schemas.microsoft.com/office/drawing/2014/main" id="{E11431C3-B37D-F64C-A266-4274A6F5E4C1}"/>
+              </a:ext>
+            </a:extLst>
+          </p:cNvPr>
+          <p:cNvSpPr/>
+          <p:nvPr/>
+        </p:nvSpPr>
+        <p:spPr>
+          <a:xfrm>
+            <a:off x="6516216" y="1844824"/>
+            <a:ext cx="288032" cy="1296144"/>
+          </a:xfrm>
+          <a:prstGeom prst="rightBrace">
+            <a:avLst/>
+          </a:prstGeom>
+          <a:ln>
+            <a:solidFill>
+              <a:schemeClr val="tx1"/>
+            </a:solidFill>
+            <a:headEnd type="none" w="med" len="med"/>
+            <a:tailEnd type="none" w="med" len="med"/>
+          </a:ln>
+        </p:spPr>
+        <p:style>
+          <a:lnRef idx="1">
+            <a:schemeClr val="accent1"/>
+          </a:lnRef>
+          <a:fillRef idx="0">
+            <a:schemeClr val="accent1"/>
+          </a:fillRef>
+          <a:effectRef idx="0">
+            <a:schemeClr val="accent1"/>
+          </a:effectRef>
+          <a:fontRef idx="minor">
+            <a:schemeClr val="tx1"/>
+          </a:fontRef>
+        </p:style>
+        <p:txBody>
+          <a:bodyPr rtlCol="0" anchor="ctr"/>
+          <a:lstStyle/>
+          <a:p>
+            <a:pPr algn="ctr"/>
+            <a:endParaRPr kumimoji="1" lang="ja-JP" altLang="en-US"/>
+          </a:p>
+        </p:txBody>
+      </p:sp>
+      <p:sp>
+        <p:nvSpPr>
+          <p:cNvPr id="8" name="テキスト ボックス 7">
+            <a:extLst>
+              <a:ext uri="{FF2B5EF4-FFF2-40B4-BE49-F238E27FC236}">
+                <a16:creationId xmlns:a16="http://schemas.microsoft.com/office/drawing/2014/main" id="{C1B8DFDB-0458-214E-9F3E-68C81AF2B370}"/>
+              </a:ext>
+            </a:extLst>
+          </p:cNvPr>
+          <p:cNvSpPr txBox="1"/>
+          <p:nvPr/>
+        </p:nvSpPr>
+        <p:spPr>
+          <a:xfrm>
+            <a:off x="6948264" y="2276872"/>
+            <a:ext cx="1569660" cy="369332"/>
+          </a:xfrm>
+          <a:prstGeom prst="rect">
+            <a:avLst/>
+          </a:prstGeom>
+          <a:noFill/>
+        </p:spPr>
+        <p:txBody>
+          <a:bodyPr wrap="none" rtlCol="0">
+            <a:spAutoFit/>
+          </a:bodyPr>
+          <a:lstStyle/>
+          <a:p>
+            <a:r>
+              <a:rPr kumimoji="1" lang="ja-JP" altLang="en-US"/>
+              <a:t>何行でも良い</a:t>
+            </a:r>
+          </a:p>
+        </p:txBody>
+      </p:sp>
+      <p:sp>
+        <p:nvSpPr>
+          <p:cNvPr id="9" name="正方形/長方形 8">
+            <a:extLst>
+              <a:ext uri="{FF2B5EF4-FFF2-40B4-BE49-F238E27FC236}">
+                <a16:creationId xmlns:a16="http://schemas.microsoft.com/office/drawing/2014/main" id="{03D859A5-9DCE-5749-9EB6-AA17527AD56D}"/>
+              </a:ext>
+            </a:extLst>
+          </p:cNvPr>
+          <p:cNvSpPr/>
+          <p:nvPr/>
+        </p:nvSpPr>
+        <p:spPr>
+          <a:xfrm>
+            <a:off x="827584" y="4221088"/>
+            <a:ext cx="5328592" cy="1077218"/>
+          </a:xfrm>
+          <a:prstGeom prst="rect">
+            <a:avLst/>
+          </a:prstGeom>
+          <a:solidFill>
+            <a:schemeClr val="tx1"/>
+          </a:solidFill>
+        </p:spPr>
+        <p:txBody>
+          <a:bodyPr wrap="square">
+            <a:spAutoFit/>
+          </a:bodyPr>
+          <a:lstStyle/>
+          <a:p>
+            <a:r>
+              <a:rPr lang="en" altLang="ja-JP" sz="3200" b="0">
+                <a:solidFill>
+                  <a:srgbClr val="C586C0"/>
+                </a:solidFill>
+                <a:effectLst/>
+                <a:latin typeface="Menlo" panose="020B0609030804020204" pitchFamily="49" charset="0"/>
+              </a:rPr>
+              <a:t>if</a:t>
+            </a:r>
+            <a:r>
+              <a:rPr lang="en" altLang="ja-JP" sz="3200" b="0">
+                <a:solidFill>
+                  <a:srgbClr val="D4D4D4"/>
+                </a:solidFill>
+                <a:effectLst/>
+                <a:latin typeface="Menlo" panose="020B0609030804020204" pitchFamily="49" charset="0"/>
+              </a:rPr>
+              <a:t> a &gt; </a:t>
+            </a:r>
+            <a:r>
+              <a:rPr lang="en" altLang="ja-JP" sz="3200" b="0">
+                <a:solidFill>
+                  <a:srgbClr val="B5CEA8"/>
+                </a:solidFill>
+                <a:effectLst/>
+                <a:latin typeface="Menlo" panose="020B0609030804020204" pitchFamily="49" charset="0"/>
+              </a:rPr>
+              <a:t>0</a:t>
+            </a:r>
+            <a:r>
+              <a:rPr lang="en" altLang="ja-JP" sz="3200" b="0">
+                <a:solidFill>
+                  <a:srgbClr val="D4D4D4"/>
+                </a:solidFill>
+                <a:effectLst/>
+                <a:latin typeface="Menlo" panose="020B0609030804020204" pitchFamily="49" charset="0"/>
+              </a:rPr>
+              <a:t>:</a:t>
+            </a:r>
+          </a:p>
+          <a:p>
+            <a:r>
+              <a:rPr lang="en" altLang="ja-JP" sz="3200" b="0">
+                <a:solidFill>
+                  <a:srgbClr val="D4D4D4"/>
+                </a:solidFill>
+                <a:effectLst/>
+                <a:latin typeface="Menlo" panose="020B0609030804020204" pitchFamily="49" charset="0"/>
+              </a:rPr>
+              <a:t>    </a:t>
+            </a:r>
+            <a:r>
+              <a:rPr lang="en" altLang="ja-JP" sz="3200" b="0">
+                <a:solidFill>
+                  <a:srgbClr val="DCDCAA"/>
+                </a:solidFill>
+                <a:effectLst/>
+                <a:latin typeface="Menlo" panose="020B0609030804020204" pitchFamily="49" charset="0"/>
+              </a:rPr>
+              <a:t>print</a:t>
+            </a:r>
+            <a:r>
+              <a:rPr lang="en" altLang="ja-JP" sz="3200" b="0">
+                <a:solidFill>
+                  <a:srgbClr val="D4D4D4"/>
+                </a:solidFill>
+                <a:effectLst/>
+                <a:latin typeface="Menlo" panose="020B0609030804020204" pitchFamily="49" charset="0"/>
+              </a:rPr>
+              <a:t>(</a:t>
+            </a:r>
+            <a:r>
+              <a:rPr lang="en" altLang="ja-JP" sz="3200" b="0">
+                <a:solidFill>
+                  <a:srgbClr val="CE9178"/>
+                </a:solidFill>
+                <a:effectLst/>
+                <a:latin typeface="Menlo" panose="020B0609030804020204" pitchFamily="49" charset="0"/>
+              </a:rPr>
+              <a:t>"a</a:t>
+            </a:r>
+            <a:r>
+              <a:rPr lang="ja-JP" altLang="en-US" sz="3200" b="0">
+                <a:solidFill>
+                  <a:srgbClr val="CE9178"/>
+                </a:solidFill>
+                <a:effectLst/>
+                <a:latin typeface="Menlo" panose="020B0609030804020204" pitchFamily="49" charset="0"/>
+              </a:rPr>
+              <a:t>は正です</a:t>
+            </a:r>
+            <a:r>
+              <a:rPr lang="en-US" altLang="ja-JP" sz="3200" b="0">
+                <a:solidFill>
+                  <a:srgbClr val="CE9178"/>
+                </a:solidFill>
+                <a:effectLst/>
+                <a:latin typeface="Menlo" panose="020B0609030804020204" pitchFamily="49" charset="0"/>
+              </a:rPr>
+              <a:t>"</a:t>
+            </a:r>
+            <a:r>
+              <a:rPr lang="en-US" altLang="ja-JP" sz="3200" b="0">
+                <a:solidFill>
+                  <a:srgbClr val="D4D4D4"/>
+                </a:solidFill>
+                <a:effectLst/>
+                <a:latin typeface="Menlo" panose="020B0609030804020204" pitchFamily="49" charset="0"/>
+              </a:rPr>
+              <a:t>)</a:t>
+            </a:r>
+          </a:p>
+        </p:txBody>
+      </p:sp>
+    </p:spTree>
+    <p:extLst>
+      <p:ext uri="{BB962C8B-B14F-4D97-AF65-F5344CB8AC3E}">
+        <p14:creationId xmlns:p14="http://schemas.microsoft.com/office/powerpoint/2010/main" val="3228288268"/>
       </p:ext>
     </p:extLst>
   </p:cSld>
@@ -9244,6 +11547,4810 @@
     <p:extLst>
       <p:ext uri="{BB962C8B-B14F-4D97-AF65-F5344CB8AC3E}">
         <p14:creationId xmlns:p14="http://schemas.microsoft.com/office/powerpoint/2010/main" val="4142738931"/>
+      </p:ext>
+    </p:extLst>
+  </p:cSld>
+  <p:clrMapOvr>
+    <a:masterClrMapping/>
+  </p:clrMapOvr>
+</p:sld>
+</file>
+
+<file path=ppt/slides/slide20.xml><?xml version="1.0" encoding="utf-8"?>
+<p:sld xmlns:a="http://schemas.openxmlformats.org/drawingml/2006/main" xmlns:r="http://schemas.openxmlformats.org/officeDocument/2006/relationships" xmlns:p="http://schemas.openxmlformats.org/presentationml/2006/main">
+  <p:cSld>
+    <p:spTree>
+      <p:nvGrpSpPr>
+        <p:cNvPr id="1" name=""/>
+        <p:cNvGrpSpPr/>
+        <p:nvPr/>
+      </p:nvGrpSpPr>
+      <p:grpSpPr>
+        <a:xfrm>
+          <a:off x="0" y="0"/>
+          <a:ext cx="0" cy="0"/>
+          <a:chOff x="0" y="0"/>
+          <a:chExt cx="0" cy="0"/>
+        </a:xfrm>
+      </p:grpSpPr>
+      <p:sp>
+        <p:nvSpPr>
+          <p:cNvPr id="2" name="テキスト プレースホルダー 1">
+            <a:extLst>
+              <a:ext uri="{FF2B5EF4-FFF2-40B4-BE49-F238E27FC236}">
+                <a16:creationId xmlns:a16="http://schemas.microsoft.com/office/drawing/2014/main" id="{8F5FAB08-606C-FB40-A4D8-3D03EB30F9A3}"/>
+              </a:ext>
+            </a:extLst>
+          </p:cNvPr>
+          <p:cNvSpPr>
+            <a:spLocks noGrp="1"/>
+          </p:cNvSpPr>
+          <p:nvPr>
+            <p:ph type="body" sz="quarter" idx="10"/>
+          </p:nvPr>
+        </p:nvSpPr>
+        <p:spPr/>
+        <p:txBody>
+          <a:bodyPr/>
+          <a:lstStyle/>
+          <a:p>
+            <a:r>
+              <a:rPr kumimoji="1" lang="ja-JP" altLang="en-US"/>
+              <a:t>条件分岐</a:t>
+            </a:r>
+          </a:p>
+        </p:txBody>
+      </p:sp>
+      <p:sp>
+        <p:nvSpPr>
+          <p:cNvPr id="9" name="テキスト ボックス 8">
+            <a:extLst>
+              <a:ext uri="{FF2B5EF4-FFF2-40B4-BE49-F238E27FC236}">
+                <a16:creationId xmlns:a16="http://schemas.microsoft.com/office/drawing/2014/main" id="{AC4541BA-15ED-1446-B3C0-A1C3D788E632}"/>
+              </a:ext>
+            </a:extLst>
+          </p:cNvPr>
+          <p:cNvSpPr txBox="1"/>
+          <p:nvPr/>
+        </p:nvSpPr>
+        <p:spPr>
+          <a:xfrm>
+            <a:off x="251520" y="980728"/>
+            <a:ext cx="8052204" cy="461665"/>
+          </a:xfrm>
+          <a:prstGeom prst="rect">
+            <a:avLst/>
+          </a:prstGeom>
+          <a:noFill/>
+        </p:spPr>
+        <p:txBody>
+          <a:bodyPr wrap="none" rtlCol="0">
+            <a:spAutoFit/>
+          </a:bodyPr>
+          <a:lstStyle/>
+          <a:p>
+            <a:r>
+              <a:rPr kumimoji="1" lang="ja-JP" altLang="en-US" sz="2400"/>
+              <a:t>条件不成立の場合に実行したいブロックには</a:t>
+            </a:r>
+            <a:r>
+              <a:rPr kumimoji="1" lang="en-US" altLang="ja-JP" sz="2400"/>
+              <a:t>else</a:t>
+            </a:r>
+            <a:r>
+              <a:rPr kumimoji="1" lang="ja-JP" altLang="en-US" sz="2400"/>
+              <a:t>を使う</a:t>
+            </a:r>
+          </a:p>
+        </p:txBody>
+      </p:sp>
+      <p:sp>
+        <p:nvSpPr>
+          <p:cNvPr id="10" name="正方形/長方形 9">
+            <a:extLst>
+              <a:ext uri="{FF2B5EF4-FFF2-40B4-BE49-F238E27FC236}">
+                <a16:creationId xmlns:a16="http://schemas.microsoft.com/office/drawing/2014/main" id="{30EA882B-E7C8-C54B-9372-E3E7D43E45A9}"/>
+              </a:ext>
+            </a:extLst>
+          </p:cNvPr>
+          <p:cNvSpPr/>
+          <p:nvPr/>
+        </p:nvSpPr>
+        <p:spPr>
+          <a:xfrm>
+            <a:off x="683568" y="1628800"/>
+            <a:ext cx="4572000" cy="1569660"/>
+          </a:xfrm>
+          <a:prstGeom prst="rect">
+            <a:avLst/>
+          </a:prstGeom>
+          <a:solidFill>
+            <a:schemeClr val="tx1"/>
+          </a:solidFill>
+        </p:spPr>
+        <p:txBody>
+          <a:bodyPr>
+            <a:spAutoFit/>
+          </a:bodyPr>
+          <a:lstStyle/>
+          <a:p>
+            <a:r>
+              <a:rPr lang="en" altLang="ja-JP" sz="2400" b="0">
+                <a:solidFill>
+                  <a:srgbClr val="C586C0"/>
+                </a:solidFill>
+                <a:effectLst/>
+                <a:latin typeface="Menlo" panose="020B0609030804020204" pitchFamily="49" charset="0"/>
+              </a:rPr>
+              <a:t>if</a:t>
+            </a:r>
+            <a:r>
+              <a:rPr lang="en" altLang="ja-JP" sz="2400" b="0">
+                <a:solidFill>
+                  <a:srgbClr val="D4D4D4"/>
+                </a:solidFill>
+                <a:effectLst/>
+                <a:latin typeface="Menlo" panose="020B0609030804020204" pitchFamily="49" charset="0"/>
+              </a:rPr>
+              <a:t> a &gt; </a:t>
+            </a:r>
+            <a:r>
+              <a:rPr lang="en" altLang="ja-JP" sz="2400" b="0">
+                <a:solidFill>
+                  <a:srgbClr val="B5CEA8"/>
+                </a:solidFill>
+                <a:effectLst/>
+                <a:latin typeface="Menlo" panose="020B0609030804020204" pitchFamily="49" charset="0"/>
+              </a:rPr>
+              <a:t>0</a:t>
+            </a:r>
+            <a:r>
+              <a:rPr lang="en" altLang="ja-JP" sz="2400" b="0">
+                <a:solidFill>
+                  <a:srgbClr val="D4D4D4"/>
+                </a:solidFill>
+                <a:effectLst/>
+                <a:latin typeface="Menlo" panose="020B0609030804020204" pitchFamily="49" charset="0"/>
+              </a:rPr>
+              <a:t>:</a:t>
+            </a:r>
+          </a:p>
+          <a:p>
+            <a:r>
+              <a:rPr lang="en" altLang="ja-JP" sz="2400" b="0">
+                <a:solidFill>
+                  <a:srgbClr val="D4D4D4"/>
+                </a:solidFill>
+                <a:effectLst/>
+                <a:latin typeface="Menlo" panose="020B0609030804020204" pitchFamily="49" charset="0"/>
+              </a:rPr>
+              <a:t>    </a:t>
+            </a:r>
+            <a:r>
+              <a:rPr lang="en" altLang="ja-JP" sz="2400" b="0">
+                <a:solidFill>
+                  <a:srgbClr val="DCDCAA"/>
+                </a:solidFill>
+                <a:effectLst/>
+                <a:latin typeface="Menlo" panose="020B0609030804020204" pitchFamily="49" charset="0"/>
+              </a:rPr>
+              <a:t>print</a:t>
+            </a:r>
+            <a:r>
+              <a:rPr lang="en" altLang="ja-JP" sz="2400" b="0">
+                <a:solidFill>
+                  <a:srgbClr val="D4D4D4"/>
+                </a:solidFill>
+                <a:effectLst/>
+                <a:latin typeface="Menlo" panose="020B0609030804020204" pitchFamily="49" charset="0"/>
+              </a:rPr>
+              <a:t>(</a:t>
+            </a:r>
+            <a:r>
+              <a:rPr lang="en" altLang="ja-JP" sz="2400" b="0">
+                <a:solidFill>
+                  <a:srgbClr val="CE9178"/>
+                </a:solidFill>
+                <a:effectLst/>
+                <a:latin typeface="Menlo" panose="020B0609030804020204" pitchFamily="49" charset="0"/>
+              </a:rPr>
+              <a:t>"a</a:t>
+            </a:r>
+            <a:r>
+              <a:rPr lang="ja-JP" altLang="en-US" sz="2400" b="0">
+                <a:solidFill>
+                  <a:srgbClr val="CE9178"/>
+                </a:solidFill>
+                <a:effectLst/>
+                <a:latin typeface="Menlo" panose="020B0609030804020204" pitchFamily="49" charset="0"/>
+              </a:rPr>
+              <a:t>は正です</a:t>
+            </a:r>
+            <a:r>
+              <a:rPr lang="en-US" altLang="ja-JP" sz="2400" b="0">
+                <a:solidFill>
+                  <a:srgbClr val="CE9178"/>
+                </a:solidFill>
+                <a:effectLst/>
+                <a:latin typeface="Menlo" panose="020B0609030804020204" pitchFamily="49" charset="0"/>
+              </a:rPr>
+              <a:t>"</a:t>
+            </a:r>
+            <a:r>
+              <a:rPr lang="en-US" altLang="ja-JP" sz="2400" b="0">
+                <a:solidFill>
+                  <a:srgbClr val="D4D4D4"/>
+                </a:solidFill>
+                <a:effectLst/>
+                <a:latin typeface="Menlo" panose="020B0609030804020204" pitchFamily="49" charset="0"/>
+              </a:rPr>
+              <a:t>)</a:t>
+            </a:r>
+          </a:p>
+          <a:p>
+            <a:r>
+              <a:rPr lang="en" altLang="ja-JP" sz="2400" b="0">
+                <a:solidFill>
+                  <a:srgbClr val="C586C0"/>
+                </a:solidFill>
+                <a:effectLst/>
+                <a:latin typeface="Menlo" panose="020B0609030804020204" pitchFamily="49" charset="0"/>
+              </a:rPr>
+              <a:t>else</a:t>
+            </a:r>
+            <a:r>
+              <a:rPr lang="en" altLang="ja-JP" sz="2400" b="0">
+                <a:solidFill>
+                  <a:srgbClr val="D4D4D4"/>
+                </a:solidFill>
+                <a:effectLst/>
+                <a:latin typeface="Menlo" panose="020B0609030804020204" pitchFamily="49" charset="0"/>
+              </a:rPr>
+              <a:t>:</a:t>
+            </a:r>
+          </a:p>
+          <a:p>
+            <a:r>
+              <a:rPr lang="en" altLang="ja-JP" sz="2400" b="0">
+                <a:solidFill>
+                  <a:srgbClr val="D4D4D4"/>
+                </a:solidFill>
+                <a:effectLst/>
+                <a:latin typeface="Menlo" panose="020B0609030804020204" pitchFamily="49" charset="0"/>
+              </a:rPr>
+              <a:t>    </a:t>
+            </a:r>
+            <a:r>
+              <a:rPr lang="en" altLang="ja-JP" sz="2400" b="0">
+                <a:solidFill>
+                  <a:srgbClr val="DCDCAA"/>
+                </a:solidFill>
+                <a:effectLst/>
+                <a:latin typeface="Menlo" panose="020B0609030804020204" pitchFamily="49" charset="0"/>
+              </a:rPr>
+              <a:t>print</a:t>
+            </a:r>
+            <a:r>
+              <a:rPr lang="en" altLang="ja-JP" sz="2400" b="0">
+                <a:solidFill>
+                  <a:srgbClr val="D4D4D4"/>
+                </a:solidFill>
+                <a:effectLst/>
+                <a:latin typeface="Menlo" panose="020B0609030804020204" pitchFamily="49" charset="0"/>
+              </a:rPr>
+              <a:t>(</a:t>
+            </a:r>
+            <a:r>
+              <a:rPr lang="en" altLang="ja-JP" sz="2400" b="0">
+                <a:solidFill>
+                  <a:srgbClr val="CE9178"/>
+                </a:solidFill>
+                <a:effectLst/>
+                <a:latin typeface="Menlo" panose="020B0609030804020204" pitchFamily="49" charset="0"/>
+              </a:rPr>
+              <a:t>"a</a:t>
+            </a:r>
+            <a:r>
+              <a:rPr lang="ja-JP" altLang="en-US" sz="2400" b="0">
+                <a:solidFill>
+                  <a:srgbClr val="CE9178"/>
+                </a:solidFill>
+                <a:effectLst/>
+                <a:latin typeface="Menlo" panose="020B0609030804020204" pitchFamily="49" charset="0"/>
+              </a:rPr>
+              <a:t>は負か</a:t>
+            </a:r>
+            <a:r>
+              <a:rPr lang="en-US" altLang="ja-JP" sz="2400" b="0">
+                <a:solidFill>
+                  <a:srgbClr val="CE9178"/>
+                </a:solidFill>
+                <a:effectLst/>
+                <a:latin typeface="Menlo" panose="020B0609030804020204" pitchFamily="49" charset="0"/>
+              </a:rPr>
+              <a:t>0</a:t>
+            </a:r>
+            <a:r>
+              <a:rPr lang="ja-JP" altLang="en-US" sz="2400" b="0">
+                <a:solidFill>
+                  <a:srgbClr val="CE9178"/>
+                </a:solidFill>
+                <a:effectLst/>
+                <a:latin typeface="Menlo" panose="020B0609030804020204" pitchFamily="49" charset="0"/>
+              </a:rPr>
+              <a:t>です</a:t>
+            </a:r>
+            <a:r>
+              <a:rPr lang="en-US" altLang="ja-JP" sz="2400" b="0">
+                <a:solidFill>
+                  <a:srgbClr val="CE9178"/>
+                </a:solidFill>
+                <a:effectLst/>
+                <a:latin typeface="Menlo" panose="020B0609030804020204" pitchFamily="49" charset="0"/>
+              </a:rPr>
+              <a:t>)</a:t>
+            </a:r>
+            <a:endParaRPr lang="ja-JP" altLang="en-US" sz="2400" b="0">
+              <a:solidFill>
+                <a:srgbClr val="D4D4D4"/>
+              </a:solidFill>
+              <a:effectLst/>
+              <a:latin typeface="Menlo" panose="020B0609030804020204" pitchFamily="49" charset="0"/>
+            </a:endParaRPr>
+          </a:p>
+        </p:txBody>
+      </p:sp>
+      <p:sp>
+        <p:nvSpPr>
+          <p:cNvPr id="11" name="テキスト ボックス 10">
+            <a:extLst>
+              <a:ext uri="{FF2B5EF4-FFF2-40B4-BE49-F238E27FC236}">
+                <a16:creationId xmlns:a16="http://schemas.microsoft.com/office/drawing/2014/main" id="{1FA10095-8D85-B240-829D-17EE5D2E0DB0}"/>
+              </a:ext>
+            </a:extLst>
+          </p:cNvPr>
+          <p:cNvSpPr txBox="1"/>
+          <p:nvPr/>
+        </p:nvSpPr>
+        <p:spPr>
+          <a:xfrm>
+            <a:off x="179512" y="3501008"/>
+            <a:ext cx="5468164" cy="461665"/>
+          </a:xfrm>
+          <a:prstGeom prst="rect">
+            <a:avLst/>
+          </a:prstGeom>
+          <a:noFill/>
+        </p:spPr>
+        <p:txBody>
+          <a:bodyPr wrap="none" rtlCol="0">
+            <a:spAutoFit/>
+          </a:bodyPr>
+          <a:lstStyle/>
+          <a:p>
+            <a:r>
+              <a:rPr lang="ja-JP" altLang="en-US" sz="2400"/>
+              <a:t>複数の条件を並べたい場合は</a:t>
+            </a:r>
+            <a:r>
+              <a:rPr lang="en-US" altLang="ja-JP" sz="2400"/>
+              <a:t>elif</a:t>
+            </a:r>
+            <a:r>
+              <a:rPr lang="ja-JP" altLang="en-US" sz="2400"/>
+              <a:t>を使う</a:t>
+            </a:r>
+            <a:endParaRPr kumimoji="1" lang="ja-JP" altLang="en-US" sz="2400"/>
+          </a:p>
+        </p:txBody>
+      </p:sp>
+      <p:sp>
+        <p:nvSpPr>
+          <p:cNvPr id="12" name="正方形/長方形 11">
+            <a:extLst>
+              <a:ext uri="{FF2B5EF4-FFF2-40B4-BE49-F238E27FC236}">
+                <a16:creationId xmlns:a16="http://schemas.microsoft.com/office/drawing/2014/main" id="{9C769B59-9613-7743-A06A-EEE296CEA325}"/>
+              </a:ext>
+            </a:extLst>
+          </p:cNvPr>
+          <p:cNvSpPr/>
+          <p:nvPr/>
+        </p:nvSpPr>
+        <p:spPr>
+          <a:xfrm>
+            <a:off x="683568" y="4221088"/>
+            <a:ext cx="4680520" cy="2308324"/>
+          </a:xfrm>
+          <a:prstGeom prst="rect">
+            <a:avLst/>
+          </a:prstGeom>
+          <a:solidFill>
+            <a:schemeClr val="tx1"/>
+          </a:solidFill>
+        </p:spPr>
+        <p:txBody>
+          <a:bodyPr wrap="square">
+            <a:spAutoFit/>
+          </a:bodyPr>
+          <a:lstStyle/>
+          <a:p>
+            <a:r>
+              <a:rPr lang="en" altLang="ja-JP" sz="2400" b="0">
+                <a:solidFill>
+                  <a:srgbClr val="C586C0"/>
+                </a:solidFill>
+                <a:effectLst/>
+                <a:latin typeface="Menlo" panose="020B0609030804020204" pitchFamily="49" charset="0"/>
+              </a:rPr>
+              <a:t>if</a:t>
+            </a:r>
+            <a:r>
+              <a:rPr lang="en" altLang="ja-JP" sz="2400" b="0">
+                <a:solidFill>
+                  <a:srgbClr val="D4D4D4"/>
+                </a:solidFill>
+                <a:effectLst/>
+                <a:latin typeface="Menlo" panose="020B0609030804020204" pitchFamily="49" charset="0"/>
+              </a:rPr>
+              <a:t> a &gt; </a:t>
+            </a:r>
+            <a:r>
+              <a:rPr lang="en" altLang="ja-JP" sz="2400" b="0">
+                <a:solidFill>
+                  <a:srgbClr val="B5CEA8"/>
+                </a:solidFill>
+                <a:effectLst/>
+                <a:latin typeface="Menlo" panose="020B0609030804020204" pitchFamily="49" charset="0"/>
+              </a:rPr>
+              <a:t>0</a:t>
+            </a:r>
+            <a:r>
+              <a:rPr lang="en" altLang="ja-JP" sz="2400" b="0">
+                <a:solidFill>
+                  <a:srgbClr val="D4D4D4"/>
+                </a:solidFill>
+                <a:effectLst/>
+                <a:latin typeface="Menlo" panose="020B0609030804020204" pitchFamily="49" charset="0"/>
+              </a:rPr>
+              <a:t>:</a:t>
+            </a:r>
+          </a:p>
+          <a:p>
+            <a:r>
+              <a:rPr lang="en" altLang="ja-JP" sz="2400" b="0">
+                <a:solidFill>
+                  <a:srgbClr val="D4D4D4"/>
+                </a:solidFill>
+                <a:effectLst/>
+                <a:latin typeface="Menlo" panose="020B0609030804020204" pitchFamily="49" charset="0"/>
+              </a:rPr>
+              <a:t>    </a:t>
+            </a:r>
+            <a:r>
+              <a:rPr lang="en" altLang="ja-JP" sz="2400" b="0">
+                <a:solidFill>
+                  <a:srgbClr val="DCDCAA"/>
+                </a:solidFill>
+                <a:effectLst/>
+                <a:latin typeface="Menlo" panose="020B0609030804020204" pitchFamily="49" charset="0"/>
+              </a:rPr>
+              <a:t>print</a:t>
+            </a:r>
+            <a:r>
+              <a:rPr lang="en" altLang="ja-JP" sz="2400" b="0">
+                <a:solidFill>
+                  <a:srgbClr val="D4D4D4"/>
+                </a:solidFill>
+                <a:effectLst/>
+                <a:latin typeface="Menlo" panose="020B0609030804020204" pitchFamily="49" charset="0"/>
+              </a:rPr>
+              <a:t>(</a:t>
+            </a:r>
+            <a:r>
+              <a:rPr lang="en" altLang="ja-JP" sz="2400" b="0">
+                <a:solidFill>
+                  <a:srgbClr val="CE9178"/>
+                </a:solidFill>
+                <a:effectLst/>
+                <a:latin typeface="Menlo" panose="020B0609030804020204" pitchFamily="49" charset="0"/>
+              </a:rPr>
+              <a:t>"a</a:t>
+            </a:r>
+            <a:r>
+              <a:rPr lang="ja-JP" altLang="en-US" sz="2400" b="0">
+                <a:solidFill>
+                  <a:srgbClr val="CE9178"/>
+                </a:solidFill>
+                <a:effectLst/>
+                <a:latin typeface="Menlo" panose="020B0609030804020204" pitchFamily="49" charset="0"/>
+              </a:rPr>
+              <a:t>は正です</a:t>
+            </a:r>
+            <a:r>
+              <a:rPr lang="en-US" altLang="ja-JP" sz="2400" b="0">
+                <a:solidFill>
+                  <a:srgbClr val="CE9178"/>
+                </a:solidFill>
+                <a:effectLst/>
+                <a:latin typeface="Menlo" panose="020B0609030804020204" pitchFamily="49" charset="0"/>
+              </a:rPr>
+              <a:t>"</a:t>
+            </a:r>
+            <a:r>
+              <a:rPr lang="en-US" altLang="ja-JP" sz="2400" b="0">
+                <a:solidFill>
+                  <a:srgbClr val="D4D4D4"/>
+                </a:solidFill>
+                <a:effectLst/>
+                <a:latin typeface="Menlo" panose="020B0609030804020204" pitchFamily="49" charset="0"/>
+              </a:rPr>
+              <a:t>)</a:t>
+            </a:r>
+          </a:p>
+          <a:p>
+            <a:r>
+              <a:rPr lang="en" altLang="ja-JP" sz="2400" b="0">
+                <a:solidFill>
+                  <a:srgbClr val="C586C0"/>
+                </a:solidFill>
+                <a:effectLst/>
+                <a:latin typeface="Menlo" panose="020B0609030804020204" pitchFamily="49" charset="0"/>
+              </a:rPr>
+              <a:t>elif</a:t>
+            </a:r>
+            <a:r>
+              <a:rPr lang="en" altLang="ja-JP" sz="2400" b="0">
+                <a:solidFill>
+                  <a:srgbClr val="D4D4D4"/>
+                </a:solidFill>
+                <a:effectLst/>
+                <a:latin typeface="Menlo" panose="020B0609030804020204" pitchFamily="49" charset="0"/>
+              </a:rPr>
+              <a:t> a ==</a:t>
+            </a:r>
+            <a:r>
+              <a:rPr lang="en" altLang="ja-JP" sz="2400" b="0">
+                <a:solidFill>
+                  <a:srgbClr val="B5CEA8"/>
+                </a:solidFill>
+                <a:effectLst/>
+                <a:latin typeface="Menlo" panose="020B0609030804020204" pitchFamily="49" charset="0"/>
+              </a:rPr>
+              <a:t>0</a:t>
+            </a:r>
+            <a:r>
+              <a:rPr lang="en" altLang="ja-JP" sz="2400" b="0">
+                <a:solidFill>
+                  <a:srgbClr val="D4D4D4"/>
+                </a:solidFill>
+                <a:effectLst/>
+                <a:latin typeface="Menlo" panose="020B0609030804020204" pitchFamily="49" charset="0"/>
+              </a:rPr>
+              <a:t>:</a:t>
+            </a:r>
+          </a:p>
+          <a:p>
+            <a:r>
+              <a:rPr lang="en" altLang="ja-JP" sz="2400" b="0">
+                <a:solidFill>
+                  <a:srgbClr val="D4D4D4"/>
+                </a:solidFill>
+                <a:effectLst/>
+                <a:latin typeface="Menlo" panose="020B0609030804020204" pitchFamily="49" charset="0"/>
+              </a:rPr>
+              <a:t>    </a:t>
+            </a:r>
+            <a:r>
+              <a:rPr lang="en" altLang="ja-JP" sz="2400" b="0">
+                <a:solidFill>
+                  <a:srgbClr val="DCDCAA"/>
+                </a:solidFill>
+                <a:effectLst/>
+                <a:latin typeface="Menlo" panose="020B0609030804020204" pitchFamily="49" charset="0"/>
+              </a:rPr>
+              <a:t>print</a:t>
+            </a:r>
+            <a:r>
+              <a:rPr lang="en" altLang="ja-JP" sz="2400" b="0">
+                <a:solidFill>
+                  <a:srgbClr val="D4D4D4"/>
+                </a:solidFill>
+                <a:effectLst/>
+                <a:latin typeface="Menlo" panose="020B0609030804020204" pitchFamily="49" charset="0"/>
+              </a:rPr>
+              <a:t>(</a:t>
+            </a:r>
+            <a:r>
+              <a:rPr lang="en" altLang="ja-JP" sz="2400" b="0">
+                <a:solidFill>
+                  <a:srgbClr val="CE9178"/>
+                </a:solidFill>
+                <a:effectLst/>
+                <a:latin typeface="Menlo" panose="020B0609030804020204" pitchFamily="49" charset="0"/>
+              </a:rPr>
+              <a:t>"a</a:t>
+            </a:r>
+            <a:r>
+              <a:rPr lang="ja-JP" altLang="en-US" sz="2400" b="0">
+                <a:solidFill>
+                  <a:srgbClr val="CE9178"/>
+                </a:solidFill>
+                <a:effectLst/>
+                <a:latin typeface="Menlo" panose="020B0609030804020204" pitchFamily="49" charset="0"/>
+              </a:rPr>
+              <a:t>は</a:t>
+            </a:r>
+            <a:r>
+              <a:rPr lang="en-US" altLang="ja-JP" sz="2400" b="0">
+                <a:solidFill>
+                  <a:srgbClr val="CE9178"/>
+                </a:solidFill>
+                <a:effectLst/>
+                <a:latin typeface="Menlo" panose="020B0609030804020204" pitchFamily="49" charset="0"/>
+              </a:rPr>
+              <a:t>0</a:t>
+            </a:r>
+            <a:r>
+              <a:rPr lang="ja-JP" altLang="en-US" sz="2400" b="0">
+                <a:solidFill>
+                  <a:srgbClr val="CE9178"/>
+                </a:solidFill>
+                <a:effectLst/>
+                <a:latin typeface="Menlo" panose="020B0609030804020204" pitchFamily="49" charset="0"/>
+              </a:rPr>
+              <a:t>です</a:t>
+            </a:r>
+            <a:r>
+              <a:rPr lang="en-US" altLang="ja-JP" sz="2400" b="0">
+                <a:solidFill>
+                  <a:srgbClr val="CE9178"/>
+                </a:solidFill>
+                <a:effectLst/>
+                <a:latin typeface="Menlo" panose="020B0609030804020204" pitchFamily="49" charset="0"/>
+              </a:rPr>
+              <a:t>)</a:t>
+            </a:r>
+            <a:endParaRPr lang="ja-JP" altLang="en-US" sz="2400" b="0">
+              <a:solidFill>
+                <a:srgbClr val="D4D4D4"/>
+              </a:solidFill>
+              <a:effectLst/>
+              <a:latin typeface="Menlo" panose="020B0609030804020204" pitchFamily="49" charset="0"/>
+            </a:endParaRPr>
+          </a:p>
+          <a:p>
+            <a:r>
+              <a:rPr lang="en" altLang="ja-JP" sz="2400" b="0">
+                <a:solidFill>
+                  <a:srgbClr val="C586C0"/>
+                </a:solidFill>
+                <a:effectLst/>
+                <a:latin typeface="Menlo" panose="020B0609030804020204" pitchFamily="49" charset="0"/>
+              </a:rPr>
+              <a:t>else</a:t>
+            </a:r>
+            <a:r>
+              <a:rPr lang="en" altLang="ja-JP" sz="2400" b="0">
+                <a:solidFill>
+                  <a:srgbClr val="D4D4D4"/>
+                </a:solidFill>
+                <a:effectLst/>
+                <a:latin typeface="Menlo" panose="020B0609030804020204" pitchFamily="49" charset="0"/>
+              </a:rPr>
+              <a:t>:</a:t>
+            </a:r>
+          </a:p>
+          <a:p>
+            <a:r>
+              <a:rPr lang="en" altLang="ja-JP" sz="2400" b="0">
+                <a:solidFill>
+                  <a:srgbClr val="D4D4D4"/>
+                </a:solidFill>
+                <a:effectLst/>
+                <a:latin typeface="Menlo" panose="020B0609030804020204" pitchFamily="49" charset="0"/>
+              </a:rPr>
+              <a:t>    </a:t>
+            </a:r>
+            <a:r>
+              <a:rPr lang="en" altLang="ja-JP" sz="2400" b="0">
+                <a:solidFill>
+                  <a:srgbClr val="DCDCAA"/>
+                </a:solidFill>
+                <a:effectLst/>
+                <a:latin typeface="Menlo" panose="020B0609030804020204" pitchFamily="49" charset="0"/>
+              </a:rPr>
+              <a:t>print</a:t>
+            </a:r>
+            <a:r>
+              <a:rPr lang="en" altLang="ja-JP" sz="2400" b="0">
+                <a:solidFill>
+                  <a:srgbClr val="D4D4D4"/>
+                </a:solidFill>
+                <a:effectLst/>
+                <a:latin typeface="Menlo" panose="020B0609030804020204" pitchFamily="49" charset="0"/>
+              </a:rPr>
+              <a:t>(</a:t>
+            </a:r>
+            <a:r>
+              <a:rPr lang="en" altLang="ja-JP" sz="2400" b="0">
+                <a:solidFill>
+                  <a:srgbClr val="CE9178"/>
+                </a:solidFill>
+                <a:effectLst/>
+                <a:latin typeface="Menlo" panose="020B0609030804020204" pitchFamily="49" charset="0"/>
+              </a:rPr>
+              <a:t>"a</a:t>
+            </a:r>
+            <a:r>
+              <a:rPr lang="ja-JP" altLang="en-US" sz="2400" b="0">
+                <a:solidFill>
+                  <a:srgbClr val="CE9178"/>
+                </a:solidFill>
+                <a:effectLst/>
+                <a:latin typeface="Menlo" panose="020B0609030804020204" pitchFamily="49" charset="0"/>
+              </a:rPr>
+              <a:t>は負です</a:t>
+            </a:r>
+            <a:r>
+              <a:rPr lang="en-US" altLang="ja-JP" sz="2400" b="0">
+                <a:solidFill>
+                  <a:srgbClr val="CE9178"/>
+                </a:solidFill>
+                <a:effectLst/>
+                <a:latin typeface="Menlo" panose="020B0609030804020204" pitchFamily="49" charset="0"/>
+              </a:rPr>
+              <a:t>)</a:t>
+            </a:r>
+            <a:endParaRPr lang="ja-JP" altLang="en-US" sz="2400" b="0">
+              <a:solidFill>
+                <a:srgbClr val="D4D4D4"/>
+              </a:solidFill>
+              <a:effectLst/>
+              <a:latin typeface="Menlo" panose="020B0609030804020204" pitchFamily="49" charset="0"/>
+            </a:endParaRPr>
+          </a:p>
+        </p:txBody>
+      </p:sp>
+      <p:sp>
+        <p:nvSpPr>
+          <p:cNvPr id="13" name="テキスト ボックス 12">
+            <a:extLst>
+              <a:ext uri="{FF2B5EF4-FFF2-40B4-BE49-F238E27FC236}">
+                <a16:creationId xmlns:a16="http://schemas.microsoft.com/office/drawing/2014/main" id="{52CC24D1-60B7-9048-A967-3833EE569968}"/>
+              </a:ext>
+            </a:extLst>
+          </p:cNvPr>
+          <p:cNvSpPr txBox="1"/>
+          <p:nvPr/>
+        </p:nvSpPr>
+        <p:spPr>
+          <a:xfrm>
+            <a:off x="5580112" y="4869160"/>
+            <a:ext cx="3184599" cy="923330"/>
+          </a:xfrm>
+          <a:prstGeom prst="rect">
+            <a:avLst/>
+          </a:prstGeom>
+          <a:noFill/>
+        </p:spPr>
+        <p:txBody>
+          <a:bodyPr wrap="square" rtlCol="0">
+            <a:spAutoFit/>
+          </a:bodyPr>
+          <a:lstStyle/>
+          <a:p>
+            <a:r>
+              <a:rPr kumimoji="1" lang="ja-JP" altLang="en-US"/>
+              <a:t>上から順にチェックされ</a:t>
+            </a:r>
+            <a:r>
+              <a:rPr lang="ja-JP" altLang="en-US"/>
+              <a:t>、</a:t>
+            </a:r>
+            <a:endParaRPr lang="en-US" altLang="ja-JP"/>
+          </a:p>
+          <a:p>
+            <a:r>
+              <a:rPr kumimoji="1" lang="ja-JP" altLang="en-US"/>
+              <a:t>最初に成立したブロックのみ</a:t>
+            </a:r>
+            <a:endParaRPr lang="en-US" altLang="ja-JP"/>
+          </a:p>
+          <a:p>
+            <a:r>
+              <a:rPr kumimoji="1" lang="ja-JP" altLang="en-US"/>
+              <a:t>実行される</a:t>
+            </a:r>
+            <a:endParaRPr kumimoji="1" lang="en-US" altLang="ja-JP"/>
+          </a:p>
+        </p:txBody>
+      </p:sp>
+    </p:spTree>
+    <p:extLst>
+      <p:ext uri="{BB962C8B-B14F-4D97-AF65-F5344CB8AC3E}">
+        <p14:creationId xmlns:p14="http://schemas.microsoft.com/office/powerpoint/2010/main" val="354080198"/>
+      </p:ext>
+    </p:extLst>
+  </p:cSld>
+  <p:clrMapOvr>
+    <a:masterClrMapping/>
+  </p:clrMapOvr>
+</p:sld>
+</file>
+
+<file path=ppt/slides/slide21.xml><?xml version="1.0" encoding="utf-8"?>
+<p:sld xmlns:a="http://schemas.openxmlformats.org/drawingml/2006/main" xmlns:r="http://schemas.openxmlformats.org/officeDocument/2006/relationships" xmlns:p="http://schemas.openxmlformats.org/presentationml/2006/main">
+  <p:cSld>
+    <p:spTree>
+      <p:nvGrpSpPr>
+        <p:cNvPr id="1" name=""/>
+        <p:cNvGrpSpPr/>
+        <p:nvPr/>
+      </p:nvGrpSpPr>
+      <p:grpSpPr>
+        <a:xfrm>
+          <a:off x="0" y="0"/>
+          <a:ext cx="0" cy="0"/>
+          <a:chOff x="0" y="0"/>
+          <a:chExt cx="0" cy="0"/>
+        </a:xfrm>
+      </p:grpSpPr>
+      <p:sp>
+        <p:nvSpPr>
+          <p:cNvPr id="2" name="テキスト プレースホルダー 1">
+            <a:extLst>
+              <a:ext uri="{FF2B5EF4-FFF2-40B4-BE49-F238E27FC236}">
+                <a16:creationId xmlns:a16="http://schemas.microsoft.com/office/drawing/2014/main" id="{9453AAE3-1A6B-2347-BD1E-37ED93EB295B}"/>
+              </a:ext>
+            </a:extLst>
+          </p:cNvPr>
+          <p:cNvSpPr>
+            <a:spLocks noGrp="1"/>
+          </p:cNvSpPr>
+          <p:nvPr>
+            <p:ph type="body" sz="quarter" idx="10"/>
+          </p:nvPr>
+        </p:nvSpPr>
+        <p:spPr/>
+        <p:txBody>
+          <a:bodyPr/>
+          <a:lstStyle/>
+          <a:p>
+            <a:r>
+              <a:rPr kumimoji="1" lang="ja-JP" altLang="en-US"/>
+              <a:t>条件分岐</a:t>
+            </a:r>
+          </a:p>
+        </p:txBody>
+      </p:sp>
+      <p:sp>
+        <p:nvSpPr>
+          <p:cNvPr id="3" name="正方形/長方形 2">
+            <a:extLst>
+              <a:ext uri="{FF2B5EF4-FFF2-40B4-BE49-F238E27FC236}">
+                <a16:creationId xmlns:a16="http://schemas.microsoft.com/office/drawing/2014/main" id="{C7FCB3D0-350A-A944-8064-18027893C1D6}"/>
+              </a:ext>
+            </a:extLst>
+          </p:cNvPr>
+          <p:cNvSpPr/>
+          <p:nvPr/>
+        </p:nvSpPr>
+        <p:spPr>
+          <a:xfrm>
+            <a:off x="683568" y="4509120"/>
+            <a:ext cx="4572000" cy="2031325"/>
+          </a:xfrm>
+          <a:prstGeom prst="rect">
+            <a:avLst/>
+          </a:prstGeom>
+          <a:solidFill>
+            <a:schemeClr val="tx1"/>
+          </a:solidFill>
+        </p:spPr>
+        <p:txBody>
+          <a:bodyPr>
+            <a:spAutoFit/>
+          </a:bodyPr>
+          <a:lstStyle/>
+          <a:p>
+            <a:r>
+              <a:rPr lang="en" altLang="ja-JP" b="0">
+                <a:solidFill>
+                  <a:srgbClr val="C586C0"/>
+                </a:solidFill>
+                <a:effectLst/>
+                <a:latin typeface="Menlo" panose="020B0609030804020204" pitchFamily="49" charset="0"/>
+              </a:rPr>
+              <a:t>if</a:t>
+            </a:r>
+            <a:r>
+              <a:rPr lang="en" altLang="ja-JP" b="0">
+                <a:solidFill>
+                  <a:srgbClr val="D4D4D4"/>
+                </a:solidFill>
+                <a:effectLst/>
+                <a:latin typeface="Menlo" panose="020B0609030804020204" pitchFamily="49" charset="0"/>
+              </a:rPr>
+              <a:t> a &gt; </a:t>
+            </a:r>
+            <a:r>
+              <a:rPr lang="en" altLang="ja-JP" b="0">
+                <a:solidFill>
+                  <a:srgbClr val="B5CEA8"/>
+                </a:solidFill>
+                <a:effectLst/>
+                <a:latin typeface="Menlo" panose="020B0609030804020204" pitchFamily="49" charset="0"/>
+              </a:rPr>
+              <a:t>5</a:t>
+            </a:r>
+            <a:r>
+              <a:rPr lang="en" altLang="ja-JP" b="0">
+                <a:solidFill>
+                  <a:srgbClr val="D4D4D4"/>
+                </a:solidFill>
+                <a:effectLst/>
+                <a:latin typeface="Menlo" panose="020B0609030804020204" pitchFamily="49" charset="0"/>
+              </a:rPr>
+              <a:t>:</a:t>
+            </a:r>
+          </a:p>
+          <a:p>
+            <a:r>
+              <a:rPr lang="en" altLang="ja-JP" b="0">
+                <a:solidFill>
+                  <a:srgbClr val="D4D4D4"/>
+                </a:solidFill>
+                <a:effectLst/>
+                <a:latin typeface="Menlo" panose="020B0609030804020204" pitchFamily="49" charset="0"/>
+              </a:rPr>
+              <a:t>    </a:t>
+            </a:r>
+            <a:r>
+              <a:rPr lang="en" altLang="ja-JP" b="0">
+                <a:solidFill>
+                  <a:srgbClr val="C586C0"/>
+                </a:solidFill>
+                <a:effectLst/>
+                <a:latin typeface="Menlo" panose="020B0609030804020204" pitchFamily="49" charset="0"/>
+              </a:rPr>
+              <a:t>if</a:t>
+            </a:r>
+            <a:r>
+              <a:rPr lang="en" altLang="ja-JP" b="0">
+                <a:solidFill>
+                  <a:srgbClr val="D4D4D4"/>
+                </a:solidFill>
+                <a:effectLst/>
+                <a:latin typeface="Menlo" panose="020B0609030804020204" pitchFamily="49" charset="0"/>
+              </a:rPr>
+              <a:t> a &lt; </a:t>
+            </a:r>
+            <a:r>
+              <a:rPr lang="en" altLang="ja-JP" b="0">
+                <a:solidFill>
+                  <a:srgbClr val="B5CEA8"/>
+                </a:solidFill>
+                <a:effectLst/>
+                <a:latin typeface="Menlo" panose="020B0609030804020204" pitchFamily="49" charset="0"/>
+              </a:rPr>
+              <a:t>10</a:t>
+            </a:r>
+            <a:r>
+              <a:rPr lang="en" altLang="ja-JP" b="0">
+                <a:solidFill>
+                  <a:srgbClr val="D4D4D4"/>
+                </a:solidFill>
+                <a:effectLst/>
+                <a:latin typeface="Menlo" panose="020B0609030804020204" pitchFamily="49" charset="0"/>
+              </a:rPr>
+              <a:t>:</a:t>
+            </a:r>
+          </a:p>
+          <a:p>
+            <a:r>
+              <a:rPr lang="en" altLang="ja-JP" b="0">
+                <a:solidFill>
+                  <a:srgbClr val="D4D4D4"/>
+                </a:solidFill>
+                <a:effectLst/>
+                <a:latin typeface="Menlo" panose="020B0609030804020204" pitchFamily="49" charset="0"/>
+              </a:rPr>
+              <a:t>        </a:t>
+            </a:r>
+            <a:r>
+              <a:rPr lang="en" altLang="ja-JP" b="0">
+                <a:solidFill>
+                  <a:srgbClr val="DCDCAA"/>
+                </a:solidFill>
+                <a:effectLst/>
+                <a:latin typeface="Menlo" panose="020B0609030804020204" pitchFamily="49" charset="0"/>
+              </a:rPr>
+              <a:t>print</a:t>
+            </a:r>
+            <a:r>
+              <a:rPr lang="en" altLang="ja-JP" b="0">
+                <a:solidFill>
+                  <a:srgbClr val="D4D4D4"/>
+                </a:solidFill>
+                <a:effectLst/>
+                <a:latin typeface="Menlo" panose="020B0609030804020204" pitchFamily="49" charset="0"/>
+              </a:rPr>
+              <a:t>(</a:t>
+            </a:r>
+            <a:r>
+              <a:rPr lang="en" altLang="ja-JP" b="0">
+                <a:solidFill>
+                  <a:srgbClr val="CE9178"/>
+                </a:solidFill>
+                <a:effectLst/>
+                <a:latin typeface="Menlo" panose="020B0609030804020204" pitchFamily="49" charset="0"/>
+              </a:rPr>
+              <a:t>"5 &lt; a &lt; 10"</a:t>
+            </a:r>
+            <a:r>
+              <a:rPr lang="en" altLang="ja-JP" b="0">
+                <a:solidFill>
+                  <a:srgbClr val="D4D4D4"/>
+                </a:solidFill>
+                <a:effectLst/>
+                <a:latin typeface="Menlo" panose="020B0609030804020204" pitchFamily="49" charset="0"/>
+              </a:rPr>
+              <a:t>)</a:t>
+            </a:r>
+          </a:p>
+          <a:p>
+            <a:r>
+              <a:rPr lang="en" altLang="ja-JP" b="0">
+                <a:solidFill>
+                  <a:srgbClr val="D4D4D4"/>
+                </a:solidFill>
+                <a:effectLst/>
+                <a:latin typeface="Menlo" panose="020B0609030804020204" pitchFamily="49" charset="0"/>
+              </a:rPr>
+              <a:t>    </a:t>
+            </a:r>
+            <a:r>
+              <a:rPr lang="en" altLang="ja-JP" b="0">
+                <a:solidFill>
+                  <a:srgbClr val="C586C0"/>
+                </a:solidFill>
+                <a:effectLst/>
+                <a:latin typeface="Menlo" panose="020B0609030804020204" pitchFamily="49" charset="0"/>
+              </a:rPr>
+              <a:t>else</a:t>
+            </a:r>
+            <a:r>
+              <a:rPr lang="en" altLang="ja-JP" b="0">
+                <a:solidFill>
+                  <a:srgbClr val="D4D4D4"/>
+                </a:solidFill>
+                <a:effectLst/>
+                <a:latin typeface="Menlo" panose="020B0609030804020204" pitchFamily="49" charset="0"/>
+              </a:rPr>
+              <a:t>:</a:t>
+            </a:r>
+          </a:p>
+          <a:p>
+            <a:r>
+              <a:rPr lang="en" altLang="ja-JP" b="0">
+                <a:solidFill>
+                  <a:srgbClr val="D4D4D4"/>
+                </a:solidFill>
+                <a:effectLst/>
+                <a:latin typeface="Menlo" panose="020B0609030804020204" pitchFamily="49" charset="0"/>
+              </a:rPr>
+              <a:t>        </a:t>
+            </a:r>
+            <a:r>
+              <a:rPr lang="en" altLang="ja-JP" b="0">
+                <a:solidFill>
+                  <a:srgbClr val="DCDCAA"/>
+                </a:solidFill>
+                <a:effectLst/>
+                <a:latin typeface="Menlo" panose="020B0609030804020204" pitchFamily="49" charset="0"/>
+              </a:rPr>
+              <a:t>print</a:t>
+            </a:r>
+            <a:r>
+              <a:rPr lang="en" altLang="ja-JP" b="0">
+                <a:solidFill>
+                  <a:srgbClr val="D4D4D4"/>
+                </a:solidFill>
+                <a:effectLst/>
+                <a:latin typeface="Menlo" panose="020B0609030804020204" pitchFamily="49" charset="0"/>
+              </a:rPr>
+              <a:t>(</a:t>
+            </a:r>
+            <a:r>
+              <a:rPr lang="en" altLang="ja-JP" b="0">
+                <a:solidFill>
+                  <a:srgbClr val="CE9178"/>
+                </a:solidFill>
+                <a:effectLst/>
+                <a:latin typeface="Menlo" panose="020B0609030804020204" pitchFamily="49" charset="0"/>
+              </a:rPr>
+              <a:t>"10 &lt;= a"</a:t>
+            </a:r>
+            <a:r>
+              <a:rPr lang="en" altLang="ja-JP" b="0">
+                <a:solidFill>
+                  <a:srgbClr val="D4D4D4"/>
+                </a:solidFill>
+                <a:effectLst/>
+                <a:latin typeface="Menlo" panose="020B0609030804020204" pitchFamily="49" charset="0"/>
+              </a:rPr>
+              <a:t>)</a:t>
+            </a:r>
+          </a:p>
+          <a:p>
+            <a:r>
+              <a:rPr lang="en" altLang="ja-JP" b="0">
+                <a:solidFill>
+                  <a:srgbClr val="C586C0"/>
+                </a:solidFill>
+                <a:effectLst/>
+                <a:latin typeface="Menlo" panose="020B0609030804020204" pitchFamily="49" charset="0"/>
+              </a:rPr>
+              <a:t>else</a:t>
+            </a:r>
+            <a:r>
+              <a:rPr lang="en" altLang="ja-JP" b="0">
+                <a:solidFill>
+                  <a:srgbClr val="D4D4D4"/>
+                </a:solidFill>
+                <a:effectLst/>
+                <a:latin typeface="Menlo" panose="020B0609030804020204" pitchFamily="49" charset="0"/>
+              </a:rPr>
+              <a:t>:</a:t>
+            </a:r>
+          </a:p>
+          <a:p>
+            <a:r>
+              <a:rPr lang="en" altLang="ja-JP" b="0">
+                <a:solidFill>
+                  <a:srgbClr val="D4D4D4"/>
+                </a:solidFill>
+                <a:effectLst/>
+                <a:latin typeface="Menlo" panose="020B0609030804020204" pitchFamily="49" charset="0"/>
+              </a:rPr>
+              <a:t>    </a:t>
+            </a:r>
+            <a:r>
+              <a:rPr lang="en" altLang="ja-JP" b="0">
+                <a:solidFill>
+                  <a:srgbClr val="DCDCAA"/>
+                </a:solidFill>
+                <a:effectLst/>
+                <a:latin typeface="Menlo" panose="020B0609030804020204" pitchFamily="49" charset="0"/>
+              </a:rPr>
+              <a:t>print</a:t>
+            </a:r>
+            <a:r>
+              <a:rPr lang="en" altLang="ja-JP" b="0">
+                <a:solidFill>
+                  <a:srgbClr val="D4D4D4"/>
+                </a:solidFill>
+                <a:effectLst/>
+                <a:latin typeface="Menlo" panose="020B0609030804020204" pitchFamily="49" charset="0"/>
+              </a:rPr>
+              <a:t>(</a:t>
+            </a:r>
+            <a:r>
+              <a:rPr lang="en" altLang="ja-JP" b="0">
+                <a:solidFill>
+                  <a:srgbClr val="CE9178"/>
+                </a:solidFill>
+                <a:effectLst/>
+                <a:latin typeface="Menlo" panose="020B0609030804020204" pitchFamily="49" charset="0"/>
+              </a:rPr>
+              <a:t>"a &lt;= 5"</a:t>
+            </a:r>
+            <a:r>
+              <a:rPr lang="en" altLang="ja-JP" b="0">
+                <a:solidFill>
+                  <a:srgbClr val="D4D4D4"/>
+                </a:solidFill>
+                <a:effectLst/>
+                <a:latin typeface="Menlo" panose="020B0609030804020204" pitchFamily="49" charset="0"/>
+              </a:rPr>
+              <a:t>)</a:t>
+            </a:r>
+          </a:p>
+        </p:txBody>
+      </p:sp>
+      <p:cxnSp>
+        <p:nvCxnSpPr>
+          <p:cNvPr id="5" name="直線矢印コネクタ 4">
+            <a:extLst>
+              <a:ext uri="{FF2B5EF4-FFF2-40B4-BE49-F238E27FC236}">
+                <a16:creationId xmlns:a16="http://schemas.microsoft.com/office/drawing/2014/main" id="{613164C5-03B4-6C4A-9348-C51D7C7FC0C0}"/>
+              </a:ext>
+            </a:extLst>
+          </p:cNvPr>
+          <p:cNvCxnSpPr/>
+          <p:nvPr/>
+        </p:nvCxnSpPr>
+        <p:spPr>
+          <a:xfrm>
+            <a:off x="1403648" y="3789040"/>
+            <a:ext cx="5760640" cy="0"/>
+          </a:xfrm>
+          <a:prstGeom prst="straightConnector1">
+            <a:avLst/>
+          </a:prstGeom>
+          <a:ln>
+            <a:solidFill>
+              <a:schemeClr val="tx1"/>
+            </a:solidFill>
+            <a:headEnd type="none" w="med" len="med"/>
+            <a:tailEnd type="triangle"/>
+          </a:ln>
+        </p:spPr>
+        <p:style>
+          <a:lnRef idx="1">
+            <a:schemeClr val="accent1"/>
+          </a:lnRef>
+          <a:fillRef idx="0">
+            <a:schemeClr val="accent1"/>
+          </a:fillRef>
+          <a:effectRef idx="0">
+            <a:schemeClr val="accent1"/>
+          </a:effectRef>
+          <a:fontRef idx="minor">
+            <a:schemeClr val="tx1"/>
+          </a:fontRef>
+        </p:style>
+      </p:cxnSp>
+      <p:cxnSp>
+        <p:nvCxnSpPr>
+          <p:cNvPr id="7" name="直線コネクタ 6">
+            <a:extLst>
+              <a:ext uri="{FF2B5EF4-FFF2-40B4-BE49-F238E27FC236}">
+                <a16:creationId xmlns:a16="http://schemas.microsoft.com/office/drawing/2014/main" id="{3358ADC4-ED77-7F48-A942-55E676DDF7C5}"/>
+              </a:ext>
+            </a:extLst>
+          </p:cNvPr>
+          <p:cNvCxnSpPr/>
+          <p:nvPr/>
+        </p:nvCxnSpPr>
+        <p:spPr>
+          <a:xfrm>
+            <a:off x="3059832" y="3645024"/>
+            <a:ext cx="0" cy="288032"/>
+          </a:xfrm>
+          <a:prstGeom prst="line">
+            <a:avLst/>
+          </a:prstGeom>
+          <a:ln>
+            <a:solidFill>
+              <a:schemeClr val="tx1"/>
+            </a:solidFill>
+            <a:headEnd type="none" w="med" len="med"/>
+            <a:tailEnd type="none" w="med" len="med"/>
+          </a:ln>
+        </p:spPr>
+        <p:style>
+          <a:lnRef idx="1">
+            <a:schemeClr val="accent1"/>
+          </a:lnRef>
+          <a:fillRef idx="0">
+            <a:schemeClr val="accent1"/>
+          </a:fillRef>
+          <a:effectRef idx="0">
+            <a:schemeClr val="accent1"/>
+          </a:effectRef>
+          <a:fontRef idx="minor">
+            <a:schemeClr val="tx1"/>
+          </a:fontRef>
+        </p:style>
+      </p:cxnSp>
+      <p:cxnSp>
+        <p:nvCxnSpPr>
+          <p:cNvPr id="8" name="直線コネクタ 7">
+            <a:extLst>
+              <a:ext uri="{FF2B5EF4-FFF2-40B4-BE49-F238E27FC236}">
+                <a16:creationId xmlns:a16="http://schemas.microsoft.com/office/drawing/2014/main" id="{BFC11367-4D1E-D54F-A3CC-496E0F787150}"/>
+              </a:ext>
+            </a:extLst>
+          </p:cNvPr>
+          <p:cNvCxnSpPr/>
+          <p:nvPr/>
+        </p:nvCxnSpPr>
+        <p:spPr>
+          <a:xfrm>
+            <a:off x="5220072" y="3645024"/>
+            <a:ext cx="0" cy="288032"/>
+          </a:xfrm>
+          <a:prstGeom prst="line">
+            <a:avLst/>
+          </a:prstGeom>
+          <a:ln>
+            <a:solidFill>
+              <a:schemeClr val="tx1"/>
+            </a:solidFill>
+            <a:headEnd type="none" w="med" len="med"/>
+            <a:tailEnd type="none" w="med" len="med"/>
+          </a:ln>
+        </p:spPr>
+        <p:style>
+          <a:lnRef idx="1">
+            <a:schemeClr val="accent1"/>
+          </a:lnRef>
+          <a:fillRef idx="0">
+            <a:schemeClr val="accent1"/>
+          </a:fillRef>
+          <a:effectRef idx="0">
+            <a:schemeClr val="accent1"/>
+          </a:effectRef>
+          <a:fontRef idx="minor">
+            <a:schemeClr val="tx1"/>
+          </a:fontRef>
+        </p:style>
+      </p:cxnSp>
+      <p:sp>
+        <p:nvSpPr>
+          <p:cNvPr id="9" name="テキスト ボックス 8">
+            <a:extLst>
+              <a:ext uri="{FF2B5EF4-FFF2-40B4-BE49-F238E27FC236}">
+                <a16:creationId xmlns:a16="http://schemas.microsoft.com/office/drawing/2014/main" id="{69A02398-2E55-1D42-821A-69AFA3B5620F}"/>
+              </a:ext>
+            </a:extLst>
+          </p:cNvPr>
+          <p:cNvSpPr txBox="1"/>
+          <p:nvPr/>
+        </p:nvSpPr>
+        <p:spPr>
+          <a:xfrm>
+            <a:off x="2915816" y="3284984"/>
+            <a:ext cx="300082" cy="369332"/>
+          </a:xfrm>
+          <a:prstGeom prst="rect">
+            <a:avLst/>
+          </a:prstGeom>
+          <a:noFill/>
+        </p:spPr>
+        <p:txBody>
+          <a:bodyPr wrap="none" rtlCol="0">
+            <a:spAutoFit/>
+          </a:bodyPr>
+          <a:lstStyle/>
+          <a:p>
+            <a:r>
+              <a:rPr kumimoji="1" lang="en-US" altLang="ja-JP"/>
+              <a:t>5</a:t>
+            </a:r>
+            <a:endParaRPr kumimoji="1" lang="ja-JP" altLang="en-US"/>
+          </a:p>
+        </p:txBody>
+      </p:sp>
+      <p:sp>
+        <p:nvSpPr>
+          <p:cNvPr id="10" name="テキスト ボックス 9">
+            <a:extLst>
+              <a:ext uri="{FF2B5EF4-FFF2-40B4-BE49-F238E27FC236}">
+                <a16:creationId xmlns:a16="http://schemas.microsoft.com/office/drawing/2014/main" id="{EE3EA73E-4B67-BE44-BCF5-EC3830E85428}"/>
+              </a:ext>
+            </a:extLst>
+          </p:cNvPr>
+          <p:cNvSpPr txBox="1"/>
+          <p:nvPr/>
+        </p:nvSpPr>
+        <p:spPr>
+          <a:xfrm>
+            <a:off x="5004048" y="3284984"/>
+            <a:ext cx="415498" cy="369332"/>
+          </a:xfrm>
+          <a:prstGeom prst="rect">
+            <a:avLst/>
+          </a:prstGeom>
+          <a:noFill/>
+        </p:spPr>
+        <p:txBody>
+          <a:bodyPr wrap="none" rtlCol="0">
+            <a:spAutoFit/>
+          </a:bodyPr>
+          <a:lstStyle/>
+          <a:p>
+            <a:r>
+              <a:rPr kumimoji="1" lang="en-US" altLang="ja-JP"/>
+              <a:t>10</a:t>
+            </a:r>
+            <a:endParaRPr kumimoji="1" lang="ja-JP" altLang="en-US"/>
+          </a:p>
+        </p:txBody>
+      </p:sp>
+      <p:sp>
+        <p:nvSpPr>
+          <p:cNvPr id="11" name="テキスト ボックス 10">
+            <a:extLst>
+              <a:ext uri="{FF2B5EF4-FFF2-40B4-BE49-F238E27FC236}">
+                <a16:creationId xmlns:a16="http://schemas.microsoft.com/office/drawing/2014/main" id="{F79A33FB-8A78-C14C-974E-3572FE846F2F}"/>
+              </a:ext>
+            </a:extLst>
+          </p:cNvPr>
+          <p:cNvSpPr txBox="1"/>
+          <p:nvPr/>
+        </p:nvSpPr>
+        <p:spPr>
+          <a:xfrm>
+            <a:off x="1619672" y="3212976"/>
+            <a:ext cx="667170" cy="369332"/>
+          </a:xfrm>
+          <a:prstGeom prst="rect">
+            <a:avLst/>
+          </a:prstGeom>
+          <a:noFill/>
+        </p:spPr>
+        <p:txBody>
+          <a:bodyPr wrap="none" rtlCol="0">
+            <a:spAutoFit/>
+          </a:bodyPr>
+          <a:lstStyle/>
+          <a:p>
+            <a:r>
+              <a:rPr kumimoji="1" lang="en-US" altLang="ja-JP"/>
+              <a:t>a&lt;=5</a:t>
+            </a:r>
+            <a:endParaRPr kumimoji="1" lang="ja-JP" altLang="en-US"/>
+          </a:p>
+        </p:txBody>
+      </p:sp>
+      <p:sp>
+        <p:nvSpPr>
+          <p:cNvPr id="12" name="テキスト ボックス 11">
+            <a:extLst>
+              <a:ext uri="{FF2B5EF4-FFF2-40B4-BE49-F238E27FC236}">
+                <a16:creationId xmlns:a16="http://schemas.microsoft.com/office/drawing/2014/main" id="{289AC9B5-FAE1-854C-9803-534B6875A723}"/>
+              </a:ext>
+            </a:extLst>
+          </p:cNvPr>
+          <p:cNvSpPr txBox="1"/>
+          <p:nvPr/>
+        </p:nvSpPr>
+        <p:spPr>
+          <a:xfrm>
+            <a:off x="3563888" y="3212976"/>
+            <a:ext cx="1154483" cy="369332"/>
+          </a:xfrm>
+          <a:prstGeom prst="rect">
+            <a:avLst/>
+          </a:prstGeom>
+          <a:noFill/>
+        </p:spPr>
+        <p:txBody>
+          <a:bodyPr wrap="none" rtlCol="0">
+            <a:spAutoFit/>
+          </a:bodyPr>
+          <a:lstStyle/>
+          <a:p>
+            <a:r>
+              <a:rPr kumimoji="1" lang="en-US" altLang="ja-JP"/>
+              <a:t>5 &lt; a &lt; 10</a:t>
+            </a:r>
+            <a:endParaRPr kumimoji="1" lang="ja-JP" altLang="en-US"/>
+          </a:p>
+        </p:txBody>
+      </p:sp>
+      <p:sp>
+        <p:nvSpPr>
+          <p:cNvPr id="13" name="テキスト ボックス 12">
+            <a:extLst>
+              <a:ext uri="{FF2B5EF4-FFF2-40B4-BE49-F238E27FC236}">
+                <a16:creationId xmlns:a16="http://schemas.microsoft.com/office/drawing/2014/main" id="{EF0B96BF-BEBE-0841-A31C-9E7E81EF8334}"/>
+              </a:ext>
+            </a:extLst>
+          </p:cNvPr>
+          <p:cNvSpPr txBox="1"/>
+          <p:nvPr/>
+        </p:nvSpPr>
+        <p:spPr>
+          <a:xfrm>
+            <a:off x="5940152" y="3212976"/>
+            <a:ext cx="910827" cy="369332"/>
+          </a:xfrm>
+          <a:prstGeom prst="rect">
+            <a:avLst/>
+          </a:prstGeom>
+          <a:noFill/>
+        </p:spPr>
+        <p:txBody>
+          <a:bodyPr wrap="none" rtlCol="0">
+            <a:spAutoFit/>
+          </a:bodyPr>
+          <a:lstStyle/>
+          <a:p>
+            <a:r>
+              <a:rPr lang="en-US" altLang="ja-JP"/>
+              <a:t>10 &lt;= a</a:t>
+            </a:r>
+            <a:endParaRPr kumimoji="1" lang="ja-JP" altLang="en-US"/>
+          </a:p>
+        </p:txBody>
+      </p:sp>
+      <p:sp>
+        <p:nvSpPr>
+          <p:cNvPr id="14" name="テキスト ボックス 13">
+            <a:extLst>
+              <a:ext uri="{FF2B5EF4-FFF2-40B4-BE49-F238E27FC236}">
+                <a16:creationId xmlns:a16="http://schemas.microsoft.com/office/drawing/2014/main" id="{DE540D1E-189D-5546-A989-A0F2D3B65431}"/>
+              </a:ext>
+            </a:extLst>
+          </p:cNvPr>
+          <p:cNvSpPr txBox="1"/>
+          <p:nvPr/>
+        </p:nvSpPr>
+        <p:spPr>
+          <a:xfrm>
+            <a:off x="611560" y="2420888"/>
+            <a:ext cx="7702750" cy="461665"/>
+          </a:xfrm>
+          <a:prstGeom prst="rect">
+            <a:avLst/>
+          </a:prstGeom>
+          <a:noFill/>
+        </p:spPr>
+        <p:txBody>
+          <a:bodyPr wrap="none" rtlCol="0">
+            <a:spAutoFit/>
+          </a:bodyPr>
+          <a:lstStyle/>
+          <a:p>
+            <a:r>
+              <a:rPr kumimoji="1" lang="ja-JP" altLang="en-US" sz="2400"/>
+              <a:t>例：変数</a:t>
+            </a:r>
+            <a:r>
+              <a:rPr kumimoji="1" lang="en-US" altLang="ja-JP" sz="2400"/>
+              <a:t>a</a:t>
+            </a:r>
+            <a:r>
+              <a:rPr kumimoji="1" lang="ja-JP" altLang="en-US" sz="2400"/>
+              <a:t>が以下の三条件のどれに対応するか知りたい</a:t>
+            </a:r>
+          </a:p>
+        </p:txBody>
+      </p:sp>
+      <p:sp>
+        <p:nvSpPr>
+          <p:cNvPr id="15" name="テキスト ボックス 14">
+            <a:extLst>
+              <a:ext uri="{FF2B5EF4-FFF2-40B4-BE49-F238E27FC236}">
+                <a16:creationId xmlns:a16="http://schemas.microsoft.com/office/drawing/2014/main" id="{D1F93F44-D603-B041-B734-7F7EC004E137}"/>
+              </a:ext>
+            </a:extLst>
+          </p:cNvPr>
+          <p:cNvSpPr txBox="1"/>
+          <p:nvPr/>
+        </p:nvSpPr>
+        <p:spPr>
+          <a:xfrm>
+            <a:off x="611560" y="1196752"/>
+            <a:ext cx="3714478" cy="461665"/>
+          </a:xfrm>
+          <a:prstGeom prst="rect">
+            <a:avLst/>
+          </a:prstGeom>
+          <a:noFill/>
+        </p:spPr>
+        <p:txBody>
+          <a:bodyPr wrap="none" rtlCol="0">
+            <a:spAutoFit/>
+          </a:bodyPr>
+          <a:lstStyle/>
+          <a:p>
+            <a:r>
+              <a:rPr kumimoji="1" lang="en-US" altLang="ja-JP" sz="2400"/>
+              <a:t>if</a:t>
+            </a:r>
+            <a:r>
+              <a:rPr kumimoji="1" lang="ja-JP" altLang="en-US" sz="2400"/>
+              <a:t>文は入れ子構造にできる</a:t>
+            </a:r>
+          </a:p>
+        </p:txBody>
+      </p:sp>
+    </p:spTree>
+    <p:extLst>
+      <p:ext uri="{BB962C8B-B14F-4D97-AF65-F5344CB8AC3E}">
+        <p14:creationId xmlns:p14="http://schemas.microsoft.com/office/powerpoint/2010/main" val="2705844482"/>
+      </p:ext>
+    </p:extLst>
+  </p:cSld>
+  <p:clrMapOvr>
+    <a:masterClrMapping/>
+  </p:clrMapOvr>
+</p:sld>
+</file>
+
+<file path=ppt/slides/slide22.xml><?xml version="1.0" encoding="utf-8"?>
+<p:sld xmlns:a="http://schemas.openxmlformats.org/drawingml/2006/main" xmlns:r="http://schemas.openxmlformats.org/officeDocument/2006/relationships" xmlns:p="http://schemas.openxmlformats.org/presentationml/2006/main">
+  <p:cSld>
+    <p:spTree>
+      <p:nvGrpSpPr>
+        <p:cNvPr id="1" name=""/>
+        <p:cNvGrpSpPr/>
+        <p:nvPr/>
+      </p:nvGrpSpPr>
+      <p:grpSpPr>
+        <a:xfrm>
+          <a:off x="0" y="0"/>
+          <a:ext cx="0" cy="0"/>
+          <a:chOff x="0" y="0"/>
+          <a:chExt cx="0" cy="0"/>
+        </a:xfrm>
+      </p:grpSpPr>
+      <p:sp>
+        <p:nvSpPr>
+          <p:cNvPr id="2" name="テキスト プレースホルダー 1">
+            <a:extLst>
+              <a:ext uri="{FF2B5EF4-FFF2-40B4-BE49-F238E27FC236}">
+                <a16:creationId xmlns:a16="http://schemas.microsoft.com/office/drawing/2014/main" id="{241CD767-2D7B-1F42-98C7-6CB0728DF820}"/>
+              </a:ext>
+            </a:extLst>
+          </p:cNvPr>
+          <p:cNvSpPr>
+            <a:spLocks noGrp="1"/>
+          </p:cNvSpPr>
+          <p:nvPr>
+            <p:ph type="body" sz="quarter" idx="10"/>
+          </p:nvPr>
+        </p:nvSpPr>
+        <p:spPr/>
+        <p:txBody>
+          <a:bodyPr/>
+          <a:lstStyle/>
+          <a:p>
+            <a:r>
+              <a:rPr lang="ja-JP" altLang="en-US"/>
+              <a:t>今日これだけは覚えて欲しい</a:t>
+            </a:r>
+            <a:endParaRPr kumimoji="1" lang="ja-JP" altLang="en-US"/>
+          </a:p>
+        </p:txBody>
+      </p:sp>
+      <p:sp>
+        <p:nvSpPr>
+          <p:cNvPr id="3" name="テキスト ボックス 2">
+            <a:extLst>
+              <a:ext uri="{FF2B5EF4-FFF2-40B4-BE49-F238E27FC236}">
+                <a16:creationId xmlns:a16="http://schemas.microsoft.com/office/drawing/2014/main" id="{9447B3D2-7445-4240-A68A-01077CFC1B4C}"/>
+              </a:ext>
+            </a:extLst>
+          </p:cNvPr>
+          <p:cNvSpPr txBox="1"/>
+          <p:nvPr/>
+        </p:nvSpPr>
+        <p:spPr>
+          <a:xfrm>
+            <a:off x="179512" y="1700808"/>
+            <a:ext cx="8784975" cy="2554545"/>
+          </a:xfrm>
+          <a:prstGeom prst="rect">
+            <a:avLst/>
+          </a:prstGeom>
+          <a:noFill/>
+        </p:spPr>
+        <p:txBody>
+          <a:bodyPr wrap="square" rtlCol="0">
+            <a:spAutoFit/>
+          </a:bodyPr>
+          <a:lstStyle/>
+          <a:p>
+            <a:r>
+              <a:rPr kumimoji="1" lang="ja-JP" altLang="en-US" sz="3200"/>
+              <a:t>・変数はメモリのどこかにつけられたラベル</a:t>
+            </a:r>
+            <a:endParaRPr kumimoji="1" lang="en-US" altLang="ja-JP" sz="3200"/>
+          </a:p>
+          <a:p>
+            <a:r>
+              <a:rPr lang="ja-JP" altLang="en-US" sz="3200"/>
+              <a:t>・メモリ上の数値は「型」により解釈される</a:t>
+            </a:r>
+            <a:endParaRPr lang="en-US" altLang="ja-JP" sz="3200"/>
+          </a:p>
+          <a:p>
+            <a:r>
+              <a:rPr lang="ja-JP" altLang="en-US" sz="3200"/>
+              <a:t>・繰り返しや条件分岐はブロックを伴う</a:t>
+            </a:r>
+            <a:endParaRPr lang="en-US" altLang="ja-JP" sz="3200"/>
+          </a:p>
+          <a:p>
+            <a:r>
+              <a:rPr kumimoji="1" lang="ja-JP" altLang="en-US" sz="3200"/>
+              <a:t>・</a:t>
+            </a:r>
+            <a:r>
+              <a:rPr kumimoji="1" lang="en-US" altLang="ja-JP" sz="3200"/>
+              <a:t> Python</a:t>
+            </a:r>
+            <a:r>
+              <a:rPr kumimoji="1" lang="ja-JP" altLang="en-US" sz="3200"/>
+              <a:t>のブロックはコロンで始まる</a:t>
+            </a:r>
+            <a:endParaRPr kumimoji="1" lang="en-US" altLang="ja-JP" sz="3200"/>
+          </a:p>
+          <a:p>
+            <a:r>
+              <a:rPr lang="ja-JP" altLang="en-US" sz="3200"/>
+              <a:t>・ブロックは同じインデントを持つ行の集まり</a:t>
+            </a:r>
+            <a:endParaRPr lang="en-US" altLang="ja-JP" sz="3200"/>
+          </a:p>
+        </p:txBody>
+      </p:sp>
+    </p:spTree>
+    <p:extLst>
+      <p:ext uri="{BB962C8B-B14F-4D97-AF65-F5344CB8AC3E}">
+        <p14:creationId xmlns:p14="http://schemas.microsoft.com/office/powerpoint/2010/main" val="3518445330"/>
+      </p:ext>
+    </p:extLst>
+  </p:cSld>
+  <p:clrMapOvr>
+    <a:masterClrMapping/>
+  </p:clrMapOvr>
+</p:sld>
+</file>
+
+<file path=ppt/slides/slide23.xml><?xml version="1.0" encoding="utf-8"?>
+<p:sld xmlns:a="http://schemas.openxmlformats.org/drawingml/2006/main" xmlns:r="http://schemas.openxmlformats.org/officeDocument/2006/relationships" xmlns:p="http://schemas.openxmlformats.org/presentationml/2006/main">
+  <p:cSld>
+    <p:spTree>
+      <p:nvGrpSpPr>
+        <p:cNvPr id="1" name=""/>
+        <p:cNvGrpSpPr/>
+        <p:nvPr/>
+      </p:nvGrpSpPr>
+      <p:grpSpPr>
+        <a:xfrm>
+          <a:off x="0" y="0"/>
+          <a:ext cx="0" cy="0"/>
+          <a:chOff x="0" y="0"/>
+          <a:chExt cx="0" cy="0"/>
+        </a:xfrm>
+      </p:grpSpPr>
+      <p:sp>
+        <p:nvSpPr>
+          <p:cNvPr id="2" name="テキスト プレースホルダー 1">
+            <a:extLst>
+              <a:ext uri="{FF2B5EF4-FFF2-40B4-BE49-F238E27FC236}">
+                <a16:creationId xmlns:a16="http://schemas.microsoft.com/office/drawing/2014/main" id="{7D53C28E-8BB6-AC4F-8FA6-2571E9AE7E98}"/>
+              </a:ext>
+            </a:extLst>
+          </p:cNvPr>
+          <p:cNvSpPr>
+            <a:spLocks noGrp="1"/>
+          </p:cNvSpPr>
+          <p:nvPr>
+            <p:ph type="body" sz="quarter" idx="10"/>
+          </p:nvPr>
+        </p:nvSpPr>
+        <p:spPr/>
+        <p:txBody>
+          <a:bodyPr/>
+          <a:lstStyle/>
+          <a:p>
+            <a:r>
+              <a:rPr kumimoji="1" lang="ja-JP" altLang="en-US"/>
+              <a:t>ニュートン法</a:t>
+            </a:r>
+          </a:p>
+        </p:txBody>
+      </p:sp>
+      <mc:AlternateContent xmlns:mc="http://schemas.openxmlformats.org/markup-compatibility/2006">
+        <mc:Choice xmlns:a14="http://schemas.microsoft.com/office/drawing/2010/main" Requires="a14">
+          <p:sp>
+            <p:nvSpPr>
+              <p:cNvPr id="3" name="テキスト ボックス 2">
+                <a:extLst>
+                  <a:ext uri="{FF2B5EF4-FFF2-40B4-BE49-F238E27FC236}">
+                    <a16:creationId xmlns:a16="http://schemas.microsoft.com/office/drawing/2014/main" id="{4DB25C10-7F9B-1B45-B586-3D64CE0A0865}"/>
+                  </a:ext>
+                </a:extLst>
+              </p:cNvPr>
+              <p:cNvSpPr txBox="1"/>
+              <p:nvPr/>
+            </p:nvSpPr>
+            <p:spPr>
+              <a:xfrm>
+                <a:off x="1619672" y="1268760"/>
+                <a:ext cx="1893467" cy="553998"/>
+              </a:xfrm>
+              <a:prstGeom prst="rect">
+                <a:avLst/>
+              </a:prstGeom>
+              <a:noFill/>
+            </p:spPr>
+            <p:txBody>
+              <a:bodyPr wrap="none" lIns="0" tIns="0" rIns="0" bIns="0" rtlCol="0">
+                <a:spAutoFit/>
+              </a:bodyPr>
+              <a:lstStyle/>
+              <a:p>
+                <a14:m>
+                  <m:oMathPara xmlns:m="http://schemas.openxmlformats.org/officeDocument/2006/math">
+                    <m:oMathParaPr>
+                      <m:jc m:val="centerGroup"/>
+                    </m:oMathParaPr>
+                    <m:oMath xmlns:m="http://schemas.openxmlformats.org/officeDocument/2006/math">
+                      <m:r>
+                        <a:rPr kumimoji="1" lang="en-US" altLang="ja-JP" sz="3600" b="0" i="1">
+                          <a:latin typeface="Cambria Math" panose="02040503050406030204" pitchFamily="18" charset="0"/>
+                        </a:rPr>
+                        <m:t>𝑓</m:t>
+                      </m:r>
+                      <m:d>
+                        <m:dPr>
+                          <m:ctrlPr>
+                            <a:rPr kumimoji="1" lang="en-US" altLang="ja-JP" sz="3600" b="0" i="1">
+                              <a:latin typeface="Cambria Math" panose="02040503050406030204" pitchFamily="18" charset="0"/>
+                            </a:rPr>
+                          </m:ctrlPr>
+                        </m:dPr>
+                        <m:e>
+                          <m:r>
+                            <a:rPr kumimoji="1" lang="en-US" altLang="ja-JP" sz="3600" b="0" i="1">
+                              <a:latin typeface="Cambria Math" panose="02040503050406030204" pitchFamily="18" charset="0"/>
+                            </a:rPr>
+                            <m:t>𝑥</m:t>
+                          </m:r>
+                        </m:e>
+                      </m:d>
+                      <m:r>
+                        <a:rPr kumimoji="1" lang="en-US" altLang="ja-JP" sz="3600" b="0" i="1">
+                          <a:latin typeface="Cambria Math" panose="02040503050406030204" pitchFamily="18" charset="0"/>
+                        </a:rPr>
+                        <m:t>=0</m:t>
+                      </m:r>
+                    </m:oMath>
+                  </m:oMathPara>
+                </a14:m>
+                <a:endParaRPr kumimoji="1" lang="ja-JP" altLang="en-US" sz="3600"/>
+              </a:p>
+            </p:txBody>
+          </p:sp>
+        </mc:Choice>
+        <mc:Fallback>
+          <p:sp>
+            <p:nvSpPr>
+              <p:cNvPr id="3" name="テキスト ボックス 2">
+                <a:extLst>
+                  <a:ext uri="{FF2B5EF4-FFF2-40B4-BE49-F238E27FC236}">
+                    <a16:creationId xmlns:a16="http://schemas.microsoft.com/office/drawing/2014/main" id="{4DB25C10-7F9B-1B45-B586-3D64CE0A0865}"/>
+                  </a:ext>
+                </a:extLst>
+              </p:cNvPr>
+              <p:cNvSpPr txBox="1">
+                <a:spLocks noRot="1" noChangeAspect="1" noMove="1" noResize="1" noEditPoints="1" noAdjustHandles="1" noChangeArrowheads="1" noChangeShapeType="1" noTextEdit="1"/>
+              </p:cNvSpPr>
+              <p:nvPr/>
+            </p:nvSpPr>
+            <p:spPr>
+              <a:xfrm>
+                <a:off x="1619672" y="1268760"/>
+                <a:ext cx="1893467" cy="553998"/>
+              </a:xfrm>
+              <a:prstGeom prst="rect">
+                <a:avLst/>
+              </a:prstGeom>
+              <a:blipFill>
+                <a:blip r:embed="rId2"/>
+                <a:stretch>
+                  <a:fillRect l="-7333" r="-4000" b="-33333"/>
+                </a:stretch>
+              </a:blipFill>
+            </p:spPr>
+            <p:txBody>
+              <a:bodyPr/>
+              <a:lstStyle/>
+              <a:p>
+                <a:r>
+                  <a:rPr lang="ja-JP" altLang="en-US">
+                    <a:noFill/>
+                  </a:rPr>
+                  <a:t> </a:t>
+                </a:r>
+              </a:p>
+            </p:txBody>
+          </p:sp>
+        </mc:Fallback>
+      </mc:AlternateContent>
+      <p:sp>
+        <p:nvSpPr>
+          <p:cNvPr id="4" name="テキスト ボックス 3">
+            <a:extLst>
+              <a:ext uri="{FF2B5EF4-FFF2-40B4-BE49-F238E27FC236}">
+                <a16:creationId xmlns:a16="http://schemas.microsoft.com/office/drawing/2014/main" id="{7A27548F-B90E-9741-8608-AA285CD2072F}"/>
+              </a:ext>
+            </a:extLst>
+          </p:cNvPr>
+          <p:cNvSpPr txBox="1"/>
+          <p:nvPr/>
+        </p:nvSpPr>
+        <p:spPr>
+          <a:xfrm>
+            <a:off x="3635896" y="1340768"/>
+            <a:ext cx="3570208" cy="461665"/>
+          </a:xfrm>
+          <a:prstGeom prst="rect">
+            <a:avLst/>
+          </a:prstGeom>
+          <a:noFill/>
+        </p:spPr>
+        <p:txBody>
+          <a:bodyPr wrap="none" rtlCol="0">
+            <a:spAutoFit/>
+          </a:bodyPr>
+          <a:lstStyle/>
+          <a:p>
+            <a:r>
+              <a:rPr kumimoji="1" lang="ja-JP" altLang="en-US" sz="2400"/>
+              <a:t>方程式の解をもとめたい</a:t>
+            </a:r>
+          </a:p>
+        </p:txBody>
+      </p:sp>
+      <p:cxnSp>
+        <p:nvCxnSpPr>
+          <p:cNvPr id="7" name="直線矢印コネクタ 6">
+            <a:extLst>
+              <a:ext uri="{FF2B5EF4-FFF2-40B4-BE49-F238E27FC236}">
+                <a16:creationId xmlns:a16="http://schemas.microsoft.com/office/drawing/2014/main" id="{B0444711-65E6-0141-AC5A-0E3CA5F5172B}"/>
+              </a:ext>
+            </a:extLst>
+          </p:cNvPr>
+          <p:cNvCxnSpPr>
+            <a:cxnSpLocks/>
+          </p:cNvCxnSpPr>
+          <p:nvPr/>
+        </p:nvCxnSpPr>
+        <p:spPr>
+          <a:xfrm>
+            <a:off x="1907704" y="5229200"/>
+            <a:ext cx="4032448" cy="0"/>
+          </a:xfrm>
+          <a:prstGeom prst="straightConnector1">
+            <a:avLst/>
+          </a:prstGeom>
+          <a:ln>
+            <a:solidFill>
+              <a:schemeClr val="tx1"/>
+            </a:solidFill>
+            <a:headEnd type="none" w="med" len="med"/>
+            <a:tailEnd type="triangle"/>
+          </a:ln>
+        </p:spPr>
+        <p:style>
+          <a:lnRef idx="1">
+            <a:schemeClr val="accent1"/>
+          </a:lnRef>
+          <a:fillRef idx="0">
+            <a:schemeClr val="accent1"/>
+          </a:fillRef>
+          <a:effectRef idx="0">
+            <a:schemeClr val="accent1"/>
+          </a:effectRef>
+          <a:fontRef idx="minor">
+            <a:schemeClr val="tx1"/>
+          </a:fontRef>
+        </p:style>
+      </p:cxnSp>
+      <p:cxnSp>
+        <p:nvCxnSpPr>
+          <p:cNvPr id="9" name="直線矢印コネクタ 8">
+            <a:extLst>
+              <a:ext uri="{FF2B5EF4-FFF2-40B4-BE49-F238E27FC236}">
+                <a16:creationId xmlns:a16="http://schemas.microsoft.com/office/drawing/2014/main" id="{4CF942B9-F0D9-FB49-A792-D05F716AA74D}"/>
+              </a:ext>
+            </a:extLst>
+          </p:cNvPr>
+          <p:cNvCxnSpPr>
+            <a:cxnSpLocks/>
+          </p:cNvCxnSpPr>
+          <p:nvPr/>
+        </p:nvCxnSpPr>
+        <p:spPr>
+          <a:xfrm flipV="1">
+            <a:off x="2555776" y="3068960"/>
+            <a:ext cx="0" cy="2664296"/>
+          </a:xfrm>
+          <a:prstGeom prst="straightConnector1">
+            <a:avLst/>
+          </a:prstGeom>
+          <a:ln>
+            <a:solidFill>
+              <a:schemeClr val="tx1"/>
+            </a:solidFill>
+            <a:headEnd type="none" w="med" len="med"/>
+            <a:tailEnd type="triangle"/>
+          </a:ln>
+        </p:spPr>
+        <p:style>
+          <a:lnRef idx="1">
+            <a:schemeClr val="accent1"/>
+          </a:lnRef>
+          <a:fillRef idx="0">
+            <a:schemeClr val="accent1"/>
+          </a:fillRef>
+          <a:effectRef idx="0">
+            <a:schemeClr val="accent1"/>
+          </a:effectRef>
+          <a:fontRef idx="minor">
+            <a:schemeClr val="tx1"/>
+          </a:fontRef>
+        </p:style>
+      </p:cxnSp>
+      <p:sp>
+        <p:nvSpPr>
+          <p:cNvPr id="12" name="フリーフォーム 11">
+            <a:extLst>
+              <a:ext uri="{FF2B5EF4-FFF2-40B4-BE49-F238E27FC236}">
+                <a16:creationId xmlns:a16="http://schemas.microsoft.com/office/drawing/2014/main" id="{D7C2CDBF-31BE-6443-9FD2-9C90EBCE8A93}"/>
+              </a:ext>
+            </a:extLst>
+          </p:cNvPr>
+          <p:cNvSpPr/>
+          <p:nvPr/>
+        </p:nvSpPr>
+        <p:spPr>
+          <a:xfrm>
+            <a:off x="2195736" y="3220894"/>
+            <a:ext cx="2520280" cy="2405722"/>
+          </a:xfrm>
+          <a:custGeom>
+            <a:avLst/>
+            <a:gdLst>
+              <a:gd name="connsiteX0" fmla="*/ 2905760 w 2905760"/>
+              <a:gd name="connsiteY0" fmla="*/ 0 h 2773680"/>
+              <a:gd name="connsiteX1" fmla="*/ 1930400 w 2905760"/>
+              <a:gd name="connsiteY1" fmla="*/ 1798320 h 2773680"/>
+              <a:gd name="connsiteX2" fmla="*/ 0 w 2905760"/>
+              <a:gd name="connsiteY2" fmla="*/ 2773680 h 2773680"/>
+            </a:gdLst>
+            <a:ahLst/>
+            <a:cxnLst>
+              <a:cxn ang="0">
+                <a:pos x="connsiteX0" y="connsiteY0"/>
+              </a:cxn>
+              <a:cxn ang="0">
+                <a:pos x="connsiteX1" y="connsiteY1"/>
+              </a:cxn>
+              <a:cxn ang="0">
+                <a:pos x="connsiteX2" y="connsiteY2"/>
+              </a:cxn>
+            </a:cxnLst>
+            <a:rect l="l" t="t" r="r" b="b"/>
+            <a:pathLst>
+              <a:path w="2905760" h="2773680">
+                <a:moveTo>
+                  <a:pt x="2905760" y="0"/>
+                </a:moveTo>
+                <a:cubicBezTo>
+                  <a:pt x="2660226" y="668020"/>
+                  <a:pt x="2414693" y="1336040"/>
+                  <a:pt x="1930400" y="1798320"/>
+                </a:cubicBezTo>
+                <a:cubicBezTo>
+                  <a:pt x="1446107" y="2260600"/>
+                  <a:pt x="723053" y="2517140"/>
+                  <a:pt x="0" y="2773680"/>
+                </a:cubicBezTo>
+              </a:path>
+            </a:pathLst>
+          </a:custGeom>
+          <a:noFill/>
+          <a:ln>
+            <a:solidFill>
+              <a:schemeClr val="tx1"/>
+            </a:solidFill>
+          </a:ln>
+        </p:spPr>
+        <p:style>
+          <a:lnRef idx="2">
+            <a:schemeClr val="accent1">
+              <a:shade val="50000"/>
+            </a:schemeClr>
+          </a:lnRef>
+          <a:fillRef idx="1">
+            <a:schemeClr val="accent1"/>
+          </a:fillRef>
+          <a:effectRef idx="0">
+            <a:schemeClr val="accent1"/>
+          </a:effectRef>
+          <a:fontRef idx="minor">
+            <a:schemeClr val="lt1"/>
+          </a:fontRef>
+        </p:style>
+        <p:txBody>
+          <a:bodyPr rtlCol="0" anchor="ctr"/>
+          <a:lstStyle/>
+          <a:p>
+            <a:pPr algn="ctr"/>
+            <a:endParaRPr kumimoji="1" lang="ja-JP" altLang="en-US"/>
+          </a:p>
+        </p:txBody>
+      </p:sp>
+      <mc:AlternateContent xmlns:mc="http://schemas.openxmlformats.org/markup-compatibility/2006">
+        <mc:Choice xmlns:a14="http://schemas.microsoft.com/office/drawing/2010/main" Requires="a14">
+          <p:sp>
+            <p:nvSpPr>
+              <p:cNvPr id="15" name="テキスト ボックス 14">
+                <a:extLst>
+                  <a:ext uri="{FF2B5EF4-FFF2-40B4-BE49-F238E27FC236}">
+                    <a16:creationId xmlns:a16="http://schemas.microsoft.com/office/drawing/2014/main" id="{E976CEE0-8759-1645-86D3-3E61C0063BE7}"/>
+                  </a:ext>
+                </a:extLst>
+              </p:cNvPr>
+              <p:cNvSpPr txBox="1"/>
+              <p:nvPr/>
+            </p:nvSpPr>
+            <p:spPr>
+              <a:xfrm>
+                <a:off x="6012160" y="4869160"/>
+                <a:ext cx="387477" cy="553998"/>
+              </a:xfrm>
+              <a:prstGeom prst="rect">
+                <a:avLst/>
+              </a:prstGeom>
+              <a:noFill/>
+            </p:spPr>
+            <p:txBody>
+              <a:bodyPr wrap="none" lIns="0" tIns="0" rIns="0" bIns="0" rtlCol="0">
+                <a:spAutoFit/>
+              </a:bodyPr>
+              <a:lstStyle/>
+              <a:p>
+                <a14:m>
+                  <m:oMathPara xmlns:m="http://schemas.openxmlformats.org/officeDocument/2006/math">
+                    <m:oMathParaPr>
+                      <m:jc m:val="centerGroup"/>
+                    </m:oMathParaPr>
+                    <m:oMath xmlns:m="http://schemas.openxmlformats.org/officeDocument/2006/math">
+                      <m:r>
+                        <a:rPr kumimoji="1" lang="en-US" altLang="ja-JP" sz="3600" b="0" i="1">
+                          <a:latin typeface="Cambria Math" panose="02040503050406030204" pitchFamily="18" charset="0"/>
+                        </a:rPr>
+                        <m:t>𝑥</m:t>
+                      </m:r>
+                    </m:oMath>
+                  </m:oMathPara>
+                </a14:m>
+                <a:endParaRPr kumimoji="1" lang="ja-JP" altLang="en-US" sz="3600"/>
+              </a:p>
+            </p:txBody>
+          </p:sp>
+        </mc:Choice>
+        <mc:Fallback>
+          <p:sp>
+            <p:nvSpPr>
+              <p:cNvPr id="15" name="テキスト ボックス 14">
+                <a:extLst>
+                  <a:ext uri="{FF2B5EF4-FFF2-40B4-BE49-F238E27FC236}">
+                    <a16:creationId xmlns:a16="http://schemas.microsoft.com/office/drawing/2014/main" id="{E976CEE0-8759-1645-86D3-3E61C0063BE7}"/>
+                  </a:ext>
+                </a:extLst>
+              </p:cNvPr>
+              <p:cNvSpPr txBox="1">
+                <a:spLocks noRot="1" noChangeAspect="1" noMove="1" noResize="1" noEditPoints="1" noAdjustHandles="1" noChangeArrowheads="1" noChangeShapeType="1" noTextEdit="1"/>
+              </p:cNvSpPr>
+              <p:nvPr/>
+            </p:nvSpPr>
+            <p:spPr>
+              <a:xfrm>
+                <a:off x="6012160" y="4869160"/>
+                <a:ext cx="387477" cy="553998"/>
+              </a:xfrm>
+              <a:prstGeom prst="rect">
+                <a:avLst/>
+              </a:prstGeom>
+              <a:blipFill>
+                <a:blip r:embed="rId3"/>
+                <a:stretch>
+                  <a:fillRect l="-9375" r="-6250"/>
+                </a:stretch>
+              </a:blipFill>
+            </p:spPr>
+            <p:txBody>
+              <a:bodyPr/>
+              <a:lstStyle/>
+              <a:p>
+                <a:r>
+                  <a:rPr lang="ja-JP" altLang="en-US">
+                    <a:noFill/>
+                  </a:rPr>
+                  <a:t> </a:t>
+                </a:r>
+              </a:p>
+            </p:txBody>
+          </p:sp>
+        </mc:Fallback>
+      </mc:AlternateContent>
+      <mc:AlternateContent xmlns:mc="http://schemas.openxmlformats.org/markup-compatibility/2006">
+        <mc:Choice xmlns:a14="http://schemas.microsoft.com/office/drawing/2010/main" Requires="a14">
+          <p:sp>
+            <p:nvSpPr>
+              <p:cNvPr id="16" name="テキスト ボックス 15">
+                <a:extLst>
+                  <a:ext uri="{FF2B5EF4-FFF2-40B4-BE49-F238E27FC236}">
+                    <a16:creationId xmlns:a16="http://schemas.microsoft.com/office/drawing/2014/main" id="{ADCC35BE-E35B-8841-BF77-8825878D2C0A}"/>
+                  </a:ext>
+                </a:extLst>
+              </p:cNvPr>
+              <p:cNvSpPr txBox="1"/>
+              <p:nvPr/>
+            </p:nvSpPr>
+            <p:spPr>
+              <a:xfrm>
+                <a:off x="1835696" y="2420888"/>
+                <a:ext cx="1906099" cy="553998"/>
+              </a:xfrm>
+              <a:prstGeom prst="rect">
+                <a:avLst/>
+              </a:prstGeom>
+              <a:noFill/>
+            </p:spPr>
+            <p:txBody>
+              <a:bodyPr wrap="none" lIns="0" tIns="0" rIns="0" bIns="0" rtlCol="0">
+                <a:spAutoFit/>
+              </a:bodyPr>
+              <a:lstStyle/>
+              <a:p>
+                <a14:m>
+                  <m:oMathPara xmlns:m="http://schemas.openxmlformats.org/officeDocument/2006/math">
+                    <m:oMathParaPr>
+                      <m:jc m:val="centerGroup"/>
+                    </m:oMathParaPr>
+                    <m:oMath xmlns:m="http://schemas.openxmlformats.org/officeDocument/2006/math">
+                      <m:r>
+                        <a:rPr kumimoji="1" lang="en-US" altLang="ja-JP" sz="3600" b="0" i="1">
+                          <a:latin typeface="Cambria Math" panose="02040503050406030204" pitchFamily="18" charset="0"/>
+                        </a:rPr>
+                        <m:t>𝑦</m:t>
+                      </m:r>
+                      <m:r>
+                        <a:rPr kumimoji="1" lang="en-US" altLang="ja-JP" sz="3600" b="0" i="1">
+                          <a:latin typeface="Cambria Math" panose="02040503050406030204" pitchFamily="18" charset="0"/>
+                        </a:rPr>
+                        <m:t>=</m:t>
+                      </m:r>
+                      <m:r>
+                        <a:rPr kumimoji="1" lang="en-US" altLang="ja-JP" sz="3600" b="0" i="1">
+                          <a:latin typeface="Cambria Math" panose="02040503050406030204" pitchFamily="18" charset="0"/>
+                        </a:rPr>
+                        <m:t>𝑓</m:t>
+                      </m:r>
+                      <m:r>
+                        <a:rPr kumimoji="1" lang="en-US" altLang="ja-JP" sz="3600" b="0" i="1">
+                          <a:latin typeface="Cambria Math" panose="02040503050406030204" pitchFamily="18" charset="0"/>
+                        </a:rPr>
+                        <m:t>(</m:t>
+                      </m:r>
+                      <m:r>
+                        <a:rPr kumimoji="1" lang="en-US" altLang="ja-JP" sz="3600" b="0" i="1">
+                          <a:latin typeface="Cambria Math" panose="02040503050406030204" pitchFamily="18" charset="0"/>
+                        </a:rPr>
+                        <m:t>𝑥</m:t>
+                      </m:r>
+                      <m:r>
+                        <a:rPr kumimoji="1" lang="en-US" altLang="ja-JP" sz="3600" b="0" i="1">
+                          <a:latin typeface="Cambria Math" panose="02040503050406030204" pitchFamily="18" charset="0"/>
+                        </a:rPr>
+                        <m:t>)</m:t>
+                      </m:r>
+                    </m:oMath>
+                  </m:oMathPara>
+                </a14:m>
+                <a:endParaRPr kumimoji="1" lang="ja-JP" altLang="en-US" sz="3600"/>
+              </a:p>
+            </p:txBody>
+          </p:sp>
+        </mc:Choice>
+        <mc:Fallback>
+          <p:sp>
+            <p:nvSpPr>
+              <p:cNvPr id="16" name="テキスト ボックス 15">
+                <a:extLst>
+                  <a:ext uri="{FF2B5EF4-FFF2-40B4-BE49-F238E27FC236}">
+                    <a16:creationId xmlns:a16="http://schemas.microsoft.com/office/drawing/2014/main" id="{ADCC35BE-E35B-8841-BF77-8825878D2C0A}"/>
+                  </a:ext>
+                </a:extLst>
+              </p:cNvPr>
+              <p:cNvSpPr txBox="1">
+                <a:spLocks noRot="1" noChangeAspect="1" noMove="1" noResize="1" noEditPoints="1" noAdjustHandles="1" noChangeArrowheads="1" noChangeShapeType="1" noTextEdit="1"/>
+              </p:cNvSpPr>
+              <p:nvPr/>
+            </p:nvSpPr>
+            <p:spPr>
+              <a:xfrm>
+                <a:off x="1835696" y="2420888"/>
+                <a:ext cx="1906099" cy="553998"/>
+              </a:xfrm>
+              <a:prstGeom prst="rect">
+                <a:avLst/>
+              </a:prstGeom>
+              <a:blipFill>
+                <a:blip r:embed="rId4"/>
+                <a:stretch>
+                  <a:fillRect l="-4636" r="-6623" b="-36364"/>
+                </a:stretch>
+              </a:blipFill>
+            </p:spPr>
+            <p:txBody>
+              <a:bodyPr/>
+              <a:lstStyle/>
+              <a:p>
+                <a:r>
+                  <a:rPr lang="ja-JP" altLang="en-US">
+                    <a:noFill/>
+                  </a:rPr>
+                  <a:t> </a:t>
+                </a:r>
+              </a:p>
+            </p:txBody>
+          </p:sp>
+        </mc:Fallback>
+      </mc:AlternateContent>
+      <p:sp>
+        <p:nvSpPr>
+          <p:cNvPr id="17" name="テキスト ボックス 16">
+            <a:extLst>
+              <a:ext uri="{FF2B5EF4-FFF2-40B4-BE49-F238E27FC236}">
+                <a16:creationId xmlns:a16="http://schemas.microsoft.com/office/drawing/2014/main" id="{76444353-1EDB-324E-BFAB-FD4E311294BC}"/>
+              </a:ext>
+            </a:extLst>
+          </p:cNvPr>
+          <p:cNvSpPr txBox="1"/>
+          <p:nvPr/>
+        </p:nvSpPr>
+        <p:spPr>
+          <a:xfrm>
+            <a:off x="2195736" y="5219908"/>
+            <a:ext cx="375424" cy="369332"/>
+          </a:xfrm>
+          <a:prstGeom prst="rect">
+            <a:avLst/>
+          </a:prstGeom>
+          <a:noFill/>
+        </p:spPr>
+        <p:txBody>
+          <a:bodyPr wrap="none" rtlCol="0">
+            <a:spAutoFit/>
+          </a:bodyPr>
+          <a:lstStyle/>
+          <a:p>
+            <a:r>
+              <a:rPr lang="en-US" altLang="ja-JP"/>
+              <a:t>O</a:t>
+            </a:r>
+            <a:endParaRPr kumimoji="1" lang="ja-JP" altLang="en-US"/>
+          </a:p>
+        </p:txBody>
+      </p:sp>
+      <p:sp>
+        <p:nvSpPr>
+          <p:cNvPr id="18" name="円/楕円 17">
+            <a:extLst>
+              <a:ext uri="{FF2B5EF4-FFF2-40B4-BE49-F238E27FC236}">
+                <a16:creationId xmlns:a16="http://schemas.microsoft.com/office/drawing/2014/main" id="{6778877D-B53F-984B-9E99-C74CD8958EE0}"/>
+              </a:ext>
+            </a:extLst>
+          </p:cNvPr>
+          <p:cNvSpPr/>
+          <p:nvPr/>
+        </p:nvSpPr>
+        <p:spPr>
+          <a:xfrm>
+            <a:off x="3131840" y="5157192"/>
+            <a:ext cx="144016" cy="144016"/>
+          </a:xfrm>
+          <a:prstGeom prst="ellipse">
+            <a:avLst/>
+          </a:prstGeom>
+          <a:solidFill>
+            <a:srgbClr val="FF0000"/>
+          </a:solidFill>
+          <a:ln>
+            <a:solidFill>
+              <a:schemeClr val="tx1"/>
+            </a:solidFill>
+          </a:ln>
+        </p:spPr>
+        <p:style>
+          <a:lnRef idx="2">
+            <a:schemeClr val="accent1">
+              <a:shade val="50000"/>
+            </a:schemeClr>
+          </a:lnRef>
+          <a:fillRef idx="1">
+            <a:schemeClr val="accent1"/>
+          </a:fillRef>
+          <a:effectRef idx="0">
+            <a:schemeClr val="accent1"/>
+          </a:effectRef>
+          <a:fontRef idx="minor">
+            <a:schemeClr val="lt1"/>
+          </a:fontRef>
+        </p:style>
+        <p:txBody>
+          <a:bodyPr rtlCol="0" anchor="ctr"/>
+          <a:lstStyle/>
+          <a:p>
+            <a:pPr algn="ctr"/>
+            <a:endParaRPr kumimoji="1" lang="ja-JP" altLang="en-US"/>
+          </a:p>
+        </p:txBody>
+      </p:sp>
+      <p:cxnSp>
+        <p:nvCxnSpPr>
+          <p:cNvPr id="20" name="直線矢印コネクタ 19">
+            <a:extLst>
+              <a:ext uri="{FF2B5EF4-FFF2-40B4-BE49-F238E27FC236}">
+                <a16:creationId xmlns:a16="http://schemas.microsoft.com/office/drawing/2014/main" id="{1F5AF0DE-CC9C-C144-B9F7-2DC79853561D}"/>
+              </a:ext>
+            </a:extLst>
+          </p:cNvPr>
+          <p:cNvCxnSpPr/>
+          <p:nvPr/>
+        </p:nvCxnSpPr>
+        <p:spPr>
+          <a:xfrm flipV="1">
+            <a:off x="3203848" y="5373216"/>
+            <a:ext cx="0" cy="360040"/>
+          </a:xfrm>
+          <a:prstGeom prst="straightConnector1">
+            <a:avLst/>
+          </a:prstGeom>
+          <a:ln>
+            <a:solidFill>
+              <a:schemeClr val="tx1"/>
+            </a:solidFill>
+            <a:headEnd type="none" w="med" len="med"/>
+            <a:tailEnd type="triangle"/>
+          </a:ln>
+        </p:spPr>
+        <p:style>
+          <a:lnRef idx="1">
+            <a:schemeClr val="accent1"/>
+          </a:lnRef>
+          <a:fillRef idx="0">
+            <a:schemeClr val="accent1"/>
+          </a:fillRef>
+          <a:effectRef idx="0">
+            <a:schemeClr val="accent1"/>
+          </a:effectRef>
+          <a:fontRef idx="minor">
+            <a:schemeClr val="tx1"/>
+          </a:fontRef>
+        </p:style>
+      </p:cxnSp>
+      <p:sp>
+        <p:nvSpPr>
+          <p:cNvPr id="21" name="テキスト ボックス 20">
+            <a:extLst>
+              <a:ext uri="{FF2B5EF4-FFF2-40B4-BE49-F238E27FC236}">
+                <a16:creationId xmlns:a16="http://schemas.microsoft.com/office/drawing/2014/main" id="{9DDF236A-B2A7-314F-AB21-152086915A47}"/>
+              </a:ext>
+            </a:extLst>
+          </p:cNvPr>
+          <p:cNvSpPr txBox="1"/>
+          <p:nvPr/>
+        </p:nvSpPr>
+        <p:spPr>
+          <a:xfrm>
+            <a:off x="2843808" y="5877272"/>
+            <a:ext cx="2608406" cy="369332"/>
+          </a:xfrm>
+          <a:prstGeom prst="rect">
+            <a:avLst/>
+          </a:prstGeom>
+          <a:noFill/>
+        </p:spPr>
+        <p:txBody>
+          <a:bodyPr wrap="none" rtlCol="0">
+            <a:spAutoFit/>
+          </a:bodyPr>
+          <a:lstStyle/>
+          <a:p>
+            <a:r>
+              <a:rPr kumimoji="1" lang="ja-JP" altLang="en-US"/>
+              <a:t>ここの</a:t>
+            </a:r>
+            <a:r>
+              <a:rPr kumimoji="1" lang="en-US" altLang="ja-JP"/>
+              <a:t>x</a:t>
+            </a:r>
+            <a:r>
+              <a:rPr kumimoji="1" lang="ja-JP" altLang="en-US"/>
+              <a:t>の値を知りたい</a:t>
+            </a:r>
+          </a:p>
+        </p:txBody>
+      </p:sp>
+    </p:spTree>
+    <p:extLst>
+      <p:ext uri="{BB962C8B-B14F-4D97-AF65-F5344CB8AC3E}">
+        <p14:creationId xmlns:p14="http://schemas.microsoft.com/office/powerpoint/2010/main" val="3585941373"/>
+      </p:ext>
+    </p:extLst>
+  </p:cSld>
+  <p:clrMapOvr>
+    <a:masterClrMapping/>
+  </p:clrMapOvr>
+</p:sld>
+</file>
+
+<file path=ppt/slides/slide24.xml><?xml version="1.0" encoding="utf-8"?>
+<p:sld xmlns:a="http://schemas.openxmlformats.org/drawingml/2006/main" xmlns:r="http://schemas.openxmlformats.org/officeDocument/2006/relationships" xmlns:p="http://schemas.openxmlformats.org/presentationml/2006/main">
+  <p:cSld>
+    <p:spTree>
+      <p:nvGrpSpPr>
+        <p:cNvPr id="1" name=""/>
+        <p:cNvGrpSpPr/>
+        <p:nvPr/>
+      </p:nvGrpSpPr>
+      <p:grpSpPr>
+        <a:xfrm>
+          <a:off x="0" y="0"/>
+          <a:ext cx="0" cy="0"/>
+          <a:chOff x="0" y="0"/>
+          <a:chExt cx="0" cy="0"/>
+        </a:xfrm>
+      </p:grpSpPr>
+      <p:sp>
+        <p:nvSpPr>
+          <p:cNvPr id="2" name="テキスト プレースホルダー 1">
+            <a:extLst>
+              <a:ext uri="{FF2B5EF4-FFF2-40B4-BE49-F238E27FC236}">
+                <a16:creationId xmlns:a16="http://schemas.microsoft.com/office/drawing/2014/main" id="{268CA7B0-D89C-9945-AAB7-907145A28BE8}"/>
+              </a:ext>
+            </a:extLst>
+          </p:cNvPr>
+          <p:cNvSpPr>
+            <a:spLocks noGrp="1"/>
+          </p:cNvSpPr>
+          <p:nvPr>
+            <p:ph type="body" sz="quarter" idx="10"/>
+          </p:nvPr>
+        </p:nvSpPr>
+        <p:spPr/>
+        <p:txBody>
+          <a:bodyPr/>
+          <a:lstStyle/>
+          <a:p>
+            <a:r>
+              <a:rPr kumimoji="1" lang="ja-JP" altLang="en-US"/>
+              <a:t>ニュートン法</a:t>
+            </a:r>
+          </a:p>
+        </p:txBody>
+      </p:sp>
+      <p:cxnSp>
+        <p:nvCxnSpPr>
+          <p:cNvPr id="3" name="直線矢印コネクタ 2">
+            <a:extLst>
+              <a:ext uri="{FF2B5EF4-FFF2-40B4-BE49-F238E27FC236}">
+                <a16:creationId xmlns:a16="http://schemas.microsoft.com/office/drawing/2014/main" id="{11621087-0276-3A47-9016-9C886A144D6E}"/>
+              </a:ext>
+            </a:extLst>
+          </p:cNvPr>
+          <p:cNvCxnSpPr>
+            <a:cxnSpLocks/>
+          </p:cNvCxnSpPr>
+          <p:nvPr/>
+        </p:nvCxnSpPr>
+        <p:spPr>
+          <a:xfrm>
+            <a:off x="1907704" y="4077072"/>
+            <a:ext cx="4032448" cy="0"/>
+          </a:xfrm>
+          <a:prstGeom prst="straightConnector1">
+            <a:avLst/>
+          </a:prstGeom>
+          <a:ln>
+            <a:solidFill>
+              <a:schemeClr val="tx1"/>
+            </a:solidFill>
+            <a:headEnd type="none" w="med" len="med"/>
+            <a:tailEnd type="triangle"/>
+          </a:ln>
+        </p:spPr>
+        <p:style>
+          <a:lnRef idx="1">
+            <a:schemeClr val="accent1"/>
+          </a:lnRef>
+          <a:fillRef idx="0">
+            <a:schemeClr val="accent1"/>
+          </a:fillRef>
+          <a:effectRef idx="0">
+            <a:schemeClr val="accent1"/>
+          </a:effectRef>
+          <a:fontRef idx="minor">
+            <a:schemeClr val="tx1"/>
+          </a:fontRef>
+        </p:style>
+      </p:cxnSp>
+      <p:cxnSp>
+        <p:nvCxnSpPr>
+          <p:cNvPr id="4" name="直線矢印コネクタ 3">
+            <a:extLst>
+              <a:ext uri="{FF2B5EF4-FFF2-40B4-BE49-F238E27FC236}">
+                <a16:creationId xmlns:a16="http://schemas.microsoft.com/office/drawing/2014/main" id="{9162F14D-DF3A-0B47-AA44-3F4AB56AF040}"/>
+              </a:ext>
+            </a:extLst>
+          </p:cNvPr>
+          <p:cNvCxnSpPr>
+            <a:cxnSpLocks/>
+          </p:cNvCxnSpPr>
+          <p:nvPr/>
+        </p:nvCxnSpPr>
+        <p:spPr>
+          <a:xfrm flipV="1">
+            <a:off x="2555776" y="1916832"/>
+            <a:ext cx="0" cy="2664296"/>
+          </a:xfrm>
+          <a:prstGeom prst="straightConnector1">
+            <a:avLst/>
+          </a:prstGeom>
+          <a:ln>
+            <a:solidFill>
+              <a:schemeClr val="tx1"/>
+            </a:solidFill>
+            <a:headEnd type="none" w="med" len="med"/>
+            <a:tailEnd type="triangle"/>
+          </a:ln>
+        </p:spPr>
+        <p:style>
+          <a:lnRef idx="1">
+            <a:schemeClr val="accent1"/>
+          </a:lnRef>
+          <a:fillRef idx="0">
+            <a:schemeClr val="accent1"/>
+          </a:fillRef>
+          <a:effectRef idx="0">
+            <a:schemeClr val="accent1"/>
+          </a:effectRef>
+          <a:fontRef idx="minor">
+            <a:schemeClr val="tx1"/>
+          </a:fontRef>
+        </p:style>
+      </p:cxnSp>
+      <p:sp>
+        <p:nvSpPr>
+          <p:cNvPr id="5" name="フリーフォーム 4">
+            <a:extLst>
+              <a:ext uri="{FF2B5EF4-FFF2-40B4-BE49-F238E27FC236}">
+                <a16:creationId xmlns:a16="http://schemas.microsoft.com/office/drawing/2014/main" id="{D2973985-8A16-E346-94A4-0272FD1200E0}"/>
+              </a:ext>
+            </a:extLst>
+          </p:cNvPr>
+          <p:cNvSpPr/>
+          <p:nvPr/>
+        </p:nvSpPr>
+        <p:spPr>
+          <a:xfrm>
+            <a:off x="2195736" y="2068766"/>
+            <a:ext cx="2520280" cy="2405722"/>
+          </a:xfrm>
+          <a:custGeom>
+            <a:avLst/>
+            <a:gdLst>
+              <a:gd name="connsiteX0" fmla="*/ 2905760 w 2905760"/>
+              <a:gd name="connsiteY0" fmla="*/ 0 h 2773680"/>
+              <a:gd name="connsiteX1" fmla="*/ 1930400 w 2905760"/>
+              <a:gd name="connsiteY1" fmla="*/ 1798320 h 2773680"/>
+              <a:gd name="connsiteX2" fmla="*/ 0 w 2905760"/>
+              <a:gd name="connsiteY2" fmla="*/ 2773680 h 2773680"/>
+            </a:gdLst>
+            <a:ahLst/>
+            <a:cxnLst>
+              <a:cxn ang="0">
+                <a:pos x="connsiteX0" y="connsiteY0"/>
+              </a:cxn>
+              <a:cxn ang="0">
+                <a:pos x="connsiteX1" y="connsiteY1"/>
+              </a:cxn>
+              <a:cxn ang="0">
+                <a:pos x="connsiteX2" y="connsiteY2"/>
+              </a:cxn>
+            </a:cxnLst>
+            <a:rect l="l" t="t" r="r" b="b"/>
+            <a:pathLst>
+              <a:path w="2905760" h="2773680">
+                <a:moveTo>
+                  <a:pt x="2905760" y="0"/>
+                </a:moveTo>
+                <a:cubicBezTo>
+                  <a:pt x="2660226" y="668020"/>
+                  <a:pt x="2414693" y="1336040"/>
+                  <a:pt x="1930400" y="1798320"/>
+                </a:cubicBezTo>
+                <a:cubicBezTo>
+                  <a:pt x="1446107" y="2260600"/>
+                  <a:pt x="723053" y="2517140"/>
+                  <a:pt x="0" y="2773680"/>
+                </a:cubicBezTo>
+              </a:path>
+            </a:pathLst>
+          </a:custGeom>
+          <a:noFill/>
+          <a:ln>
+            <a:solidFill>
+              <a:schemeClr val="tx1"/>
+            </a:solidFill>
+          </a:ln>
+        </p:spPr>
+        <p:style>
+          <a:lnRef idx="2">
+            <a:schemeClr val="accent1">
+              <a:shade val="50000"/>
+            </a:schemeClr>
+          </a:lnRef>
+          <a:fillRef idx="1">
+            <a:schemeClr val="accent1"/>
+          </a:fillRef>
+          <a:effectRef idx="0">
+            <a:schemeClr val="accent1"/>
+          </a:effectRef>
+          <a:fontRef idx="minor">
+            <a:schemeClr val="lt1"/>
+          </a:fontRef>
+        </p:style>
+        <p:txBody>
+          <a:bodyPr rtlCol="0" anchor="ctr"/>
+          <a:lstStyle/>
+          <a:p>
+            <a:pPr algn="ctr"/>
+            <a:endParaRPr kumimoji="1" lang="ja-JP" altLang="en-US"/>
+          </a:p>
+        </p:txBody>
+      </p:sp>
+      <mc:AlternateContent xmlns:mc="http://schemas.openxmlformats.org/markup-compatibility/2006">
+        <mc:Choice xmlns:a14="http://schemas.microsoft.com/office/drawing/2010/main" Requires="a14">
+          <p:sp>
+            <p:nvSpPr>
+              <p:cNvPr id="6" name="テキスト ボックス 5">
+                <a:extLst>
+                  <a:ext uri="{FF2B5EF4-FFF2-40B4-BE49-F238E27FC236}">
+                    <a16:creationId xmlns:a16="http://schemas.microsoft.com/office/drawing/2014/main" id="{4423AC1A-AA11-724A-99F7-42D63A9913D5}"/>
+                  </a:ext>
+                </a:extLst>
+              </p:cNvPr>
+              <p:cNvSpPr txBox="1"/>
+              <p:nvPr/>
+            </p:nvSpPr>
+            <p:spPr>
+              <a:xfrm>
+                <a:off x="6012160" y="3717032"/>
+                <a:ext cx="387477" cy="553998"/>
+              </a:xfrm>
+              <a:prstGeom prst="rect">
+                <a:avLst/>
+              </a:prstGeom>
+              <a:noFill/>
+            </p:spPr>
+            <p:txBody>
+              <a:bodyPr wrap="none" lIns="0" tIns="0" rIns="0" bIns="0" rtlCol="0">
+                <a:spAutoFit/>
+              </a:bodyPr>
+              <a:lstStyle/>
+              <a:p>
+                <a14:m>
+                  <m:oMathPara xmlns:m="http://schemas.openxmlformats.org/officeDocument/2006/math">
+                    <m:oMathParaPr>
+                      <m:jc m:val="centerGroup"/>
+                    </m:oMathParaPr>
+                    <m:oMath xmlns:m="http://schemas.openxmlformats.org/officeDocument/2006/math">
+                      <m:r>
+                        <a:rPr kumimoji="1" lang="en-US" altLang="ja-JP" sz="3600" b="0" i="1">
+                          <a:latin typeface="Cambria Math" panose="02040503050406030204" pitchFamily="18" charset="0"/>
+                        </a:rPr>
+                        <m:t>𝑥</m:t>
+                      </m:r>
+                    </m:oMath>
+                  </m:oMathPara>
+                </a14:m>
+                <a:endParaRPr kumimoji="1" lang="ja-JP" altLang="en-US" sz="3600"/>
+              </a:p>
+            </p:txBody>
+          </p:sp>
+        </mc:Choice>
+        <mc:Fallback>
+          <p:sp>
+            <p:nvSpPr>
+              <p:cNvPr id="6" name="テキスト ボックス 5">
+                <a:extLst>
+                  <a:ext uri="{FF2B5EF4-FFF2-40B4-BE49-F238E27FC236}">
+                    <a16:creationId xmlns:a16="http://schemas.microsoft.com/office/drawing/2014/main" id="{4423AC1A-AA11-724A-99F7-42D63A9913D5}"/>
+                  </a:ext>
+                </a:extLst>
+              </p:cNvPr>
+              <p:cNvSpPr txBox="1">
+                <a:spLocks noRot="1" noChangeAspect="1" noMove="1" noResize="1" noEditPoints="1" noAdjustHandles="1" noChangeArrowheads="1" noChangeShapeType="1" noTextEdit="1"/>
+              </p:cNvSpPr>
+              <p:nvPr/>
+            </p:nvSpPr>
+            <p:spPr>
+              <a:xfrm>
+                <a:off x="6012160" y="3717032"/>
+                <a:ext cx="387477" cy="553998"/>
+              </a:xfrm>
+              <a:prstGeom prst="rect">
+                <a:avLst/>
+              </a:prstGeom>
+              <a:blipFill>
+                <a:blip r:embed="rId2"/>
+                <a:stretch>
+                  <a:fillRect l="-9375" r="-6250"/>
+                </a:stretch>
+              </a:blipFill>
+            </p:spPr>
+            <p:txBody>
+              <a:bodyPr/>
+              <a:lstStyle/>
+              <a:p>
+                <a:r>
+                  <a:rPr lang="ja-JP" altLang="en-US">
+                    <a:noFill/>
+                  </a:rPr>
+                  <a:t> </a:t>
+                </a:r>
+              </a:p>
+            </p:txBody>
+          </p:sp>
+        </mc:Fallback>
+      </mc:AlternateContent>
+      <mc:AlternateContent xmlns:mc="http://schemas.openxmlformats.org/markup-compatibility/2006">
+        <mc:Choice xmlns:a14="http://schemas.microsoft.com/office/drawing/2010/main" Requires="a14">
+          <p:sp>
+            <p:nvSpPr>
+              <p:cNvPr id="7" name="テキスト ボックス 6">
+                <a:extLst>
+                  <a:ext uri="{FF2B5EF4-FFF2-40B4-BE49-F238E27FC236}">
+                    <a16:creationId xmlns:a16="http://schemas.microsoft.com/office/drawing/2014/main" id="{E7258F31-3635-D340-BA99-0A2A8A904556}"/>
+                  </a:ext>
+                </a:extLst>
+              </p:cNvPr>
+              <p:cNvSpPr txBox="1"/>
+              <p:nvPr/>
+            </p:nvSpPr>
+            <p:spPr>
+              <a:xfrm>
+                <a:off x="1835696" y="1268760"/>
+                <a:ext cx="1906099" cy="553998"/>
+              </a:xfrm>
+              <a:prstGeom prst="rect">
+                <a:avLst/>
+              </a:prstGeom>
+              <a:noFill/>
+            </p:spPr>
+            <p:txBody>
+              <a:bodyPr wrap="none" lIns="0" tIns="0" rIns="0" bIns="0" rtlCol="0">
+                <a:spAutoFit/>
+              </a:bodyPr>
+              <a:lstStyle/>
+              <a:p>
+                <a14:m>
+                  <m:oMathPara xmlns:m="http://schemas.openxmlformats.org/officeDocument/2006/math">
+                    <m:oMathParaPr>
+                      <m:jc m:val="centerGroup"/>
+                    </m:oMathParaPr>
+                    <m:oMath xmlns:m="http://schemas.openxmlformats.org/officeDocument/2006/math">
+                      <m:r>
+                        <a:rPr kumimoji="1" lang="en-US" altLang="ja-JP" sz="3600" b="0" i="1">
+                          <a:latin typeface="Cambria Math" panose="02040503050406030204" pitchFamily="18" charset="0"/>
+                        </a:rPr>
+                        <m:t>𝑦</m:t>
+                      </m:r>
+                      <m:r>
+                        <a:rPr kumimoji="1" lang="en-US" altLang="ja-JP" sz="3600" b="0" i="1">
+                          <a:latin typeface="Cambria Math" panose="02040503050406030204" pitchFamily="18" charset="0"/>
+                        </a:rPr>
+                        <m:t>=</m:t>
+                      </m:r>
+                      <m:r>
+                        <a:rPr kumimoji="1" lang="en-US" altLang="ja-JP" sz="3600" b="0" i="1">
+                          <a:latin typeface="Cambria Math" panose="02040503050406030204" pitchFamily="18" charset="0"/>
+                        </a:rPr>
+                        <m:t>𝑓</m:t>
+                      </m:r>
+                      <m:r>
+                        <a:rPr kumimoji="1" lang="en-US" altLang="ja-JP" sz="3600" b="0" i="1">
+                          <a:latin typeface="Cambria Math" panose="02040503050406030204" pitchFamily="18" charset="0"/>
+                        </a:rPr>
+                        <m:t>(</m:t>
+                      </m:r>
+                      <m:r>
+                        <a:rPr kumimoji="1" lang="en-US" altLang="ja-JP" sz="3600" b="0" i="1">
+                          <a:latin typeface="Cambria Math" panose="02040503050406030204" pitchFamily="18" charset="0"/>
+                        </a:rPr>
+                        <m:t>𝑥</m:t>
+                      </m:r>
+                      <m:r>
+                        <a:rPr kumimoji="1" lang="en-US" altLang="ja-JP" sz="3600" b="0" i="1">
+                          <a:latin typeface="Cambria Math" panose="02040503050406030204" pitchFamily="18" charset="0"/>
+                        </a:rPr>
+                        <m:t>)</m:t>
+                      </m:r>
+                    </m:oMath>
+                  </m:oMathPara>
+                </a14:m>
+                <a:endParaRPr kumimoji="1" lang="ja-JP" altLang="en-US" sz="3600"/>
+              </a:p>
+            </p:txBody>
+          </p:sp>
+        </mc:Choice>
+        <mc:Fallback>
+          <p:sp>
+            <p:nvSpPr>
+              <p:cNvPr id="7" name="テキスト ボックス 6">
+                <a:extLst>
+                  <a:ext uri="{FF2B5EF4-FFF2-40B4-BE49-F238E27FC236}">
+                    <a16:creationId xmlns:a16="http://schemas.microsoft.com/office/drawing/2014/main" id="{E7258F31-3635-D340-BA99-0A2A8A904556}"/>
+                  </a:ext>
+                </a:extLst>
+              </p:cNvPr>
+              <p:cNvSpPr txBox="1">
+                <a:spLocks noRot="1" noChangeAspect="1" noMove="1" noResize="1" noEditPoints="1" noAdjustHandles="1" noChangeArrowheads="1" noChangeShapeType="1" noTextEdit="1"/>
+              </p:cNvSpPr>
+              <p:nvPr/>
+            </p:nvSpPr>
+            <p:spPr>
+              <a:xfrm>
+                <a:off x="1835696" y="1268760"/>
+                <a:ext cx="1906099" cy="553998"/>
+              </a:xfrm>
+              <a:prstGeom prst="rect">
+                <a:avLst/>
+              </a:prstGeom>
+              <a:blipFill>
+                <a:blip r:embed="rId3"/>
+                <a:stretch>
+                  <a:fillRect l="-4636" r="-6623" b="-33333"/>
+                </a:stretch>
+              </a:blipFill>
+            </p:spPr>
+            <p:txBody>
+              <a:bodyPr/>
+              <a:lstStyle/>
+              <a:p>
+                <a:r>
+                  <a:rPr lang="ja-JP" altLang="en-US">
+                    <a:noFill/>
+                  </a:rPr>
+                  <a:t> </a:t>
+                </a:r>
+              </a:p>
+            </p:txBody>
+          </p:sp>
+        </mc:Fallback>
+      </mc:AlternateContent>
+      <p:sp>
+        <p:nvSpPr>
+          <p:cNvPr id="8" name="テキスト ボックス 7">
+            <a:extLst>
+              <a:ext uri="{FF2B5EF4-FFF2-40B4-BE49-F238E27FC236}">
+                <a16:creationId xmlns:a16="http://schemas.microsoft.com/office/drawing/2014/main" id="{28BC2972-726F-D64B-BA97-6BCCF84921D7}"/>
+              </a:ext>
+            </a:extLst>
+          </p:cNvPr>
+          <p:cNvSpPr txBox="1"/>
+          <p:nvPr/>
+        </p:nvSpPr>
+        <p:spPr>
+          <a:xfrm>
+            <a:off x="2195736" y="4067780"/>
+            <a:ext cx="375424" cy="369332"/>
+          </a:xfrm>
+          <a:prstGeom prst="rect">
+            <a:avLst/>
+          </a:prstGeom>
+          <a:noFill/>
+        </p:spPr>
+        <p:txBody>
+          <a:bodyPr wrap="none" rtlCol="0">
+            <a:spAutoFit/>
+          </a:bodyPr>
+          <a:lstStyle/>
+          <a:p>
+            <a:r>
+              <a:rPr lang="en-US" altLang="ja-JP"/>
+              <a:t>O</a:t>
+            </a:r>
+            <a:endParaRPr kumimoji="1" lang="ja-JP" altLang="en-US"/>
+          </a:p>
+        </p:txBody>
+      </p:sp>
+      <p:sp>
+        <p:nvSpPr>
+          <p:cNvPr id="9" name="円/楕円 8">
+            <a:extLst>
+              <a:ext uri="{FF2B5EF4-FFF2-40B4-BE49-F238E27FC236}">
+                <a16:creationId xmlns:a16="http://schemas.microsoft.com/office/drawing/2014/main" id="{D706991C-EFD7-7C47-AE29-496185415464}"/>
+              </a:ext>
+            </a:extLst>
+          </p:cNvPr>
+          <p:cNvSpPr/>
+          <p:nvPr/>
+        </p:nvSpPr>
+        <p:spPr>
+          <a:xfrm>
+            <a:off x="3131840" y="4005064"/>
+            <a:ext cx="144016" cy="144016"/>
+          </a:xfrm>
+          <a:prstGeom prst="ellipse">
+            <a:avLst/>
+          </a:prstGeom>
+          <a:solidFill>
+            <a:srgbClr val="FF0000"/>
+          </a:solidFill>
+          <a:ln>
+            <a:solidFill>
+              <a:schemeClr val="tx1"/>
+            </a:solidFill>
+          </a:ln>
+        </p:spPr>
+        <p:style>
+          <a:lnRef idx="2">
+            <a:schemeClr val="accent1">
+              <a:shade val="50000"/>
+            </a:schemeClr>
+          </a:lnRef>
+          <a:fillRef idx="1">
+            <a:schemeClr val="accent1"/>
+          </a:fillRef>
+          <a:effectRef idx="0">
+            <a:schemeClr val="accent1"/>
+          </a:effectRef>
+          <a:fontRef idx="minor">
+            <a:schemeClr val="lt1"/>
+          </a:fontRef>
+        </p:style>
+        <p:txBody>
+          <a:bodyPr rtlCol="0" anchor="ctr"/>
+          <a:lstStyle/>
+          <a:p>
+            <a:pPr algn="ctr"/>
+            <a:endParaRPr kumimoji="1" lang="ja-JP" altLang="en-US"/>
+          </a:p>
+        </p:txBody>
+      </p:sp>
+      <p:cxnSp>
+        <p:nvCxnSpPr>
+          <p:cNvPr id="10" name="直線矢印コネクタ 9">
+            <a:extLst>
+              <a:ext uri="{FF2B5EF4-FFF2-40B4-BE49-F238E27FC236}">
+                <a16:creationId xmlns:a16="http://schemas.microsoft.com/office/drawing/2014/main" id="{44F100C3-9B96-C743-B17B-59D04F4F5A75}"/>
+              </a:ext>
+            </a:extLst>
+          </p:cNvPr>
+          <p:cNvCxnSpPr/>
+          <p:nvPr/>
+        </p:nvCxnSpPr>
+        <p:spPr>
+          <a:xfrm flipV="1">
+            <a:off x="4427984" y="4077072"/>
+            <a:ext cx="0" cy="360040"/>
+          </a:xfrm>
+          <a:prstGeom prst="straightConnector1">
+            <a:avLst/>
+          </a:prstGeom>
+          <a:ln>
+            <a:solidFill>
+              <a:schemeClr val="tx1"/>
+            </a:solidFill>
+            <a:headEnd type="none" w="med" len="med"/>
+            <a:tailEnd type="triangle"/>
+          </a:ln>
+        </p:spPr>
+        <p:style>
+          <a:lnRef idx="1">
+            <a:schemeClr val="accent1"/>
+          </a:lnRef>
+          <a:fillRef idx="0">
+            <a:schemeClr val="accent1"/>
+          </a:fillRef>
+          <a:effectRef idx="0">
+            <a:schemeClr val="accent1"/>
+          </a:effectRef>
+          <a:fontRef idx="minor">
+            <a:schemeClr val="tx1"/>
+          </a:fontRef>
+        </p:style>
+      </p:cxnSp>
+      <p:cxnSp>
+        <p:nvCxnSpPr>
+          <p:cNvPr id="11" name="直線コネクタ 10">
+            <a:extLst>
+              <a:ext uri="{FF2B5EF4-FFF2-40B4-BE49-F238E27FC236}">
+                <a16:creationId xmlns:a16="http://schemas.microsoft.com/office/drawing/2014/main" id="{5AB09D98-1091-5448-AD95-B5F64DF5F576}"/>
+              </a:ext>
+            </a:extLst>
+          </p:cNvPr>
+          <p:cNvCxnSpPr>
+            <a:cxnSpLocks/>
+          </p:cNvCxnSpPr>
+          <p:nvPr/>
+        </p:nvCxnSpPr>
+        <p:spPr>
+          <a:xfrm flipH="1">
+            <a:off x="3491880" y="1772816"/>
+            <a:ext cx="1368152" cy="3304450"/>
+          </a:xfrm>
+          <a:prstGeom prst="line">
+            <a:avLst/>
+          </a:prstGeom>
+          <a:ln>
+            <a:solidFill>
+              <a:schemeClr val="tx1"/>
+            </a:solidFill>
+            <a:headEnd type="none" w="med" len="med"/>
+            <a:tailEnd type="none" w="med" len="med"/>
+          </a:ln>
+        </p:spPr>
+        <p:style>
+          <a:lnRef idx="1">
+            <a:schemeClr val="accent1"/>
+          </a:lnRef>
+          <a:fillRef idx="0">
+            <a:schemeClr val="accent1"/>
+          </a:fillRef>
+          <a:effectRef idx="0">
+            <a:schemeClr val="accent1"/>
+          </a:effectRef>
+          <a:fontRef idx="minor">
+            <a:schemeClr val="tx1"/>
+          </a:fontRef>
+        </p:style>
+      </p:cxnSp>
+      <mc:AlternateContent xmlns:mc="http://schemas.openxmlformats.org/markup-compatibility/2006">
+        <mc:Choice xmlns:a14="http://schemas.microsoft.com/office/drawing/2010/main" Requires="a14">
+          <p:sp>
+            <p:nvSpPr>
+              <p:cNvPr id="12" name="テキスト ボックス 11">
+                <a:extLst>
+                  <a:ext uri="{FF2B5EF4-FFF2-40B4-BE49-F238E27FC236}">
+                    <a16:creationId xmlns:a16="http://schemas.microsoft.com/office/drawing/2014/main" id="{18CD5CE0-FB7E-A84A-BBE5-AF361D31EE35}"/>
+                  </a:ext>
+                </a:extLst>
+              </p:cNvPr>
+              <p:cNvSpPr txBox="1"/>
+              <p:nvPr/>
+            </p:nvSpPr>
+            <p:spPr>
+              <a:xfrm>
+                <a:off x="4283968" y="4365104"/>
+                <a:ext cx="391902" cy="369332"/>
+              </a:xfrm>
+              <a:prstGeom prst="rect">
+                <a:avLst/>
+              </a:prstGeom>
+              <a:noFill/>
+            </p:spPr>
+            <p:txBody>
+              <a:bodyPr wrap="none" lIns="0" tIns="0" rIns="0" bIns="0" rtlCol="0">
+                <a:spAutoFit/>
+              </a:bodyPr>
+              <a:lstStyle/>
+              <a:p>
+                <a14:m>
+                  <m:oMathPara xmlns:m="http://schemas.openxmlformats.org/officeDocument/2006/math">
+                    <m:oMathParaPr>
+                      <m:jc m:val="centerGroup"/>
+                    </m:oMathParaPr>
+                    <m:oMath xmlns:m="http://schemas.openxmlformats.org/officeDocument/2006/math">
+                      <m:sSub>
+                        <m:sSubPr>
+                          <m:ctrlPr>
+                            <a:rPr kumimoji="1" lang="en-US" altLang="ja-JP" sz="2400" b="0" i="1">
+                              <a:latin typeface="Cambria Math" panose="02040503050406030204" pitchFamily="18" charset="0"/>
+                            </a:rPr>
+                          </m:ctrlPr>
+                        </m:sSubPr>
+                        <m:e>
+                          <m:r>
+                            <a:rPr kumimoji="1" lang="en-US" altLang="ja-JP" sz="2400" b="0" i="1">
+                              <a:latin typeface="Cambria Math" panose="02040503050406030204" pitchFamily="18" charset="0"/>
+                            </a:rPr>
+                            <m:t>𝑥</m:t>
+                          </m:r>
+                        </m:e>
+                        <m:sub>
+                          <m:r>
+                            <a:rPr kumimoji="1" lang="en-US" altLang="ja-JP" sz="2400" b="0" i="1">
+                              <a:latin typeface="Cambria Math" panose="02040503050406030204" pitchFamily="18" charset="0"/>
+                            </a:rPr>
+                            <m:t>𝑛</m:t>
+                          </m:r>
+                        </m:sub>
+                      </m:sSub>
+                    </m:oMath>
+                  </m:oMathPara>
+                </a14:m>
+                <a:endParaRPr kumimoji="1" lang="ja-JP" altLang="en-US" sz="2400"/>
+              </a:p>
+            </p:txBody>
+          </p:sp>
+        </mc:Choice>
+        <mc:Fallback>
+          <p:sp>
+            <p:nvSpPr>
+              <p:cNvPr id="12" name="テキスト ボックス 11">
+                <a:extLst>
+                  <a:ext uri="{FF2B5EF4-FFF2-40B4-BE49-F238E27FC236}">
+                    <a16:creationId xmlns:a16="http://schemas.microsoft.com/office/drawing/2014/main" id="{18CD5CE0-FB7E-A84A-BBE5-AF361D31EE35}"/>
+                  </a:ext>
+                </a:extLst>
+              </p:cNvPr>
+              <p:cNvSpPr txBox="1">
+                <a:spLocks noRot="1" noChangeAspect="1" noMove="1" noResize="1" noEditPoints="1" noAdjustHandles="1" noChangeArrowheads="1" noChangeShapeType="1" noTextEdit="1"/>
+              </p:cNvSpPr>
+              <p:nvPr/>
+            </p:nvSpPr>
+            <p:spPr>
+              <a:xfrm>
+                <a:off x="4283968" y="4365104"/>
+                <a:ext cx="391902" cy="369332"/>
+              </a:xfrm>
+              <a:prstGeom prst="rect">
+                <a:avLst/>
+              </a:prstGeom>
+              <a:blipFill>
+                <a:blip r:embed="rId4"/>
+                <a:stretch>
+                  <a:fillRect l="-6250" b="-10000"/>
+                </a:stretch>
+              </a:blipFill>
+            </p:spPr>
+            <p:txBody>
+              <a:bodyPr/>
+              <a:lstStyle/>
+              <a:p>
+                <a:r>
+                  <a:rPr lang="ja-JP" altLang="en-US">
+                    <a:noFill/>
+                  </a:rPr>
+                  <a:t> </a:t>
+                </a:r>
+              </a:p>
+            </p:txBody>
+          </p:sp>
+        </mc:Fallback>
+      </mc:AlternateContent>
+      <mc:AlternateContent xmlns:mc="http://schemas.openxmlformats.org/markup-compatibility/2006">
+        <mc:Choice xmlns:a14="http://schemas.microsoft.com/office/drawing/2010/main" Requires="a14">
+          <p:sp>
+            <p:nvSpPr>
+              <p:cNvPr id="13" name="テキスト ボックス 12">
+                <a:extLst>
+                  <a:ext uri="{FF2B5EF4-FFF2-40B4-BE49-F238E27FC236}">
+                    <a16:creationId xmlns:a16="http://schemas.microsoft.com/office/drawing/2014/main" id="{34AAAB79-F28A-DA49-A3E9-3C2644061E9D}"/>
+                  </a:ext>
+                </a:extLst>
+              </p:cNvPr>
+              <p:cNvSpPr txBox="1"/>
+              <p:nvPr/>
+            </p:nvSpPr>
+            <p:spPr>
+              <a:xfrm>
+                <a:off x="3563888" y="4869160"/>
+                <a:ext cx="685252" cy="369332"/>
+              </a:xfrm>
+              <a:prstGeom prst="rect">
+                <a:avLst/>
+              </a:prstGeom>
+              <a:noFill/>
+            </p:spPr>
+            <p:txBody>
+              <a:bodyPr wrap="none" lIns="0" tIns="0" rIns="0" bIns="0" rtlCol="0">
+                <a:spAutoFit/>
+              </a:bodyPr>
+              <a:lstStyle/>
+              <a:p>
+                <a14:m>
+                  <m:oMathPara xmlns:m="http://schemas.openxmlformats.org/officeDocument/2006/math">
+                    <m:oMathParaPr>
+                      <m:jc m:val="centerGroup"/>
+                    </m:oMathParaPr>
+                    <m:oMath xmlns:m="http://schemas.openxmlformats.org/officeDocument/2006/math">
+                      <m:sSub>
+                        <m:sSubPr>
+                          <m:ctrlPr>
+                            <a:rPr kumimoji="1" lang="en-US" altLang="ja-JP" sz="2400" b="0" i="1">
+                              <a:latin typeface="Cambria Math" panose="02040503050406030204" pitchFamily="18" charset="0"/>
+                            </a:rPr>
+                          </m:ctrlPr>
+                        </m:sSubPr>
+                        <m:e>
+                          <m:r>
+                            <a:rPr kumimoji="1" lang="en-US" altLang="ja-JP" sz="2400" b="0" i="1">
+                              <a:latin typeface="Cambria Math" panose="02040503050406030204" pitchFamily="18" charset="0"/>
+                            </a:rPr>
+                            <m:t>𝑥</m:t>
+                          </m:r>
+                        </m:e>
+                        <m:sub>
+                          <m:r>
+                            <a:rPr kumimoji="1" lang="en-US" altLang="ja-JP" sz="2400" b="0" i="1">
+                              <a:latin typeface="Cambria Math" panose="02040503050406030204" pitchFamily="18" charset="0"/>
+                            </a:rPr>
+                            <m:t>𝑛</m:t>
+                          </m:r>
+                          <m:r>
+                            <a:rPr kumimoji="1" lang="en-US" altLang="ja-JP" sz="2400" b="0" i="1">
+                              <a:latin typeface="Cambria Math" panose="02040503050406030204" pitchFamily="18" charset="0"/>
+                            </a:rPr>
+                            <m:t>+1</m:t>
+                          </m:r>
+                        </m:sub>
+                      </m:sSub>
+                    </m:oMath>
+                  </m:oMathPara>
+                </a14:m>
+                <a:endParaRPr kumimoji="1" lang="ja-JP" altLang="en-US" sz="2400"/>
+              </a:p>
+            </p:txBody>
+          </p:sp>
+        </mc:Choice>
+        <mc:Fallback>
+          <p:sp>
+            <p:nvSpPr>
+              <p:cNvPr id="13" name="テキスト ボックス 12">
+                <a:extLst>
+                  <a:ext uri="{FF2B5EF4-FFF2-40B4-BE49-F238E27FC236}">
+                    <a16:creationId xmlns:a16="http://schemas.microsoft.com/office/drawing/2014/main" id="{34AAAB79-F28A-DA49-A3E9-3C2644061E9D}"/>
+                  </a:ext>
+                </a:extLst>
+              </p:cNvPr>
+              <p:cNvSpPr txBox="1">
+                <a:spLocks noRot="1" noChangeAspect="1" noMove="1" noResize="1" noEditPoints="1" noAdjustHandles="1" noChangeArrowheads="1" noChangeShapeType="1" noTextEdit="1"/>
+              </p:cNvSpPr>
+              <p:nvPr/>
+            </p:nvSpPr>
+            <p:spPr>
+              <a:xfrm>
+                <a:off x="3563888" y="4869160"/>
+                <a:ext cx="685252" cy="369332"/>
+              </a:xfrm>
+              <a:prstGeom prst="rect">
+                <a:avLst/>
+              </a:prstGeom>
+              <a:blipFill>
+                <a:blip r:embed="rId5"/>
+                <a:stretch>
+                  <a:fillRect l="-5455" r="-1818" b="-16667"/>
+                </a:stretch>
+              </a:blipFill>
+            </p:spPr>
+            <p:txBody>
+              <a:bodyPr/>
+              <a:lstStyle/>
+              <a:p>
+                <a:r>
+                  <a:rPr lang="ja-JP" altLang="en-US">
+                    <a:noFill/>
+                  </a:rPr>
+                  <a:t> </a:t>
+                </a:r>
+              </a:p>
+            </p:txBody>
+          </p:sp>
+        </mc:Fallback>
+      </mc:AlternateContent>
+      <p:cxnSp>
+        <p:nvCxnSpPr>
+          <p:cNvPr id="14" name="直線矢印コネクタ 13">
+            <a:extLst>
+              <a:ext uri="{FF2B5EF4-FFF2-40B4-BE49-F238E27FC236}">
+                <a16:creationId xmlns:a16="http://schemas.microsoft.com/office/drawing/2014/main" id="{9998134B-58F2-5A49-85E0-85E644EF9086}"/>
+              </a:ext>
+            </a:extLst>
+          </p:cNvPr>
+          <p:cNvCxnSpPr>
+            <a:cxnSpLocks/>
+            <a:stCxn id="13" idx="0"/>
+          </p:cNvCxnSpPr>
+          <p:nvPr/>
+        </p:nvCxnSpPr>
+        <p:spPr>
+          <a:xfrm flipV="1">
+            <a:off x="3906514" y="4221088"/>
+            <a:ext cx="0" cy="648072"/>
+          </a:xfrm>
+          <a:prstGeom prst="straightConnector1">
+            <a:avLst/>
+          </a:prstGeom>
+          <a:ln>
+            <a:solidFill>
+              <a:schemeClr val="tx1"/>
+            </a:solidFill>
+            <a:headEnd type="none" w="med" len="med"/>
+            <a:tailEnd type="triangle"/>
+          </a:ln>
+        </p:spPr>
+        <p:style>
+          <a:lnRef idx="1">
+            <a:schemeClr val="accent1"/>
+          </a:lnRef>
+          <a:fillRef idx="0">
+            <a:schemeClr val="accent1"/>
+          </a:fillRef>
+          <a:effectRef idx="0">
+            <a:schemeClr val="accent1"/>
+          </a:effectRef>
+          <a:fontRef idx="minor">
+            <a:schemeClr val="tx1"/>
+          </a:fontRef>
+        </p:style>
+      </p:cxnSp>
+      <p:sp>
+        <p:nvSpPr>
+          <p:cNvPr id="15" name="テキスト ボックス 14">
+            <a:extLst>
+              <a:ext uri="{FF2B5EF4-FFF2-40B4-BE49-F238E27FC236}">
+                <a16:creationId xmlns:a16="http://schemas.microsoft.com/office/drawing/2014/main" id="{31F8DD36-6EDA-F043-96A9-0C6A6F16893A}"/>
+              </a:ext>
+            </a:extLst>
+          </p:cNvPr>
+          <p:cNvSpPr txBox="1"/>
+          <p:nvPr/>
+        </p:nvSpPr>
+        <p:spPr>
+          <a:xfrm>
+            <a:off x="179512" y="5589240"/>
+            <a:ext cx="4645824" cy="1015663"/>
+          </a:xfrm>
+          <a:prstGeom prst="rect">
+            <a:avLst/>
+          </a:prstGeom>
+          <a:noFill/>
+        </p:spPr>
+        <p:txBody>
+          <a:bodyPr wrap="none" rtlCol="0">
+            <a:spAutoFit/>
+          </a:bodyPr>
+          <a:lstStyle/>
+          <a:p>
+            <a:r>
+              <a:rPr kumimoji="1" lang="en-US" altLang="ja-JP" sz="2000"/>
+              <a:t>1. </a:t>
+            </a:r>
+            <a:r>
+              <a:rPr kumimoji="1" lang="ja-JP" altLang="en-US" sz="2000"/>
+              <a:t>適当な解候補の初期値を選ぶ</a:t>
+            </a:r>
+            <a:endParaRPr kumimoji="1" lang="en-US" altLang="ja-JP" sz="2000"/>
+          </a:p>
+          <a:p>
+            <a:r>
+              <a:rPr lang="en-US" altLang="ja-JP" sz="2000"/>
+              <a:t>2. </a:t>
+            </a:r>
+            <a:r>
+              <a:rPr lang="ja-JP" altLang="en-US" sz="2000"/>
+              <a:t>解候補の位置で接線を引く</a:t>
+            </a:r>
+            <a:endParaRPr lang="en-US" altLang="ja-JP" sz="2000"/>
+          </a:p>
+          <a:p>
+            <a:r>
+              <a:rPr kumimoji="1" lang="en-US" altLang="ja-JP" sz="2000"/>
+              <a:t>3. </a:t>
+            </a:r>
+            <a:r>
+              <a:rPr kumimoji="1" lang="ja-JP" altLang="en-US" sz="2000"/>
+              <a:t>接線と</a:t>
+            </a:r>
+            <a:r>
+              <a:rPr kumimoji="1" lang="en-US" altLang="ja-JP" sz="2000"/>
+              <a:t>x</a:t>
+            </a:r>
+            <a:r>
+              <a:rPr kumimoji="1" lang="ja-JP" altLang="en-US" sz="2000"/>
+              <a:t>軸の交点を次の解候補にする</a:t>
+            </a:r>
+          </a:p>
+        </p:txBody>
+      </p:sp>
+      <mc:AlternateContent xmlns:mc="http://schemas.openxmlformats.org/markup-compatibility/2006">
+        <mc:Choice xmlns:a14="http://schemas.microsoft.com/office/drawing/2010/main" Requires="a14">
+          <p:sp>
+            <p:nvSpPr>
+              <p:cNvPr id="16" name="テキスト ボックス 15">
+                <a:extLst>
+                  <a:ext uri="{FF2B5EF4-FFF2-40B4-BE49-F238E27FC236}">
+                    <a16:creationId xmlns:a16="http://schemas.microsoft.com/office/drawing/2014/main" id="{FBCDE366-623C-3943-85A3-C74BB88B92E6}"/>
+                  </a:ext>
+                </a:extLst>
+              </p:cNvPr>
+              <p:cNvSpPr txBox="1"/>
+              <p:nvPr/>
+            </p:nvSpPr>
+            <p:spPr>
+              <a:xfrm>
+                <a:off x="4860032" y="5445224"/>
+                <a:ext cx="3489866" cy="1025345"/>
+              </a:xfrm>
+              <a:prstGeom prst="rect">
+                <a:avLst/>
+              </a:prstGeom>
+              <a:noFill/>
+            </p:spPr>
+            <p:txBody>
+              <a:bodyPr wrap="none" lIns="0" tIns="0" rIns="0" bIns="0" rtlCol="0">
+                <a:spAutoFit/>
+              </a:bodyPr>
+              <a:lstStyle/>
+              <a:p>
+                <a14:m>
+                  <m:oMathPara xmlns:m="http://schemas.openxmlformats.org/officeDocument/2006/math">
+                    <m:oMathParaPr>
+                      <m:jc m:val="centerGroup"/>
+                    </m:oMathParaPr>
+                    <m:oMath xmlns:m="http://schemas.openxmlformats.org/officeDocument/2006/math">
+                      <m:sSub>
+                        <m:sSubPr>
+                          <m:ctrlPr>
+                            <a:rPr kumimoji="1" lang="en-US" altLang="ja-JP" sz="3200" b="0" i="1">
+                              <a:latin typeface="Cambria Math" panose="02040503050406030204" pitchFamily="18" charset="0"/>
+                            </a:rPr>
+                          </m:ctrlPr>
+                        </m:sSubPr>
+                        <m:e>
+                          <m:r>
+                            <a:rPr kumimoji="1" lang="en-US" altLang="ja-JP" sz="3200" b="0" i="1">
+                              <a:latin typeface="Cambria Math" panose="02040503050406030204" pitchFamily="18" charset="0"/>
+                            </a:rPr>
+                            <m:t>𝑥</m:t>
+                          </m:r>
+                        </m:e>
+                        <m:sub>
+                          <m:r>
+                            <a:rPr kumimoji="1" lang="en-US" altLang="ja-JP" sz="3200" b="0" i="1">
+                              <a:latin typeface="Cambria Math" panose="02040503050406030204" pitchFamily="18" charset="0"/>
+                            </a:rPr>
+                            <m:t>𝑛</m:t>
+                          </m:r>
+                          <m:r>
+                            <a:rPr kumimoji="1" lang="en-US" altLang="ja-JP" sz="3200" b="0" i="1">
+                              <a:latin typeface="Cambria Math" panose="02040503050406030204" pitchFamily="18" charset="0"/>
+                            </a:rPr>
+                            <m:t>+1</m:t>
+                          </m:r>
+                        </m:sub>
+                      </m:sSub>
+                      <m:r>
+                        <a:rPr kumimoji="1" lang="en-US" altLang="ja-JP" sz="3200" b="0" i="1">
+                          <a:latin typeface="Cambria Math" panose="02040503050406030204" pitchFamily="18" charset="0"/>
+                        </a:rPr>
+                        <m:t>=</m:t>
+                      </m:r>
+                      <m:sSub>
+                        <m:sSubPr>
+                          <m:ctrlPr>
+                            <a:rPr lang="en-US" altLang="ja-JP" sz="3200" i="1">
+                              <a:latin typeface="Cambria Math" panose="02040503050406030204" pitchFamily="18" charset="0"/>
+                            </a:rPr>
+                          </m:ctrlPr>
+                        </m:sSubPr>
+                        <m:e>
+                          <m:r>
+                            <a:rPr lang="en-US" altLang="ja-JP" sz="3200" i="1">
+                              <a:latin typeface="Cambria Math" panose="02040503050406030204" pitchFamily="18" charset="0"/>
+                            </a:rPr>
+                            <m:t>𝑥</m:t>
+                          </m:r>
+                        </m:e>
+                        <m:sub>
+                          <m:r>
+                            <a:rPr lang="en-US" altLang="ja-JP" sz="3200" i="1">
+                              <a:latin typeface="Cambria Math" panose="02040503050406030204" pitchFamily="18" charset="0"/>
+                            </a:rPr>
+                            <m:t>𝑛</m:t>
+                          </m:r>
+                        </m:sub>
+                      </m:sSub>
+                      <m:r>
+                        <a:rPr lang="en-US" altLang="ja-JP" sz="3200" b="0" i="1">
+                          <a:latin typeface="Cambria Math" panose="02040503050406030204" pitchFamily="18" charset="0"/>
+                        </a:rPr>
+                        <m:t>−</m:t>
+                      </m:r>
+                      <m:f>
+                        <m:fPr>
+                          <m:ctrlPr>
+                            <a:rPr lang="en-US" altLang="ja-JP" sz="3200" b="0" i="1">
+                              <a:latin typeface="Cambria Math" panose="02040503050406030204" pitchFamily="18" charset="0"/>
+                            </a:rPr>
+                          </m:ctrlPr>
+                        </m:fPr>
+                        <m:num>
+                          <m:r>
+                            <a:rPr lang="en-US" altLang="ja-JP" sz="3200" b="0" i="1">
+                              <a:latin typeface="Cambria Math" panose="02040503050406030204" pitchFamily="18" charset="0"/>
+                            </a:rPr>
+                            <m:t>𝑓</m:t>
+                          </m:r>
+                          <m:r>
+                            <a:rPr lang="en-US" altLang="ja-JP" sz="3200" b="0" i="1">
+                              <a:latin typeface="Cambria Math" panose="02040503050406030204" pitchFamily="18" charset="0"/>
+                            </a:rPr>
+                            <m:t>(</m:t>
+                          </m:r>
+                          <m:sSub>
+                            <m:sSubPr>
+                              <m:ctrlPr>
+                                <a:rPr lang="en-US" altLang="ja-JP" sz="3200" i="1">
+                                  <a:latin typeface="Cambria Math" panose="02040503050406030204" pitchFamily="18" charset="0"/>
+                                </a:rPr>
+                              </m:ctrlPr>
+                            </m:sSubPr>
+                            <m:e>
+                              <m:r>
+                                <a:rPr lang="en-US" altLang="ja-JP" sz="3200" i="1">
+                                  <a:latin typeface="Cambria Math" panose="02040503050406030204" pitchFamily="18" charset="0"/>
+                                </a:rPr>
+                                <m:t>𝑥</m:t>
+                              </m:r>
+                            </m:e>
+                            <m:sub>
+                              <m:r>
+                                <a:rPr lang="en-US" altLang="ja-JP" sz="3200" i="1">
+                                  <a:latin typeface="Cambria Math" panose="02040503050406030204" pitchFamily="18" charset="0"/>
+                                </a:rPr>
+                                <m:t>𝑛</m:t>
+                              </m:r>
+                            </m:sub>
+                          </m:sSub>
+                          <m:r>
+                            <a:rPr lang="en-US" altLang="ja-JP" sz="3200" b="0" i="1">
+                              <a:latin typeface="Cambria Math" panose="02040503050406030204" pitchFamily="18" charset="0"/>
+                            </a:rPr>
+                            <m:t>)</m:t>
+                          </m:r>
+                        </m:num>
+                        <m:den>
+                          <m:r>
+                            <a:rPr lang="en-US" altLang="ja-JP" sz="3200" b="0" i="1">
+                              <a:latin typeface="Cambria Math" panose="02040503050406030204" pitchFamily="18" charset="0"/>
+                            </a:rPr>
+                            <m:t>𝑓</m:t>
+                          </m:r>
+                          <m:r>
+                            <a:rPr lang="en-US" altLang="ja-JP" sz="3200" b="0" i="1">
+                              <a:latin typeface="Cambria Math" panose="02040503050406030204" pitchFamily="18" charset="0"/>
+                            </a:rPr>
+                            <m:t>′(</m:t>
+                          </m:r>
+                          <m:sSub>
+                            <m:sSubPr>
+                              <m:ctrlPr>
+                                <a:rPr lang="en-US" altLang="ja-JP" sz="3200" i="1">
+                                  <a:latin typeface="Cambria Math" panose="02040503050406030204" pitchFamily="18" charset="0"/>
+                                </a:rPr>
+                              </m:ctrlPr>
+                            </m:sSubPr>
+                            <m:e>
+                              <m:r>
+                                <a:rPr lang="en-US" altLang="ja-JP" sz="3200" i="1">
+                                  <a:latin typeface="Cambria Math" panose="02040503050406030204" pitchFamily="18" charset="0"/>
+                                </a:rPr>
+                                <m:t>𝑥</m:t>
+                              </m:r>
+                            </m:e>
+                            <m:sub>
+                              <m:r>
+                                <a:rPr lang="en-US" altLang="ja-JP" sz="3200" i="1">
+                                  <a:latin typeface="Cambria Math" panose="02040503050406030204" pitchFamily="18" charset="0"/>
+                                </a:rPr>
+                                <m:t>𝑛</m:t>
+                              </m:r>
+                            </m:sub>
+                          </m:sSub>
+                          <m:r>
+                            <a:rPr lang="en-US" altLang="ja-JP" sz="3200" b="0" i="1">
+                              <a:latin typeface="Cambria Math" panose="02040503050406030204" pitchFamily="18" charset="0"/>
+                            </a:rPr>
+                            <m:t>)</m:t>
+                          </m:r>
+                        </m:den>
+                      </m:f>
+                    </m:oMath>
+                  </m:oMathPara>
+                </a14:m>
+                <a:endParaRPr kumimoji="1" lang="ja-JP" altLang="en-US" sz="3200"/>
+              </a:p>
+            </p:txBody>
+          </p:sp>
+        </mc:Choice>
+        <mc:Fallback>
+          <p:sp>
+            <p:nvSpPr>
+              <p:cNvPr id="16" name="テキスト ボックス 15">
+                <a:extLst>
+                  <a:ext uri="{FF2B5EF4-FFF2-40B4-BE49-F238E27FC236}">
+                    <a16:creationId xmlns:a16="http://schemas.microsoft.com/office/drawing/2014/main" id="{FBCDE366-623C-3943-85A3-C74BB88B92E6}"/>
+                  </a:ext>
+                </a:extLst>
+              </p:cNvPr>
+              <p:cNvSpPr txBox="1">
+                <a:spLocks noRot="1" noChangeAspect="1" noMove="1" noResize="1" noEditPoints="1" noAdjustHandles="1" noChangeArrowheads="1" noChangeShapeType="1" noTextEdit="1"/>
+              </p:cNvSpPr>
+              <p:nvPr/>
+            </p:nvSpPr>
+            <p:spPr>
+              <a:xfrm>
+                <a:off x="4860032" y="5445224"/>
+                <a:ext cx="3489866" cy="1025345"/>
+              </a:xfrm>
+              <a:prstGeom prst="rect">
+                <a:avLst/>
+              </a:prstGeom>
+              <a:blipFill>
+                <a:blip r:embed="rId6"/>
+                <a:stretch>
+                  <a:fillRect l="-727" t="-2469" r="-3273" b="-18519"/>
+                </a:stretch>
+              </a:blipFill>
+            </p:spPr>
+            <p:txBody>
+              <a:bodyPr/>
+              <a:lstStyle/>
+              <a:p>
+                <a:r>
+                  <a:rPr lang="ja-JP" altLang="en-US">
+                    <a:noFill/>
+                  </a:rPr>
+                  <a:t> </a:t>
+                </a:r>
+              </a:p>
+            </p:txBody>
+          </p:sp>
+        </mc:Fallback>
+      </mc:AlternateContent>
+      <p:cxnSp>
+        <p:nvCxnSpPr>
+          <p:cNvPr id="17" name="直線コネクタ 16">
+            <a:extLst>
+              <a:ext uri="{FF2B5EF4-FFF2-40B4-BE49-F238E27FC236}">
+                <a16:creationId xmlns:a16="http://schemas.microsoft.com/office/drawing/2014/main" id="{D0BAAE40-B7B6-5344-B9C3-48EC6F34CE7C}"/>
+              </a:ext>
+            </a:extLst>
+          </p:cNvPr>
+          <p:cNvCxnSpPr/>
+          <p:nvPr/>
+        </p:nvCxnSpPr>
+        <p:spPr>
+          <a:xfrm flipV="1">
+            <a:off x="4427984" y="2852936"/>
+            <a:ext cx="0" cy="1224136"/>
+          </a:xfrm>
+          <a:prstGeom prst="line">
+            <a:avLst/>
+          </a:prstGeom>
+          <a:ln w="12700">
+            <a:solidFill>
+              <a:schemeClr val="tx1"/>
+            </a:solidFill>
+            <a:prstDash val="dash"/>
+          </a:ln>
+        </p:spPr>
+        <p:style>
+          <a:lnRef idx="1">
+            <a:schemeClr val="accent1"/>
+          </a:lnRef>
+          <a:fillRef idx="0">
+            <a:schemeClr val="accent1"/>
+          </a:fillRef>
+          <a:effectRef idx="0">
+            <a:schemeClr val="accent1"/>
+          </a:effectRef>
+          <a:fontRef idx="minor">
+            <a:schemeClr val="tx1"/>
+          </a:fontRef>
+        </p:style>
+      </p:cxnSp>
+      <p:sp>
+        <p:nvSpPr>
+          <p:cNvPr id="18" name="円/楕円 17">
+            <a:extLst>
+              <a:ext uri="{FF2B5EF4-FFF2-40B4-BE49-F238E27FC236}">
+                <a16:creationId xmlns:a16="http://schemas.microsoft.com/office/drawing/2014/main" id="{F40B7A1D-E965-384E-AFDF-31A4666A64EB}"/>
+              </a:ext>
+            </a:extLst>
+          </p:cNvPr>
+          <p:cNvSpPr/>
+          <p:nvPr/>
+        </p:nvSpPr>
+        <p:spPr>
+          <a:xfrm>
+            <a:off x="4355976" y="2708920"/>
+            <a:ext cx="144016" cy="144016"/>
+          </a:xfrm>
+          <a:prstGeom prst="ellipse">
+            <a:avLst/>
+          </a:prstGeom>
+          <a:solidFill>
+            <a:srgbClr val="011893"/>
+          </a:solidFill>
+          <a:ln>
+            <a:solidFill>
+              <a:schemeClr val="tx1"/>
+            </a:solidFill>
+          </a:ln>
+        </p:spPr>
+        <p:style>
+          <a:lnRef idx="2">
+            <a:schemeClr val="accent1">
+              <a:shade val="50000"/>
+            </a:schemeClr>
+          </a:lnRef>
+          <a:fillRef idx="1">
+            <a:schemeClr val="accent1"/>
+          </a:fillRef>
+          <a:effectRef idx="0">
+            <a:schemeClr val="accent1"/>
+          </a:effectRef>
+          <a:fontRef idx="minor">
+            <a:schemeClr val="lt1"/>
+          </a:fontRef>
+        </p:style>
+        <p:txBody>
+          <a:bodyPr rtlCol="0" anchor="ctr"/>
+          <a:lstStyle/>
+          <a:p>
+            <a:pPr algn="ctr"/>
+            <a:endParaRPr kumimoji="1" lang="ja-JP" altLang="en-US"/>
+          </a:p>
+        </p:txBody>
+      </p:sp>
+      <p:sp>
+        <p:nvSpPr>
+          <p:cNvPr id="19" name="円/楕円 18">
+            <a:extLst>
+              <a:ext uri="{FF2B5EF4-FFF2-40B4-BE49-F238E27FC236}">
+                <a16:creationId xmlns:a16="http://schemas.microsoft.com/office/drawing/2014/main" id="{26734DBB-7C39-E149-B98E-7B1FA195868F}"/>
+              </a:ext>
+            </a:extLst>
+          </p:cNvPr>
+          <p:cNvSpPr/>
+          <p:nvPr/>
+        </p:nvSpPr>
+        <p:spPr>
+          <a:xfrm>
+            <a:off x="3837816" y="3999240"/>
+            <a:ext cx="144016" cy="144016"/>
+          </a:xfrm>
+          <a:prstGeom prst="ellipse">
+            <a:avLst/>
+          </a:prstGeom>
+          <a:solidFill>
+            <a:srgbClr val="00B050"/>
+          </a:solidFill>
+          <a:ln>
+            <a:solidFill>
+              <a:schemeClr val="tx1"/>
+            </a:solidFill>
+          </a:ln>
+        </p:spPr>
+        <p:style>
+          <a:lnRef idx="2">
+            <a:schemeClr val="accent1">
+              <a:shade val="50000"/>
+            </a:schemeClr>
+          </a:lnRef>
+          <a:fillRef idx="1">
+            <a:schemeClr val="accent1"/>
+          </a:fillRef>
+          <a:effectRef idx="0">
+            <a:schemeClr val="accent1"/>
+          </a:effectRef>
+          <a:fontRef idx="minor">
+            <a:schemeClr val="lt1"/>
+          </a:fontRef>
+        </p:style>
+        <p:txBody>
+          <a:bodyPr rtlCol="0" anchor="ctr"/>
+          <a:lstStyle/>
+          <a:p>
+            <a:pPr algn="ctr"/>
+            <a:endParaRPr kumimoji="1" lang="ja-JP" altLang="en-US"/>
+          </a:p>
+        </p:txBody>
+      </p:sp>
+      <p:cxnSp>
+        <p:nvCxnSpPr>
+          <p:cNvPr id="20" name="直線矢印コネクタ 19">
+            <a:extLst>
+              <a:ext uri="{FF2B5EF4-FFF2-40B4-BE49-F238E27FC236}">
+                <a16:creationId xmlns:a16="http://schemas.microsoft.com/office/drawing/2014/main" id="{9B9BCB93-C757-FA47-AB8B-F56E19665EB9}"/>
+              </a:ext>
+            </a:extLst>
+          </p:cNvPr>
+          <p:cNvCxnSpPr>
+            <a:cxnSpLocks/>
+          </p:cNvCxnSpPr>
+          <p:nvPr/>
+        </p:nvCxnSpPr>
+        <p:spPr>
+          <a:xfrm>
+            <a:off x="3205474" y="3304520"/>
+            <a:ext cx="0" cy="649104"/>
+          </a:xfrm>
+          <a:prstGeom prst="straightConnector1">
+            <a:avLst/>
+          </a:prstGeom>
+          <a:ln>
+            <a:solidFill>
+              <a:schemeClr val="tx1"/>
+            </a:solidFill>
+            <a:headEnd type="none" w="med" len="med"/>
+            <a:tailEnd type="triangle"/>
+          </a:ln>
+        </p:spPr>
+        <p:style>
+          <a:lnRef idx="1">
+            <a:schemeClr val="accent1"/>
+          </a:lnRef>
+          <a:fillRef idx="0">
+            <a:schemeClr val="accent1"/>
+          </a:fillRef>
+          <a:effectRef idx="0">
+            <a:schemeClr val="accent1"/>
+          </a:effectRef>
+          <a:fontRef idx="minor">
+            <a:schemeClr val="tx1"/>
+          </a:fontRef>
+        </p:style>
+      </p:cxnSp>
+      <p:sp>
+        <p:nvSpPr>
+          <p:cNvPr id="21" name="テキスト ボックス 20">
+            <a:extLst>
+              <a:ext uri="{FF2B5EF4-FFF2-40B4-BE49-F238E27FC236}">
+                <a16:creationId xmlns:a16="http://schemas.microsoft.com/office/drawing/2014/main" id="{5671F47C-B4EE-624A-B81C-47B350B75D78}"/>
+              </a:ext>
+            </a:extLst>
+          </p:cNvPr>
+          <p:cNvSpPr txBox="1"/>
+          <p:nvPr/>
+        </p:nvSpPr>
+        <p:spPr>
+          <a:xfrm>
+            <a:off x="2981712" y="2968104"/>
+            <a:ext cx="415498" cy="369332"/>
+          </a:xfrm>
+          <a:prstGeom prst="rect">
+            <a:avLst/>
+          </a:prstGeom>
+          <a:noFill/>
+        </p:spPr>
+        <p:txBody>
+          <a:bodyPr wrap="none" rtlCol="0">
+            <a:spAutoFit/>
+          </a:bodyPr>
+          <a:lstStyle/>
+          <a:p>
+            <a:r>
+              <a:rPr kumimoji="1" lang="ja-JP" altLang="en-US"/>
+              <a:t>解</a:t>
+            </a:r>
+          </a:p>
+        </p:txBody>
+      </p:sp>
+    </p:spTree>
+    <p:extLst>
+      <p:ext uri="{BB962C8B-B14F-4D97-AF65-F5344CB8AC3E}">
+        <p14:creationId xmlns:p14="http://schemas.microsoft.com/office/powerpoint/2010/main" val="3191536375"/>
+      </p:ext>
+    </p:extLst>
+  </p:cSld>
+  <p:clrMapOvr>
+    <a:masterClrMapping/>
+  </p:clrMapOvr>
+</p:sld>
+</file>
+
+<file path=ppt/slides/slide25.xml><?xml version="1.0" encoding="utf-8"?>
+<p:sld xmlns:a="http://schemas.openxmlformats.org/drawingml/2006/main" xmlns:r="http://schemas.openxmlformats.org/officeDocument/2006/relationships" xmlns:p="http://schemas.openxmlformats.org/presentationml/2006/main">
+  <p:cSld>
+    <p:spTree>
+      <p:nvGrpSpPr>
+        <p:cNvPr id="1" name=""/>
+        <p:cNvGrpSpPr/>
+        <p:nvPr/>
+      </p:nvGrpSpPr>
+      <p:grpSpPr>
+        <a:xfrm>
+          <a:off x="0" y="0"/>
+          <a:ext cx="0" cy="0"/>
+          <a:chOff x="0" y="0"/>
+          <a:chExt cx="0" cy="0"/>
+        </a:xfrm>
+      </p:grpSpPr>
+      <p:sp>
+        <p:nvSpPr>
+          <p:cNvPr id="2" name="テキスト プレースホルダー 1">
+            <a:extLst>
+              <a:ext uri="{FF2B5EF4-FFF2-40B4-BE49-F238E27FC236}">
+                <a16:creationId xmlns:a16="http://schemas.microsoft.com/office/drawing/2014/main" id="{F7F09D01-C999-2341-8093-2FFD26A5D71A}"/>
+              </a:ext>
+            </a:extLst>
+          </p:cNvPr>
+          <p:cNvSpPr>
+            <a:spLocks noGrp="1"/>
+          </p:cNvSpPr>
+          <p:nvPr>
+            <p:ph type="body" sz="quarter" idx="10"/>
+          </p:nvPr>
+        </p:nvSpPr>
+        <p:spPr/>
+        <p:txBody>
+          <a:bodyPr/>
+          <a:lstStyle/>
+          <a:p>
+            <a:r>
+              <a:rPr kumimoji="1" lang="ja-JP" altLang="en-US"/>
+              <a:t>ニュートン法</a:t>
+            </a:r>
+            <a:r>
+              <a:rPr kumimoji="1" lang="en-US" altLang="ja-JP"/>
+              <a:t>(</a:t>
+            </a:r>
+            <a:r>
+              <a:rPr kumimoji="1" lang="ja-JP" altLang="en-US"/>
+              <a:t>複素数解</a:t>
+            </a:r>
+            <a:r>
+              <a:rPr kumimoji="1" lang="en-US" altLang="ja-JP"/>
+              <a:t>)</a:t>
+            </a:r>
+            <a:endParaRPr kumimoji="1" lang="ja-JP" altLang="en-US"/>
+          </a:p>
+        </p:txBody>
+      </p:sp>
+      <p:cxnSp>
+        <p:nvCxnSpPr>
+          <p:cNvPr id="3" name="直線矢印コネクタ 2">
+            <a:extLst>
+              <a:ext uri="{FF2B5EF4-FFF2-40B4-BE49-F238E27FC236}">
+                <a16:creationId xmlns:a16="http://schemas.microsoft.com/office/drawing/2014/main" id="{4D8E5BB4-C4D0-284F-A3C1-C45BB229A2A5}"/>
+              </a:ext>
+            </a:extLst>
+          </p:cNvPr>
+          <p:cNvCxnSpPr/>
+          <p:nvPr/>
+        </p:nvCxnSpPr>
+        <p:spPr>
+          <a:xfrm>
+            <a:off x="1835696" y="4077072"/>
+            <a:ext cx="4536504" cy="0"/>
+          </a:xfrm>
+          <a:prstGeom prst="straightConnector1">
+            <a:avLst/>
+          </a:prstGeom>
+          <a:ln w="12700">
+            <a:solidFill>
+              <a:schemeClr val="tx1"/>
+            </a:solidFill>
+            <a:tailEnd type="triangle"/>
+          </a:ln>
+        </p:spPr>
+        <p:style>
+          <a:lnRef idx="1">
+            <a:schemeClr val="accent1"/>
+          </a:lnRef>
+          <a:fillRef idx="0">
+            <a:schemeClr val="accent1"/>
+          </a:fillRef>
+          <a:effectRef idx="0">
+            <a:schemeClr val="accent1"/>
+          </a:effectRef>
+          <a:fontRef idx="minor">
+            <a:schemeClr val="tx1"/>
+          </a:fontRef>
+        </p:style>
+      </p:cxnSp>
+      <p:cxnSp>
+        <p:nvCxnSpPr>
+          <p:cNvPr id="4" name="直線矢印コネクタ 3">
+            <a:extLst>
+              <a:ext uri="{FF2B5EF4-FFF2-40B4-BE49-F238E27FC236}">
+                <a16:creationId xmlns:a16="http://schemas.microsoft.com/office/drawing/2014/main" id="{F8F44297-AE6D-0A4F-B1D8-EC4EC9505AF3}"/>
+              </a:ext>
+            </a:extLst>
+          </p:cNvPr>
+          <p:cNvCxnSpPr/>
+          <p:nvPr/>
+        </p:nvCxnSpPr>
+        <p:spPr>
+          <a:xfrm flipV="1">
+            <a:off x="4067944" y="2060848"/>
+            <a:ext cx="0" cy="3744416"/>
+          </a:xfrm>
+          <a:prstGeom prst="straightConnector1">
+            <a:avLst/>
+          </a:prstGeom>
+          <a:ln w="12700">
+            <a:solidFill>
+              <a:schemeClr val="tx1"/>
+            </a:solidFill>
+            <a:tailEnd type="triangle"/>
+          </a:ln>
+        </p:spPr>
+        <p:style>
+          <a:lnRef idx="1">
+            <a:schemeClr val="accent1"/>
+          </a:lnRef>
+          <a:fillRef idx="0">
+            <a:schemeClr val="accent1"/>
+          </a:fillRef>
+          <a:effectRef idx="0">
+            <a:schemeClr val="accent1"/>
+          </a:effectRef>
+          <a:fontRef idx="minor">
+            <a:schemeClr val="tx1"/>
+          </a:fontRef>
+        </p:style>
+      </p:cxnSp>
+      <p:sp>
+        <p:nvSpPr>
+          <p:cNvPr id="5" name="テキスト ボックス 4">
+            <a:extLst>
+              <a:ext uri="{FF2B5EF4-FFF2-40B4-BE49-F238E27FC236}">
+                <a16:creationId xmlns:a16="http://schemas.microsoft.com/office/drawing/2014/main" id="{F7712A03-F86A-7E4A-A8D5-E982BA0F201A}"/>
+              </a:ext>
+            </a:extLst>
+          </p:cNvPr>
+          <p:cNvSpPr txBox="1"/>
+          <p:nvPr/>
+        </p:nvSpPr>
+        <p:spPr>
+          <a:xfrm>
+            <a:off x="6372200" y="3933056"/>
+            <a:ext cx="421077" cy="369332"/>
+          </a:xfrm>
+          <a:prstGeom prst="rect">
+            <a:avLst/>
+          </a:prstGeom>
+          <a:noFill/>
+        </p:spPr>
+        <p:txBody>
+          <a:bodyPr wrap="none" rtlCol="0">
+            <a:spAutoFit/>
+          </a:bodyPr>
+          <a:lstStyle/>
+          <a:p>
+            <a:r>
+              <a:rPr kumimoji="1" lang="en-US" altLang="ja-JP"/>
+              <a:t>Re</a:t>
+            </a:r>
+            <a:endParaRPr kumimoji="1" lang="ja-JP" altLang="en-US"/>
+          </a:p>
+        </p:txBody>
+      </p:sp>
+      <p:sp>
+        <p:nvSpPr>
+          <p:cNvPr id="6" name="テキスト ボックス 5">
+            <a:extLst>
+              <a:ext uri="{FF2B5EF4-FFF2-40B4-BE49-F238E27FC236}">
+                <a16:creationId xmlns:a16="http://schemas.microsoft.com/office/drawing/2014/main" id="{51F72873-1B68-4F4D-BB97-BEA2FD127D9C}"/>
+              </a:ext>
+            </a:extLst>
+          </p:cNvPr>
+          <p:cNvSpPr txBox="1"/>
+          <p:nvPr/>
+        </p:nvSpPr>
+        <p:spPr>
+          <a:xfrm>
+            <a:off x="3851920" y="1628800"/>
+            <a:ext cx="426720" cy="369332"/>
+          </a:xfrm>
+          <a:prstGeom prst="rect">
+            <a:avLst/>
+          </a:prstGeom>
+          <a:noFill/>
+        </p:spPr>
+        <p:txBody>
+          <a:bodyPr wrap="none" rtlCol="0">
+            <a:spAutoFit/>
+          </a:bodyPr>
+          <a:lstStyle/>
+          <a:p>
+            <a:r>
+              <a:rPr lang="en-US" altLang="ja-JP"/>
+              <a:t>Im</a:t>
+            </a:r>
+            <a:endParaRPr kumimoji="1" lang="ja-JP" altLang="en-US"/>
+          </a:p>
+        </p:txBody>
+      </p:sp>
+      <p:sp>
+        <p:nvSpPr>
+          <p:cNvPr id="7" name="円/楕円 6">
+            <a:extLst>
+              <a:ext uri="{FF2B5EF4-FFF2-40B4-BE49-F238E27FC236}">
+                <a16:creationId xmlns:a16="http://schemas.microsoft.com/office/drawing/2014/main" id="{532C4017-FA21-624D-96DE-CC85E2C977C1}"/>
+              </a:ext>
+            </a:extLst>
+          </p:cNvPr>
+          <p:cNvSpPr/>
+          <p:nvPr/>
+        </p:nvSpPr>
+        <p:spPr>
+          <a:xfrm>
+            <a:off x="5436096" y="4005064"/>
+            <a:ext cx="144016" cy="144016"/>
+          </a:xfrm>
+          <a:prstGeom prst="ellipse">
+            <a:avLst/>
+          </a:prstGeom>
+          <a:solidFill>
+            <a:srgbClr val="FF0000"/>
+          </a:solidFill>
+          <a:ln>
+            <a:solidFill>
+              <a:schemeClr val="tx1"/>
+            </a:solidFill>
+          </a:ln>
+        </p:spPr>
+        <p:style>
+          <a:lnRef idx="2">
+            <a:schemeClr val="accent1">
+              <a:shade val="50000"/>
+            </a:schemeClr>
+          </a:lnRef>
+          <a:fillRef idx="1">
+            <a:schemeClr val="accent1"/>
+          </a:fillRef>
+          <a:effectRef idx="0">
+            <a:schemeClr val="accent1"/>
+          </a:effectRef>
+          <a:fontRef idx="minor">
+            <a:schemeClr val="lt1"/>
+          </a:fontRef>
+        </p:style>
+        <p:txBody>
+          <a:bodyPr rtlCol="0" anchor="ctr"/>
+          <a:lstStyle/>
+          <a:p>
+            <a:pPr algn="ctr"/>
+            <a:endParaRPr kumimoji="1" lang="ja-JP" altLang="en-US"/>
+          </a:p>
+        </p:txBody>
+      </p:sp>
+      <p:sp>
+        <p:nvSpPr>
+          <p:cNvPr id="8" name="円/楕円 7">
+            <a:extLst>
+              <a:ext uri="{FF2B5EF4-FFF2-40B4-BE49-F238E27FC236}">
+                <a16:creationId xmlns:a16="http://schemas.microsoft.com/office/drawing/2014/main" id="{92583B7F-B80C-594B-BAA6-6FE7B7BEACC6}"/>
+              </a:ext>
+            </a:extLst>
+          </p:cNvPr>
+          <p:cNvSpPr/>
+          <p:nvPr/>
+        </p:nvSpPr>
+        <p:spPr>
+          <a:xfrm>
+            <a:off x="3131840" y="2708920"/>
+            <a:ext cx="144016" cy="144016"/>
+          </a:xfrm>
+          <a:prstGeom prst="ellipse">
+            <a:avLst/>
+          </a:prstGeom>
+          <a:solidFill>
+            <a:srgbClr val="00B050"/>
+          </a:solidFill>
+          <a:ln>
+            <a:solidFill>
+              <a:schemeClr val="tx1"/>
+            </a:solidFill>
+          </a:ln>
+        </p:spPr>
+        <p:style>
+          <a:lnRef idx="2">
+            <a:schemeClr val="accent1">
+              <a:shade val="50000"/>
+            </a:schemeClr>
+          </a:lnRef>
+          <a:fillRef idx="1">
+            <a:schemeClr val="accent1"/>
+          </a:fillRef>
+          <a:effectRef idx="0">
+            <a:schemeClr val="accent1"/>
+          </a:effectRef>
+          <a:fontRef idx="minor">
+            <a:schemeClr val="lt1"/>
+          </a:fontRef>
+        </p:style>
+        <p:txBody>
+          <a:bodyPr rtlCol="0" anchor="ctr"/>
+          <a:lstStyle/>
+          <a:p>
+            <a:pPr algn="ctr"/>
+            <a:endParaRPr kumimoji="1" lang="ja-JP" altLang="en-US"/>
+          </a:p>
+        </p:txBody>
+      </p:sp>
+      <p:sp>
+        <p:nvSpPr>
+          <p:cNvPr id="9" name="円/楕円 8">
+            <a:extLst>
+              <a:ext uri="{FF2B5EF4-FFF2-40B4-BE49-F238E27FC236}">
+                <a16:creationId xmlns:a16="http://schemas.microsoft.com/office/drawing/2014/main" id="{454B0A9C-921B-F347-9DDA-E2A2ABC3FCE2}"/>
+              </a:ext>
+            </a:extLst>
+          </p:cNvPr>
+          <p:cNvSpPr/>
+          <p:nvPr/>
+        </p:nvSpPr>
+        <p:spPr>
+          <a:xfrm>
+            <a:off x="3131840" y="5157192"/>
+            <a:ext cx="144016" cy="144016"/>
+          </a:xfrm>
+          <a:prstGeom prst="ellipse">
+            <a:avLst/>
+          </a:prstGeom>
+          <a:solidFill>
+            <a:srgbClr val="011893"/>
+          </a:solidFill>
+          <a:ln>
+            <a:solidFill>
+              <a:schemeClr val="tx1"/>
+            </a:solidFill>
+          </a:ln>
+        </p:spPr>
+        <p:style>
+          <a:lnRef idx="2">
+            <a:schemeClr val="accent1">
+              <a:shade val="50000"/>
+            </a:schemeClr>
+          </a:lnRef>
+          <a:fillRef idx="1">
+            <a:schemeClr val="accent1"/>
+          </a:fillRef>
+          <a:effectRef idx="0">
+            <a:schemeClr val="accent1"/>
+          </a:effectRef>
+          <a:fontRef idx="minor">
+            <a:schemeClr val="lt1"/>
+          </a:fontRef>
+        </p:style>
+        <p:txBody>
+          <a:bodyPr rtlCol="0" anchor="ctr"/>
+          <a:lstStyle/>
+          <a:p>
+            <a:pPr algn="ctr"/>
+            <a:endParaRPr kumimoji="1" lang="ja-JP" altLang="en-US"/>
+          </a:p>
+        </p:txBody>
+      </p:sp>
+      <p:cxnSp>
+        <p:nvCxnSpPr>
+          <p:cNvPr id="10" name="直線コネクタ 9">
+            <a:extLst>
+              <a:ext uri="{FF2B5EF4-FFF2-40B4-BE49-F238E27FC236}">
+                <a16:creationId xmlns:a16="http://schemas.microsoft.com/office/drawing/2014/main" id="{0CFE359A-95E9-B74B-8553-72BD7BBDECCF}"/>
+              </a:ext>
+            </a:extLst>
+          </p:cNvPr>
+          <p:cNvCxnSpPr/>
+          <p:nvPr/>
+        </p:nvCxnSpPr>
+        <p:spPr>
+          <a:xfrm flipV="1">
+            <a:off x="4067944" y="1916832"/>
+            <a:ext cx="1584176" cy="2160240"/>
+          </a:xfrm>
+          <a:prstGeom prst="line">
+            <a:avLst/>
+          </a:prstGeom>
+          <a:ln w="12700">
+            <a:solidFill>
+              <a:schemeClr val="tx1"/>
+            </a:solidFill>
+          </a:ln>
+        </p:spPr>
+        <p:style>
+          <a:lnRef idx="1">
+            <a:schemeClr val="accent1"/>
+          </a:lnRef>
+          <a:fillRef idx="0">
+            <a:schemeClr val="accent1"/>
+          </a:fillRef>
+          <a:effectRef idx="0">
+            <a:schemeClr val="accent1"/>
+          </a:effectRef>
+          <a:fontRef idx="minor">
+            <a:schemeClr val="tx1"/>
+          </a:fontRef>
+        </p:style>
+      </p:cxnSp>
+      <p:cxnSp>
+        <p:nvCxnSpPr>
+          <p:cNvPr id="11" name="直線コネクタ 10">
+            <a:extLst>
+              <a:ext uri="{FF2B5EF4-FFF2-40B4-BE49-F238E27FC236}">
+                <a16:creationId xmlns:a16="http://schemas.microsoft.com/office/drawing/2014/main" id="{26835B7A-17D6-0B46-B971-DB0CFFA5CC04}"/>
+              </a:ext>
+            </a:extLst>
+          </p:cNvPr>
+          <p:cNvCxnSpPr>
+            <a:cxnSpLocks/>
+          </p:cNvCxnSpPr>
+          <p:nvPr/>
+        </p:nvCxnSpPr>
+        <p:spPr>
+          <a:xfrm>
+            <a:off x="4067944" y="4077072"/>
+            <a:ext cx="1442824" cy="2078940"/>
+          </a:xfrm>
+          <a:prstGeom prst="line">
+            <a:avLst/>
+          </a:prstGeom>
+          <a:ln w="12700">
+            <a:solidFill>
+              <a:schemeClr val="tx1"/>
+            </a:solidFill>
+          </a:ln>
+        </p:spPr>
+        <p:style>
+          <a:lnRef idx="1">
+            <a:schemeClr val="accent1"/>
+          </a:lnRef>
+          <a:fillRef idx="0">
+            <a:schemeClr val="accent1"/>
+          </a:fillRef>
+          <a:effectRef idx="0">
+            <a:schemeClr val="accent1"/>
+          </a:effectRef>
+          <a:fontRef idx="minor">
+            <a:schemeClr val="tx1"/>
+          </a:fontRef>
+        </p:style>
+      </p:cxnSp>
+      <p:sp>
+        <p:nvSpPr>
+          <p:cNvPr id="12" name="テキスト ボックス 11">
+            <a:extLst>
+              <a:ext uri="{FF2B5EF4-FFF2-40B4-BE49-F238E27FC236}">
+                <a16:creationId xmlns:a16="http://schemas.microsoft.com/office/drawing/2014/main" id="{4F740CCE-33CF-0044-A69E-9670DD8FBC56}"/>
+              </a:ext>
+            </a:extLst>
+          </p:cNvPr>
+          <p:cNvSpPr txBox="1"/>
+          <p:nvPr/>
+        </p:nvSpPr>
+        <p:spPr>
+          <a:xfrm>
+            <a:off x="5580112" y="3284984"/>
+            <a:ext cx="1386918" cy="369332"/>
+          </a:xfrm>
+          <a:prstGeom prst="rect">
+            <a:avLst/>
+          </a:prstGeom>
+          <a:noFill/>
+        </p:spPr>
+        <p:txBody>
+          <a:bodyPr wrap="none" rtlCol="0">
+            <a:spAutoFit/>
+          </a:bodyPr>
+          <a:lstStyle/>
+          <a:p>
+            <a:r>
+              <a:rPr kumimoji="1" lang="en-US" altLang="ja-JP"/>
+              <a:t>1 + 0j</a:t>
+            </a:r>
+            <a:r>
+              <a:rPr kumimoji="1" lang="ja-JP" altLang="en-US"/>
+              <a:t>に収束</a:t>
+            </a:r>
+          </a:p>
+        </p:txBody>
+      </p:sp>
+      <p:sp>
+        <p:nvSpPr>
+          <p:cNvPr id="13" name="テキスト ボックス 12">
+            <a:extLst>
+              <a:ext uri="{FF2B5EF4-FFF2-40B4-BE49-F238E27FC236}">
+                <a16:creationId xmlns:a16="http://schemas.microsoft.com/office/drawing/2014/main" id="{C32A8E1D-F28F-974C-90CE-CF620A7DE769}"/>
+              </a:ext>
+            </a:extLst>
+          </p:cNvPr>
+          <p:cNvSpPr txBox="1"/>
+          <p:nvPr/>
+        </p:nvSpPr>
+        <p:spPr>
+          <a:xfrm>
+            <a:off x="1619672" y="2132856"/>
+            <a:ext cx="1818126" cy="369332"/>
+          </a:xfrm>
+          <a:prstGeom prst="rect">
+            <a:avLst/>
+          </a:prstGeom>
+          <a:noFill/>
+        </p:spPr>
+        <p:txBody>
+          <a:bodyPr wrap="none" rtlCol="0">
+            <a:spAutoFit/>
+          </a:bodyPr>
+          <a:lstStyle/>
+          <a:p>
+            <a:r>
+              <a:rPr kumimoji="1" lang="en-US" altLang="ja-JP"/>
+              <a:t>-0.5+0.87j</a:t>
+            </a:r>
+            <a:r>
+              <a:rPr kumimoji="1" lang="ja-JP" altLang="en-US"/>
+              <a:t>に収束</a:t>
+            </a:r>
+          </a:p>
+        </p:txBody>
+      </p:sp>
+      <p:sp>
+        <p:nvSpPr>
+          <p:cNvPr id="14" name="テキスト ボックス 13">
+            <a:extLst>
+              <a:ext uri="{FF2B5EF4-FFF2-40B4-BE49-F238E27FC236}">
+                <a16:creationId xmlns:a16="http://schemas.microsoft.com/office/drawing/2014/main" id="{05E61DC1-F775-234B-8B9A-D4AD4F188449}"/>
+              </a:ext>
+            </a:extLst>
+          </p:cNvPr>
+          <p:cNvSpPr txBox="1"/>
+          <p:nvPr/>
+        </p:nvSpPr>
+        <p:spPr>
+          <a:xfrm>
+            <a:off x="1763688" y="4653136"/>
+            <a:ext cx="1818126" cy="369332"/>
+          </a:xfrm>
+          <a:prstGeom prst="rect">
+            <a:avLst/>
+          </a:prstGeom>
+          <a:noFill/>
+        </p:spPr>
+        <p:txBody>
+          <a:bodyPr wrap="none" rtlCol="0">
+            <a:spAutoFit/>
+          </a:bodyPr>
+          <a:lstStyle/>
+          <a:p>
+            <a:r>
+              <a:rPr kumimoji="1" lang="en-US" altLang="ja-JP"/>
+              <a:t>-0.5-0.87j</a:t>
+            </a:r>
+            <a:r>
+              <a:rPr kumimoji="1" lang="ja-JP" altLang="en-US"/>
+              <a:t>に収束</a:t>
+            </a:r>
+          </a:p>
+        </p:txBody>
+      </p:sp>
+      <mc:AlternateContent xmlns:mc="http://schemas.openxmlformats.org/markup-compatibility/2006">
+        <mc:Choice xmlns:a14="http://schemas.microsoft.com/office/drawing/2010/main" Requires="a14">
+          <p:sp>
+            <p:nvSpPr>
+              <p:cNvPr id="15" name="テキスト ボックス 14">
+                <a:extLst>
+                  <a:ext uri="{FF2B5EF4-FFF2-40B4-BE49-F238E27FC236}">
+                    <a16:creationId xmlns:a16="http://schemas.microsoft.com/office/drawing/2014/main" id="{5665B40B-C6B8-8E4B-87A2-77C0EFC23788}"/>
+                  </a:ext>
+                </a:extLst>
+              </p:cNvPr>
+              <p:cNvSpPr txBox="1"/>
+              <p:nvPr/>
+            </p:nvSpPr>
+            <p:spPr>
+              <a:xfrm>
+                <a:off x="539552" y="1124744"/>
+                <a:ext cx="2851614" cy="553998"/>
+              </a:xfrm>
+              <a:prstGeom prst="rect">
+                <a:avLst/>
+              </a:prstGeom>
+              <a:noFill/>
+            </p:spPr>
+            <p:txBody>
+              <a:bodyPr wrap="none" lIns="0" tIns="0" rIns="0" bIns="0" rtlCol="0">
+                <a:spAutoFit/>
+              </a:bodyPr>
+              <a:lstStyle/>
+              <a:p>
+                <a14:m>
+                  <m:oMathPara xmlns:m="http://schemas.openxmlformats.org/officeDocument/2006/math">
+                    <m:oMathParaPr>
+                      <m:jc m:val="centerGroup"/>
+                    </m:oMathParaPr>
+                    <m:oMath xmlns:m="http://schemas.openxmlformats.org/officeDocument/2006/math">
+                      <m:r>
+                        <a:rPr kumimoji="1" lang="en-US" altLang="ja-JP" sz="3600" b="0" i="1">
+                          <a:latin typeface="Cambria Math" panose="02040503050406030204" pitchFamily="18" charset="0"/>
+                        </a:rPr>
+                        <m:t>𝑓</m:t>
+                      </m:r>
+                      <m:d>
+                        <m:dPr>
+                          <m:ctrlPr>
+                            <a:rPr kumimoji="1" lang="en-US" altLang="ja-JP" sz="3600" b="0" i="1">
+                              <a:latin typeface="Cambria Math" panose="02040503050406030204" pitchFamily="18" charset="0"/>
+                            </a:rPr>
+                          </m:ctrlPr>
+                        </m:dPr>
+                        <m:e>
+                          <m:r>
+                            <a:rPr kumimoji="1" lang="en-US" altLang="ja-JP" sz="3600" b="0" i="1">
+                              <a:latin typeface="Cambria Math" panose="02040503050406030204" pitchFamily="18" charset="0"/>
+                            </a:rPr>
+                            <m:t>𝑥</m:t>
+                          </m:r>
+                        </m:e>
+                      </m:d>
+                      <m:sSup>
+                        <m:sSupPr>
+                          <m:ctrlPr>
+                            <a:rPr kumimoji="1" lang="en-US" altLang="ja-JP" sz="3600" b="0" i="1">
+                              <a:latin typeface="Cambria Math" panose="02040503050406030204" pitchFamily="18" charset="0"/>
+                            </a:rPr>
+                          </m:ctrlPr>
+                        </m:sSupPr>
+                        <m:e>
+                          <m:r>
+                            <a:rPr kumimoji="1" lang="en-US" altLang="ja-JP" sz="3600" b="0" i="1">
+                              <a:latin typeface="Cambria Math" panose="02040503050406030204" pitchFamily="18" charset="0"/>
+                            </a:rPr>
+                            <m:t>=</m:t>
+                          </m:r>
+                          <m:r>
+                            <a:rPr kumimoji="1" lang="en-US" altLang="ja-JP" sz="3600" b="0" i="1">
+                              <a:latin typeface="Cambria Math" panose="02040503050406030204" pitchFamily="18" charset="0"/>
+                            </a:rPr>
+                            <m:t>𝑥</m:t>
+                          </m:r>
+                        </m:e>
+                        <m:sup>
+                          <m:r>
+                            <a:rPr kumimoji="1" lang="en-US" altLang="ja-JP" sz="3600" b="0" i="1">
+                              <a:latin typeface="Cambria Math" panose="02040503050406030204" pitchFamily="18" charset="0"/>
+                            </a:rPr>
+                            <m:t>3</m:t>
+                          </m:r>
+                        </m:sup>
+                      </m:sSup>
+                      <m:r>
+                        <a:rPr kumimoji="1" lang="en-US" altLang="ja-JP" sz="3600" b="0" i="1">
+                          <a:latin typeface="Cambria Math" panose="02040503050406030204" pitchFamily="18" charset="0"/>
+                        </a:rPr>
+                        <m:t>−1</m:t>
+                      </m:r>
+                    </m:oMath>
+                  </m:oMathPara>
+                </a14:m>
+                <a:endParaRPr kumimoji="1" lang="ja-JP" altLang="en-US" sz="3600"/>
+              </a:p>
+            </p:txBody>
+          </p:sp>
+        </mc:Choice>
+        <mc:Fallback>
+          <p:sp>
+            <p:nvSpPr>
+              <p:cNvPr id="15" name="テキスト ボックス 14">
+                <a:extLst>
+                  <a:ext uri="{FF2B5EF4-FFF2-40B4-BE49-F238E27FC236}">
+                    <a16:creationId xmlns:a16="http://schemas.microsoft.com/office/drawing/2014/main" id="{5665B40B-C6B8-8E4B-87A2-77C0EFC23788}"/>
+                  </a:ext>
+                </a:extLst>
+              </p:cNvPr>
+              <p:cNvSpPr txBox="1">
+                <a:spLocks noRot="1" noChangeAspect="1" noMove="1" noResize="1" noEditPoints="1" noAdjustHandles="1" noChangeArrowheads="1" noChangeShapeType="1" noTextEdit="1"/>
+              </p:cNvSpPr>
+              <p:nvPr/>
+            </p:nvSpPr>
+            <p:spPr>
+              <a:xfrm>
+                <a:off x="539552" y="1124744"/>
+                <a:ext cx="2851614" cy="553998"/>
+              </a:xfrm>
+              <a:prstGeom prst="rect">
+                <a:avLst/>
+              </a:prstGeom>
+              <a:blipFill>
+                <a:blip r:embed="rId2"/>
+                <a:stretch>
+                  <a:fillRect l="-4425" r="-2655" b="-36364"/>
+                </a:stretch>
+              </a:blipFill>
+            </p:spPr>
+            <p:txBody>
+              <a:bodyPr/>
+              <a:lstStyle/>
+              <a:p>
+                <a:r>
+                  <a:rPr lang="ja-JP" altLang="en-US">
+                    <a:noFill/>
+                  </a:rPr>
+                  <a:t> </a:t>
+                </a:r>
+              </a:p>
+            </p:txBody>
+          </p:sp>
+        </mc:Fallback>
+      </mc:AlternateContent>
+      <p:sp>
+        <p:nvSpPr>
+          <p:cNvPr id="16" name="テキスト ボックス 15">
+            <a:extLst>
+              <a:ext uri="{FF2B5EF4-FFF2-40B4-BE49-F238E27FC236}">
+                <a16:creationId xmlns:a16="http://schemas.microsoft.com/office/drawing/2014/main" id="{EF4C1C04-E074-C542-81CC-90FB0AAC30F9}"/>
+              </a:ext>
+            </a:extLst>
+          </p:cNvPr>
+          <p:cNvSpPr txBox="1"/>
+          <p:nvPr/>
+        </p:nvSpPr>
+        <p:spPr>
+          <a:xfrm>
+            <a:off x="3635896" y="1196752"/>
+            <a:ext cx="4801314" cy="400110"/>
+          </a:xfrm>
+          <a:prstGeom prst="rect">
+            <a:avLst/>
+          </a:prstGeom>
+          <a:noFill/>
+        </p:spPr>
+        <p:txBody>
+          <a:bodyPr wrap="none" rtlCol="0">
+            <a:spAutoFit/>
+          </a:bodyPr>
+          <a:lstStyle/>
+          <a:p>
+            <a:r>
+              <a:rPr kumimoji="1" lang="ja-JP" altLang="en-US" sz="2000"/>
+              <a:t>複素数まで含めると三つの解が存在する</a:t>
+            </a:r>
+          </a:p>
+        </p:txBody>
+      </p:sp>
+      <p:sp>
+        <p:nvSpPr>
+          <p:cNvPr id="18" name="テキスト ボックス 17">
+            <a:extLst>
+              <a:ext uri="{FF2B5EF4-FFF2-40B4-BE49-F238E27FC236}">
+                <a16:creationId xmlns:a16="http://schemas.microsoft.com/office/drawing/2014/main" id="{3F8DFF02-99D6-7B45-9670-5DA2E63BD342}"/>
+              </a:ext>
+            </a:extLst>
+          </p:cNvPr>
+          <p:cNvSpPr txBox="1"/>
+          <p:nvPr/>
+        </p:nvSpPr>
+        <p:spPr>
+          <a:xfrm>
+            <a:off x="395536" y="6309320"/>
+            <a:ext cx="8032968" cy="369332"/>
+          </a:xfrm>
+          <a:prstGeom prst="rect">
+            <a:avLst/>
+          </a:prstGeom>
+          <a:noFill/>
+        </p:spPr>
+        <p:txBody>
+          <a:bodyPr wrap="none" rtlCol="0">
+            <a:spAutoFit/>
+          </a:bodyPr>
+          <a:lstStyle/>
+          <a:p>
+            <a:r>
+              <a:rPr kumimoji="1" lang="ja-JP" altLang="en-US"/>
+              <a:t>複素平面の様々な場所からはじめて「どこに収束するか」の収束地図を作る</a:t>
+            </a:r>
+          </a:p>
+        </p:txBody>
+      </p:sp>
+    </p:spTree>
+    <p:extLst>
+      <p:ext uri="{BB962C8B-B14F-4D97-AF65-F5344CB8AC3E}">
+        <p14:creationId xmlns:p14="http://schemas.microsoft.com/office/powerpoint/2010/main" val="1590370856"/>
       </p:ext>
     </p:extLst>
   </p:cSld>

--- a/basic/fig/slide.pptx
+++ b/basic/fig/slide.pptx
@@ -5,7 +5,7 @@
     <p:sldMasterId id="2147483663" r:id="rId1"/>
   </p:sldMasterIdLst>
   <p:notesMasterIdLst>
-    <p:notesMasterId r:id="rId27"/>
+    <p:notesMasterId r:id="rId29"/>
   </p:notesMasterIdLst>
   <p:sldIdLst>
     <p:sldId id="256" r:id="rId2"/>
@@ -32,7 +32,9 @@
     <p:sldId id="282" r:id="rId23"/>
     <p:sldId id="278" r:id="rId24"/>
     <p:sldId id="285" r:id="rId25"/>
-    <p:sldId id="286" r:id="rId26"/>
+    <p:sldId id="287" r:id="rId26"/>
+    <p:sldId id="286" r:id="rId27"/>
+    <p:sldId id="288" r:id="rId28"/>
   </p:sldIdLst>
   <p:sldSz cx="9144000" cy="6858000" type="screen4x3"/>
   <p:notesSz cx="6858000" cy="9144000"/>
@@ -13333,13 +13335,21 @@
           <a:p>
             <a:r>
               <a:rPr kumimoji="1" lang="ja-JP" altLang="en-US"/>
-              <a:t>ニュートン法</a:t>
-            </a:r>
-          </a:p>
-        </p:txBody>
-      </p:sp>
-      <mc:AlternateContent xmlns:mc="http://schemas.openxmlformats.org/markup-compatibility/2006">
-        <mc:Choice xmlns:a14="http://schemas.microsoft.com/office/drawing/2010/main" Requires="a14">
+              <a:t>課題</a:t>
+            </a:r>
+            <a:r>
+              <a:rPr kumimoji="1" lang="en-US" altLang="ja-JP"/>
+              <a:t>1</a:t>
+            </a:r>
+            <a:r>
+              <a:rPr kumimoji="1" lang="ja-JP" altLang="en-US"/>
+              <a:t>：ニュートン法</a:t>
+            </a:r>
+          </a:p>
+        </p:txBody>
+      </p:sp>
+      <mc:AlternateContent xmlns:mc="http://schemas.openxmlformats.org/markup-compatibility/2006" xmlns:a14="http://schemas.microsoft.com/office/drawing/2010/main">
+        <mc:Choice Requires="a14">
           <p:sp>
             <p:nvSpPr>
               <p:cNvPr id="3" name="テキスト ボックス 2">
@@ -13368,6 +13378,7 @@
               </a:bodyPr>
               <a:lstStyle/>
               <a:p>
+                <a:pPr/>
                 <a14:m>
                   <m:oMathPara xmlns:m="http://schemas.openxmlformats.org/officeDocument/2006/math">
                     <m:oMathParaPr>
@@ -13411,7 +13422,7 @@
             </p:txBody>
           </p:sp>
         </mc:Choice>
-        <mc:Fallback>
+        <mc:Fallback xmlns="">
           <p:sp>
             <p:nvSpPr>
               <p:cNvPr id="3" name="テキスト ボックス 2">
@@ -13671,8 +13682,8 @@
           </a:p>
         </p:txBody>
       </p:sp>
-      <mc:AlternateContent xmlns:mc="http://schemas.openxmlformats.org/markup-compatibility/2006">
-        <mc:Choice xmlns:a14="http://schemas.microsoft.com/office/drawing/2010/main" Requires="a14">
+      <mc:AlternateContent xmlns:mc="http://schemas.openxmlformats.org/markup-compatibility/2006" xmlns:a14="http://schemas.microsoft.com/office/drawing/2010/main">
+        <mc:Choice Requires="a14">
           <p:sp>
             <p:nvSpPr>
               <p:cNvPr id="15" name="テキスト ボックス 14">
@@ -13701,6 +13712,7 @@
               </a:bodyPr>
               <a:lstStyle/>
               <a:p>
+                <a:pPr/>
                 <a14:m>
                   <m:oMathPara xmlns:m="http://schemas.openxmlformats.org/officeDocument/2006/math">
                     <m:oMathParaPr>
@@ -13721,7 +13733,7 @@
             </p:txBody>
           </p:sp>
         </mc:Choice>
-        <mc:Fallback>
+        <mc:Fallback xmlns="">
           <p:sp>
             <p:nvSpPr>
               <p:cNvPr id="15" name="テキスト ボックス 14">
@@ -13766,8 +13778,8 @@
           </p:sp>
         </mc:Fallback>
       </mc:AlternateContent>
-      <mc:AlternateContent xmlns:mc="http://schemas.openxmlformats.org/markup-compatibility/2006">
-        <mc:Choice xmlns:a14="http://schemas.microsoft.com/office/drawing/2010/main" Requires="a14">
+      <mc:AlternateContent xmlns:mc="http://schemas.openxmlformats.org/markup-compatibility/2006" xmlns:a14="http://schemas.microsoft.com/office/drawing/2010/main">
+        <mc:Choice Requires="a14">
           <p:sp>
             <p:nvSpPr>
               <p:cNvPr id="16" name="テキスト ボックス 15">
@@ -13796,6 +13808,7 @@
               </a:bodyPr>
               <a:lstStyle/>
               <a:p>
+                <a:pPr/>
                 <a14:m>
                   <m:oMathPara xmlns:m="http://schemas.openxmlformats.org/officeDocument/2006/math">
                     <m:oMathParaPr>
@@ -13846,7 +13859,7 @@
             </p:txBody>
           </p:sp>
         </mc:Choice>
-        <mc:Fallback>
+        <mc:Fallback xmlns="">
           <p:sp>
             <p:nvSpPr>
               <p:cNvPr id="16" name="テキスト ボックス 15">
@@ -14305,8 +14318,8 @@
           </a:p>
         </p:txBody>
       </p:sp>
-      <mc:AlternateContent xmlns:mc="http://schemas.openxmlformats.org/markup-compatibility/2006">
-        <mc:Choice xmlns:a14="http://schemas.microsoft.com/office/drawing/2010/main" Requires="a14">
+      <mc:AlternateContent xmlns:mc="http://schemas.openxmlformats.org/markup-compatibility/2006" xmlns:a14="http://schemas.microsoft.com/office/drawing/2010/main">
+        <mc:Choice Requires="a14">
           <p:sp>
             <p:nvSpPr>
               <p:cNvPr id="6" name="テキスト ボックス 5">
@@ -14335,6 +14348,7 @@
               </a:bodyPr>
               <a:lstStyle/>
               <a:p>
+                <a:pPr/>
                 <a14:m>
                   <m:oMathPara xmlns:m="http://schemas.openxmlformats.org/officeDocument/2006/math">
                     <m:oMathParaPr>
@@ -14355,7 +14369,7 @@
             </p:txBody>
           </p:sp>
         </mc:Choice>
-        <mc:Fallback>
+        <mc:Fallback xmlns="">
           <p:sp>
             <p:nvSpPr>
               <p:cNvPr id="6" name="テキスト ボックス 5">
@@ -14400,8 +14414,8 @@
           </p:sp>
         </mc:Fallback>
       </mc:AlternateContent>
-      <mc:AlternateContent xmlns:mc="http://schemas.openxmlformats.org/markup-compatibility/2006">
-        <mc:Choice xmlns:a14="http://schemas.microsoft.com/office/drawing/2010/main" Requires="a14">
+      <mc:AlternateContent xmlns:mc="http://schemas.openxmlformats.org/markup-compatibility/2006" xmlns:a14="http://schemas.microsoft.com/office/drawing/2010/main">
+        <mc:Choice Requires="a14">
           <p:sp>
             <p:nvSpPr>
               <p:cNvPr id="7" name="テキスト ボックス 6">
@@ -14430,6 +14444,7 @@
               </a:bodyPr>
               <a:lstStyle/>
               <a:p>
+                <a:pPr/>
                 <a14:m>
                   <m:oMathPara xmlns:m="http://schemas.openxmlformats.org/officeDocument/2006/math">
                     <m:oMathParaPr>
@@ -14480,7 +14495,7 @@
             </p:txBody>
           </p:sp>
         </mc:Choice>
-        <mc:Fallback>
+        <mc:Fallback xmlns="">
           <p:sp>
             <p:nvSpPr>
               <p:cNvPr id="7" name="テキスト ボックス 6">
@@ -14703,8 +14718,8 @@
           </a:fontRef>
         </p:style>
       </p:cxnSp>
-      <mc:AlternateContent xmlns:mc="http://schemas.openxmlformats.org/markup-compatibility/2006">
-        <mc:Choice xmlns:a14="http://schemas.microsoft.com/office/drawing/2010/main" Requires="a14">
+      <mc:AlternateContent xmlns:mc="http://schemas.openxmlformats.org/markup-compatibility/2006" xmlns:a14="http://schemas.microsoft.com/office/drawing/2010/main">
+        <mc:Choice Requires="a14">
           <p:sp>
             <p:nvSpPr>
               <p:cNvPr id="12" name="テキスト ボックス 11">
@@ -14733,6 +14748,7 @@
               </a:bodyPr>
               <a:lstStyle/>
               <a:p>
+                <a:pPr/>
                 <a14:m>
                   <m:oMathPara xmlns:m="http://schemas.openxmlformats.org/officeDocument/2006/math">
                     <m:oMathParaPr>
@@ -14772,7 +14788,7 @@
             </p:txBody>
           </p:sp>
         </mc:Choice>
-        <mc:Fallback>
+        <mc:Fallback xmlns="">
           <p:sp>
             <p:nvSpPr>
               <p:cNvPr id="12" name="テキスト ボックス 11">
@@ -14817,8 +14833,8 @@
           </p:sp>
         </mc:Fallback>
       </mc:AlternateContent>
-      <mc:AlternateContent xmlns:mc="http://schemas.openxmlformats.org/markup-compatibility/2006">
-        <mc:Choice xmlns:a14="http://schemas.microsoft.com/office/drawing/2010/main" Requires="a14">
+      <mc:AlternateContent xmlns:mc="http://schemas.openxmlformats.org/markup-compatibility/2006" xmlns:a14="http://schemas.microsoft.com/office/drawing/2010/main">
+        <mc:Choice Requires="a14">
           <p:sp>
             <p:nvSpPr>
               <p:cNvPr id="13" name="テキスト ボックス 12">
@@ -14847,6 +14863,7 @@
               </a:bodyPr>
               <a:lstStyle/>
               <a:p>
+                <a:pPr/>
                 <a14:m>
                   <m:oMathPara xmlns:m="http://schemas.openxmlformats.org/officeDocument/2006/math">
                     <m:oMathParaPr>
@@ -14892,7 +14909,7 @@
             </p:txBody>
           </p:sp>
         </mc:Choice>
-        <mc:Fallback>
+        <mc:Fallback xmlns="">
           <p:sp>
             <p:nvSpPr>
               <p:cNvPr id="13" name="テキスト ボックス 12">
@@ -15052,8 +15069,8 @@
           </a:p>
         </p:txBody>
       </p:sp>
-      <mc:AlternateContent xmlns:mc="http://schemas.openxmlformats.org/markup-compatibility/2006">
-        <mc:Choice xmlns:a14="http://schemas.microsoft.com/office/drawing/2010/main" Requires="a14">
+      <mc:AlternateContent xmlns:mc="http://schemas.openxmlformats.org/markup-compatibility/2006" xmlns:a14="http://schemas.microsoft.com/office/drawing/2010/main">
+        <mc:Choice Requires="a14">
           <p:sp>
             <p:nvSpPr>
               <p:cNvPr id="16" name="テキスト ボックス 15">
@@ -15082,6 +15099,7 @@
               </a:bodyPr>
               <a:lstStyle/>
               <a:p>
+                <a:pPr/>
                 <a14:m>
                   <m:oMathPara xmlns:m="http://schemas.openxmlformats.org/officeDocument/2006/math">
                     <m:oMathParaPr>
@@ -15263,7 +15281,7 @@
             </p:txBody>
           </p:sp>
         </mc:Choice>
-        <mc:Fallback>
+        <mc:Fallback xmlns="">
           <p:sp>
             <p:nvSpPr>
               <p:cNvPr id="16" name="テキスト ボックス 15">
@@ -15573,7 +15591,7 @@
           <p:cNvPr id="2" name="テキスト プレースホルダー 1">
             <a:extLst>
               <a:ext uri="{FF2B5EF4-FFF2-40B4-BE49-F238E27FC236}">
-                <a16:creationId xmlns:a16="http://schemas.microsoft.com/office/drawing/2014/main" id="{F7F09D01-C999-2341-8093-2FFD26A5D71A}"/>
+                <a16:creationId xmlns:a16="http://schemas.microsoft.com/office/drawing/2014/main" id="{30546ACC-286A-E442-B98A-AECD8FD3A83D}"/>
               </a:ext>
             </a:extLst>
           </p:cNvPr>
@@ -15591,539 +15609,15 @@
           <a:p>
             <a:r>
               <a:rPr kumimoji="1" lang="ja-JP" altLang="en-US"/>
-              <a:t>ニュートン法</a:t>
+              <a:t>課題</a:t>
             </a:r>
             <a:r>
               <a:rPr kumimoji="1" lang="en-US" altLang="ja-JP"/>
-              <a:t>(</a:t>
+              <a:t>1-1</a:t>
             </a:r>
             <a:r>
               <a:rPr kumimoji="1" lang="ja-JP" altLang="en-US"/>
-              <a:t>複素数解</a:t>
-            </a:r>
-            <a:r>
-              <a:rPr kumimoji="1" lang="en-US" altLang="ja-JP"/>
-              <a:t>)</a:t>
-            </a:r>
-            <a:endParaRPr kumimoji="1" lang="ja-JP" altLang="en-US"/>
-          </a:p>
-        </p:txBody>
-      </p:sp>
-      <p:cxnSp>
-        <p:nvCxnSpPr>
-          <p:cNvPr id="3" name="直線矢印コネクタ 2">
-            <a:extLst>
-              <a:ext uri="{FF2B5EF4-FFF2-40B4-BE49-F238E27FC236}">
-                <a16:creationId xmlns:a16="http://schemas.microsoft.com/office/drawing/2014/main" id="{4D8E5BB4-C4D0-284F-A3C1-C45BB229A2A5}"/>
-              </a:ext>
-            </a:extLst>
-          </p:cNvPr>
-          <p:cNvCxnSpPr/>
-          <p:nvPr/>
-        </p:nvCxnSpPr>
-        <p:spPr>
-          <a:xfrm>
-            <a:off x="1835696" y="4077072"/>
-            <a:ext cx="4536504" cy="0"/>
-          </a:xfrm>
-          <a:prstGeom prst="straightConnector1">
-            <a:avLst/>
-          </a:prstGeom>
-          <a:ln w="12700">
-            <a:solidFill>
-              <a:schemeClr val="tx1"/>
-            </a:solidFill>
-            <a:tailEnd type="triangle"/>
-          </a:ln>
-        </p:spPr>
-        <p:style>
-          <a:lnRef idx="1">
-            <a:schemeClr val="accent1"/>
-          </a:lnRef>
-          <a:fillRef idx="0">
-            <a:schemeClr val="accent1"/>
-          </a:fillRef>
-          <a:effectRef idx="0">
-            <a:schemeClr val="accent1"/>
-          </a:effectRef>
-          <a:fontRef idx="minor">
-            <a:schemeClr val="tx1"/>
-          </a:fontRef>
-        </p:style>
-      </p:cxnSp>
-      <p:cxnSp>
-        <p:nvCxnSpPr>
-          <p:cNvPr id="4" name="直線矢印コネクタ 3">
-            <a:extLst>
-              <a:ext uri="{FF2B5EF4-FFF2-40B4-BE49-F238E27FC236}">
-                <a16:creationId xmlns:a16="http://schemas.microsoft.com/office/drawing/2014/main" id="{F8F44297-AE6D-0A4F-B1D8-EC4EC9505AF3}"/>
-              </a:ext>
-            </a:extLst>
-          </p:cNvPr>
-          <p:cNvCxnSpPr/>
-          <p:nvPr/>
-        </p:nvCxnSpPr>
-        <p:spPr>
-          <a:xfrm flipV="1">
-            <a:off x="4067944" y="2060848"/>
-            <a:ext cx="0" cy="3744416"/>
-          </a:xfrm>
-          <a:prstGeom prst="straightConnector1">
-            <a:avLst/>
-          </a:prstGeom>
-          <a:ln w="12700">
-            <a:solidFill>
-              <a:schemeClr val="tx1"/>
-            </a:solidFill>
-            <a:tailEnd type="triangle"/>
-          </a:ln>
-        </p:spPr>
-        <p:style>
-          <a:lnRef idx="1">
-            <a:schemeClr val="accent1"/>
-          </a:lnRef>
-          <a:fillRef idx="0">
-            <a:schemeClr val="accent1"/>
-          </a:fillRef>
-          <a:effectRef idx="0">
-            <a:schemeClr val="accent1"/>
-          </a:effectRef>
-          <a:fontRef idx="minor">
-            <a:schemeClr val="tx1"/>
-          </a:fontRef>
-        </p:style>
-      </p:cxnSp>
-      <p:sp>
-        <p:nvSpPr>
-          <p:cNvPr id="5" name="テキスト ボックス 4">
-            <a:extLst>
-              <a:ext uri="{FF2B5EF4-FFF2-40B4-BE49-F238E27FC236}">
-                <a16:creationId xmlns:a16="http://schemas.microsoft.com/office/drawing/2014/main" id="{F7712A03-F86A-7E4A-A8D5-E982BA0F201A}"/>
-              </a:ext>
-            </a:extLst>
-          </p:cNvPr>
-          <p:cNvSpPr txBox="1"/>
-          <p:nvPr/>
-        </p:nvSpPr>
-        <p:spPr>
-          <a:xfrm>
-            <a:off x="6372200" y="3933056"/>
-            <a:ext cx="421077" cy="369332"/>
-          </a:xfrm>
-          <a:prstGeom prst="rect">
-            <a:avLst/>
-          </a:prstGeom>
-          <a:noFill/>
-        </p:spPr>
-        <p:txBody>
-          <a:bodyPr wrap="none" rtlCol="0">
-            <a:spAutoFit/>
-          </a:bodyPr>
-          <a:lstStyle/>
-          <a:p>
-            <a:r>
-              <a:rPr kumimoji="1" lang="en-US" altLang="ja-JP"/>
-              <a:t>Re</a:t>
-            </a:r>
-            <a:endParaRPr kumimoji="1" lang="ja-JP" altLang="en-US"/>
-          </a:p>
-        </p:txBody>
-      </p:sp>
-      <p:sp>
-        <p:nvSpPr>
-          <p:cNvPr id="6" name="テキスト ボックス 5">
-            <a:extLst>
-              <a:ext uri="{FF2B5EF4-FFF2-40B4-BE49-F238E27FC236}">
-                <a16:creationId xmlns:a16="http://schemas.microsoft.com/office/drawing/2014/main" id="{51F72873-1B68-4F4D-BB97-BEA2FD127D9C}"/>
-              </a:ext>
-            </a:extLst>
-          </p:cNvPr>
-          <p:cNvSpPr txBox="1"/>
-          <p:nvPr/>
-        </p:nvSpPr>
-        <p:spPr>
-          <a:xfrm>
-            <a:off x="3851920" y="1628800"/>
-            <a:ext cx="426720" cy="369332"/>
-          </a:xfrm>
-          <a:prstGeom prst="rect">
-            <a:avLst/>
-          </a:prstGeom>
-          <a:noFill/>
-        </p:spPr>
-        <p:txBody>
-          <a:bodyPr wrap="none" rtlCol="0">
-            <a:spAutoFit/>
-          </a:bodyPr>
-          <a:lstStyle/>
-          <a:p>
-            <a:r>
-              <a:rPr lang="en-US" altLang="ja-JP"/>
-              <a:t>Im</a:t>
-            </a:r>
-            <a:endParaRPr kumimoji="1" lang="ja-JP" altLang="en-US"/>
-          </a:p>
-        </p:txBody>
-      </p:sp>
-      <p:sp>
-        <p:nvSpPr>
-          <p:cNvPr id="7" name="円/楕円 6">
-            <a:extLst>
-              <a:ext uri="{FF2B5EF4-FFF2-40B4-BE49-F238E27FC236}">
-                <a16:creationId xmlns:a16="http://schemas.microsoft.com/office/drawing/2014/main" id="{532C4017-FA21-624D-96DE-CC85E2C977C1}"/>
-              </a:ext>
-            </a:extLst>
-          </p:cNvPr>
-          <p:cNvSpPr/>
-          <p:nvPr/>
-        </p:nvSpPr>
-        <p:spPr>
-          <a:xfrm>
-            <a:off x="5436096" y="4005064"/>
-            <a:ext cx="144016" cy="144016"/>
-          </a:xfrm>
-          <a:prstGeom prst="ellipse">
-            <a:avLst/>
-          </a:prstGeom>
-          <a:solidFill>
-            <a:srgbClr val="FF0000"/>
-          </a:solidFill>
-          <a:ln>
-            <a:solidFill>
-              <a:schemeClr val="tx1"/>
-            </a:solidFill>
-          </a:ln>
-        </p:spPr>
-        <p:style>
-          <a:lnRef idx="2">
-            <a:schemeClr val="accent1">
-              <a:shade val="50000"/>
-            </a:schemeClr>
-          </a:lnRef>
-          <a:fillRef idx="1">
-            <a:schemeClr val="accent1"/>
-          </a:fillRef>
-          <a:effectRef idx="0">
-            <a:schemeClr val="accent1"/>
-          </a:effectRef>
-          <a:fontRef idx="minor">
-            <a:schemeClr val="lt1"/>
-          </a:fontRef>
-        </p:style>
-        <p:txBody>
-          <a:bodyPr rtlCol="0" anchor="ctr"/>
-          <a:lstStyle/>
-          <a:p>
-            <a:pPr algn="ctr"/>
-            <a:endParaRPr kumimoji="1" lang="ja-JP" altLang="en-US"/>
-          </a:p>
-        </p:txBody>
-      </p:sp>
-      <p:sp>
-        <p:nvSpPr>
-          <p:cNvPr id="8" name="円/楕円 7">
-            <a:extLst>
-              <a:ext uri="{FF2B5EF4-FFF2-40B4-BE49-F238E27FC236}">
-                <a16:creationId xmlns:a16="http://schemas.microsoft.com/office/drawing/2014/main" id="{92583B7F-B80C-594B-BAA6-6FE7B7BEACC6}"/>
-              </a:ext>
-            </a:extLst>
-          </p:cNvPr>
-          <p:cNvSpPr/>
-          <p:nvPr/>
-        </p:nvSpPr>
-        <p:spPr>
-          <a:xfrm>
-            <a:off x="3131840" y="2708920"/>
-            <a:ext cx="144016" cy="144016"/>
-          </a:xfrm>
-          <a:prstGeom prst="ellipse">
-            <a:avLst/>
-          </a:prstGeom>
-          <a:solidFill>
-            <a:srgbClr val="00B050"/>
-          </a:solidFill>
-          <a:ln>
-            <a:solidFill>
-              <a:schemeClr val="tx1"/>
-            </a:solidFill>
-          </a:ln>
-        </p:spPr>
-        <p:style>
-          <a:lnRef idx="2">
-            <a:schemeClr val="accent1">
-              <a:shade val="50000"/>
-            </a:schemeClr>
-          </a:lnRef>
-          <a:fillRef idx="1">
-            <a:schemeClr val="accent1"/>
-          </a:fillRef>
-          <a:effectRef idx="0">
-            <a:schemeClr val="accent1"/>
-          </a:effectRef>
-          <a:fontRef idx="minor">
-            <a:schemeClr val="lt1"/>
-          </a:fontRef>
-        </p:style>
-        <p:txBody>
-          <a:bodyPr rtlCol="0" anchor="ctr"/>
-          <a:lstStyle/>
-          <a:p>
-            <a:pPr algn="ctr"/>
-            <a:endParaRPr kumimoji="1" lang="ja-JP" altLang="en-US"/>
-          </a:p>
-        </p:txBody>
-      </p:sp>
-      <p:sp>
-        <p:nvSpPr>
-          <p:cNvPr id="9" name="円/楕円 8">
-            <a:extLst>
-              <a:ext uri="{FF2B5EF4-FFF2-40B4-BE49-F238E27FC236}">
-                <a16:creationId xmlns:a16="http://schemas.microsoft.com/office/drawing/2014/main" id="{454B0A9C-921B-F347-9DDA-E2A2ABC3FCE2}"/>
-              </a:ext>
-            </a:extLst>
-          </p:cNvPr>
-          <p:cNvSpPr/>
-          <p:nvPr/>
-        </p:nvSpPr>
-        <p:spPr>
-          <a:xfrm>
-            <a:off x="3131840" y="5157192"/>
-            <a:ext cx="144016" cy="144016"/>
-          </a:xfrm>
-          <a:prstGeom prst="ellipse">
-            <a:avLst/>
-          </a:prstGeom>
-          <a:solidFill>
-            <a:srgbClr val="011893"/>
-          </a:solidFill>
-          <a:ln>
-            <a:solidFill>
-              <a:schemeClr val="tx1"/>
-            </a:solidFill>
-          </a:ln>
-        </p:spPr>
-        <p:style>
-          <a:lnRef idx="2">
-            <a:schemeClr val="accent1">
-              <a:shade val="50000"/>
-            </a:schemeClr>
-          </a:lnRef>
-          <a:fillRef idx="1">
-            <a:schemeClr val="accent1"/>
-          </a:fillRef>
-          <a:effectRef idx="0">
-            <a:schemeClr val="accent1"/>
-          </a:effectRef>
-          <a:fontRef idx="minor">
-            <a:schemeClr val="lt1"/>
-          </a:fontRef>
-        </p:style>
-        <p:txBody>
-          <a:bodyPr rtlCol="0" anchor="ctr"/>
-          <a:lstStyle/>
-          <a:p>
-            <a:pPr algn="ctr"/>
-            <a:endParaRPr kumimoji="1" lang="ja-JP" altLang="en-US"/>
-          </a:p>
-        </p:txBody>
-      </p:sp>
-      <p:cxnSp>
-        <p:nvCxnSpPr>
-          <p:cNvPr id="10" name="直線コネクタ 9">
-            <a:extLst>
-              <a:ext uri="{FF2B5EF4-FFF2-40B4-BE49-F238E27FC236}">
-                <a16:creationId xmlns:a16="http://schemas.microsoft.com/office/drawing/2014/main" id="{0CFE359A-95E9-B74B-8553-72BD7BBDECCF}"/>
-              </a:ext>
-            </a:extLst>
-          </p:cNvPr>
-          <p:cNvCxnSpPr/>
-          <p:nvPr/>
-        </p:nvCxnSpPr>
-        <p:spPr>
-          <a:xfrm flipV="1">
-            <a:off x="4067944" y="1916832"/>
-            <a:ext cx="1584176" cy="2160240"/>
-          </a:xfrm>
-          <a:prstGeom prst="line">
-            <a:avLst/>
-          </a:prstGeom>
-          <a:ln w="12700">
-            <a:solidFill>
-              <a:schemeClr val="tx1"/>
-            </a:solidFill>
-          </a:ln>
-        </p:spPr>
-        <p:style>
-          <a:lnRef idx="1">
-            <a:schemeClr val="accent1"/>
-          </a:lnRef>
-          <a:fillRef idx="0">
-            <a:schemeClr val="accent1"/>
-          </a:fillRef>
-          <a:effectRef idx="0">
-            <a:schemeClr val="accent1"/>
-          </a:effectRef>
-          <a:fontRef idx="minor">
-            <a:schemeClr val="tx1"/>
-          </a:fontRef>
-        </p:style>
-      </p:cxnSp>
-      <p:cxnSp>
-        <p:nvCxnSpPr>
-          <p:cNvPr id="11" name="直線コネクタ 10">
-            <a:extLst>
-              <a:ext uri="{FF2B5EF4-FFF2-40B4-BE49-F238E27FC236}">
-                <a16:creationId xmlns:a16="http://schemas.microsoft.com/office/drawing/2014/main" id="{26835B7A-17D6-0B46-B971-DB0CFFA5CC04}"/>
-              </a:ext>
-            </a:extLst>
-          </p:cNvPr>
-          <p:cNvCxnSpPr>
-            <a:cxnSpLocks/>
-          </p:cNvCxnSpPr>
-          <p:nvPr/>
-        </p:nvCxnSpPr>
-        <p:spPr>
-          <a:xfrm>
-            <a:off x="4067944" y="4077072"/>
-            <a:ext cx="1442824" cy="2078940"/>
-          </a:xfrm>
-          <a:prstGeom prst="line">
-            <a:avLst/>
-          </a:prstGeom>
-          <a:ln w="12700">
-            <a:solidFill>
-              <a:schemeClr val="tx1"/>
-            </a:solidFill>
-          </a:ln>
-        </p:spPr>
-        <p:style>
-          <a:lnRef idx="1">
-            <a:schemeClr val="accent1"/>
-          </a:lnRef>
-          <a:fillRef idx="0">
-            <a:schemeClr val="accent1"/>
-          </a:fillRef>
-          <a:effectRef idx="0">
-            <a:schemeClr val="accent1"/>
-          </a:effectRef>
-          <a:fontRef idx="minor">
-            <a:schemeClr val="tx1"/>
-          </a:fontRef>
-        </p:style>
-      </p:cxnSp>
-      <p:sp>
-        <p:nvSpPr>
-          <p:cNvPr id="12" name="テキスト ボックス 11">
-            <a:extLst>
-              <a:ext uri="{FF2B5EF4-FFF2-40B4-BE49-F238E27FC236}">
-                <a16:creationId xmlns:a16="http://schemas.microsoft.com/office/drawing/2014/main" id="{4F740CCE-33CF-0044-A69E-9670DD8FBC56}"/>
-              </a:ext>
-            </a:extLst>
-          </p:cNvPr>
-          <p:cNvSpPr txBox="1"/>
-          <p:nvPr/>
-        </p:nvSpPr>
-        <p:spPr>
-          <a:xfrm>
-            <a:off x="5580112" y="3284984"/>
-            <a:ext cx="1386918" cy="369332"/>
-          </a:xfrm>
-          <a:prstGeom prst="rect">
-            <a:avLst/>
-          </a:prstGeom>
-          <a:noFill/>
-        </p:spPr>
-        <p:txBody>
-          <a:bodyPr wrap="none" rtlCol="0">
-            <a:spAutoFit/>
-          </a:bodyPr>
-          <a:lstStyle/>
-          <a:p>
-            <a:r>
-              <a:rPr kumimoji="1" lang="en-US" altLang="ja-JP"/>
-              <a:t>1 + 0j</a:t>
-            </a:r>
-            <a:r>
-              <a:rPr kumimoji="1" lang="ja-JP" altLang="en-US"/>
-              <a:t>に収束</a:t>
-            </a:r>
-          </a:p>
-        </p:txBody>
-      </p:sp>
-      <p:sp>
-        <p:nvSpPr>
-          <p:cNvPr id="13" name="テキスト ボックス 12">
-            <a:extLst>
-              <a:ext uri="{FF2B5EF4-FFF2-40B4-BE49-F238E27FC236}">
-                <a16:creationId xmlns:a16="http://schemas.microsoft.com/office/drawing/2014/main" id="{C32A8E1D-F28F-974C-90CE-CF620A7DE769}"/>
-              </a:ext>
-            </a:extLst>
-          </p:cNvPr>
-          <p:cNvSpPr txBox="1"/>
-          <p:nvPr/>
-        </p:nvSpPr>
-        <p:spPr>
-          <a:xfrm>
-            <a:off x="1619672" y="2132856"/>
-            <a:ext cx="1818126" cy="369332"/>
-          </a:xfrm>
-          <a:prstGeom prst="rect">
-            <a:avLst/>
-          </a:prstGeom>
-          <a:noFill/>
-        </p:spPr>
-        <p:txBody>
-          <a:bodyPr wrap="none" rtlCol="0">
-            <a:spAutoFit/>
-          </a:bodyPr>
-          <a:lstStyle/>
-          <a:p>
-            <a:r>
-              <a:rPr kumimoji="1" lang="en-US" altLang="ja-JP"/>
-              <a:t>-0.5+0.87j</a:t>
-            </a:r>
-            <a:r>
-              <a:rPr kumimoji="1" lang="ja-JP" altLang="en-US"/>
-              <a:t>に収束</a:t>
-            </a:r>
-          </a:p>
-        </p:txBody>
-      </p:sp>
-      <p:sp>
-        <p:nvSpPr>
-          <p:cNvPr id="14" name="テキスト ボックス 13">
-            <a:extLst>
-              <a:ext uri="{FF2B5EF4-FFF2-40B4-BE49-F238E27FC236}">
-                <a16:creationId xmlns:a16="http://schemas.microsoft.com/office/drawing/2014/main" id="{05E61DC1-F775-234B-8B9A-D4AD4F188449}"/>
-              </a:ext>
-            </a:extLst>
-          </p:cNvPr>
-          <p:cNvSpPr txBox="1"/>
-          <p:nvPr/>
-        </p:nvSpPr>
-        <p:spPr>
-          <a:xfrm>
-            <a:off x="1763688" y="4653136"/>
-            <a:ext cx="1818126" cy="369332"/>
-          </a:xfrm>
-          <a:prstGeom prst="rect">
-            <a:avLst/>
-          </a:prstGeom>
-          <a:noFill/>
-        </p:spPr>
-        <p:txBody>
-          <a:bodyPr wrap="none" rtlCol="0">
-            <a:spAutoFit/>
-          </a:bodyPr>
-          <a:lstStyle/>
-          <a:p>
-            <a:r>
-              <a:rPr kumimoji="1" lang="en-US" altLang="ja-JP"/>
-              <a:t>-0.5-0.87j</a:t>
-            </a:r>
-            <a:r>
-              <a:rPr kumimoji="1" lang="ja-JP" altLang="en-US"/>
-              <a:t>に収束</a:t>
+              <a:t>：ニュートン法の実装</a:t>
             </a:r>
           </a:p>
         </p:txBody>
@@ -16132,10 +15626,10 @@
         <mc:Choice xmlns:a14="http://schemas.microsoft.com/office/drawing/2010/main" Requires="a14">
           <p:sp>
             <p:nvSpPr>
-              <p:cNvPr id="15" name="テキスト ボックス 14">
+              <p:cNvPr id="4" name="テキスト ボックス 3">
                 <a:extLst>
                   <a:ext uri="{FF2B5EF4-FFF2-40B4-BE49-F238E27FC236}">
-                    <a16:creationId xmlns:a16="http://schemas.microsoft.com/office/drawing/2014/main" id="{5665B40B-C6B8-8E4B-87A2-77C0EFC23788}"/>
+                    <a16:creationId xmlns:a16="http://schemas.microsoft.com/office/drawing/2014/main" id="{16AF1141-836C-D640-AF30-8889063B96A9}"/>
                   </a:ext>
                 </a:extLst>
               </p:cNvPr>
@@ -16144,7 +15638,7 @@
             </p:nvSpPr>
             <p:spPr>
               <a:xfrm>
-                <a:off x="539552" y="1124744"/>
+                <a:off x="611560" y="1772816"/>
                 <a:ext cx="2851614" cy="553998"/>
               </a:xfrm>
               <a:prstGeom prst="rect">
@@ -16158,6 +15652,7 @@
               </a:bodyPr>
               <a:lstStyle/>
               <a:p>
+                <a:pPr/>
                 <a14:m>
                   <m:oMathPara xmlns:m="http://schemas.openxmlformats.org/officeDocument/2006/math">
                     <m:oMathParaPr>
@@ -16235,6 +15730,815 @@
         <mc:Fallback>
           <p:sp>
             <p:nvSpPr>
+              <p:cNvPr id="4" name="テキスト ボックス 3">
+                <a:extLst>
+                  <a:ext uri="{FF2B5EF4-FFF2-40B4-BE49-F238E27FC236}">
+                    <a16:creationId xmlns:a16="http://schemas.microsoft.com/office/drawing/2014/main" id="{16AF1141-836C-D640-AF30-8889063B96A9}"/>
+                  </a:ext>
+                </a:extLst>
+              </p:cNvPr>
+              <p:cNvSpPr txBox="1">
+                <a:spLocks noRot="1" noChangeAspect="1" noMove="1" noResize="1" noEditPoints="1" noAdjustHandles="1" noChangeArrowheads="1" noChangeShapeType="1" noTextEdit="1"/>
+              </p:cNvSpPr>
+              <p:nvPr/>
+            </p:nvSpPr>
+            <p:spPr>
+              <a:xfrm>
+                <a:off x="611560" y="1772816"/>
+                <a:ext cx="2851614" cy="553998"/>
+              </a:xfrm>
+              <a:prstGeom prst="rect">
+                <a:avLst/>
+              </a:prstGeom>
+              <a:blipFill>
+                <a:blip r:embed="rId2"/>
+                <a:stretch>
+                  <a:fillRect l="-4889" r="-2222" b="-36364"/>
+                </a:stretch>
+              </a:blipFill>
+            </p:spPr>
+            <p:txBody>
+              <a:bodyPr/>
+              <a:lstStyle/>
+              <a:p>
+                <a:r>
+                  <a:rPr lang="ja-JP" altLang="en-US">
+                    <a:noFill/>
+                  </a:rPr>
+                  <a:t> </a:t>
+                </a:r>
+              </a:p>
+            </p:txBody>
+          </p:sp>
+        </mc:Fallback>
+      </mc:AlternateContent>
+      <p:sp>
+        <p:nvSpPr>
+          <p:cNvPr id="5" name="テキスト ボックス 4">
+            <a:extLst>
+              <a:ext uri="{FF2B5EF4-FFF2-40B4-BE49-F238E27FC236}">
+                <a16:creationId xmlns:a16="http://schemas.microsoft.com/office/drawing/2014/main" id="{9EAE0107-7525-C946-8271-E17AE2B948D8}"/>
+              </a:ext>
+            </a:extLst>
+          </p:cNvPr>
+          <p:cNvSpPr txBox="1"/>
+          <p:nvPr/>
+        </p:nvSpPr>
+        <p:spPr>
+          <a:xfrm>
+            <a:off x="539552" y="2564904"/>
+            <a:ext cx="7488831" cy="954107"/>
+          </a:xfrm>
+          <a:prstGeom prst="rect">
+            <a:avLst/>
+          </a:prstGeom>
+          <a:noFill/>
+        </p:spPr>
+        <p:txBody>
+          <a:bodyPr wrap="square" rtlCol="0">
+            <a:spAutoFit/>
+          </a:bodyPr>
+          <a:lstStyle/>
+          <a:p>
+            <a:r>
+              <a:rPr kumimoji="1" lang="ja-JP" altLang="en-US" sz="2800"/>
+              <a:t>に対してニュートンを実装し、</a:t>
+            </a:r>
+            <a:r>
+              <a:rPr lang="ja-JP" altLang="en-US" sz="2800"/>
+              <a:t>複素数を含む様々な初期値でどの解に収束するか確認せよ</a:t>
+            </a:r>
+          </a:p>
+        </p:txBody>
+      </p:sp>
+      <p:sp>
+        <p:nvSpPr>
+          <p:cNvPr id="7" name="テキスト ボックス 6">
+            <a:extLst>
+              <a:ext uri="{FF2B5EF4-FFF2-40B4-BE49-F238E27FC236}">
+                <a16:creationId xmlns:a16="http://schemas.microsoft.com/office/drawing/2014/main" id="{442CC859-75F8-824F-B1FA-D9A45FA07FDD}"/>
+              </a:ext>
+            </a:extLst>
+          </p:cNvPr>
+          <p:cNvSpPr txBox="1"/>
+          <p:nvPr/>
+        </p:nvSpPr>
+        <p:spPr>
+          <a:xfrm>
+            <a:off x="611560" y="1124744"/>
+            <a:ext cx="1261884" cy="523220"/>
+          </a:xfrm>
+          <a:prstGeom prst="rect">
+            <a:avLst/>
+          </a:prstGeom>
+          <a:noFill/>
+        </p:spPr>
+        <p:txBody>
+          <a:bodyPr wrap="none" rtlCol="0">
+            <a:spAutoFit/>
+          </a:bodyPr>
+          <a:lstStyle/>
+          <a:p>
+            <a:r>
+              <a:rPr kumimoji="1" lang="ja-JP" altLang="en-US" sz="2800"/>
+              <a:t>方程式</a:t>
+            </a:r>
+          </a:p>
+        </p:txBody>
+      </p:sp>
+    </p:spTree>
+    <p:extLst>
+      <p:ext uri="{BB962C8B-B14F-4D97-AF65-F5344CB8AC3E}">
+        <p14:creationId xmlns:p14="http://schemas.microsoft.com/office/powerpoint/2010/main" val="1786800841"/>
+      </p:ext>
+    </p:extLst>
+  </p:cSld>
+  <p:clrMapOvr>
+    <a:masterClrMapping/>
+  </p:clrMapOvr>
+</p:sld>
+</file>
+
+<file path=ppt/slides/slide26.xml><?xml version="1.0" encoding="utf-8"?>
+<p:sld xmlns:a="http://schemas.openxmlformats.org/drawingml/2006/main" xmlns:r="http://schemas.openxmlformats.org/officeDocument/2006/relationships" xmlns:p="http://schemas.openxmlformats.org/presentationml/2006/main">
+  <p:cSld>
+    <p:spTree>
+      <p:nvGrpSpPr>
+        <p:cNvPr id="1" name=""/>
+        <p:cNvGrpSpPr/>
+        <p:nvPr/>
+      </p:nvGrpSpPr>
+      <p:grpSpPr>
+        <a:xfrm>
+          <a:off x="0" y="0"/>
+          <a:ext cx="0" cy="0"/>
+          <a:chOff x="0" y="0"/>
+          <a:chExt cx="0" cy="0"/>
+        </a:xfrm>
+      </p:grpSpPr>
+      <p:sp>
+        <p:nvSpPr>
+          <p:cNvPr id="2" name="テキスト プレースホルダー 1">
+            <a:extLst>
+              <a:ext uri="{FF2B5EF4-FFF2-40B4-BE49-F238E27FC236}">
+                <a16:creationId xmlns:a16="http://schemas.microsoft.com/office/drawing/2014/main" id="{F7F09D01-C999-2341-8093-2FFD26A5D71A}"/>
+              </a:ext>
+            </a:extLst>
+          </p:cNvPr>
+          <p:cNvSpPr>
+            <a:spLocks noGrp="1"/>
+          </p:cNvSpPr>
+          <p:nvPr>
+            <p:ph type="body" sz="quarter" idx="10"/>
+          </p:nvPr>
+        </p:nvSpPr>
+        <p:spPr/>
+        <p:txBody>
+          <a:bodyPr/>
+          <a:lstStyle/>
+          <a:p>
+            <a:r>
+              <a:rPr kumimoji="1" lang="ja-JP" altLang="en-US"/>
+              <a:t>課題</a:t>
+            </a:r>
+            <a:r>
+              <a:rPr kumimoji="1" lang="en-US" altLang="ja-JP"/>
+              <a:t>1-2</a:t>
+            </a:r>
+            <a:r>
+              <a:rPr kumimoji="1" lang="ja-JP" altLang="en-US"/>
+              <a:t>：ニュートン法の収束地図</a:t>
+            </a:r>
+          </a:p>
+        </p:txBody>
+      </p:sp>
+      <p:cxnSp>
+        <p:nvCxnSpPr>
+          <p:cNvPr id="3" name="直線矢印コネクタ 2">
+            <a:extLst>
+              <a:ext uri="{FF2B5EF4-FFF2-40B4-BE49-F238E27FC236}">
+                <a16:creationId xmlns:a16="http://schemas.microsoft.com/office/drawing/2014/main" id="{4D8E5BB4-C4D0-284F-A3C1-C45BB229A2A5}"/>
+              </a:ext>
+            </a:extLst>
+          </p:cNvPr>
+          <p:cNvCxnSpPr/>
+          <p:nvPr/>
+        </p:nvCxnSpPr>
+        <p:spPr>
+          <a:xfrm>
+            <a:off x="1835696" y="4077072"/>
+            <a:ext cx="4536504" cy="0"/>
+          </a:xfrm>
+          <a:prstGeom prst="straightConnector1">
+            <a:avLst/>
+          </a:prstGeom>
+          <a:ln w="12700">
+            <a:solidFill>
+              <a:schemeClr val="tx1"/>
+            </a:solidFill>
+            <a:tailEnd type="triangle"/>
+          </a:ln>
+        </p:spPr>
+        <p:style>
+          <a:lnRef idx="1">
+            <a:schemeClr val="accent1"/>
+          </a:lnRef>
+          <a:fillRef idx="0">
+            <a:schemeClr val="accent1"/>
+          </a:fillRef>
+          <a:effectRef idx="0">
+            <a:schemeClr val="accent1"/>
+          </a:effectRef>
+          <a:fontRef idx="minor">
+            <a:schemeClr val="tx1"/>
+          </a:fontRef>
+        </p:style>
+      </p:cxnSp>
+      <p:cxnSp>
+        <p:nvCxnSpPr>
+          <p:cNvPr id="4" name="直線矢印コネクタ 3">
+            <a:extLst>
+              <a:ext uri="{FF2B5EF4-FFF2-40B4-BE49-F238E27FC236}">
+                <a16:creationId xmlns:a16="http://schemas.microsoft.com/office/drawing/2014/main" id="{F8F44297-AE6D-0A4F-B1D8-EC4EC9505AF3}"/>
+              </a:ext>
+            </a:extLst>
+          </p:cNvPr>
+          <p:cNvCxnSpPr/>
+          <p:nvPr/>
+        </p:nvCxnSpPr>
+        <p:spPr>
+          <a:xfrm flipV="1">
+            <a:off x="4067944" y="2060848"/>
+            <a:ext cx="0" cy="3744416"/>
+          </a:xfrm>
+          <a:prstGeom prst="straightConnector1">
+            <a:avLst/>
+          </a:prstGeom>
+          <a:ln w="12700">
+            <a:solidFill>
+              <a:schemeClr val="tx1"/>
+            </a:solidFill>
+            <a:tailEnd type="triangle"/>
+          </a:ln>
+        </p:spPr>
+        <p:style>
+          <a:lnRef idx="1">
+            <a:schemeClr val="accent1"/>
+          </a:lnRef>
+          <a:fillRef idx="0">
+            <a:schemeClr val="accent1"/>
+          </a:fillRef>
+          <a:effectRef idx="0">
+            <a:schemeClr val="accent1"/>
+          </a:effectRef>
+          <a:fontRef idx="minor">
+            <a:schemeClr val="tx1"/>
+          </a:fontRef>
+        </p:style>
+      </p:cxnSp>
+      <p:sp>
+        <p:nvSpPr>
+          <p:cNvPr id="5" name="テキスト ボックス 4">
+            <a:extLst>
+              <a:ext uri="{FF2B5EF4-FFF2-40B4-BE49-F238E27FC236}">
+                <a16:creationId xmlns:a16="http://schemas.microsoft.com/office/drawing/2014/main" id="{F7712A03-F86A-7E4A-A8D5-E982BA0F201A}"/>
+              </a:ext>
+            </a:extLst>
+          </p:cNvPr>
+          <p:cNvSpPr txBox="1"/>
+          <p:nvPr/>
+        </p:nvSpPr>
+        <p:spPr>
+          <a:xfrm>
+            <a:off x="6372200" y="3933056"/>
+            <a:ext cx="421077" cy="369332"/>
+          </a:xfrm>
+          <a:prstGeom prst="rect">
+            <a:avLst/>
+          </a:prstGeom>
+          <a:noFill/>
+        </p:spPr>
+        <p:txBody>
+          <a:bodyPr wrap="none" rtlCol="0">
+            <a:spAutoFit/>
+          </a:bodyPr>
+          <a:lstStyle/>
+          <a:p>
+            <a:r>
+              <a:rPr kumimoji="1" lang="en-US" altLang="ja-JP"/>
+              <a:t>Re</a:t>
+            </a:r>
+            <a:endParaRPr kumimoji="1" lang="ja-JP" altLang="en-US"/>
+          </a:p>
+        </p:txBody>
+      </p:sp>
+      <p:sp>
+        <p:nvSpPr>
+          <p:cNvPr id="6" name="テキスト ボックス 5">
+            <a:extLst>
+              <a:ext uri="{FF2B5EF4-FFF2-40B4-BE49-F238E27FC236}">
+                <a16:creationId xmlns:a16="http://schemas.microsoft.com/office/drawing/2014/main" id="{51F72873-1B68-4F4D-BB97-BEA2FD127D9C}"/>
+              </a:ext>
+            </a:extLst>
+          </p:cNvPr>
+          <p:cNvSpPr txBox="1"/>
+          <p:nvPr/>
+        </p:nvSpPr>
+        <p:spPr>
+          <a:xfrm>
+            <a:off x="3851920" y="1628800"/>
+            <a:ext cx="426720" cy="369332"/>
+          </a:xfrm>
+          <a:prstGeom prst="rect">
+            <a:avLst/>
+          </a:prstGeom>
+          <a:noFill/>
+        </p:spPr>
+        <p:txBody>
+          <a:bodyPr wrap="none" rtlCol="0">
+            <a:spAutoFit/>
+          </a:bodyPr>
+          <a:lstStyle/>
+          <a:p>
+            <a:r>
+              <a:rPr lang="en-US" altLang="ja-JP"/>
+              <a:t>Im</a:t>
+            </a:r>
+            <a:endParaRPr kumimoji="1" lang="ja-JP" altLang="en-US"/>
+          </a:p>
+        </p:txBody>
+      </p:sp>
+      <p:sp>
+        <p:nvSpPr>
+          <p:cNvPr id="7" name="円/楕円 6">
+            <a:extLst>
+              <a:ext uri="{FF2B5EF4-FFF2-40B4-BE49-F238E27FC236}">
+                <a16:creationId xmlns:a16="http://schemas.microsoft.com/office/drawing/2014/main" id="{532C4017-FA21-624D-96DE-CC85E2C977C1}"/>
+              </a:ext>
+            </a:extLst>
+          </p:cNvPr>
+          <p:cNvSpPr/>
+          <p:nvPr/>
+        </p:nvSpPr>
+        <p:spPr>
+          <a:xfrm>
+            <a:off x="5436096" y="4005064"/>
+            <a:ext cx="144016" cy="144016"/>
+          </a:xfrm>
+          <a:prstGeom prst="ellipse">
+            <a:avLst/>
+          </a:prstGeom>
+          <a:solidFill>
+            <a:srgbClr val="FF0000"/>
+          </a:solidFill>
+          <a:ln>
+            <a:solidFill>
+              <a:schemeClr val="tx1"/>
+            </a:solidFill>
+          </a:ln>
+        </p:spPr>
+        <p:style>
+          <a:lnRef idx="2">
+            <a:schemeClr val="accent1">
+              <a:shade val="50000"/>
+            </a:schemeClr>
+          </a:lnRef>
+          <a:fillRef idx="1">
+            <a:schemeClr val="accent1"/>
+          </a:fillRef>
+          <a:effectRef idx="0">
+            <a:schemeClr val="accent1"/>
+          </a:effectRef>
+          <a:fontRef idx="minor">
+            <a:schemeClr val="lt1"/>
+          </a:fontRef>
+        </p:style>
+        <p:txBody>
+          <a:bodyPr rtlCol="0" anchor="ctr"/>
+          <a:lstStyle/>
+          <a:p>
+            <a:pPr algn="ctr"/>
+            <a:endParaRPr kumimoji="1" lang="ja-JP" altLang="en-US"/>
+          </a:p>
+        </p:txBody>
+      </p:sp>
+      <p:sp>
+        <p:nvSpPr>
+          <p:cNvPr id="8" name="円/楕円 7">
+            <a:extLst>
+              <a:ext uri="{FF2B5EF4-FFF2-40B4-BE49-F238E27FC236}">
+                <a16:creationId xmlns:a16="http://schemas.microsoft.com/office/drawing/2014/main" id="{92583B7F-B80C-594B-BAA6-6FE7B7BEACC6}"/>
+              </a:ext>
+            </a:extLst>
+          </p:cNvPr>
+          <p:cNvSpPr/>
+          <p:nvPr/>
+        </p:nvSpPr>
+        <p:spPr>
+          <a:xfrm>
+            <a:off x="3131840" y="2708920"/>
+            <a:ext cx="144016" cy="144016"/>
+          </a:xfrm>
+          <a:prstGeom prst="ellipse">
+            <a:avLst/>
+          </a:prstGeom>
+          <a:solidFill>
+            <a:srgbClr val="00B050"/>
+          </a:solidFill>
+          <a:ln>
+            <a:solidFill>
+              <a:schemeClr val="tx1"/>
+            </a:solidFill>
+          </a:ln>
+        </p:spPr>
+        <p:style>
+          <a:lnRef idx="2">
+            <a:schemeClr val="accent1">
+              <a:shade val="50000"/>
+            </a:schemeClr>
+          </a:lnRef>
+          <a:fillRef idx="1">
+            <a:schemeClr val="accent1"/>
+          </a:fillRef>
+          <a:effectRef idx="0">
+            <a:schemeClr val="accent1"/>
+          </a:effectRef>
+          <a:fontRef idx="minor">
+            <a:schemeClr val="lt1"/>
+          </a:fontRef>
+        </p:style>
+        <p:txBody>
+          <a:bodyPr rtlCol="0" anchor="ctr"/>
+          <a:lstStyle/>
+          <a:p>
+            <a:pPr algn="ctr"/>
+            <a:endParaRPr kumimoji="1" lang="ja-JP" altLang="en-US"/>
+          </a:p>
+        </p:txBody>
+      </p:sp>
+      <p:sp>
+        <p:nvSpPr>
+          <p:cNvPr id="9" name="円/楕円 8">
+            <a:extLst>
+              <a:ext uri="{FF2B5EF4-FFF2-40B4-BE49-F238E27FC236}">
+                <a16:creationId xmlns:a16="http://schemas.microsoft.com/office/drawing/2014/main" id="{454B0A9C-921B-F347-9DDA-E2A2ABC3FCE2}"/>
+              </a:ext>
+            </a:extLst>
+          </p:cNvPr>
+          <p:cNvSpPr/>
+          <p:nvPr/>
+        </p:nvSpPr>
+        <p:spPr>
+          <a:xfrm>
+            <a:off x="3131840" y="5157192"/>
+            <a:ext cx="144016" cy="144016"/>
+          </a:xfrm>
+          <a:prstGeom prst="ellipse">
+            <a:avLst/>
+          </a:prstGeom>
+          <a:solidFill>
+            <a:srgbClr val="011893"/>
+          </a:solidFill>
+          <a:ln>
+            <a:solidFill>
+              <a:schemeClr val="tx1"/>
+            </a:solidFill>
+          </a:ln>
+        </p:spPr>
+        <p:style>
+          <a:lnRef idx="2">
+            <a:schemeClr val="accent1">
+              <a:shade val="50000"/>
+            </a:schemeClr>
+          </a:lnRef>
+          <a:fillRef idx="1">
+            <a:schemeClr val="accent1"/>
+          </a:fillRef>
+          <a:effectRef idx="0">
+            <a:schemeClr val="accent1"/>
+          </a:effectRef>
+          <a:fontRef idx="minor">
+            <a:schemeClr val="lt1"/>
+          </a:fontRef>
+        </p:style>
+        <p:txBody>
+          <a:bodyPr rtlCol="0" anchor="ctr"/>
+          <a:lstStyle/>
+          <a:p>
+            <a:pPr algn="ctr"/>
+            <a:endParaRPr kumimoji="1" lang="ja-JP" altLang="en-US"/>
+          </a:p>
+        </p:txBody>
+      </p:sp>
+      <p:cxnSp>
+        <p:nvCxnSpPr>
+          <p:cNvPr id="10" name="直線コネクタ 9">
+            <a:extLst>
+              <a:ext uri="{FF2B5EF4-FFF2-40B4-BE49-F238E27FC236}">
+                <a16:creationId xmlns:a16="http://schemas.microsoft.com/office/drawing/2014/main" id="{0CFE359A-95E9-B74B-8553-72BD7BBDECCF}"/>
+              </a:ext>
+            </a:extLst>
+          </p:cNvPr>
+          <p:cNvCxnSpPr/>
+          <p:nvPr/>
+        </p:nvCxnSpPr>
+        <p:spPr>
+          <a:xfrm flipV="1">
+            <a:off x="4067944" y="1916832"/>
+            <a:ext cx="1584176" cy="2160240"/>
+          </a:xfrm>
+          <a:prstGeom prst="line">
+            <a:avLst/>
+          </a:prstGeom>
+          <a:ln w="12700">
+            <a:solidFill>
+              <a:schemeClr val="tx1"/>
+            </a:solidFill>
+          </a:ln>
+        </p:spPr>
+        <p:style>
+          <a:lnRef idx="1">
+            <a:schemeClr val="accent1"/>
+          </a:lnRef>
+          <a:fillRef idx="0">
+            <a:schemeClr val="accent1"/>
+          </a:fillRef>
+          <a:effectRef idx="0">
+            <a:schemeClr val="accent1"/>
+          </a:effectRef>
+          <a:fontRef idx="minor">
+            <a:schemeClr val="tx1"/>
+          </a:fontRef>
+        </p:style>
+      </p:cxnSp>
+      <p:cxnSp>
+        <p:nvCxnSpPr>
+          <p:cNvPr id="11" name="直線コネクタ 10">
+            <a:extLst>
+              <a:ext uri="{FF2B5EF4-FFF2-40B4-BE49-F238E27FC236}">
+                <a16:creationId xmlns:a16="http://schemas.microsoft.com/office/drawing/2014/main" id="{26835B7A-17D6-0B46-B971-DB0CFFA5CC04}"/>
+              </a:ext>
+            </a:extLst>
+          </p:cNvPr>
+          <p:cNvCxnSpPr>
+            <a:cxnSpLocks/>
+          </p:cNvCxnSpPr>
+          <p:nvPr/>
+        </p:nvCxnSpPr>
+        <p:spPr>
+          <a:xfrm>
+            <a:off x="4067944" y="4077072"/>
+            <a:ext cx="1442824" cy="2078940"/>
+          </a:xfrm>
+          <a:prstGeom prst="line">
+            <a:avLst/>
+          </a:prstGeom>
+          <a:ln w="12700">
+            <a:solidFill>
+              <a:schemeClr val="tx1"/>
+            </a:solidFill>
+          </a:ln>
+        </p:spPr>
+        <p:style>
+          <a:lnRef idx="1">
+            <a:schemeClr val="accent1"/>
+          </a:lnRef>
+          <a:fillRef idx="0">
+            <a:schemeClr val="accent1"/>
+          </a:fillRef>
+          <a:effectRef idx="0">
+            <a:schemeClr val="accent1"/>
+          </a:effectRef>
+          <a:fontRef idx="minor">
+            <a:schemeClr val="tx1"/>
+          </a:fontRef>
+        </p:style>
+      </p:cxnSp>
+      <p:sp>
+        <p:nvSpPr>
+          <p:cNvPr id="12" name="テキスト ボックス 11">
+            <a:extLst>
+              <a:ext uri="{FF2B5EF4-FFF2-40B4-BE49-F238E27FC236}">
+                <a16:creationId xmlns:a16="http://schemas.microsoft.com/office/drawing/2014/main" id="{4F740CCE-33CF-0044-A69E-9670DD8FBC56}"/>
+              </a:ext>
+            </a:extLst>
+          </p:cNvPr>
+          <p:cNvSpPr txBox="1"/>
+          <p:nvPr/>
+        </p:nvSpPr>
+        <p:spPr>
+          <a:xfrm>
+            <a:off x="5580112" y="3284984"/>
+            <a:ext cx="1386918" cy="369332"/>
+          </a:xfrm>
+          <a:prstGeom prst="rect">
+            <a:avLst/>
+          </a:prstGeom>
+          <a:noFill/>
+        </p:spPr>
+        <p:txBody>
+          <a:bodyPr wrap="none" rtlCol="0">
+            <a:spAutoFit/>
+          </a:bodyPr>
+          <a:lstStyle/>
+          <a:p>
+            <a:r>
+              <a:rPr kumimoji="1" lang="en-US" altLang="ja-JP"/>
+              <a:t>1 + 0j</a:t>
+            </a:r>
+            <a:r>
+              <a:rPr kumimoji="1" lang="ja-JP" altLang="en-US"/>
+              <a:t>に収束</a:t>
+            </a:r>
+          </a:p>
+        </p:txBody>
+      </p:sp>
+      <p:sp>
+        <p:nvSpPr>
+          <p:cNvPr id="13" name="テキスト ボックス 12">
+            <a:extLst>
+              <a:ext uri="{FF2B5EF4-FFF2-40B4-BE49-F238E27FC236}">
+                <a16:creationId xmlns:a16="http://schemas.microsoft.com/office/drawing/2014/main" id="{C32A8E1D-F28F-974C-90CE-CF620A7DE769}"/>
+              </a:ext>
+            </a:extLst>
+          </p:cNvPr>
+          <p:cNvSpPr txBox="1"/>
+          <p:nvPr/>
+        </p:nvSpPr>
+        <p:spPr>
+          <a:xfrm>
+            <a:off x="1619672" y="2132856"/>
+            <a:ext cx="1818126" cy="369332"/>
+          </a:xfrm>
+          <a:prstGeom prst="rect">
+            <a:avLst/>
+          </a:prstGeom>
+          <a:noFill/>
+        </p:spPr>
+        <p:txBody>
+          <a:bodyPr wrap="none" rtlCol="0">
+            <a:spAutoFit/>
+          </a:bodyPr>
+          <a:lstStyle/>
+          <a:p>
+            <a:r>
+              <a:rPr kumimoji="1" lang="en-US" altLang="ja-JP"/>
+              <a:t>-0.5+0.87j</a:t>
+            </a:r>
+            <a:r>
+              <a:rPr kumimoji="1" lang="ja-JP" altLang="en-US"/>
+              <a:t>に収束</a:t>
+            </a:r>
+          </a:p>
+        </p:txBody>
+      </p:sp>
+      <p:sp>
+        <p:nvSpPr>
+          <p:cNvPr id="14" name="テキスト ボックス 13">
+            <a:extLst>
+              <a:ext uri="{FF2B5EF4-FFF2-40B4-BE49-F238E27FC236}">
+                <a16:creationId xmlns:a16="http://schemas.microsoft.com/office/drawing/2014/main" id="{05E61DC1-F775-234B-8B9A-D4AD4F188449}"/>
+              </a:ext>
+            </a:extLst>
+          </p:cNvPr>
+          <p:cNvSpPr txBox="1"/>
+          <p:nvPr/>
+        </p:nvSpPr>
+        <p:spPr>
+          <a:xfrm>
+            <a:off x="1763688" y="4653136"/>
+            <a:ext cx="1818126" cy="369332"/>
+          </a:xfrm>
+          <a:prstGeom prst="rect">
+            <a:avLst/>
+          </a:prstGeom>
+          <a:noFill/>
+        </p:spPr>
+        <p:txBody>
+          <a:bodyPr wrap="none" rtlCol="0">
+            <a:spAutoFit/>
+          </a:bodyPr>
+          <a:lstStyle/>
+          <a:p>
+            <a:r>
+              <a:rPr kumimoji="1" lang="en-US" altLang="ja-JP"/>
+              <a:t>-0.5-0.87j</a:t>
+            </a:r>
+            <a:r>
+              <a:rPr kumimoji="1" lang="ja-JP" altLang="en-US"/>
+              <a:t>に収束</a:t>
+            </a:r>
+          </a:p>
+        </p:txBody>
+      </p:sp>
+      <mc:AlternateContent xmlns:mc="http://schemas.openxmlformats.org/markup-compatibility/2006" xmlns:a14="http://schemas.microsoft.com/office/drawing/2010/main">
+        <mc:Choice Requires="a14">
+          <p:sp>
+            <p:nvSpPr>
+              <p:cNvPr id="15" name="テキスト ボックス 14">
+                <a:extLst>
+                  <a:ext uri="{FF2B5EF4-FFF2-40B4-BE49-F238E27FC236}">
+                    <a16:creationId xmlns:a16="http://schemas.microsoft.com/office/drawing/2014/main" id="{5665B40B-C6B8-8E4B-87A2-77C0EFC23788}"/>
+                  </a:ext>
+                </a:extLst>
+              </p:cNvPr>
+              <p:cNvSpPr txBox="1"/>
+              <p:nvPr/>
+            </p:nvSpPr>
+            <p:spPr>
+              <a:xfrm>
+                <a:off x="539552" y="1124744"/>
+                <a:ext cx="2851614" cy="553998"/>
+              </a:xfrm>
+              <a:prstGeom prst="rect">
+                <a:avLst/>
+              </a:prstGeom>
+              <a:noFill/>
+            </p:spPr>
+            <p:txBody>
+              <a:bodyPr wrap="none" lIns="0" tIns="0" rIns="0" bIns="0" rtlCol="0">
+                <a:spAutoFit/>
+              </a:bodyPr>
+              <a:lstStyle/>
+              <a:p>
+                <a:pPr/>
+                <a14:m>
+                  <m:oMathPara xmlns:m="http://schemas.openxmlformats.org/officeDocument/2006/math">
+                    <m:oMathParaPr>
+                      <m:jc m:val="centerGroup"/>
+                    </m:oMathParaPr>
+                    <m:oMath xmlns:m="http://schemas.openxmlformats.org/officeDocument/2006/math">
+                      <m:r>
+                        <a:rPr kumimoji="1" lang="en-US" altLang="ja-JP" sz="3600" b="0" i="1">
+                          <a:latin typeface="Cambria Math" panose="02040503050406030204" pitchFamily="18" charset="0"/>
+                        </a:rPr>
+                        <m:t>𝑓</m:t>
+                      </m:r>
+                      <m:d>
+                        <m:dPr>
+                          <m:ctrlPr>
+                            <a:rPr kumimoji="1" lang="en-US" altLang="ja-JP" sz="3600" b="0" i="1">
+                              <a:latin typeface="Cambria Math" panose="02040503050406030204" pitchFamily="18" charset="0"/>
+                            </a:rPr>
+                          </m:ctrlPr>
+                        </m:dPr>
+                        <m:e>
+                          <m:r>
+                            <a:rPr kumimoji="1" lang="en-US" altLang="ja-JP" sz="3600" b="0" i="1">
+                              <a:latin typeface="Cambria Math" panose="02040503050406030204" pitchFamily="18" charset="0"/>
+                            </a:rPr>
+                            <m:t>𝑥</m:t>
+                          </m:r>
+                        </m:e>
+                      </m:d>
+                      <m:sSup>
+                        <m:sSupPr>
+                          <m:ctrlPr>
+                            <a:rPr kumimoji="1" lang="en-US" altLang="ja-JP" sz="3600" b="0" i="1">
+                              <a:latin typeface="Cambria Math" panose="02040503050406030204" pitchFamily="18" charset="0"/>
+                            </a:rPr>
+                          </m:ctrlPr>
+                        </m:sSupPr>
+                        <m:e>
+                          <m:r>
+                            <a:rPr kumimoji="1" lang="en-US" altLang="ja-JP" sz="3600" b="0" i="1">
+                              <a:latin typeface="Cambria Math" panose="02040503050406030204" pitchFamily="18" charset="0"/>
+                            </a:rPr>
+                            <m:t>=</m:t>
+                          </m:r>
+                          <m:r>
+                            <a:rPr kumimoji="1" lang="en-US" altLang="ja-JP" sz="3600" b="0" i="1">
+                              <a:latin typeface="Cambria Math" panose="02040503050406030204" pitchFamily="18" charset="0"/>
+                            </a:rPr>
+                            <m:t>𝑥</m:t>
+                          </m:r>
+                        </m:e>
+                        <m:sup>
+                          <m:r>
+                            <a:rPr kumimoji="1" lang="en-US" altLang="ja-JP" sz="3600" b="0" i="1">
+                              <a:latin typeface="Cambria Math" panose="02040503050406030204" pitchFamily="18" charset="0"/>
+                            </a:rPr>
+                            <m:t>3</m:t>
+                          </m:r>
+                        </m:sup>
+                      </m:sSup>
+                      <m:r>
+                        <a:rPr kumimoji="1" lang="en-US" altLang="ja-JP" sz="3600" b="0" i="1">
+                          <a:latin typeface="Cambria Math" panose="02040503050406030204" pitchFamily="18" charset="0"/>
+                        </a:rPr>
+                        <m:t>−1</m:t>
+                      </m:r>
+                    </m:oMath>
+                  </m:oMathPara>
+                </a14:m>
+                <a:endParaRPr kumimoji="1" lang="ja-JP" altLang="en-US" sz="3600"/>
+              </a:p>
+            </p:txBody>
+          </p:sp>
+        </mc:Choice>
+        <mc:Fallback xmlns="">
+          <p:sp>
+            <p:nvSpPr>
               <p:cNvPr id="15" name="テキスト ボックス 14">
                 <a:extLst>
                   <a:ext uri="{FF2B5EF4-FFF2-40B4-BE49-F238E27FC236}">
@@ -16342,7 +16646,7 @@
           <a:p>
             <a:r>
               <a:rPr kumimoji="1" lang="ja-JP" altLang="en-US"/>
-              <a:t>複素平面の様々な場所からはじめて「どこに収束するか」の収束地図を作る</a:t>
+              <a:t>複素平面の様々な地点を初期値とし「どこに収束するか」の収束地図を作れ</a:t>
             </a:r>
           </a:p>
         </p:txBody>
@@ -16351,6 +16655,1229 @@
     <p:extLst>
       <p:ext uri="{BB962C8B-B14F-4D97-AF65-F5344CB8AC3E}">
         <p14:creationId xmlns:p14="http://schemas.microsoft.com/office/powerpoint/2010/main" val="1590370856"/>
+      </p:ext>
+    </p:extLst>
+  </p:cSld>
+  <p:clrMapOvr>
+    <a:masterClrMapping/>
+  </p:clrMapOvr>
+</p:sld>
+</file>
+
+<file path=ppt/slides/slide27.xml><?xml version="1.0" encoding="utf-8"?>
+<p:sld xmlns:a="http://schemas.openxmlformats.org/drawingml/2006/main" xmlns:r="http://schemas.openxmlformats.org/officeDocument/2006/relationships" xmlns:p="http://schemas.openxmlformats.org/presentationml/2006/main">
+  <p:cSld>
+    <p:spTree>
+      <p:nvGrpSpPr>
+        <p:cNvPr id="1" name=""/>
+        <p:cNvGrpSpPr/>
+        <p:nvPr/>
+      </p:nvGrpSpPr>
+      <p:grpSpPr>
+        <a:xfrm>
+          <a:off x="0" y="0"/>
+          <a:ext cx="0" cy="0"/>
+          <a:chOff x="0" y="0"/>
+          <a:chExt cx="0" cy="0"/>
+        </a:xfrm>
+      </p:grpSpPr>
+      <p:sp>
+        <p:nvSpPr>
+          <p:cNvPr id="2" name="テキスト プレースホルダー 1">
+            <a:extLst>
+              <a:ext uri="{FF2B5EF4-FFF2-40B4-BE49-F238E27FC236}">
+                <a16:creationId xmlns:a16="http://schemas.microsoft.com/office/drawing/2014/main" id="{566060D2-FA06-574D-9451-711C99DADC66}"/>
+              </a:ext>
+            </a:extLst>
+          </p:cNvPr>
+          <p:cNvSpPr>
+            <a:spLocks noGrp="1"/>
+          </p:cNvSpPr>
+          <p:nvPr>
+            <p:ph type="body" sz="quarter" idx="10"/>
+          </p:nvPr>
+        </p:nvSpPr>
+        <p:spPr/>
+        <p:txBody>
+          <a:bodyPr/>
+          <a:lstStyle/>
+          <a:p>
+            <a:r>
+              <a:rPr kumimoji="1" lang="ja-JP" altLang="en-US"/>
+              <a:t>発展課題：四次方程式の収束地図</a:t>
+            </a:r>
+          </a:p>
+        </p:txBody>
+      </p:sp>
+      <mc:AlternateContent xmlns:mc="http://schemas.openxmlformats.org/markup-compatibility/2006">
+        <mc:Choice xmlns:a14="http://schemas.microsoft.com/office/drawing/2010/main" Requires="a14">
+          <p:sp>
+            <p:nvSpPr>
+              <p:cNvPr id="3" name="テキスト ボックス 2">
+                <a:extLst>
+                  <a:ext uri="{FF2B5EF4-FFF2-40B4-BE49-F238E27FC236}">
+                    <a16:creationId xmlns:a16="http://schemas.microsoft.com/office/drawing/2014/main" id="{FA28C93C-5C5D-D440-80BE-236E7A1A85EA}"/>
+                  </a:ext>
+                </a:extLst>
+              </p:cNvPr>
+              <p:cNvSpPr txBox="1"/>
+              <p:nvPr/>
+            </p:nvSpPr>
+            <p:spPr>
+              <a:xfrm>
+                <a:off x="683568" y="1628800"/>
+                <a:ext cx="2851613" cy="553998"/>
+              </a:xfrm>
+              <a:prstGeom prst="rect">
+                <a:avLst/>
+              </a:prstGeom>
+              <a:noFill/>
+            </p:spPr>
+            <p:txBody>
+              <a:bodyPr wrap="none" lIns="0" tIns="0" rIns="0" bIns="0" rtlCol="0">
+                <a:spAutoFit/>
+              </a:bodyPr>
+              <a:lstStyle/>
+              <a:p>
+                <a:pPr/>
+                <a14:m>
+                  <m:oMathPara xmlns:m="http://schemas.openxmlformats.org/officeDocument/2006/math">
+                    <m:oMathParaPr>
+                      <m:jc m:val="centerGroup"/>
+                    </m:oMathParaPr>
+                    <m:oMath xmlns:m="http://schemas.openxmlformats.org/officeDocument/2006/math">
+                      <m:r>
+                        <a:rPr kumimoji="1" lang="en-US" altLang="ja-JP" sz="3600" b="0" i="1">
+                          <a:latin typeface="Cambria Math" panose="02040503050406030204" pitchFamily="18" charset="0"/>
+                        </a:rPr>
+                        <m:t>𝑓</m:t>
+                      </m:r>
+                      <m:d>
+                        <m:dPr>
+                          <m:ctrlPr>
+                            <a:rPr kumimoji="1" lang="en-US" altLang="ja-JP" sz="3600" b="0" i="1">
+                              <a:latin typeface="Cambria Math" panose="02040503050406030204" pitchFamily="18" charset="0"/>
+                            </a:rPr>
+                          </m:ctrlPr>
+                        </m:dPr>
+                        <m:e>
+                          <m:r>
+                            <a:rPr kumimoji="1" lang="en-US" altLang="ja-JP" sz="3600" b="0" i="1">
+                              <a:latin typeface="Cambria Math" panose="02040503050406030204" pitchFamily="18" charset="0"/>
+                            </a:rPr>
+                            <m:t>𝑥</m:t>
+                          </m:r>
+                        </m:e>
+                      </m:d>
+                      <m:sSup>
+                        <m:sSupPr>
+                          <m:ctrlPr>
+                            <a:rPr kumimoji="1" lang="en-US" altLang="ja-JP" sz="3600" b="0" i="1">
+                              <a:latin typeface="Cambria Math" panose="02040503050406030204" pitchFamily="18" charset="0"/>
+                            </a:rPr>
+                          </m:ctrlPr>
+                        </m:sSupPr>
+                        <m:e>
+                          <m:r>
+                            <a:rPr kumimoji="1" lang="en-US" altLang="ja-JP" sz="3600" b="0" i="1">
+                              <a:latin typeface="Cambria Math" panose="02040503050406030204" pitchFamily="18" charset="0"/>
+                            </a:rPr>
+                            <m:t>=</m:t>
+                          </m:r>
+                          <m:r>
+                            <a:rPr kumimoji="1" lang="en-US" altLang="ja-JP" sz="3600" b="0" i="1">
+                              <a:latin typeface="Cambria Math" panose="02040503050406030204" pitchFamily="18" charset="0"/>
+                            </a:rPr>
+                            <m:t>𝑥</m:t>
+                          </m:r>
+                        </m:e>
+                        <m:sup>
+                          <m:r>
+                            <a:rPr kumimoji="1" lang="en-US" altLang="ja-JP" sz="3600" b="0" i="1">
+                              <a:latin typeface="Cambria Math" panose="02040503050406030204" pitchFamily="18" charset="0"/>
+                            </a:rPr>
+                            <m:t>4</m:t>
+                          </m:r>
+                        </m:sup>
+                      </m:sSup>
+                      <m:r>
+                        <a:rPr kumimoji="1" lang="en-US" altLang="ja-JP" sz="3600" b="0" i="1">
+                          <a:latin typeface="Cambria Math" panose="02040503050406030204" pitchFamily="18" charset="0"/>
+                        </a:rPr>
+                        <m:t>−1</m:t>
+                      </m:r>
+                    </m:oMath>
+                  </m:oMathPara>
+                </a14:m>
+                <a:endParaRPr kumimoji="1" lang="ja-JP" altLang="en-US" sz="3600"/>
+              </a:p>
+            </p:txBody>
+          </p:sp>
+        </mc:Choice>
+        <mc:Fallback>
+          <p:sp>
+            <p:nvSpPr>
+              <p:cNvPr id="3" name="テキスト ボックス 2">
+                <a:extLst>
+                  <a:ext uri="{FF2B5EF4-FFF2-40B4-BE49-F238E27FC236}">
+                    <a16:creationId xmlns:a16="http://schemas.microsoft.com/office/drawing/2014/main" id="{FA28C93C-5C5D-D440-80BE-236E7A1A85EA}"/>
+                  </a:ext>
+                </a:extLst>
+              </p:cNvPr>
+              <p:cNvSpPr txBox="1">
+                <a:spLocks noRot="1" noChangeAspect="1" noMove="1" noResize="1" noEditPoints="1" noAdjustHandles="1" noChangeArrowheads="1" noChangeShapeType="1" noTextEdit="1"/>
+              </p:cNvSpPr>
+              <p:nvPr/>
+            </p:nvSpPr>
+            <p:spPr>
+              <a:xfrm>
+                <a:off x="683568" y="1628800"/>
+                <a:ext cx="2851613" cy="553998"/>
+              </a:xfrm>
+              <a:prstGeom prst="rect">
+                <a:avLst/>
+              </a:prstGeom>
+              <a:blipFill>
+                <a:blip r:embed="rId2"/>
+                <a:stretch>
+                  <a:fillRect l="-4444" r="-2667" b="-35556"/>
+                </a:stretch>
+              </a:blipFill>
+            </p:spPr>
+            <p:txBody>
+              <a:bodyPr/>
+              <a:lstStyle/>
+              <a:p>
+                <a:r>
+                  <a:rPr lang="ja-JP" altLang="en-US">
+                    <a:noFill/>
+                  </a:rPr>
+                  <a:t> </a:t>
+                </a:r>
+              </a:p>
+            </p:txBody>
+          </p:sp>
+        </mc:Fallback>
+      </mc:AlternateContent>
+      <p:sp>
+        <p:nvSpPr>
+          <p:cNvPr id="4" name="テキスト ボックス 3">
+            <a:extLst>
+              <a:ext uri="{FF2B5EF4-FFF2-40B4-BE49-F238E27FC236}">
+                <a16:creationId xmlns:a16="http://schemas.microsoft.com/office/drawing/2014/main" id="{4B8C1A53-153D-6244-A527-F835C00A8297}"/>
+              </a:ext>
+            </a:extLst>
+          </p:cNvPr>
+          <p:cNvSpPr txBox="1"/>
+          <p:nvPr/>
+        </p:nvSpPr>
+        <p:spPr>
+          <a:xfrm>
+            <a:off x="611560" y="980728"/>
+            <a:ext cx="5929828" cy="523220"/>
+          </a:xfrm>
+          <a:prstGeom prst="rect">
+            <a:avLst/>
+          </a:prstGeom>
+          <a:noFill/>
+        </p:spPr>
+        <p:txBody>
+          <a:bodyPr wrap="none" rtlCol="0">
+            <a:spAutoFit/>
+          </a:bodyPr>
+          <a:lstStyle/>
+          <a:p>
+            <a:r>
+              <a:rPr kumimoji="1" lang="ja-JP" altLang="en-US" sz="2800"/>
+              <a:t>以下の四次方程式の収束地図を描け</a:t>
+            </a:r>
+          </a:p>
+        </p:txBody>
+      </p:sp>
+      <p:cxnSp>
+        <p:nvCxnSpPr>
+          <p:cNvPr id="5" name="直線矢印コネクタ 4">
+            <a:extLst>
+              <a:ext uri="{FF2B5EF4-FFF2-40B4-BE49-F238E27FC236}">
+                <a16:creationId xmlns:a16="http://schemas.microsoft.com/office/drawing/2014/main" id="{C4DC0714-D126-C844-AAA1-7974D6893024}"/>
+              </a:ext>
+            </a:extLst>
+          </p:cNvPr>
+          <p:cNvCxnSpPr/>
+          <p:nvPr/>
+        </p:nvCxnSpPr>
+        <p:spPr>
+          <a:xfrm>
+            <a:off x="1691680" y="4653136"/>
+            <a:ext cx="4536504" cy="0"/>
+          </a:xfrm>
+          <a:prstGeom prst="straightConnector1">
+            <a:avLst/>
+          </a:prstGeom>
+          <a:ln w="12700">
+            <a:solidFill>
+              <a:schemeClr val="tx1"/>
+            </a:solidFill>
+            <a:tailEnd type="triangle"/>
+          </a:ln>
+        </p:spPr>
+        <p:style>
+          <a:lnRef idx="1">
+            <a:schemeClr val="accent1"/>
+          </a:lnRef>
+          <a:fillRef idx="0">
+            <a:schemeClr val="accent1"/>
+          </a:fillRef>
+          <a:effectRef idx="0">
+            <a:schemeClr val="accent1"/>
+          </a:effectRef>
+          <a:fontRef idx="minor">
+            <a:schemeClr val="tx1"/>
+          </a:fontRef>
+        </p:style>
+      </p:cxnSp>
+      <p:cxnSp>
+        <p:nvCxnSpPr>
+          <p:cNvPr id="6" name="直線矢印コネクタ 5">
+            <a:extLst>
+              <a:ext uri="{FF2B5EF4-FFF2-40B4-BE49-F238E27FC236}">
+                <a16:creationId xmlns:a16="http://schemas.microsoft.com/office/drawing/2014/main" id="{CCD8B503-4D24-8A40-B1CC-99A21D42EADA}"/>
+              </a:ext>
+            </a:extLst>
+          </p:cNvPr>
+          <p:cNvCxnSpPr/>
+          <p:nvPr/>
+        </p:nvCxnSpPr>
+        <p:spPr>
+          <a:xfrm flipV="1">
+            <a:off x="3923928" y="2636912"/>
+            <a:ext cx="0" cy="3744416"/>
+          </a:xfrm>
+          <a:prstGeom prst="straightConnector1">
+            <a:avLst/>
+          </a:prstGeom>
+          <a:ln w="12700">
+            <a:solidFill>
+              <a:schemeClr val="tx1"/>
+            </a:solidFill>
+            <a:tailEnd type="triangle"/>
+          </a:ln>
+        </p:spPr>
+        <p:style>
+          <a:lnRef idx="1">
+            <a:schemeClr val="accent1"/>
+          </a:lnRef>
+          <a:fillRef idx="0">
+            <a:schemeClr val="accent1"/>
+          </a:fillRef>
+          <a:effectRef idx="0">
+            <a:schemeClr val="accent1"/>
+          </a:effectRef>
+          <a:fontRef idx="minor">
+            <a:schemeClr val="tx1"/>
+          </a:fontRef>
+        </p:style>
+      </p:cxnSp>
+      <p:sp>
+        <p:nvSpPr>
+          <p:cNvPr id="7" name="テキスト ボックス 6">
+            <a:extLst>
+              <a:ext uri="{FF2B5EF4-FFF2-40B4-BE49-F238E27FC236}">
+                <a16:creationId xmlns:a16="http://schemas.microsoft.com/office/drawing/2014/main" id="{26E74E5A-6FE7-D94A-A730-6E3F906B319A}"/>
+              </a:ext>
+            </a:extLst>
+          </p:cNvPr>
+          <p:cNvSpPr txBox="1"/>
+          <p:nvPr/>
+        </p:nvSpPr>
+        <p:spPr>
+          <a:xfrm>
+            <a:off x="6228184" y="4509120"/>
+            <a:ext cx="421077" cy="369332"/>
+          </a:xfrm>
+          <a:prstGeom prst="rect">
+            <a:avLst/>
+          </a:prstGeom>
+          <a:noFill/>
+        </p:spPr>
+        <p:txBody>
+          <a:bodyPr wrap="none" rtlCol="0">
+            <a:spAutoFit/>
+          </a:bodyPr>
+          <a:lstStyle/>
+          <a:p>
+            <a:r>
+              <a:rPr kumimoji="1" lang="en-US" altLang="ja-JP"/>
+              <a:t>Re</a:t>
+            </a:r>
+            <a:endParaRPr kumimoji="1" lang="ja-JP" altLang="en-US"/>
+          </a:p>
+        </p:txBody>
+      </p:sp>
+      <p:sp>
+        <p:nvSpPr>
+          <p:cNvPr id="8" name="テキスト ボックス 7">
+            <a:extLst>
+              <a:ext uri="{FF2B5EF4-FFF2-40B4-BE49-F238E27FC236}">
+                <a16:creationId xmlns:a16="http://schemas.microsoft.com/office/drawing/2014/main" id="{E0AE53B5-C319-5846-A9C3-02D02910262E}"/>
+              </a:ext>
+            </a:extLst>
+          </p:cNvPr>
+          <p:cNvSpPr txBox="1"/>
+          <p:nvPr/>
+        </p:nvSpPr>
+        <p:spPr>
+          <a:xfrm>
+            <a:off x="3707904" y="2204864"/>
+            <a:ext cx="426720" cy="369332"/>
+          </a:xfrm>
+          <a:prstGeom prst="rect">
+            <a:avLst/>
+          </a:prstGeom>
+          <a:noFill/>
+        </p:spPr>
+        <p:txBody>
+          <a:bodyPr wrap="none" rtlCol="0">
+            <a:spAutoFit/>
+          </a:bodyPr>
+          <a:lstStyle/>
+          <a:p>
+            <a:r>
+              <a:rPr lang="en-US" altLang="ja-JP"/>
+              <a:t>Im</a:t>
+            </a:r>
+            <a:endParaRPr kumimoji="1" lang="ja-JP" altLang="en-US"/>
+          </a:p>
+        </p:txBody>
+      </p:sp>
+      <p:sp>
+        <p:nvSpPr>
+          <p:cNvPr id="9" name="円/楕円 8">
+            <a:extLst>
+              <a:ext uri="{FF2B5EF4-FFF2-40B4-BE49-F238E27FC236}">
+                <a16:creationId xmlns:a16="http://schemas.microsoft.com/office/drawing/2014/main" id="{7C859ED8-2B3E-7142-8387-5FCD450EEE60}"/>
+              </a:ext>
+            </a:extLst>
+          </p:cNvPr>
+          <p:cNvSpPr/>
+          <p:nvPr/>
+        </p:nvSpPr>
+        <p:spPr>
+          <a:xfrm>
+            <a:off x="5004048" y="4581128"/>
+            <a:ext cx="144016" cy="144016"/>
+          </a:xfrm>
+          <a:prstGeom prst="ellipse">
+            <a:avLst/>
+          </a:prstGeom>
+          <a:solidFill>
+            <a:srgbClr val="FF0000"/>
+          </a:solidFill>
+          <a:ln>
+            <a:solidFill>
+              <a:schemeClr val="tx1"/>
+            </a:solidFill>
+          </a:ln>
+        </p:spPr>
+        <p:style>
+          <a:lnRef idx="2">
+            <a:schemeClr val="accent1">
+              <a:shade val="50000"/>
+            </a:schemeClr>
+          </a:lnRef>
+          <a:fillRef idx="1">
+            <a:schemeClr val="accent1"/>
+          </a:fillRef>
+          <a:effectRef idx="0">
+            <a:schemeClr val="accent1"/>
+          </a:effectRef>
+          <a:fontRef idx="minor">
+            <a:schemeClr val="lt1"/>
+          </a:fontRef>
+        </p:style>
+        <p:txBody>
+          <a:bodyPr rtlCol="0" anchor="ctr"/>
+          <a:lstStyle/>
+          <a:p>
+            <a:pPr algn="ctr"/>
+            <a:endParaRPr kumimoji="1" lang="ja-JP" altLang="en-US"/>
+          </a:p>
+        </p:txBody>
+      </p:sp>
+      <p:sp>
+        <p:nvSpPr>
+          <p:cNvPr id="11" name="円/楕円 10">
+            <a:extLst>
+              <a:ext uri="{FF2B5EF4-FFF2-40B4-BE49-F238E27FC236}">
+                <a16:creationId xmlns:a16="http://schemas.microsoft.com/office/drawing/2014/main" id="{ACF13578-0974-3C40-962D-055F17A8DD34}"/>
+              </a:ext>
+            </a:extLst>
+          </p:cNvPr>
+          <p:cNvSpPr/>
+          <p:nvPr/>
+        </p:nvSpPr>
+        <p:spPr>
+          <a:xfrm>
+            <a:off x="3851920" y="3429000"/>
+            <a:ext cx="144016" cy="144016"/>
+          </a:xfrm>
+          <a:prstGeom prst="ellipse">
+            <a:avLst/>
+          </a:prstGeom>
+          <a:solidFill>
+            <a:srgbClr val="FF0000"/>
+          </a:solidFill>
+          <a:ln>
+            <a:solidFill>
+              <a:schemeClr val="tx1"/>
+            </a:solidFill>
+          </a:ln>
+        </p:spPr>
+        <p:style>
+          <a:lnRef idx="2">
+            <a:schemeClr val="accent1">
+              <a:shade val="50000"/>
+            </a:schemeClr>
+          </a:lnRef>
+          <a:fillRef idx="1">
+            <a:schemeClr val="accent1"/>
+          </a:fillRef>
+          <a:effectRef idx="0">
+            <a:schemeClr val="accent1"/>
+          </a:effectRef>
+          <a:fontRef idx="minor">
+            <a:schemeClr val="lt1"/>
+          </a:fontRef>
+        </p:style>
+        <p:txBody>
+          <a:bodyPr rtlCol="0" anchor="ctr"/>
+          <a:lstStyle/>
+          <a:p>
+            <a:pPr algn="ctr"/>
+            <a:endParaRPr kumimoji="1" lang="ja-JP" altLang="en-US"/>
+          </a:p>
+        </p:txBody>
+      </p:sp>
+      <p:sp>
+        <p:nvSpPr>
+          <p:cNvPr id="12" name="円/楕円 11">
+            <a:extLst>
+              <a:ext uri="{FF2B5EF4-FFF2-40B4-BE49-F238E27FC236}">
+                <a16:creationId xmlns:a16="http://schemas.microsoft.com/office/drawing/2014/main" id="{66E37FB6-1FAB-1F4F-A083-6EE018ABFF4F}"/>
+              </a:ext>
+            </a:extLst>
+          </p:cNvPr>
+          <p:cNvSpPr/>
+          <p:nvPr/>
+        </p:nvSpPr>
+        <p:spPr>
+          <a:xfrm>
+            <a:off x="2699792" y="4581128"/>
+            <a:ext cx="144016" cy="144016"/>
+          </a:xfrm>
+          <a:prstGeom prst="ellipse">
+            <a:avLst/>
+          </a:prstGeom>
+          <a:solidFill>
+            <a:srgbClr val="FF0000"/>
+          </a:solidFill>
+          <a:ln>
+            <a:solidFill>
+              <a:schemeClr val="tx1"/>
+            </a:solidFill>
+          </a:ln>
+        </p:spPr>
+        <p:style>
+          <a:lnRef idx="2">
+            <a:schemeClr val="accent1">
+              <a:shade val="50000"/>
+            </a:schemeClr>
+          </a:lnRef>
+          <a:fillRef idx="1">
+            <a:schemeClr val="accent1"/>
+          </a:fillRef>
+          <a:effectRef idx="0">
+            <a:schemeClr val="accent1"/>
+          </a:effectRef>
+          <a:fontRef idx="minor">
+            <a:schemeClr val="lt1"/>
+          </a:fontRef>
+        </p:style>
+        <p:txBody>
+          <a:bodyPr rtlCol="0" anchor="ctr"/>
+          <a:lstStyle/>
+          <a:p>
+            <a:pPr algn="ctr"/>
+            <a:endParaRPr kumimoji="1" lang="ja-JP" altLang="en-US"/>
+          </a:p>
+        </p:txBody>
+      </p:sp>
+      <p:sp>
+        <p:nvSpPr>
+          <p:cNvPr id="13" name="円/楕円 12">
+            <a:extLst>
+              <a:ext uri="{FF2B5EF4-FFF2-40B4-BE49-F238E27FC236}">
+                <a16:creationId xmlns:a16="http://schemas.microsoft.com/office/drawing/2014/main" id="{76C4F8DF-347B-234B-9E2A-1D1386C9FE7E}"/>
+              </a:ext>
+            </a:extLst>
+          </p:cNvPr>
+          <p:cNvSpPr/>
+          <p:nvPr/>
+        </p:nvSpPr>
+        <p:spPr>
+          <a:xfrm>
+            <a:off x="3851920" y="5733256"/>
+            <a:ext cx="144016" cy="144016"/>
+          </a:xfrm>
+          <a:prstGeom prst="ellipse">
+            <a:avLst/>
+          </a:prstGeom>
+          <a:solidFill>
+            <a:srgbClr val="FF0000"/>
+          </a:solidFill>
+          <a:ln>
+            <a:solidFill>
+              <a:schemeClr val="tx1"/>
+            </a:solidFill>
+          </a:ln>
+        </p:spPr>
+        <p:style>
+          <a:lnRef idx="2">
+            <a:schemeClr val="accent1">
+              <a:shade val="50000"/>
+            </a:schemeClr>
+          </a:lnRef>
+          <a:fillRef idx="1">
+            <a:schemeClr val="accent1"/>
+          </a:fillRef>
+          <a:effectRef idx="0">
+            <a:schemeClr val="accent1"/>
+          </a:effectRef>
+          <a:fontRef idx="minor">
+            <a:schemeClr val="lt1"/>
+          </a:fontRef>
+        </p:style>
+        <p:txBody>
+          <a:bodyPr rtlCol="0" anchor="ctr"/>
+          <a:lstStyle/>
+          <a:p>
+            <a:pPr algn="ctr"/>
+            <a:endParaRPr kumimoji="1" lang="ja-JP" altLang="en-US"/>
+          </a:p>
+        </p:txBody>
+      </p:sp>
+      <p:cxnSp>
+        <p:nvCxnSpPr>
+          <p:cNvPr id="15" name="直線コネクタ 14">
+            <a:extLst>
+              <a:ext uri="{FF2B5EF4-FFF2-40B4-BE49-F238E27FC236}">
+                <a16:creationId xmlns:a16="http://schemas.microsoft.com/office/drawing/2014/main" id="{448748C4-16D1-F54B-999E-C4079FC3E423}"/>
+              </a:ext>
+            </a:extLst>
+          </p:cNvPr>
+          <p:cNvCxnSpPr>
+            <a:cxnSpLocks/>
+          </p:cNvCxnSpPr>
+          <p:nvPr/>
+        </p:nvCxnSpPr>
+        <p:spPr>
+          <a:xfrm flipH="1">
+            <a:off x="2123728" y="2852936"/>
+            <a:ext cx="3600400" cy="3600400"/>
+          </a:xfrm>
+          <a:prstGeom prst="line">
+            <a:avLst/>
+          </a:prstGeom>
+          <a:ln>
+            <a:solidFill>
+              <a:schemeClr val="tx1"/>
+            </a:solidFill>
+            <a:headEnd type="none" w="med" len="med"/>
+            <a:tailEnd type="none" w="med" len="med"/>
+          </a:ln>
+        </p:spPr>
+        <p:style>
+          <a:lnRef idx="1">
+            <a:schemeClr val="accent1"/>
+          </a:lnRef>
+          <a:fillRef idx="0">
+            <a:schemeClr val="accent1"/>
+          </a:fillRef>
+          <a:effectRef idx="0">
+            <a:schemeClr val="accent1"/>
+          </a:effectRef>
+          <a:fontRef idx="minor">
+            <a:schemeClr val="tx1"/>
+          </a:fontRef>
+        </p:style>
+      </p:cxnSp>
+      <p:cxnSp>
+        <p:nvCxnSpPr>
+          <p:cNvPr id="20" name="直線コネクタ 19">
+            <a:extLst>
+              <a:ext uri="{FF2B5EF4-FFF2-40B4-BE49-F238E27FC236}">
+                <a16:creationId xmlns:a16="http://schemas.microsoft.com/office/drawing/2014/main" id="{34C78001-EE93-2F42-95F2-1A3F72BB5B55}"/>
+              </a:ext>
+            </a:extLst>
+          </p:cNvPr>
+          <p:cNvCxnSpPr/>
+          <p:nvPr/>
+        </p:nvCxnSpPr>
+        <p:spPr>
+          <a:xfrm>
+            <a:off x="2123728" y="2852936"/>
+            <a:ext cx="3600400" cy="3600400"/>
+          </a:xfrm>
+          <a:prstGeom prst="line">
+            <a:avLst/>
+          </a:prstGeom>
+          <a:ln>
+            <a:solidFill>
+              <a:schemeClr val="tx1"/>
+            </a:solidFill>
+            <a:headEnd type="none" w="med" len="med"/>
+            <a:tailEnd type="none" w="med" len="med"/>
+          </a:ln>
+        </p:spPr>
+        <p:style>
+          <a:lnRef idx="1">
+            <a:schemeClr val="accent1"/>
+          </a:lnRef>
+          <a:fillRef idx="0">
+            <a:schemeClr val="accent1"/>
+          </a:fillRef>
+          <a:effectRef idx="0">
+            <a:schemeClr val="accent1"/>
+          </a:effectRef>
+          <a:fontRef idx="minor">
+            <a:schemeClr val="tx1"/>
+          </a:fontRef>
+        </p:style>
+      </p:cxnSp>
+      <mc:AlternateContent xmlns:mc="http://schemas.openxmlformats.org/markup-compatibility/2006">
+        <mc:Choice xmlns:a14="http://schemas.microsoft.com/office/drawing/2010/main" Requires="a14">
+          <p:sp>
+            <p:nvSpPr>
+              <p:cNvPr id="21" name="テキスト ボックス 20">
+                <a:extLst>
+                  <a:ext uri="{FF2B5EF4-FFF2-40B4-BE49-F238E27FC236}">
+                    <a16:creationId xmlns:a16="http://schemas.microsoft.com/office/drawing/2014/main" id="{F0FD034D-BD87-B649-8FA1-404BEB3E4E7F}"/>
+                  </a:ext>
+                </a:extLst>
+              </p:cNvPr>
+              <p:cNvSpPr txBox="1"/>
+              <p:nvPr/>
+            </p:nvSpPr>
+            <p:spPr>
+              <a:xfrm>
+                <a:off x="4139952" y="2780928"/>
+                <a:ext cx="976421" cy="430887"/>
+              </a:xfrm>
+              <a:prstGeom prst="rect">
+                <a:avLst/>
+              </a:prstGeom>
+              <a:noFill/>
+            </p:spPr>
+            <p:txBody>
+              <a:bodyPr wrap="none" lIns="0" tIns="0" rIns="0" bIns="0" rtlCol="0">
+                <a:spAutoFit/>
+              </a:bodyPr>
+              <a:lstStyle/>
+              <a:p>
+                <a:pPr/>
+                <a14:m>
+                  <m:oMathPara xmlns:m="http://schemas.openxmlformats.org/officeDocument/2006/math">
+                    <m:oMathParaPr>
+                      <m:jc m:val="centerGroup"/>
+                    </m:oMathParaPr>
+                    <m:oMath xmlns:m="http://schemas.openxmlformats.org/officeDocument/2006/math">
+                      <m:r>
+                        <a:rPr kumimoji="1" lang="en-US" altLang="ja-JP" sz="2800" b="0" i="1">
+                          <a:latin typeface="Cambria Math" panose="02040503050406030204" pitchFamily="18" charset="0"/>
+                        </a:rPr>
+                        <m:t>𝑦</m:t>
+                      </m:r>
+                      <m:r>
+                        <a:rPr kumimoji="1" lang="en-US" altLang="ja-JP" sz="2800" b="0" i="1">
+                          <a:latin typeface="Cambria Math" panose="02040503050406030204" pitchFamily="18" charset="0"/>
+                        </a:rPr>
+                        <m:t>&gt;</m:t>
+                      </m:r>
+                      <m:r>
+                        <a:rPr kumimoji="1" lang="en-US" altLang="ja-JP" sz="2800" b="0" i="1">
+                          <a:latin typeface="Cambria Math" panose="02040503050406030204" pitchFamily="18" charset="0"/>
+                        </a:rPr>
+                        <m:t>𝑥</m:t>
+                      </m:r>
+                    </m:oMath>
+                  </m:oMathPara>
+                </a14:m>
+                <a:endParaRPr kumimoji="1" lang="ja-JP" altLang="en-US" sz="2800"/>
+              </a:p>
+            </p:txBody>
+          </p:sp>
+        </mc:Choice>
+        <mc:Fallback>
+          <p:sp>
+            <p:nvSpPr>
+              <p:cNvPr id="21" name="テキスト ボックス 20">
+                <a:extLst>
+                  <a:ext uri="{FF2B5EF4-FFF2-40B4-BE49-F238E27FC236}">
+                    <a16:creationId xmlns:a16="http://schemas.microsoft.com/office/drawing/2014/main" id="{F0FD034D-BD87-B649-8FA1-404BEB3E4E7F}"/>
+                  </a:ext>
+                </a:extLst>
+              </p:cNvPr>
+              <p:cNvSpPr txBox="1">
+                <a:spLocks noRot="1" noChangeAspect="1" noMove="1" noResize="1" noEditPoints="1" noAdjustHandles="1" noChangeArrowheads="1" noChangeShapeType="1" noTextEdit="1"/>
+              </p:cNvSpPr>
+              <p:nvPr/>
+            </p:nvSpPr>
+            <p:spPr>
+              <a:xfrm>
+                <a:off x="4139952" y="2780928"/>
+                <a:ext cx="976421" cy="430887"/>
+              </a:xfrm>
+              <a:prstGeom prst="rect">
+                <a:avLst/>
+              </a:prstGeom>
+              <a:blipFill>
+                <a:blip r:embed="rId3"/>
+                <a:stretch>
+                  <a:fillRect l="-6410" r="-1282" b="-22857"/>
+                </a:stretch>
+              </a:blipFill>
+            </p:spPr>
+            <p:txBody>
+              <a:bodyPr/>
+              <a:lstStyle/>
+              <a:p>
+                <a:r>
+                  <a:rPr lang="ja-JP" altLang="en-US">
+                    <a:noFill/>
+                  </a:rPr>
+                  <a:t> </a:t>
+                </a:r>
+              </a:p>
+            </p:txBody>
+          </p:sp>
+        </mc:Fallback>
+      </mc:AlternateContent>
+      <mc:AlternateContent xmlns:mc="http://schemas.openxmlformats.org/markup-compatibility/2006">
+        <mc:Choice xmlns:a14="http://schemas.microsoft.com/office/drawing/2010/main" Requires="a14">
+          <p:sp>
+            <p:nvSpPr>
+              <p:cNvPr id="22" name="テキスト ボックス 21">
+                <a:extLst>
+                  <a:ext uri="{FF2B5EF4-FFF2-40B4-BE49-F238E27FC236}">
+                    <a16:creationId xmlns:a16="http://schemas.microsoft.com/office/drawing/2014/main" id="{F0F617A4-1E73-A84A-8A9E-2E8DD83BC89B}"/>
+                  </a:ext>
+                </a:extLst>
+              </p:cNvPr>
+              <p:cNvSpPr txBox="1"/>
+              <p:nvPr/>
+            </p:nvSpPr>
+            <p:spPr>
+              <a:xfrm>
+                <a:off x="5796136" y="6093296"/>
+                <a:ext cx="1599220" cy="553998"/>
+              </a:xfrm>
+              <a:prstGeom prst="rect">
+                <a:avLst/>
+              </a:prstGeom>
+              <a:noFill/>
+            </p:spPr>
+            <p:txBody>
+              <a:bodyPr wrap="none" lIns="0" tIns="0" rIns="0" bIns="0" rtlCol="0">
+                <a:spAutoFit/>
+              </a:bodyPr>
+              <a:lstStyle/>
+              <a:p>
+                <a:pPr/>
+                <a14:m>
+                  <m:oMathPara xmlns:m="http://schemas.openxmlformats.org/officeDocument/2006/math">
+                    <m:oMathParaPr>
+                      <m:jc m:val="centerGroup"/>
+                    </m:oMathParaPr>
+                    <m:oMath xmlns:m="http://schemas.openxmlformats.org/officeDocument/2006/math">
+                      <m:r>
+                        <a:rPr kumimoji="1" lang="en-US" altLang="ja-JP" sz="3600" b="0" i="1">
+                          <a:latin typeface="Cambria Math" panose="02040503050406030204" pitchFamily="18" charset="0"/>
+                        </a:rPr>
+                        <m:t>𝑦</m:t>
+                      </m:r>
+                      <m:r>
+                        <a:rPr kumimoji="1" lang="en-US" altLang="ja-JP" sz="3600" b="0" i="1">
+                          <a:latin typeface="Cambria Math" panose="02040503050406030204" pitchFamily="18" charset="0"/>
+                        </a:rPr>
+                        <m:t>=−</m:t>
+                      </m:r>
+                      <m:r>
+                        <a:rPr kumimoji="1" lang="en-US" altLang="ja-JP" sz="3600" b="0" i="1">
+                          <a:latin typeface="Cambria Math" panose="02040503050406030204" pitchFamily="18" charset="0"/>
+                        </a:rPr>
+                        <m:t>𝑥</m:t>
+                      </m:r>
+                    </m:oMath>
+                  </m:oMathPara>
+                </a14:m>
+                <a:endParaRPr kumimoji="1" lang="ja-JP" altLang="en-US" sz="3600"/>
+              </a:p>
+            </p:txBody>
+          </p:sp>
+        </mc:Choice>
+        <mc:Fallback>
+          <p:sp>
+            <p:nvSpPr>
+              <p:cNvPr id="22" name="テキスト ボックス 21">
+                <a:extLst>
+                  <a:ext uri="{FF2B5EF4-FFF2-40B4-BE49-F238E27FC236}">
+                    <a16:creationId xmlns:a16="http://schemas.microsoft.com/office/drawing/2014/main" id="{F0F617A4-1E73-A84A-8A9E-2E8DD83BC89B}"/>
+                  </a:ext>
+                </a:extLst>
+              </p:cNvPr>
+              <p:cNvSpPr txBox="1">
+                <a:spLocks noRot="1" noChangeAspect="1" noMove="1" noResize="1" noEditPoints="1" noAdjustHandles="1" noChangeArrowheads="1" noChangeShapeType="1" noTextEdit="1"/>
+              </p:cNvSpPr>
+              <p:nvPr/>
+            </p:nvSpPr>
+            <p:spPr>
+              <a:xfrm>
+                <a:off x="5796136" y="6093296"/>
+                <a:ext cx="1599220" cy="553998"/>
+              </a:xfrm>
+              <a:prstGeom prst="rect">
+                <a:avLst/>
+              </a:prstGeom>
+              <a:blipFill>
+                <a:blip r:embed="rId4"/>
+                <a:stretch>
+                  <a:fillRect l="-5556" r="-1587" b="-27907"/>
+                </a:stretch>
+              </a:blipFill>
+            </p:spPr>
+            <p:txBody>
+              <a:bodyPr/>
+              <a:lstStyle/>
+              <a:p>
+                <a:r>
+                  <a:rPr lang="ja-JP" altLang="en-US">
+                    <a:noFill/>
+                  </a:rPr>
+                  <a:t> </a:t>
+                </a:r>
+              </a:p>
+            </p:txBody>
+          </p:sp>
+        </mc:Fallback>
+      </mc:AlternateContent>
+      <p:cxnSp>
+        <p:nvCxnSpPr>
+          <p:cNvPr id="24" name="直線矢印コネクタ 23">
+            <a:extLst>
+              <a:ext uri="{FF2B5EF4-FFF2-40B4-BE49-F238E27FC236}">
+                <a16:creationId xmlns:a16="http://schemas.microsoft.com/office/drawing/2014/main" id="{F2FC24E0-BE5E-F84C-A124-343148ED03B4}"/>
+              </a:ext>
+            </a:extLst>
+          </p:cNvPr>
+          <p:cNvCxnSpPr>
+            <a:cxnSpLocks/>
+          </p:cNvCxnSpPr>
+          <p:nvPr/>
+        </p:nvCxnSpPr>
+        <p:spPr>
+          <a:xfrm flipH="1" flipV="1">
+            <a:off x="4716016" y="3429000"/>
+            <a:ext cx="216024" cy="216024"/>
+          </a:xfrm>
+          <a:prstGeom prst="straightConnector1">
+            <a:avLst/>
+          </a:prstGeom>
+          <a:ln>
+            <a:solidFill>
+              <a:schemeClr val="tx1"/>
+            </a:solidFill>
+            <a:headEnd type="none" w="med" len="med"/>
+            <a:tailEnd type="triangle"/>
+          </a:ln>
+        </p:spPr>
+        <p:style>
+          <a:lnRef idx="1">
+            <a:schemeClr val="accent1"/>
+          </a:lnRef>
+          <a:fillRef idx="0">
+            <a:schemeClr val="accent1"/>
+          </a:fillRef>
+          <a:effectRef idx="0">
+            <a:schemeClr val="accent1"/>
+          </a:effectRef>
+          <a:fontRef idx="minor">
+            <a:schemeClr val="tx1"/>
+          </a:fontRef>
+        </p:style>
+      </p:cxnSp>
+      <mc:AlternateContent xmlns:mc="http://schemas.openxmlformats.org/markup-compatibility/2006">
+        <mc:Choice xmlns:a14="http://schemas.microsoft.com/office/drawing/2010/main" Requires="a14">
+          <p:sp>
+            <p:nvSpPr>
+              <p:cNvPr id="26" name="テキスト ボックス 25">
+                <a:extLst>
+                  <a:ext uri="{FF2B5EF4-FFF2-40B4-BE49-F238E27FC236}">
+                    <a16:creationId xmlns:a16="http://schemas.microsoft.com/office/drawing/2014/main" id="{CEE11617-3908-DB49-AAEA-24250E5ED6BF}"/>
+                  </a:ext>
+                </a:extLst>
+              </p:cNvPr>
+              <p:cNvSpPr txBox="1"/>
+              <p:nvPr/>
+            </p:nvSpPr>
+            <p:spPr>
+              <a:xfrm>
+                <a:off x="5076056" y="3861048"/>
+                <a:ext cx="976421" cy="430887"/>
+              </a:xfrm>
+              <a:prstGeom prst="rect">
+                <a:avLst/>
+              </a:prstGeom>
+              <a:noFill/>
+            </p:spPr>
+            <p:txBody>
+              <a:bodyPr wrap="none" lIns="0" tIns="0" rIns="0" bIns="0" rtlCol="0">
+                <a:spAutoFit/>
+              </a:bodyPr>
+              <a:lstStyle/>
+              <a:p>
+                <a:pPr/>
+                <a14:m>
+                  <m:oMathPara xmlns:m="http://schemas.openxmlformats.org/officeDocument/2006/math">
+                    <m:oMathParaPr>
+                      <m:jc m:val="centerGroup"/>
+                    </m:oMathParaPr>
+                    <m:oMath xmlns:m="http://schemas.openxmlformats.org/officeDocument/2006/math">
+                      <m:r>
+                        <a:rPr kumimoji="1" lang="en-US" altLang="ja-JP" sz="2800" b="0" i="1">
+                          <a:latin typeface="Cambria Math" panose="02040503050406030204" pitchFamily="18" charset="0"/>
+                        </a:rPr>
+                        <m:t>𝑦</m:t>
+                      </m:r>
+                      <m:r>
+                        <a:rPr kumimoji="1" lang="en-US" altLang="ja-JP" sz="2800" b="0" i="1">
+                          <a:latin typeface="Cambria Math" panose="02040503050406030204" pitchFamily="18" charset="0"/>
+                        </a:rPr>
+                        <m:t>&lt;</m:t>
+                      </m:r>
+                      <m:r>
+                        <a:rPr kumimoji="1" lang="en-US" altLang="ja-JP" sz="2800" b="0" i="1">
+                          <a:latin typeface="Cambria Math" panose="02040503050406030204" pitchFamily="18" charset="0"/>
+                        </a:rPr>
+                        <m:t>𝑥</m:t>
+                      </m:r>
+                    </m:oMath>
+                  </m:oMathPara>
+                </a14:m>
+                <a:endParaRPr kumimoji="1" lang="ja-JP" altLang="en-US" sz="2800"/>
+              </a:p>
+            </p:txBody>
+          </p:sp>
+        </mc:Choice>
+        <mc:Fallback>
+          <p:sp>
+            <p:nvSpPr>
+              <p:cNvPr id="26" name="テキスト ボックス 25">
+                <a:extLst>
+                  <a:ext uri="{FF2B5EF4-FFF2-40B4-BE49-F238E27FC236}">
+                    <a16:creationId xmlns:a16="http://schemas.microsoft.com/office/drawing/2014/main" id="{CEE11617-3908-DB49-AAEA-24250E5ED6BF}"/>
+                  </a:ext>
+                </a:extLst>
+              </p:cNvPr>
+              <p:cNvSpPr txBox="1">
+                <a:spLocks noRot="1" noChangeAspect="1" noMove="1" noResize="1" noEditPoints="1" noAdjustHandles="1" noChangeArrowheads="1" noChangeShapeType="1" noTextEdit="1"/>
+              </p:cNvSpPr>
+              <p:nvPr/>
+            </p:nvSpPr>
+            <p:spPr>
+              <a:xfrm>
+                <a:off x="5076056" y="3861048"/>
+                <a:ext cx="976421" cy="430887"/>
+              </a:xfrm>
+              <a:prstGeom prst="rect">
+                <a:avLst/>
+              </a:prstGeom>
+              <a:blipFill>
+                <a:blip r:embed="rId5"/>
+                <a:stretch>
+                  <a:fillRect l="-6410" r="-1282" b="-22857"/>
+                </a:stretch>
+              </a:blipFill>
+            </p:spPr>
+            <p:txBody>
+              <a:bodyPr/>
+              <a:lstStyle/>
+              <a:p>
+                <a:r>
+                  <a:rPr lang="ja-JP" altLang="en-US">
+                    <a:noFill/>
+                  </a:rPr>
+                  <a:t> </a:t>
+                </a:r>
+              </a:p>
+            </p:txBody>
+          </p:sp>
+        </mc:Fallback>
+      </mc:AlternateContent>
+      <p:cxnSp>
+        <p:nvCxnSpPr>
+          <p:cNvPr id="28" name="直線矢印コネクタ 27">
+            <a:extLst>
+              <a:ext uri="{FF2B5EF4-FFF2-40B4-BE49-F238E27FC236}">
+                <a16:creationId xmlns:a16="http://schemas.microsoft.com/office/drawing/2014/main" id="{AD481704-C0C9-DB45-8AC0-A702DB366BFF}"/>
+              </a:ext>
+            </a:extLst>
+          </p:cNvPr>
+          <p:cNvCxnSpPr/>
+          <p:nvPr/>
+        </p:nvCxnSpPr>
+        <p:spPr>
+          <a:xfrm>
+            <a:off x="4932040" y="3645024"/>
+            <a:ext cx="216024" cy="216024"/>
+          </a:xfrm>
+          <a:prstGeom prst="straightConnector1">
+            <a:avLst/>
+          </a:prstGeom>
+          <a:ln>
+            <a:solidFill>
+              <a:schemeClr val="tx1"/>
+            </a:solidFill>
+            <a:headEnd type="none" w="med" len="med"/>
+            <a:tailEnd type="triangle"/>
+          </a:ln>
+        </p:spPr>
+        <p:style>
+          <a:lnRef idx="1">
+            <a:schemeClr val="accent1"/>
+          </a:lnRef>
+          <a:fillRef idx="0">
+            <a:schemeClr val="accent1"/>
+          </a:fillRef>
+          <a:effectRef idx="0">
+            <a:schemeClr val="accent1"/>
+          </a:effectRef>
+          <a:fontRef idx="minor">
+            <a:schemeClr val="tx1"/>
+          </a:fontRef>
+        </p:style>
+      </p:cxnSp>
+      <mc:AlternateContent xmlns:mc="http://schemas.openxmlformats.org/markup-compatibility/2006">
+        <mc:Choice xmlns:a14="http://schemas.microsoft.com/office/drawing/2010/main" Requires="a14">
+          <p:sp>
+            <p:nvSpPr>
+              <p:cNvPr id="29" name="テキスト ボックス 28">
+                <a:extLst>
+                  <a:ext uri="{FF2B5EF4-FFF2-40B4-BE49-F238E27FC236}">
+                    <a16:creationId xmlns:a16="http://schemas.microsoft.com/office/drawing/2014/main" id="{A830A899-4C7C-7943-ACF1-F6A4D154DE7C}"/>
+                  </a:ext>
+                </a:extLst>
+              </p:cNvPr>
+              <p:cNvSpPr txBox="1"/>
+              <p:nvPr/>
+            </p:nvSpPr>
+            <p:spPr>
+              <a:xfrm>
+                <a:off x="5796136" y="2420888"/>
+                <a:ext cx="1254574" cy="553998"/>
+              </a:xfrm>
+              <a:prstGeom prst="rect">
+                <a:avLst/>
+              </a:prstGeom>
+              <a:noFill/>
+            </p:spPr>
+            <p:txBody>
+              <a:bodyPr wrap="none" lIns="0" tIns="0" rIns="0" bIns="0" rtlCol="0">
+                <a:spAutoFit/>
+              </a:bodyPr>
+              <a:lstStyle/>
+              <a:p>
+                <a:pPr/>
+                <a14:m>
+                  <m:oMathPara xmlns:m="http://schemas.openxmlformats.org/officeDocument/2006/math">
+                    <m:oMathParaPr>
+                      <m:jc m:val="centerGroup"/>
+                    </m:oMathParaPr>
+                    <m:oMath xmlns:m="http://schemas.openxmlformats.org/officeDocument/2006/math">
+                      <m:r>
+                        <a:rPr kumimoji="1" lang="en-US" altLang="ja-JP" sz="3600" b="0" i="1">
+                          <a:latin typeface="Cambria Math" panose="02040503050406030204" pitchFamily="18" charset="0"/>
+                        </a:rPr>
+                        <m:t>𝑦</m:t>
+                      </m:r>
+                      <m:r>
+                        <a:rPr kumimoji="1" lang="en-US" altLang="ja-JP" sz="3600" b="0" i="1">
+                          <a:latin typeface="Cambria Math" panose="02040503050406030204" pitchFamily="18" charset="0"/>
+                        </a:rPr>
+                        <m:t>=</m:t>
+                      </m:r>
+                      <m:r>
+                        <a:rPr kumimoji="1" lang="en-US" altLang="ja-JP" sz="3600" b="0" i="1">
+                          <a:latin typeface="Cambria Math" panose="02040503050406030204" pitchFamily="18" charset="0"/>
+                        </a:rPr>
+                        <m:t>𝑥</m:t>
+                      </m:r>
+                    </m:oMath>
+                  </m:oMathPara>
+                </a14:m>
+                <a:endParaRPr kumimoji="1" lang="ja-JP" altLang="en-US" sz="3600"/>
+              </a:p>
+            </p:txBody>
+          </p:sp>
+        </mc:Choice>
+        <mc:Fallback>
+          <p:sp>
+            <p:nvSpPr>
+              <p:cNvPr id="29" name="テキスト ボックス 28">
+                <a:extLst>
+                  <a:ext uri="{FF2B5EF4-FFF2-40B4-BE49-F238E27FC236}">
+                    <a16:creationId xmlns:a16="http://schemas.microsoft.com/office/drawing/2014/main" id="{A830A899-4C7C-7943-ACF1-F6A4D154DE7C}"/>
+                  </a:ext>
+                </a:extLst>
+              </p:cNvPr>
+              <p:cNvSpPr txBox="1">
+                <a:spLocks noRot="1" noChangeAspect="1" noMove="1" noResize="1" noEditPoints="1" noAdjustHandles="1" noChangeArrowheads="1" noChangeShapeType="1" noTextEdit="1"/>
+              </p:cNvSpPr>
+              <p:nvPr/>
+            </p:nvSpPr>
+            <p:spPr>
+              <a:xfrm>
+                <a:off x="5796136" y="2420888"/>
+                <a:ext cx="1254574" cy="553998"/>
+              </a:xfrm>
+              <a:prstGeom prst="rect">
+                <a:avLst/>
+              </a:prstGeom>
+              <a:blipFill>
+                <a:blip r:embed="rId6"/>
+                <a:stretch>
+                  <a:fillRect l="-7071" r="-2020" b="-27273"/>
+                </a:stretch>
+              </a:blipFill>
+            </p:spPr>
+            <p:txBody>
+              <a:bodyPr/>
+              <a:lstStyle/>
+              <a:p>
+                <a:r>
+                  <a:rPr lang="ja-JP" altLang="en-US">
+                    <a:noFill/>
+                  </a:rPr>
+                  <a:t> </a:t>
+                </a:r>
+              </a:p>
+            </p:txBody>
+          </p:sp>
+        </mc:Fallback>
+      </mc:AlternateContent>
+    </p:spTree>
+    <p:extLst>
+      <p:ext uri="{BB962C8B-B14F-4D97-AF65-F5344CB8AC3E}">
+        <p14:creationId xmlns:p14="http://schemas.microsoft.com/office/powerpoint/2010/main" val="1102195338"/>
       </p:ext>
     </p:extLst>
   </p:cSld>

--- a/basic/fig/slide.pptx
+++ b/basic/fig/slide.pptx
@@ -233,7 +233,7 @@
           </a:lstStyle>
           <a:p>
             <a:fld id="{6B8D1B20-A248-FB47-8240-73C0C5F47C9D}" type="datetimeFigureOut">
-              <a:t>2019/9/25</a:t>
+              <a:t>2019/9/27</a:t>
             </a:fld>
             <a:endParaRPr kumimoji="1" lang="ja-JP" altLang="en-US"/>
           </a:p>
@@ -11460,7 +11460,11 @@
           <a:lstStyle/>
           <a:p>
             <a:r>
-              <a:rPr kumimoji="1" lang="ja-JP" altLang="en-US" sz="2800"/>
+              <a:rPr kumimoji="1" lang="ja-JP" altLang="en-US" sz="2800" dirty="0">
+                <a:solidFill>
+                  <a:srgbClr val="FF0000"/>
+                </a:solidFill>
+              </a:rPr>
               <a:t>変数と型について</a:t>
             </a:r>
           </a:p>
@@ -13239,46 +13243,46 @@
           <a:lstStyle/>
           <a:p>
             <a:r>
-              <a:rPr kumimoji="1" lang="ja-JP" altLang="en-US" sz="3200"/>
+              <a:rPr kumimoji="1" lang="ja-JP" altLang="en-US" sz="3200" dirty="0"/>
               <a:t>・変数はメモリのどこかにつけられたラベル</a:t>
             </a:r>
-            <a:endParaRPr kumimoji="1" lang="en-US" altLang="ja-JP" sz="3200"/>
-          </a:p>
-          <a:p>
-            <a:r>
-              <a:rPr lang="ja-JP" altLang="en-US" sz="3200"/>
+            <a:endParaRPr kumimoji="1" lang="en-US" altLang="ja-JP" sz="3200" dirty="0"/>
+          </a:p>
+          <a:p>
+            <a:r>
+              <a:rPr lang="ja-JP" altLang="en-US" sz="3200" dirty="0"/>
               <a:t>・メモリ上の数値は「型」により解釈される</a:t>
             </a:r>
-            <a:endParaRPr lang="en-US" altLang="ja-JP" sz="3200"/>
-          </a:p>
-          <a:p>
-            <a:r>
-              <a:rPr lang="ja-JP" altLang="en-US" sz="3200"/>
+            <a:endParaRPr lang="en-US" altLang="ja-JP" sz="3200" dirty="0"/>
+          </a:p>
+          <a:p>
+            <a:r>
+              <a:rPr lang="ja-JP" altLang="en-US" sz="3200" dirty="0"/>
               <a:t>・繰り返しや条件分岐はブロックを伴う</a:t>
             </a:r>
-            <a:endParaRPr lang="en-US" altLang="ja-JP" sz="3200"/>
-          </a:p>
-          <a:p>
-            <a:r>
-              <a:rPr kumimoji="1" lang="ja-JP" altLang="en-US" sz="3200"/>
+            <a:endParaRPr lang="en-US" altLang="ja-JP" sz="3200" dirty="0"/>
+          </a:p>
+          <a:p>
+            <a:r>
+              <a:rPr kumimoji="1" lang="ja-JP" altLang="en-US" sz="3200" dirty="0" smtClean="0"/>
               <a:t>・</a:t>
             </a:r>
             <a:r>
-              <a:rPr kumimoji="1" lang="en-US" altLang="ja-JP" sz="3200"/>
-              <a:t> Python</a:t>
-            </a:r>
-            <a:r>
-              <a:rPr kumimoji="1" lang="ja-JP" altLang="en-US" sz="3200"/>
+              <a:rPr kumimoji="1" lang="en-US" altLang="ja-JP" sz="3200" dirty="0" smtClean="0"/>
+              <a:t>Python</a:t>
+            </a:r>
+            <a:r>
+              <a:rPr kumimoji="1" lang="ja-JP" altLang="en-US" sz="3200" dirty="0"/>
               <a:t>のブロックはコロンで始まる</a:t>
             </a:r>
-            <a:endParaRPr kumimoji="1" lang="en-US" altLang="ja-JP" sz="3200"/>
-          </a:p>
-          <a:p>
-            <a:r>
-              <a:rPr lang="ja-JP" altLang="en-US" sz="3200"/>
+            <a:endParaRPr kumimoji="1" lang="en-US" altLang="ja-JP" sz="3200" dirty="0"/>
+          </a:p>
+          <a:p>
+            <a:r>
+              <a:rPr lang="ja-JP" altLang="en-US" sz="3200" dirty="0"/>
               <a:t>・ブロックは同じインデントを持つ行の集まり</a:t>
             </a:r>
-            <a:endParaRPr lang="en-US" altLang="ja-JP" sz="3200"/>
+            <a:endParaRPr lang="en-US" altLang="ja-JP" sz="3200" dirty="0"/>
           </a:p>
         </p:txBody>
       </p:sp>
@@ -15622,8 +15626,8 @@
           </a:p>
         </p:txBody>
       </p:sp>
-      <mc:AlternateContent xmlns:mc="http://schemas.openxmlformats.org/markup-compatibility/2006">
-        <mc:Choice xmlns:a14="http://schemas.microsoft.com/office/drawing/2010/main" Requires="a14">
+      <mc:AlternateContent xmlns:mc="http://schemas.openxmlformats.org/markup-compatibility/2006" xmlns:a14="http://schemas.microsoft.com/office/drawing/2010/main">
+        <mc:Choice Requires="a14">
           <p:sp>
             <p:nvSpPr>
               <p:cNvPr id="4" name="テキスト ボックス 3">
@@ -15727,7 +15731,7 @@
             </p:txBody>
           </p:sp>
         </mc:Choice>
-        <mc:Fallback>
+        <mc:Fallback xmlns="">
           <p:sp>
             <p:nvSpPr>
               <p:cNvPr id="4" name="テキスト ボックス 3">
@@ -16709,8 +16713,8 @@
           </a:p>
         </p:txBody>
       </p:sp>
-      <mc:AlternateContent xmlns:mc="http://schemas.openxmlformats.org/markup-compatibility/2006">
-        <mc:Choice xmlns:a14="http://schemas.microsoft.com/office/drawing/2010/main" Requires="a14">
+      <mc:AlternateContent xmlns:mc="http://schemas.openxmlformats.org/markup-compatibility/2006" xmlns:a14="http://schemas.microsoft.com/office/drawing/2010/main">
+        <mc:Choice Requires="a14">
           <p:sp>
             <p:nvSpPr>
               <p:cNvPr id="3" name="テキスト ボックス 2">
@@ -16814,7 +16818,7 @@
             </p:txBody>
           </p:sp>
         </mc:Choice>
-        <mc:Fallback>
+        <mc:Fallback xmlns="">
           <p:sp>
             <p:nvSpPr>
               <p:cNvPr id="3" name="テキスト ボックス 2">
@@ -17354,8 +17358,8 @@
           </a:fontRef>
         </p:style>
       </p:cxnSp>
-      <mc:AlternateContent xmlns:mc="http://schemas.openxmlformats.org/markup-compatibility/2006">
-        <mc:Choice xmlns:a14="http://schemas.microsoft.com/office/drawing/2010/main" Requires="a14">
+      <mc:AlternateContent xmlns:mc="http://schemas.openxmlformats.org/markup-compatibility/2006" xmlns:a14="http://schemas.microsoft.com/office/drawing/2010/main">
+        <mc:Choice Requires="a14">
           <p:sp>
             <p:nvSpPr>
               <p:cNvPr id="21" name="テキスト ボックス 20">
@@ -17417,7 +17421,7 @@
             </p:txBody>
           </p:sp>
         </mc:Choice>
-        <mc:Fallback>
+        <mc:Fallback xmlns="">
           <p:sp>
             <p:nvSpPr>
               <p:cNvPr id="21" name="テキスト ボックス 20">
@@ -17462,8 +17466,8 @@
           </p:sp>
         </mc:Fallback>
       </mc:AlternateContent>
-      <mc:AlternateContent xmlns:mc="http://schemas.openxmlformats.org/markup-compatibility/2006">
-        <mc:Choice xmlns:a14="http://schemas.microsoft.com/office/drawing/2010/main" Requires="a14">
+      <mc:AlternateContent xmlns:mc="http://schemas.openxmlformats.org/markup-compatibility/2006" xmlns:a14="http://schemas.microsoft.com/office/drawing/2010/main">
+        <mc:Choice Requires="a14">
           <p:sp>
             <p:nvSpPr>
               <p:cNvPr id="22" name="テキスト ボックス 21">
@@ -17525,7 +17529,7 @@
             </p:txBody>
           </p:sp>
         </mc:Choice>
-        <mc:Fallback>
+        <mc:Fallback xmlns="">
           <p:sp>
             <p:nvSpPr>
               <p:cNvPr id="22" name="テキスト ボックス 21">
@@ -17615,8 +17619,8 @@
           </a:fontRef>
         </p:style>
       </p:cxnSp>
-      <mc:AlternateContent xmlns:mc="http://schemas.openxmlformats.org/markup-compatibility/2006">
-        <mc:Choice xmlns:a14="http://schemas.microsoft.com/office/drawing/2010/main" Requires="a14">
+      <mc:AlternateContent xmlns:mc="http://schemas.openxmlformats.org/markup-compatibility/2006" xmlns:a14="http://schemas.microsoft.com/office/drawing/2010/main">
+        <mc:Choice Requires="a14">
           <p:sp>
             <p:nvSpPr>
               <p:cNvPr id="26" name="テキスト ボックス 25">
@@ -17678,7 +17682,7 @@
             </p:txBody>
           </p:sp>
         </mc:Choice>
-        <mc:Fallback>
+        <mc:Fallback xmlns="">
           <p:sp>
             <p:nvSpPr>
               <p:cNvPr id="26" name="テキスト ボックス 25">
@@ -17766,8 +17770,8 @@
           </a:fontRef>
         </p:style>
       </p:cxnSp>
-      <mc:AlternateContent xmlns:mc="http://schemas.openxmlformats.org/markup-compatibility/2006">
-        <mc:Choice xmlns:a14="http://schemas.microsoft.com/office/drawing/2010/main" Requires="a14">
+      <mc:AlternateContent xmlns:mc="http://schemas.openxmlformats.org/markup-compatibility/2006" xmlns:a14="http://schemas.microsoft.com/office/drawing/2010/main">
+        <mc:Choice Requires="a14">
           <p:sp>
             <p:nvSpPr>
               <p:cNvPr id="29" name="テキスト ボックス 28">
@@ -17829,7 +17833,7 @@
             </p:txBody>
           </p:sp>
         </mc:Choice>
-        <mc:Fallback>
+        <mc:Fallback xmlns="">
           <p:sp>
             <p:nvSpPr>
               <p:cNvPr id="29" name="テキスト ボックス 28">

--- a/basic/fig/slide.pptx
+++ b/basic/fig/slide.pptx
@@ -233,7 +233,7 @@
           </a:lstStyle>
           <a:p>
             <a:fld id="{6B8D1B20-A248-FB47-8240-73C0C5F47C9D}" type="datetimeFigureOut">
-              <a:t>2019/9/27</a:t>
+              <a:t>2019/9/30</a:t>
             </a:fld>
             <a:endParaRPr kumimoji="1" lang="ja-JP" altLang="en-US"/>
           </a:p>
@@ -6716,6 +6716,45 @@
           </a:p>
         </p:txBody>
       </p:sp>
+      <p:sp>
+        <p:nvSpPr>
+          <p:cNvPr id="4" name="テキスト ボックス 3">
+            <a:extLst>
+              <a:ext uri="{FF2B5EF4-FFF2-40B4-BE49-F238E27FC236}">
+                <a16:creationId xmlns:a16="http://schemas.microsoft.com/office/drawing/2014/main" id="{04F43CB2-5BF2-B54F-83C1-E91B33236FBB}"/>
+              </a:ext>
+            </a:extLst>
+          </p:cNvPr>
+          <p:cNvSpPr txBox="1"/>
+          <p:nvPr/>
+        </p:nvSpPr>
+        <p:spPr>
+          <a:xfrm>
+            <a:off x="3523551" y="1556792"/>
+            <a:ext cx="5620449" cy="307777"/>
+          </a:xfrm>
+          <a:prstGeom prst="rect">
+            <a:avLst/>
+          </a:prstGeom>
+          <a:noFill/>
+        </p:spPr>
+        <p:txBody>
+          <a:bodyPr wrap="none" rtlCol="0">
+            <a:spAutoFit/>
+          </a:bodyPr>
+          <a:lstStyle/>
+          <a:p>
+            <a:r>
+              <a:rPr kumimoji="1" lang="en-US" altLang="ja-JP" sz="1400"/>
+              <a:t>※ </a:t>
+            </a:r>
+            <a:r>
+              <a:rPr kumimoji="1" lang="ja-JP" altLang="en-US" sz="1400"/>
+              <a:t>これは厳密にはデータ型の定義で「型とは何か」の定義は難しい</a:t>
+            </a:r>
+          </a:p>
+        </p:txBody>
+      </p:sp>
     </p:spTree>
     <p:extLst>
       <p:ext uri="{BB962C8B-B14F-4D97-AF65-F5344CB8AC3E}">
@@ -13229,7 +13268,7 @@
         <p:spPr>
           <a:xfrm>
             <a:off x="179512" y="1700808"/>
-            <a:ext cx="8784975" cy="2554545"/>
+            <a:ext cx="8784975" cy="3046988"/>
           </a:xfrm>
           <a:prstGeom prst="rect">
             <a:avLst/>
@@ -13244,43 +13283,78 @@
           <a:p>
             <a:r>
               <a:rPr kumimoji="1" lang="ja-JP" altLang="en-US" sz="3200" dirty="0"/>
-              <a:t>・変数はメモリのどこかにつけられたラベル</a:t>
+              <a:t>・変数はメモリのどこかにつけられた</a:t>
+            </a:r>
+            <a:r>
+              <a:rPr kumimoji="1" lang="ja-JP" altLang="en-US" sz="3200" dirty="0">
+                <a:solidFill>
+                  <a:srgbClr val="FF0000"/>
+                </a:solidFill>
+              </a:rPr>
+              <a:t>ラベル</a:t>
+            </a:r>
+            <a:endParaRPr kumimoji="1" lang="en-US" altLang="ja-JP" sz="3200" dirty="0">
+              <a:solidFill>
+                <a:srgbClr val="FF0000"/>
+              </a:solidFill>
+            </a:endParaRPr>
+          </a:p>
+          <a:p>
+            <a:r>
+              <a:rPr lang="ja-JP" altLang="en-US" sz="3200" dirty="0"/>
+              <a:t>・メモリ上の数値は「</a:t>
+            </a:r>
+            <a:r>
+              <a:rPr lang="ja-JP" altLang="en-US" sz="3200" dirty="0">
+                <a:solidFill>
+                  <a:srgbClr val="FF0000"/>
+                </a:solidFill>
+              </a:rPr>
+              <a:t>型</a:t>
+            </a:r>
+            <a:r>
+              <a:rPr lang="ja-JP" altLang="en-US" sz="3200" dirty="0"/>
+              <a:t>」により解釈される</a:t>
+            </a:r>
+            <a:endParaRPr lang="en-US" altLang="ja-JP" sz="3200" dirty="0"/>
+          </a:p>
+          <a:p>
+            <a:r>
+              <a:rPr lang="ja-JP" altLang="en-US" sz="3200" dirty="0"/>
+              <a:t>・繰り返しや条件分岐は</a:t>
+            </a:r>
+            <a:r>
+              <a:rPr lang="ja-JP" altLang="en-US" sz="3200" dirty="0">
+                <a:solidFill>
+                  <a:srgbClr val="FF0000"/>
+                </a:solidFill>
+              </a:rPr>
+              <a:t>ブロック</a:t>
+            </a:r>
+            <a:r>
+              <a:rPr lang="ja-JP" altLang="en-US" sz="3200" dirty="0"/>
+              <a:t>を伴う</a:t>
+            </a:r>
+            <a:endParaRPr lang="en-US" altLang="ja-JP" sz="3200" dirty="0"/>
+          </a:p>
+          <a:p>
+            <a:r>
+              <a:rPr lang="ja-JP" altLang="en-US" sz="3200" dirty="0"/>
+              <a:t>・ブロックは</a:t>
+            </a:r>
+            <a:endParaRPr lang="en-US" altLang="ja-JP" sz="3200" dirty="0"/>
+          </a:p>
+          <a:p>
+            <a:r>
+              <a:rPr kumimoji="1" lang="ja-JP" altLang="en-US" sz="3200" dirty="0"/>
+              <a:t>　・コロンで始まる</a:t>
             </a:r>
             <a:endParaRPr kumimoji="1" lang="en-US" altLang="ja-JP" sz="3200" dirty="0"/>
           </a:p>
           <a:p>
             <a:r>
               <a:rPr lang="ja-JP" altLang="en-US" sz="3200" dirty="0"/>
-              <a:t>・メモリ上の数値は「型」により解釈される</a:t>
-            </a:r>
-            <a:endParaRPr lang="en-US" altLang="ja-JP" sz="3200" dirty="0"/>
-          </a:p>
-          <a:p>
-            <a:r>
-              <a:rPr lang="ja-JP" altLang="en-US" sz="3200" dirty="0"/>
-              <a:t>・繰り返しや条件分岐はブロックを伴う</a:t>
-            </a:r>
-            <a:endParaRPr lang="en-US" altLang="ja-JP" sz="3200" dirty="0"/>
-          </a:p>
-          <a:p>
-            <a:r>
-              <a:rPr kumimoji="1" lang="ja-JP" altLang="en-US" sz="3200" dirty="0" smtClean="0"/>
-              <a:t>・</a:t>
-            </a:r>
-            <a:r>
-              <a:rPr kumimoji="1" lang="en-US" altLang="ja-JP" sz="3200" dirty="0" smtClean="0"/>
-              <a:t>Python</a:t>
-            </a:r>
-            <a:r>
-              <a:rPr kumimoji="1" lang="ja-JP" altLang="en-US" sz="3200" dirty="0"/>
-              <a:t>のブロックはコロンで始まる</a:t>
-            </a:r>
-            <a:endParaRPr kumimoji="1" lang="en-US" altLang="ja-JP" sz="3200" dirty="0"/>
-          </a:p>
-          <a:p>
-            <a:r>
-              <a:rPr lang="ja-JP" altLang="en-US" sz="3200" dirty="0"/>
-              <a:t>・ブロックは同じインデントを持つ行の集まり</a:t>
+              <a:t>　・同じインデントを持つ行の集まり</a:t>
             </a:r>
             <a:endParaRPr lang="en-US" altLang="ja-JP" sz="3200" dirty="0"/>
           </a:p>
